--- a/Test Set Optimization.pptx
+++ b/Test Set Optimization.pptx
@@ -522,7 +522,7 @@
           <a:p>
             <a:fld id="{83284890-85D2-4D7B-8EF5-15A9C1DB8F42}" type="datetimeFigureOut">
               <a:rPr lang="en-US" dirty="0"/>
-              <a:t>6/24/2018</a:t>
+              <a:t>6/25/2018</a:t>
             </a:fld>
             <a:endParaRPr lang="en-US" dirty="0"/>
           </a:p>
@@ -697,7 +697,7 @@
           <a:p>
             <a:fld id="{87157CC2-0FC8-4686-B024-99790E0F5162}" type="datetimeFigureOut">
               <a:rPr lang="en-US" dirty="0"/>
-              <a:t>6/24/2018</a:t>
+              <a:t>6/25/2018</a:t>
             </a:fld>
             <a:endParaRPr lang="en-US" dirty="0"/>
           </a:p>
@@ -872,7 +872,7 @@
           <a:p>
             <a:fld id="{F6764DA5-CD3D-4590-A511-FCD3BC7A793E}" type="datetimeFigureOut">
               <a:rPr lang="en-US" dirty="0"/>
-              <a:t>6/24/2018</a:t>
+              <a:t>6/25/2018</a:t>
             </a:fld>
             <a:endParaRPr lang="en-US" dirty="0"/>
           </a:p>
@@ -1037,7 +1037,7 @@
           <a:p>
             <a:fld id="{82F5661D-6934-4B32-B92C-470368BF1EC6}" type="datetimeFigureOut">
               <a:rPr lang="en-US" dirty="0"/>
-              <a:t>6/24/2018</a:t>
+              <a:t>6/25/2018</a:t>
             </a:fld>
             <a:endParaRPr lang="en-US" dirty="0"/>
           </a:p>
@@ -1345,7 +1345,7 @@
           <a:p>
             <a:fld id="{C6F822A4-8DA6-4447-9B1F-C5DB58435268}" type="datetimeFigureOut">
               <a:rPr lang="en-US" dirty="0"/>
-              <a:t>6/24/2018</a:t>
+              <a:t>6/25/2018</a:t>
             </a:fld>
             <a:endParaRPr lang="en-US" dirty="0"/>
           </a:p>
@@ -1727,7 +1727,7 @@
           <a:p>
             <a:fld id="{E548D31E-DCDA-41A7-9C67-C4B11B94D21D}" type="datetimeFigureOut">
               <a:rPr lang="en-US" dirty="0"/>
-              <a:t>6/24/2018</a:t>
+              <a:t>6/25/2018</a:t>
             </a:fld>
             <a:endParaRPr lang="en-US" dirty="0"/>
           </a:p>
@@ -2156,7 +2156,7 @@
           <a:p>
             <a:fld id="{9B3762C0-B258-48F1-ADE6-176B4174CCDD}" type="datetimeFigureOut">
               <a:rPr lang="en-US" dirty="0"/>
-              <a:t>6/24/2018</a:t>
+              <a:t>6/25/2018</a:t>
             </a:fld>
             <a:endParaRPr lang="en-US" dirty="0"/>
           </a:p>
@@ -2269,7 +2269,7 @@
           <a:p>
             <a:fld id="{677919A6-33EB-49BD-A62F-1FA56B9F9712}" type="datetimeFigureOut">
               <a:rPr lang="en-US" dirty="0"/>
-              <a:t>6/24/2018</a:t>
+              <a:t>6/25/2018</a:t>
             </a:fld>
             <a:endParaRPr lang="en-US" dirty="0"/>
           </a:p>
@@ -2359,7 +2359,7 @@
           <a:p>
             <a:fld id="{CA4E7D1B-D673-4CF6-8672-009D42ABD2A0}" type="datetimeFigureOut">
               <a:rPr lang="en-US" dirty="0"/>
-              <a:t>6/24/2018</a:t>
+              <a:t>6/25/2018</a:t>
             </a:fld>
             <a:endParaRPr lang="en-US" dirty="0"/>
           </a:p>
@@ -2704,7 +2704,7 @@
           <a:p>
             <a:fld id="{DA16AA21-1863-4931-97CB-99D0A168701B}" type="datetimeFigureOut">
               <a:rPr lang="en-US" dirty="0"/>
-              <a:t>6/24/2018</a:t>
+              <a:t>6/25/2018</a:t>
             </a:fld>
             <a:endParaRPr lang="en-US" dirty="0"/>
           </a:p>
@@ -3124,7 +3124,7 @@
           <a:p>
             <a:fld id="{3772C379-9A7C-4C87-A116-CBE9F58B04C5}" type="datetimeFigureOut">
               <a:rPr lang="en-US" dirty="0"/>
-              <a:t>6/24/2018</a:t>
+              <a:t>6/25/2018</a:t>
             </a:fld>
             <a:endParaRPr lang="en-US" dirty="0"/>
           </a:p>
@@ -3400,7 +3400,7 @@
           <a:p>
             <a:fld id="{8664C608-40B1-4030-A28D-5B74BC98ADCE}" type="datetimeFigureOut">
               <a:rPr lang="en-US" dirty="0"/>
-              <a:t>6/24/2018</a:t>
+              <a:t>6/25/2018</a:t>
             </a:fld>
             <a:endParaRPr lang="en-US" dirty="0"/>
           </a:p>
@@ -4007,7 +4007,7 @@
           <p:cNvPr id="5" name="Subtitle 2">
             <a:extLst>
               <a:ext uri="{FF2B5EF4-FFF2-40B4-BE49-F238E27FC236}">
-                <a16:creationId xmlns:a16="http://schemas.microsoft.com/office/drawing/2014/main" xmlns="" id="{A4E52CD5-4862-423C-9681-E64859ECA90C}"/>
+                <a16:creationId xmlns="" xmlns:a16="http://schemas.microsoft.com/office/drawing/2014/main" id="{A4E52CD5-4862-423C-9681-E64859ECA90C}"/>
               </a:ext>
             </a:extLst>
           </p:cNvPr>
@@ -4467,11 +4467,27 @@
           <a:p>
             <a:r>
               <a:rPr lang="en-US" sz="2400" dirty="0" smtClean="0"/>
-              <a:t>Test pass trough 1…n software  components</a:t>
+              <a:t>Single test </a:t>
+            </a:r>
+            <a:r>
+              <a:rPr lang="en-US" sz="2400" dirty="0" smtClean="0"/>
+              <a:t>pass trough </a:t>
+            </a:r>
+            <a:r>
+              <a:rPr lang="en-US" sz="2400" dirty="0" smtClean="0"/>
+              <a:t>subset from n </a:t>
+            </a:r>
+            <a:r>
+              <a:rPr lang="en-US" sz="2400" dirty="0" smtClean="0"/>
+              <a:t>software </a:t>
+            </a:r>
+            <a:r>
+              <a:rPr lang="en-US" sz="2400" dirty="0" smtClean="0"/>
+              <a:t>components </a:t>
             </a:r>
             <a:r>
               <a:rPr lang="en-US" sz="2400" dirty="0"/>
-              <a:t> (classes</a:t>
+              <a:t>(classes</a:t>
             </a:r>
             <a:r>
               <a:rPr lang="en-US" sz="2400" dirty="0" smtClean="0"/>
@@ -4608,15 +4624,7 @@
             </a:r>
             <a:r>
               <a:rPr lang="en-US" sz="2400" dirty="0" smtClean="0"/>
-              <a:t>maximizes the number of </a:t>
-            </a:r>
-            <a:r>
-              <a:rPr lang="en-US" sz="2400" dirty="0" smtClean="0"/>
-              <a:t>bugs</a:t>
-            </a:r>
-            <a:r>
-              <a:rPr lang="en-US" sz="2400" dirty="0" smtClean="0"/>
-              <a:t>.</a:t>
+              <a:t>maximizes the number of bugs.</a:t>
             </a:r>
           </a:p>
           <a:p>
@@ -4660,7 +4668,7 @@
           <p:cNvPr id="5" name="Content Placeholder 4">
             <a:extLst>
               <a:ext uri="{FF2B5EF4-FFF2-40B4-BE49-F238E27FC236}">
-                <a16:creationId xmlns:a16="http://schemas.microsoft.com/office/drawing/2014/main" xmlns="" id="{910E7538-8B62-9C4C-B6DA-0AB9F37A9919}"/>
+                <a16:creationId xmlns="" xmlns:a16="http://schemas.microsoft.com/office/drawing/2014/main" id="{910E7538-8B62-9C4C-B6DA-0AB9F37A9919}"/>
               </a:ext>
             </a:extLst>
           </p:cNvPr>
@@ -4698,6 +4706,66 @@
           </a:sp3d>
         </p:spPr>
       </p:pic>
+      <p:sp>
+        <p:nvSpPr>
+          <p:cNvPr id="6" name="TextBox 5"/>
+          <p:cNvSpPr txBox="1"/>
+          <p:nvPr/>
+        </p:nvSpPr>
+        <p:spPr>
+          <a:xfrm>
+            <a:off x="3089771" y="5672330"/>
+            <a:ext cx="1205345" cy="369332"/>
+          </a:xfrm>
+          <a:prstGeom prst="rect">
+            <a:avLst/>
+          </a:prstGeom>
+          <a:noFill/>
+        </p:spPr>
+        <p:txBody>
+          <a:bodyPr wrap="square" rtlCol="0">
+            <a:spAutoFit/>
+          </a:bodyPr>
+          <a:lstStyle/>
+          <a:p>
+            <a:r>
+              <a:rPr lang="en-US" dirty="0" smtClean="0"/>
+              <a:t>Tests #</a:t>
+            </a:r>
+            <a:endParaRPr lang="en-US" dirty="0"/>
+          </a:p>
+        </p:txBody>
+      </p:sp>
+      <p:sp>
+        <p:nvSpPr>
+          <p:cNvPr id="7" name="TextBox 6"/>
+          <p:cNvSpPr txBox="1"/>
+          <p:nvPr/>
+        </p:nvSpPr>
+        <p:spPr>
+          <a:xfrm>
+            <a:off x="274389" y="3777472"/>
+            <a:ext cx="1205345" cy="369332"/>
+          </a:xfrm>
+          <a:prstGeom prst="rect">
+            <a:avLst/>
+          </a:prstGeom>
+          <a:noFill/>
+        </p:spPr>
+        <p:txBody>
+          <a:bodyPr wrap="square" rtlCol="0">
+            <a:spAutoFit/>
+          </a:bodyPr>
+          <a:lstStyle/>
+          <a:p>
+            <a:r>
+              <a:rPr lang="en-US" dirty="0" smtClean="0"/>
+              <a:t># of Bugs</a:t>
+            </a:r>
+            <a:endParaRPr lang="en-US" dirty="0"/>
+          </a:p>
+        </p:txBody>
+      </p:sp>
     </p:spTree>
     <p:extLst>
       <p:ext uri="{BB962C8B-B14F-4D97-AF65-F5344CB8AC3E}">
@@ -4780,72 +4848,86 @@
           <a:p>
             <a:r>
               <a:rPr lang="en-US" dirty="0" smtClean="0"/>
-              <a:t>For n number of tests to perform from N tests.</a:t>
-            </a:r>
-          </a:p>
-          <a:p>
+              <a:t>Calculate </a:t>
+            </a:r>
             <a:r>
               <a:rPr lang="en-US" dirty="0" smtClean="0"/>
-              <a:t>Calculate components failure entropy for all components.</a:t>
-            </a:r>
-          </a:p>
-          <a:p>
-            <a:r>
-              <a:rPr lang="en-US" dirty="0"/>
-              <a:t>Calculate components failure entropy for </a:t>
-            </a:r>
+              <a:t>components failure entropy for all components.</a:t>
+            </a:r>
+          </a:p>
+          <a:p>
             <a:r>
               <a:rPr lang="en-US" dirty="0" smtClean="0"/>
-              <a:t>each test.</a:t>
-            </a:r>
-            <a:endParaRPr lang="en-US" dirty="0"/>
-          </a:p>
-          <a:p>
-            <a:r>
-              <a:rPr lang="en-US" dirty="0" smtClean="0"/>
-              <a:t>Simulate running the test with fail and pass outcome.</a:t>
-            </a:r>
-          </a:p>
-          <a:p>
-            <a:r>
-              <a:rPr lang="en-US" dirty="0" smtClean="0"/>
-              <a:t>Calculate test components </a:t>
-            </a:r>
-            <a:r>
-              <a:rPr lang="en-US" dirty="0"/>
+              <a:t>For predefined number of tests do:</a:t>
+            </a:r>
+          </a:p>
+          <a:p>
+            <a:pPr lvl="1"/>
+            <a:r>
+              <a:rPr lang="en-US" sz="2000" dirty="0"/>
+              <a:t>Calculate test entropy </a:t>
+            </a:r>
+            <a:r>
+              <a:rPr lang="en-US" sz="2000" dirty="0"/>
+              <a:t>(components </a:t>
+            </a:r>
+            <a:r>
+              <a:rPr lang="en-US" sz="2000" dirty="0"/>
+              <a:t>failure </a:t>
+            </a:r>
+            <a:r>
+              <a:rPr lang="en-US" sz="2000" dirty="0"/>
+              <a:t>entropy)  by simulate running test with fail and pass outcome.</a:t>
+            </a:r>
+          </a:p>
+          <a:p>
+            <a:pPr marL="274320" lvl="1" indent="0">
+              <a:buNone/>
+            </a:pPr>
+            <a:r>
+              <a:rPr lang="en-US" sz="2000" dirty="0"/>
+              <a:t>   Calculate test components </a:t>
+            </a:r>
+            <a:r>
+              <a:rPr lang="en-US" sz="2000" dirty="0"/>
               <a:t>new </a:t>
             </a:r>
             <a:r>
-              <a:rPr lang="en-US" dirty="0" smtClean="0"/>
+              <a:rPr lang="en-US" sz="2000" dirty="0"/>
               <a:t>failure probabilities using SFL </a:t>
             </a:r>
             <a:r>
-              <a:rPr lang="en-US" dirty="0" err="1" smtClean="0"/>
-              <a:t>diagnoser</a:t>
-            </a:r>
-            <a:r>
-              <a:rPr lang="en-US" dirty="0" smtClean="0"/>
+              <a:rPr lang="en-US" sz="2000" dirty="0" err="1" smtClean="0"/>
+              <a:t>Diagnoser</a:t>
+            </a:r>
+            <a:r>
+              <a:rPr lang="en-US" sz="2000" dirty="0"/>
               <a:t>. </a:t>
             </a:r>
-            <a:endParaRPr lang="en-US" dirty="0" smtClean="0"/>
-          </a:p>
-          <a:p>
-            <a:r>
-              <a:rPr lang="en-US" dirty="0"/>
+          </a:p>
+          <a:p>
+            <a:pPr lvl="1"/>
+            <a:r>
+              <a:rPr lang="en-US" sz="2000" dirty="0"/>
               <a:t>Choose the test with minimum entropy = maximum information gain </a:t>
             </a:r>
             <a:r>
-              <a:rPr lang="en-US" dirty="0" smtClean="0"/>
+              <a:rPr lang="en-US" sz="2000" dirty="0"/>
               <a:t>given the previous tests already chosen.</a:t>
             </a:r>
-            <a:endParaRPr lang="en-US" dirty="0"/>
-          </a:p>
-          <a:p>
-            <a:r>
-              <a:rPr lang="en-US" dirty="0" smtClean="0"/>
-              <a:t>Continue choose tests till reach n.</a:t>
-            </a:r>
-            <a:endParaRPr lang="en-US" dirty="0" smtClean="0"/>
+            <a:endParaRPr lang="en-US" sz="2000" dirty="0"/>
+          </a:p>
+          <a:p>
+            <a:pPr lvl="1"/>
+            <a:r>
+              <a:rPr lang="en-US" sz="2000" dirty="0"/>
+              <a:t>Continue choose tests till reach </a:t>
+            </a:r>
+            <a:r>
+              <a:rPr lang="en-US" sz="2000" dirty="0"/>
+              <a:t>n (predefined number of tests ).</a:t>
+            </a:r>
+            <a:endParaRPr lang="en-US" sz="2000" dirty="0"/>
           </a:p>
         </p:txBody>
       </p:sp>
@@ -4907,8 +4989,16 @@
           <a:lstStyle/>
           <a:p>
             <a:r>
+              <a:rPr lang="en-US" dirty="0" smtClean="0"/>
+              <a:t>Test </a:t>
+            </a:r>
+            <a:r>
               <a:rPr lang="en-US" dirty="0"/>
-              <a:t>Algorithm - Test Entropy </a:t>
+              <a:t>Entropy </a:t>
+            </a:r>
+            <a:r>
+              <a:rPr lang="en-US" dirty="0" smtClean="0"/>
+              <a:t>Definition</a:t>
             </a:r>
             <a:endParaRPr lang="en-US" dirty="0"/>
           </a:p>
@@ -4979,7 +5069,6 @@
               <a:rPr lang="en-US" altLang="en-US" dirty="0"/>
               <a:t>)</a:t>
             </a:r>
-            <a:endParaRPr lang="en-US" altLang="en-US" dirty="0"/>
           </a:p>
           <a:p>
             <a:pPr marL="0" indent="0">
@@ -5202,8 +5291,17 @@
               <a:rPr lang="en-US" dirty="0" smtClean="0">
                 <a:sym typeface="Wingdings" panose="05000000000000000000" pitchFamily="2" charset="2"/>
               </a:rPr>
-              <a:t>Calculate chosen test max bugs </a:t>
-            </a:r>
+              <a:t>Calculate chosen test </a:t>
+            </a:r>
+            <a:r>
+              <a:rPr lang="en-US" dirty="0" smtClean="0">
+                <a:sym typeface="Wingdings" panose="05000000000000000000" pitchFamily="2" charset="2"/>
+              </a:rPr>
+              <a:t>failures metric.</a:t>
+            </a:r>
+            <a:endParaRPr lang="en-US" dirty="0" smtClean="0">
+              <a:sym typeface="Wingdings" panose="05000000000000000000" pitchFamily="2" charset="2"/>
+            </a:endParaRPr>
           </a:p>
           <a:p>
             <a:pPr lvl="1"/>
@@ -5223,7 +5321,43 @@
               <a:rPr lang="en-US" dirty="0" smtClean="0">
                 <a:sym typeface="Wingdings" panose="05000000000000000000" pitchFamily="2" charset="2"/>
               </a:rPr>
-              <a:t>test Vs. simple top n failure test highest probability</a:t>
+              <a:t>tests execution outcomes </a:t>
+            </a:r>
+            <a:r>
+              <a:rPr lang="en-US" dirty="0" smtClean="0">
+                <a:sym typeface="Wingdings" panose="05000000000000000000" pitchFamily="2" charset="2"/>
+              </a:rPr>
+              <a:t>Vs. </a:t>
+            </a:r>
+            <a:r>
+              <a:rPr lang="en-US" dirty="0" smtClean="0">
+                <a:sym typeface="Wingdings" panose="05000000000000000000" pitchFamily="2" charset="2"/>
+              </a:rPr>
+              <a:t>Top </a:t>
+            </a:r>
+            <a:r>
+              <a:rPr lang="en-US" dirty="0" smtClean="0">
+                <a:sym typeface="Wingdings" panose="05000000000000000000" pitchFamily="2" charset="2"/>
+              </a:rPr>
+              <a:t>n </a:t>
+            </a:r>
+            <a:r>
+              <a:rPr lang="en-US" dirty="0" smtClean="0">
+                <a:sym typeface="Wingdings" panose="05000000000000000000" pitchFamily="2" charset="2"/>
+              </a:rPr>
+              <a:t>tests with failure </a:t>
+            </a:r>
+            <a:r>
+              <a:rPr lang="en-US" dirty="0">
+                <a:sym typeface="Wingdings" panose="05000000000000000000" pitchFamily="2" charset="2"/>
+              </a:rPr>
+              <a:t>highest </a:t>
+            </a:r>
+            <a:r>
+              <a:rPr lang="en-US" dirty="0" smtClean="0">
+                <a:sym typeface="Wingdings" panose="05000000000000000000" pitchFamily="2" charset="2"/>
+              </a:rPr>
+              <a:t>probability</a:t>
             </a:r>
           </a:p>
         </p:txBody>

--- a/Test Set Optimization.pptx
+++ b/Test Set Optimization.pptx
@@ -11,8 +11,13 @@
     <p:sldId id="259" r:id="rId5"/>
     <p:sldId id="268" r:id="rId6"/>
     <p:sldId id="270" r:id="rId7"/>
-    <p:sldId id="269" r:id="rId8"/>
-    <p:sldId id="267" r:id="rId9"/>
+    <p:sldId id="271" r:id="rId8"/>
+    <p:sldId id="272" r:id="rId9"/>
+    <p:sldId id="276" r:id="rId10"/>
+    <p:sldId id="274" r:id="rId11"/>
+    <p:sldId id="275" r:id="rId12"/>
+    <p:sldId id="277" r:id="rId13"/>
+    <p:sldId id="267" r:id="rId14"/>
   </p:sldIdLst>
   <p:sldSz cx="12192000" cy="6858000"/>
   <p:notesSz cx="6858000" cy="9144000"/>
@@ -117,6 +122,10 @@
     </p:ext>
   </p:extLst>
 </p:presentation>
+</file>
+
+<file path=ppt/revisionInfo.xml><?xml version="1.0" encoding="utf-8"?>
+<p1510:revInfo xmlns:a="http://schemas.openxmlformats.org/drawingml/2006/main" xmlns:r="http://schemas.openxmlformats.org/officeDocument/2006/relationships" xmlns:p1510="http://schemas.microsoft.com/office/powerpoint/2015/10/main"/>
 </file>
 
 <file path=ppt/slideLayouts/slideLayout1.xml><?xml version="1.0" encoding="utf-8"?>
@@ -427,7 +436,7 @@
           </a:lstStyle>
           <a:p>
             <a:r>
-              <a:rPr lang="en-US" smtClean="0"/>
+              <a:rPr lang="en-US"/>
               <a:t>Click to edit Master title style</a:t>
             </a:r>
             <a:endParaRPr lang="en-US" dirty="0"/>
@@ -498,7 +507,7 @@
           </a:lstStyle>
           <a:p>
             <a:r>
-              <a:rPr lang="en-US" smtClean="0"/>
+              <a:rPr lang="en-US"/>
               <a:t>Click to edit Master subtitle style</a:t>
             </a:r>
             <a:endParaRPr lang="en-US" dirty="0"/>
@@ -522,7 +531,7 @@
           <a:p>
             <a:fld id="{83284890-85D2-4D7B-8EF5-15A9C1DB8F42}" type="datetimeFigureOut">
               <a:rPr lang="en-US" dirty="0"/>
-              <a:t>6/25/2018</a:t>
+              <a:t>7/14/2018</a:t>
             </a:fld>
             <a:endParaRPr lang="en-US" dirty="0"/>
           </a:p>
@@ -621,7 +630,7 @@
           <a:lstStyle/>
           <a:p>
             <a:r>
-              <a:rPr lang="en-US" smtClean="0"/>
+              <a:rPr lang="en-US"/>
               <a:t>Click to edit Master title style</a:t>
             </a:r>
             <a:endParaRPr lang="en-US" dirty="0"/>
@@ -645,35 +654,35 @@
           <a:p>
             <a:pPr lvl="0"/>
             <a:r>
-              <a:rPr lang="en-US" smtClean="0"/>
+              <a:rPr lang="en-US"/>
               <a:t>Click to edit Master text styles</a:t>
             </a:r>
           </a:p>
           <a:p>
             <a:pPr lvl="1"/>
             <a:r>
-              <a:rPr lang="en-US" smtClean="0"/>
+              <a:rPr lang="en-US"/>
               <a:t>Second level</a:t>
             </a:r>
           </a:p>
           <a:p>
             <a:pPr lvl="2"/>
             <a:r>
-              <a:rPr lang="en-US" smtClean="0"/>
+              <a:rPr lang="en-US"/>
               <a:t>Third level</a:t>
             </a:r>
           </a:p>
           <a:p>
             <a:pPr lvl="3"/>
             <a:r>
-              <a:rPr lang="en-US" smtClean="0"/>
+              <a:rPr lang="en-US"/>
               <a:t>Fourth level</a:t>
             </a:r>
           </a:p>
           <a:p>
             <a:pPr lvl="4"/>
             <a:r>
-              <a:rPr lang="en-US" smtClean="0"/>
+              <a:rPr lang="en-US"/>
               <a:t>Fifth level</a:t>
             </a:r>
             <a:endParaRPr lang="en-US" dirty="0"/>
@@ -697,7 +706,7 @@
           <a:p>
             <a:fld id="{87157CC2-0FC8-4686-B024-99790E0F5162}" type="datetimeFigureOut">
               <a:rPr lang="en-US" dirty="0"/>
-              <a:t>6/25/2018</a:t>
+              <a:t>7/14/2018</a:t>
             </a:fld>
             <a:endParaRPr lang="en-US" dirty="0"/>
           </a:p>
@@ -791,7 +800,7 @@
           <a:lstStyle/>
           <a:p>
             <a:r>
-              <a:rPr lang="en-US" smtClean="0"/>
+              <a:rPr lang="en-US"/>
               <a:t>Click to edit Master title style</a:t>
             </a:r>
             <a:endParaRPr lang="en-US" dirty="0"/>
@@ -820,35 +829,35 @@
           <a:p>
             <a:pPr lvl="0"/>
             <a:r>
-              <a:rPr lang="en-US" smtClean="0"/>
+              <a:rPr lang="en-US"/>
               <a:t>Click to edit Master text styles</a:t>
             </a:r>
           </a:p>
           <a:p>
             <a:pPr lvl="1"/>
             <a:r>
-              <a:rPr lang="en-US" smtClean="0"/>
+              <a:rPr lang="en-US"/>
               <a:t>Second level</a:t>
             </a:r>
           </a:p>
           <a:p>
             <a:pPr lvl="2"/>
             <a:r>
-              <a:rPr lang="en-US" smtClean="0"/>
+              <a:rPr lang="en-US"/>
               <a:t>Third level</a:t>
             </a:r>
           </a:p>
           <a:p>
             <a:pPr lvl="3"/>
             <a:r>
-              <a:rPr lang="en-US" smtClean="0"/>
+              <a:rPr lang="en-US"/>
               <a:t>Fourth level</a:t>
             </a:r>
           </a:p>
           <a:p>
             <a:pPr lvl="4"/>
             <a:r>
-              <a:rPr lang="en-US" smtClean="0"/>
+              <a:rPr lang="en-US"/>
               <a:t>Fifth level</a:t>
             </a:r>
             <a:endParaRPr lang="en-US" dirty="0"/>
@@ -872,7 +881,7 @@
           <a:p>
             <a:fld id="{F6764DA5-CD3D-4590-A511-FCD3BC7A793E}" type="datetimeFigureOut">
               <a:rPr lang="en-US" dirty="0"/>
-              <a:t>6/25/2018</a:t>
+              <a:t>7/14/2018</a:t>
             </a:fld>
             <a:endParaRPr lang="en-US" dirty="0"/>
           </a:p>
@@ -961,7 +970,7 @@
           <a:lstStyle/>
           <a:p>
             <a:r>
-              <a:rPr lang="en-US" smtClean="0"/>
+              <a:rPr lang="en-US"/>
               <a:t>Click to edit Master title style</a:t>
             </a:r>
             <a:endParaRPr lang="en-US" dirty="0"/>
@@ -985,35 +994,35 @@
           <a:p>
             <a:pPr lvl="0"/>
             <a:r>
-              <a:rPr lang="en-US" smtClean="0"/>
+              <a:rPr lang="en-US"/>
               <a:t>Click to edit Master text styles</a:t>
             </a:r>
           </a:p>
           <a:p>
             <a:pPr lvl="1"/>
             <a:r>
-              <a:rPr lang="en-US" smtClean="0"/>
+              <a:rPr lang="en-US"/>
               <a:t>Second level</a:t>
             </a:r>
           </a:p>
           <a:p>
             <a:pPr lvl="2"/>
             <a:r>
-              <a:rPr lang="en-US" smtClean="0"/>
+              <a:rPr lang="en-US"/>
               <a:t>Third level</a:t>
             </a:r>
           </a:p>
           <a:p>
             <a:pPr lvl="3"/>
             <a:r>
-              <a:rPr lang="en-US" smtClean="0"/>
+              <a:rPr lang="en-US"/>
               <a:t>Fourth level</a:t>
             </a:r>
           </a:p>
           <a:p>
             <a:pPr lvl="4"/>
             <a:r>
-              <a:rPr lang="en-US" smtClean="0"/>
+              <a:rPr lang="en-US"/>
               <a:t>Fifth level</a:t>
             </a:r>
             <a:endParaRPr lang="en-US" dirty="0"/>
@@ -1037,7 +1046,7 @@
           <a:p>
             <a:fld id="{82F5661D-6934-4B32-B92C-470368BF1EC6}" type="datetimeFigureOut">
               <a:rPr lang="en-US" dirty="0"/>
-              <a:t>6/25/2018</a:t>
+              <a:t>7/14/2018</a:t>
             </a:fld>
             <a:endParaRPr lang="en-US" dirty="0"/>
           </a:p>
@@ -1197,7 +1206,7 @@
           </a:lstStyle>
           <a:p>
             <a:r>
-              <a:rPr lang="en-US" smtClean="0"/>
+              <a:rPr lang="en-US"/>
               <a:t>Click to edit Master title style</a:t>
             </a:r>
             <a:endParaRPr lang="en-US" dirty="0"/>
@@ -1317,7 +1326,7 @@
           <a:p>
             <a:pPr lvl="0"/>
             <a:r>
-              <a:rPr lang="en-US" smtClean="0"/>
+              <a:rPr lang="en-US"/>
               <a:t>Click to edit Master text styles</a:t>
             </a:r>
           </a:p>
@@ -1345,7 +1354,7 @@
           <a:p>
             <a:fld id="{C6F822A4-8DA6-4447-9B1F-C5DB58435268}" type="datetimeFigureOut">
               <a:rPr lang="en-US" dirty="0"/>
-              <a:t>6/25/2018</a:t>
+              <a:t>7/14/2018</a:t>
             </a:fld>
             <a:endParaRPr lang="en-US" dirty="0"/>
           </a:p>
@@ -1533,7 +1542,7 @@
           <a:lstStyle/>
           <a:p>
             <a:r>
-              <a:rPr lang="en-US" smtClean="0"/>
+              <a:rPr lang="en-US"/>
               <a:t>Click to edit Master title style</a:t>
             </a:r>
             <a:endParaRPr lang="en-US" dirty="0"/>
@@ -1590,35 +1599,35 @@
           <a:p>
             <a:pPr lvl="0"/>
             <a:r>
-              <a:rPr lang="en-US" smtClean="0"/>
+              <a:rPr lang="en-US"/>
               <a:t>Click to edit Master text styles</a:t>
             </a:r>
           </a:p>
           <a:p>
             <a:pPr lvl="1"/>
             <a:r>
-              <a:rPr lang="en-US" smtClean="0"/>
+              <a:rPr lang="en-US"/>
               <a:t>Second level</a:t>
             </a:r>
           </a:p>
           <a:p>
             <a:pPr lvl="2"/>
             <a:r>
-              <a:rPr lang="en-US" smtClean="0"/>
+              <a:rPr lang="en-US"/>
               <a:t>Third level</a:t>
             </a:r>
           </a:p>
           <a:p>
             <a:pPr lvl="3"/>
             <a:r>
-              <a:rPr lang="en-US" smtClean="0"/>
+              <a:rPr lang="en-US"/>
               <a:t>Fourth level</a:t>
             </a:r>
           </a:p>
           <a:p>
             <a:pPr lvl="4"/>
             <a:r>
-              <a:rPr lang="en-US" smtClean="0"/>
+              <a:rPr lang="en-US"/>
               <a:t>Fifth level</a:t>
             </a:r>
             <a:endParaRPr lang="en-US" dirty="0"/>
@@ -1675,35 +1684,35 @@
           <a:p>
             <a:pPr lvl="0"/>
             <a:r>
-              <a:rPr lang="en-US" smtClean="0"/>
+              <a:rPr lang="en-US"/>
               <a:t>Click to edit Master text styles</a:t>
             </a:r>
           </a:p>
           <a:p>
             <a:pPr lvl="1"/>
             <a:r>
-              <a:rPr lang="en-US" smtClean="0"/>
+              <a:rPr lang="en-US"/>
               <a:t>Second level</a:t>
             </a:r>
           </a:p>
           <a:p>
             <a:pPr lvl="2"/>
             <a:r>
-              <a:rPr lang="en-US" smtClean="0"/>
+              <a:rPr lang="en-US"/>
               <a:t>Third level</a:t>
             </a:r>
           </a:p>
           <a:p>
             <a:pPr lvl="3"/>
             <a:r>
-              <a:rPr lang="en-US" smtClean="0"/>
+              <a:rPr lang="en-US"/>
               <a:t>Fourth level</a:t>
             </a:r>
           </a:p>
           <a:p>
             <a:pPr lvl="4"/>
             <a:r>
-              <a:rPr lang="en-US" smtClean="0"/>
+              <a:rPr lang="en-US"/>
               <a:t>Fifth level</a:t>
             </a:r>
             <a:endParaRPr lang="en-US" dirty="0"/>
@@ -1727,7 +1736,7 @@
           <a:p>
             <a:fld id="{E548D31E-DCDA-41A7-9C67-C4B11B94D21D}" type="datetimeFigureOut">
               <a:rPr lang="en-US" dirty="0"/>
-              <a:t>6/25/2018</a:t>
+              <a:t>7/14/2018</a:t>
             </a:fld>
             <a:endParaRPr lang="en-US" dirty="0"/>
           </a:p>
@@ -1816,7 +1825,7 @@
           <a:lstStyle/>
           <a:p>
             <a:r>
-              <a:rPr lang="en-US" smtClean="0"/>
+              <a:rPr lang="en-US"/>
               <a:t>Click to edit Master title style</a:t>
             </a:r>
             <a:endParaRPr lang="en-US" dirty="0"/>
@@ -1890,7 +1899,7 @@
           <a:p>
             <a:pPr lvl="0"/>
             <a:r>
-              <a:rPr lang="en-US" smtClean="0"/>
+              <a:rPr lang="en-US"/>
               <a:t>Click to edit Master text styles</a:t>
             </a:r>
           </a:p>
@@ -1946,35 +1955,35 @@
           <a:p>
             <a:pPr lvl="0"/>
             <a:r>
-              <a:rPr lang="en-US" smtClean="0"/>
+              <a:rPr lang="en-US"/>
               <a:t>Click to edit Master text styles</a:t>
             </a:r>
           </a:p>
           <a:p>
             <a:pPr lvl="1"/>
             <a:r>
-              <a:rPr lang="en-US" smtClean="0"/>
+              <a:rPr lang="en-US"/>
               <a:t>Second level</a:t>
             </a:r>
           </a:p>
           <a:p>
             <a:pPr lvl="2"/>
             <a:r>
-              <a:rPr lang="en-US" smtClean="0"/>
+              <a:rPr lang="en-US"/>
               <a:t>Third level</a:t>
             </a:r>
           </a:p>
           <a:p>
             <a:pPr lvl="3"/>
             <a:r>
-              <a:rPr lang="en-US" smtClean="0"/>
+              <a:rPr lang="en-US"/>
               <a:t>Fourth level</a:t>
             </a:r>
           </a:p>
           <a:p>
             <a:pPr lvl="4"/>
             <a:r>
-              <a:rPr lang="en-US" smtClean="0"/>
+              <a:rPr lang="en-US"/>
               <a:t>Fifth level</a:t>
             </a:r>
             <a:endParaRPr lang="en-US" dirty="0"/>
@@ -2048,7 +2057,7 @@
           <a:p>
             <a:pPr lvl="0"/>
             <a:r>
-              <a:rPr lang="en-US" smtClean="0"/>
+              <a:rPr lang="en-US"/>
               <a:t>Click to edit Master text styles</a:t>
             </a:r>
           </a:p>
@@ -2104,35 +2113,35 @@
           <a:p>
             <a:pPr lvl="0"/>
             <a:r>
-              <a:rPr lang="en-US" smtClean="0"/>
+              <a:rPr lang="en-US"/>
               <a:t>Click to edit Master text styles</a:t>
             </a:r>
           </a:p>
           <a:p>
             <a:pPr lvl="1"/>
             <a:r>
-              <a:rPr lang="en-US" smtClean="0"/>
+              <a:rPr lang="en-US"/>
               <a:t>Second level</a:t>
             </a:r>
           </a:p>
           <a:p>
             <a:pPr lvl="2"/>
             <a:r>
-              <a:rPr lang="en-US" smtClean="0"/>
+              <a:rPr lang="en-US"/>
               <a:t>Third level</a:t>
             </a:r>
           </a:p>
           <a:p>
             <a:pPr lvl="3"/>
             <a:r>
-              <a:rPr lang="en-US" smtClean="0"/>
+              <a:rPr lang="en-US"/>
               <a:t>Fourth level</a:t>
             </a:r>
           </a:p>
           <a:p>
             <a:pPr lvl="4"/>
             <a:r>
-              <a:rPr lang="en-US" smtClean="0"/>
+              <a:rPr lang="en-US"/>
               <a:t>Fifth level</a:t>
             </a:r>
             <a:endParaRPr lang="en-US" dirty="0"/>
@@ -2156,7 +2165,7 @@
           <a:p>
             <a:fld id="{9B3762C0-B258-48F1-ADE6-176B4174CCDD}" type="datetimeFigureOut">
               <a:rPr lang="en-US" dirty="0"/>
-              <a:t>6/25/2018</a:t>
+              <a:t>7/14/2018</a:t>
             </a:fld>
             <a:endParaRPr lang="en-US" dirty="0"/>
           </a:p>
@@ -2245,7 +2254,7 @@
           <a:lstStyle/>
           <a:p>
             <a:r>
-              <a:rPr lang="en-US" smtClean="0"/>
+              <a:rPr lang="en-US"/>
               <a:t>Click to edit Master title style</a:t>
             </a:r>
             <a:endParaRPr lang="en-US" dirty="0"/>
@@ -2269,7 +2278,7 @@
           <a:p>
             <a:fld id="{677919A6-33EB-49BD-A62F-1FA56B9F9712}" type="datetimeFigureOut">
               <a:rPr lang="en-US" dirty="0"/>
-              <a:t>6/25/2018</a:t>
+              <a:t>7/14/2018</a:t>
             </a:fld>
             <a:endParaRPr lang="en-US" dirty="0"/>
           </a:p>
@@ -2359,7 +2368,7 @@
           <a:p>
             <a:fld id="{CA4E7D1B-D673-4CF6-8672-009D42ABD2A0}" type="datetimeFigureOut">
               <a:rPr lang="en-US" dirty="0"/>
-              <a:t>6/25/2018</a:t>
+              <a:t>7/14/2018</a:t>
             </a:fld>
             <a:endParaRPr lang="en-US" dirty="0"/>
           </a:p>
@@ -2516,7 +2525,7 @@
           </a:lstStyle>
           <a:p>
             <a:r>
-              <a:rPr lang="en-US" smtClean="0"/>
+              <a:rPr lang="en-US"/>
               <a:t>Click to edit Master title style</a:t>
             </a:r>
             <a:endParaRPr lang="en-US" dirty="0"/>
@@ -2573,35 +2582,35 @@
           <a:p>
             <a:pPr lvl="0"/>
             <a:r>
-              <a:rPr lang="en-US" smtClean="0"/>
+              <a:rPr lang="en-US"/>
               <a:t>Click to edit Master text styles</a:t>
             </a:r>
           </a:p>
           <a:p>
             <a:pPr lvl="1"/>
             <a:r>
-              <a:rPr lang="en-US" smtClean="0"/>
+              <a:rPr lang="en-US"/>
               <a:t>Second level</a:t>
             </a:r>
           </a:p>
           <a:p>
             <a:pPr lvl="2"/>
             <a:r>
-              <a:rPr lang="en-US" smtClean="0"/>
+              <a:rPr lang="en-US"/>
               <a:t>Third level</a:t>
             </a:r>
           </a:p>
           <a:p>
             <a:pPr lvl="3"/>
             <a:r>
-              <a:rPr lang="en-US" smtClean="0"/>
+              <a:rPr lang="en-US"/>
               <a:t>Fourth level</a:t>
             </a:r>
           </a:p>
           <a:p>
             <a:pPr lvl="4"/>
             <a:r>
-              <a:rPr lang="en-US" smtClean="0"/>
+              <a:rPr lang="en-US"/>
               <a:t>Fifth level</a:t>
             </a:r>
             <a:endParaRPr lang="en-US" dirty="0"/>
@@ -2681,7 +2690,7 @@
           <a:p>
             <a:pPr lvl="0"/>
             <a:r>
-              <a:rPr lang="en-US" smtClean="0"/>
+              <a:rPr lang="en-US"/>
               <a:t>Click to edit Master text styles</a:t>
             </a:r>
           </a:p>
@@ -2704,7 +2713,7 @@
           <a:p>
             <a:fld id="{DA16AA21-1863-4931-97CB-99D0A168701B}" type="datetimeFigureOut">
               <a:rPr lang="en-US" dirty="0"/>
-              <a:t>6/25/2018</a:t>
+              <a:t>7/14/2018</a:t>
             </a:fld>
             <a:endParaRPr lang="en-US" dirty="0"/>
           </a:p>
@@ -2950,7 +2959,7 @@
           </a:lstStyle>
           <a:p>
             <a:r>
-              <a:rPr lang="en-US" smtClean="0"/>
+              <a:rPr lang="en-US"/>
               <a:t>Click to edit Master title style</a:t>
             </a:r>
             <a:endParaRPr lang="en-US" dirty="0"/>
@@ -3021,7 +3030,7 @@
           </a:lstStyle>
           <a:p>
             <a:r>
-              <a:rPr lang="en-US" smtClean="0"/>
+              <a:rPr lang="en-US"/>
               <a:t>Click icon to add picture</a:t>
             </a:r>
             <a:endParaRPr lang="en-US" dirty="0"/>
@@ -3101,7 +3110,7 @@
           <a:p>
             <a:pPr lvl="0"/>
             <a:r>
-              <a:rPr lang="en-US" smtClean="0"/>
+              <a:rPr lang="en-US"/>
               <a:t>Click to edit Master text styles</a:t>
             </a:r>
           </a:p>
@@ -3124,7 +3133,7 @@
           <a:p>
             <a:fld id="{3772C379-9A7C-4C87-A116-CBE9F58B04C5}" type="datetimeFigureOut">
               <a:rPr lang="en-US" dirty="0"/>
-              <a:t>6/25/2018</a:t>
+              <a:t>7/14/2018</a:t>
             </a:fld>
             <a:endParaRPr lang="en-US" dirty="0"/>
           </a:p>
@@ -3298,7 +3307,7 @@
           <a:lstStyle/>
           <a:p>
             <a:r>
-              <a:rPr lang="en-US" smtClean="0"/>
+              <a:rPr lang="en-US"/>
               <a:t>Click to edit Master title style</a:t>
             </a:r>
             <a:endParaRPr lang="en-US" dirty="0"/>
@@ -3332,35 +3341,35 @@
           <a:p>
             <a:pPr lvl="0"/>
             <a:r>
-              <a:rPr lang="en-US" smtClean="0"/>
+              <a:rPr lang="en-US"/>
               <a:t>Click to edit Master text styles</a:t>
             </a:r>
           </a:p>
           <a:p>
             <a:pPr lvl="1"/>
             <a:r>
-              <a:rPr lang="en-US" smtClean="0"/>
+              <a:rPr lang="en-US"/>
               <a:t>Second level</a:t>
             </a:r>
           </a:p>
           <a:p>
             <a:pPr lvl="2"/>
             <a:r>
-              <a:rPr lang="en-US" smtClean="0"/>
+              <a:rPr lang="en-US"/>
               <a:t>Third level</a:t>
             </a:r>
           </a:p>
           <a:p>
             <a:pPr lvl="3"/>
             <a:r>
-              <a:rPr lang="en-US" smtClean="0"/>
+              <a:rPr lang="en-US"/>
               <a:t>Fourth level</a:t>
             </a:r>
           </a:p>
           <a:p>
             <a:pPr lvl="4"/>
             <a:r>
-              <a:rPr lang="en-US" smtClean="0"/>
+              <a:rPr lang="en-US"/>
               <a:t>Fifth level</a:t>
             </a:r>
             <a:endParaRPr lang="en-US" dirty="0"/>
@@ -3400,7 +3409,7 @@
           <a:p>
             <a:fld id="{8664C608-40B1-4030-A28D-5B74BC98ADCE}" type="datetimeFigureOut">
               <a:rPr lang="en-US" dirty="0"/>
-              <a:t>6/25/2018</a:t>
+              <a:t>7/14/2018</a:t>
             </a:fld>
             <a:endParaRPr lang="en-US" dirty="0"/>
           </a:p>
@@ -3995,10 +4004,9 @@
           <a:p>
             <a:pPr algn="ctr"/>
             <a:r>
-              <a:rPr lang="en-US" sz="6600" dirty="0" smtClean="0"/>
+              <a:rPr lang="en-US" sz="6600" dirty="0"/>
               <a:t>Test SET optimization</a:t>
             </a:r>
-            <a:endParaRPr lang="en-US" sz="6600" dirty="0"/>
           </a:p>
         </p:txBody>
       </p:sp>
@@ -4007,7 +4015,7 @@
           <p:cNvPr id="5" name="Subtitle 2">
             <a:extLst>
               <a:ext uri="{FF2B5EF4-FFF2-40B4-BE49-F238E27FC236}">
-                <a16:creationId xmlns="" xmlns:a16="http://schemas.microsoft.com/office/drawing/2014/main" id="{A4E52CD5-4862-423C-9681-E64859ECA90C}"/>
+                <a16:creationId xmlns:a16="http://schemas.microsoft.com/office/drawing/2014/main" id="{A4E52CD5-4862-423C-9681-E64859ECA90C}"/>
               </a:ext>
             </a:extLst>
           </p:cNvPr>
@@ -4055,17 +4063,9 @@
               <a:rPr lang="en-US" dirty="0" err="1"/>
               <a:t>Avitan</a:t>
             </a:r>
-            <a:r>
-              <a:rPr lang="en-US" dirty="0"/>
-              <a:t/>
-            </a:r>
             <a:br>
               <a:rPr lang="en-US" dirty="0"/>
             </a:br>
-            <a:r>
-              <a:rPr lang="en-US" dirty="0"/>
-              <a:t/>
-            </a:r>
             <a:br>
               <a:rPr lang="en-US" dirty="0"/>
             </a:br>
@@ -4087,13 +4087,3237 @@
   <p:clrMapOvr>
     <a:masterClrMapping/>
   </p:clrMapOvr>
-  <p:timing>
-    <p:tnLst>
-      <p:par>
-        <p:cTn id="1" dur="indefinite" restart="never" nodeType="tmRoot"/>
-      </p:par>
-    </p:tnLst>
-  </p:timing>
+</p:sld>
+</file>
+
+<file path=ppt/slides/slide10.xml><?xml version="1.0" encoding="utf-8"?>
+<p:sld xmlns:a="http://schemas.openxmlformats.org/drawingml/2006/main" xmlns:r="http://schemas.openxmlformats.org/officeDocument/2006/relationships" xmlns:p="http://schemas.openxmlformats.org/presentationml/2006/main">
+  <p:cSld>
+    <p:spTree>
+      <p:nvGrpSpPr>
+        <p:cNvPr id="1" name=""/>
+        <p:cNvGrpSpPr/>
+        <p:nvPr/>
+      </p:nvGrpSpPr>
+      <p:grpSpPr>
+        <a:xfrm>
+          <a:off x="0" y="0"/>
+          <a:ext cx="0" cy="0"/>
+          <a:chOff x="0" y="0"/>
+          <a:chExt cx="0" cy="0"/>
+        </a:xfrm>
+      </p:grpSpPr>
+      <p:sp>
+        <p:nvSpPr>
+          <p:cNvPr id="2" name="Title 1"/>
+          <p:cNvSpPr>
+            <a:spLocks noGrp="1"/>
+          </p:cNvSpPr>
+          <p:nvPr>
+            <p:ph type="title"/>
+          </p:nvPr>
+        </p:nvSpPr>
+        <p:spPr/>
+        <p:txBody>
+          <a:bodyPr/>
+          <a:lstStyle/>
+          <a:p>
+            <a:r>
+              <a:rPr lang="en-US" dirty="0"/>
+              <a:t>Test Entropy Calculation</a:t>
+            </a:r>
+          </a:p>
+        </p:txBody>
+      </p:sp>
+      <p:graphicFrame>
+        <p:nvGraphicFramePr>
+          <p:cNvPr id="4" name="Content Placeholder 3">
+            <a:extLst>
+              <a:ext uri="{FF2B5EF4-FFF2-40B4-BE49-F238E27FC236}">
+                <a16:creationId xmlns:a16="http://schemas.microsoft.com/office/drawing/2014/main" id="{1B4BCBD3-D197-4A30-8542-13A1BD0042DA}"/>
+              </a:ext>
+            </a:extLst>
+          </p:cNvPr>
+          <p:cNvGraphicFramePr>
+            <a:graphicFrameLocks noGrp="1"/>
+          </p:cNvGraphicFramePr>
+          <p:nvPr>
+            <p:ph idx="1"/>
+            <p:extLst>
+              <p:ext uri="{D42A27DB-BD31-4B8C-83A1-F6EECF244321}">
+                <p14:modId xmlns:p14="http://schemas.microsoft.com/office/powerpoint/2010/main" val="4208971249"/>
+              </p:ext>
+            </p:extLst>
+          </p:nvPr>
+        </p:nvGraphicFramePr>
+        <p:xfrm>
+          <a:off x="1069847" y="1869225"/>
+          <a:ext cx="8864139" cy="745088"/>
+        </p:xfrm>
+        <a:graphic>
+          <a:graphicData uri="http://schemas.openxmlformats.org/drawingml/2006/table">
+            <a:tbl>
+              <a:tblPr>
+                <a:tableStyleId>{5C22544A-7EE6-4342-B048-85BDC9FD1C3A}</a:tableStyleId>
+              </a:tblPr>
+              <a:tblGrid>
+                <a:gridCol w="1881923">
+                  <a:extLst>
+                    <a:ext uri="{9D8B030D-6E8A-4147-A177-3AD203B41FA5}">
+                      <a16:colId xmlns:a16="http://schemas.microsoft.com/office/drawing/2014/main" val="647474070"/>
+                    </a:ext>
+                  </a:extLst>
+                </a:gridCol>
+                <a:gridCol w="1745554">
+                  <a:extLst>
+                    <a:ext uri="{9D8B030D-6E8A-4147-A177-3AD203B41FA5}">
+                      <a16:colId xmlns:a16="http://schemas.microsoft.com/office/drawing/2014/main" val="4172325040"/>
+                    </a:ext>
+                  </a:extLst>
+                </a:gridCol>
+                <a:gridCol w="1745554">
+                  <a:extLst>
+                    <a:ext uri="{9D8B030D-6E8A-4147-A177-3AD203B41FA5}">
+                      <a16:colId xmlns:a16="http://schemas.microsoft.com/office/drawing/2014/main" val="2112222264"/>
+                    </a:ext>
+                  </a:extLst>
+                </a:gridCol>
+                <a:gridCol w="1745554">
+                  <a:extLst>
+                    <a:ext uri="{9D8B030D-6E8A-4147-A177-3AD203B41FA5}">
+                      <a16:colId xmlns:a16="http://schemas.microsoft.com/office/drawing/2014/main" val="3712134187"/>
+                    </a:ext>
+                  </a:extLst>
+                </a:gridCol>
+                <a:gridCol w="1745554">
+                  <a:extLst>
+                    <a:ext uri="{9D8B030D-6E8A-4147-A177-3AD203B41FA5}">
+                      <a16:colId xmlns:a16="http://schemas.microsoft.com/office/drawing/2014/main" val="2451542488"/>
+                    </a:ext>
+                  </a:extLst>
+                </a:gridCol>
+              </a:tblGrid>
+              <a:tr h="264501">
+                <a:tc gridSpan="5">
+                  <a:txBody>
+                    <a:bodyPr/>
+                    <a:lstStyle/>
+                    <a:p>
+                      <a:pPr algn="ctr" fontAlgn="b"/>
+                      <a:r>
+                        <a:rPr lang="en-US" sz="1100" u="none" strike="noStrike" dirty="0">
+                          <a:effectLst/>
+                        </a:rPr>
+                        <a:t> </a:t>
+                      </a:r>
+                      <a:r>
+                        <a:rPr lang="en-US" sz="1100" b="1" u="none" strike="noStrike" dirty="0">
+                          <a:effectLst/>
+                        </a:rPr>
+                        <a:t>Prior</a:t>
+                      </a:r>
+                      <a:r>
+                        <a:rPr lang="en-US" sz="1100" u="none" strike="noStrike" dirty="0">
+                          <a:effectLst/>
+                        </a:rPr>
+                        <a:t> </a:t>
+                      </a:r>
+                      <a:r>
+                        <a:rPr lang="en-US" sz="1100" b="1" u="none" strike="noStrike" dirty="0">
+                          <a:effectLst/>
+                        </a:rPr>
+                        <a:t>Component Failure Probability</a:t>
+                      </a:r>
+                    </a:p>
+                    <a:p>
+                      <a:pPr algn="ctr" fontAlgn="b"/>
+                      <a:endParaRPr lang="en-US" sz="1100" b="1" i="0" u="none" strike="noStrike" dirty="0">
+                        <a:solidFill>
+                          <a:srgbClr val="000000"/>
+                        </a:solidFill>
+                        <a:effectLst/>
+                        <a:latin typeface="Calibri" panose="020F0502020204030204" pitchFamily="34" charset="0"/>
+                      </a:endParaRPr>
+                    </a:p>
+                  </a:txBody>
+                  <a:tcPr marL="17249" marR="17249" marT="7620" marB="0" anchor="b"/>
+                </a:tc>
+                <a:tc hMerge="1">
+                  <a:txBody>
+                    <a:bodyPr/>
+                    <a:lstStyle/>
+                    <a:p>
+                      <a:endParaRPr lang="en-US"/>
+                    </a:p>
+                  </a:txBody>
+                  <a:tcPr/>
+                </a:tc>
+                <a:tc hMerge="1">
+                  <a:txBody>
+                    <a:bodyPr/>
+                    <a:lstStyle/>
+                    <a:p>
+                      <a:endParaRPr lang="en-US"/>
+                    </a:p>
+                  </a:txBody>
+                  <a:tcPr/>
+                </a:tc>
+                <a:tc hMerge="1">
+                  <a:txBody>
+                    <a:bodyPr/>
+                    <a:lstStyle/>
+                    <a:p>
+                      <a:endParaRPr lang="en-US"/>
+                    </a:p>
+                  </a:txBody>
+                  <a:tcPr/>
+                </a:tc>
+                <a:tc hMerge="1">
+                  <a:txBody>
+                    <a:bodyPr/>
+                    <a:lstStyle/>
+                    <a:p>
+                      <a:endParaRPr lang="en-US"/>
+                    </a:p>
+                  </a:txBody>
+                  <a:tcPr/>
+                </a:tc>
+                <a:extLst>
+                  <a:ext uri="{0D108BD9-81ED-4DB2-BD59-A6C34878D82A}">
+                    <a16:rowId xmlns:a16="http://schemas.microsoft.com/office/drawing/2014/main" val="3580140237"/>
+                  </a:ext>
+                </a:extLst>
+              </a:tr>
+              <a:tr h="201094">
+                <a:tc>
+                  <a:txBody>
+                    <a:bodyPr/>
+                    <a:lstStyle/>
+                    <a:p>
+                      <a:pPr algn="ctr" fontAlgn="ctr"/>
+                      <a:r>
+                        <a:rPr lang="en-US" sz="1100" b="1" u="none" strike="noStrike" dirty="0">
+                          <a:effectLst/>
+                        </a:rPr>
+                        <a:t> Comp1</a:t>
+                      </a:r>
+                      <a:endParaRPr lang="en-US" sz="1100" b="1" i="0" u="none" strike="noStrike" dirty="0">
+                        <a:solidFill>
+                          <a:srgbClr val="000000"/>
+                        </a:solidFill>
+                        <a:effectLst/>
+                        <a:latin typeface="Calibri" panose="020F0502020204030204" pitchFamily="34" charset="0"/>
+                      </a:endParaRPr>
+                    </a:p>
+                  </a:txBody>
+                  <a:tcPr marL="17249" marR="17249" marT="7620" marB="0" anchor="ctr"/>
+                </a:tc>
+                <a:tc>
+                  <a:txBody>
+                    <a:bodyPr/>
+                    <a:lstStyle/>
+                    <a:p>
+                      <a:pPr algn="ctr" fontAlgn="ctr"/>
+                      <a:r>
+                        <a:rPr lang="en-US" sz="1100" b="1" u="none" strike="noStrike" dirty="0">
+                          <a:effectLst/>
+                        </a:rPr>
+                        <a:t> Comp2</a:t>
+                      </a:r>
+                      <a:endParaRPr lang="en-US" sz="1100" b="1" i="0" u="none" strike="noStrike" dirty="0">
+                        <a:solidFill>
+                          <a:srgbClr val="000000"/>
+                        </a:solidFill>
+                        <a:effectLst/>
+                        <a:latin typeface="Calibri" panose="020F0502020204030204" pitchFamily="34" charset="0"/>
+                      </a:endParaRPr>
+                    </a:p>
+                  </a:txBody>
+                  <a:tcPr marL="17249" marR="17249" marT="7620" marB="0" anchor="ctr"/>
+                </a:tc>
+                <a:tc>
+                  <a:txBody>
+                    <a:bodyPr/>
+                    <a:lstStyle/>
+                    <a:p>
+                      <a:pPr algn="ctr" fontAlgn="ctr"/>
+                      <a:r>
+                        <a:rPr lang="en-US" sz="1100" b="1" u="none" strike="noStrike" dirty="0">
+                          <a:effectLst/>
+                        </a:rPr>
+                        <a:t> Comp3</a:t>
+                      </a:r>
+                      <a:endParaRPr lang="en-US" sz="1100" b="1" i="0" u="none" strike="noStrike" dirty="0">
+                        <a:solidFill>
+                          <a:srgbClr val="000000"/>
+                        </a:solidFill>
+                        <a:effectLst/>
+                        <a:latin typeface="Calibri" panose="020F0502020204030204" pitchFamily="34" charset="0"/>
+                      </a:endParaRPr>
+                    </a:p>
+                  </a:txBody>
+                  <a:tcPr marL="17249" marR="17249" marT="7620" marB="0" anchor="ctr"/>
+                </a:tc>
+                <a:tc>
+                  <a:txBody>
+                    <a:bodyPr/>
+                    <a:lstStyle/>
+                    <a:p>
+                      <a:pPr algn="ctr" fontAlgn="ctr"/>
+                      <a:r>
+                        <a:rPr lang="en-US" sz="1100" b="1" u="none" strike="noStrike" dirty="0">
+                          <a:effectLst/>
+                        </a:rPr>
+                        <a:t> Comp4</a:t>
+                      </a:r>
+                      <a:endParaRPr lang="en-US" sz="1100" b="1" i="0" u="none" strike="noStrike" dirty="0">
+                        <a:solidFill>
+                          <a:srgbClr val="000000"/>
+                        </a:solidFill>
+                        <a:effectLst/>
+                        <a:latin typeface="Calibri" panose="020F0502020204030204" pitchFamily="34" charset="0"/>
+                      </a:endParaRPr>
+                    </a:p>
+                  </a:txBody>
+                  <a:tcPr marL="17249" marR="17249" marT="7620" marB="0" anchor="ctr"/>
+                </a:tc>
+                <a:tc>
+                  <a:txBody>
+                    <a:bodyPr/>
+                    <a:lstStyle/>
+                    <a:p>
+                      <a:pPr algn="ctr" fontAlgn="ctr"/>
+                      <a:r>
+                        <a:rPr lang="en-US" sz="1100" b="1" u="none" strike="noStrike" dirty="0">
+                          <a:effectLst/>
+                        </a:rPr>
+                        <a:t> Comp5</a:t>
+                      </a:r>
+                      <a:endParaRPr lang="en-US" sz="1100" b="1" i="0" u="none" strike="noStrike" dirty="0">
+                        <a:solidFill>
+                          <a:srgbClr val="000000"/>
+                        </a:solidFill>
+                        <a:effectLst/>
+                        <a:latin typeface="Calibri" panose="020F0502020204030204" pitchFamily="34" charset="0"/>
+                      </a:endParaRPr>
+                    </a:p>
+                  </a:txBody>
+                  <a:tcPr marL="17249" marR="17249" marT="7620" marB="0" anchor="ctr"/>
+                </a:tc>
+                <a:extLst>
+                  <a:ext uri="{0D108BD9-81ED-4DB2-BD59-A6C34878D82A}">
+                    <a16:rowId xmlns:a16="http://schemas.microsoft.com/office/drawing/2014/main" val="2413837790"/>
+                  </a:ext>
+                </a:extLst>
+              </a:tr>
+              <a:tr h="201094">
+                <a:tc>
+                  <a:txBody>
+                    <a:bodyPr/>
+                    <a:lstStyle/>
+                    <a:p>
+                      <a:pPr algn="ctr" fontAlgn="ctr"/>
+                      <a:r>
+                        <a:rPr lang="en-US" sz="1100" u="none" strike="noStrike" dirty="0">
+                          <a:effectLst/>
+                        </a:rPr>
+                        <a:t>0.25</a:t>
+                      </a:r>
+                      <a:endParaRPr lang="en-US" sz="1100" b="0" i="0" u="none" strike="noStrike" dirty="0">
+                        <a:solidFill>
+                          <a:srgbClr val="000000"/>
+                        </a:solidFill>
+                        <a:effectLst/>
+                        <a:latin typeface="Calibri" panose="020F0502020204030204" pitchFamily="34" charset="0"/>
+                      </a:endParaRPr>
+                    </a:p>
+                  </a:txBody>
+                  <a:tcPr marL="17249" marR="17249" marT="7620" marB="0" anchor="ctr"/>
+                </a:tc>
+                <a:tc>
+                  <a:txBody>
+                    <a:bodyPr/>
+                    <a:lstStyle/>
+                    <a:p>
+                      <a:pPr algn="ctr" fontAlgn="ctr"/>
+                      <a:r>
+                        <a:rPr lang="en-US" sz="1100" u="none" strike="noStrike">
+                          <a:effectLst/>
+                        </a:rPr>
+                        <a:t>0.12</a:t>
+                      </a:r>
+                      <a:endParaRPr lang="en-US" sz="1100" b="0" i="0" u="none" strike="noStrike">
+                        <a:solidFill>
+                          <a:srgbClr val="000000"/>
+                        </a:solidFill>
+                        <a:effectLst/>
+                        <a:latin typeface="Calibri" panose="020F0502020204030204" pitchFamily="34" charset="0"/>
+                      </a:endParaRPr>
+                    </a:p>
+                  </a:txBody>
+                  <a:tcPr marL="17249" marR="17249" marT="7620" marB="0" anchor="ctr"/>
+                </a:tc>
+                <a:tc>
+                  <a:txBody>
+                    <a:bodyPr/>
+                    <a:lstStyle/>
+                    <a:p>
+                      <a:pPr algn="ctr" fontAlgn="ctr"/>
+                      <a:r>
+                        <a:rPr lang="en-US" sz="1100" u="none" strike="noStrike" dirty="0">
+                          <a:effectLst/>
+                        </a:rPr>
+                        <a:t>0.44</a:t>
+                      </a:r>
+                      <a:endParaRPr lang="en-US" sz="1100" b="0" i="0" u="none" strike="noStrike" dirty="0">
+                        <a:solidFill>
+                          <a:srgbClr val="000000"/>
+                        </a:solidFill>
+                        <a:effectLst/>
+                        <a:latin typeface="Calibri" panose="020F0502020204030204" pitchFamily="34" charset="0"/>
+                      </a:endParaRPr>
+                    </a:p>
+                  </a:txBody>
+                  <a:tcPr marL="17249" marR="17249" marT="7620" marB="0" anchor="ctr"/>
+                </a:tc>
+                <a:tc>
+                  <a:txBody>
+                    <a:bodyPr/>
+                    <a:lstStyle/>
+                    <a:p>
+                      <a:pPr algn="ctr" fontAlgn="ctr"/>
+                      <a:r>
+                        <a:rPr lang="en-US" sz="1100" u="none" strike="noStrike" dirty="0">
+                          <a:effectLst/>
+                        </a:rPr>
+                        <a:t>0.7</a:t>
+                      </a:r>
+                      <a:endParaRPr lang="en-US" sz="1100" b="0" i="0" u="none" strike="noStrike" dirty="0">
+                        <a:solidFill>
+                          <a:srgbClr val="000000"/>
+                        </a:solidFill>
+                        <a:effectLst/>
+                        <a:latin typeface="Calibri" panose="020F0502020204030204" pitchFamily="34" charset="0"/>
+                      </a:endParaRPr>
+                    </a:p>
+                  </a:txBody>
+                  <a:tcPr marL="17249" marR="17249" marT="7620" marB="0" anchor="ctr"/>
+                </a:tc>
+                <a:tc>
+                  <a:txBody>
+                    <a:bodyPr/>
+                    <a:lstStyle/>
+                    <a:p>
+                      <a:pPr algn="ctr" fontAlgn="ctr"/>
+                      <a:r>
+                        <a:rPr lang="en-US" sz="1100" u="none" strike="noStrike" dirty="0">
+                          <a:effectLst/>
+                        </a:rPr>
+                        <a:t>0.03</a:t>
+                      </a:r>
+                      <a:endParaRPr lang="en-US" sz="1100" b="0" i="0" u="none" strike="noStrike" dirty="0">
+                        <a:solidFill>
+                          <a:srgbClr val="000000"/>
+                        </a:solidFill>
+                        <a:effectLst/>
+                        <a:latin typeface="Calibri" panose="020F0502020204030204" pitchFamily="34" charset="0"/>
+                      </a:endParaRPr>
+                    </a:p>
+                  </a:txBody>
+                  <a:tcPr marL="17249" marR="17249" marT="7620" marB="0" anchor="ctr"/>
+                </a:tc>
+                <a:extLst>
+                  <a:ext uri="{0D108BD9-81ED-4DB2-BD59-A6C34878D82A}">
+                    <a16:rowId xmlns:a16="http://schemas.microsoft.com/office/drawing/2014/main" val="2462567165"/>
+                  </a:ext>
+                </a:extLst>
+              </a:tr>
+            </a:tbl>
+          </a:graphicData>
+        </a:graphic>
+      </p:graphicFrame>
+      <p:graphicFrame>
+        <p:nvGraphicFramePr>
+          <p:cNvPr id="3" name="Table 2">
+            <a:extLst>
+              <a:ext uri="{FF2B5EF4-FFF2-40B4-BE49-F238E27FC236}">
+                <a16:creationId xmlns:a16="http://schemas.microsoft.com/office/drawing/2014/main" id="{8803D100-F6AA-46EE-B76A-F5881765C1D9}"/>
+              </a:ext>
+            </a:extLst>
+          </p:cNvPr>
+          <p:cNvGraphicFramePr>
+            <a:graphicFrameLocks noGrp="1"/>
+          </p:cNvGraphicFramePr>
+          <p:nvPr>
+            <p:extLst>
+              <p:ext uri="{D42A27DB-BD31-4B8C-83A1-F6EECF244321}">
+                <p14:modId xmlns:p14="http://schemas.microsoft.com/office/powerpoint/2010/main" val="3800431766"/>
+              </p:ext>
+            </p:extLst>
+          </p:nvPr>
+        </p:nvGraphicFramePr>
+        <p:xfrm>
+          <a:off x="1069847" y="2854797"/>
+          <a:ext cx="3848381" cy="570436"/>
+        </p:xfrm>
+        <a:graphic>
+          <a:graphicData uri="http://schemas.openxmlformats.org/drawingml/2006/table">
+            <a:tbl>
+              <a:tblPr>
+                <a:tableStyleId>{5C22544A-7EE6-4342-B048-85BDC9FD1C3A}</a:tableStyleId>
+              </a:tblPr>
+              <a:tblGrid>
+                <a:gridCol w="3848381">
+                  <a:extLst>
+                    <a:ext uri="{9D8B030D-6E8A-4147-A177-3AD203B41FA5}">
+                      <a16:colId xmlns:a16="http://schemas.microsoft.com/office/drawing/2014/main" val="4001021760"/>
+                    </a:ext>
+                  </a:extLst>
+                </a:gridCol>
+              </a:tblGrid>
+              <a:tr h="372023">
+                <a:tc>
+                  <a:txBody>
+                    <a:bodyPr/>
+                    <a:lstStyle/>
+                    <a:p>
+                      <a:pPr algn="ctr" fontAlgn="ctr"/>
+                      <a:r>
+                        <a:rPr lang="en-US" sz="1200" b="1" u="none" strike="noStrike" dirty="0">
+                          <a:effectLst/>
+                        </a:rPr>
+                        <a:t>General Entropy  (components success priors) </a:t>
+                      </a:r>
+                      <a:endParaRPr lang="en-US" sz="1200" b="1" i="0" u="none" strike="noStrike" dirty="0">
+                        <a:solidFill>
+                          <a:srgbClr val="000000"/>
+                        </a:solidFill>
+                        <a:effectLst/>
+                        <a:latin typeface="Calibri" panose="020F0502020204030204" pitchFamily="34" charset="0"/>
+                      </a:endParaRPr>
+                    </a:p>
+                  </a:txBody>
+                  <a:tcPr marL="7620" marR="7620" marT="7620" marB="0" anchor="ctr"/>
+                </a:tc>
+                <a:extLst>
+                  <a:ext uri="{0D108BD9-81ED-4DB2-BD59-A6C34878D82A}">
+                    <a16:rowId xmlns:a16="http://schemas.microsoft.com/office/drawing/2014/main" val="2433356523"/>
+                  </a:ext>
+                </a:extLst>
+              </a:tr>
+              <a:tr h="198413">
+                <a:tc>
+                  <a:txBody>
+                    <a:bodyPr/>
+                    <a:lstStyle/>
+                    <a:p>
+                      <a:pPr algn="ctr" fontAlgn="ctr"/>
+                      <a:r>
+                        <a:rPr lang="en-US" sz="1200" b="1" u="none" strike="noStrike" dirty="0">
+                          <a:effectLst/>
+                        </a:rPr>
+                        <a:t> Entropy(0.75,0.88,0.56,0.3,0.97)</a:t>
+                      </a:r>
+                      <a:endParaRPr lang="en-US" sz="1200" b="1" i="0" u="none" strike="noStrike" dirty="0">
+                        <a:solidFill>
+                          <a:srgbClr val="000000"/>
+                        </a:solidFill>
+                        <a:effectLst/>
+                        <a:latin typeface="Calibri" panose="020F0502020204030204" pitchFamily="34" charset="0"/>
+                      </a:endParaRPr>
+                    </a:p>
+                  </a:txBody>
+                  <a:tcPr marL="7620" marR="7620" marT="7620" marB="0" anchor="ctr"/>
+                </a:tc>
+                <a:extLst>
+                  <a:ext uri="{0D108BD9-81ED-4DB2-BD59-A6C34878D82A}">
+                    <a16:rowId xmlns:a16="http://schemas.microsoft.com/office/drawing/2014/main" val="1514519535"/>
+                  </a:ext>
+                </a:extLst>
+              </a:tr>
+            </a:tbl>
+          </a:graphicData>
+        </a:graphic>
+      </p:graphicFrame>
+      <p:sp>
+        <p:nvSpPr>
+          <p:cNvPr id="7" name="Content Placeholder 2">
+            <a:extLst>
+              <a:ext uri="{FF2B5EF4-FFF2-40B4-BE49-F238E27FC236}">
+                <a16:creationId xmlns:a16="http://schemas.microsoft.com/office/drawing/2014/main" id="{0BBCA04D-4A8B-47A6-B72E-18B9FFC206D7}"/>
+              </a:ext>
+            </a:extLst>
+          </p:cNvPr>
+          <p:cNvSpPr txBox="1">
+            <a:spLocks/>
+          </p:cNvSpPr>
+          <p:nvPr/>
+        </p:nvSpPr>
+        <p:spPr>
+          <a:xfrm>
+            <a:off x="1069848" y="3665717"/>
+            <a:ext cx="10058400" cy="2882691"/>
+          </a:xfrm>
+          <a:prstGeom prst="rect">
+            <a:avLst/>
+          </a:prstGeom>
+        </p:spPr>
+        <p:txBody>
+          <a:bodyPr vert="horz" lIns="91440" tIns="45720" rIns="91440" bIns="45720" rtlCol="0">
+            <a:normAutofit fontScale="92500" lnSpcReduction="10000"/>
+          </a:bodyPr>
+          <a:lstStyle>
+            <a:lvl1pPr marL="182880" indent="-182880" algn="l" defTabSz="914400" rtl="0" eaLnBrk="1" latinLnBrk="0" hangingPunct="1">
+              <a:lnSpc>
+                <a:spcPct val="90000"/>
+              </a:lnSpc>
+              <a:spcBef>
+                <a:spcPts val="1200"/>
+              </a:spcBef>
+              <a:buClr>
+                <a:schemeClr val="accent1">
+                  <a:lumMod val="75000"/>
+                </a:schemeClr>
+              </a:buClr>
+              <a:buSzPct val="85000"/>
+              <a:buFont typeface="Wingdings" pitchFamily="2" charset="2"/>
+              <a:buChar char="§"/>
+              <a:defRPr sz="2000" kern="1200">
+                <a:solidFill>
+                  <a:schemeClr val="tx1"/>
+                </a:solidFill>
+                <a:latin typeface="+mn-lt"/>
+                <a:ea typeface="+mn-ea"/>
+                <a:cs typeface="+mn-cs"/>
+              </a:defRPr>
+            </a:lvl1pPr>
+            <a:lvl2pPr marL="457200" indent="-182880" algn="l" defTabSz="914400" rtl="0" eaLnBrk="1" latinLnBrk="0" hangingPunct="1">
+              <a:lnSpc>
+                <a:spcPct val="90000"/>
+              </a:lnSpc>
+              <a:spcBef>
+                <a:spcPts val="400"/>
+              </a:spcBef>
+              <a:spcAft>
+                <a:spcPts val="200"/>
+              </a:spcAft>
+              <a:buClr>
+                <a:schemeClr val="accent1">
+                  <a:lumMod val="75000"/>
+                </a:schemeClr>
+              </a:buClr>
+              <a:buSzPct val="85000"/>
+              <a:buFont typeface="Wingdings" pitchFamily="2" charset="2"/>
+              <a:buChar char="§"/>
+              <a:defRPr sz="1800" kern="1200">
+                <a:solidFill>
+                  <a:schemeClr val="tx1"/>
+                </a:solidFill>
+                <a:latin typeface="+mn-lt"/>
+                <a:ea typeface="+mn-ea"/>
+                <a:cs typeface="+mn-cs"/>
+              </a:defRPr>
+            </a:lvl2pPr>
+            <a:lvl3pPr marL="731520" indent="-182880" algn="l" defTabSz="914400" rtl="0" eaLnBrk="1" latinLnBrk="0" hangingPunct="1">
+              <a:lnSpc>
+                <a:spcPct val="90000"/>
+              </a:lnSpc>
+              <a:spcBef>
+                <a:spcPts val="400"/>
+              </a:spcBef>
+              <a:spcAft>
+                <a:spcPts val="200"/>
+              </a:spcAft>
+              <a:buClr>
+                <a:schemeClr val="accent1">
+                  <a:lumMod val="75000"/>
+                </a:schemeClr>
+              </a:buClr>
+              <a:buSzPct val="85000"/>
+              <a:buFont typeface="Wingdings" pitchFamily="2" charset="2"/>
+              <a:buChar char="§"/>
+              <a:defRPr sz="1600" kern="1200">
+                <a:solidFill>
+                  <a:schemeClr val="tx1"/>
+                </a:solidFill>
+                <a:latin typeface="+mn-lt"/>
+                <a:ea typeface="+mn-ea"/>
+                <a:cs typeface="+mn-cs"/>
+              </a:defRPr>
+            </a:lvl3pPr>
+            <a:lvl4pPr marL="1005840" indent="-182880" algn="l" defTabSz="914400" rtl="0" eaLnBrk="1" latinLnBrk="0" hangingPunct="1">
+              <a:lnSpc>
+                <a:spcPct val="90000"/>
+              </a:lnSpc>
+              <a:spcBef>
+                <a:spcPts val="400"/>
+              </a:spcBef>
+              <a:spcAft>
+                <a:spcPts val="200"/>
+              </a:spcAft>
+              <a:buClr>
+                <a:schemeClr val="accent1">
+                  <a:lumMod val="75000"/>
+                </a:schemeClr>
+              </a:buClr>
+              <a:buSzPct val="85000"/>
+              <a:buFont typeface="Wingdings" pitchFamily="2" charset="2"/>
+              <a:buChar char="§"/>
+              <a:defRPr sz="1600" kern="1200">
+                <a:solidFill>
+                  <a:schemeClr val="tx1"/>
+                </a:solidFill>
+                <a:latin typeface="+mn-lt"/>
+                <a:ea typeface="+mn-ea"/>
+                <a:cs typeface="+mn-cs"/>
+              </a:defRPr>
+            </a:lvl4pPr>
+            <a:lvl5pPr marL="1280160" indent="-182880" algn="l" defTabSz="914400" rtl="0" eaLnBrk="1" latinLnBrk="0" hangingPunct="1">
+              <a:lnSpc>
+                <a:spcPct val="90000"/>
+              </a:lnSpc>
+              <a:spcBef>
+                <a:spcPts val="400"/>
+              </a:spcBef>
+              <a:spcAft>
+                <a:spcPts val="200"/>
+              </a:spcAft>
+              <a:buClr>
+                <a:schemeClr val="accent1">
+                  <a:lumMod val="75000"/>
+                </a:schemeClr>
+              </a:buClr>
+              <a:buSzPct val="85000"/>
+              <a:buFont typeface="Wingdings" pitchFamily="2" charset="2"/>
+              <a:buChar char="§"/>
+              <a:defRPr sz="1600" kern="1200">
+                <a:solidFill>
+                  <a:schemeClr val="tx1"/>
+                </a:solidFill>
+                <a:latin typeface="+mn-lt"/>
+                <a:ea typeface="+mn-ea"/>
+                <a:cs typeface="+mn-cs"/>
+              </a:defRPr>
+            </a:lvl5pPr>
+            <a:lvl6pPr marL="1600000" indent="-228600" algn="l" defTabSz="914400" rtl="0" eaLnBrk="1" latinLnBrk="0" hangingPunct="1">
+              <a:lnSpc>
+                <a:spcPct val="90000"/>
+              </a:lnSpc>
+              <a:spcBef>
+                <a:spcPts val="400"/>
+              </a:spcBef>
+              <a:spcAft>
+                <a:spcPts val="200"/>
+              </a:spcAft>
+              <a:buClr>
+                <a:schemeClr val="accent1">
+                  <a:lumMod val="75000"/>
+                </a:schemeClr>
+              </a:buClr>
+              <a:buSzPct val="85000"/>
+              <a:buFont typeface="Wingdings" pitchFamily="2" charset="2"/>
+              <a:buChar char="§"/>
+              <a:defRPr sz="1600" kern="1200">
+                <a:solidFill>
+                  <a:schemeClr val="tx1"/>
+                </a:solidFill>
+                <a:latin typeface="+mn-lt"/>
+                <a:ea typeface="+mn-ea"/>
+                <a:cs typeface="+mn-cs"/>
+              </a:defRPr>
+            </a:lvl6pPr>
+            <a:lvl7pPr marL="1900000" indent="-228600" algn="l" defTabSz="914400" rtl="0" eaLnBrk="1" latinLnBrk="0" hangingPunct="1">
+              <a:lnSpc>
+                <a:spcPct val="90000"/>
+              </a:lnSpc>
+              <a:spcBef>
+                <a:spcPts val="400"/>
+              </a:spcBef>
+              <a:spcAft>
+                <a:spcPts val="200"/>
+              </a:spcAft>
+              <a:buClr>
+                <a:schemeClr val="accent1">
+                  <a:lumMod val="75000"/>
+                </a:schemeClr>
+              </a:buClr>
+              <a:buSzPct val="85000"/>
+              <a:buFont typeface="Wingdings" pitchFamily="2" charset="2"/>
+              <a:buChar char="§"/>
+              <a:defRPr sz="1600" kern="1200">
+                <a:solidFill>
+                  <a:schemeClr val="tx1"/>
+                </a:solidFill>
+                <a:latin typeface="+mn-lt"/>
+                <a:ea typeface="+mn-ea"/>
+                <a:cs typeface="+mn-cs"/>
+              </a:defRPr>
+            </a:lvl7pPr>
+            <a:lvl8pPr marL="2200000" indent="-228600" algn="l" defTabSz="914400" rtl="0" eaLnBrk="1" latinLnBrk="0" hangingPunct="1">
+              <a:lnSpc>
+                <a:spcPct val="90000"/>
+              </a:lnSpc>
+              <a:spcBef>
+                <a:spcPts val="400"/>
+              </a:spcBef>
+              <a:spcAft>
+                <a:spcPts val="200"/>
+              </a:spcAft>
+              <a:buClr>
+                <a:schemeClr val="accent1">
+                  <a:lumMod val="75000"/>
+                </a:schemeClr>
+              </a:buClr>
+              <a:buSzPct val="85000"/>
+              <a:buFont typeface="Wingdings" pitchFamily="2" charset="2"/>
+              <a:buChar char="§"/>
+              <a:defRPr sz="1600" kern="1200">
+                <a:solidFill>
+                  <a:schemeClr val="tx1"/>
+                </a:solidFill>
+                <a:latin typeface="+mn-lt"/>
+                <a:ea typeface="+mn-ea"/>
+                <a:cs typeface="+mn-cs"/>
+              </a:defRPr>
+            </a:lvl8pPr>
+            <a:lvl9pPr marL="2500000" indent="-228600" algn="l" defTabSz="914400" rtl="0" eaLnBrk="1" latinLnBrk="0" hangingPunct="1">
+              <a:lnSpc>
+                <a:spcPct val="90000"/>
+              </a:lnSpc>
+              <a:spcBef>
+                <a:spcPts val="400"/>
+              </a:spcBef>
+              <a:spcAft>
+                <a:spcPts val="200"/>
+              </a:spcAft>
+              <a:buClr>
+                <a:schemeClr val="accent1">
+                  <a:lumMod val="75000"/>
+                </a:schemeClr>
+              </a:buClr>
+              <a:buSzPct val="85000"/>
+              <a:buFont typeface="Wingdings" pitchFamily="2" charset="2"/>
+              <a:buChar char="§"/>
+              <a:defRPr sz="1600" kern="1200">
+                <a:solidFill>
+                  <a:schemeClr val="tx1"/>
+                </a:solidFill>
+                <a:latin typeface="+mn-lt"/>
+                <a:ea typeface="+mn-ea"/>
+                <a:cs typeface="+mn-cs"/>
+              </a:defRPr>
+            </a:lvl9pPr>
+          </a:lstStyle>
+          <a:p>
+            <a:r>
+              <a:rPr lang="en-US" dirty="0"/>
+              <a:t>Test Entropy = TestE1 + TestE2</a:t>
+            </a:r>
+          </a:p>
+          <a:p>
+            <a:pPr marL="0" indent="0">
+              <a:buNone/>
+            </a:pPr>
+            <a:r>
+              <a:rPr lang="en-US" dirty="0"/>
+              <a:t>   Where : </a:t>
+            </a:r>
+          </a:p>
+          <a:p>
+            <a:pPr marL="822960" lvl="3" indent="0">
+              <a:buNone/>
+            </a:pPr>
+            <a:r>
+              <a:rPr lang="en-US" sz="1500" dirty="0"/>
+              <a:t>TestE1  = </a:t>
+            </a:r>
+            <a:r>
+              <a:rPr lang="en-US" altLang="en-US" sz="1500" dirty="0" err="1"/>
+              <a:t>success_probability</a:t>
+            </a:r>
+            <a:r>
+              <a:rPr lang="en-US" altLang="en-US" sz="1500" dirty="0"/>
+              <a:t>(test) * </a:t>
+            </a:r>
+            <a:r>
+              <a:rPr lang="en-US" altLang="en-US" sz="1500" dirty="0" err="1"/>
+              <a:t>success_entropy</a:t>
+            </a:r>
+            <a:r>
+              <a:rPr lang="en-US" altLang="en-US" sz="1500" dirty="0"/>
+              <a:t>(test) </a:t>
+            </a:r>
+          </a:p>
+          <a:p>
+            <a:pPr marL="822960" lvl="3" indent="0">
+              <a:buNone/>
+            </a:pPr>
+            <a:r>
+              <a:rPr lang="en-US" sz="1500" dirty="0"/>
+              <a:t>TestE2  = </a:t>
+            </a:r>
+            <a:r>
+              <a:rPr lang="en-US" altLang="en-US" sz="1500" dirty="0" err="1"/>
+              <a:t>failure_probability</a:t>
+            </a:r>
+            <a:r>
+              <a:rPr lang="en-US" altLang="en-US" sz="1500" dirty="0"/>
+              <a:t>(test) * </a:t>
+            </a:r>
+            <a:r>
+              <a:rPr lang="en-US" altLang="en-US" sz="1500" dirty="0" err="1"/>
+              <a:t>failure_entropy</a:t>
+            </a:r>
+            <a:r>
+              <a:rPr lang="en-US" altLang="en-US" sz="1500" dirty="0"/>
+              <a:t>(test)</a:t>
+            </a:r>
+            <a:endParaRPr lang="en-US" sz="1700" dirty="0"/>
+          </a:p>
+          <a:p>
+            <a:r>
+              <a:rPr lang="en-US" dirty="0"/>
+              <a:t>For each test:</a:t>
+            </a:r>
+          </a:p>
+          <a:p>
+            <a:pPr lvl="1"/>
+            <a:r>
+              <a:rPr lang="en-US" dirty="0"/>
+              <a:t>Simulate running test with fail and pass outcome using SFL </a:t>
+            </a:r>
+            <a:r>
+              <a:rPr lang="en-US" dirty="0" err="1"/>
+              <a:t>Diagnoser</a:t>
+            </a:r>
+            <a:r>
+              <a:rPr lang="en-US" dirty="0"/>
+              <a:t>.</a:t>
+            </a:r>
+          </a:p>
+          <a:p>
+            <a:pPr lvl="1"/>
+            <a:r>
+              <a:rPr lang="en-US" dirty="0"/>
+              <a:t>Get test components new failure probabilities from SFL </a:t>
+            </a:r>
+            <a:r>
+              <a:rPr lang="en-US" dirty="0" err="1"/>
+              <a:t>Diagnoser</a:t>
+            </a:r>
+            <a:r>
+              <a:rPr lang="en-US" dirty="0"/>
+              <a:t>. </a:t>
+            </a:r>
+          </a:p>
+          <a:p>
+            <a:pPr lvl="1"/>
+            <a:r>
+              <a:rPr lang="en-US" dirty="0"/>
+              <a:t>Choose the test with maximum information(minimum entropy) gain by:</a:t>
+            </a:r>
+          </a:p>
+          <a:p>
+            <a:pPr marL="274320" lvl="1" indent="0">
+              <a:buNone/>
+            </a:pPr>
+            <a:r>
+              <a:rPr lang="en-US" dirty="0"/>
+              <a:t>    argmax </a:t>
+            </a:r>
+            <a:r>
+              <a:rPr lang="en-US" sz="1200" dirty="0" err="1"/>
+              <a:t>i</a:t>
+            </a:r>
+            <a:r>
+              <a:rPr lang="en-US" dirty="0"/>
+              <a:t>(general entropy – test </a:t>
+            </a:r>
+            <a:r>
+              <a:rPr lang="en-US" dirty="0" err="1"/>
+              <a:t>i</a:t>
+            </a:r>
+            <a:r>
+              <a:rPr lang="en-US" dirty="0"/>
+              <a:t> entropy)</a:t>
+            </a:r>
+          </a:p>
+          <a:p>
+            <a:pPr marL="274320" lvl="1" indent="0">
+              <a:buNone/>
+            </a:pPr>
+            <a:endParaRPr lang="en-US" dirty="0"/>
+          </a:p>
+          <a:p>
+            <a:pPr marL="274320" lvl="1" indent="0">
+              <a:buNone/>
+            </a:pPr>
+            <a:endParaRPr lang="en-US" dirty="0"/>
+          </a:p>
+        </p:txBody>
+      </p:sp>
+      <p:graphicFrame>
+        <p:nvGraphicFramePr>
+          <p:cNvPr id="5" name="Table 4">
+            <a:extLst>
+              <a:ext uri="{FF2B5EF4-FFF2-40B4-BE49-F238E27FC236}">
+                <a16:creationId xmlns:a16="http://schemas.microsoft.com/office/drawing/2014/main" id="{0D7795D5-FBBE-4D68-907B-4157CC0079B4}"/>
+              </a:ext>
+            </a:extLst>
+          </p:cNvPr>
+          <p:cNvGraphicFramePr>
+            <a:graphicFrameLocks noGrp="1"/>
+          </p:cNvGraphicFramePr>
+          <p:nvPr>
+            <p:extLst>
+              <p:ext uri="{D42A27DB-BD31-4B8C-83A1-F6EECF244321}">
+                <p14:modId xmlns:p14="http://schemas.microsoft.com/office/powerpoint/2010/main" val="3234183025"/>
+              </p:ext>
+            </p:extLst>
+          </p:nvPr>
+        </p:nvGraphicFramePr>
+        <p:xfrm>
+          <a:off x="5228085" y="2876593"/>
+          <a:ext cx="4581740" cy="548640"/>
+        </p:xfrm>
+        <a:graphic>
+          <a:graphicData uri="http://schemas.openxmlformats.org/drawingml/2006/table">
+            <a:tbl>
+              <a:tblPr>
+                <a:tableStyleId>{5C22544A-7EE6-4342-B048-85BDC9FD1C3A}</a:tableStyleId>
+              </a:tblPr>
+              <a:tblGrid>
+                <a:gridCol w="2433364">
+                  <a:extLst>
+                    <a:ext uri="{9D8B030D-6E8A-4147-A177-3AD203B41FA5}">
+                      <a16:colId xmlns:a16="http://schemas.microsoft.com/office/drawing/2014/main" val="721525919"/>
+                    </a:ext>
+                  </a:extLst>
+                </a:gridCol>
+                <a:gridCol w="2148376">
+                  <a:extLst>
+                    <a:ext uri="{9D8B030D-6E8A-4147-A177-3AD203B41FA5}">
+                      <a16:colId xmlns:a16="http://schemas.microsoft.com/office/drawing/2014/main" val="466377387"/>
+                    </a:ext>
+                  </a:extLst>
+                </a:gridCol>
+              </a:tblGrid>
+              <a:tr h="182880">
+                <a:tc gridSpan="2">
+                  <a:txBody>
+                    <a:bodyPr/>
+                    <a:lstStyle/>
+                    <a:p>
+                      <a:pPr algn="ctr" fontAlgn="ctr"/>
+                      <a:r>
+                        <a:rPr lang="en-US" sz="1100" b="1" u="none" strike="noStrike">
+                          <a:effectLst/>
+                        </a:rPr>
+                        <a:t>Simulation Test1 (Comp1,Comp3,Comp4)</a:t>
+                      </a:r>
+                      <a:endParaRPr lang="en-US" sz="1100" b="1" i="0" u="none" strike="noStrike">
+                        <a:solidFill>
+                          <a:srgbClr val="000000"/>
+                        </a:solidFill>
+                        <a:effectLst/>
+                        <a:latin typeface="Calibri" panose="020F0502020204030204" pitchFamily="34" charset="0"/>
+                      </a:endParaRPr>
+                    </a:p>
+                  </a:txBody>
+                  <a:tcPr marL="7620" marR="7620" marT="7620" marB="0" anchor="ctr"/>
+                </a:tc>
+                <a:tc hMerge="1">
+                  <a:txBody>
+                    <a:bodyPr/>
+                    <a:lstStyle/>
+                    <a:p>
+                      <a:endParaRPr lang="en-US"/>
+                    </a:p>
+                  </a:txBody>
+                  <a:tcPr/>
+                </a:tc>
+                <a:extLst>
+                  <a:ext uri="{0D108BD9-81ED-4DB2-BD59-A6C34878D82A}">
+                    <a16:rowId xmlns:a16="http://schemas.microsoft.com/office/drawing/2014/main" val="905183784"/>
+                  </a:ext>
+                </a:extLst>
+              </a:tr>
+              <a:tr h="182880">
+                <a:tc>
+                  <a:txBody>
+                    <a:bodyPr/>
+                    <a:lstStyle/>
+                    <a:p>
+                      <a:pPr algn="ctr" fontAlgn="ctr"/>
+                      <a:r>
+                        <a:rPr lang="en-US" sz="1100" b="1" u="none" strike="noStrike">
+                          <a:effectLst/>
+                        </a:rPr>
+                        <a:t>Test pass - 1</a:t>
+                      </a:r>
+                      <a:endParaRPr lang="en-US" sz="1100" b="1" i="0" u="none" strike="noStrike">
+                        <a:solidFill>
+                          <a:srgbClr val="000000"/>
+                        </a:solidFill>
+                        <a:effectLst/>
+                        <a:latin typeface="Calibri" panose="020F0502020204030204" pitchFamily="34" charset="0"/>
+                      </a:endParaRPr>
+                    </a:p>
+                  </a:txBody>
+                  <a:tcPr marL="7620" marR="7620" marT="7620" marB="0" anchor="ctr"/>
+                </a:tc>
+                <a:tc>
+                  <a:txBody>
+                    <a:bodyPr/>
+                    <a:lstStyle/>
+                    <a:p>
+                      <a:pPr algn="ctr" fontAlgn="ctr"/>
+                      <a:r>
+                        <a:rPr lang="en-US" sz="1100" b="1" u="none" strike="noStrike">
+                          <a:effectLst/>
+                        </a:rPr>
+                        <a:t>Test fail  - 0</a:t>
+                      </a:r>
+                      <a:endParaRPr lang="en-US" sz="1100" b="1" i="0" u="none" strike="noStrike">
+                        <a:solidFill>
+                          <a:srgbClr val="000000"/>
+                        </a:solidFill>
+                        <a:effectLst/>
+                        <a:latin typeface="Calibri" panose="020F0502020204030204" pitchFamily="34" charset="0"/>
+                      </a:endParaRPr>
+                    </a:p>
+                  </a:txBody>
+                  <a:tcPr marL="7620" marR="7620" marT="7620" marB="0" anchor="ctr"/>
+                </a:tc>
+                <a:extLst>
+                  <a:ext uri="{0D108BD9-81ED-4DB2-BD59-A6C34878D82A}">
+                    <a16:rowId xmlns:a16="http://schemas.microsoft.com/office/drawing/2014/main" val="2612316429"/>
+                  </a:ext>
+                </a:extLst>
+              </a:tr>
+              <a:tr h="182880">
+                <a:tc>
+                  <a:txBody>
+                    <a:bodyPr/>
+                    <a:lstStyle/>
+                    <a:p>
+                      <a:pPr algn="ctr" fontAlgn="ctr"/>
+                      <a:r>
+                        <a:rPr lang="en-US" sz="1100" b="1" u="none" strike="noStrike">
+                          <a:effectLst/>
+                        </a:rPr>
+                        <a:t>Entropy(0.74,0.79,0.52)</a:t>
+                      </a:r>
+                      <a:endParaRPr lang="en-US" sz="1100" b="1" i="0" u="none" strike="noStrike">
+                        <a:solidFill>
+                          <a:srgbClr val="000000"/>
+                        </a:solidFill>
+                        <a:effectLst/>
+                        <a:latin typeface="Calibri" panose="020F0502020204030204" pitchFamily="34" charset="0"/>
+                      </a:endParaRPr>
+                    </a:p>
+                  </a:txBody>
+                  <a:tcPr marL="7620" marR="7620" marT="7620" marB="0" anchor="ctr"/>
+                </a:tc>
+                <a:tc>
+                  <a:txBody>
+                    <a:bodyPr/>
+                    <a:lstStyle/>
+                    <a:p>
+                      <a:pPr algn="ctr" fontAlgn="ctr"/>
+                      <a:r>
+                        <a:rPr lang="en-US" sz="1100" b="1" u="none" strike="noStrike" dirty="0">
+                          <a:effectLst/>
+                        </a:rPr>
+                        <a:t>Entropy(0.18,0.23,0.08)</a:t>
+                      </a:r>
+                      <a:endParaRPr lang="en-US" sz="1100" b="1" i="0" u="none" strike="noStrike" dirty="0">
+                        <a:solidFill>
+                          <a:srgbClr val="000000"/>
+                        </a:solidFill>
+                        <a:effectLst/>
+                        <a:latin typeface="Calibri" panose="020F0502020204030204" pitchFamily="34" charset="0"/>
+                      </a:endParaRPr>
+                    </a:p>
+                  </a:txBody>
+                  <a:tcPr marL="7620" marR="7620" marT="7620" marB="0" anchor="ctr"/>
+                </a:tc>
+                <a:extLst>
+                  <a:ext uri="{0D108BD9-81ED-4DB2-BD59-A6C34878D82A}">
+                    <a16:rowId xmlns:a16="http://schemas.microsoft.com/office/drawing/2014/main" val="81224658"/>
+                  </a:ext>
+                </a:extLst>
+              </a:tr>
+            </a:tbl>
+          </a:graphicData>
+        </a:graphic>
+      </p:graphicFrame>
+    </p:spTree>
+    <p:extLst>
+      <p:ext uri="{BB962C8B-B14F-4D97-AF65-F5344CB8AC3E}">
+        <p14:creationId xmlns:p14="http://schemas.microsoft.com/office/powerpoint/2010/main" val="2618905968"/>
+      </p:ext>
+    </p:extLst>
+  </p:cSld>
+  <p:clrMapOvr>
+    <a:masterClrMapping/>
+  </p:clrMapOvr>
+</p:sld>
+</file>
+
+<file path=ppt/slides/slide11.xml><?xml version="1.0" encoding="utf-8"?>
+<p:sld xmlns:a="http://schemas.openxmlformats.org/drawingml/2006/main" xmlns:r="http://schemas.openxmlformats.org/officeDocument/2006/relationships" xmlns:p="http://schemas.openxmlformats.org/presentationml/2006/main">
+  <p:cSld>
+    <p:spTree>
+      <p:nvGrpSpPr>
+        <p:cNvPr id="1" name=""/>
+        <p:cNvGrpSpPr/>
+        <p:nvPr/>
+      </p:nvGrpSpPr>
+      <p:grpSpPr>
+        <a:xfrm>
+          <a:off x="0" y="0"/>
+          <a:ext cx="0" cy="0"/>
+          <a:chOff x="0" y="0"/>
+          <a:chExt cx="0" cy="0"/>
+        </a:xfrm>
+      </p:grpSpPr>
+      <p:sp>
+        <p:nvSpPr>
+          <p:cNvPr id="2" name="Title 1"/>
+          <p:cNvSpPr>
+            <a:spLocks noGrp="1"/>
+          </p:cNvSpPr>
+          <p:nvPr>
+            <p:ph type="title"/>
+          </p:nvPr>
+        </p:nvSpPr>
+        <p:spPr/>
+        <p:txBody>
+          <a:bodyPr/>
+          <a:lstStyle/>
+          <a:p>
+            <a:r>
+              <a:rPr lang="en-US" dirty="0"/>
+              <a:t>Choose Test </a:t>
+            </a:r>
+          </a:p>
+        </p:txBody>
+      </p:sp>
+      <p:sp>
+        <p:nvSpPr>
+          <p:cNvPr id="7" name="Content Placeholder 2">
+            <a:extLst>
+              <a:ext uri="{FF2B5EF4-FFF2-40B4-BE49-F238E27FC236}">
+                <a16:creationId xmlns:a16="http://schemas.microsoft.com/office/drawing/2014/main" id="{0BBCA04D-4A8B-47A6-B72E-18B9FFC206D7}"/>
+              </a:ext>
+            </a:extLst>
+          </p:cNvPr>
+          <p:cNvSpPr txBox="1">
+            <a:spLocks/>
+          </p:cNvSpPr>
+          <p:nvPr/>
+        </p:nvSpPr>
+        <p:spPr>
+          <a:xfrm>
+            <a:off x="1069848" y="1873189"/>
+            <a:ext cx="10058400" cy="4675220"/>
+          </a:xfrm>
+          <a:prstGeom prst="rect">
+            <a:avLst/>
+          </a:prstGeom>
+        </p:spPr>
+        <p:txBody>
+          <a:bodyPr vert="horz" lIns="91440" tIns="45720" rIns="91440" bIns="45720" rtlCol="0">
+            <a:normAutofit/>
+          </a:bodyPr>
+          <a:lstStyle>
+            <a:lvl1pPr marL="182880" indent="-182880" algn="l" defTabSz="914400" rtl="0" eaLnBrk="1" latinLnBrk="0" hangingPunct="1">
+              <a:lnSpc>
+                <a:spcPct val="90000"/>
+              </a:lnSpc>
+              <a:spcBef>
+                <a:spcPts val="1200"/>
+              </a:spcBef>
+              <a:buClr>
+                <a:schemeClr val="accent1">
+                  <a:lumMod val="75000"/>
+                </a:schemeClr>
+              </a:buClr>
+              <a:buSzPct val="85000"/>
+              <a:buFont typeface="Wingdings" pitchFamily="2" charset="2"/>
+              <a:buChar char="§"/>
+              <a:defRPr sz="2000" kern="1200">
+                <a:solidFill>
+                  <a:schemeClr val="tx1"/>
+                </a:solidFill>
+                <a:latin typeface="+mn-lt"/>
+                <a:ea typeface="+mn-ea"/>
+                <a:cs typeface="+mn-cs"/>
+              </a:defRPr>
+            </a:lvl1pPr>
+            <a:lvl2pPr marL="457200" indent="-182880" algn="l" defTabSz="914400" rtl="0" eaLnBrk="1" latinLnBrk="0" hangingPunct="1">
+              <a:lnSpc>
+                <a:spcPct val="90000"/>
+              </a:lnSpc>
+              <a:spcBef>
+                <a:spcPts val="400"/>
+              </a:spcBef>
+              <a:spcAft>
+                <a:spcPts val="200"/>
+              </a:spcAft>
+              <a:buClr>
+                <a:schemeClr val="accent1">
+                  <a:lumMod val="75000"/>
+                </a:schemeClr>
+              </a:buClr>
+              <a:buSzPct val="85000"/>
+              <a:buFont typeface="Wingdings" pitchFamily="2" charset="2"/>
+              <a:buChar char="§"/>
+              <a:defRPr sz="1800" kern="1200">
+                <a:solidFill>
+                  <a:schemeClr val="tx1"/>
+                </a:solidFill>
+                <a:latin typeface="+mn-lt"/>
+                <a:ea typeface="+mn-ea"/>
+                <a:cs typeface="+mn-cs"/>
+              </a:defRPr>
+            </a:lvl2pPr>
+            <a:lvl3pPr marL="731520" indent="-182880" algn="l" defTabSz="914400" rtl="0" eaLnBrk="1" latinLnBrk="0" hangingPunct="1">
+              <a:lnSpc>
+                <a:spcPct val="90000"/>
+              </a:lnSpc>
+              <a:spcBef>
+                <a:spcPts val="400"/>
+              </a:spcBef>
+              <a:spcAft>
+                <a:spcPts val="200"/>
+              </a:spcAft>
+              <a:buClr>
+                <a:schemeClr val="accent1">
+                  <a:lumMod val="75000"/>
+                </a:schemeClr>
+              </a:buClr>
+              <a:buSzPct val="85000"/>
+              <a:buFont typeface="Wingdings" pitchFamily="2" charset="2"/>
+              <a:buChar char="§"/>
+              <a:defRPr sz="1600" kern="1200">
+                <a:solidFill>
+                  <a:schemeClr val="tx1"/>
+                </a:solidFill>
+                <a:latin typeface="+mn-lt"/>
+                <a:ea typeface="+mn-ea"/>
+                <a:cs typeface="+mn-cs"/>
+              </a:defRPr>
+            </a:lvl3pPr>
+            <a:lvl4pPr marL="1005840" indent="-182880" algn="l" defTabSz="914400" rtl="0" eaLnBrk="1" latinLnBrk="0" hangingPunct="1">
+              <a:lnSpc>
+                <a:spcPct val="90000"/>
+              </a:lnSpc>
+              <a:spcBef>
+                <a:spcPts val="400"/>
+              </a:spcBef>
+              <a:spcAft>
+                <a:spcPts val="200"/>
+              </a:spcAft>
+              <a:buClr>
+                <a:schemeClr val="accent1">
+                  <a:lumMod val="75000"/>
+                </a:schemeClr>
+              </a:buClr>
+              <a:buSzPct val="85000"/>
+              <a:buFont typeface="Wingdings" pitchFamily="2" charset="2"/>
+              <a:buChar char="§"/>
+              <a:defRPr sz="1600" kern="1200">
+                <a:solidFill>
+                  <a:schemeClr val="tx1"/>
+                </a:solidFill>
+                <a:latin typeface="+mn-lt"/>
+                <a:ea typeface="+mn-ea"/>
+                <a:cs typeface="+mn-cs"/>
+              </a:defRPr>
+            </a:lvl4pPr>
+            <a:lvl5pPr marL="1280160" indent="-182880" algn="l" defTabSz="914400" rtl="0" eaLnBrk="1" latinLnBrk="0" hangingPunct="1">
+              <a:lnSpc>
+                <a:spcPct val="90000"/>
+              </a:lnSpc>
+              <a:spcBef>
+                <a:spcPts val="400"/>
+              </a:spcBef>
+              <a:spcAft>
+                <a:spcPts val="200"/>
+              </a:spcAft>
+              <a:buClr>
+                <a:schemeClr val="accent1">
+                  <a:lumMod val="75000"/>
+                </a:schemeClr>
+              </a:buClr>
+              <a:buSzPct val="85000"/>
+              <a:buFont typeface="Wingdings" pitchFamily="2" charset="2"/>
+              <a:buChar char="§"/>
+              <a:defRPr sz="1600" kern="1200">
+                <a:solidFill>
+                  <a:schemeClr val="tx1"/>
+                </a:solidFill>
+                <a:latin typeface="+mn-lt"/>
+                <a:ea typeface="+mn-ea"/>
+                <a:cs typeface="+mn-cs"/>
+              </a:defRPr>
+            </a:lvl5pPr>
+            <a:lvl6pPr marL="1600000" indent="-228600" algn="l" defTabSz="914400" rtl="0" eaLnBrk="1" latinLnBrk="0" hangingPunct="1">
+              <a:lnSpc>
+                <a:spcPct val="90000"/>
+              </a:lnSpc>
+              <a:spcBef>
+                <a:spcPts val="400"/>
+              </a:spcBef>
+              <a:spcAft>
+                <a:spcPts val="200"/>
+              </a:spcAft>
+              <a:buClr>
+                <a:schemeClr val="accent1">
+                  <a:lumMod val="75000"/>
+                </a:schemeClr>
+              </a:buClr>
+              <a:buSzPct val="85000"/>
+              <a:buFont typeface="Wingdings" pitchFamily="2" charset="2"/>
+              <a:buChar char="§"/>
+              <a:defRPr sz="1600" kern="1200">
+                <a:solidFill>
+                  <a:schemeClr val="tx1"/>
+                </a:solidFill>
+                <a:latin typeface="+mn-lt"/>
+                <a:ea typeface="+mn-ea"/>
+                <a:cs typeface="+mn-cs"/>
+              </a:defRPr>
+            </a:lvl6pPr>
+            <a:lvl7pPr marL="1900000" indent="-228600" algn="l" defTabSz="914400" rtl="0" eaLnBrk="1" latinLnBrk="0" hangingPunct="1">
+              <a:lnSpc>
+                <a:spcPct val="90000"/>
+              </a:lnSpc>
+              <a:spcBef>
+                <a:spcPts val="400"/>
+              </a:spcBef>
+              <a:spcAft>
+                <a:spcPts val="200"/>
+              </a:spcAft>
+              <a:buClr>
+                <a:schemeClr val="accent1">
+                  <a:lumMod val="75000"/>
+                </a:schemeClr>
+              </a:buClr>
+              <a:buSzPct val="85000"/>
+              <a:buFont typeface="Wingdings" pitchFamily="2" charset="2"/>
+              <a:buChar char="§"/>
+              <a:defRPr sz="1600" kern="1200">
+                <a:solidFill>
+                  <a:schemeClr val="tx1"/>
+                </a:solidFill>
+                <a:latin typeface="+mn-lt"/>
+                <a:ea typeface="+mn-ea"/>
+                <a:cs typeface="+mn-cs"/>
+              </a:defRPr>
+            </a:lvl7pPr>
+            <a:lvl8pPr marL="2200000" indent="-228600" algn="l" defTabSz="914400" rtl="0" eaLnBrk="1" latinLnBrk="0" hangingPunct="1">
+              <a:lnSpc>
+                <a:spcPct val="90000"/>
+              </a:lnSpc>
+              <a:spcBef>
+                <a:spcPts val="400"/>
+              </a:spcBef>
+              <a:spcAft>
+                <a:spcPts val="200"/>
+              </a:spcAft>
+              <a:buClr>
+                <a:schemeClr val="accent1">
+                  <a:lumMod val="75000"/>
+                </a:schemeClr>
+              </a:buClr>
+              <a:buSzPct val="85000"/>
+              <a:buFont typeface="Wingdings" pitchFamily="2" charset="2"/>
+              <a:buChar char="§"/>
+              <a:defRPr sz="1600" kern="1200">
+                <a:solidFill>
+                  <a:schemeClr val="tx1"/>
+                </a:solidFill>
+                <a:latin typeface="+mn-lt"/>
+                <a:ea typeface="+mn-ea"/>
+                <a:cs typeface="+mn-cs"/>
+              </a:defRPr>
+            </a:lvl8pPr>
+            <a:lvl9pPr marL="2500000" indent="-228600" algn="l" defTabSz="914400" rtl="0" eaLnBrk="1" latinLnBrk="0" hangingPunct="1">
+              <a:lnSpc>
+                <a:spcPct val="90000"/>
+              </a:lnSpc>
+              <a:spcBef>
+                <a:spcPts val="400"/>
+              </a:spcBef>
+              <a:spcAft>
+                <a:spcPts val="200"/>
+              </a:spcAft>
+              <a:buClr>
+                <a:schemeClr val="accent1">
+                  <a:lumMod val="75000"/>
+                </a:schemeClr>
+              </a:buClr>
+              <a:buSzPct val="85000"/>
+              <a:buFont typeface="Wingdings" pitchFamily="2" charset="2"/>
+              <a:buChar char="§"/>
+              <a:defRPr sz="1600" kern="1200">
+                <a:solidFill>
+                  <a:schemeClr val="tx1"/>
+                </a:solidFill>
+                <a:latin typeface="+mn-lt"/>
+                <a:ea typeface="+mn-ea"/>
+                <a:cs typeface="+mn-cs"/>
+              </a:defRPr>
+            </a:lvl9pPr>
+          </a:lstStyle>
+          <a:p>
+            <a:pPr marL="274320" lvl="1" indent="0">
+              <a:buNone/>
+            </a:pPr>
+            <a:endParaRPr lang="en-US" dirty="0"/>
+          </a:p>
+          <a:p>
+            <a:pPr marL="274320" lvl="1" indent="0">
+              <a:buNone/>
+            </a:pPr>
+            <a:endParaRPr lang="en-US" dirty="0"/>
+          </a:p>
+        </p:txBody>
+      </p:sp>
+      <p:graphicFrame>
+        <p:nvGraphicFramePr>
+          <p:cNvPr id="9" name="Table 8">
+            <a:extLst>
+              <a:ext uri="{FF2B5EF4-FFF2-40B4-BE49-F238E27FC236}">
+                <a16:creationId xmlns:a16="http://schemas.microsoft.com/office/drawing/2014/main" id="{2E8FABFF-5365-458D-AD3F-EDA32436B740}"/>
+              </a:ext>
+            </a:extLst>
+          </p:cNvPr>
+          <p:cNvGraphicFramePr>
+            <a:graphicFrameLocks noGrp="1"/>
+          </p:cNvGraphicFramePr>
+          <p:nvPr>
+            <p:extLst>
+              <p:ext uri="{D42A27DB-BD31-4B8C-83A1-F6EECF244321}">
+                <p14:modId xmlns:p14="http://schemas.microsoft.com/office/powerpoint/2010/main" val="2007988647"/>
+              </p:ext>
+            </p:extLst>
+          </p:nvPr>
+        </p:nvGraphicFramePr>
+        <p:xfrm>
+          <a:off x="1509203" y="1873189"/>
+          <a:ext cx="8229600" cy="1493328"/>
+        </p:xfrm>
+        <a:graphic>
+          <a:graphicData uri="http://schemas.openxmlformats.org/drawingml/2006/table">
+            <a:tbl>
+              <a:tblPr>
+                <a:tableStyleId>{5C22544A-7EE6-4342-B048-85BDC9FD1C3A}</a:tableStyleId>
+              </a:tblPr>
+              <a:tblGrid>
+                <a:gridCol w="1365909">
+                  <a:extLst>
+                    <a:ext uri="{9D8B030D-6E8A-4147-A177-3AD203B41FA5}">
+                      <a16:colId xmlns:a16="http://schemas.microsoft.com/office/drawing/2014/main" val="2684657707"/>
+                    </a:ext>
+                  </a:extLst>
+                </a:gridCol>
+                <a:gridCol w="2705880">
+                  <a:extLst>
+                    <a:ext uri="{9D8B030D-6E8A-4147-A177-3AD203B41FA5}">
+                      <a16:colId xmlns:a16="http://schemas.microsoft.com/office/drawing/2014/main" val="1501670750"/>
+                    </a:ext>
+                  </a:extLst>
+                </a:gridCol>
+                <a:gridCol w="1777823">
+                  <a:extLst>
+                    <a:ext uri="{9D8B030D-6E8A-4147-A177-3AD203B41FA5}">
+                      <a16:colId xmlns:a16="http://schemas.microsoft.com/office/drawing/2014/main" val="1915315137"/>
+                    </a:ext>
+                  </a:extLst>
+                </a:gridCol>
+                <a:gridCol w="2379988">
+                  <a:extLst>
+                    <a:ext uri="{9D8B030D-6E8A-4147-A177-3AD203B41FA5}">
+                      <a16:colId xmlns:a16="http://schemas.microsoft.com/office/drawing/2014/main" val="953681896"/>
+                    </a:ext>
+                  </a:extLst>
+                </a:gridCol>
+              </a:tblGrid>
+              <a:tr h="402394">
+                <a:tc>
+                  <a:txBody>
+                    <a:bodyPr/>
+                    <a:lstStyle/>
+                    <a:p>
+                      <a:pPr algn="ctr" fontAlgn="ctr"/>
+                      <a:r>
+                        <a:rPr lang="en-US" sz="1100" b="1" u="none" strike="noStrike" dirty="0">
+                          <a:effectLst/>
+                        </a:rPr>
+                        <a:t>Test</a:t>
+                      </a:r>
+                      <a:endParaRPr lang="en-US" sz="1100" b="1" i="0" u="none" strike="noStrike" dirty="0">
+                        <a:solidFill>
+                          <a:srgbClr val="000000"/>
+                        </a:solidFill>
+                        <a:effectLst/>
+                        <a:latin typeface="Calibri" panose="020F0502020204030204" pitchFamily="34" charset="0"/>
+                      </a:endParaRPr>
+                    </a:p>
+                  </a:txBody>
+                  <a:tcPr marL="7620" marR="7620" marT="7620" marB="0" anchor="ctr"/>
+                </a:tc>
+                <a:tc>
+                  <a:txBody>
+                    <a:bodyPr/>
+                    <a:lstStyle/>
+                    <a:p>
+                      <a:pPr algn="ctr" fontAlgn="ctr"/>
+                      <a:r>
+                        <a:rPr lang="en-US" sz="1100" b="1" u="none" strike="noStrike" dirty="0">
+                          <a:effectLst/>
+                        </a:rPr>
+                        <a:t>General Entropy</a:t>
+                      </a:r>
+                      <a:endParaRPr lang="en-US" sz="1100" b="1" i="0" u="none" strike="noStrike" dirty="0">
+                        <a:solidFill>
+                          <a:srgbClr val="000000"/>
+                        </a:solidFill>
+                        <a:effectLst/>
+                        <a:latin typeface="Calibri" panose="020F0502020204030204" pitchFamily="34" charset="0"/>
+                      </a:endParaRPr>
+                    </a:p>
+                  </a:txBody>
+                  <a:tcPr marL="7620" marR="7620" marT="7620" marB="0" anchor="ctr"/>
+                </a:tc>
+                <a:tc>
+                  <a:txBody>
+                    <a:bodyPr/>
+                    <a:lstStyle/>
+                    <a:p>
+                      <a:pPr algn="ctr" fontAlgn="ctr"/>
+                      <a:r>
+                        <a:rPr lang="en-US" sz="1100" b="1" u="none" strike="noStrike" dirty="0">
+                          <a:effectLst/>
+                        </a:rPr>
+                        <a:t>Test Entropy</a:t>
+                      </a:r>
+                      <a:endParaRPr lang="en-US" sz="1100" b="1" i="0" u="none" strike="noStrike" dirty="0">
+                        <a:solidFill>
+                          <a:srgbClr val="000000"/>
+                        </a:solidFill>
+                        <a:effectLst/>
+                        <a:latin typeface="Calibri" panose="020F0502020204030204" pitchFamily="34" charset="0"/>
+                      </a:endParaRPr>
+                    </a:p>
+                  </a:txBody>
+                  <a:tcPr marL="7620" marR="7620" marT="7620" marB="0" anchor="ctr"/>
+                </a:tc>
+                <a:tc>
+                  <a:txBody>
+                    <a:bodyPr/>
+                    <a:lstStyle/>
+                    <a:p>
+                      <a:pPr algn="ctr" fontAlgn="ctr"/>
+                      <a:r>
+                        <a:rPr lang="en-US" sz="1100" b="1" u="none" strike="noStrike" dirty="0">
+                          <a:effectLst/>
+                        </a:rPr>
+                        <a:t>Information Gain</a:t>
+                      </a:r>
+                      <a:endParaRPr lang="en-US" sz="1100" b="1" i="0" u="none" strike="noStrike" dirty="0">
+                        <a:solidFill>
+                          <a:srgbClr val="000000"/>
+                        </a:solidFill>
+                        <a:effectLst/>
+                        <a:latin typeface="Calibri" panose="020F0502020204030204" pitchFamily="34" charset="0"/>
+                      </a:endParaRPr>
+                    </a:p>
+                  </a:txBody>
+                  <a:tcPr marL="7620" marR="7620" marT="7620" marB="0" anchor="ctr"/>
+                </a:tc>
+                <a:extLst>
+                  <a:ext uri="{0D108BD9-81ED-4DB2-BD59-A6C34878D82A}">
+                    <a16:rowId xmlns:a16="http://schemas.microsoft.com/office/drawing/2014/main" val="164683983"/>
+                  </a:ext>
+                </a:extLst>
+              </a:tr>
+              <a:tr h="214610">
+                <a:tc>
+                  <a:txBody>
+                    <a:bodyPr/>
+                    <a:lstStyle/>
+                    <a:p>
+                      <a:pPr algn="ctr" fontAlgn="b"/>
+                      <a:r>
+                        <a:rPr lang="en-US" sz="1100" b="1" u="none" strike="noStrike" dirty="0">
+                          <a:effectLst/>
+                        </a:rPr>
+                        <a:t>Test1</a:t>
+                      </a:r>
+                      <a:endParaRPr lang="en-US" sz="1100" b="1" i="0" u="none" strike="noStrike" dirty="0">
+                        <a:solidFill>
+                          <a:srgbClr val="000000"/>
+                        </a:solidFill>
+                        <a:effectLst/>
+                        <a:latin typeface="Calibri" panose="020F0502020204030204" pitchFamily="34" charset="0"/>
+                      </a:endParaRPr>
+                    </a:p>
+                  </a:txBody>
+                  <a:tcPr marL="7620" marR="7620" marT="7620" marB="0" anchor="b"/>
+                </a:tc>
+                <a:tc>
+                  <a:txBody>
+                    <a:bodyPr/>
+                    <a:lstStyle/>
+                    <a:p>
+                      <a:pPr algn="ctr" fontAlgn="b"/>
+                      <a:r>
+                        <a:rPr lang="en-US" sz="1100" u="none" strike="noStrike">
+                          <a:effectLst/>
+                        </a:rPr>
+                        <a:t>7.5</a:t>
+                      </a:r>
+                      <a:endParaRPr lang="en-US" sz="1100" b="1" i="0" u="none" strike="noStrike">
+                        <a:solidFill>
+                          <a:srgbClr val="000000"/>
+                        </a:solidFill>
+                        <a:effectLst/>
+                        <a:latin typeface="Calibri" panose="020F0502020204030204" pitchFamily="34" charset="0"/>
+                      </a:endParaRPr>
+                    </a:p>
+                  </a:txBody>
+                  <a:tcPr marL="7620" marR="7620" marT="7620" marB="0" anchor="b"/>
+                </a:tc>
+                <a:tc>
+                  <a:txBody>
+                    <a:bodyPr/>
+                    <a:lstStyle/>
+                    <a:p>
+                      <a:pPr algn="ctr" fontAlgn="ctr"/>
+                      <a:r>
+                        <a:rPr lang="en-US" sz="1100" u="none" strike="noStrike">
+                          <a:effectLst/>
+                        </a:rPr>
+                        <a:t>3.8</a:t>
+                      </a:r>
+                      <a:endParaRPr lang="en-US" sz="1100" b="1" i="0" u="none" strike="noStrike">
+                        <a:solidFill>
+                          <a:srgbClr val="000000"/>
+                        </a:solidFill>
+                        <a:effectLst/>
+                        <a:latin typeface="Calibri" panose="020F0502020204030204" pitchFamily="34" charset="0"/>
+                      </a:endParaRPr>
+                    </a:p>
+                  </a:txBody>
+                  <a:tcPr marL="7620" marR="7620" marT="7620" marB="0" anchor="ctr"/>
+                </a:tc>
+                <a:tc>
+                  <a:txBody>
+                    <a:bodyPr/>
+                    <a:lstStyle/>
+                    <a:p>
+                      <a:pPr algn="ctr" fontAlgn="ctr"/>
+                      <a:r>
+                        <a:rPr lang="en-US" sz="1100" u="none" strike="noStrike">
+                          <a:effectLst/>
+                        </a:rPr>
+                        <a:t>3.7</a:t>
+                      </a:r>
+                      <a:endParaRPr lang="en-US" sz="1100" b="1" i="0" u="none" strike="noStrike">
+                        <a:solidFill>
+                          <a:srgbClr val="000000"/>
+                        </a:solidFill>
+                        <a:effectLst/>
+                        <a:latin typeface="Calibri" panose="020F0502020204030204" pitchFamily="34" charset="0"/>
+                      </a:endParaRPr>
+                    </a:p>
+                  </a:txBody>
+                  <a:tcPr marL="7620" marR="7620" marT="7620" marB="0" anchor="ctr"/>
+                </a:tc>
+                <a:extLst>
+                  <a:ext uri="{0D108BD9-81ED-4DB2-BD59-A6C34878D82A}">
+                    <a16:rowId xmlns:a16="http://schemas.microsoft.com/office/drawing/2014/main" val="140643451"/>
+                  </a:ext>
+                </a:extLst>
+              </a:tr>
+              <a:tr h="214610">
+                <a:tc>
+                  <a:txBody>
+                    <a:bodyPr/>
+                    <a:lstStyle/>
+                    <a:p>
+                      <a:pPr algn="ctr" fontAlgn="b"/>
+                      <a:r>
+                        <a:rPr lang="en-US" sz="1100" b="1" u="none" strike="noStrike" dirty="0">
+                          <a:effectLst/>
+                        </a:rPr>
+                        <a:t>Test2</a:t>
+                      </a:r>
+                      <a:endParaRPr lang="en-US" sz="1100" b="1" i="0" u="none" strike="noStrike" dirty="0">
+                        <a:solidFill>
+                          <a:srgbClr val="000000"/>
+                        </a:solidFill>
+                        <a:effectLst/>
+                        <a:latin typeface="Calibri" panose="020F0502020204030204" pitchFamily="34" charset="0"/>
+                      </a:endParaRPr>
+                    </a:p>
+                  </a:txBody>
+                  <a:tcPr marL="7620" marR="7620" marT="7620" marB="0" anchor="b"/>
+                </a:tc>
+                <a:tc>
+                  <a:txBody>
+                    <a:bodyPr/>
+                    <a:lstStyle/>
+                    <a:p>
+                      <a:pPr algn="ctr" fontAlgn="b"/>
+                      <a:r>
+                        <a:rPr lang="en-US" sz="1100" u="none" strike="noStrike">
+                          <a:effectLst/>
+                        </a:rPr>
+                        <a:t>7.5</a:t>
+                      </a:r>
+                      <a:endParaRPr lang="en-US" sz="1100" b="1" i="0" u="none" strike="noStrike">
+                        <a:solidFill>
+                          <a:srgbClr val="000000"/>
+                        </a:solidFill>
+                        <a:effectLst/>
+                        <a:latin typeface="Calibri" panose="020F0502020204030204" pitchFamily="34" charset="0"/>
+                      </a:endParaRPr>
+                    </a:p>
+                  </a:txBody>
+                  <a:tcPr marL="7620" marR="7620" marT="7620" marB="0" anchor="b"/>
+                </a:tc>
+                <a:tc>
+                  <a:txBody>
+                    <a:bodyPr/>
+                    <a:lstStyle/>
+                    <a:p>
+                      <a:pPr algn="ctr" fontAlgn="ctr"/>
+                      <a:r>
+                        <a:rPr lang="en-US" sz="1100" u="none" strike="noStrike">
+                          <a:effectLst/>
+                        </a:rPr>
+                        <a:t>4.8</a:t>
+                      </a:r>
+                      <a:endParaRPr lang="en-US" sz="1100" b="1" i="0" u="none" strike="noStrike">
+                        <a:solidFill>
+                          <a:srgbClr val="000000"/>
+                        </a:solidFill>
+                        <a:effectLst/>
+                        <a:latin typeface="Calibri" panose="020F0502020204030204" pitchFamily="34" charset="0"/>
+                      </a:endParaRPr>
+                    </a:p>
+                  </a:txBody>
+                  <a:tcPr marL="7620" marR="7620" marT="7620" marB="0" anchor="ctr"/>
+                </a:tc>
+                <a:tc>
+                  <a:txBody>
+                    <a:bodyPr/>
+                    <a:lstStyle/>
+                    <a:p>
+                      <a:pPr algn="ctr" fontAlgn="ctr"/>
+                      <a:r>
+                        <a:rPr lang="en-US" sz="1100" u="none" strike="noStrike">
+                          <a:effectLst/>
+                        </a:rPr>
+                        <a:t>2.7</a:t>
+                      </a:r>
+                      <a:endParaRPr lang="en-US" sz="1100" b="1" i="0" u="none" strike="noStrike">
+                        <a:solidFill>
+                          <a:srgbClr val="000000"/>
+                        </a:solidFill>
+                        <a:effectLst/>
+                        <a:latin typeface="Calibri" panose="020F0502020204030204" pitchFamily="34" charset="0"/>
+                      </a:endParaRPr>
+                    </a:p>
+                  </a:txBody>
+                  <a:tcPr marL="7620" marR="7620" marT="7620" marB="0" anchor="ctr"/>
+                </a:tc>
+                <a:extLst>
+                  <a:ext uri="{0D108BD9-81ED-4DB2-BD59-A6C34878D82A}">
+                    <a16:rowId xmlns:a16="http://schemas.microsoft.com/office/drawing/2014/main" val="545067329"/>
+                  </a:ext>
+                </a:extLst>
+              </a:tr>
+              <a:tr h="223552">
+                <a:tc>
+                  <a:txBody>
+                    <a:bodyPr/>
+                    <a:lstStyle/>
+                    <a:p>
+                      <a:pPr algn="ctr" fontAlgn="b"/>
+                      <a:r>
+                        <a:rPr lang="en-US" sz="1100" b="1" u="none" strike="noStrike" dirty="0">
+                          <a:effectLst/>
+                        </a:rPr>
+                        <a:t>Test3</a:t>
+                      </a:r>
+                      <a:endParaRPr lang="en-US" sz="1100" b="1" i="0" u="none" strike="noStrike" dirty="0">
+                        <a:solidFill>
+                          <a:srgbClr val="000000"/>
+                        </a:solidFill>
+                        <a:effectLst/>
+                        <a:latin typeface="Calibri" panose="020F0502020204030204" pitchFamily="34" charset="0"/>
+                      </a:endParaRPr>
+                    </a:p>
+                  </a:txBody>
+                  <a:tcPr marL="7620" marR="7620" marT="7620" marB="0" anchor="b"/>
+                </a:tc>
+                <a:tc>
+                  <a:txBody>
+                    <a:bodyPr/>
+                    <a:lstStyle/>
+                    <a:p>
+                      <a:pPr algn="ctr" fontAlgn="b"/>
+                      <a:r>
+                        <a:rPr lang="en-US" sz="1100" u="none" strike="noStrike">
+                          <a:effectLst/>
+                        </a:rPr>
+                        <a:t>7.5</a:t>
+                      </a:r>
+                      <a:endParaRPr lang="en-US" sz="1100" b="1" i="0" u="none" strike="noStrike">
+                        <a:solidFill>
+                          <a:srgbClr val="000000"/>
+                        </a:solidFill>
+                        <a:effectLst/>
+                        <a:latin typeface="Calibri" panose="020F0502020204030204" pitchFamily="34" charset="0"/>
+                      </a:endParaRPr>
+                    </a:p>
+                  </a:txBody>
+                  <a:tcPr marL="7620" marR="7620" marT="7620" marB="0" anchor="b"/>
+                </a:tc>
+                <a:tc>
+                  <a:txBody>
+                    <a:bodyPr/>
+                    <a:lstStyle/>
+                    <a:p>
+                      <a:pPr algn="ctr" fontAlgn="ctr"/>
+                      <a:r>
+                        <a:rPr lang="en-US" sz="1100" u="none" strike="noStrike">
+                          <a:effectLst/>
+                        </a:rPr>
+                        <a:t>5.2</a:t>
+                      </a:r>
+                      <a:endParaRPr lang="en-US" sz="1100" b="1" i="0" u="none" strike="noStrike">
+                        <a:solidFill>
+                          <a:srgbClr val="000000"/>
+                        </a:solidFill>
+                        <a:effectLst/>
+                        <a:latin typeface="Calibri" panose="020F0502020204030204" pitchFamily="34" charset="0"/>
+                      </a:endParaRPr>
+                    </a:p>
+                  </a:txBody>
+                  <a:tcPr marL="7620" marR="7620" marT="7620" marB="0" anchor="ctr"/>
+                </a:tc>
+                <a:tc>
+                  <a:txBody>
+                    <a:bodyPr/>
+                    <a:lstStyle/>
+                    <a:p>
+                      <a:pPr algn="ctr" fontAlgn="ctr"/>
+                      <a:r>
+                        <a:rPr lang="en-US" sz="1100" u="none" strike="noStrike">
+                          <a:effectLst/>
+                        </a:rPr>
+                        <a:t>2.3</a:t>
+                      </a:r>
+                      <a:endParaRPr lang="en-US" sz="1100" b="1" i="0" u="none" strike="noStrike">
+                        <a:solidFill>
+                          <a:srgbClr val="000000"/>
+                        </a:solidFill>
+                        <a:effectLst/>
+                        <a:latin typeface="Calibri" panose="020F0502020204030204" pitchFamily="34" charset="0"/>
+                      </a:endParaRPr>
+                    </a:p>
+                  </a:txBody>
+                  <a:tcPr marL="7620" marR="7620" marT="7620" marB="0" anchor="ctr"/>
+                </a:tc>
+                <a:extLst>
+                  <a:ext uri="{0D108BD9-81ED-4DB2-BD59-A6C34878D82A}">
+                    <a16:rowId xmlns:a16="http://schemas.microsoft.com/office/drawing/2014/main" val="1120792516"/>
+                  </a:ext>
+                </a:extLst>
+              </a:tr>
+              <a:tr h="223552">
+                <a:tc>
+                  <a:txBody>
+                    <a:bodyPr/>
+                    <a:lstStyle/>
+                    <a:p>
+                      <a:pPr algn="ctr" fontAlgn="b"/>
+                      <a:r>
+                        <a:rPr lang="en-US" sz="1100" b="1" u="none" strike="noStrike" dirty="0">
+                          <a:effectLst/>
+                        </a:rPr>
+                        <a:t>Test4</a:t>
+                      </a:r>
+                      <a:endParaRPr lang="en-US" sz="1100" b="1" i="0" u="none" strike="noStrike" dirty="0">
+                        <a:solidFill>
+                          <a:srgbClr val="000000"/>
+                        </a:solidFill>
+                        <a:effectLst/>
+                        <a:latin typeface="Calibri" panose="020F0502020204030204" pitchFamily="34" charset="0"/>
+                      </a:endParaRPr>
+                    </a:p>
+                  </a:txBody>
+                  <a:tcPr marL="7620" marR="7620" marT="7620" marB="0" anchor="b"/>
+                </a:tc>
+                <a:tc>
+                  <a:txBody>
+                    <a:bodyPr/>
+                    <a:lstStyle/>
+                    <a:p>
+                      <a:pPr algn="ctr" fontAlgn="b"/>
+                      <a:r>
+                        <a:rPr lang="en-US" sz="1100" u="none" strike="noStrike">
+                          <a:effectLst/>
+                        </a:rPr>
+                        <a:t>7.5</a:t>
+                      </a:r>
+                      <a:endParaRPr lang="en-US" sz="1100" b="1" i="0" u="none" strike="noStrike">
+                        <a:solidFill>
+                          <a:srgbClr val="000000"/>
+                        </a:solidFill>
+                        <a:effectLst/>
+                        <a:latin typeface="Calibri" panose="020F0502020204030204" pitchFamily="34" charset="0"/>
+                      </a:endParaRPr>
+                    </a:p>
+                  </a:txBody>
+                  <a:tcPr marL="7620" marR="7620" marT="7620" marB="0" anchor="b"/>
+                </a:tc>
+                <a:tc>
+                  <a:txBody>
+                    <a:bodyPr/>
+                    <a:lstStyle/>
+                    <a:p>
+                      <a:pPr algn="ctr" fontAlgn="ctr"/>
+                      <a:r>
+                        <a:rPr lang="en-US" sz="1100" u="none" strike="noStrike">
+                          <a:effectLst/>
+                        </a:rPr>
+                        <a:t>2.1</a:t>
+                      </a:r>
+                      <a:endParaRPr lang="en-US" sz="1100" b="1" i="0" u="none" strike="noStrike">
+                        <a:solidFill>
+                          <a:srgbClr val="000000"/>
+                        </a:solidFill>
+                        <a:effectLst/>
+                        <a:latin typeface="Calibri" panose="020F0502020204030204" pitchFamily="34" charset="0"/>
+                      </a:endParaRPr>
+                    </a:p>
+                  </a:txBody>
+                  <a:tcPr marL="7620" marR="7620" marT="7620" marB="0" anchor="ctr"/>
+                </a:tc>
+                <a:tc>
+                  <a:txBody>
+                    <a:bodyPr/>
+                    <a:lstStyle/>
+                    <a:p>
+                      <a:pPr algn="ctr" fontAlgn="ctr"/>
+                      <a:r>
+                        <a:rPr lang="en-US" sz="1400" b="1" u="none" strike="noStrike" dirty="0">
+                          <a:effectLst/>
+                        </a:rPr>
+                        <a:t>5.4</a:t>
+                      </a:r>
+                      <a:endParaRPr lang="en-US" sz="1100" b="1" i="0" u="none" strike="noStrike" dirty="0">
+                        <a:solidFill>
+                          <a:srgbClr val="000000"/>
+                        </a:solidFill>
+                        <a:effectLst/>
+                        <a:latin typeface="Calibri" panose="020F0502020204030204" pitchFamily="34" charset="0"/>
+                      </a:endParaRPr>
+                    </a:p>
+                  </a:txBody>
+                  <a:tcPr marL="7620" marR="7620" marT="7620" marB="0" anchor="ctr"/>
+                </a:tc>
+                <a:extLst>
+                  <a:ext uri="{0D108BD9-81ED-4DB2-BD59-A6C34878D82A}">
+                    <a16:rowId xmlns:a16="http://schemas.microsoft.com/office/drawing/2014/main" val="589066662"/>
+                  </a:ext>
+                </a:extLst>
+              </a:tr>
+              <a:tr h="214610">
+                <a:tc>
+                  <a:txBody>
+                    <a:bodyPr/>
+                    <a:lstStyle/>
+                    <a:p>
+                      <a:pPr algn="ctr" fontAlgn="b"/>
+                      <a:r>
+                        <a:rPr lang="en-US" sz="1100" b="1" u="none" strike="noStrike" dirty="0">
+                          <a:effectLst/>
+                        </a:rPr>
+                        <a:t>Test5</a:t>
+                      </a:r>
+                      <a:endParaRPr lang="en-US" sz="1100" b="1" i="0" u="none" strike="noStrike" dirty="0">
+                        <a:solidFill>
+                          <a:srgbClr val="000000"/>
+                        </a:solidFill>
+                        <a:effectLst/>
+                        <a:latin typeface="Calibri" panose="020F0502020204030204" pitchFamily="34" charset="0"/>
+                      </a:endParaRPr>
+                    </a:p>
+                  </a:txBody>
+                  <a:tcPr marL="7620" marR="7620" marT="7620" marB="0" anchor="b"/>
+                </a:tc>
+                <a:tc>
+                  <a:txBody>
+                    <a:bodyPr/>
+                    <a:lstStyle/>
+                    <a:p>
+                      <a:pPr algn="ctr" fontAlgn="b"/>
+                      <a:r>
+                        <a:rPr lang="en-US" sz="1100" u="none" strike="noStrike">
+                          <a:effectLst/>
+                        </a:rPr>
+                        <a:t>7.5</a:t>
+                      </a:r>
+                      <a:endParaRPr lang="en-US" sz="1100" b="1" i="0" u="none" strike="noStrike">
+                        <a:solidFill>
+                          <a:srgbClr val="000000"/>
+                        </a:solidFill>
+                        <a:effectLst/>
+                        <a:latin typeface="Calibri" panose="020F0502020204030204" pitchFamily="34" charset="0"/>
+                      </a:endParaRPr>
+                    </a:p>
+                  </a:txBody>
+                  <a:tcPr marL="7620" marR="7620" marT="7620" marB="0" anchor="b"/>
+                </a:tc>
+                <a:tc>
+                  <a:txBody>
+                    <a:bodyPr/>
+                    <a:lstStyle/>
+                    <a:p>
+                      <a:pPr algn="ctr" fontAlgn="ctr"/>
+                      <a:r>
+                        <a:rPr lang="en-US" sz="1100" u="none" strike="noStrike">
+                          <a:effectLst/>
+                        </a:rPr>
+                        <a:t>5.6</a:t>
+                      </a:r>
+                      <a:endParaRPr lang="en-US" sz="1100" b="1" i="0" u="none" strike="noStrike">
+                        <a:solidFill>
+                          <a:srgbClr val="000000"/>
+                        </a:solidFill>
+                        <a:effectLst/>
+                        <a:latin typeface="Calibri" panose="020F0502020204030204" pitchFamily="34" charset="0"/>
+                      </a:endParaRPr>
+                    </a:p>
+                  </a:txBody>
+                  <a:tcPr marL="7620" marR="7620" marT="7620" marB="0" anchor="ctr"/>
+                </a:tc>
+                <a:tc>
+                  <a:txBody>
+                    <a:bodyPr/>
+                    <a:lstStyle/>
+                    <a:p>
+                      <a:pPr algn="ctr" fontAlgn="ctr"/>
+                      <a:r>
+                        <a:rPr lang="en-US" sz="1100" u="none" strike="noStrike" dirty="0">
+                          <a:effectLst/>
+                        </a:rPr>
+                        <a:t>1.9</a:t>
+                      </a:r>
+                      <a:endParaRPr lang="en-US" sz="1100" b="1" i="0" u="none" strike="noStrike" dirty="0">
+                        <a:solidFill>
+                          <a:srgbClr val="000000"/>
+                        </a:solidFill>
+                        <a:effectLst/>
+                        <a:latin typeface="Calibri" panose="020F0502020204030204" pitchFamily="34" charset="0"/>
+                      </a:endParaRPr>
+                    </a:p>
+                  </a:txBody>
+                  <a:tcPr marL="7620" marR="7620" marT="7620" marB="0" anchor="ctr"/>
+                </a:tc>
+                <a:extLst>
+                  <a:ext uri="{0D108BD9-81ED-4DB2-BD59-A6C34878D82A}">
+                    <a16:rowId xmlns:a16="http://schemas.microsoft.com/office/drawing/2014/main" val="687664215"/>
+                  </a:ext>
+                </a:extLst>
+              </a:tr>
+            </a:tbl>
+          </a:graphicData>
+        </a:graphic>
+      </p:graphicFrame>
+      <p:sp>
+        <p:nvSpPr>
+          <p:cNvPr id="10" name="Speech Bubble: Oval 9">
+            <a:extLst>
+              <a:ext uri="{FF2B5EF4-FFF2-40B4-BE49-F238E27FC236}">
+                <a16:creationId xmlns:a16="http://schemas.microsoft.com/office/drawing/2014/main" id="{D1CE854A-98B5-43A9-8177-D9857E749422}"/>
+              </a:ext>
+            </a:extLst>
+          </p:cNvPr>
+          <p:cNvSpPr/>
+          <p:nvPr/>
+        </p:nvSpPr>
+        <p:spPr>
+          <a:xfrm>
+            <a:off x="8296091" y="3290805"/>
+            <a:ext cx="3271512" cy="788233"/>
+          </a:xfrm>
+          <a:prstGeom prst="wedgeEllipseCallout">
+            <a:avLst>
+              <a:gd name="adj1" fmla="val -37330"/>
+              <a:gd name="adj2" fmla="val -79454"/>
+            </a:avLst>
+          </a:prstGeom>
+          <a:solidFill>
+            <a:schemeClr val="accent2">
+              <a:lumMod val="60000"/>
+              <a:lumOff val="40000"/>
+            </a:schemeClr>
+          </a:solidFill>
+          <a:ln>
+            <a:solidFill>
+              <a:schemeClr val="accent1">
+                <a:lumMod val="40000"/>
+                <a:lumOff val="60000"/>
+              </a:schemeClr>
+            </a:solidFill>
+          </a:ln>
+        </p:spPr>
+        <p:style>
+          <a:lnRef idx="2">
+            <a:schemeClr val="accent1">
+              <a:shade val="50000"/>
+            </a:schemeClr>
+          </a:lnRef>
+          <a:fillRef idx="1">
+            <a:schemeClr val="accent1"/>
+          </a:fillRef>
+          <a:effectRef idx="0">
+            <a:schemeClr val="accent1"/>
+          </a:effectRef>
+          <a:fontRef idx="minor">
+            <a:schemeClr val="lt1"/>
+          </a:fontRef>
+        </p:style>
+        <p:txBody>
+          <a:bodyPr rtlCol="0" anchor="ctr"/>
+          <a:lstStyle/>
+          <a:p>
+            <a:pPr algn="ctr"/>
+            <a:r>
+              <a:rPr lang="en-US" dirty="0"/>
+              <a:t>Max Information Gain</a:t>
+            </a:r>
+          </a:p>
+        </p:txBody>
+      </p:sp>
+      <p:sp>
+        <p:nvSpPr>
+          <p:cNvPr id="12" name="Content Placeholder 2">
+            <a:extLst>
+              <a:ext uri="{FF2B5EF4-FFF2-40B4-BE49-F238E27FC236}">
+                <a16:creationId xmlns:a16="http://schemas.microsoft.com/office/drawing/2014/main" id="{4EE1D6B5-6C74-48AD-A4A6-FE46AB101D5F}"/>
+              </a:ext>
+            </a:extLst>
+          </p:cNvPr>
+          <p:cNvSpPr txBox="1">
+            <a:spLocks/>
+          </p:cNvSpPr>
+          <p:nvPr/>
+        </p:nvSpPr>
+        <p:spPr>
+          <a:xfrm>
+            <a:off x="1069848" y="3665717"/>
+            <a:ext cx="10058400" cy="2882691"/>
+          </a:xfrm>
+          <a:prstGeom prst="rect">
+            <a:avLst/>
+          </a:prstGeom>
+        </p:spPr>
+        <p:txBody>
+          <a:bodyPr vert="horz" lIns="91440" tIns="45720" rIns="91440" bIns="45720" rtlCol="0">
+            <a:normAutofit/>
+          </a:bodyPr>
+          <a:lstStyle>
+            <a:lvl1pPr marL="182880" indent="-182880" algn="l" defTabSz="914400" rtl="0" eaLnBrk="1" latinLnBrk="0" hangingPunct="1">
+              <a:lnSpc>
+                <a:spcPct val="90000"/>
+              </a:lnSpc>
+              <a:spcBef>
+                <a:spcPts val="1200"/>
+              </a:spcBef>
+              <a:buClr>
+                <a:schemeClr val="accent1">
+                  <a:lumMod val="75000"/>
+                </a:schemeClr>
+              </a:buClr>
+              <a:buSzPct val="85000"/>
+              <a:buFont typeface="Wingdings" pitchFamily="2" charset="2"/>
+              <a:buChar char="§"/>
+              <a:defRPr sz="2000" kern="1200">
+                <a:solidFill>
+                  <a:schemeClr val="tx1"/>
+                </a:solidFill>
+                <a:latin typeface="+mn-lt"/>
+                <a:ea typeface="+mn-ea"/>
+                <a:cs typeface="+mn-cs"/>
+              </a:defRPr>
+            </a:lvl1pPr>
+            <a:lvl2pPr marL="457200" indent="-182880" algn="l" defTabSz="914400" rtl="0" eaLnBrk="1" latinLnBrk="0" hangingPunct="1">
+              <a:lnSpc>
+                <a:spcPct val="90000"/>
+              </a:lnSpc>
+              <a:spcBef>
+                <a:spcPts val="400"/>
+              </a:spcBef>
+              <a:spcAft>
+                <a:spcPts val="200"/>
+              </a:spcAft>
+              <a:buClr>
+                <a:schemeClr val="accent1">
+                  <a:lumMod val="75000"/>
+                </a:schemeClr>
+              </a:buClr>
+              <a:buSzPct val="85000"/>
+              <a:buFont typeface="Wingdings" pitchFamily="2" charset="2"/>
+              <a:buChar char="§"/>
+              <a:defRPr sz="1800" kern="1200">
+                <a:solidFill>
+                  <a:schemeClr val="tx1"/>
+                </a:solidFill>
+                <a:latin typeface="+mn-lt"/>
+                <a:ea typeface="+mn-ea"/>
+                <a:cs typeface="+mn-cs"/>
+              </a:defRPr>
+            </a:lvl2pPr>
+            <a:lvl3pPr marL="731520" indent="-182880" algn="l" defTabSz="914400" rtl="0" eaLnBrk="1" latinLnBrk="0" hangingPunct="1">
+              <a:lnSpc>
+                <a:spcPct val="90000"/>
+              </a:lnSpc>
+              <a:spcBef>
+                <a:spcPts val="400"/>
+              </a:spcBef>
+              <a:spcAft>
+                <a:spcPts val="200"/>
+              </a:spcAft>
+              <a:buClr>
+                <a:schemeClr val="accent1">
+                  <a:lumMod val="75000"/>
+                </a:schemeClr>
+              </a:buClr>
+              <a:buSzPct val="85000"/>
+              <a:buFont typeface="Wingdings" pitchFamily="2" charset="2"/>
+              <a:buChar char="§"/>
+              <a:defRPr sz="1600" kern="1200">
+                <a:solidFill>
+                  <a:schemeClr val="tx1"/>
+                </a:solidFill>
+                <a:latin typeface="+mn-lt"/>
+                <a:ea typeface="+mn-ea"/>
+                <a:cs typeface="+mn-cs"/>
+              </a:defRPr>
+            </a:lvl3pPr>
+            <a:lvl4pPr marL="1005840" indent="-182880" algn="l" defTabSz="914400" rtl="0" eaLnBrk="1" latinLnBrk="0" hangingPunct="1">
+              <a:lnSpc>
+                <a:spcPct val="90000"/>
+              </a:lnSpc>
+              <a:spcBef>
+                <a:spcPts val="400"/>
+              </a:spcBef>
+              <a:spcAft>
+                <a:spcPts val="200"/>
+              </a:spcAft>
+              <a:buClr>
+                <a:schemeClr val="accent1">
+                  <a:lumMod val="75000"/>
+                </a:schemeClr>
+              </a:buClr>
+              <a:buSzPct val="85000"/>
+              <a:buFont typeface="Wingdings" pitchFamily="2" charset="2"/>
+              <a:buChar char="§"/>
+              <a:defRPr sz="1600" kern="1200">
+                <a:solidFill>
+                  <a:schemeClr val="tx1"/>
+                </a:solidFill>
+                <a:latin typeface="+mn-lt"/>
+                <a:ea typeface="+mn-ea"/>
+                <a:cs typeface="+mn-cs"/>
+              </a:defRPr>
+            </a:lvl4pPr>
+            <a:lvl5pPr marL="1280160" indent="-182880" algn="l" defTabSz="914400" rtl="0" eaLnBrk="1" latinLnBrk="0" hangingPunct="1">
+              <a:lnSpc>
+                <a:spcPct val="90000"/>
+              </a:lnSpc>
+              <a:spcBef>
+                <a:spcPts val="400"/>
+              </a:spcBef>
+              <a:spcAft>
+                <a:spcPts val="200"/>
+              </a:spcAft>
+              <a:buClr>
+                <a:schemeClr val="accent1">
+                  <a:lumMod val="75000"/>
+                </a:schemeClr>
+              </a:buClr>
+              <a:buSzPct val="85000"/>
+              <a:buFont typeface="Wingdings" pitchFamily="2" charset="2"/>
+              <a:buChar char="§"/>
+              <a:defRPr sz="1600" kern="1200">
+                <a:solidFill>
+                  <a:schemeClr val="tx1"/>
+                </a:solidFill>
+                <a:latin typeface="+mn-lt"/>
+                <a:ea typeface="+mn-ea"/>
+                <a:cs typeface="+mn-cs"/>
+              </a:defRPr>
+            </a:lvl5pPr>
+            <a:lvl6pPr marL="1600000" indent="-228600" algn="l" defTabSz="914400" rtl="0" eaLnBrk="1" latinLnBrk="0" hangingPunct="1">
+              <a:lnSpc>
+                <a:spcPct val="90000"/>
+              </a:lnSpc>
+              <a:spcBef>
+                <a:spcPts val="400"/>
+              </a:spcBef>
+              <a:spcAft>
+                <a:spcPts val="200"/>
+              </a:spcAft>
+              <a:buClr>
+                <a:schemeClr val="accent1">
+                  <a:lumMod val="75000"/>
+                </a:schemeClr>
+              </a:buClr>
+              <a:buSzPct val="85000"/>
+              <a:buFont typeface="Wingdings" pitchFamily="2" charset="2"/>
+              <a:buChar char="§"/>
+              <a:defRPr sz="1600" kern="1200">
+                <a:solidFill>
+                  <a:schemeClr val="tx1"/>
+                </a:solidFill>
+                <a:latin typeface="+mn-lt"/>
+                <a:ea typeface="+mn-ea"/>
+                <a:cs typeface="+mn-cs"/>
+              </a:defRPr>
+            </a:lvl6pPr>
+            <a:lvl7pPr marL="1900000" indent="-228600" algn="l" defTabSz="914400" rtl="0" eaLnBrk="1" latinLnBrk="0" hangingPunct="1">
+              <a:lnSpc>
+                <a:spcPct val="90000"/>
+              </a:lnSpc>
+              <a:spcBef>
+                <a:spcPts val="400"/>
+              </a:spcBef>
+              <a:spcAft>
+                <a:spcPts val="200"/>
+              </a:spcAft>
+              <a:buClr>
+                <a:schemeClr val="accent1">
+                  <a:lumMod val="75000"/>
+                </a:schemeClr>
+              </a:buClr>
+              <a:buSzPct val="85000"/>
+              <a:buFont typeface="Wingdings" pitchFamily="2" charset="2"/>
+              <a:buChar char="§"/>
+              <a:defRPr sz="1600" kern="1200">
+                <a:solidFill>
+                  <a:schemeClr val="tx1"/>
+                </a:solidFill>
+                <a:latin typeface="+mn-lt"/>
+                <a:ea typeface="+mn-ea"/>
+                <a:cs typeface="+mn-cs"/>
+              </a:defRPr>
+            </a:lvl7pPr>
+            <a:lvl8pPr marL="2200000" indent="-228600" algn="l" defTabSz="914400" rtl="0" eaLnBrk="1" latinLnBrk="0" hangingPunct="1">
+              <a:lnSpc>
+                <a:spcPct val="90000"/>
+              </a:lnSpc>
+              <a:spcBef>
+                <a:spcPts val="400"/>
+              </a:spcBef>
+              <a:spcAft>
+                <a:spcPts val="200"/>
+              </a:spcAft>
+              <a:buClr>
+                <a:schemeClr val="accent1">
+                  <a:lumMod val="75000"/>
+                </a:schemeClr>
+              </a:buClr>
+              <a:buSzPct val="85000"/>
+              <a:buFont typeface="Wingdings" pitchFamily="2" charset="2"/>
+              <a:buChar char="§"/>
+              <a:defRPr sz="1600" kern="1200">
+                <a:solidFill>
+                  <a:schemeClr val="tx1"/>
+                </a:solidFill>
+                <a:latin typeface="+mn-lt"/>
+                <a:ea typeface="+mn-ea"/>
+                <a:cs typeface="+mn-cs"/>
+              </a:defRPr>
+            </a:lvl8pPr>
+            <a:lvl9pPr marL="2500000" indent="-228600" algn="l" defTabSz="914400" rtl="0" eaLnBrk="1" latinLnBrk="0" hangingPunct="1">
+              <a:lnSpc>
+                <a:spcPct val="90000"/>
+              </a:lnSpc>
+              <a:spcBef>
+                <a:spcPts val="400"/>
+              </a:spcBef>
+              <a:spcAft>
+                <a:spcPts val="200"/>
+              </a:spcAft>
+              <a:buClr>
+                <a:schemeClr val="accent1">
+                  <a:lumMod val="75000"/>
+                </a:schemeClr>
+              </a:buClr>
+              <a:buSzPct val="85000"/>
+              <a:buFont typeface="Wingdings" pitchFamily="2" charset="2"/>
+              <a:buChar char="§"/>
+              <a:defRPr sz="1600" kern="1200">
+                <a:solidFill>
+                  <a:schemeClr val="tx1"/>
+                </a:solidFill>
+                <a:latin typeface="+mn-lt"/>
+                <a:ea typeface="+mn-ea"/>
+                <a:cs typeface="+mn-cs"/>
+              </a:defRPr>
+            </a:lvl9pPr>
+          </a:lstStyle>
+          <a:p>
+            <a:r>
+              <a:rPr lang="en-US" dirty="0"/>
+              <a:t>Test4 chosen by it’s highest information gain.</a:t>
+            </a:r>
+          </a:p>
+          <a:p>
+            <a:r>
+              <a:rPr lang="en-US" dirty="0"/>
+              <a:t>Test4 will actually run and get new components prior probabilities for failure.</a:t>
+            </a:r>
+          </a:p>
+          <a:p>
+            <a:r>
+              <a:rPr lang="en-US" dirty="0"/>
+              <a:t>The test entropy calculation will perform again without test4 and choose the next test with the highest information gain and  repeat till the chosen test count reaches the a required number n.</a:t>
+            </a:r>
+          </a:p>
+          <a:p>
+            <a:pPr marL="274320" lvl="1" indent="0">
+              <a:buNone/>
+            </a:pPr>
+            <a:endParaRPr lang="en-US" dirty="0"/>
+          </a:p>
+          <a:p>
+            <a:pPr marL="274320" lvl="1" indent="0">
+              <a:buNone/>
+            </a:pPr>
+            <a:endParaRPr lang="en-US" dirty="0"/>
+          </a:p>
+        </p:txBody>
+      </p:sp>
+    </p:spTree>
+    <p:extLst>
+      <p:ext uri="{BB962C8B-B14F-4D97-AF65-F5344CB8AC3E}">
+        <p14:creationId xmlns:p14="http://schemas.microsoft.com/office/powerpoint/2010/main" val="3180363925"/>
+      </p:ext>
+    </p:extLst>
+  </p:cSld>
+  <p:clrMapOvr>
+    <a:masterClrMapping/>
+  </p:clrMapOvr>
+</p:sld>
+</file>
+
+<file path=ppt/slides/slide12.xml><?xml version="1.0" encoding="utf-8"?>
+<p:sld xmlns:a="http://schemas.openxmlformats.org/drawingml/2006/main" xmlns:r="http://schemas.openxmlformats.org/officeDocument/2006/relationships" xmlns:p="http://schemas.openxmlformats.org/presentationml/2006/main">
+  <p:cSld>
+    <p:spTree>
+      <p:nvGrpSpPr>
+        <p:cNvPr id="1" name=""/>
+        <p:cNvGrpSpPr/>
+        <p:nvPr/>
+      </p:nvGrpSpPr>
+      <p:grpSpPr>
+        <a:xfrm>
+          <a:off x="0" y="0"/>
+          <a:ext cx="0" cy="0"/>
+          <a:chOff x="0" y="0"/>
+          <a:chExt cx="0" cy="0"/>
+        </a:xfrm>
+      </p:grpSpPr>
+      <p:sp>
+        <p:nvSpPr>
+          <p:cNvPr id="2" name="Title 1"/>
+          <p:cNvSpPr>
+            <a:spLocks noGrp="1"/>
+          </p:cNvSpPr>
+          <p:nvPr>
+            <p:ph type="title"/>
+          </p:nvPr>
+        </p:nvSpPr>
+        <p:spPr/>
+        <p:txBody>
+          <a:bodyPr/>
+          <a:lstStyle/>
+          <a:p>
+            <a:r>
+              <a:rPr lang="en-US" dirty="0"/>
+              <a:t>Experiment </a:t>
+            </a:r>
+          </a:p>
+        </p:txBody>
+      </p:sp>
+      <p:sp>
+        <p:nvSpPr>
+          <p:cNvPr id="7" name="Content Placeholder 2">
+            <a:extLst>
+              <a:ext uri="{FF2B5EF4-FFF2-40B4-BE49-F238E27FC236}">
+                <a16:creationId xmlns:a16="http://schemas.microsoft.com/office/drawing/2014/main" id="{0BBCA04D-4A8B-47A6-B72E-18B9FFC206D7}"/>
+              </a:ext>
+            </a:extLst>
+          </p:cNvPr>
+          <p:cNvSpPr txBox="1">
+            <a:spLocks/>
+          </p:cNvSpPr>
+          <p:nvPr/>
+        </p:nvSpPr>
+        <p:spPr>
+          <a:xfrm>
+            <a:off x="1069848" y="1873189"/>
+            <a:ext cx="10058400" cy="4675220"/>
+          </a:xfrm>
+          <a:prstGeom prst="rect">
+            <a:avLst/>
+          </a:prstGeom>
+        </p:spPr>
+        <p:txBody>
+          <a:bodyPr vert="horz" lIns="91440" tIns="45720" rIns="91440" bIns="45720" rtlCol="0">
+            <a:normAutofit/>
+          </a:bodyPr>
+          <a:lstStyle>
+            <a:lvl1pPr marL="182880" indent="-182880" algn="l" defTabSz="914400" rtl="0" eaLnBrk="1" latinLnBrk="0" hangingPunct="1">
+              <a:lnSpc>
+                <a:spcPct val="90000"/>
+              </a:lnSpc>
+              <a:spcBef>
+                <a:spcPts val="1200"/>
+              </a:spcBef>
+              <a:buClr>
+                <a:schemeClr val="accent1">
+                  <a:lumMod val="75000"/>
+                </a:schemeClr>
+              </a:buClr>
+              <a:buSzPct val="85000"/>
+              <a:buFont typeface="Wingdings" pitchFamily="2" charset="2"/>
+              <a:buChar char="§"/>
+              <a:defRPr sz="2000" kern="1200">
+                <a:solidFill>
+                  <a:schemeClr val="tx1"/>
+                </a:solidFill>
+                <a:latin typeface="+mn-lt"/>
+                <a:ea typeface="+mn-ea"/>
+                <a:cs typeface="+mn-cs"/>
+              </a:defRPr>
+            </a:lvl1pPr>
+            <a:lvl2pPr marL="457200" indent="-182880" algn="l" defTabSz="914400" rtl="0" eaLnBrk="1" latinLnBrk="0" hangingPunct="1">
+              <a:lnSpc>
+                <a:spcPct val="90000"/>
+              </a:lnSpc>
+              <a:spcBef>
+                <a:spcPts val="400"/>
+              </a:spcBef>
+              <a:spcAft>
+                <a:spcPts val="200"/>
+              </a:spcAft>
+              <a:buClr>
+                <a:schemeClr val="accent1">
+                  <a:lumMod val="75000"/>
+                </a:schemeClr>
+              </a:buClr>
+              <a:buSzPct val="85000"/>
+              <a:buFont typeface="Wingdings" pitchFamily="2" charset="2"/>
+              <a:buChar char="§"/>
+              <a:defRPr sz="1800" kern="1200">
+                <a:solidFill>
+                  <a:schemeClr val="tx1"/>
+                </a:solidFill>
+                <a:latin typeface="+mn-lt"/>
+                <a:ea typeface="+mn-ea"/>
+                <a:cs typeface="+mn-cs"/>
+              </a:defRPr>
+            </a:lvl2pPr>
+            <a:lvl3pPr marL="731520" indent="-182880" algn="l" defTabSz="914400" rtl="0" eaLnBrk="1" latinLnBrk="0" hangingPunct="1">
+              <a:lnSpc>
+                <a:spcPct val="90000"/>
+              </a:lnSpc>
+              <a:spcBef>
+                <a:spcPts val="400"/>
+              </a:spcBef>
+              <a:spcAft>
+                <a:spcPts val="200"/>
+              </a:spcAft>
+              <a:buClr>
+                <a:schemeClr val="accent1">
+                  <a:lumMod val="75000"/>
+                </a:schemeClr>
+              </a:buClr>
+              <a:buSzPct val="85000"/>
+              <a:buFont typeface="Wingdings" pitchFamily="2" charset="2"/>
+              <a:buChar char="§"/>
+              <a:defRPr sz="1600" kern="1200">
+                <a:solidFill>
+                  <a:schemeClr val="tx1"/>
+                </a:solidFill>
+                <a:latin typeface="+mn-lt"/>
+                <a:ea typeface="+mn-ea"/>
+                <a:cs typeface="+mn-cs"/>
+              </a:defRPr>
+            </a:lvl3pPr>
+            <a:lvl4pPr marL="1005840" indent="-182880" algn="l" defTabSz="914400" rtl="0" eaLnBrk="1" latinLnBrk="0" hangingPunct="1">
+              <a:lnSpc>
+                <a:spcPct val="90000"/>
+              </a:lnSpc>
+              <a:spcBef>
+                <a:spcPts val="400"/>
+              </a:spcBef>
+              <a:spcAft>
+                <a:spcPts val="200"/>
+              </a:spcAft>
+              <a:buClr>
+                <a:schemeClr val="accent1">
+                  <a:lumMod val="75000"/>
+                </a:schemeClr>
+              </a:buClr>
+              <a:buSzPct val="85000"/>
+              <a:buFont typeface="Wingdings" pitchFamily="2" charset="2"/>
+              <a:buChar char="§"/>
+              <a:defRPr sz="1600" kern="1200">
+                <a:solidFill>
+                  <a:schemeClr val="tx1"/>
+                </a:solidFill>
+                <a:latin typeface="+mn-lt"/>
+                <a:ea typeface="+mn-ea"/>
+                <a:cs typeface="+mn-cs"/>
+              </a:defRPr>
+            </a:lvl4pPr>
+            <a:lvl5pPr marL="1280160" indent="-182880" algn="l" defTabSz="914400" rtl="0" eaLnBrk="1" latinLnBrk="0" hangingPunct="1">
+              <a:lnSpc>
+                <a:spcPct val="90000"/>
+              </a:lnSpc>
+              <a:spcBef>
+                <a:spcPts val="400"/>
+              </a:spcBef>
+              <a:spcAft>
+                <a:spcPts val="200"/>
+              </a:spcAft>
+              <a:buClr>
+                <a:schemeClr val="accent1">
+                  <a:lumMod val="75000"/>
+                </a:schemeClr>
+              </a:buClr>
+              <a:buSzPct val="85000"/>
+              <a:buFont typeface="Wingdings" pitchFamily="2" charset="2"/>
+              <a:buChar char="§"/>
+              <a:defRPr sz="1600" kern="1200">
+                <a:solidFill>
+                  <a:schemeClr val="tx1"/>
+                </a:solidFill>
+                <a:latin typeface="+mn-lt"/>
+                <a:ea typeface="+mn-ea"/>
+                <a:cs typeface="+mn-cs"/>
+              </a:defRPr>
+            </a:lvl5pPr>
+            <a:lvl6pPr marL="1600000" indent="-228600" algn="l" defTabSz="914400" rtl="0" eaLnBrk="1" latinLnBrk="0" hangingPunct="1">
+              <a:lnSpc>
+                <a:spcPct val="90000"/>
+              </a:lnSpc>
+              <a:spcBef>
+                <a:spcPts val="400"/>
+              </a:spcBef>
+              <a:spcAft>
+                <a:spcPts val="200"/>
+              </a:spcAft>
+              <a:buClr>
+                <a:schemeClr val="accent1">
+                  <a:lumMod val="75000"/>
+                </a:schemeClr>
+              </a:buClr>
+              <a:buSzPct val="85000"/>
+              <a:buFont typeface="Wingdings" pitchFamily="2" charset="2"/>
+              <a:buChar char="§"/>
+              <a:defRPr sz="1600" kern="1200">
+                <a:solidFill>
+                  <a:schemeClr val="tx1"/>
+                </a:solidFill>
+                <a:latin typeface="+mn-lt"/>
+                <a:ea typeface="+mn-ea"/>
+                <a:cs typeface="+mn-cs"/>
+              </a:defRPr>
+            </a:lvl6pPr>
+            <a:lvl7pPr marL="1900000" indent="-228600" algn="l" defTabSz="914400" rtl="0" eaLnBrk="1" latinLnBrk="0" hangingPunct="1">
+              <a:lnSpc>
+                <a:spcPct val="90000"/>
+              </a:lnSpc>
+              <a:spcBef>
+                <a:spcPts val="400"/>
+              </a:spcBef>
+              <a:spcAft>
+                <a:spcPts val="200"/>
+              </a:spcAft>
+              <a:buClr>
+                <a:schemeClr val="accent1">
+                  <a:lumMod val="75000"/>
+                </a:schemeClr>
+              </a:buClr>
+              <a:buSzPct val="85000"/>
+              <a:buFont typeface="Wingdings" pitchFamily="2" charset="2"/>
+              <a:buChar char="§"/>
+              <a:defRPr sz="1600" kern="1200">
+                <a:solidFill>
+                  <a:schemeClr val="tx1"/>
+                </a:solidFill>
+                <a:latin typeface="+mn-lt"/>
+                <a:ea typeface="+mn-ea"/>
+                <a:cs typeface="+mn-cs"/>
+              </a:defRPr>
+            </a:lvl7pPr>
+            <a:lvl8pPr marL="2200000" indent="-228600" algn="l" defTabSz="914400" rtl="0" eaLnBrk="1" latinLnBrk="0" hangingPunct="1">
+              <a:lnSpc>
+                <a:spcPct val="90000"/>
+              </a:lnSpc>
+              <a:spcBef>
+                <a:spcPts val="400"/>
+              </a:spcBef>
+              <a:spcAft>
+                <a:spcPts val="200"/>
+              </a:spcAft>
+              <a:buClr>
+                <a:schemeClr val="accent1">
+                  <a:lumMod val="75000"/>
+                </a:schemeClr>
+              </a:buClr>
+              <a:buSzPct val="85000"/>
+              <a:buFont typeface="Wingdings" pitchFamily="2" charset="2"/>
+              <a:buChar char="§"/>
+              <a:defRPr sz="1600" kern="1200">
+                <a:solidFill>
+                  <a:schemeClr val="tx1"/>
+                </a:solidFill>
+                <a:latin typeface="+mn-lt"/>
+                <a:ea typeface="+mn-ea"/>
+                <a:cs typeface="+mn-cs"/>
+              </a:defRPr>
+            </a:lvl8pPr>
+            <a:lvl9pPr marL="2500000" indent="-228600" algn="l" defTabSz="914400" rtl="0" eaLnBrk="1" latinLnBrk="0" hangingPunct="1">
+              <a:lnSpc>
+                <a:spcPct val="90000"/>
+              </a:lnSpc>
+              <a:spcBef>
+                <a:spcPts val="400"/>
+              </a:spcBef>
+              <a:spcAft>
+                <a:spcPts val="200"/>
+              </a:spcAft>
+              <a:buClr>
+                <a:schemeClr val="accent1">
+                  <a:lumMod val="75000"/>
+                </a:schemeClr>
+              </a:buClr>
+              <a:buSzPct val="85000"/>
+              <a:buFont typeface="Wingdings" pitchFamily="2" charset="2"/>
+              <a:buChar char="§"/>
+              <a:defRPr sz="1600" kern="1200">
+                <a:solidFill>
+                  <a:schemeClr val="tx1"/>
+                </a:solidFill>
+                <a:latin typeface="+mn-lt"/>
+                <a:ea typeface="+mn-ea"/>
+                <a:cs typeface="+mn-cs"/>
+              </a:defRPr>
+            </a:lvl9pPr>
+          </a:lstStyle>
+          <a:p>
+            <a:pPr marL="274320" lvl="1" indent="0">
+              <a:buNone/>
+            </a:pPr>
+            <a:endParaRPr lang="en-US" dirty="0"/>
+          </a:p>
+          <a:p>
+            <a:pPr marL="274320" lvl="1" indent="0">
+              <a:buNone/>
+            </a:pPr>
+            <a:endParaRPr lang="en-US" dirty="0"/>
+          </a:p>
+        </p:txBody>
+      </p:sp>
+      <p:sp>
+        <p:nvSpPr>
+          <p:cNvPr id="12" name="Content Placeholder 2">
+            <a:extLst>
+              <a:ext uri="{FF2B5EF4-FFF2-40B4-BE49-F238E27FC236}">
+                <a16:creationId xmlns:a16="http://schemas.microsoft.com/office/drawing/2014/main" id="{4EE1D6B5-6C74-48AD-A4A6-FE46AB101D5F}"/>
+              </a:ext>
+            </a:extLst>
+          </p:cNvPr>
+          <p:cNvSpPr txBox="1">
+            <a:spLocks/>
+          </p:cNvSpPr>
+          <p:nvPr/>
+        </p:nvSpPr>
+        <p:spPr>
+          <a:xfrm>
+            <a:off x="1069848" y="1873189"/>
+            <a:ext cx="10058400" cy="4675219"/>
+          </a:xfrm>
+          <a:prstGeom prst="rect">
+            <a:avLst/>
+          </a:prstGeom>
+        </p:spPr>
+        <p:txBody>
+          <a:bodyPr vert="horz" lIns="91440" tIns="45720" rIns="91440" bIns="45720" rtlCol="0">
+            <a:normAutofit/>
+          </a:bodyPr>
+          <a:lstStyle>
+            <a:lvl1pPr marL="182880" indent="-182880" algn="l" defTabSz="914400" rtl="0" eaLnBrk="1" latinLnBrk="0" hangingPunct="1">
+              <a:lnSpc>
+                <a:spcPct val="90000"/>
+              </a:lnSpc>
+              <a:spcBef>
+                <a:spcPts val="1200"/>
+              </a:spcBef>
+              <a:buClr>
+                <a:schemeClr val="accent1">
+                  <a:lumMod val="75000"/>
+                </a:schemeClr>
+              </a:buClr>
+              <a:buSzPct val="85000"/>
+              <a:buFont typeface="Wingdings" pitchFamily="2" charset="2"/>
+              <a:buChar char="§"/>
+              <a:defRPr sz="2000" kern="1200">
+                <a:solidFill>
+                  <a:schemeClr val="tx1"/>
+                </a:solidFill>
+                <a:latin typeface="+mn-lt"/>
+                <a:ea typeface="+mn-ea"/>
+                <a:cs typeface="+mn-cs"/>
+              </a:defRPr>
+            </a:lvl1pPr>
+            <a:lvl2pPr marL="457200" indent="-182880" algn="l" defTabSz="914400" rtl="0" eaLnBrk="1" latinLnBrk="0" hangingPunct="1">
+              <a:lnSpc>
+                <a:spcPct val="90000"/>
+              </a:lnSpc>
+              <a:spcBef>
+                <a:spcPts val="400"/>
+              </a:spcBef>
+              <a:spcAft>
+                <a:spcPts val="200"/>
+              </a:spcAft>
+              <a:buClr>
+                <a:schemeClr val="accent1">
+                  <a:lumMod val="75000"/>
+                </a:schemeClr>
+              </a:buClr>
+              <a:buSzPct val="85000"/>
+              <a:buFont typeface="Wingdings" pitchFamily="2" charset="2"/>
+              <a:buChar char="§"/>
+              <a:defRPr sz="1800" kern="1200">
+                <a:solidFill>
+                  <a:schemeClr val="tx1"/>
+                </a:solidFill>
+                <a:latin typeface="+mn-lt"/>
+                <a:ea typeface="+mn-ea"/>
+                <a:cs typeface="+mn-cs"/>
+              </a:defRPr>
+            </a:lvl2pPr>
+            <a:lvl3pPr marL="731520" indent="-182880" algn="l" defTabSz="914400" rtl="0" eaLnBrk="1" latinLnBrk="0" hangingPunct="1">
+              <a:lnSpc>
+                <a:spcPct val="90000"/>
+              </a:lnSpc>
+              <a:spcBef>
+                <a:spcPts val="400"/>
+              </a:spcBef>
+              <a:spcAft>
+                <a:spcPts val="200"/>
+              </a:spcAft>
+              <a:buClr>
+                <a:schemeClr val="accent1">
+                  <a:lumMod val="75000"/>
+                </a:schemeClr>
+              </a:buClr>
+              <a:buSzPct val="85000"/>
+              <a:buFont typeface="Wingdings" pitchFamily="2" charset="2"/>
+              <a:buChar char="§"/>
+              <a:defRPr sz="1600" kern="1200">
+                <a:solidFill>
+                  <a:schemeClr val="tx1"/>
+                </a:solidFill>
+                <a:latin typeface="+mn-lt"/>
+                <a:ea typeface="+mn-ea"/>
+                <a:cs typeface="+mn-cs"/>
+              </a:defRPr>
+            </a:lvl3pPr>
+            <a:lvl4pPr marL="1005840" indent="-182880" algn="l" defTabSz="914400" rtl="0" eaLnBrk="1" latinLnBrk="0" hangingPunct="1">
+              <a:lnSpc>
+                <a:spcPct val="90000"/>
+              </a:lnSpc>
+              <a:spcBef>
+                <a:spcPts val="400"/>
+              </a:spcBef>
+              <a:spcAft>
+                <a:spcPts val="200"/>
+              </a:spcAft>
+              <a:buClr>
+                <a:schemeClr val="accent1">
+                  <a:lumMod val="75000"/>
+                </a:schemeClr>
+              </a:buClr>
+              <a:buSzPct val="85000"/>
+              <a:buFont typeface="Wingdings" pitchFamily="2" charset="2"/>
+              <a:buChar char="§"/>
+              <a:defRPr sz="1600" kern="1200">
+                <a:solidFill>
+                  <a:schemeClr val="tx1"/>
+                </a:solidFill>
+                <a:latin typeface="+mn-lt"/>
+                <a:ea typeface="+mn-ea"/>
+                <a:cs typeface="+mn-cs"/>
+              </a:defRPr>
+            </a:lvl4pPr>
+            <a:lvl5pPr marL="1280160" indent="-182880" algn="l" defTabSz="914400" rtl="0" eaLnBrk="1" latinLnBrk="0" hangingPunct="1">
+              <a:lnSpc>
+                <a:spcPct val="90000"/>
+              </a:lnSpc>
+              <a:spcBef>
+                <a:spcPts val="400"/>
+              </a:spcBef>
+              <a:spcAft>
+                <a:spcPts val="200"/>
+              </a:spcAft>
+              <a:buClr>
+                <a:schemeClr val="accent1">
+                  <a:lumMod val="75000"/>
+                </a:schemeClr>
+              </a:buClr>
+              <a:buSzPct val="85000"/>
+              <a:buFont typeface="Wingdings" pitchFamily="2" charset="2"/>
+              <a:buChar char="§"/>
+              <a:defRPr sz="1600" kern="1200">
+                <a:solidFill>
+                  <a:schemeClr val="tx1"/>
+                </a:solidFill>
+                <a:latin typeface="+mn-lt"/>
+                <a:ea typeface="+mn-ea"/>
+                <a:cs typeface="+mn-cs"/>
+              </a:defRPr>
+            </a:lvl5pPr>
+            <a:lvl6pPr marL="1600000" indent="-228600" algn="l" defTabSz="914400" rtl="0" eaLnBrk="1" latinLnBrk="0" hangingPunct="1">
+              <a:lnSpc>
+                <a:spcPct val="90000"/>
+              </a:lnSpc>
+              <a:spcBef>
+                <a:spcPts val="400"/>
+              </a:spcBef>
+              <a:spcAft>
+                <a:spcPts val="200"/>
+              </a:spcAft>
+              <a:buClr>
+                <a:schemeClr val="accent1">
+                  <a:lumMod val="75000"/>
+                </a:schemeClr>
+              </a:buClr>
+              <a:buSzPct val="85000"/>
+              <a:buFont typeface="Wingdings" pitchFamily="2" charset="2"/>
+              <a:buChar char="§"/>
+              <a:defRPr sz="1600" kern="1200">
+                <a:solidFill>
+                  <a:schemeClr val="tx1"/>
+                </a:solidFill>
+                <a:latin typeface="+mn-lt"/>
+                <a:ea typeface="+mn-ea"/>
+                <a:cs typeface="+mn-cs"/>
+              </a:defRPr>
+            </a:lvl6pPr>
+            <a:lvl7pPr marL="1900000" indent="-228600" algn="l" defTabSz="914400" rtl="0" eaLnBrk="1" latinLnBrk="0" hangingPunct="1">
+              <a:lnSpc>
+                <a:spcPct val="90000"/>
+              </a:lnSpc>
+              <a:spcBef>
+                <a:spcPts val="400"/>
+              </a:spcBef>
+              <a:spcAft>
+                <a:spcPts val="200"/>
+              </a:spcAft>
+              <a:buClr>
+                <a:schemeClr val="accent1">
+                  <a:lumMod val="75000"/>
+                </a:schemeClr>
+              </a:buClr>
+              <a:buSzPct val="85000"/>
+              <a:buFont typeface="Wingdings" pitchFamily="2" charset="2"/>
+              <a:buChar char="§"/>
+              <a:defRPr sz="1600" kern="1200">
+                <a:solidFill>
+                  <a:schemeClr val="tx1"/>
+                </a:solidFill>
+                <a:latin typeface="+mn-lt"/>
+                <a:ea typeface="+mn-ea"/>
+                <a:cs typeface="+mn-cs"/>
+              </a:defRPr>
+            </a:lvl7pPr>
+            <a:lvl8pPr marL="2200000" indent="-228600" algn="l" defTabSz="914400" rtl="0" eaLnBrk="1" latinLnBrk="0" hangingPunct="1">
+              <a:lnSpc>
+                <a:spcPct val="90000"/>
+              </a:lnSpc>
+              <a:spcBef>
+                <a:spcPts val="400"/>
+              </a:spcBef>
+              <a:spcAft>
+                <a:spcPts val="200"/>
+              </a:spcAft>
+              <a:buClr>
+                <a:schemeClr val="accent1">
+                  <a:lumMod val="75000"/>
+                </a:schemeClr>
+              </a:buClr>
+              <a:buSzPct val="85000"/>
+              <a:buFont typeface="Wingdings" pitchFamily="2" charset="2"/>
+              <a:buChar char="§"/>
+              <a:defRPr sz="1600" kern="1200">
+                <a:solidFill>
+                  <a:schemeClr val="tx1"/>
+                </a:solidFill>
+                <a:latin typeface="+mn-lt"/>
+                <a:ea typeface="+mn-ea"/>
+                <a:cs typeface="+mn-cs"/>
+              </a:defRPr>
+            </a:lvl8pPr>
+            <a:lvl9pPr marL="2500000" indent="-228600" algn="l" defTabSz="914400" rtl="0" eaLnBrk="1" latinLnBrk="0" hangingPunct="1">
+              <a:lnSpc>
+                <a:spcPct val="90000"/>
+              </a:lnSpc>
+              <a:spcBef>
+                <a:spcPts val="400"/>
+              </a:spcBef>
+              <a:spcAft>
+                <a:spcPts val="200"/>
+              </a:spcAft>
+              <a:buClr>
+                <a:schemeClr val="accent1">
+                  <a:lumMod val="75000"/>
+                </a:schemeClr>
+              </a:buClr>
+              <a:buSzPct val="85000"/>
+              <a:buFont typeface="Wingdings" pitchFamily="2" charset="2"/>
+              <a:buChar char="§"/>
+              <a:defRPr sz="1600" kern="1200">
+                <a:solidFill>
+                  <a:schemeClr val="tx1"/>
+                </a:solidFill>
+                <a:latin typeface="+mn-lt"/>
+                <a:ea typeface="+mn-ea"/>
+                <a:cs typeface="+mn-cs"/>
+              </a:defRPr>
+            </a:lvl9pPr>
+          </a:lstStyle>
+          <a:p>
+            <a:r>
+              <a:rPr lang="en-US" dirty="0"/>
+              <a:t>Compare test selection using information gain selection vs. top high failure probability tests.</a:t>
+            </a:r>
+          </a:p>
+          <a:p>
+            <a:pPr marL="274320" lvl="1" indent="0">
+              <a:buNone/>
+            </a:pPr>
+            <a:endParaRPr lang="en-US" dirty="0"/>
+          </a:p>
+          <a:p>
+            <a:pPr marL="274320" lvl="1" indent="0">
+              <a:buNone/>
+            </a:pPr>
+            <a:endParaRPr lang="en-US" dirty="0"/>
+          </a:p>
+        </p:txBody>
+      </p:sp>
+    </p:spTree>
+    <p:extLst>
+      <p:ext uri="{BB962C8B-B14F-4D97-AF65-F5344CB8AC3E}">
+        <p14:creationId xmlns:p14="http://schemas.microsoft.com/office/powerpoint/2010/main" val="3662502888"/>
+      </p:ext>
+    </p:extLst>
+  </p:cSld>
+  <p:clrMapOvr>
+    <a:masterClrMapping/>
+  </p:clrMapOvr>
+</p:sld>
+</file>
+
+<file path=ppt/slides/slide13.xml><?xml version="1.0" encoding="utf-8"?>
+<p:sld xmlns:a="http://schemas.openxmlformats.org/drawingml/2006/main" xmlns:r="http://schemas.openxmlformats.org/officeDocument/2006/relationships" xmlns:p="http://schemas.openxmlformats.org/presentationml/2006/main">
+  <p:cSld>
+    <p:spTree>
+      <p:nvGrpSpPr>
+        <p:cNvPr id="1" name=""/>
+        <p:cNvGrpSpPr/>
+        <p:nvPr/>
+      </p:nvGrpSpPr>
+      <p:grpSpPr>
+        <a:xfrm>
+          <a:off x="0" y="0"/>
+          <a:ext cx="0" cy="0"/>
+          <a:chOff x="0" y="0"/>
+          <a:chExt cx="0" cy="0"/>
+        </a:xfrm>
+      </p:grpSpPr>
+      <p:sp>
+        <p:nvSpPr>
+          <p:cNvPr id="3" name="Content Placeholder 2"/>
+          <p:cNvSpPr>
+            <a:spLocks noGrp="1"/>
+          </p:cNvSpPr>
+          <p:nvPr>
+            <p:ph idx="1"/>
+          </p:nvPr>
+        </p:nvSpPr>
+        <p:spPr>
+          <a:xfrm>
+            <a:off x="1069848" y="1694688"/>
+            <a:ext cx="10058400" cy="4050792"/>
+          </a:xfrm>
+        </p:spPr>
+        <p:txBody>
+          <a:bodyPr>
+            <a:normAutofit/>
+          </a:bodyPr>
+          <a:lstStyle/>
+          <a:p>
+            <a:pPr marL="0" indent="0" algn="ctr">
+              <a:buNone/>
+            </a:pPr>
+            <a:endParaRPr lang="en-US" sz="6000" dirty="0">
+              <a:sym typeface="Wingdings" panose="05000000000000000000" pitchFamily="2" charset="2"/>
+            </a:endParaRPr>
+          </a:p>
+          <a:p>
+            <a:pPr marL="0" indent="0" algn="ctr">
+              <a:buNone/>
+            </a:pPr>
+            <a:r>
+              <a:rPr lang="en-US" sz="6000" dirty="0">
+                <a:sym typeface="Wingdings" panose="05000000000000000000" pitchFamily="2" charset="2"/>
+              </a:rPr>
+              <a:t>Thanks!</a:t>
+            </a:r>
+          </a:p>
+        </p:txBody>
+      </p:sp>
+    </p:spTree>
+    <p:extLst>
+      <p:ext uri="{BB962C8B-B14F-4D97-AF65-F5344CB8AC3E}">
+        <p14:creationId xmlns:p14="http://schemas.microsoft.com/office/powerpoint/2010/main" val="1008955713"/>
+      </p:ext>
+    </p:extLst>
+  </p:cSld>
+  <p:clrMapOvr>
+    <a:masterClrMapping/>
+  </p:clrMapOvr>
 </p:sld>
 </file>
 
@@ -4135,10 +7359,9 @@
           <a:lstStyle/>
           <a:p>
             <a:r>
-              <a:rPr lang="en-US" dirty="0" smtClean="0"/>
+              <a:rPr lang="en-US" dirty="0"/>
               <a:t>Motivation</a:t>
             </a:r>
-            <a:endParaRPr lang="en-US" dirty="0"/>
           </a:p>
         </p:txBody>
       </p:sp>
@@ -4269,10 +7492,9 @@
           <a:lstStyle/>
           <a:p>
             <a:r>
-              <a:rPr lang="en-US" sz="2000" dirty="0" smtClean="0"/>
+              <a:rPr lang="en-US" sz="2000" dirty="0"/>
               <a:t>Many tests…Which should I choose?</a:t>
             </a:r>
-            <a:endParaRPr lang="en-US" sz="2000" dirty="0"/>
           </a:p>
         </p:txBody>
       </p:sp>
@@ -4330,10 +7552,9 @@
           <a:lstStyle/>
           <a:p>
             <a:r>
-              <a:rPr lang="en-US" sz="2000" dirty="0" smtClean="0"/>
+              <a:rPr lang="en-US" sz="2000" dirty="0"/>
               <a:t>Lots of code…</a:t>
             </a:r>
-            <a:endParaRPr lang="en-US" sz="2000" dirty="0"/>
           </a:p>
         </p:txBody>
       </p:sp>
@@ -4360,11 +7581,11 @@
           <a:lstStyle/>
           <a:p>
             <a:r>
-              <a:rPr lang="en-US" sz="2000" dirty="0" smtClean="0"/>
+              <a:rPr lang="en-US" sz="2000" dirty="0"/>
               <a:t>Need </a:t>
             </a:r>
             <a:r>
-              <a:rPr lang="en-US" sz="2000" smtClean="0"/>
+              <a:rPr lang="en-US" sz="2000"/>
               <a:t>to test…</a:t>
             </a:r>
             <a:endParaRPr lang="en-US" sz="2000" dirty="0"/>
@@ -4381,13 +7602,6 @@
   <p:clrMapOvr>
     <a:masterClrMapping/>
   </p:clrMapOvr>
-  <p:timing>
-    <p:tnLst>
-      <p:par>
-        <p:cTn id="1" dur="indefinite" restart="never" nodeType="tmRoot"/>
-      </p:par>
-    </p:tnLst>
-  </p:timing>
 </p:sld>
 </file>
 
@@ -4429,10 +7643,9 @@
           <a:lstStyle/>
           <a:p>
             <a:r>
-              <a:rPr lang="en-US" dirty="0" smtClean="0"/>
+              <a:rPr lang="en-US" dirty="0"/>
               <a:t>Input</a:t>
             </a:r>
-            <a:endParaRPr lang="en-US" dirty="0"/>
           </a:p>
         </p:txBody>
       </p:sp>
@@ -4456,76 +7669,35 @@
           <a:bodyPr/>
           <a:lstStyle/>
           <a:p>
-            <a:endParaRPr lang="en-US" dirty="0" smtClean="0"/>
-          </a:p>
-          <a:p>
-            <a:r>
-              <a:rPr lang="en-US" sz="2400" dirty="0" smtClean="0"/>
+            <a:endParaRPr lang="en-US" dirty="0"/>
+          </a:p>
+          <a:p>
+            <a:r>
+              <a:rPr lang="en-US" sz="2400" dirty="0"/>
               <a:t>Software components (classes) with probability for having bug(failure).</a:t>
             </a:r>
           </a:p>
           <a:p>
             <a:r>
-              <a:rPr lang="en-US" sz="2400" dirty="0" smtClean="0"/>
-              <a:t>Single test </a:t>
-            </a:r>
-            <a:r>
-              <a:rPr lang="en-US" sz="2400" dirty="0" smtClean="0"/>
-              <a:t>pass trough </a:t>
-            </a:r>
-            <a:r>
-              <a:rPr lang="en-US" sz="2400" dirty="0" smtClean="0"/>
-              <a:t>subset from n </a:t>
-            </a:r>
-            <a:r>
-              <a:rPr lang="en-US" sz="2400" dirty="0" smtClean="0"/>
-              <a:t>software </a:t>
-            </a:r>
-            <a:r>
-              <a:rPr lang="en-US" sz="2400" dirty="0" smtClean="0"/>
-              <a:t>components </a:t>
-            </a:r>
-            <a:r>
               <a:rPr lang="en-US" sz="2400" dirty="0"/>
-              <a:t>(classes</a:t>
-            </a:r>
-            <a:r>
-              <a:rPr lang="en-US" sz="2400" dirty="0" smtClean="0"/>
-              <a:t>).</a:t>
-            </a:r>
-          </a:p>
-          <a:p>
-            <a:r>
-              <a:rPr lang="en-US" sz="2400" dirty="0" smtClean="0"/>
-              <a:t>Each test has its joint probability for having </a:t>
-            </a:r>
+              <a:t>Test pass trough 1…n software  components (classes).</a:t>
+            </a:r>
+          </a:p>
+          <a:p>
             <a:r>
               <a:rPr lang="en-US" sz="2400" dirty="0"/>
-              <a:t>bug(failure).</a:t>
+              <a:t>Each test has its joint probability for having bug(failure).</a:t>
             </a:r>
           </a:p>
           <a:p>
             <a:r>
               <a:rPr lang="en-US" sz="2400" dirty="0"/>
-              <a:t>Each test has its </a:t>
-            </a:r>
-            <a:r>
-              <a:rPr lang="en-US" sz="2400" dirty="0" smtClean="0"/>
-              <a:t>joint </a:t>
-            </a:r>
+              <a:t>Each test has its joint probability for pass(success).</a:t>
+            </a:r>
+          </a:p>
+          <a:p>
             <a:r>
               <a:rPr lang="en-US" sz="2400" dirty="0"/>
-              <a:t>probability for </a:t>
-            </a:r>
-            <a:r>
-              <a:rPr lang="en-US" sz="2400" dirty="0" smtClean="0"/>
-              <a:t>pass(success).</a:t>
-            </a:r>
-            <a:endParaRPr lang="en-US" sz="2400" dirty="0"/>
-          </a:p>
-          <a:p>
-            <a:r>
-              <a:rPr lang="en-US" sz="2400" dirty="0" smtClean="0"/>
               <a:t>Real outcome of tests trace(0 –fail 1- pass).</a:t>
             </a:r>
           </a:p>
@@ -4544,13 +7716,6 @@
   <p:clrMapOvr>
     <a:masterClrMapping/>
   </p:clrMapOvr>
-  <p:timing>
-    <p:tnLst>
-      <p:par>
-        <p:cTn id="1" dur="indefinite" restart="never" nodeType="tmRoot"/>
-      </p:par>
-    </p:tnLst>
-  </p:timing>
 </p:sld>
 </file>
 
@@ -4592,10 +7757,9 @@
           <a:lstStyle/>
           <a:p>
             <a:r>
-              <a:rPr lang="en-US" dirty="0" smtClean="0"/>
+              <a:rPr lang="en-US" dirty="0"/>
               <a:t>Target OUTPUT</a:t>
             </a:r>
-            <a:endParaRPr lang="en-US" dirty="0"/>
           </a:p>
         </p:txBody>
       </p:sp>
@@ -4615,20 +7779,12 @@
           <a:lstStyle/>
           <a:p>
             <a:r>
-              <a:rPr lang="en-US" sz="2400" dirty="0" smtClean="0"/>
-              <a:t>Sub -Set of </a:t>
-            </a:r>
-            <a:r>
               <a:rPr lang="en-US" sz="2400" dirty="0"/>
-              <a:t>tests of constant size that </a:t>
-            </a:r>
-            <a:r>
-              <a:rPr lang="en-US" sz="2400" dirty="0" smtClean="0"/>
-              <a:t>maximizes the number of bugs.</a:t>
-            </a:r>
-          </a:p>
-          <a:p>
-            <a:endParaRPr lang="en-US" dirty="0" smtClean="0"/>
+              <a:t>Sub -Set of tests of constant size that maximizes the number of bugs.</a:t>
+            </a:r>
+          </a:p>
+          <a:p>
+            <a:endParaRPr lang="en-US" dirty="0"/>
           </a:p>
         </p:txBody>
       </p:sp>
@@ -4668,7 +7824,7 @@
           <p:cNvPr id="5" name="Content Placeholder 4">
             <a:extLst>
               <a:ext uri="{FF2B5EF4-FFF2-40B4-BE49-F238E27FC236}">
-                <a16:creationId xmlns="" xmlns:a16="http://schemas.microsoft.com/office/drawing/2014/main" id="{910E7538-8B62-9C4C-B6DA-0AB9F37A9919}"/>
+                <a16:creationId xmlns:a16="http://schemas.microsoft.com/office/drawing/2014/main" id="{910E7538-8B62-9C4C-B6DA-0AB9F37A9919}"/>
               </a:ext>
             </a:extLst>
           </p:cNvPr>
@@ -4706,66 +7862,6 @@
           </a:sp3d>
         </p:spPr>
       </p:pic>
-      <p:sp>
-        <p:nvSpPr>
-          <p:cNvPr id="6" name="TextBox 5"/>
-          <p:cNvSpPr txBox="1"/>
-          <p:nvPr/>
-        </p:nvSpPr>
-        <p:spPr>
-          <a:xfrm>
-            <a:off x="3089771" y="5672330"/>
-            <a:ext cx="1205345" cy="369332"/>
-          </a:xfrm>
-          <a:prstGeom prst="rect">
-            <a:avLst/>
-          </a:prstGeom>
-          <a:noFill/>
-        </p:spPr>
-        <p:txBody>
-          <a:bodyPr wrap="square" rtlCol="0">
-            <a:spAutoFit/>
-          </a:bodyPr>
-          <a:lstStyle/>
-          <a:p>
-            <a:r>
-              <a:rPr lang="en-US" dirty="0" smtClean="0"/>
-              <a:t>Tests #</a:t>
-            </a:r>
-            <a:endParaRPr lang="en-US" dirty="0"/>
-          </a:p>
-        </p:txBody>
-      </p:sp>
-      <p:sp>
-        <p:nvSpPr>
-          <p:cNvPr id="7" name="TextBox 6"/>
-          <p:cNvSpPr txBox="1"/>
-          <p:nvPr/>
-        </p:nvSpPr>
-        <p:spPr>
-          <a:xfrm>
-            <a:off x="274389" y="3777472"/>
-            <a:ext cx="1205345" cy="369332"/>
-          </a:xfrm>
-          <a:prstGeom prst="rect">
-            <a:avLst/>
-          </a:prstGeom>
-          <a:noFill/>
-        </p:spPr>
-        <p:txBody>
-          <a:bodyPr wrap="square" rtlCol="0">
-            <a:spAutoFit/>
-          </a:bodyPr>
-          <a:lstStyle/>
-          <a:p>
-            <a:r>
-              <a:rPr lang="en-US" dirty="0" smtClean="0"/>
-              <a:t># of Bugs</a:t>
-            </a:r>
-            <a:endParaRPr lang="en-US" dirty="0"/>
-          </a:p>
-        </p:txBody>
-      </p:sp>
     </p:spTree>
     <p:extLst>
       <p:ext uri="{BB962C8B-B14F-4D97-AF65-F5344CB8AC3E}">
@@ -4776,13 +7872,6 @@
   <p:clrMapOvr>
     <a:masterClrMapping/>
   </p:clrMapOvr>
-  <p:timing>
-    <p:tnLst>
-      <p:par>
-        <p:cTn id="1" dur="indefinite" restart="never" nodeType="tmRoot"/>
-      </p:par>
-    </p:tnLst>
-  </p:timing>
 </p:sld>
 </file>
 
@@ -4824,10 +7913,9 @@
           <a:lstStyle/>
           <a:p>
             <a:r>
-              <a:rPr lang="en-US" dirty="0" smtClean="0"/>
+              <a:rPr lang="en-US" dirty="0"/>
               <a:t>Algorithm</a:t>
             </a:r>
-            <a:endParaRPr lang="en-US" dirty="0"/>
           </a:p>
         </p:txBody>
       </p:sp>
@@ -4847,87 +7935,53 @@
           <a:lstStyle/>
           <a:p>
             <a:r>
-              <a:rPr lang="en-US" dirty="0" smtClean="0"/>
-              <a:t>Calculate </a:t>
-            </a:r>
-            <a:r>
-              <a:rPr lang="en-US" dirty="0" smtClean="0"/>
-              <a:t>components failure entropy for all components.</a:t>
-            </a:r>
-          </a:p>
-          <a:p>
-            <a:r>
-              <a:rPr lang="en-US" dirty="0" smtClean="0"/>
-              <a:t>For predefined number of tests do:</a:t>
-            </a:r>
-          </a:p>
-          <a:p>
-            <a:pPr lvl="1"/>
-            <a:r>
-              <a:rPr lang="en-US" sz="2000" dirty="0"/>
-              <a:t>Calculate test entropy </a:t>
-            </a:r>
-            <a:r>
-              <a:rPr lang="en-US" sz="2000" dirty="0"/>
-              <a:t>(components </a:t>
-            </a:r>
-            <a:r>
-              <a:rPr lang="en-US" sz="2000" dirty="0"/>
-              <a:t>failure </a:t>
-            </a:r>
-            <a:r>
-              <a:rPr lang="en-US" sz="2000" dirty="0"/>
-              <a:t>entropy)  by simulate running test with fail and pass outcome.</a:t>
-            </a:r>
-          </a:p>
-          <a:p>
-            <a:pPr marL="274320" lvl="1" indent="0">
-              <a:buNone/>
-            </a:pPr>
-            <a:r>
-              <a:rPr lang="en-US" sz="2000" dirty="0"/>
-              <a:t>   Calculate test components </a:t>
-            </a:r>
-            <a:r>
-              <a:rPr lang="en-US" sz="2000" dirty="0"/>
-              <a:t>new </a:t>
-            </a:r>
-            <a:r>
-              <a:rPr lang="en-US" sz="2000" dirty="0"/>
-              <a:t>failure probabilities using SFL </a:t>
-            </a:r>
-            <a:r>
-              <a:rPr lang="en-US" sz="2000" dirty="0" err="1" smtClean="0"/>
-              <a:t>Diagnoser</a:t>
-            </a:r>
-            <a:r>
-              <a:rPr lang="en-US" sz="2000" dirty="0"/>
+              <a:rPr lang="en-US" dirty="0"/>
+              <a:t>For n number of tests to perform from N tests.</a:t>
+            </a:r>
+          </a:p>
+          <a:p>
+            <a:r>
+              <a:rPr lang="en-US" dirty="0"/>
+              <a:t>Calculate components failure entropy for all components.</a:t>
+            </a:r>
+          </a:p>
+          <a:p>
+            <a:r>
+              <a:rPr lang="en-US" dirty="0"/>
+              <a:t>Calculate components failure entropy for each test.</a:t>
+            </a:r>
+          </a:p>
+          <a:p>
+            <a:r>
+              <a:rPr lang="en-US" dirty="0"/>
+              <a:t>Simulate running the test with fail and pass outcome.</a:t>
+            </a:r>
+          </a:p>
+          <a:p>
+            <a:r>
+              <a:rPr lang="en-US" dirty="0"/>
+              <a:t>Calculate test components new failure probabilities using SFL </a:t>
+            </a:r>
+            <a:r>
+              <a:rPr lang="en-US" dirty="0" err="1"/>
+              <a:t>diagnoser</a:t>
+            </a:r>
+            <a:r>
+              <a:rPr lang="en-US" dirty="0"/>
               <a:t>. </a:t>
             </a:r>
           </a:p>
           <a:p>
-            <a:pPr lvl="1"/>
-            <a:r>
-              <a:rPr lang="en-US" sz="2000" dirty="0"/>
-              <a:t>Choose the test with minimum entropy = maximum information gain </a:t>
-            </a:r>
-            <a:r>
-              <a:rPr lang="en-US" sz="2000" dirty="0"/>
-              <a:t>given the previous tests already chosen.</a:t>
-            </a:r>
-            <a:endParaRPr lang="en-US" sz="2000" dirty="0"/>
-          </a:p>
-          <a:p>
-            <a:pPr lvl="1"/>
-            <a:r>
-              <a:rPr lang="en-US" sz="2000" dirty="0"/>
-              <a:t>Continue choose tests till reach </a:t>
-            </a:r>
-            <a:r>
-              <a:rPr lang="en-US" sz="2000" dirty="0"/>
-              <a:t>n (predefined number of tests ).</a:t>
-            </a:r>
-            <a:endParaRPr lang="en-US" sz="2000" dirty="0"/>
+            <a:r>
+              <a:rPr lang="en-US" dirty="0"/>
+              <a:t>Choose the test with minimum entropy = maximum information gain given the previous tests already chosen.</a:t>
+            </a:r>
+          </a:p>
+          <a:p>
+            <a:r>
+              <a:rPr lang="en-US" dirty="0"/>
+              <a:t>Continue choose tests till reach n.</a:t>
+            </a:r>
           </a:p>
         </p:txBody>
       </p:sp>
@@ -4941,13 +7995,6 @@
   <p:clrMapOvr>
     <a:masterClrMapping/>
   </p:clrMapOvr>
-  <p:timing>
-    <p:tnLst>
-      <p:par>
-        <p:cTn id="1" dur="indefinite" restart="never" nodeType="tmRoot"/>
-      </p:par>
-    </p:tnLst>
-  </p:timing>
 </p:sld>
 </file>
 
@@ -4989,18 +8036,9 @@
           <a:lstStyle/>
           <a:p>
             <a:r>
-              <a:rPr lang="en-US" dirty="0" smtClean="0"/>
-              <a:t>Test </a:t>
-            </a:r>
-            <a:r>
               <a:rPr lang="en-US" dirty="0"/>
-              <a:t>Entropy </a:t>
-            </a:r>
-            <a:r>
-              <a:rPr lang="en-US" dirty="0" smtClean="0"/>
-              <a:t>Definition</a:t>
-            </a:r>
-            <a:endParaRPr lang="en-US" dirty="0"/>
+              <a:t>Algorithm - Test Entropy </a:t>
+            </a:r>
           </a:p>
         </p:txBody>
       </p:sp>
@@ -5020,7 +8058,7 @@
           <a:lstStyle/>
           <a:p>
             <a:r>
-              <a:rPr lang="en-US" dirty="0" smtClean="0"/>
+              <a:rPr lang="en-US" dirty="0"/>
               <a:t>Test Entropy = TestE1 + TestE2</a:t>
             </a:r>
           </a:p>
@@ -5029,7 +8067,7 @@
               <a:buNone/>
             </a:pPr>
             <a:r>
-              <a:rPr lang="en-US" dirty="0" smtClean="0"/>
+              <a:rPr lang="en-US" dirty="0"/>
               <a:t>   Where :</a:t>
             </a:r>
           </a:p>
@@ -5039,35 +8077,23 @@
             </a:pPr>
             <a:r>
               <a:rPr lang="en-US" dirty="0"/>
-              <a:t> </a:t>
-            </a:r>
-            <a:r>
-              <a:rPr lang="en-US" dirty="0" smtClean="0"/>
-              <a:t>  TestE1  = </a:t>
-            </a:r>
-            <a:r>
-              <a:rPr lang="en-US" altLang="en-US" dirty="0" err="1" smtClean="0"/>
+              <a:t>   TestE1  = </a:t>
+            </a:r>
+            <a:r>
+              <a:rPr lang="en-US" altLang="en-US" dirty="0" err="1"/>
               <a:t>success_probability</a:t>
             </a:r>
             <a:r>
-              <a:rPr lang="en-US" altLang="en-US" dirty="0" smtClean="0"/>
-              <a:t>(test) </a:t>
-            </a:r>
-            <a:r>
               <a:rPr lang="en-US" altLang="en-US" dirty="0"/>
-              <a:t>* </a:t>
-            </a:r>
-            <a:r>
-              <a:rPr lang="en-US" altLang="en-US" dirty="0" err="1" smtClean="0"/>
+              <a:t>(test) * </a:t>
+            </a:r>
+            <a:r>
+              <a:rPr lang="en-US" altLang="en-US" dirty="0" err="1"/>
               <a:t>success_entropy</a:t>
             </a:r>
             <a:r>
-              <a:rPr lang="en-US" altLang="en-US" dirty="0" smtClean="0"/>
-              <a:t>(test</a:t>
-            </a:r>
-            <a:r>
               <a:rPr lang="en-US" altLang="en-US" dirty="0"/>
-              <a:t>)</a:t>
+              <a:t>(test)</a:t>
             </a:r>
           </a:p>
           <a:p>
@@ -5075,40 +8101,24 @@
               <a:buNone/>
             </a:pPr>
             <a:r>
-              <a:rPr lang="en-US" dirty="0" smtClean="0"/>
-              <a:t>   TestE2  </a:t>
-            </a:r>
-            <a:r>
               <a:rPr lang="en-US" dirty="0"/>
-              <a:t>= </a:t>
-            </a:r>
-            <a:r>
-              <a:rPr lang="en-US" altLang="en-US" dirty="0" err="1" smtClean="0"/>
+              <a:t>   TestE2  = </a:t>
+            </a:r>
+            <a:r>
+              <a:rPr lang="en-US" altLang="en-US" dirty="0" err="1"/>
               <a:t>failure_probability</a:t>
             </a:r>
             <a:r>
-              <a:rPr lang="en-US" altLang="en-US" dirty="0" smtClean="0"/>
-              <a:t>(test</a:t>
-            </a:r>
-            <a:r>
               <a:rPr lang="en-US" altLang="en-US" dirty="0"/>
-              <a:t>) * </a:t>
+              <a:t>(test) * </a:t>
             </a:r>
             <a:r>
               <a:rPr lang="en-US" altLang="en-US" dirty="0" err="1"/>
-              <a:t>failure</a:t>
-            </a:r>
-            <a:r>
-              <a:rPr lang="en-US" altLang="en-US" dirty="0" err="1" smtClean="0"/>
-              <a:t>_entropy</a:t>
-            </a:r>
-            <a:r>
-              <a:rPr lang="en-US" altLang="en-US" dirty="0" smtClean="0"/>
-              <a:t>(test</a:t>
+              <a:t>failure_entropy</a:t>
             </a:r>
             <a:r>
               <a:rPr lang="en-US" altLang="en-US" dirty="0"/>
-              <a:t>)</a:t>
+              <a:t>(test)</a:t>
             </a:r>
           </a:p>
           <a:p>
@@ -5126,17 +8136,1902 @@
   <p:clrMapOvr>
     <a:masterClrMapping/>
   </p:clrMapOvr>
-  <p:timing>
-    <p:tnLst>
-      <p:par>
-        <p:cTn id="1" dur="indefinite" restart="never" nodeType="tmRoot"/>
-      </p:par>
-    </p:tnLst>
-  </p:timing>
 </p:sld>
 </file>
 
 <file path=ppt/slides/slide7.xml><?xml version="1.0" encoding="utf-8"?>
+<p:sld xmlns:a="http://schemas.openxmlformats.org/drawingml/2006/main" xmlns:r="http://schemas.openxmlformats.org/officeDocument/2006/relationships" xmlns:p="http://schemas.openxmlformats.org/presentationml/2006/main">
+  <p:cSld>
+    <p:spTree>
+      <p:nvGrpSpPr>
+        <p:cNvPr id="1" name=""/>
+        <p:cNvGrpSpPr/>
+        <p:nvPr/>
+      </p:nvGrpSpPr>
+      <p:grpSpPr>
+        <a:xfrm>
+          <a:off x="0" y="0"/>
+          <a:ext cx="0" cy="0"/>
+          <a:chOff x="0" y="0"/>
+          <a:chExt cx="0" cy="0"/>
+        </a:xfrm>
+      </p:grpSpPr>
+      <p:sp>
+        <p:nvSpPr>
+          <p:cNvPr id="2" name="Title 1"/>
+          <p:cNvSpPr>
+            <a:spLocks noGrp="1"/>
+          </p:cNvSpPr>
+          <p:nvPr>
+            <p:ph type="title"/>
+          </p:nvPr>
+        </p:nvSpPr>
+        <p:spPr/>
+        <p:txBody>
+          <a:bodyPr/>
+          <a:lstStyle/>
+          <a:p>
+            <a:r>
+              <a:rPr lang="en-US" dirty="0"/>
+              <a:t>Example</a:t>
+            </a:r>
+          </a:p>
+        </p:txBody>
+      </p:sp>
+      <p:graphicFrame>
+        <p:nvGraphicFramePr>
+          <p:cNvPr id="4" name="Content Placeholder 3">
+            <a:extLst>
+              <a:ext uri="{FF2B5EF4-FFF2-40B4-BE49-F238E27FC236}">
+                <a16:creationId xmlns:a16="http://schemas.microsoft.com/office/drawing/2014/main" id="{1B4BCBD3-D197-4A30-8542-13A1BD0042DA}"/>
+              </a:ext>
+            </a:extLst>
+          </p:cNvPr>
+          <p:cNvGraphicFramePr>
+            <a:graphicFrameLocks noGrp="1"/>
+          </p:cNvGraphicFramePr>
+          <p:nvPr>
+            <p:ph idx="1"/>
+            <p:extLst>
+              <p:ext uri="{D42A27DB-BD31-4B8C-83A1-F6EECF244321}">
+                <p14:modId xmlns:p14="http://schemas.microsoft.com/office/powerpoint/2010/main" val="3495162138"/>
+              </p:ext>
+            </p:extLst>
+          </p:nvPr>
+        </p:nvGraphicFramePr>
+        <p:xfrm>
+          <a:off x="1069118" y="2891809"/>
+          <a:ext cx="10059130" cy="1171644"/>
+        </p:xfrm>
+        <a:graphic>
+          <a:graphicData uri="http://schemas.openxmlformats.org/drawingml/2006/table">
+            <a:tbl>
+              <a:tblPr>
+                <a:tableStyleId>{5C22544A-7EE6-4342-B048-85BDC9FD1C3A}</a:tableStyleId>
+              </a:tblPr>
+              <a:tblGrid>
+                <a:gridCol w="2135630">
+                  <a:extLst>
+                    <a:ext uri="{9D8B030D-6E8A-4147-A177-3AD203B41FA5}">
+                      <a16:colId xmlns:a16="http://schemas.microsoft.com/office/drawing/2014/main" val="647474070"/>
+                    </a:ext>
+                  </a:extLst>
+                </a:gridCol>
+                <a:gridCol w="1980875">
+                  <a:extLst>
+                    <a:ext uri="{9D8B030D-6E8A-4147-A177-3AD203B41FA5}">
+                      <a16:colId xmlns:a16="http://schemas.microsoft.com/office/drawing/2014/main" val="4172325040"/>
+                    </a:ext>
+                  </a:extLst>
+                </a:gridCol>
+                <a:gridCol w="1980875">
+                  <a:extLst>
+                    <a:ext uri="{9D8B030D-6E8A-4147-A177-3AD203B41FA5}">
+                      <a16:colId xmlns:a16="http://schemas.microsoft.com/office/drawing/2014/main" val="2112222264"/>
+                    </a:ext>
+                  </a:extLst>
+                </a:gridCol>
+                <a:gridCol w="1980875">
+                  <a:extLst>
+                    <a:ext uri="{9D8B030D-6E8A-4147-A177-3AD203B41FA5}">
+                      <a16:colId xmlns:a16="http://schemas.microsoft.com/office/drawing/2014/main" val="3712134187"/>
+                    </a:ext>
+                  </a:extLst>
+                </a:gridCol>
+                <a:gridCol w="1980875">
+                  <a:extLst>
+                    <a:ext uri="{9D8B030D-6E8A-4147-A177-3AD203B41FA5}">
+                      <a16:colId xmlns:a16="http://schemas.microsoft.com/office/drawing/2014/main" val="2451542488"/>
+                    </a:ext>
+                  </a:extLst>
+                </a:gridCol>
+              </a:tblGrid>
+              <a:tr h="390548">
+                <a:tc gridSpan="5">
+                  <a:txBody>
+                    <a:bodyPr/>
+                    <a:lstStyle/>
+                    <a:p>
+                      <a:pPr algn="ctr" fontAlgn="b"/>
+                      <a:r>
+                        <a:rPr lang="en-US" sz="1100" u="none" strike="noStrike" dirty="0">
+                          <a:effectLst/>
+                        </a:rPr>
+                        <a:t> </a:t>
+                      </a:r>
+                      <a:r>
+                        <a:rPr lang="en-US" sz="1100" b="1" u="none" strike="noStrike" dirty="0">
+                          <a:effectLst/>
+                        </a:rPr>
+                        <a:t>Prior</a:t>
+                      </a:r>
+                      <a:r>
+                        <a:rPr lang="en-US" sz="1100" u="none" strike="noStrike" dirty="0">
+                          <a:effectLst/>
+                        </a:rPr>
+                        <a:t> </a:t>
+                      </a:r>
+                      <a:r>
+                        <a:rPr lang="en-US" sz="1100" b="1" u="none" strike="noStrike" dirty="0">
+                          <a:effectLst/>
+                        </a:rPr>
+                        <a:t>Component Failure Probability</a:t>
+                      </a:r>
+                    </a:p>
+                    <a:p>
+                      <a:pPr algn="ctr" fontAlgn="b"/>
+                      <a:endParaRPr lang="en-US" sz="1100" b="1" i="0" u="none" strike="noStrike" dirty="0">
+                        <a:solidFill>
+                          <a:srgbClr val="000000"/>
+                        </a:solidFill>
+                        <a:effectLst/>
+                        <a:latin typeface="Calibri" panose="020F0502020204030204" pitchFamily="34" charset="0"/>
+                      </a:endParaRPr>
+                    </a:p>
+                  </a:txBody>
+                  <a:tcPr marL="17249" marR="17249" marT="7620" marB="0" anchor="b">
+                    <a:pattFill prst="pct80">
+                      <a:fgClr>
+                        <a:schemeClr val="accent1">
+                          <a:tint val="20000"/>
+                        </a:schemeClr>
+                      </a:fgClr>
+                      <a:bgClr>
+                        <a:schemeClr val="bg1"/>
+                      </a:bgClr>
+                    </a:pattFill>
+                  </a:tcPr>
+                </a:tc>
+                <a:tc hMerge="1">
+                  <a:txBody>
+                    <a:bodyPr/>
+                    <a:lstStyle/>
+                    <a:p>
+                      <a:endParaRPr lang="en-US"/>
+                    </a:p>
+                  </a:txBody>
+                  <a:tcPr/>
+                </a:tc>
+                <a:tc hMerge="1">
+                  <a:txBody>
+                    <a:bodyPr/>
+                    <a:lstStyle/>
+                    <a:p>
+                      <a:endParaRPr lang="en-US"/>
+                    </a:p>
+                  </a:txBody>
+                  <a:tcPr/>
+                </a:tc>
+                <a:tc hMerge="1">
+                  <a:txBody>
+                    <a:bodyPr/>
+                    <a:lstStyle/>
+                    <a:p>
+                      <a:endParaRPr lang="en-US"/>
+                    </a:p>
+                  </a:txBody>
+                  <a:tcPr/>
+                </a:tc>
+                <a:tc hMerge="1">
+                  <a:txBody>
+                    <a:bodyPr/>
+                    <a:lstStyle/>
+                    <a:p>
+                      <a:endParaRPr lang="en-US"/>
+                    </a:p>
+                  </a:txBody>
+                  <a:tcPr/>
+                </a:tc>
+                <a:extLst>
+                  <a:ext uri="{0D108BD9-81ED-4DB2-BD59-A6C34878D82A}">
+                    <a16:rowId xmlns:a16="http://schemas.microsoft.com/office/drawing/2014/main" val="3580140237"/>
+                  </a:ext>
+                </a:extLst>
+              </a:tr>
+              <a:tr h="390548">
+                <a:tc>
+                  <a:txBody>
+                    <a:bodyPr/>
+                    <a:lstStyle/>
+                    <a:p>
+                      <a:pPr algn="ctr" fontAlgn="ctr"/>
+                      <a:r>
+                        <a:rPr lang="en-US" sz="1200" b="1" u="none" strike="noStrike" dirty="0">
+                          <a:effectLst/>
+                        </a:rPr>
+                        <a:t> Comp1</a:t>
+                      </a:r>
+                      <a:endParaRPr lang="en-US" sz="1200" b="1" i="0" u="none" strike="noStrike" dirty="0">
+                        <a:solidFill>
+                          <a:srgbClr val="000000"/>
+                        </a:solidFill>
+                        <a:effectLst/>
+                        <a:latin typeface="Calibri" panose="020F0502020204030204" pitchFamily="34" charset="0"/>
+                      </a:endParaRPr>
+                    </a:p>
+                  </a:txBody>
+                  <a:tcPr marL="17249" marR="17249" marT="7620" marB="0" anchor="ctr"/>
+                </a:tc>
+                <a:tc>
+                  <a:txBody>
+                    <a:bodyPr/>
+                    <a:lstStyle/>
+                    <a:p>
+                      <a:pPr algn="ctr" fontAlgn="ctr"/>
+                      <a:r>
+                        <a:rPr lang="en-US" sz="1200" b="1" u="none" strike="noStrike" dirty="0">
+                          <a:effectLst/>
+                        </a:rPr>
+                        <a:t> Comp2</a:t>
+                      </a:r>
+                      <a:endParaRPr lang="en-US" sz="1200" b="1" i="0" u="none" strike="noStrike" dirty="0">
+                        <a:solidFill>
+                          <a:srgbClr val="000000"/>
+                        </a:solidFill>
+                        <a:effectLst/>
+                        <a:latin typeface="Calibri" panose="020F0502020204030204" pitchFamily="34" charset="0"/>
+                      </a:endParaRPr>
+                    </a:p>
+                  </a:txBody>
+                  <a:tcPr marL="17249" marR="17249" marT="7620" marB="0" anchor="ctr"/>
+                </a:tc>
+                <a:tc>
+                  <a:txBody>
+                    <a:bodyPr/>
+                    <a:lstStyle/>
+                    <a:p>
+                      <a:pPr algn="ctr" fontAlgn="ctr"/>
+                      <a:r>
+                        <a:rPr lang="en-US" sz="1200" b="1" u="none" strike="noStrike" dirty="0">
+                          <a:effectLst/>
+                        </a:rPr>
+                        <a:t> Comp3</a:t>
+                      </a:r>
+                      <a:endParaRPr lang="en-US" sz="1200" b="1" i="0" u="none" strike="noStrike" dirty="0">
+                        <a:solidFill>
+                          <a:srgbClr val="000000"/>
+                        </a:solidFill>
+                        <a:effectLst/>
+                        <a:latin typeface="Calibri" panose="020F0502020204030204" pitchFamily="34" charset="0"/>
+                      </a:endParaRPr>
+                    </a:p>
+                  </a:txBody>
+                  <a:tcPr marL="17249" marR="17249" marT="7620" marB="0" anchor="ctr"/>
+                </a:tc>
+                <a:tc>
+                  <a:txBody>
+                    <a:bodyPr/>
+                    <a:lstStyle/>
+                    <a:p>
+                      <a:pPr algn="ctr" fontAlgn="ctr"/>
+                      <a:r>
+                        <a:rPr lang="en-US" sz="1200" b="1" u="none" strike="noStrike" dirty="0">
+                          <a:effectLst/>
+                        </a:rPr>
+                        <a:t> Comp4</a:t>
+                      </a:r>
+                      <a:endParaRPr lang="en-US" sz="1200" b="1" i="0" u="none" strike="noStrike" dirty="0">
+                        <a:solidFill>
+                          <a:srgbClr val="000000"/>
+                        </a:solidFill>
+                        <a:effectLst/>
+                        <a:latin typeface="Calibri" panose="020F0502020204030204" pitchFamily="34" charset="0"/>
+                      </a:endParaRPr>
+                    </a:p>
+                  </a:txBody>
+                  <a:tcPr marL="17249" marR="17249" marT="7620" marB="0" anchor="ctr"/>
+                </a:tc>
+                <a:tc>
+                  <a:txBody>
+                    <a:bodyPr/>
+                    <a:lstStyle/>
+                    <a:p>
+                      <a:pPr algn="ctr" fontAlgn="ctr"/>
+                      <a:r>
+                        <a:rPr lang="en-US" sz="1200" b="1" u="none" strike="noStrike" dirty="0">
+                          <a:effectLst/>
+                        </a:rPr>
+                        <a:t> Comp5</a:t>
+                      </a:r>
+                      <a:endParaRPr lang="en-US" sz="1200" b="1" i="0" u="none" strike="noStrike" dirty="0">
+                        <a:solidFill>
+                          <a:srgbClr val="000000"/>
+                        </a:solidFill>
+                        <a:effectLst/>
+                        <a:latin typeface="Calibri" panose="020F0502020204030204" pitchFamily="34" charset="0"/>
+                      </a:endParaRPr>
+                    </a:p>
+                  </a:txBody>
+                  <a:tcPr marL="17249" marR="17249" marT="7620" marB="0" anchor="ctr"/>
+                </a:tc>
+                <a:extLst>
+                  <a:ext uri="{0D108BD9-81ED-4DB2-BD59-A6C34878D82A}">
+                    <a16:rowId xmlns:a16="http://schemas.microsoft.com/office/drawing/2014/main" val="2413837790"/>
+                  </a:ext>
+                </a:extLst>
+              </a:tr>
+              <a:tr h="390548">
+                <a:tc>
+                  <a:txBody>
+                    <a:bodyPr/>
+                    <a:lstStyle/>
+                    <a:p>
+                      <a:pPr algn="ctr" fontAlgn="ctr"/>
+                      <a:r>
+                        <a:rPr lang="en-US" sz="1400" b="1" u="none" strike="noStrike" dirty="0">
+                          <a:effectLst/>
+                        </a:rPr>
+                        <a:t>0.25</a:t>
+                      </a:r>
+                      <a:endParaRPr lang="en-US" sz="1400" b="1" i="0" u="none" strike="noStrike" dirty="0">
+                        <a:solidFill>
+                          <a:srgbClr val="000000"/>
+                        </a:solidFill>
+                        <a:effectLst/>
+                        <a:latin typeface="Calibri" panose="020F0502020204030204" pitchFamily="34" charset="0"/>
+                      </a:endParaRPr>
+                    </a:p>
+                  </a:txBody>
+                  <a:tcPr marL="17249" marR="17249" marT="7620" marB="0" anchor="ctr"/>
+                </a:tc>
+                <a:tc>
+                  <a:txBody>
+                    <a:bodyPr/>
+                    <a:lstStyle/>
+                    <a:p>
+                      <a:pPr algn="ctr" fontAlgn="ctr"/>
+                      <a:r>
+                        <a:rPr lang="en-US" sz="1400" b="1" u="none" strike="noStrike" dirty="0">
+                          <a:effectLst/>
+                        </a:rPr>
+                        <a:t>0.12</a:t>
+                      </a:r>
+                      <a:endParaRPr lang="en-US" sz="1400" b="1" i="0" u="none" strike="noStrike" dirty="0">
+                        <a:solidFill>
+                          <a:srgbClr val="000000"/>
+                        </a:solidFill>
+                        <a:effectLst/>
+                        <a:latin typeface="Calibri" panose="020F0502020204030204" pitchFamily="34" charset="0"/>
+                      </a:endParaRPr>
+                    </a:p>
+                  </a:txBody>
+                  <a:tcPr marL="17249" marR="17249" marT="7620" marB="0" anchor="ctr"/>
+                </a:tc>
+                <a:tc>
+                  <a:txBody>
+                    <a:bodyPr/>
+                    <a:lstStyle/>
+                    <a:p>
+                      <a:pPr algn="ctr" fontAlgn="ctr"/>
+                      <a:r>
+                        <a:rPr lang="en-US" sz="1400" b="1" u="none" strike="noStrike" dirty="0">
+                          <a:effectLst/>
+                        </a:rPr>
+                        <a:t>0.44</a:t>
+                      </a:r>
+                      <a:endParaRPr lang="en-US" sz="1400" b="1" i="0" u="none" strike="noStrike" dirty="0">
+                        <a:solidFill>
+                          <a:srgbClr val="000000"/>
+                        </a:solidFill>
+                        <a:effectLst/>
+                        <a:latin typeface="Calibri" panose="020F0502020204030204" pitchFamily="34" charset="0"/>
+                      </a:endParaRPr>
+                    </a:p>
+                  </a:txBody>
+                  <a:tcPr marL="17249" marR="17249" marT="7620" marB="0" anchor="ctr"/>
+                </a:tc>
+                <a:tc>
+                  <a:txBody>
+                    <a:bodyPr/>
+                    <a:lstStyle/>
+                    <a:p>
+                      <a:pPr algn="ctr" fontAlgn="ctr"/>
+                      <a:r>
+                        <a:rPr lang="en-US" sz="1400" b="1" u="none" strike="noStrike" dirty="0">
+                          <a:effectLst/>
+                        </a:rPr>
+                        <a:t>0.7</a:t>
+                      </a:r>
+                      <a:endParaRPr lang="en-US" sz="1400" b="1" i="0" u="none" strike="noStrike" dirty="0">
+                        <a:solidFill>
+                          <a:srgbClr val="000000"/>
+                        </a:solidFill>
+                        <a:effectLst/>
+                        <a:latin typeface="Calibri" panose="020F0502020204030204" pitchFamily="34" charset="0"/>
+                      </a:endParaRPr>
+                    </a:p>
+                  </a:txBody>
+                  <a:tcPr marL="17249" marR="17249" marT="7620" marB="0" anchor="ctr"/>
+                </a:tc>
+                <a:tc>
+                  <a:txBody>
+                    <a:bodyPr/>
+                    <a:lstStyle/>
+                    <a:p>
+                      <a:pPr algn="ctr" fontAlgn="ctr"/>
+                      <a:r>
+                        <a:rPr lang="en-US" sz="1400" b="1" u="none" strike="noStrike" dirty="0">
+                          <a:effectLst/>
+                        </a:rPr>
+                        <a:t>0.03</a:t>
+                      </a:r>
+                      <a:endParaRPr lang="en-US" sz="1400" b="1" i="0" u="none" strike="noStrike" dirty="0">
+                        <a:solidFill>
+                          <a:srgbClr val="000000"/>
+                        </a:solidFill>
+                        <a:effectLst/>
+                        <a:latin typeface="Calibri" panose="020F0502020204030204" pitchFamily="34" charset="0"/>
+                      </a:endParaRPr>
+                    </a:p>
+                  </a:txBody>
+                  <a:tcPr marL="17249" marR="17249" marT="7620" marB="0" anchor="ctr"/>
+                </a:tc>
+                <a:extLst>
+                  <a:ext uri="{0D108BD9-81ED-4DB2-BD59-A6C34878D82A}">
+                    <a16:rowId xmlns:a16="http://schemas.microsoft.com/office/drawing/2014/main" val="2462567165"/>
+                  </a:ext>
+                </a:extLst>
+              </a:tr>
+            </a:tbl>
+          </a:graphicData>
+        </a:graphic>
+      </p:graphicFrame>
+      <p:graphicFrame>
+        <p:nvGraphicFramePr>
+          <p:cNvPr id="6" name="Table 5">
+            <a:extLst>
+              <a:ext uri="{FF2B5EF4-FFF2-40B4-BE49-F238E27FC236}">
+                <a16:creationId xmlns:a16="http://schemas.microsoft.com/office/drawing/2014/main" id="{48EDFADF-5E97-469F-A860-DB2844210B1D}"/>
+              </a:ext>
+            </a:extLst>
+          </p:cNvPr>
+          <p:cNvGraphicFramePr>
+            <a:graphicFrameLocks noGrp="1"/>
+          </p:cNvGraphicFramePr>
+          <p:nvPr>
+            <p:extLst>
+              <p:ext uri="{D42A27DB-BD31-4B8C-83A1-F6EECF244321}">
+                <p14:modId xmlns:p14="http://schemas.microsoft.com/office/powerpoint/2010/main" val="22154399"/>
+              </p:ext>
+            </p:extLst>
+          </p:nvPr>
+        </p:nvGraphicFramePr>
+        <p:xfrm>
+          <a:off x="1069118" y="4220309"/>
+          <a:ext cx="10058400" cy="2311123"/>
+        </p:xfrm>
+        <a:graphic>
+          <a:graphicData uri="http://schemas.openxmlformats.org/drawingml/2006/table">
+            <a:tbl>
+              <a:tblPr>
+                <a:tableStyleId>{5C22544A-7EE6-4342-B048-85BDC9FD1C3A}</a:tableStyleId>
+              </a:tblPr>
+              <a:tblGrid>
+                <a:gridCol w="1688123">
+                  <a:extLst>
+                    <a:ext uri="{9D8B030D-6E8A-4147-A177-3AD203B41FA5}">
+                      <a16:colId xmlns:a16="http://schemas.microsoft.com/office/drawing/2014/main" val="1069312243"/>
+                    </a:ext>
+                  </a:extLst>
+                </a:gridCol>
+                <a:gridCol w="1688123">
+                  <a:extLst>
+                    <a:ext uri="{9D8B030D-6E8A-4147-A177-3AD203B41FA5}">
+                      <a16:colId xmlns:a16="http://schemas.microsoft.com/office/drawing/2014/main" val="1602297419"/>
+                    </a:ext>
+                  </a:extLst>
+                </a:gridCol>
+                <a:gridCol w="1688123">
+                  <a:extLst>
+                    <a:ext uri="{9D8B030D-6E8A-4147-A177-3AD203B41FA5}">
+                      <a16:colId xmlns:a16="http://schemas.microsoft.com/office/drawing/2014/main" val="3113265691"/>
+                    </a:ext>
+                  </a:extLst>
+                </a:gridCol>
+                <a:gridCol w="1688123">
+                  <a:extLst>
+                    <a:ext uri="{9D8B030D-6E8A-4147-A177-3AD203B41FA5}">
+                      <a16:colId xmlns:a16="http://schemas.microsoft.com/office/drawing/2014/main" val="4104595099"/>
+                    </a:ext>
+                  </a:extLst>
+                </a:gridCol>
+                <a:gridCol w="1688123">
+                  <a:extLst>
+                    <a:ext uri="{9D8B030D-6E8A-4147-A177-3AD203B41FA5}">
+                      <a16:colId xmlns:a16="http://schemas.microsoft.com/office/drawing/2014/main" val="1995296926"/>
+                    </a:ext>
+                  </a:extLst>
+                </a:gridCol>
+                <a:gridCol w="1617785">
+                  <a:extLst>
+                    <a:ext uri="{9D8B030D-6E8A-4147-A177-3AD203B41FA5}">
+                      <a16:colId xmlns:a16="http://schemas.microsoft.com/office/drawing/2014/main" val="3877867921"/>
+                    </a:ext>
+                  </a:extLst>
+                </a:gridCol>
+              </a:tblGrid>
+              <a:tr h="278729">
+                <a:tc gridSpan="6">
+                  <a:txBody>
+                    <a:bodyPr/>
+                    <a:lstStyle/>
+                    <a:p>
+                      <a:pPr algn="ctr" rtl="0" fontAlgn="b"/>
+                      <a:r>
+                        <a:rPr lang="en-US" sz="1100" b="1" u="none" strike="noStrike" dirty="0">
+                          <a:effectLst/>
+                        </a:rPr>
+                        <a:t>Tests Trace</a:t>
+                      </a:r>
+                      <a:endParaRPr lang="en-US" sz="1100" b="1" i="0" u="none" strike="noStrike" dirty="0">
+                        <a:solidFill>
+                          <a:srgbClr val="000000"/>
+                        </a:solidFill>
+                        <a:effectLst/>
+                        <a:latin typeface="Rockwell" panose="02060603020205020403" pitchFamily="18" charset="0"/>
+                      </a:endParaRPr>
+                    </a:p>
+                  </a:txBody>
+                  <a:tcPr marL="7620" marR="7620" marT="7620" marB="0" anchor="b">
+                    <a:pattFill prst="pct80">
+                      <a:fgClr>
+                        <a:schemeClr val="accent1">
+                          <a:tint val="20000"/>
+                        </a:schemeClr>
+                      </a:fgClr>
+                      <a:bgClr>
+                        <a:schemeClr val="bg1"/>
+                      </a:bgClr>
+                    </a:pattFill>
+                  </a:tcPr>
+                </a:tc>
+                <a:tc hMerge="1">
+                  <a:txBody>
+                    <a:bodyPr/>
+                    <a:lstStyle/>
+                    <a:p>
+                      <a:endParaRPr lang="en-US"/>
+                    </a:p>
+                  </a:txBody>
+                  <a:tcPr/>
+                </a:tc>
+                <a:tc hMerge="1">
+                  <a:txBody>
+                    <a:bodyPr/>
+                    <a:lstStyle/>
+                    <a:p>
+                      <a:endParaRPr lang="en-US"/>
+                    </a:p>
+                  </a:txBody>
+                  <a:tcPr/>
+                </a:tc>
+                <a:tc hMerge="1">
+                  <a:txBody>
+                    <a:bodyPr/>
+                    <a:lstStyle/>
+                    <a:p>
+                      <a:endParaRPr lang="en-US"/>
+                    </a:p>
+                  </a:txBody>
+                  <a:tcPr/>
+                </a:tc>
+                <a:tc hMerge="1">
+                  <a:txBody>
+                    <a:bodyPr/>
+                    <a:lstStyle/>
+                    <a:p>
+                      <a:endParaRPr lang="en-US"/>
+                    </a:p>
+                  </a:txBody>
+                  <a:tcPr/>
+                </a:tc>
+                <a:tc hMerge="1">
+                  <a:txBody>
+                    <a:bodyPr/>
+                    <a:lstStyle/>
+                    <a:p>
+                      <a:endParaRPr lang="en-US"/>
+                    </a:p>
+                  </a:txBody>
+                  <a:tcPr/>
+                </a:tc>
+                <a:extLst>
+                  <a:ext uri="{0D108BD9-81ED-4DB2-BD59-A6C34878D82A}">
+                    <a16:rowId xmlns:a16="http://schemas.microsoft.com/office/drawing/2014/main" val="1673954512"/>
+                  </a:ext>
+                </a:extLst>
+              </a:tr>
+              <a:tr h="290342">
+                <a:tc gridSpan="6">
+                  <a:txBody>
+                    <a:bodyPr/>
+                    <a:lstStyle/>
+                    <a:p>
+                      <a:pPr algn="ctr" rtl="0" fontAlgn="b"/>
+                      <a:r>
+                        <a:rPr lang="en-US" sz="1100" b="1" u="none" strike="noStrike" dirty="0">
+                          <a:effectLst/>
+                        </a:rPr>
+                        <a:t> (1 - indicates that test pass through component)</a:t>
+                      </a:r>
+                      <a:endParaRPr lang="en-US" sz="1100" b="1" i="0" u="none" strike="noStrike" dirty="0">
+                        <a:solidFill>
+                          <a:srgbClr val="000000"/>
+                        </a:solidFill>
+                        <a:effectLst/>
+                        <a:latin typeface="Rockwell" panose="02060603020205020403" pitchFamily="18" charset="0"/>
+                      </a:endParaRPr>
+                    </a:p>
+                  </a:txBody>
+                  <a:tcPr marL="7620" marR="7620" marT="7620" marB="0" anchor="b"/>
+                </a:tc>
+                <a:tc hMerge="1">
+                  <a:txBody>
+                    <a:bodyPr/>
+                    <a:lstStyle/>
+                    <a:p>
+                      <a:endParaRPr lang="en-US"/>
+                    </a:p>
+                  </a:txBody>
+                  <a:tcPr/>
+                </a:tc>
+                <a:tc hMerge="1">
+                  <a:txBody>
+                    <a:bodyPr/>
+                    <a:lstStyle/>
+                    <a:p>
+                      <a:endParaRPr lang="en-US"/>
+                    </a:p>
+                  </a:txBody>
+                  <a:tcPr/>
+                </a:tc>
+                <a:tc hMerge="1">
+                  <a:txBody>
+                    <a:bodyPr/>
+                    <a:lstStyle/>
+                    <a:p>
+                      <a:endParaRPr lang="en-US"/>
+                    </a:p>
+                  </a:txBody>
+                  <a:tcPr/>
+                </a:tc>
+                <a:tc hMerge="1">
+                  <a:txBody>
+                    <a:bodyPr/>
+                    <a:lstStyle/>
+                    <a:p>
+                      <a:endParaRPr lang="en-US"/>
+                    </a:p>
+                  </a:txBody>
+                  <a:tcPr/>
+                </a:tc>
+                <a:tc hMerge="1">
+                  <a:txBody>
+                    <a:bodyPr/>
+                    <a:lstStyle/>
+                    <a:p>
+                      <a:endParaRPr lang="en-US"/>
+                    </a:p>
+                  </a:txBody>
+                  <a:tcPr/>
+                </a:tc>
+                <a:extLst>
+                  <a:ext uri="{0D108BD9-81ED-4DB2-BD59-A6C34878D82A}">
+                    <a16:rowId xmlns:a16="http://schemas.microsoft.com/office/drawing/2014/main" val="4225706138"/>
+                  </a:ext>
+                </a:extLst>
+              </a:tr>
+              <a:tr h="290342">
+                <a:tc>
+                  <a:txBody>
+                    <a:bodyPr/>
+                    <a:lstStyle/>
+                    <a:p>
+                      <a:pPr algn="ctr" rtl="0" fontAlgn="b"/>
+                      <a:r>
+                        <a:rPr lang="en-US" sz="1100" u="none" strike="noStrike">
+                          <a:effectLst/>
+                        </a:rPr>
+                        <a:t> </a:t>
+                      </a:r>
+                      <a:endParaRPr lang="en-US" sz="1100" b="0" i="0" u="none" strike="noStrike">
+                        <a:solidFill>
+                          <a:srgbClr val="000000"/>
+                        </a:solidFill>
+                        <a:effectLst/>
+                        <a:latin typeface="Rockwell" panose="02060603020205020403" pitchFamily="18" charset="0"/>
+                      </a:endParaRPr>
+                    </a:p>
+                  </a:txBody>
+                  <a:tcPr marL="7620" marR="7620" marT="7620" marB="0" anchor="b"/>
+                </a:tc>
+                <a:tc>
+                  <a:txBody>
+                    <a:bodyPr/>
+                    <a:lstStyle/>
+                    <a:p>
+                      <a:pPr algn="ctr" rtl="0" fontAlgn="b"/>
+                      <a:r>
+                        <a:rPr lang="en-US" sz="1100" b="1" u="none" strike="noStrike" dirty="0">
+                          <a:effectLst/>
+                        </a:rPr>
+                        <a:t> Comp1</a:t>
+                      </a:r>
+                      <a:endParaRPr lang="en-US" sz="1100" b="1" i="0" u="none" strike="noStrike" dirty="0">
+                        <a:solidFill>
+                          <a:srgbClr val="000000"/>
+                        </a:solidFill>
+                        <a:effectLst/>
+                        <a:latin typeface="Rockwell" panose="02060603020205020403" pitchFamily="18" charset="0"/>
+                      </a:endParaRPr>
+                    </a:p>
+                  </a:txBody>
+                  <a:tcPr marL="7620" marR="7620" marT="7620" marB="0" anchor="b"/>
+                </a:tc>
+                <a:tc>
+                  <a:txBody>
+                    <a:bodyPr/>
+                    <a:lstStyle/>
+                    <a:p>
+                      <a:pPr algn="ctr" rtl="0" fontAlgn="b"/>
+                      <a:r>
+                        <a:rPr lang="en-US" sz="1100" b="1" u="none" strike="noStrike" dirty="0">
+                          <a:effectLst/>
+                        </a:rPr>
+                        <a:t> Comp2</a:t>
+                      </a:r>
+                      <a:endParaRPr lang="en-US" sz="1100" b="1" i="0" u="none" strike="noStrike" dirty="0">
+                        <a:solidFill>
+                          <a:srgbClr val="000000"/>
+                        </a:solidFill>
+                        <a:effectLst/>
+                        <a:latin typeface="Rockwell" panose="02060603020205020403" pitchFamily="18" charset="0"/>
+                      </a:endParaRPr>
+                    </a:p>
+                  </a:txBody>
+                  <a:tcPr marL="7620" marR="7620" marT="7620" marB="0" anchor="b"/>
+                </a:tc>
+                <a:tc>
+                  <a:txBody>
+                    <a:bodyPr/>
+                    <a:lstStyle/>
+                    <a:p>
+                      <a:pPr algn="ctr" rtl="0" fontAlgn="b"/>
+                      <a:r>
+                        <a:rPr lang="en-US" sz="1100" b="1" u="none" strike="noStrike" dirty="0">
+                          <a:effectLst/>
+                        </a:rPr>
+                        <a:t> Comp3</a:t>
+                      </a:r>
+                      <a:endParaRPr lang="en-US" sz="1100" b="1" i="0" u="none" strike="noStrike" dirty="0">
+                        <a:solidFill>
+                          <a:srgbClr val="000000"/>
+                        </a:solidFill>
+                        <a:effectLst/>
+                        <a:latin typeface="Rockwell" panose="02060603020205020403" pitchFamily="18" charset="0"/>
+                      </a:endParaRPr>
+                    </a:p>
+                  </a:txBody>
+                  <a:tcPr marL="7620" marR="7620" marT="7620" marB="0" anchor="b"/>
+                </a:tc>
+                <a:tc>
+                  <a:txBody>
+                    <a:bodyPr/>
+                    <a:lstStyle/>
+                    <a:p>
+                      <a:pPr algn="ctr" rtl="0" fontAlgn="b"/>
+                      <a:r>
+                        <a:rPr lang="en-US" sz="1100" b="1" u="none" strike="noStrike" dirty="0">
+                          <a:effectLst/>
+                        </a:rPr>
+                        <a:t> Comp4</a:t>
+                      </a:r>
+                      <a:endParaRPr lang="en-US" sz="1100" b="1" i="0" u="none" strike="noStrike" dirty="0">
+                        <a:solidFill>
+                          <a:srgbClr val="000000"/>
+                        </a:solidFill>
+                        <a:effectLst/>
+                        <a:latin typeface="Rockwell" panose="02060603020205020403" pitchFamily="18" charset="0"/>
+                      </a:endParaRPr>
+                    </a:p>
+                  </a:txBody>
+                  <a:tcPr marL="7620" marR="7620" marT="7620" marB="0" anchor="b"/>
+                </a:tc>
+                <a:tc>
+                  <a:txBody>
+                    <a:bodyPr/>
+                    <a:lstStyle/>
+                    <a:p>
+                      <a:pPr algn="ctr" rtl="0" fontAlgn="b"/>
+                      <a:r>
+                        <a:rPr lang="en-US" sz="1100" b="1" u="none" strike="noStrike" dirty="0">
+                          <a:effectLst/>
+                        </a:rPr>
+                        <a:t> Comp5</a:t>
+                      </a:r>
+                      <a:endParaRPr lang="en-US" sz="1100" b="1" i="0" u="none" strike="noStrike" dirty="0">
+                        <a:solidFill>
+                          <a:srgbClr val="000000"/>
+                        </a:solidFill>
+                        <a:effectLst/>
+                        <a:latin typeface="Rockwell" panose="02060603020205020403" pitchFamily="18" charset="0"/>
+                      </a:endParaRPr>
+                    </a:p>
+                  </a:txBody>
+                  <a:tcPr marL="7620" marR="7620" marT="7620" marB="0" anchor="b"/>
+                </a:tc>
+                <a:extLst>
+                  <a:ext uri="{0D108BD9-81ED-4DB2-BD59-A6C34878D82A}">
+                    <a16:rowId xmlns:a16="http://schemas.microsoft.com/office/drawing/2014/main" val="731355789"/>
+                  </a:ext>
+                </a:extLst>
+              </a:tr>
+              <a:tr h="290342">
+                <a:tc>
+                  <a:txBody>
+                    <a:bodyPr/>
+                    <a:lstStyle/>
+                    <a:p>
+                      <a:pPr algn="ctr" rtl="0" fontAlgn="b"/>
+                      <a:r>
+                        <a:rPr lang="en-US" sz="1100" b="1" u="none" strike="noStrike" dirty="0">
+                          <a:effectLst/>
+                        </a:rPr>
+                        <a:t>Test1</a:t>
+                      </a:r>
+                      <a:endParaRPr lang="en-US" sz="1100" b="1" i="0" u="none" strike="noStrike" dirty="0">
+                        <a:solidFill>
+                          <a:srgbClr val="000000"/>
+                        </a:solidFill>
+                        <a:effectLst/>
+                        <a:latin typeface="Rockwell" panose="02060603020205020403" pitchFamily="18" charset="0"/>
+                      </a:endParaRPr>
+                    </a:p>
+                  </a:txBody>
+                  <a:tcPr marL="7620" marR="7620" marT="7620" marB="0" anchor="b"/>
+                </a:tc>
+                <a:tc>
+                  <a:txBody>
+                    <a:bodyPr/>
+                    <a:lstStyle/>
+                    <a:p>
+                      <a:pPr algn="ctr" rtl="0" fontAlgn="b"/>
+                      <a:r>
+                        <a:rPr lang="en-US" sz="1100" u="none" strike="noStrike">
+                          <a:effectLst/>
+                        </a:rPr>
+                        <a:t>1</a:t>
+                      </a:r>
+                      <a:endParaRPr lang="en-US" sz="1100" b="0" i="0" u="none" strike="noStrike">
+                        <a:solidFill>
+                          <a:srgbClr val="000000"/>
+                        </a:solidFill>
+                        <a:effectLst/>
+                        <a:latin typeface="Rockwell" panose="02060603020205020403" pitchFamily="18" charset="0"/>
+                      </a:endParaRPr>
+                    </a:p>
+                  </a:txBody>
+                  <a:tcPr marL="7620" marR="7620" marT="7620" marB="0" anchor="b"/>
+                </a:tc>
+                <a:tc>
+                  <a:txBody>
+                    <a:bodyPr/>
+                    <a:lstStyle/>
+                    <a:p>
+                      <a:pPr algn="ctr" rtl="0" fontAlgn="b"/>
+                      <a:r>
+                        <a:rPr lang="en-US" sz="1100" u="none" strike="noStrike" dirty="0">
+                          <a:effectLst/>
+                        </a:rPr>
+                        <a:t>0</a:t>
+                      </a:r>
+                      <a:endParaRPr lang="en-US" sz="1100" b="0" i="0" u="none" strike="noStrike" dirty="0">
+                        <a:solidFill>
+                          <a:srgbClr val="000000"/>
+                        </a:solidFill>
+                        <a:effectLst/>
+                        <a:latin typeface="Rockwell" panose="02060603020205020403" pitchFamily="18" charset="0"/>
+                      </a:endParaRPr>
+                    </a:p>
+                  </a:txBody>
+                  <a:tcPr marL="7620" marR="7620" marT="7620" marB="0" anchor="b"/>
+                </a:tc>
+                <a:tc>
+                  <a:txBody>
+                    <a:bodyPr/>
+                    <a:lstStyle/>
+                    <a:p>
+                      <a:pPr algn="ctr" rtl="0" fontAlgn="b"/>
+                      <a:r>
+                        <a:rPr lang="en-US" sz="1100" u="none" strike="noStrike">
+                          <a:effectLst/>
+                        </a:rPr>
+                        <a:t>1</a:t>
+                      </a:r>
+                      <a:endParaRPr lang="en-US" sz="1100" b="0" i="0" u="none" strike="noStrike">
+                        <a:solidFill>
+                          <a:srgbClr val="000000"/>
+                        </a:solidFill>
+                        <a:effectLst/>
+                        <a:latin typeface="Rockwell" panose="02060603020205020403" pitchFamily="18" charset="0"/>
+                      </a:endParaRPr>
+                    </a:p>
+                  </a:txBody>
+                  <a:tcPr marL="7620" marR="7620" marT="7620" marB="0" anchor="b"/>
+                </a:tc>
+                <a:tc>
+                  <a:txBody>
+                    <a:bodyPr/>
+                    <a:lstStyle/>
+                    <a:p>
+                      <a:pPr algn="ctr" rtl="0" fontAlgn="b"/>
+                      <a:r>
+                        <a:rPr lang="en-US" sz="1100" u="none" strike="noStrike" dirty="0">
+                          <a:effectLst/>
+                        </a:rPr>
+                        <a:t>1</a:t>
+                      </a:r>
+                      <a:endParaRPr lang="en-US" sz="1100" b="0" i="0" u="none" strike="noStrike" dirty="0">
+                        <a:solidFill>
+                          <a:srgbClr val="000000"/>
+                        </a:solidFill>
+                        <a:effectLst/>
+                        <a:latin typeface="Rockwell" panose="02060603020205020403" pitchFamily="18" charset="0"/>
+                      </a:endParaRPr>
+                    </a:p>
+                  </a:txBody>
+                  <a:tcPr marL="7620" marR="7620" marT="7620" marB="0" anchor="b"/>
+                </a:tc>
+                <a:tc>
+                  <a:txBody>
+                    <a:bodyPr/>
+                    <a:lstStyle/>
+                    <a:p>
+                      <a:pPr algn="ctr" rtl="0" fontAlgn="b"/>
+                      <a:r>
+                        <a:rPr lang="en-US" sz="1100" u="none" strike="noStrike" dirty="0">
+                          <a:effectLst/>
+                        </a:rPr>
+                        <a:t>0</a:t>
+                      </a:r>
+                      <a:endParaRPr lang="en-US" sz="1100" b="0" i="0" u="none" strike="noStrike" dirty="0">
+                        <a:solidFill>
+                          <a:srgbClr val="000000"/>
+                        </a:solidFill>
+                        <a:effectLst/>
+                        <a:latin typeface="Rockwell" panose="02060603020205020403" pitchFamily="18" charset="0"/>
+                      </a:endParaRPr>
+                    </a:p>
+                  </a:txBody>
+                  <a:tcPr marL="7620" marR="7620" marT="7620" marB="0" anchor="b"/>
+                </a:tc>
+                <a:extLst>
+                  <a:ext uri="{0D108BD9-81ED-4DB2-BD59-A6C34878D82A}">
+                    <a16:rowId xmlns:a16="http://schemas.microsoft.com/office/drawing/2014/main" val="3337905118"/>
+                  </a:ext>
+                </a:extLst>
+              </a:tr>
+              <a:tr h="290342">
+                <a:tc>
+                  <a:txBody>
+                    <a:bodyPr/>
+                    <a:lstStyle/>
+                    <a:p>
+                      <a:pPr algn="ctr" rtl="0" fontAlgn="b"/>
+                      <a:r>
+                        <a:rPr lang="en-US" sz="1100" b="1" u="none" strike="noStrike" dirty="0">
+                          <a:effectLst/>
+                        </a:rPr>
+                        <a:t>Test2</a:t>
+                      </a:r>
+                      <a:endParaRPr lang="en-US" sz="1100" b="1" i="0" u="none" strike="noStrike" dirty="0">
+                        <a:solidFill>
+                          <a:srgbClr val="000000"/>
+                        </a:solidFill>
+                        <a:effectLst/>
+                        <a:latin typeface="Rockwell" panose="02060603020205020403" pitchFamily="18" charset="0"/>
+                      </a:endParaRPr>
+                    </a:p>
+                  </a:txBody>
+                  <a:tcPr marL="7620" marR="7620" marT="7620" marB="0" anchor="b"/>
+                </a:tc>
+                <a:tc>
+                  <a:txBody>
+                    <a:bodyPr/>
+                    <a:lstStyle/>
+                    <a:p>
+                      <a:pPr algn="ctr" rtl="0" fontAlgn="b"/>
+                      <a:r>
+                        <a:rPr lang="en-US" sz="1100" u="none" strike="noStrike">
+                          <a:effectLst/>
+                        </a:rPr>
+                        <a:t>0</a:t>
+                      </a:r>
+                      <a:endParaRPr lang="en-US" sz="1100" b="0" i="0" u="none" strike="noStrike">
+                        <a:solidFill>
+                          <a:srgbClr val="000000"/>
+                        </a:solidFill>
+                        <a:effectLst/>
+                        <a:latin typeface="Rockwell" panose="02060603020205020403" pitchFamily="18" charset="0"/>
+                      </a:endParaRPr>
+                    </a:p>
+                  </a:txBody>
+                  <a:tcPr marL="7620" marR="7620" marT="7620" marB="0" anchor="b"/>
+                </a:tc>
+                <a:tc>
+                  <a:txBody>
+                    <a:bodyPr/>
+                    <a:lstStyle/>
+                    <a:p>
+                      <a:pPr algn="ctr" rtl="0" fontAlgn="b"/>
+                      <a:r>
+                        <a:rPr lang="en-US" sz="1100" u="none" strike="noStrike">
+                          <a:effectLst/>
+                        </a:rPr>
+                        <a:t>1</a:t>
+                      </a:r>
+                      <a:endParaRPr lang="en-US" sz="1100" b="0" i="0" u="none" strike="noStrike">
+                        <a:solidFill>
+                          <a:srgbClr val="000000"/>
+                        </a:solidFill>
+                        <a:effectLst/>
+                        <a:latin typeface="Rockwell" panose="02060603020205020403" pitchFamily="18" charset="0"/>
+                      </a:endParaRPr>
+                    </a:p>
+                  </a:txBody>
+                  <a:tcPr marL="7620" marR="7620" marT="7620" marB="0" anchor="b"/>
+                </a:tc>
+                <a:tc>
+                  <a:txBody>
+                    <a:bodyPr/>
+                    <a:lstStyle/>
+                    <a:p>
+                      <a:pPr algn="ctr" rtl="0" fontAlgn="b"/>
+                      <a:r>
+                        <a:rPr lang="en-US" sz="1100" u="none" strike="noStrike">
+                          <a:effectLst/>
+                        </a:rPr>
+                        <a:t>1</a:t>
+                      </a:r>
+                      <a:endParaRPr lang="en-US" sz="1100" b="0" i="0" u="none" strike="noStrike">
+                        <a:solidFill>
+                          <a:srgbClr val="000000"/>
+                        </a:solidFill>
+                        <a:effectLst/>
+                        <a:latin typeface="Rockwell" panose="02060603020205020403" pitchFamily="18" charset="0"/>
+                      </a:endParaRPr>
+                    </a:p>
+                  </a:txBody>
+                  <a:tcPr marL="7620" marR="7620" marT="7620" marB="0" anchor="b"/>
+                </a:tc>
+                <a:tc>
+                  <a:txBody>
+                    <a:bodyPr/>
+                    <a:lstStyle/>
+                    <a:p>
+                      <a:pPr algn="ctr" rtl="0" fontAlgn="b"/>
+                      <a:r>
+                        <a:rPr lang="en-US" sz="1100" u="none" strike="noStrike">
+                          <a:effectLst/>
+                        </a:rPr>
+                        <a:t>0</a:t>
+                      </a:r>
+                      <a:endParaRPr lang="en-US" sz="1100" b="0" i="0" u="none" strike="noStrike">
+                        <a:solidFill>
+                          <a:srgbClr val="000000"/>
+                        </a:solidFill>
+                        <a:effectLst/>
+                        <a:latin typeface="Rockwell" panose="02060603020205020403" pitchFamily="18" charset="0"/>
+                      </a:endParaRPr>
+                    </a:p>
+                  </a:txBody>
+                  <a:tcPr marL="7620" marR="7620" marT="7620" marB="0" anchor="b"/>
+                </a:tc>
+                <a:tc>
+                  <a:txBody>
+                    <a:bodyPr/>
+                    <a:lstStyle/>
+                    <a:p>
+                      <a:pPr algn="ctr" rtl="0" fontAlgn="b"/>
+                      <a:r>
+                        <a:rPr lang="en-US" sz="1100" u="none" strike="noStrike">
+                          <a:effectLst/>
+                        </a:rPr>
+                        <a:t>1</a:t>
+                      </a:r>
+                      <a:endParaRPr lang="en-US" sz="1100" b="0" i="0" u="none" strike="noStrike">
+                        <a:solidFill>
+                          <a:srgbClr val="000000"/>
+                        </a:solidFill>
+                        <a:effectLst/>
+                        <a:latin typeface="Rockwell" panose="02060603020205020403" pitchFamily="18" charset="0"/>
+                      </a:endParaRPr>
+                    </a:p>
+                  </a:txBody>
+                  <a:tcPr marL="7620" marR="7620" marT="7620" marB="0" anchor="b"/>
+                </a:tc>
+                <a:extLst>
+                  <a:ext uri="{0D108BD9-81ED-4DB2-BD59-A6C34878D82A}">
+                    <a16:rowId xmlns:a16="http://schemas.microsoft.com/office/drawing/2014/main" val="887770495"/>
+                  </a:ext>
+                </a:extLst>
+              </a:tr>
+              <a:tr h="290342">
+                <a:tc>
+                  <a:txBody>
+                    <a:bodyPr/>
+                    <a:lstStyle/>
+                    <a:p>
+                      <a:pPr algn="ctr" rtl="0" fontAlgn="b"/>
+                      <a:r>
+                        <a:rPr lang="en-US" sz="1100" b="1" u="none" strike="noStrike" dirty="0">
+                          <a:effectLst/>
+                        </a:rPr>
+                        <a:t>Test3</a:t>
+                      </a:r>
+                      <a:endParaRPr lang="en-US" sz="1100" b="1" i="0" u="none" strike="noStrike" dirty="0">
+                        <a:solidFill>
+                          <a:srgbClr val="000000"/>
+                        </a:solidFill>
+                        <a:effectLst/>
+                        <a:latin typeface="Rockwell" panose="02060603020205020403" pitchFamily="18" charset="0"/>
+                      </a:endParaRPr>
+                    </a:p>
+                  </a:txBody>
+                  <a:tcPr marL="7620" marR="7620" marT="7620" marB="0" anchor="b"/>
+                </a:tc>
+                <a:tc>
+                  <a:txBody>
+                    <a:bodyPr/>
+                    <a:lstStyle/>
+                    <a:p>
+                      <a:pPr algn="ctr" rtl="0" fontAlgn="b"/>
+                      <a:r>
+                        <a:rPr lang="en-US" sz="1100" u="none" strike="noStrike">
+                          <a:effectLst/>
+                        </a:rPr>
+                        <a:t>0</a:t>
+                      </a:r>
+                      <a:endParaRPr lang="en-US" sz="1100" b="0" i="0" u="none" strike="noStrike">
+                        <a:solidFill>
+                          <a:srgbClr val="000000"/>
+                        </a:solidFill>
+                        <a:effectLst/>
+                        <a:latin typeface="Rockwell" panose="02060603020205020403" pitchFamily="18" charset="0"/>
+                      </a:endParaRPr>
+                    </a:p>
+                  </a:txBody>
+                  <a:tcPr marL="7620" marR="7620" marT="7620" marB="0" anchor="b"/>
+                </a:tc>
+                <a:tc>
+                  <a:txBody>
+                    <a:bodyPr/>
+                    <a:lstStyle/>
+                    <a:p>
+                      <a:pPr algn="ctr" rtl="0" fontAlgn="b"/>
+                      <a:r>
+                        <a:rPr lang="en-US" sz="1100" u="none" strike="noStrike">
+                          <a:effectLst/>
+                        </a:rPr>
+                        <a:t>1</a:t>
+                      </a:r>
+                      <a:endParaRPr lang="en-US" sz="1100" b="0" i="0" u="none" strike="noStrike">
+                        <a:solidFill>
+                          <a:srgbClr val="000000"/>
+                        </a:solidFill>
+                        <a:effectLst/>
+                        <a:latin typeface="Rockwell" panose="02060603020205020403" pitchFamily="18" charset="0"/>
+                      </a:endParaRPr>
+                    </a:p>
+                  </a:txBody>
+                  <a:tcPr marL="7620" marR="7620" marT="7620" marB="0" anchor="b"/>
+                </a:tc>
+                <a:tc>
+                  <a:txBody>
+                    <a:bodyPr/>
+                    <a:lstStyle/>
+                    <a:p>
+                      <a:pPr algn="ctr" rtl="0" fontAlgn="b"/>
+                      <a:r>
+                        <a:rPr lang="en-US" sz="1100" u="none" strike="noStrike">
+                          <a:effectLst/>
+                        </a:rPr>
+                        <a:t>1</a:t>
+                      </a:r>
+                      <a:endParaRPr lang="en-US" sz="1100" b="0" i="0" u="none" strike="noStrike">
+                        <a:solidFill>
+                          <a:srgbClr val="000000"/>
+                        </a:solidFill>
+                        <a:effectLst/>
+                        <a:latin typeface="Rockwell" panose="02060603020205020403" pitchFamily="18" charset="0"/>
+                      </a:endParaRPr>
+                    </a:p>
+                  </a:txBody>
+                  <a:tcPr marL="7620" marR="7620" marT="7620" marB="0" anchor="b"/>
+                </a:tc>
+                <a:tc>
+                  <a:txBody>
+                    <a:bodyPr/>
+                    <a:lstStyle/>
+                    <a:p>
+                      <a:pPr algn="ctr" rtl="0" fontAlgn="b"/>
+                      <a:r>
+                        <a:rPr lang="en-US" sz="1100" u="none" strike="noStrike">
+                          <a:effectLst/>
+                        </a:rPr>
+                        <a:t>0</a:t>
+                      </a:r>
+                      <a:endParaRPr lang="en-US" sz="1100" b="0" i="0" u="none" strike="noStrike">
+                        <a:solidFill>
+                          <a:srgbClr val="000000"/>
+                        </a:solidFill>
+                        <a:effectLst/>
+                        <a:latin typeface="Rockwell" panose="02060603020205020403" pitchFamily="18" charset="0"/>
+                      </a:endParaRPr>
+                    </a:p>
+                  </a:txBody>
+                  <a:tcPr marL="7620" marR="7620" marT="7620" marB="0" anchor="b"/>
+                </a:tc>
+                <a:tc>
+                  <a:txBody>
+                    <a:bodyPr/>
+                    <a:lstStyle/>
+                    <a:p>
+                      <a:pPr algn="ctr" rtl="0" fontAlgn="b"/>
+                      <a:r>
+                        <a:rPr lang="en-US" sz="1100" u="none" strike="noStrike">
+                          <a:effectLst/>
+                        </a:rPr>
+                        <a:t>0</a:t>
+                      </a:r>
+                      <a:endParaRPr lang="en-US" sz="1100" b="0" i="0" u="none" strike="noStrike">
+                        <a:solidFill>
+                          <a:srgbClr val="000000"/>
+                        </a:solidFill>
+                        <a:effectLst/>
+                        <a:latin typeface="Rockwell" panose="02060603020205020403" pitchFamily="18" charset="0"/>
+                      </a:endParaRPr>
+                    </a:p>
+                  </a:txBody>
+                  <a:tcPr marL="7620" marR="7620" marT="7620" marB="0" anchor="b"/>
+                </a:tc>
+                <a:extLst>
+                  <a:ext uri="{0D108BD9-81ED-4DB2-BD59-A6C34878D82A}">
+                    <a16:rowId xmlns:a16="http://schemas.microsoft.com/office/drawing/2014/main" val="3775073205"/>
+                  </a:ext>
+                </a:extLst>
+              </a:tr>
+              <a:tr h="290342">
+                <a:tc>
+                  <a:txBody>
+                    <a:bodyPr/>
+                    <a:lstStyle/>
+                    <a:p>
+                      <a:pPr algn="ctr" rtl="0" fontAlgn="b"/>
+                      <a:r>
+                        <a:rPr lang="en-US" sz="1100" b="1" u="none" strike="noStrike" dirty="0">
+                          <a:effectLst/>
+                        </a:rPr>
+                        <a:t>Test4</a:t>
+                      </a:r>
+                      <a:endParaRPr lang="en-US" sz="1100" b="1" i="0" u="none" strike="noStrike" dirty="0">
+                        <a:solidFill>
+                          <a:srgbClr val="000000"/>
+                        </a:solidFill>
+                        <a:effectLst/>
+                        <a:latin typeface="Rockwell" panose="02060603020205020403" pitchFamily="18" charset="0"/>
+                      </a:endParaRPr>
+                    </a:p>
+                  </a:txBody>
+                  <a:tcPr marL="7620" marR="7620" marT="7620" marB="0" anchor="b"/>
+                </a:tc>
+                <a:tc>
+                  <a:txBody>
+                    <a:bodyPr/>
+                    <a:lstStyle/>
+                    <a:p>
+                      <a:pPr algn="ctr" rtl="0" fontAlgn="b"/>
+                      <a:r>
+                        <a:rPr lang="en-US" sz="1100" u="none" strike="noStrike">
+                          <a:effectLst/>
+                        </a:rPr>
+                        <a:t>1</a:t>
+                      </a:r>
+                      <a:endParaRPr lang="en-US" sz="1100" b="0" i="0" u="none" strike="noStrike">
+                        <a:solidFill>
+                          <a:srgbClr val="000000"/>
+                        </a:solidFill>
+                        <a:effectLst/>
+                        <a:latin typeface="Rockwell" panose="02060603020205020403" pitchFamily="18" charset="0"/>
+                      </a:endParaRPr>
+                    </a:p>
+                  </a:txBody>
+                  <a:tcPr marL="7620" marR="7620" marT="7620" marB="0" anchor="b"/>
+                </a:tc>
+                <a:tc>
+                  <a:txBody>
+                    <a:bodyPr/>
+                    <a:lstStyle/>
+                    <a:p>
+                      <a:pPr algn="ctr" rtl="0" fontAlgn="b"/>
+                      <a:r>
+                        <a:rPr lang="en-US" sz="1100" u="none" strike="noStrike">
+                          <a:effectLst/>
+                        </a:rPr>
+                        <a:t>0</a:t>
+                      </a:r>
+                      <a:endParaRPr lang="en-US" sz="1100" b="0" i="0" u="none" strike="noStrike">
+                        <a:solidFill>
+                          <a:srgbClr val="000000"/>
+                        </a:solidFill>
+                        <a:effectLst/>
+                        <a:latin typeface="Rockwell" panose="02060603020205020403" pitchFamily="18" charset="0"/>
+                      </a:endParaRPr>
+                    </a:p>
+                  </a:txBody>
+                  <a:tcPr marL="7620" marR="7620" marT="7620" marB="0" anchor="b"/>
+                </a:tc>
+                <a:tc>
+                  <a:txBody>
+                    <a:bodyPr/>
+                    <a:lstStyle/>
+                    <a:p>
+                      <a:pPr algn="ctr" rtl="0" fontAlgn="b"/>
+                      <a:r>
+                        <a:rPr lang="en-US" sz="1100" u="none" strike="noStrike">
+                          <a:effectLst/>
+                        </a:rPr>
+                        <a:t>0</a:t>
+                      </a:r>
+                      <a:endParaRPr lang="en-US" sz="1100" b="0" i="0" u="none" strike="noStrike">
+                        <a:solidFill>
+                          <a:srgbClr val="000000"/>
+                        </a:solidFill>
+                        <a:effectLst/>
+                        <a:latin typeface="Rockwell" panose="02060603020205020403" pitchFamily="18" charset="0"/>
+                      </a:endParaRPr>
+                    </a:p>
+                  </a:txBody>
+                  <a:tcPr marL="7620" marR="7620" marT="7620" marB="0" anchor="b"/>
+                </a:tc>
+                <a:tc>
+                  <a:txBody>
+                    <a:bodyPr/>
+                    <a:lstStyle/>
+                    <a:p>
+                      <a:pPr algn="ctr" rtl="0" fontAlgn="b"/>
+                      <a:r>
+                        <a:rPr lang="en-US" sz="1100" u="none" strike="noStrike">
+                          <a:effectLst/>
+                        </a:rPr>
+                        <a:t>0</a:t>
+                      </a:r>
+                      <a:endParaRPr lang="en-US" sz="1100" b="0" i="0" u="none" strike="noStrike">
+                        <a:solidFill>
+                          <a:srgbClr val="000000"/>
+                        </a:solidFill>
+                        <a:effectLst/>
+                        <a:latin typeface="Rockwell" panose="02060603020205020403" pitchFamily="18" charset="0"/>
+                      </a:endParaRPr>
+                    </a:p>
+                  </a:txBody>
+                  <a:tcPr marL="7620" marR="7620" marT="7620" marB="0" anchor="b"/>
+                </a:tc>
+                <a:tc>
+                  <a:txBody>
+                    <a:bodyPr/>
+                    <a:lstStyle/>
+                    <a:p>
+                      <a:pPr algn="ctr" rtl="0" fontAlgn="b"/>
+                      <a:r>
+                        <a:rPr lang="en-US" sz="1100" u="none" strike="noStrike">
+                          <a:effectLst/>
+                        </a:rPr>
+                        <a:t>1</a:t>
+                      </a:r>
+                      <a:endParaRPr lang="en-US" sz="1100" b="0" i="0" u="none" strike="noStrike">
+                        <a:solidFill>
+                          <a:srgbClr val="000000"/>
+                        </a:solidFill>
+                        <a:effectLst/>
+                        <a:latin typeface="Rockwell" panose="02060603020205020403" pitchFamily="18" charset="0"/>
+                      </a:endParaRPr>
+                    </a:p>
+                  </a:txBody>
+                  <a:tcPr marL="7620" marR="7620" marT="7620" marB="0" anchor="b"/>
+                </a:tc>
+                <a:extLst>
+                  <a:ext uri="{0D108BD9-81ED-4DB2-BD59-A6C34878D82A}">
+                    <a16:rowId xmlns:a16="http://schemas.microsoft.com/office/drawing/2014/main" val="2804253901"/>
+                  </a:ext>
+                </a:extLst>
+              </a:tr>
+              <a:tr h="290342">
+                <a:tc>
+                  <a:txBody>
+                    <a:bodyPr/>
+                    <a:lstStyle/>
+                    <a:p>
+                      <a:pPr algn="ctr" rtl="0" fontAlgn="b"/>
+                      <a:r>
+                        <a:rPr lang="en-US" sz="1100" b="1" u="none" strike="noStrike" dirty="0">
+                          <a:effectLst/>
+                        </a:rPr>
+                        <a:t>Test5</a:t>
+                      </a:r>
+                      <a:endParaRPr lang="en-US" sz="1100" b="1" i="0" u="none" strike="noStrike" dirty="0">
+                        <a:solidFill>
+                          <a:srgbClr val="000000"/>
+                        </a:solidFill>
+                        <a:effectLst/>
+                        <a:latin typeface="Rockwell" panose="02060603020205020403" pitchFamily="18" charset="0"/>
+                      </a:endParaRPr>
+                    </a:p>
+                  </a:txBody>
+                  <a:tcPr marL="7620" marR="7620" marT="7620" marB="0" anchor="b"/>
+                </a:tc>
+                <a:tc>
+                  <a:txBody>
+                    <a:bodyPr/>
+                    <a:lstStyle/>
+                    <a:p>
+                      <a:pPr algn="ctr" rtl="0" fontAlgn="b"/>
+                      <a:r>
+                        <a:rPr lang="en-US" sz="1100" u="none" strike="noStrike">
+                          <a:effectLst/>
+                        </a:rPr>
+                        <a:t>1</a:t>
+                      </a:r>
+                      <a:endParaRPr lang="en-US" sz="1100" b="0" i="0" u="none" strike="noStrike">
+                        <a:solidFill>
+                          <a:srgbClr val="000000"/>
+                        </a:solidFill>
+                        <a:effectLst/>
+                        <a:latin typeface="Rockwell" panose="02060603020205020403" pitchFamily="18" charset="0"/>
+                      </a:endParaRPr>
+                    </a:p>
+                  </a:txBody>
+                  <a:tcPr marL="7620" marR="7620" marT="7620" marB="0" anchor="b"/>
+                </a:tc>
+                <a:tc>
+                  <a:txBody>
+                    <a:bodyPr/>
+                    <a:lstStyle/>
+                    <a:p>
+                      <a:pPr algn="ctr" rtl="0" fontAlgn="b"/>
+                      <a:r>
+                        <a:rPr lang="en-US" sz="1100" u="none" strike="noStrike">
+                          <a:effectLst/>
+                        </a:rPr>
+                        <a:t>1</a:t>
+                      </a:r>
+                      <a:endParaRPr lang="en-US" sz="1100" b="0" i="0" u="none" strike="noStrike">
+                        <a:solidFill>
+                          <a:srgbClr val="000000"/>
+                        </a:solidFill>
+                        <a:effectLst/>
+                        <a:latin typeface="Rockwell" panose="02060603020205020403" pitchFamily="18" charset="0"/>
+                      </a:endParaRPr>
+                    </a:p>
+                  </a:txBody>
+                  <a:tcPr marL="7620" marR="7620" marT="7620" marB="0" anchor="b"/>
+                </a:tc>
+                <a:tc>
+                  <a:txBody>
+                    <a:bodyPr/>
+                    <a:lstStyle/>
+                    <a:p>
+                      <a:pPr algn="ctr" rtl="0" fontAlgn="b"/>
+                      <a:r>
+                        <a:rPr lang="en-US" sz="1100" u="none" strike="noStrike">
+                          <a:effectLst/>
+                        </a:rPr>
+                        <a:t>1</a:t>
+                      </a:r>
+                      <a:endParaRPr lang="en-US" sz="1100" b="0" i="0" u="none" strike="noStrike">
+                        <a:solidFill>
+                          <a:srgbClr val="000000"/>
+                        </a:solidFill>
+                        <a:effectLst/>
+                        <a:latin typeface="Rockwell" panose="02060603020205020403" pitchFamily="18" charset="0"/>
+                      </a:endParaRPr>
+                    </a:p>
+                  </a:txBody>
+                  <a:tcPr marL="7620" marR="7620" marT="7620" marB="0" anchor="b"/>
+                </a:tc>
+                <a:tc>
+                  <a:txBody>
+                    <a:bodyPr/>
+                    <a:lstStyle/>
+                    <a:p>
+                      <a:pPr algn="ctr" rtl="0" fontAlgn="b"/>
+                      <a:r>
+                        <a:rPr lang="en-US" sz="1100" u="none" strike="noStrike">
+                          <a:effectLst/>
+                        </a:rPr>
+                        <a:t>0</a:t>
+                      </a:r>
+                      <a:endParaRPr lang="en-US" sz="1100" b="0" i="0" u="none" strike="noStrike">
+                        <a:solidFill>
+                          <a:srgbClr val="000000"/>
+                        </a:solidFill>
+                        <a:effectLst/>
+                        <a:latin typeface="Rockwell" panose="02060603020205020403" pitchFamily="18" charset="0"/>
+                      </a:endParaRPr>
+                    </a:p>
+                  </a:txBody>
+                  <a:tcPr marL="7620" marR="7620" marT="7620" marB="0" anchor="b"/>
+                </a:tc>
+                <a:tc>
+                  <a:txBody>
+                    <a:bodyPr/>
+                    <a:lstStyle/>
+                    <a:p>
+                      <a:pPr algn="ctr" rtl="0" fontAlgn="b"/>
+                      <a:r>
+                        <a:rPr lang="en-US" sz="1100" u="none" strike="noStrike" dirty="0">
+                          <a:effectLst/>
+                        </a:rPr>
+                        <a:t>0</a:t>
+                      </a:r>
+                      <a:endParaRPr lang="en-US" sz="1100" b="0" i="0" u="none" strike="noStrike" dirty="0">
+                        <a:solidFill>
+                          <a:srgbClr val="000000"/>
+                        </a:solidFill>
+                        <a:effectLst/>
+                        <a:latin typeface="Rockwell" panose="02060603020205020403" pitchFamily="18" charset="0"/>
+                      </a:endParaRPr>
+                    </a:p>
+                  </a:txBody>
+                  <a:tcPr marL="7620" marR="7620" marT="7620" marB="0" anchor="b"/>
+                </a:tc>
+                <a:extLst>
+                  <a:ext uri="{0D108BD9-81ED-4DB2-BD59-A6C34878D82A}">
+                    <a16:rowId xmlns:a16="http://schemas.microsoft.com/office/drawing/2014/main" val="2065319259"/>
+                  </a:ext>
+                </a:extLst>
+              </a:tr>
+            </a:tbl>
+          </a:graphicData>
+        </a:graphic>
+      </p:graphicFrame>
+      <p:sp>
+        <p:nvSpPr>
+          <p:cNvPr id="7" name="Content Placeholder 2">
+            <a:extLst>
+              <a:ext uri="{FF2B5EF4-FFF2-40B4-BE49-F238E27FC236}">
+                <a16:creationId xmlns:a16="http://schemas.microsoft.com/office/drawing/2014/main" id="{DB3FDC21-33EA-49FD-98E2-29D9AABCE9E0}"/>
+              </a:ext>
+            </a:extLst>
+          </p:cNvPr>
+          <p:cNvSpPr txBox="1">
+            <a:spLocks/>
+          </p:cNvSpPr>
+          <p:nvPr/>
+        </p:nvSpPr>
+        <p:spPr>
+          <a:xfrm>
+            <a:off x="939220" y="1777842"/>
+            <a:ext cx="9973290" cy="874923"/>
+          </a:xfrm>
+          <a:prstGeom prst="rect">
+            <a:avLst/>
+          </a:prstGeom>
+        </p:spPr>
+        <p:txBody>
+          <a:bodyPr vert="horz" lIns="91440" tIns="45720" rIns="91440" bIns="45720" rtlCol="0">
+            <a:normAutofit/>
+          </a:bodyPr>
+          <a:lstStyle>
+            <a:lvl1pPr marL="182880" indent="-182880" algn="l" defTabSz="914400" rtl="0" eaLnBrk="1" latinLnBrk="0" hangingPunct="1">
+              <a:lnSpc>
+                <a:spcPct val="90000"/>
+              </a:lnSpc>
+              <a:spcBef>
+                <a:spcPts val="1200"/>
+              </a:spcBef>
+              <a:buClr>
+                <a:schemeClr val="accent1">
+                  <a:lumMod val="75000"/>
+                </a:schemeClr>
+              </a:buClr>
+              <a:buSzPct val="85000"/>
+              <a:buFont typeface="Wingdings" pitchFamily="2" charset="2"/>
+              <a:buChar char="§"/>
+              <a:defRPr sz="2000" kern="1200">
+                <a:solidFill>
+                  <a:schemeClr val="tx1"/>
+                </a:solidFill>
+                <a:latin typeface="+mn-lt"/>
+                <a:ea typeface="+mn-ea"/>
+                <a:cs typeface="+mn-cs"/>
+              </a:defRPr>
+            </a:lvl1pPr>
+            <a:lvl2pPr marL="457200" indent="-182880" algn="l" defTabSz="914400" rtl="0" eaLnBrk="1" latinLnBrk="0" hangingPunct="1">
+              <a:lnSpc>
+                <a:spcPct val="90000"/>
+              </a:lnSpc>
+              <a:spcBef>
+                <a:spcPts val="400"/>
+              </a:spcBef>
+              <a:spcAft>
+                <a:spcPts val="200"/>
+              </a:spcAft>
+              <a:buClr>
+                <a:schemeClr val="accent1">
+                  <a:lumMod val="75000"/>
+                </a:schemeClr>
+              </a:buClr>
+              <a:buSzPct val="85000"/>
+              <a:buFont typeface="Wingdings" pitchFamily="2" charset="2"/>
+              <a:buChar char="§"/>
+              <a:defRPr sz="1800" kern="1200">
+                <a:solidFill>
+                  <a:schemeClr val="tx1"/>
+                </a:solidFill>
+                <a:latin typeface="+mn-lt"/>
+                <a:ea typeface="+mn-ea"/>
+                <a:cs typeface="+mn-cs"/>
+              </a:defRPr>
+            </a:lvl2pPr>
+            <a:lvl3pPr marL="731520" indent="-182880" algn="l" defTabSz="914400" rtl="0" eaLnBrk="1" latinLnBrk="0" hangingPunct="1">
+              <a:lnSpc>
+                <a:spcPct val="90000"/>
+              </a:lnSpc>
+              <a:spcBef>
+                <a:spcPts val="400"/>
+              </a:spcBef>
+              <a:spcAft>
+                <a:spcPts val="200"/>
+              </a:spcAft>
+              <a:buClr>
+                <a:schemeClr val="accent1">
+                  <a:lumMod val="75000"/>
+                </a:schemeClr>
+              </a:buClr>
+              <a:buSzPct val="85000"/>
+              <a:buFont typeface="Wingdings" pitchFamily="2" charset="2"/>
+              <a:buChar char="§"/>
+              <a:defRPr sz="1600" kern="1200">
+                <a:solidFill>
+                  <a:schemeClr val="tx1"/>
+                </a:solidFill>
+                <a:latin typeface="+mn-lt"/>
+                <a:ea typeface="+mn-ea"/>
+                <a:cs typeface="+mn-cs"/>
+              </a:defRPr>
+            </a:lvl3pPr>
+            <a:lvl4pPr marL="1005840" indent="-182880" algn="l" defTabSz="914400" rtl="0" eaLnBrk="1" latinLnBrk="0" hangingPunct="1">
+              <a:lnSpc>
+                <a:spcPct val="90000"/>
+              </a:lnSpc>
+              <a:spcBef>
+                <a:spcPts val="400"/>
+              </a:spcBef>
+              <a:spcAft>
+                <a:spcPts val="200"/>
+              </a:spcAft>
+              <a:buClr>
+                <a:schemeClr val="accent1">
+                  <a:lumMod val="75000"/>
+                </a:schemeClr>
+              </a:buClr>
+              <a:buSzPct val="85000"/>
+              <a:buFont typeface="Wingdings" pitchFamily="2" charset="2"/>
+              <a:buChar char="§"/>
+              <a:defRPr sz="1600" kern="1200">
+                <a:solidFill>
+                  <a:schemeClr val="tx1"/>
+                </a:solidFill>
+                <a:latin typeface="+mn-lt"/>
+                <a:ea typeface="+mn-ea"/>
+                <a:cs typeface="+mn-cs"/>
+              </a:defRPr>
+            </a:lvl4pPr>
+            <a:lvl5pPr marL="1280160" indent="-182880" algn="l" defTabSz="914400" rtl="0" eaLnBrk="1" latinLnBrk="0" hangingPunct="1">
+              <a:lnSpc>
+                <a:spcPct val="90000"/>
+              </a:lnSpc>
+              <a:spcBef>
+                <a:spcPts val="400"/>
+              </a:spcBef>
+              <a:spcAft>
+                <a:spcPts val="200"/>
+              </a:spcAft>
+              <a:buClr>
+                <a:schemeClr val="accent1">
+                  <a:lumMod val="75000"/>
+                </a:schemeClr>
+              </a:buClr>
+              <a:buSzPct val="85000"/>
+              <a:buFont typeface="Wingdings" pitchFamily="2" charset="2"/>
+              <a:buChar char="§"/>
+              <a:defRPr sz="1600" kern="1200">
+                <a:solidFill>
+                  <a:schemeClr val="tx1"/>
+                </a:solidFill>
+                <a:latin typeface="+mn-lt"/>
+                <a:ea typeface="+mn-ea"/>
+                <a:cs typeface="+mn-cs"/>
+              </a:defRPr>
+            </a:lvl5pPr>
+            <a:lvl6pPr marL="1600000" indent="-228600" algn="l" defTabSz="914400" rtl="0" eaLnBrk="1" latinLnBrk="0" hangingPunct="1">
+              <a:lnSpc>
+                <a:spcPct val="90000"/>
+              </a:lnSpc>
+              <a:spcBef>
+                <a:spcPts val="400"/>
+              </a:spcBef>
+              <a:spcAft>
+                <a:spcPts val="200"/>
+              </a:spcAft>
+              <a:buClr>
+                <a:schemeClr val="accent1">
+                  <a:lumMod val="75000"/>
+                </a:schemeClr>
+              </a:buClr>
+              <a:buSzPct val="85000"/>
+              <a:buFont typeface="Wingdings" pitchFamily="2" charset="2"/>
+              <a:buChar char="§"/>
+              <a:defRPr sz="1600" kern="1200">
+                <a:solidFill>
+                  <a:schemeClr val="tx1"/>
+                </a:solidFill>
+                <a:latin typeface="+mn-lt"/>
+                <a:ea typeface="+mn-ea"/>
+                <a:cs typeface="+mn-cs"/>
+              </a:defRPr>
+            </a:lvl6pPr>
+            <a:lvl7pPr marL="1900000" indent="-228600" algn="l" defTabSz="914400" rtl="0" eaLnBrk="1" latinLnBrk="0" hangingPunct="1">
+              <a:lnSpc>
+                <a:spcPct val="90000"/>
+              </a:lnSpc>
+              <a:spcBef>
+                <a:spcPts val="400"/>
+              </a:spcBef>
+              <a:spcAft>
+                <a:spcPts val="200"/>
+              </a:spcAft>
+              <a:buClr>
+                <a:schemeClr val="accent1">
+                  <a:lumMod val="75000"/>
+                </a:schemeClr>
+              </a:buClr>
+              <a:buSzPct val="85000"/>
+              <a:buFont typeface="Wingdings" pitchFamily="2" charset="2"/>
+              <a:buChar char="§"/>
+              <a:defRPr sz="1600" kern="1200">
+                <a:solidFill>
+                  <a:schemeClr val="tx1"/>
+                </a:solidFill>
+                <a:latin typeface="+mn-lt"/>
+                <a:ea typeface="+mn-ea"/>
+                <a:cs typeface="+mn-cs"/>
+              </a:defRPr>
+            </a:lvl7pPr>
+            <a:lvl8pPr marL="2200000" indent="-228600" algn="l" defTabSz="914400" rtl="0" eaLnBrk="1" latinLnBrk="0" hangingPunct="1">
+              <a:lnSpc>
+                <a:spcPct val="90000"/>
+              </a:lnSpc>
+              <a:spcBef>
+                <a:spcPts val="400"/>
+              </a:spcBef>
+              <a:spcAft>
+                <a:spcPts val="200"/>
+              </a:spcAft>
+              <a:buClr>
+                <a:schemeClr val="accent1">
+                  <a:lumMod val="75000"/>
+                </a:schemeClr>
+              </a:buClr>
+              <a:buSzPct val="85000"/>
+              <a:buFont typeface="Wingdings" pitchFamily="2" charset="2"/>
+              <a:buChar char="§"/>
+              <a:defRPr sz="1600" kern="1200">
+                <a:solidFill>
+                  <a:schemeClr val="tx1"/>
+                </a:solidFill>
+                <a:latin typeface="+mn-lt"/>
+                <a:ea typeface="+mn-ea"/>
+                <a:cs typeface="+mn-cs"/>
+              </a:defRPr>
+            </a:lvl8pPr>
+            <a:lvl9pPr marL="2500000" indent="-228600" algn="l" defTabSz="914400" rtl="0" eaLnBrk="1" latinLnBrk="0" hangingPunct="1">
+              <a:lnSpc>
+                <a:spcPct val="90000"/>
+              </a:lnSpc>
+              <a:spcBef>
+                <a:spcPts val="400"/>
+              </a:spcBef>
+              <a:spcAft>
+                <a:spcPts val="200"/>
+              </a:spcAft>
+              <a:buClr>
+                <a:schemeClr val="accent1">
+                  <a:lumMod val="75000"/>
+                </a:schemeClr>
+              </a:buClr>
+              <a:buSzPct val="85000"/>
+              <a:buFont typeface="Wingdings" pitchFamily="2" charset="2"/>
+              <a:buChar char="§"/>
+              <a:defRPr sz="1600" kern="1200">
+                <a:solidFill>
+                  <a:schemeClr val="tx1"/>
+                </a:solidFill>
+                <a:latin typeface="+mn-lt"/>
+                <a:ea typeface="+mn-ea"/>
+                <a:cs typeface="+mn-cs"/>
+              </a:defRPr>
+            </a:lvl9pPr>
+          </a:lstStyle>
+          <a:p>
+            <a:r>
+              <a:rPr lang="en-US" dirty="0"/>
+              <a:t>Comp# - represent component </a:t>
+            </a:r>
+            <a:r>
+              <a:rPr lang="en-US" dirty="0" err="1"/>
+              <a:t>i</a:t>
+            </a:r>
+            <a:r>
+              <a:rPr lang="en-US" dirty="0"/>
+              <a:t> </a:t>
+            </a:r>
+          </a:p>
+          <a:p>
+            <a:r>
+              <a:rPr lang="en-US" dirty="0"/>
+              <a:t>Test# - represent test j which pass through comp1….n</a:t>
+            </a:r>
+          </a:p>
+          <a:p>
+            <a:pPr marL="274320" lvl="1" indent="0">
+              <a:buNone/>
+            </a:pPr>
+            <a:endParaRPr lang="en-US" dirty="0"/>
+          </a:p>
+          <a:p>
+            <a:pPr marL="274320" lvl="1" indent="0">
+              <a:buNone/>
+            </a:pPr>
+            <a:endParaRPr lang="en-US" dirty="0"/>
+          </a:p>
+        </p:txBody>
+      </p:sp>
+    </p:spTree>
+    <p:extLst>
+      <p:ext uri="{BB962C8B-B14F-4D97-AF65-F5344CB8AC3E}">
+        <p14:creationId xmlns:p14="http://schemas.microsoft.com/office/powerpoint/2010/main" val="3500133977"/>
+      </p:ext>
+    </p:extLst>
+  </p:cSld>
+  <p:clrMapOvr>
+    <a:masterClrMapping/>
+  </p:clrMapOvr>
+</p:sld>
+</file>
+
+<file path=ppt/slides/slide8.xml><?xml version="1.0" encoding="utf-8"?>
 <p:sld xmlns:a="http://schemas.openxmlformats.org/drawingml/2006/main" xmlns:r="http://schemas.openxmlformats.org/officeDocument/2006/relationships" xmlns:p="http://schemas.openxmlformats.org/presentationml/2006/main">
   <p:cSld>
     <p:spTree>
@@ -5174,190 +10069,875 @@
           <a:lstStyle/>
           <a:p>
             <a:r>
-              <a:rPr lang="en-US" dirty="0" smtClean="0"/>
-              <a:t>Project Status</a:t>
-            </a:r>
-            <a:endParaRPr lang="en-US" dirty="0"/>
+              <a:rPr lang="en-US" dirty="0"/>
+              <a:t>Test selection</a:t>
+            </a:r>
           </a:p>
         </p:txBody>
       </p:sp>
       <p:sp>
         <p:nvSpPr>
-          <p:cNvPr id="3" name="Content Placeholder 2"/>
-          <p:cNvSpPr>
-            <a:spLocks noGrp="1"/>
-          </p:cNvSpPr>
-          <p:nvPr>
-            <p:ph idx="1"/>
-          </p:nvPr>
+          <p:cNvPr id="7" name="Rectangle: Rounded Corners 6">
+            <a:extLst>
+              <a:ext uri="{FF2B5EF4-FFF2-40B4-BE49-F238E27FC236}">
+                <a16:creationId xmlns:a16="http://schemas.microsoft.com/office/drawing/2014/main" id="{BF96E85E-C3C5-4A1F-8EDE-EF894229D6C2}"/>
+              </a:ext>
+            </a:extLst>
+          </p:cNvPr>
+          <p:cNvSpPr/>
+          <p:nvPr/>
         </p:nvSpPr>
-        <p:spPr/>
+        <p:spPr>
+          <a:xfrm>
+            <a:off x="5151149" y="1850729"/>
+            <a:ext cx="1837589" cy="581252"/>
+          </a:xfrm>
+          <a:prstGeom prst="roundRect">
+            <a:avLst/>
+          </a:prstGeom>
+          <a:solidFill>
+            <a:schemeClr val="accent2">
+              <a:lumMod val="60000"/>
+              <a:lumOff val="40000"/>
+            </a:schemeClr>
+          </a:solidFill>
+        </p:spPr>
+        <p:style>
+          <a:lnRef idx="2">
+            <a:schemeClr val="accent1">
+              <a:shade val="50000"/>
+            </a:schemeClr>
+          </a:lnRef>
+          <a:fillRef idx="1">
+            <a:schemeClr val="accent1"/>
+          </a:fillRef>
+          <a:effectRef idx="0">
+            <a:schemeClr val="accent1"/>
+          </a:effectRef>
+          <a:fontRef idx="minor">
+            <a:schemeClr val="lt1"/>
+          </a:fontRef>
+        </p:style>
         <p:txBody>
-          <a:bodyPr/>
+          <a:bodyPr rtlCol="0" anchor="ctr"/>
           <a:lstStyle/>
           <a:p>
-            <a:r>
-              <a:rPr lang="en-US" dirty="0" smtClean="0"/>
-              <a:t>Done:</a:t>
-            </a:r>
-          </a:p>
-          <a:p>
-            <a:pPr lvl="1"/>
-            <a:r>
-              <a:rPr lang="en-US" dirty="0" smtClean="0"/>
-              <a:t>Data load into suitable data structures  </a:t>
-            </a:r>
-          </a:p>
-          <a:p>
-            <a:pPr lvl="1"/>
-            <a:r>
-              <a:rPr lang="en-US" dirty="0" smtClean="0">
-                <a:sym typeface="Wingdings" panose="05000000000000000000" pitchFamily="2" charset="2"/>
-              </a:rPr>
-              <a:t>Test entropy calculations implementation</a:t>
-            </a:r>
-          </a:p>
-          <a:p>
-            <a:pPr lvl="1"/>
-            <a:r>
-              <a:rPr lang="en-US" dirty="0" smtClean="0">
-                <a:sym typeface="Wingdings" panose="05000000000000000000" pitchFamily="2" charset="2"/>
-              </a:rPr>
-              <a:t>Generate planning file for SFL </a:t>
-            </a:r>
-            <a:r>
-              <a:rPr lang="en-US" dirty="0" err="1" smtClean="0">
-                <a:sym typeface="Wingdings" panose="05000000000000000000" pitchFamily="2" charset="2"/>
-              </a:rPr>
-              <a:t>diagnoser</a:t>
-            </a:r>
-            <a:endParaRPr lang="en-US" dirty="0" smtClean="0">
-              <a:sym typeface="Wingdings" panose="05000000000000000000" pitchFamily="2" charset="2"/>
-            </a:endParaRPr>
-          </a:p>
-          <a:p>
-            <a:pPr lvl="1"/>
-            <a:r>
-              <a:rPr lang="en-US" dirty="0" smtClean="0">
-                <a:sym typeface="Wingdings" panose="05000000000000000000" pitchFamily="2" charset="2"/>
-              </a:rPr>
-              <a:t>Integrate </a:t>
-            </a:r>
-            <a:r>
-              <a:rPr lang="en-US" dirty="0">
-                <a:sym typeface="Wingdings" panose="05000000000000000000" pitchFamily="2" charset="2"/>
-              </a:rPr>
-              <a:t>SFL </a:t>
-            </a:r>
-            <a:r>
-              <a:rPr lang="en-US" dirty="0" err="1" smtClean="0">
-                <a:sym typeface="Wingdings" panose="05000000000000000000" pitchFamily="2" charset="2"/>
-              </a:rPr>
-              <a:t>diagnoser</a:t>
-            </a:r>
-            <a:r>
-              <a:rPr lang="en-US" dirty="0" smtClean="0">
-                <a:sym typeface="Wingdings" panose="05000000000000000000" pitchFamily="2" charset="2"/>
-              </a:rPr>
-              <a:t> and get updated priors</a:t>
-            </a:r>
-          </a:p>
-          <a:p>
-            <a:pPr lvl="1"/>
-            <a:endParaRPr lang="en-US" dirty="0">
-              <a:sym typeface="Wingdings" panose="05000000000000000000" pitchFamily="2" charset="2"/>
-            </a:endParaRPr>
-          </a:p>
-          <a:p>
-            <a:r>
-              <a:rPr lang="en-US" dirty="0" smtClean="0"/>
-              <a:t>To be Done</a:t>
-            </a:r>
+            <a:pPr algn="ctr"/>
+            <a:r>
+              <a:rPr lang="en-US" sz="1200" dirty="0"/>
+              <a:t>Calculate components general entropy (priors)</a:t>
+            </a:r>
+          </a:p>
+        </p:txBody>
+      </p:sp>
+      <p:sp>
+        <p:nvSpPr>
+          <p:cNvPr id="8" name="Rectangle: Rounded Corners 7">
+            <a:extLst>
+              <a:ext uri="{FF2B5EF4-FFF2-40B4-BE49-F238E27FC236}">
+                <a16:creationId xmlns:a16="http://schemas.microsoft.com/office/drawing/2014/main" id="{40A8D94A-F67E-423B-A732-34895DC0E6AD}"/>
+              </a:ext>
+            </a:extLst>
+          </p:cNvPr>
+          <p:cNvSpPr/>
+          <p:nvPr/>
+        </p:nvSpPr>
+        <p:spPr>
+          <a:xfrm>
+            <a:off x="1847840" y="2771687"/>
+            <a:ext cx="1612999" cy="500108"/>
+          </a:xfrm>
+          <a:prstGeom prst="roundRect">
+            <a:avLst/>
+          </a:prstGeom>
+        </p:spPr>
+        <p:style>
+          <a:lnRef idx="2">
+            <a:schemeClr val="accent1">
+              <a:shade val="50000"/>
+            </a:schemeClr>
+          </a:lnRef>
+          <a:fillRef idx="1">
+            <a:schemeClr val="accent1"/>
+          </a:fillRef>
+          <a:effectRef idx="0">
+            <a:schemeClr val="accent1"/>
+          </a:effectRef>
+          <a:fontRef idx="minor">
+            <a:schemeClr val="lt1"/>
+          </a:fontRef>
+        </p:style>
+        <p:txBody>
+          <a:bodyPr rtlCol="0" anchor="ctr"/>
+          <a:lstStyle/>
+          <a:p>
+            <a:pPr algn="ctr"/>
+            <a:r>
+              <a:rPr lang="en-US" sz="1200" dirty="0"/>
+              <a:t>Calculate test joint success probability</a:t>
+            </a:r>
+          </a:p>
+        </p:txBody>
+      </p:sp>
+      <p:sp>
+        <p:nvSpPr>
+          <p:cNvPr id="9" name="Rectangle: Rounded Corners 8">
+            <a:extLst>
+              <a:ext uri="{FF2B5EF4-FFF2-40B4-BE49-F238E27FC236}">
+                <a16:creationId xmlns:a16="http://schemas.microsoft.com/office/drawing/2014/main" id="{780D1484-EB9F-460D-9013-9746E5C9D52D}"/>
+              </a:ext>
+            </a:extLst>
+          </p:cNvPr>
+          <p:cNvSpPr/>
+          <p:nvPr/>
+        </p:nvSpPr>
+        <p:spPr>
+          <a:xfrm>
+            <a:off x="6350141" y="2768728"/>
+            <a:ext cx="1612999" cy="500108"/>
+          </a:xfrm>
+          <a:prstGeom prst="roundRect">
+            <a:avLst/>
+          </a:prstGeom>
+        </p:spPr>
+        <p:style>
+          <a:lnRef idx="2">
+            <a:schemeClr val="accent1">
+              <a:shade val="50000"/>
+            </a:schemeClr>
+          </a:lnRef>
+          <a:fillRef idx="1">
+            <a:schemeClr val="accent1"/>
+          </a:fillRef>
+          <a:effectRef idx="0">
+            <a:schemeClr val="accent1"/>
+          </a:effectRef>
+          <a:fontRef idx="minor">
+            <a:schemeClr val="lt1"/>
+          </a:fontRef>
+        </p:style>
+        <p:txBody>
+          <a:bodyPr rtlCol="0" anchor="ctr"/>
+          <a:lstStyle/>
+          <a:p>
+            <a:pPr algn="ctr"/>
+            <a:r>
+              <a:rPr lang="en-US" sz="1200" dirty="0"/>
+              <a:t>Calculate test joint failure probability</a:t>
+            </a:r>
+          </a:p>
+        </p:txBody>
+      </p:sp>
+      <p:sp>
+        <p:nvSpPr>
+          <p:cNvPr id="10" name="Rectangle: Rounded Corners 9">
+            <a:extLst>
+              <a:ext uri="{FF2B5EF4-FFF2-40B4-BE49-F238E27FC236}">
+                <a16:creationId xmlns:a16="http://schemas.microsoft.com/office/drawing/2014/main" id="{B0706A20-D74C-4096-8123-1074C3459771}"/>
+              </a:ext>
+            </a:extLst>
+          </p:cNvPr>
+          <p:cNvSpPr/>
+          <p:nvPr/>
+        </p:nvSpPr>
+        <p:spPr>
+          <a:xfrm>
+            <a:off x="4095347" y="2768728"/>
+            <a:ext cx="1612999" cy="500108"/>
+          </a:xfrm>
+          <a:prstGeom prst="roundRect">
+            <a:avLst/>
+          </a:prstGeom>
+        </p:spPr>
+        <p:style>
+          <a:lnRef idx="2">
+            <a:schemeClr val="accent1">
+              <a:shade val="50000"/>
+            </a:schemeClr>
+          </a:lnRef>
+          <a:fillRef idx="1">
+            <a:schemeClr val="accent1"/>
+          </a:fillRef>
+          <a:effectRef idx="0">
+            <a:schemeClr val="accent1"/>
+          </a:effectRef>
+          <a:fontRef idx="minor">
+            <a:schemeClr val="lt1"/>
+          </a:fontRef>
+        </p:style>
+        <p:txBody>
+          <a:bodyPr rtlCol="0" anchor="ctr"/>
+          <a:lstStyle/>
+          <a:p>
+            <a:pPr algn="ctr"/>
+            <a:r>
+              <a:rPr lang="en-US" sz="1200" dirty="0"/>
+              <a:t>Calculate test success entropy</a:t>
+            </a:r>
+          </a:p>
+        </p:txBody>
+      </p:sp>
+      <p:sp>
+        <p:nvSpPr>
+          <p:cNvPr id="11" name="Rectangle: Rounded Corners 10">
+            <a:extLst>
+              <a:ext uri="{FF2B5EF4-FFF2-40B4-BE49-F238E27FC236}">
+                <a16:creationId xmlns:a16="http://schemas.microsoft.com/office/drawing/2014/main" id="{F4AB5285-96E2-417F-93C6-0651F49A4FD1}"/>
+              </a:ext>
+            </a:extLst>
+          </p:cNvPr>
+          <p:cNvSpPr/>
+          <p:nvPr/>
+        </p:nvSpPr>
+        <p:spPr>
+          <a:xfrm>
+            <a:off x="8604935" y="2771687"/>
+            <a:ext cx="1612999" cy="500108"/>
+          </a:xfrm>
+          <a:prstGeom prst="roundRect">
+            <a:avLst/>
+          </a:prstGeom>
+        </p:spPr>
+        <p:style>
+          <a:lnRef idx="2">
+            <a:schemeClr val="accent1">
+              <a:shade val="50000"/>
+            </a:schemeClr>
+          </a:lnRef>
+          <a:fillRef idx="1">
+            <a:schemeClr val="accent1"/>
+          </a:fillRef>
+          <a:effectRef idx="0">
+            <a:schemeClr val="accent1"/>
+          </a:effectRef>
+          <a:fontRef idx="minor">
+            <a:schemeClr val="lt1"/>
+          </a:fontRef>
+        </p:style>
+        <p:txBody>
+          <a:bodyPr rtlCol="0" anchor="ctr"/>
+          <a:lstStyle/>
+          <a:p>
+            <a:pPr algn="ctr"/>
+            <a:r>
+              <a:rPr lang="en-US" sz="1200" dirty="0"/>
+              <a:t>Calculate test </a:t>
+            </a:r>
+          </a:p>
+          <a:p>
+            <a:pPr algn="ctr"/>
+            <a:r>
+              <a:rPr lang="en-US" sz="1200" dirty="0"/>
+              <a:t>failure entropy</a:t>
+            </a:r>
+          </a:p>
+        </p:txBody>
+      </p:sp>
+      <p:sp>
+        <p:nvSpPr>
+          <p:cNvPr id="13" name="TextBox 12">
+            <a:extLst>
+              <a:ext uri="{FF2B5EF4-FFF2-40B4-BE49-F238E27FC236}">
+                <a16:creationId xmlns:a16="http://schemas.microsoft.com/office/drawing/2014/main" id="{9228FE70-810C-4BF7-A94E-56AC82D37C65}"/>
+              </a:ext>
+            </a:extLst>
+          </p:cNvPr>
+          <p:cNvSpPr txBox="1"/>
+          <p:nvPr/>
+        </p:nvSpPr>
+        <p:spPr>
+          <a:xfrm>
+            <a:off x="73162" y="2834116"/>
+            <a:ext cx="1634579" cy="369332"/>
+          </a:xfrm>
+          <a:prstGeom prst="rect">
+            <a:avLst/>
+          </a:prstGeom>
+          <a:noFill/>
+        </p:spPr>
+        <p:txBody>
+          <a:bodyPr wrap="square" rtlCol="0">
+            <a:spAutoFit/>
+          </a:bodyPr>
+          <a:lstStyle/>
+          <a:p>
             <a:r>
               <a:rPr lang="en-US" dirty="0"/>
-              <a:t>:</a:t>
-            </a:r>
-          </a:p>
-          <a:p>
-            <a:pPr lvl="1"/>
-            <a:r>
-              <a:rPr lang="en-US" dirty="0" smtClean="0"/>
-              <a:t>Verify correctness &amp; test main iteration</a:t>
-            </a:r>
-          </a:p>
-          <a:p>
-            <a:pPr lvl="1"/>
-            <a:r>
-              <a:rPr lang="en-US" dirty="0" smtClean="0">
-                <a:sym typeface="Wingdings" panose="05000000000000000000" pitchFamily="2" charset="2"/>
-              </a:rPr>
-              <a:t>Calculate chosen test </a:t>
-            </a:r>
-            <a:r>
-              <a:rPr lang="en-US" dirty="0" smtClean="0">
-                <a:sym typeface="Wingdings" panose="05000000000000000000" pitchFamily="2" charset="2"/>
-              </a:rPr>
-              <a:t>failures metric.</a:t>
-            </a:r>
-            <a:endParaRPr lang="en-US" dirty="0" smtClean="0">
-              <a:sym typeface="Wingdings" panose="05000000000000000000" pitchFamily="2" charset="2"/>
-            </a:endParaRPr>
-          </a:p>
-          <a:p>
-            <a:pPr lvl="1"/>
-            <a:r>
-              <a:rPr lang="en-US" dirty="0" smtClean="0">
-                <a:sym typeface="Wingdings" panose="05000000000000000000" pitchFamily="2" charset="2"/>
-              </a:rPr>
-              <a:t>Compare </a:t>
-            </a:r>
-            <a:r>
-              <a:rPr lang="en-US" dirty="0">
-                <a:sym typeface="Wingdings" panose="05000000000000000000" pitchFamily="2" charset="2"/>
-              </a:rPr>
-              <a:t>chosen </a:t>
-            </a:r>
-            <a:r>
-              <a:rPr lang="en-US" dirty="0" smtClean="0">
-                <a:sym typeface="Wingdings" panose="05000000000000000000" pitchFamily="2" charset="2"/>
-              </a:rPr>
-              <a:t>tests execution outcomes </a:t>
-            </a:r>
-            <a:r>
-              <a:rPr lang="en-US" dirty="0" smtClean="0">
-                <a:sym typeface="Wingdings" panose="05000000000000000000" pitchFamily="2" charset="2"/>
-              </a:rPr>
-              <a:t>Vs. </a:t>
-            </a:r>
-            <a:r>
-              <a:rPr lang="en-US" dirty="0" smtClean="0">
-                <a:sym typeface="Wingdings" panose="05000000000000000000" pitchFamily="2" charset="2"/>
-              </a:rPr>
-              <a:t>Top </a:t>
-            </a:r>
-            <a:r>
-              <a:rPr lang="en-US" dirty="0" smtClean="0">
-                <a:sym typeface="Wingdings" panose="05000000000000000000" pitchFamily="2" charset="2"/>
-              </a:rPr>
-              <a:t>n </a:t>
-            </a:r>
-            <a:r>
-              <a:rPr lang="en-US" dirty="0" smtClean="0">
-                <a:sym typeface="Wingdings" panose="05000000000000000000" pitchFamily="2" charset="2"/>
-              </a:rPr>
-              <a:t>tests with failure </a:t>
-            </a:r>
-            <a:r>
-              <a:rPr lang="en-US" dirty="0">
-                <a:sym typeface="Wingdings" panose="05000000000000000000" pitchFamily="2" charset="2"/>
-              </a:rPr>
-              <a:t>highest </a:t>
-            </a:r>
-            <a:r>
-              <a:rPr lang="en-US" dirty="0" smtClean="0">
-                <a:sym typeface="Wingdings" panose="05000000000000000000" pitchFamily="2" charset="2"/>
-              </a:rPr>
-              <a:t>probability</a:t>
+              <a:t>For each test</a:t>
+            </a:r>
+          </a:p>
+        </p:txBody>
+      </p:sp>
+      <p:cxnSp>
+        <p:nvCxnSpPr>
+          <p:cNvPr id="15" name="Straight Arrow Connector 14">
+            <a:extLst>
+              <a:ext uri="{FF2B5EF4-FFF2-40B4-BE49-F238E27FC236}">
+                <a16:creationId xmlns:a16="http://schemas.microsoft.com/office/drawing/2014/main" id="{DF10DF84-A7E3-498F-AF43-C1C937E8C649}"/>
+              </a:ext>
+            </a:extLst>
+          </p:cNvPr>
+          <p:cNvCxnSpPr>
+            <a:cxnSpLocks/>
+            <a:stCxn id="8" idx="2"/>
+            <a:endCxn id="26" idx="1"/>
+          </p:cNvCxnSpPr>
+          <p:nvPr/>
+        </p:nvCxnSpPr>
+        <p:spPr>
+          <a:xfrm>
+            <a:off x="2654340" y="3271795"/>
+            <a:ext cx="2496809" cy="780378"/>
+          </a:xfrm>
+          <a:prstGeom prst="straightConnector1">
+            <a:avLst/>
+          </a:prstGeom>
+          <a:ln>
+            <a:tailEnd type="triangle"/>
+          </a:ln>
+        </p:spPr>
+        <p:style>
+          <a:lnRef idx="1">
+            <a:schemeClr val="accent1"/>
+          </a:lnRef>
+          <a:fillRef idx="0">
+            <a:schemeClr val="accent1"/>
+          </a:fillRef>
+          <a:effectRef idx="0">
+            <a:schemeClr val="accent1"/>
+          </a:effectRef>
+          <a:fontRef idx="minor">
+            <a:schemeClr val="tx1"/>
+          </a:fontRef>
+        </p:style>
+      </p:cxnSp>
+      <p:cxnSp>
+        <p:nvCxnSpPr>
+          <p:cNvPr id="17" name="Straight Arrow Connector 16">
+            <a:extLst>
+              <a:ext uri="{FF2B5EF4-FFF2-40B4-BE49-F238E27FC236}">
+                <a16:creationId xmlns:a16="http://schemas.microsoft.com/office/drawing/2014/main" id="{CC531552-CE9E-4C90-BA15-FC7B83DC4875}"/>
+              </a:ext>
+            </a:extLst>
+          </p:cNvPr>
+          <p:cNvCxnSpPr>
+            <a:cxnSpLocks/>
+            <a:stCxn id="10" idx="2"/>
+            <a:endCxn id="26" idx="0"/>
+          </p:cNvCxnSpPr>
+          <p:nvPr/>
+        </p:nvCxnSpPr>
+        <p:spPr>
+          <a:xfrm>
+            <a:off x="4901847" y="3268836"/>
+            <a:ext cx="1168097" cy="492711"/>
+          </a:xfrm>
+          <a:prstGeom prst="straightConnector1">
+            <a:avLst/>
+          </a:prstGeom>
+          <a:ln>
+            <a:tailEnd type="triangle"/>
+          </a:ln>
+        </p:spPr>
+        <p:style>
+          <a:lnRef idx="1">
+            <a:schemeClr val="accent1"/>
+          </a:lnRef>
+          <a:fillRef idx="0">
+            <a:schemeClr val="accent1"/>
+          </a:fillRef>
+          <a:effectRef idx="0">
+            <a:schemeClr val="accent1"/>
+          </a:effectRef>
+          <a:fontRef idx="minor">
+            <a:schemeClr val="tx1"/>
+          </a:fontRef>
+        </p:style>
+      </p:cxnSp>
+      <p:cxnSp>
+        <p:nvCxnSpPr>
+          <p:cNvPr id="20" name="Straight Arrow Connector 19">
+            <a:extLst>
+              <a:ext uri="{FF2B5EF4-FFF2-40B4-BE49-F238E27FC236}">
+                <a16:creationId xmlns:a16="http://schemas.microsoft.com/office/drawing/2014/main" id="{5417DB97-16C2-44D1-92C7-B3505CDD9A16}"/>
+              </a:ext>
+            </a:extLst>
+          </p:cNvPr>
+          <p:cNvCxnSpPr>
+            <a:cxnSpLocks/>
+            <a:stCxn id="9" idx="2"/>
+            <a:endCxn id="26" idx="0"/>
+          </p:cNvCxnSpPr>
+          <p:nvPr/>
+        </p:nvCxnSpPr>
+        <p:spPr>
+          <a:xfrm flipH="1">
+            <a:off x="6069944" y="3268836"/>
+            <a:ext cx="1086697" cy="492711"/>
+          </a:xfrm>
+          <a:prstGeom prst="straightConnector1">
+            <a:avLst/>
+          </a:prstGeom>
+          <a:ln>
+            <a:tailEnd type="triangle"/>
+          </a:ln>
+        </p:spPr>
+        <p:style>
+          <a:lnRef idx="1">
+            <a:schemeClr val="accent1"/>
+          </a:lnRef>
+          <a:fillRef idx="0">
+            <a:schemeClr val="accent1"/>
+          </a:fillRef>
+          <a:effectRef idx="0">
+            <a:schemeClr val="accent1"/>
+          </a:effectRef>
+          <a:fontRef idx="minor">
+            <a:schemeClr val="tx1"/>
+          </a:fontRef>
+        </p:style>
+      </p:cxnSp>
+      <p:cxnSp>
+        <p:nvCxnSpPr>
+          <p:cNvPr id="23" name="Straight Arrow Connector 22">
+            <a:extLst>
+              <a:ext uri="{FF2B5EF4-FFF2-40B4-BE49-F238E27FC236}">
+                <a16:creationId xmlns:a16="http://schemas.microsoft.com/office/drawing/2014/main" id="{77ADE5B4-B020-4EE3-8768-B91FC70531FA}"/>
+              </a:ext>
+            </a:extLst>
+          </p:cNvPr>
+          <p:cNvCxnSpPr>
+            <a:cxnSpLocks/>
+            <a:endCxn id="26" idx="3"/>
+          </p:cNvCxnSpPr>
+          <p:nvPr/>
+        </p:nvCxnSpPr>
+        <p:spPr>
+          <a:xfrm flipH="1">
+            <a:off x="6988738" y="3256998"/>
+            <a:ext cx="2198772" cy="795175"/>
+          </a:xfrm>
+          <a:prstGeom prst="straightConnector1">
+            <a:avLst/>
+          </a:prstGeom>
+          <a:ln>
+            <a:tailEnd type="triangle"/>
+          </a:ln>
+        </p:spPr>
+        <p:style>
+          <a:lnRef idx="1">
+            <a:schemeClr val="accent1"/>
+          </a:lnRef>
+          <a:fillRef idx="0">
+            <a:schemeClr val="accent1"/>
+          </a:fillRef>
+          <a:effectRef idx="0">
+            <a:schemeClr val="accent1"/>
+          </a:effectRef>
+          <a:fontRef idx="minor">
+            <a:schemeClr val="tx1"/>
+          </a:fontRef>
+        </p:style>
+      </p:cxnSp>
+      <p:sp>
+        <p:nvSpPr>
+          <p:cNvPr id="26" name="Rectangle: Rounded Corners 25">
+            <a:extLst>
+              <a:ext uri="{FF2B5EF4-FFF2-40B4-BE49-F238E27FC236}">
+                <a16:creationId xmlns:a16="http://schemas.microsoft.com/office/drawing/2014/main" id="{2ABF2706-1B2E-453B-B3AE-0DBC12F1E3D4}"/>
+              </a:ext>
+            </a:extLst>
+          </p:cNvPr>
+          <p:cNvSpPr/>
+          <p:nvPr/>
+        </p:nvSpPr>
+        <p:spPr>
+          <a:xfrm>
+            <a:off x="5151149" y="3761547"/>
+            <a:ext cx="1837589" cy="581252"/>
+          </a:xfrm>
+          <a:prstGeom prst="roundRect">
+            <a:avLst/>
+          </a:prstGeom>
+          <a:solidFill>
+            <a:schemeClr val="accent2">
+              <a:lumMod val="60000"/>
+              <a:lumOff val="40000"/>
+            </a:schemeClr>
+          </a:solidFill>
+        </p:spPr>
+        <p:style>
+          <a:lnRef idx="2">
+            <a:schemeClr val="accent1">
+              <a:shade val="50000"/>
+            </a:schemeClr>
+          </a:lnRef>
+          <a:fillRef idx="1">
+            <a:schemeClr val="accent1"/>
+          </a:fillRef>
+          <a:effectRef idx="0">
+            <a:schemeClr val="accent1"/>
+          </a:effectRef>
+          <a:fontRef idx="minor">
+            <a:schemeClr val="lt1"/>
+          </a:fontRef>
+        </p:style>
+        <p:txBody>
+          <a:bodyPr rtlCol="0" anchor="ctr"/>
+          <a:lstStyle/>
+          <a:p>
+            <a:pPr algn="ctr"/>
+            <a:r>
+              <a:rPr lang="en-US" sz="1200" dirty="0"/>
+              <a:t>Test simulated entropy</a:t>
+            </a:r>
+          </a:p>
+        </p:txBody>
+      </p:sp>
+      <p:sp>
+        <p:nvSpPr>
+          <p:cNvPr id="32" name="Rectangle: Rounded Corners 31">
+            <a:extLst>
+              <a:ext uri="{FF2B5EF4-FFF2-40B4-BE49-F238E27FC236}">
+                <a16:creationId xmlns:a16="http://schemas.microsoft.com/office/drawing/2014/main" id="{4EB0BBD1-CB88-4FEE-8309-5C34E0B476F3}"/>
+              </a:ext>
+            </a:extLst>
+          </p:cNvPr>
+          <p:cNvSpPr/>
+          <p:nvPr/>
+        </p:nvSpPr>
+        <p:spPr>
+          <a:xfrm>
+            <a:off x="5066988" y="4796363"/>
+            <a:ext cx="2005909" cy="581252"/>
+          </a:xfrm>
+          <a:prstGeom prst="roundRect">
+            <a:avLst/>
+          </a:prstGeom>
+          <a:solidFill>
+            <a:schemeClr val="accent2">
+              <a:lumMod val="75000"/>
+            </a:schemeClr>
+          </a:solidFill>
+        </p:spPr>
+        <p:style>
+          <a:lnRef idx="2">
+            <a:schemeClr val="accent1">
+              <a:shade val="50000"/>
+            </a:schemeClr>
+          </a:lnRef>
+          <a:fillRef idx="1">
+            <a:schemeClr val="accent1"/>
+          </a:fillRef>
+          <a:effectRef idx="0">
+            <a:schemeClr val="accent1"/>
+          </a:effectRef>
+          <a:fontRef idx="minor">
+            <a:schemeClr val="lt1"/>
+          </a:fontRef>
+        </p:style>
+        <p:txBody>
+          <a:bodyPr rtlCol="0" anchor="ctr"/>
+          <a:lstStyle/>
+          <a:p>
+            <a:pPr algn="ctr"/>
+            <a:r>
+              <a:rPr lang="en-US" sz="1200" dirty="0"/>
+              <a:t>Choose test with highest Information Gain</a:t>
+            </a:r>
+          </a:p>
+        </p:txBody>
+      </p:sp>
+      <p:cxnSp>
+        <p:nvCxnSpPr>
+          <p:cNvPr id="33" name="Straight Arrow Connector 32">
+            <a:extLst>
+              <a:ext uri="{FF2B5EF4-FFF2-40B4-BE49-F238E27FC236}">
+                <a16:creationId xmlns:a16="http://schemas.microsoft.com/office/drawing/2014/main" id="{D7A3685D-37F1-400E-9286-250878D232B6}"/>
+              </a:ext>
+            </a:extLst>
+          </p:cNvPr>
+          <p:cNvCxnSpPr>
+            <a:cxnSpLocks/>
+            <a:stCxn id="26" idx="2"/>
+            <a:endCxn id="32" idx="0"/>
+          </p:cNvCxnSpPr>
+          <p:nvPr/>
+        </p:nvCxnSpPr>
+        <p:spPr>
+          <a:xfrm flipH="1">
+            <a:off x="6069943" y="4342799"/>
+            <a:ext cx="1" cy="453564"/>
+          </a:xfrm>
+          <a:prstGeom prst="straightConnector1">
+            <a:avLst/>
+          </a:prstGeom>
+          <a:ln>
+            <a:tailEnd type="triangle"/>
+          </a:ln>
+        </p:spPr>
+        <p:style>
+          <a:lnRef idx="1">
+            <a:schemeClr val="accent1"/>
+          </a:lnRef>
+          <a:fillRef idx="0">
+            <a:schemeClr val="accent1"/>
+          </a:fillRef>
+          <a:effectRef idx="0">
+            <a:schemeClr val="accent1"/>
+          </a:effectRef>
+          <a:fontRef idx="minor">
+            <a:schemeClr val="tx1"/>
+          </a:fontRef>
+        </p:style>
+      </p:cxnSp>
+      <p:sp>
+        <p:nvSpPr>
+          <p:cNvPr id="38" name="Rectangle: Rounded Corners 37">
+            <a:extLst>
+              <a:ext uri="{FF2B5EF4-FFF2-40B4-BE49-F238E27FC236}">
+                <a16:creationId xmlns:a16="http://schemas.microsoft.com/office/drawing/2014/main" id="{67A5476F-0FC8-46EC-B4E2-694029194104}"/>
+              </a:ext>
+            </a:extLst>
+          </p:cNvPr>
+          <p:cNvSpPr/>
+          <p:nvPr/>
+        </p:nvSpPr>
+        <p:spPr>
+          <a:xfrm>
+            <a:off x="5066986" y="5668241"/>
+            <a:ext cx="2005909" cy="581252"/>
+          </a:xfrm>
+          <a:prstGeom prst="roundRect">
+            <a:avLst/>
+          </a:prstGeom>
+          <a:solidFill>
+            <a:schemeClr val="accent2">
+              <a:lumMod val="75000"/>
+            </a:schemeClr>
+          </a:solidFill>
+        </p:spPr>
+        <p:style>
+          <a:lnRef idx="2">
+            <a:schemeClr val="accent1">
+              <a:shade val="50000"/>
+            </a:schemeClr>
+          </a:lnRef>
+          <a:fillRef idx="1">
+            <a:schemeClr val="accent1"/>
+          </a:fillRef>
+          <a:effectRef idx="0">
+            <a:schemeClr val="accent1"/>
+          </a:effectRef>
+          <a:fontRef idx="minor">
+            <a:schemeClr val="lt1"/>
+          </a:fontRef>
+        </p:style>
+        <p:txBody>
+          <a:bodyPr rtlCol="0" anchor="ctr"/>
+          <a:lstStyle/>
+          <a:p>
+            <a:pPr algn="ctr"/>
+            <a:r>
+              <a:rPr lang="en-US" sz="1200" dirty="0"/>
+              <a:t>Run the chosen test and update its components new failure priors </a:t>
+            </a:r>
+          </a:p>
+        </p:txBody>
+      </p:sp>
+      <p:cxnSp>
+        <p:nvCxnSpPr>
+          <p:cNvPr id="39" name="Straight Arrow Connector 38">
+            <a:extLst>
+              <a:ext uri="{FF2B5EF4-FFF2-40B4-BE49-F238E27FC236}">
+                <a16:creationId xmlns:a16="http://schemas.microsoft.com/office/drawing/2014/main" id="{39D2129C-EB73-424F-AE40-D795428495C9}"/>
+              </a:ext>
+            </a:extLst>
+          </p:cNvPr>
+          <p:cNvCxnSpPr>
+            <a:cxnSpLocks/>
+            <a:endCxn id="38" idx="0"/>
+          </p:cNvCxnSpPr>
+          <p:nvPr/>
+        </p:nvCxnSpPr>
+        <p:spPr>
+          <a:xfrm flipH="1">
+            <a:off x="6069941" y="5377615"/>
+            <a:ext cx="2" cy="290626"/>
+          </a:xfrm>
+          <a:prstGeom prst="straightConnector1">
+            <a:avLst/>
+          </a:prstGeom>
+          <a:ln>
+            <a:tailEnd type="triangle"/>
+          </a:ln>
+        </p:spPr>
+        <p:style>
+          <a:lnRef idx="1">
+            <a:schemeClr val="accent1"/>
+          </a:lnRef>
+          <a:fillRef idx="0">
+            <a:schemeClr val="accent1"/>
+          </a:fillRef>
+          <a:effectRef idx="0">
+            <a:schemeClr val="accent1"/>
+          </a:effectRef>
+          <a:fontRef idx="minor">
+            <a:schemeClr val="tx1"/>
+          </a:fontRef>
+        </p:style>
+      </p:cxnSp>
+      <p:cxnSp>
+        <p:nvCxnSpPr>
+          <p:cNvPr id="41" name="Connector: Curved 40">
+            <a:extLst>
+              <a:ext uri="{FF2B5EF4-FFF2-40B4-BE49-F238E27FC236}">
+                <a16:creationId xmlns:a16="http://schemas.microsoft.com/office/drawing/2014/main" id="{DF1DF76C-52DD-461A-BA71-71E2632BE4D3}"/>
+              </a:ext>
+            </a:extLst>
+          </p:cNvPr>
+          <p:cNvCxnSpPr>
+            <a:cxnSpLocks/>
+            <a:stCxn id="38" idx="1"/>
+          </p:cNvCxnSpPr>
+          <p:nvPr/>
+        </p:nvCxnSpPr>
+        <p:spPr>
+          <a:xfrm rot="10800000">
+            <a:off x="675924" y="3226853"/>
+            <a:ext cx="4391063" cy="2732014"/>
+          </a:xfrm>
+          <a:prstGeom prst="curvedConnector3">
+            <a:avLst>
+              <a:gd name="adj1" fmla="val 100573"/>
+            </a:avLst>
+          </a:prstGeom>
+          <a:ln>
+            <a:tailEnd type="triangle"/>
+          </a:ln>
+        </p:spPr>
+        <p:style>
+          <a:lnRef idx="1">
+            <a:schemeClr val="accent1"/>
+          </a:lnRef>
+          <a:fillRef idx="0">
+            <a:schemeClr val="accent1"/>
+          </a:fillRef>
+          <a:effectRef idx="0">
+            <a:schemeClr val="accent1"/>
+          </a:effectRef>
+          <a:fontRef idx="minor">
+            <a:schemeClr val="tx1"/>
+          </a:fontRef>
+        </p:style>
+      </p:cxnSp>
+      <p:sp>
+        <p:nvSpPr>
+          <p:cNvPr id="52" name="TextBox 51">
+            <a:extLst>
+              <a:ext uri="{FF2B5EF4-FFF2-40B4-BE49-F238E27FC236}">
+                <a16:creationId xmlns:a16="http://schemas.microsoft.com/office/drawing/2014/main" id="{32A8553A-1F12-46BE-8280-BB6E643CCC34}"/>
+              </a:ext>
+            </a:extLst>
+          </p:cNvPr>
+          <p:cNvSpPr txBox="1"/>
+          <p:nvPr/>
+        </p:nvSpPr>
+        <p:spPr>
+          <a:xfrm>
+            <a:off x="675923" y="5908649"/>
+            <a:ext cx="4661276" cy="307777"/>
+          </a:xfrm>
+          <a:prstGeom prst="rect">
+            <a:avLst/>
+          </a:prstGeom>
+          <a:noFill/>
+        </p:spPr>
+        <p:txBody>
+          <a:bodyPr wrap="square" rtlCol="0">
+            <a:spAutoFit/>
+          </a:bodyPr>
+          <a:lstStyle/>
+          <a:p>
+            <a:r>
+              <a:rPr lang="en-US" sz="1400" dirty="0"/>
+              <a:t>Continue to the next test that maximizes the IG</a:t>
+            </a:r>
+          </a:p>
+        </p:txBody>
+      </p:sp>
+      <p:cxnSp>
+        <p:nvCxnSpPr>
+          <p:cNvPr id="55" name="Straight Arrow Connector 54">
+            <a:extLst>
+              <a:ext uri="{FF2B5EF4-FFF2-40B4-BE49-F238E27FC236}">
+                <a16:creationId xmlns:a16="http://schemas.microsoft.com/office/drawing/2014/main" id="{7A5B661B-833A-4391-9B0F-E42082FB21D5}"/>
+              </a:ext>
+            </a:extLst>
+          </p:cNvPr>
+          <p:cNvCxnSpPr>
+            <a:cxnSpLocks/>
+          </p:cNvCxnSpPr>
+          <p:nvPr/>
+        </p:nvCxnSpPr>
+        <p:spPr>
+          <a:xfrm>
+            <a:off x="10746411" y="1839067"/>
+            <a:ext cx="0" cy="4069582"/>
+          </a:xfrm>
+          <a:prstGeom prst="straightConnector1">
+            <a:avLst/>
+          </a:prstGeom>
+          <a:ln w="15875">
+            <a:tailEnd type="triangle"/>
+          </a:ln>
+        </p:spPr>
+        <p:style>
+          <a:lnRef idx="1">
+            <a:schemeClr val="accent1"/>
+          </a:lnRef>
+          <a:fillRef idx="0">
+            <a:schemeClr val="accent1"/>
+          </a:fillRef>
+          <a:effectRef idx="0">
+            <a:schemeClr val="accent1"/>
+          </a:effectRef>
+          <a:fontRef idx="minor">
+            <a:schemeClr val="tx1"/>
+          </a:fontRef>
+        </p:style>
+      </p:cxnSp>
+      <p:sp>
+        <p:nvSpPr>
+          <p:cNvPr id="59" name="TextBox 58">
+            <a:extLst>
+              <a:ext uri="{FF2B5EF4-FFF2-40B4-BE49-F238E27FC236}">
+                <a16:creationId xmlns:a16="http://schemas.microsoft.com/office/drawing/2014/main" id="{FFC9F7DF-4ED3-4A91-8AAE-5CDD112DA0BE}"/>
+              </a:ext>
+            </a:extLst>
+          </p:cNvPr>
+          <p:cNvSpPr txBox="1"/>
+          <p:nvPr/>
+        </p:nvSpPr>
+        <p:spPr>
+          <a:xfrm>
+            <a:off x="10379947" y="5888747"/>
+            <a:ext cx="893092" cy="369332"/>
+          </a:xfrm>
+          <a:prstGeom prst="rect">
+            <a:avLst/>
+          </a:prstGeom>
+          <a:noFill/>
+        </p:spPr>
+        <p:txBody>
+          <a:bodyPr wrap="square" rtlCol="0">
+            <a:spAutoFit/>
+          </a:bodyPr>
+          <a:lstStyle/>
+          <a:p>
+            <a:r>
+              <a:rPr lang="en-US" dirty="0"/>
+              <a:t>Time</a:t>
             </a:r>
           </a:p>
         </p:txBody>
@@ -5365,24 +10945,17 @@
     </p:spTree>
     <p:extLst>
       <p:ext uri="{BB962C8B-B14F-4D97-AF65-F5344CB8AC3E}">
-        <p14:creationId xmlns:p14="http://schemas.microsoft.com/office/powerpoint/2010/main" val="4127417601"/>
+        <p14:creationId xmlns:p14="http://schemas.microsoft.com/office/powerpoint/2010/main" val="3868162646"/>
       </p:ext>
     </p:extLst>
   </p:cSld>
   <p:clrMapOvr>
     <a:masterClrMapping/>
   </p:clrMapOvr>
-  <p:timing>
-    <p:tnLst>
-      <p:par>
-        <p:cTn id="1" dur="indefinite" restart="never" nodeType="tmRoot"/>
-      </p:par>
-    </p:tnLst>
-  </p:timing>
 </p:sld>
 </file>
 
-<file path=ppt/slides/slide8.xml><?xml version="1.0" encoding="utf-8"?>
+<file path=ppt/slides/slide9.xml><?xml version="1.0" encoding="utf-8"?>
 <p:sld xmlns:a="http://schemas.openxmlformats.org/drawingml/2006/main" xmlns:r="http://schemas.openxmlformats.org/officeDocument/2006/relationships" xmlns:p="http://schemas.openxmlformats.org/presentationml/2006/main">
   <p:cSld>
     <p:spTree>
@@ -5401,63 +10974,1797 @@
       </p:grpSpPr>
       <p:sp>
         <p:nvSpPr>
-          <p:cNvPr id="3" name="Content Placeholder 2"/>
+          <p:cNvPr id="2" name="Title 1"/>
           <p:cNvSpPr>
             <a:spLocks noGrp="1"/>
           </p:cNvSpPr>
           <p:nvPr>
+            <p:ph type="title"/>
+          </p:nvPr>
+        </p:nvSpPr>
+        <p:spPr/>
+        <p:txBody>
+          <a:bodyPr/>
+          <a:lstStyle/>
+          <a:p>
+            <a:r>
+              <a:rPr lang="en-US" dirty="0"/>
+              <a:t>Test joint probability Calculation</a:t>
+            </a:r>
+          </a:p>
+        </p:txBody>
+      </p:sp>
+      <p:graphicFrame>
+        <p:nvGraphicFramePr>
+          <p:cNvPr id="4" name="Content Placeholder 3">
+            <a:extLst>
+              <a:ext uri="{FF2B5EF4-FFF2-40B4-BE49-F238E27FC236}">
+                <a16:creationId xmlns:a16="http://schemas.microsoft.com/office/drawing/2014/main" id="{1B4BCBD3-D197-4A30-8542-13A1BD0042DA}"/>
+              </a:ext>
+            </a:extLst>
+          </p:cNvPr>
+          <p:cNvGraphicFramePr>
+            <a:graphicFrameLocks noGrp="1"/>
+          </p:cNvGraphicFramePr>
+          <p:nvPr>
             <p:ph idx="1"/>
           </p:nvPr>
-        </p:nvSpPr>
-        <p:spPr>
-          <a:xfrm>
-            <a:off x="1069848" y="1694688"/>
-            <a:ext cx="10058400" cy="4050792"/>
-          </a:xfrm>
-        </p:spPr>
-        <p:txBody>
-          <a:bodyPr>
-            <a:normAutofit/>
-          </a:bodyPr>
-          <a:lstStyle/>
-          <a:p>
-            <a:pPr marL="0" indent="0" algn="ctr">
-              <a:buNone/>
-            </a:pPr>
-            <a:endParaRPr lang="en-US" sz="6000" dirty="0" smtClean="0">
-              <a:sym typeface="Wingdings" panose="05000000000000000000" pitchFamily="2" charset="2"/>
-            </a:endParaRPr>
-          </a:p>
-          <a:p>
-            <a:pPr marL="0" indent="0" algn="ctr">
-              <a:buNone/>
-            </a:pPr>
-            <a:r>
-              <a:rPr lang="en-US" sz="6000" dirty="0" smtClean="0">
-                <a:sym typeface="Wingdings" panose="05000000000000000000" pitchFamily="2" charset="2"/>
-              </a:rPr>
-              <a:t>Thanks!</a:t>
-            </a:r>
-          </a:p>
-        </p:txBody>
-      </p:sp>
+        </p:nvGraphicFramePr>
+        <p:xfrm>
+          <a:off x="1069975" y="2120900"/>
+          <a:ext cx="10059130" cy="1171644"/>
+        </p:xfrm>
+        <a:graphic>
+          <a:graphicData uri="http://schemas.openxmlformats.org/drawingml/2006/table">
+            <a:tbl>
+              <a:tblPr>
+                <a:tableStyleId>{5C22544A-7EE6-4342-B048-85BDC9FD1C3A}</a:tableStyleId>
+              </a:tblPr>
+              <a:tblGrid>
+                <a:gridCol w="2135630">
+                  <a:extLst>
+                    <a:ext uri="{9D8B030D-6E8A-4147-A177-3AD203B41FA5}">
+                      <a16:colId xmlns:a16="http://schemas.microsoft.com/office/drawing/2014/main" val="647474070"/>
+                    </a:ext>
+                  </a:extLst>
+                </a:gridCol>
+                <a:gridCol w="1980875">
+                  <a:extLst>
+                    <a:ext uri="{9D8B030D-6E8A-4147-A177-3AD203B41FA5}">
+                      <a16:colId xmlns:a16="http://schemas.microsoft.com/office/drawing/2014/main" val="4172325040"/>
+                    </a:ext>
+                  </a:extLst>
+                </a:gridCol>
+                <a:gridCol w="1980875">
+                  <a:extLst>
+                    <a:ext uri="{9D8B030D-6E8A-4147-A177-3AD203B41FA5}">
+                      <a16:colId xmlns:a16="http://schemas.microsoft.com/office/drawing/2014/main" val="2112222264"/>
+                    </a:ext>
+                  </a:extLst>
+                </a:gridCol>
+                <a:gridCol w="1980875">
+                  <a:extLst>
+                    <a:ext uri="{9D8B030D-6E8A-4147-A177-3AD203B41FA5}">
+                      <a16:colId xmlns:a16="http://schemas.microsoft.com/office/drawing/2014/main" val="3712134187"/>
+                    </a:ext>
+                  </a:extLst>
+                </a:gridCol>
+                <a:gridCol w="1980875">
+                  <a:extLst>
+                    <a:ext uri="{9D8B030D-6E8A-4147-A177-3AD203B41FA5}">
+                      <a16:colId xmlns:a16="http://schemas.microsoft.com/office/drawing/2014/main" val="2451542488"/>
+                    </a:ext>
+                  </a:extLst>
+                </a:gridCol>
+              </a:tblGrid>
+              <a:tr h="390548">
+                <a:tc gridSpan="5">
+                  <a:txBody>
+                    <a:bodyPr/>
+                    <a:lstStyle/>
+                    <a:p>
+                      <a:pPr algn="ctr" fontAlgn="b"/>
+                      <a:r>
+                        <a:rPr lang="en-US" sz="1100" u="none" strike="noStrike" dirty="0">
+                          <a:effectLst/>
+                        </a:rPr>
+                        <a:t> </a:t>
+                      </a:r>
+                      <a:r>
+                        <a:rPr lang="en-US" sz="1100" b="1" u="none" strike="noStrike" dirty="0">
+                          <a:effectLst/>
+                        </a:rPr>
+                        <a:t>Prior</a:t>
+                      </a:r>
+                      <a:r>
+                        <a:rPr lang="en-US" sz="1100" u="none" strike="noStrike" dirty="0">
+                          <a:effectLst/>
+                        </a:rPr>
+                        <a:t> </a:t>
+                      </a:r>
+                      <a:r>
+                        <a:rPr lang="en-US" sz="1100" b="1" u="none" strike="noStrike" dirty="0">
+                          <a:effectLst/>
+                        </a:rPr>
+                        <a:t>Component Failure Probability</a:t>
+                      </a:r>
+                    </a:p>
+                    <a:p>
+                      <a:pPr algn="ctr" fontAlgn="b"/>
+                      <a:endParaRPr lang="en-US" sz="1100" b="1" i="0" u="none" strike="noStrike" dirty="0">
+                        <a:solidFill>
+                          <a:srgbClr val="000000"/>
+                        </a:solidFill>
+                        <a:effectLst/>
+                        <a:latin typeface="Calibri" panose="020F0502020204030204" pitchFamily="34" charset="0"/>
+                      </a:endParaRPr>
+                    </a:p>
+                  </a:txBody>
+                  <a:tcPr marL="17249" marR="17249" marT="7620" marB="0" anchor="b"/>
+                </a:tc>
+                <a:tc hMerge="1">
+                  <a:txBody>
+                    <a:bodyPr/>
+                    <a:lstStyle/>
+                    <a:p>
+                      <a:endParaRPr lang="en-US"/>
+                    </a:p>
+                  </a:txBody>
+                  <a:tcPr/>
+                </a:tc>
+                <a:tc hMerge="1">
+                  <a:txBody>
+                    <a:bodyPr/>
+                    <a:lstStyle/>
+                    <a:p>
+                      <a:endParaRPr lang="en-US"/>
+                    </a:p>
+                  </a:txBody>
+                  <a:tcPr/>
+                </a:tc>
+                <a:tc hMerge="1">
+                  <a:txBody>
+                    <a:bodyPr/>
+                    <a:lstStyle/>
+                    <a:p>
+                      <a:endParaRPr lang="en-US"/>
+                    </a:p>
+                  </a:txBody>
+                  <a:tcPr/>
+                </a:tc>
+                <a:tc hMerge="1">
+                  <a:txBody>
+                    <a:bodyPr/>
+                    <a:lstStyle/>
+                    <a:p>
+                      <a:endParaRPr lang="en-US"/>
+                    </a:p>
+                  </a:txBody>
+                  <a:tcPr/>
+                </a:tc>
+                <a:extLst>
+                  <a:ext uri="{0D108BD9-81ED-4DB2-BD59-A6C34878D82A}">
+                    <a16:rowId xmlns:a16="http://schemas.microsoft.com/office/drawing/2014/main" val="3580140237"/>
+                  </a:ext>
+                </a:extLst>
+              </a:tr>
+              <a:tr h="390548">
+                <a:tc>
+                  <a:txBody>
+                    <a:bodyPr/>
+                    <a:lstStyle/>
+                    <a:p>
+                      <a:pPr algn="ctr" fontAlgn="ctr"/>
+                      <a:r>
+                        <a:rPr lang="en-US" sz="1100" b="1" u="none" strike="noStrike" dirty="0">
+                          <a:effectLst/>
+                        </a:rPr>
+                        <a:t> Comp1</a:t>
+                      </a:r>
+                      <a:endParaRPr lang="en-US" sz="1100" b="1" i="0" u="none" strike="noStrike" dirty="0">
+                        <a:solidFill>
+                          <a:srgbClr val="000000"/>
+                        </a:solidFill>
+                        <a:effectLst/>
+                        <a:latin typeface="Calibri" panose="020F0502020204030204" pitchFamily="34" charset="0"/>
+                      </a:endParaRPr>
+                    </a:p>
+                  </a:txBody>
+                  <a:tcPr marL="17249" marR="17249" marT="7620" marB="0" anchor="ctr"/>
+                </a:tc>
+                <a:tc>
+                  <a:txBody>
+                    <a:bodyPr/>
+                    <a:lstStyle/>
+                    <a:p>
+                      <a:pPr algn="ctr" fontAlgn="ctr"/>
+                      <a:r>
+                        <a:rPr lang="en-US" sz="1100" b="1" u="none" strike="noStrike" dirty="0">
+                          <a:effectLst/>
+                        </a:rPr>
+                        <a:t> Comp2</a:t>
+                      </a:r>
+                      <a:endParaRPr lang="en-US" sz="1100" b="1" i="0" u="none" strike="noStrike" dirty="0">
+                        <a:solidFill>
+                          <a:srgbClr val="000000"/>
+                        </a:solidFill>
+                        <a:effectLst/>
+                        <a:latin typeface="Calibri" panose="020F0502020204030204" pitchFamily="34" charset="0"/>
+                      </a:endParaRPr>
+                    </a:p>
+                  </a:txBody>
+                  <a:tcPr marL="17249" marR="17249" marT="7620" marB="0" anchor="ctr"/>
+                </a:tc>
+                <a:tc>
+                  <a:txBody>
+                    <a:bodyPr/>
+                    <a:lstStyle/>
+                    <a:p>
+                      <a:pPr algn="ctr" fontAlgn="ctr"/>
+                      <a:r>
+                        <a:rPr lang="en-US" sz="1100" b="1" u="none" strike="noStrike" dirty="0">
+                          <a:effectLst/>
+                        </a:rPr>
+                        <a:t> Comp3</a:t>
+                      </a:r>
+                      <a:endParaRPr lang="en-US" sz="1100" b="1" i="0" u="none" strike="noStrike" dirty="0">
+                        <a:solidFill>
+                          <a:srgbClr val="000000"/>
+                        </a:solidFill>
+                        <a:effectLst/>
+                        <a:latin typeface="Calibri" panose="020F0502020204030204" pitchFamily="34" charset="0"/>
+                      </a:endParaRPr>
+                    </a:p>
+                  </a:txBody>
+                  <a:tcPr marL="17249" marR="17249" marT="7620" marB="0" anchor="ctr"/>
+                </a:tc>
+                <a:tc>
+                  <a:txBody>
+                    <a:bodyPr/>
+                    <a:lstStyle/>
+                    <a:p>
+                      <a:pPr algn="ctr" fontAlgn="ctr"/>
+                      <a:r>
+                        <a:rPr lang="en-US" sz="1100" b="1" u="none" strike="noStrike" dirty="0">
+                          <a:effectLst/>
+                        </a:rPr>
+                        <a:t> Comp4</a:t>
+                      </a:r>
+                      <a:endParaRPr lang="en-US" sz="1100" b="1" i="0" u="none" strike="noStrike" dirty="0">
+                        <a:solidFill>
+                          <a:srgbClr val="000000"/>
+                        </a:solidFill>
+                        <a:effectLst/>
+                        <a:latin typeface="Calibri" panose="020F0502020204030204" pitchFamily="34" charset="0"/>
+                      </a:endParaRPr>
+                    </a:p>
+                  </a:txBody>
+                  <a:tcPr marL="17249" marR="17249" marT="7620" marB="0" anchor="ctr"/>
+                </a:tc>
+                <a:tc>
+                  <a:txBody>
+                    <a:bodyPr/>
+                    <a:lstStyle/>
+                    <a:p>
+                      <a:pPr algn="ctr" fontAlgn="ctr"/>
+                      <a:r>
+                        <a:rPr lang="en-US" sz="1100" b="1" u="none" strike="noStrike" dirty="0">
+                          <a:effectLst/>
+                        </a:rPr>
+                        <a:t> Comp5</a:t>
+                      </a:r>
+                      <a:endParaRPr lang="en-US" sz="1100" b="1" i="0" u="none" strike="noStrike" dirty="0">
+                        <a:solidFill>
+                          <a:srgbClr val="000000"/>
+                        </a:solidFill>
+                        <a:effectLst/>
+                        <a:latin typeface="Calibri" panose="020F0502020204030204" pitchFamily="34" charset="0"/>
+                      </a:endParaRPr>
+                    </a:p>
+                  </a:txBody>
+                  <a:tcPr marL="17249" marR="17249" marT="7620" marB="0" anchor="ctr"/>
+                </a:tc>
+                <a:extLst>
+                  <a:ext uri="{0D108BD9-81ED-4DB2-BD59-A6C34878D82A}">
+                    <a16:rowId xmlns:a16="http://schemas.microsoft.com/office/drawing/2014/main" val="2413837790"/>
+                  </a:ext>
+                </a:extLst>
+              </a:tr>
+              <a:tr h="390548">
+                <a:tc>
+                  <a:txBody>
+                    <a:bodyPr/>
+                    <a:lstStyle/>
+                    <a:p>
+                      <a:pPr algn="ctr" fontAlgn="ctr"/>
+                      <a:r>
+                        <a:rPr lang="en-US" sz="1100" u="none" strike="noStrike">
+                          <a:effectLst/>
+                        </a:rPr>
+                        <a:t>0.25</a:t>
+                      </a:r>
+                      <a:endParaRPr lang="en-US" sz="1100" b="0" i="0" u="none" strike="noStrike">
+                        <a:solidFill>
+                          <a:srgbClr val="000000"/>
+                        </a:solidFill>
+                        <a:effectLst/>
+                        <a:latin typeface="Calibri" panose="020F0502020204030204" pitchFamily="34" charset="0"/>
+                      </a:endParaRPr>
+                    </a:p>
+                  </a:txBody>
+                  <a:tcPr marL="17249" marR="17249" marT="7620" marB="0" anchor="ctr"/>
+                </a:tc>
+                <a:tc>
+                  <a:txBody>
+                    <a:bodyPr/>
+                    <a:lstStyle/>
+                    <a:p>
+                      <a:pPr algn="ctr" fontAlgn="ctr"/>
+                      <a:r>
+                        <a:rPr lang="en-US" sz="1100" u="none" strike="noStrike">
+                          <a:effectLst/>
+                        </a:rPr>
+                        <a:t>0.12</a:t>
+                      </a:r>
+                      <a:endParaRPr lang="en-US" sz="1100" b="0" i="0" u="none" strike="noStrike">
+                        <a:solidFill>
+                          <a:srgbClr val="000000"/>
+                        </a:solidFill>
+                        <a:effectLst/>
+                        <a:latin typeface="Calibri" panose="020F0502020204030204" pitchFamily="34" charset="0"/>
+                      </a:endParaRPr>
+                    </a:p>
+                  </a:txBody>
+                  <a:tcPr marL="17249" marR="17249" marT="7620" marB="0" anchor="ctr"/>
+                </a:tc>
+                <a:tc>
+                  <a:txBody>
+                    <a:bodyPr/>
+                    <a:lstStyle/>
+                    <a:p>
+                      <a:pPr algn="ctr" fontAlgn="ctr"/>
+                      <a:r>
+                        <a:rPr lang="en-US" sz="1100" u="none" strike="noStrike">
+                          <a:effectLst/>
+                        </a:rPr>
+                        <a:t>0.44</a:t>
+                      </a:r>
+                      <a:endParaRPr lang="en-US" sz="1100" b="0" i="0" u="none" strike="noStrike">
+                        <a:solidFill>
+                          <a:srgbClr val="000000"/>
+                        </a:solidFill>
+                        <a:effectLst/>
+                        <a:latin typeface="Calibri" panose="020F0502020204030204" pitchFamily="34" charset="0"/>
+                      </a:endParaRPr>
+                    </a:p>
+                  </a:txBody>
+                  <a:tcPr marL="17249" marR="17249" marT="7620" marB="0" anchor="ctr"/>
+                </a:tc>
+                <a:tc>
+                  <a:txBody>
+                    <a:bodyPr/>
+                    <a:lstStyle/>
+                    <a:p>
+                      <a:pPr algn="ctr" fontAlgn="ctr"/>
+                      <a:r>
+                        <a:rPr lang="en-US" sz="1100" u="none" strike="noStrike" dirty="0">
+                          <a:effectLst/>
+                        </a:rPr>
+                        <a:t>0.7</a:t>
+                      </a:r>
+                      <a:endParaRPr lang="en-US" sz="1100" b="0" i="0" u="none" strike="noStrike" dirty="0">
+                        <a:solidFill>
+                          <a:srgbClr val="000000"/>
+                        </a:solidFill>
+                        <a:effectLst/>
+                        <a:latin typeface="Calibri" panose="020F0502020204030204" pitchFamily="34" charset="0"/>
+                      </a:endParaRPr>
+                    </a:p>
+                  </a:txBody>
+                  <a:tcPr marL="17249" marR="17249" marT="7620" marB="0" anchor="ctr"/>
+                </a:tc>
+                <a:tc>
+                  <a:txBody>
+                    <a:bodyPr/>
+                    <a:lstStyle/>
+                    <a:p>
+                      <a:pPr algn="ctr" fontAlgn="ctr"/>
+                      <a:r>
+                        <a:rPr lang="en-US" sz="1100" u="none" strike="noStrike" dirty="0">
+                          <a:effectLst/>
+                        </a:rPr>
+                        <a:t>0.03</a:t>
+                      </a:r>
+                      <a:endParaRPr lang="en-US" sz="1100" b="0" i="0" u="none" strike="noStrike" dirty="0">
+                        <a:solidFill>
+                          <a:srgbClr val="000000"/>
+                        </a:solidFill>
+                        <a:effectLst/>
+                        <a:latin typeface="Calibri" panose="020F0502020204030204" pitchFamily="34" charset="0"/>
+                      </a:endParaRPr>
+                    </a:p>
+                  </a:txBody>
+                  <a:tcPr marL="17249" marR="17249" marT="7620" marB="0" anchor="ctr"/>
+                </a:tc>
+                <a:extLst>
+                  <a:ext uri="{0D108BD9-81ED-4DB2-BD59-A6C34878D82A}">
+                    <a16:rowId xmlns:a16="http://schemas.microsoft.com/office/drawing/2014/main" val="2462567165"/>
+                  </a:ext>
+                </a:extLst>
+              </a:tr>
+            </a:tbl>
+          </a:graphicData>
+        </a:graphic>
+      </p:graphicFrame>
+      <p:graphicFrame>
+        <p:nvGraphicFramePr>
+          <p:cNvPr id="5" name="Table 4">
+            <a:extLst>
+              <a:ext uri="{FF2B5EF4-FFF2-40B4-BE49-F238E27FC236}">
+                <a16:creationId xmlns:a16="http://schemas.microsoft.com/office/drawing/2014/main" id="{69461E6D-3012-4A5B-BF65-8B2033A10153}"/>
+              </a:ext>
+            </a:extLst>
+          </p:cNvPr>
+          <p:cNvGraphicFramePr>
+            <a:graphicFrameLocks noGrp="1"/>
+          </p:cNvGraphicFramePr>
+          <p:nvPr/>
+        </p:nvGraphicFramePr>
+        <p:xfrm>
+          <a:off x="1313895" y="3426781"/>
+          <a:ext cx="9019714" cy="2970918"/>
+        </p:xfrm>
+        <a:graphic>
+          <a:graphicData uri="http://schemas.openxmlformats.org/drawingml/2006/table">
+            <a:tbl>
+              <a:tblPr>
+                <a:tableStyleId>{5C22544A-7EE6-4342-B048-85BDC9FD1C3A}</a:tableStyleId>
+              </a:tblPr>
+              <a:tblGrid>
+                <a:gridCol w="701382">
+                  <a:extLst>
+                    <a:ext uri="{9D8B030D-6E8A-4147-A177-3AD203B41FA5}">
+                      <a16:colId xmlns:a16="http://schemas.microsoft.com/office/drawing/2014/main" val="2496544097"/>
+                    </a:ext>
+                  </a:extLst>
+                </a:gridCol>
+                <a:gridCol w="650558">
+                  <a:extLst>
+                    <a:ext uri="{9D8B030D-6E8A-4147-A177-3AD203B41FA5}">
+                      <a16:colId xmlns:a16="http://schemas.microsoft.com/office/drawing/2014/main" val="3731515335"/>
+                    </a:ext>
+                  </a:extLst>
+                </a:gridCol>
+                <a:gridCol w="650558">
+                  <a:extLst>
+                    <a:ext uri="{9D8B030D-6E8A-4147-A177-3AD203B41FA5}">
+                      <a16:colId xmlns:a16="http://schemas.microsoft.com/office/drawing/2014/main" val="583802974"/>
+                    </a:ext>
+                  </a:extLst>
+                </a:gridCol>
+                <a:gridCol w="650558">
+                  <a:extLst>
+                    <a:ext uri="{9D8B030D-6E8A-4147-A177-3AD203B41FA5}">
+                      <a16:colId xmlns:a16="http://schemas.microsoft.com/office/drawing/2014/main" val="1985669728"/>
+                    </a:ext>
+                  </a:extLst>
+                </a:gridCol>
+                <a:gridCol w="650558">
+                  <a:extLst>
+                    <a:ext uri="{9D8B030D-6E8A-4147-A177-3AD203B41FA5}">
+                      <a16:colId xmlns:a16="http://schemas.microsoft.com/office/drawing/2014/main" val="670716264"/>
+                    </a:ext>
+                  </a:extLst>
+                </a:gridCol>
+                <a:gridCol w="650558">
+                  <a:extLst>
+                    <a:ext uri="{9D8B030D-6E8A-4147-A177-3AD203B41FA5}">
+                      <a16:colId xmlns:a16="http://schemas.microsoft.com/office/drawing/2014/main" val="41380092"/>
+                    </a:ext>
+                  </a:extLst>
+                </a:gridCol>
+                <a:gridCol w="2575126">
+                  <a:extLst>
+                    <a:ext uri="{9D8B030D-6E8A-4147-A177-3AD203B41FA5}">
+                      <a16:colId xmlns:a16="http://schemas.microsoft.com/office/drawing/2014/main" val="1127255555"/>
+                    </a:ext>
+                  </a:extLst>
+                </a:gridCol>
+                <a:gridCol w="2490416">
+                  <a:extLst>
+                    <a:ext uri="{9D8B030D-6E8A-4147-A177-3AD203B41FA5}">
+                      <a16:colId xmlns:a16="http://schemas.microsoft.com/office/drawing/2014/main" val="2056522444"/>
+                    </a:ext>
+                  </a:extLst>
+                </a:gridCol>
+              </a:tblGrid>
+              <a:tr h="374798">
+                <a:tc gridSpan="6">
+                  <a:txBody>
+                    <a:bodyPr/>
+                    <a:lstStyle/>
+                    <a:p>
+                      <a:pPr algn="ctr" fontAlgn="b"/>
+                      <a:r>
+                        <a:rPr lang="en-US" sz="1100" b="1" u="none" strike="noStrike" dirty="0">
+                          <a:effectLst/>
+                        </a:rPr>
+                        <a:t>Tests Trace</a:t>
+                      </a:r>
+                    </a:p>
+                    <a:p>
+                      <a:pPr algn="ctr" fontAlgn="b"/>
+                      <a:r>
+                        <a:rPr lang="en-US" sz="1100" b="1" u="none" strike="noStrike" dirty="0">
+                          <a:effectLst/>
+                        </a:rPr>
+                        <a:t> (1 - indicates that test pass through component)</a:t>
+                      </a:r>
+                    </a:p>
+                    <a:p>
+                      <a:pPr algn="ctr" fontAlgn="b"/>
+                      <a:endParaRPr lang="en-US" sz="1100" b="1" u="none" strike="noStrike" dirty="0">
+                        <a:effectLst/>
+                      </a:endParaRPr>
+                    </a:p>
+                  </a:txBody>
+                  <a:tcPr marL="7620" marR="7620" marT="7620" marB="0" anchor="b"/>
+                </a:tc>
+                <a:tc hMerge="1">
+                  <a:txBody>
+                    <a:bodyPr/>
+                    <a:lstStyle/>
+                    <a:p>
+                      <a:endParaRPr lang="en-US"/>
+                    </a:p>
+                  </a:txBody>
+                  <a:tcPr/>
+                </a:tc>
+                <a:tc hMerge="1">
+                  <a:txBody>
+                    <a:bodyPr/>
+                    <a:lstStyle/>
+                    <a:p>
+                      <a:endParaRPr lang="en-US"/>
+                    </a:p>
+                  </a:txBody>
+                  <a:tcPr/>
+                </a:tc>
+                <a:tc hMerge="1">
+                  <a:txBody>
+                    <a:bodyPr/>
+                    <a:lstStyle/>
+                    <a:p>
+                      <a:endParaRPr lang="en-US"/>
+                    </a:p>
+                  </a:txBody>
+                  <a:tcPr/>
+                </a:tc>
+                <a:tc hMerge="1">
+                  <a:txBody>
+                    <a:bodyPr/>
+                    <a:lstStyle/>
+                    <a:p>
+                      <a:endParaRPr lang="en-US"/>
+                    </a:p>
+                  </a:txBody>
+                  <a:tcPr/>
+                </a:tc>
+                <a:tc hMerge="1">
+                  <a:txBody>
+                    <a:bodyPr/>
+                    <a:lstStyle/>
+                    <a:p>
+                      <a:endParaRPr lang="en-US"/>
+                    </a:p>
+                  </a:txBody>
+                  <a:tcPr/>
+                </a:tc>
+                <a:tc>
+                  <a:txBody>
+                    <a:bodyPr/>
+                    <a:lstStyle/>
+                    <a:p>
+                      <a:pPr algn="ctr" fontAlgn="ctr"/>
+                      <a:r>
+                        <a:rPr lang="en-US" sz="1100" u="none" strike="noStrike">
+                          <a:effectLst/>
+                        </a:rPr>
+                        <a:t> </a:t>
+                      </a:r>
+                      <a:endParaRPr lang="en-US" sz="1100" b="1" i="0" u="none" strike="noStrike">
+                        <a:solidFill>
+                          <a:srgbClr val="000000"/>
+                        </a:solidFill>
+                        <a:effectLst/>
+                        <a:latin typeface="Calibri" panose="020F0502020204030204" pitchFamily="34" charset="0"/>
+                      </a:endParaRPr>
+                    </a:p>
+                  </a:txBody>
+                  <a:tcPr marL="7620" marR="7620" marT="7620" marB="0" anchor="ctr"/>
+                </a:tc>
+                <a:tc>
+                  <a:txBody>
+                    <a:bodyPr/>
+                    <a:lstStyle/>
+                    <a:p>
+                      <a:pPr algn="ctr" fontAlgn="ctr"/>
+                      <a:r>
+                        <a:rPr lang="en-US" sz="1100" u="none" strike="noStrike">
+                          <a:effectLst/>
+                        </a:rPr>
+                        <a:t> </a:t>
+                      </a:r>
+                      <a:endParaRPr lang="en-US" sz="1100" b="1" i="0" u="none" strike="noStrike">
+                        <a:solidFill>
+                          <a:srgbClr val="000000"/>
+                        </a:solidFill>
+                        <a:effectLst/>
+                        <a:latin typeface="Calibri" panose="020F0502020204030204" pitchFamily="34" charset="0"/>
+                      </a:endParaRPr>
+                    </a:p>
+                  </a:txBody>
+                  <a:tcPr marL="7620" marR="7620" marT="7620" marB="0" anchor="ctr"/>
+                </a:tc>
+                <a:extLst>
+                  <a:ext uri="{0D108BD9-81ED-4DB2-BD59-A6C34878D82A}">
+                    <a16:rowId xmlns:a16="http://schemas.microsoft.com/office/drawing/2014/main" val="2896066975"/>
+                  </a:ext>
+                </a:extLst>
+              </a:tr>
+              <a:tr h="410063">
+                <a:tc>
+                  <a:txBody>
+                    <a:bodyPr/>
+                    <a:lstStyle/>
+                    <a:p>
+                      <a:pPr algn="ctr" fontAlgn="b"/>
+                      <a:r>
+                        <a:rPr lang="en-US" sz="1100" u="none" strike="noStrike">
+                          <a:effectLst/>
+                        </a:rPr>
+                        <a:t> </a:t>
+                      </a:r>
+                      <a:endParaRPr lang="en-US" sz="1100" b="1" i="0" u="none" strike="noStrike">
+                        <a:solidFill>
+                          <a:srgbClr val="000000"/>
+                        </a:solidFill>
+                        <a:effectLst/>
+                        <a:latin typeface="Calibri" panose="020F0502020204030204" pitchFamily="34" charset="0"/>
+                      </a:endParaRPr>
+                    </a:p>
+                  </a:txBody>
+                  <a:tcPr marL="7620" marR="7620" marT="7620" marB="0" anchor="b"/>
+                </a:tc>
+                <a:tc>
+                  <a:txBody>
+                    <a:bodyPr/>
+                    <a:lstStyle/>
+                    <a:p>
+                      <a:pPr algn="ctr" fontAlgn="b"/>
+                      <a:r>
+                        <a:rPr lang="en-US" sz="1100" b="1" u="none" strike="noStrike" dirty="0">
+                          <a:effectLst/>
+                        </a:rPr>
+                        <a:t> Comp1</a:t>
+                      </a:r>
+                      <a:endParaRPr lang="en-US" sz="1100" b="1" i="0" u="none" strike="noStrike" dirty="0">
+                        <a:solidFill>
+                          <a:srgbClr val="000000"/>
+                        </a:solidFill>
+                        <a:effectLst/>
+                        <a:latin typeface="Calibri" panose="020F0502020204030204" pitchFamily="34" charset="0"/>
+                      </a:endParaRPr>
+                    </a:p>
+                  </a:txBody>
+                  <a:tcPr marL="7620" marR="7620" marT="7620" marB="0" anchor="b"/>
+                </a:tc>
+                <a:tc>
+                  <a:txBody>
+                    <a:bodyPr/>
+                    <a:lstStyle/>
+                    <a:p>
+                      <a:pPr algn="ctr" fontAlgn="b"/>
+                      <a:r>
+                        <a:rPr lang="en-US" sz="1100" b="1" u="none" strike="noStrike" dirty="0">
+                          <a:effectLst/>
+                        </a:rPr>
+                        <a:t> Comp2</a:t>
+                      </a:r>
+                      <a:endParaRPr lang="en-US" sz="1100" b="1" i="0" u="none" strike="noStrike" dirty="0">
+                        <a:solidFill>
+                          <a:srgbClr val="000000"/>
+                        </a:solidFill>
+                        <a:effectLst/>
+                        <a:latin typeface="Calibri" panose="020F0502020204030204" pitchFamily="34" charset="0"/>
+                      </a:endParaRPr>
+                    </a:p>
+                  </a:txBody>
+                  <a:tcPr marL="7620" marR="7620" marT="7620" marB="0" anchor="b"/>
+                </a:tc>
+                <a:tc>
+                  <a:txBody>
+                    <a:bodyPr/>
+                    <a:lstStyle/>
+                    <a:p>
+                      <a:pPr algn="ctr" fontAlgn="b"/>
+                      <a:r>
+                        <a:rPr lang="en-US" sz="1100" b="1" u="none" strike="noStrike" dirty="0">
+                          <a:effectLst/>
+                        </a:rPr>
+                        <a:t> Comp3</a:t>
+                      </a:r>
+                      <a:endParaRPr lang="en-US" sz="1100" b="1" i="0" u="none" strike="noStrike" dirty="0">
+                        <a:solidFill>
+                          <a:srgbClr val="000000"/>
+                        </a:solidFill>
+                        <a:effectLst/>
+                        <a:latin typeface="Calibri" panose="020F0502020204030204" pitchFamily="34" charset="0"/>
+                      </a:endParaRPr>
+                    </a:p>
+                  </a:txBody>
+                  <a:tcPr marL="7620" marR="7620" marT="7620" marB="0" anchor="b"/>
+                </a:tc>
+                <a:tc>
+                  <a:txBody>
+                    <a:bodyPr/>
+                    <a:lstStyle/>
+                    <a:p>
+                      <a:pPr algn="ctr" fontAlgn="b"/>
+                      <a:r>
+                        <a:rPr lang="en-US" sz="1100" b="1" u="none" strike="noStrike">
+                          <a:effectLst/>
+                        </a:rPr>
+                        <a:t> Comp4</a:t>
+                      </a:r>
+                      <a:endParaRPr lang="en-US" sz="1100" b="1" i="0" u="none" strike="noStrike">
+                        <a:solidFill>
+                          <a:srgbClr val="000000"/>
+                        </a:solidFill>
+                        <a:effectLst/>
+                        <a:latin typeface="Calibri" panose="020F0502020204030204" pitchFamily="34" charset="0"/>
+                      </a:endParaRPr>
+                    </a:p>
+                  </a:txBody>
+                  <a:tcPr marL="7620" marR="7620" marT="7620" marB="0" anchor="b"/>
+                </a:tc>
+                <a:tc>
+                  <a:txBody>
+                    <a:bodyPr/>
+                    <a:lstStyle/>
+                    <a:p>
+                      <a:pPr algn="ctr" fontAlgn="b"/>
+                      <a:r>
+                        <a:rPr lang="en-US" sz="1100" b="1" u="none" strike="noStrike" dirty="0">
+                          <a:effectLst/>
+                        </a:rPr>
+                        <a:t> Comp5</a:t>
+                      </a:r>
+                    </a:p>
+                  </a:txBody>
+                  <a:tcPr marL="7620" marR="7620" marT="7620" marB="0" anchor="b"/>
+                </a:tc>
+                <a:tc>
+                  <a:txBody>
+                    <a:bodyPr/>
+                    <a:lstStyle/>
+                    <a:p>
+                      <a:pPr algn="ctr" fontAlgn="ctr"/>
+                      <a:r>
+                        <a:rPr lang="en-US" sz="1100" b="1" u="none" strike="noStrike" dirty="0">
+                          <a:effectLst/>
+                        </a:rPr>
+                        <a:t>Prior Failure Joint Probability</a:t>
+                      </a:r>
+                      <a:endParaRPr lang="en-US" sz="1100" b="1" i="0" u="none" strike="noStrike" dirty="0">
+                        <a:solidFill>
+                          <a:srgbClr val="000000"/>
+                        </a:solidFill>
+                        <a:effectLst/>
+                        <a:latin typeface="Calibri" panose="020F0502020204030204" pitchFamily="34" charset="0"/>
+                      </a:endParaRPr>
+                    </a:p>
+                  </a:txBody>
+                  <a:tcPr marL="7620" marR="7620" marT="7620" marB="0" anchor="ctr"/>
+                </a:tc>
+                <a:tc>
+                  <a:txBody>
+                    <a:bodyPr/>
+                    <a:lstStyle/>
+                    <a:p>
+                      <a:pPr algn="ctr" fontAlgn="ctr"/>
+                      <a:r>
+                        <a:rPr lang="en-US" sz="1100" b="1" u="none" strike="noStrike" dirty="0">
+                          <a:effectLst/>
+                        </a:rPr>
+                        <a:t>Prior Success Joint Probability</a:t>
+                      </a:r>
+                      <a:endParaRPr lang="en-US" sz="1100" b="1" i="0" u="none" strike="noStrike" dirty="0">
+                        <a:solidFill>
+                          <a:srgbClr val="000000"/>
+                        </a:solidFill>
+                        <a:effectLst/>
+                        <a:latin typeface="Calibri" panose="020F0502020204030204" pitchFamily="34" charset="0"/>
+                      </a:endParaRPr>
+                    </a:p>
+                  </a:txBody>
+                  <a:tcPr marL="7620" marR="7620" marT="7620" marB="0" anchor="ctr"/>
+                </a:tc>
+                <a:extLst>
+                  <a:ext uri="{0D108BD9-81ED-4DB2-BD59-A6C34878D82A}">
+                    <a16:rowId xmlns:a16="http://schemas.microsoft.com/office/drawing/2014/main" val="3586018524"/>
+                  </a:ext>
+                </a:extLst>
+              </a:tr>
+              <a:tr h="410063">
+                <a:tc>
+                  <a:txBody>
+                    <a:bodyPr/>
+                    <a:lstStyle/>
+                    <a:p>
+                      <a:pPr algn="ctr" fontAlgn="b"/>
+                      <a:r>
+                        <a:rPr lang="en-US" sz="1100" b="1" u="none" strike="noStrike" dirty="0">
+                          <a:effectLst/>
+                        </a:rPr>
+                        <a:t>Test1</a:t>
+                      </a:r>
+                      <a:endParaRPr lang="en-US" sz="1100" b="1" i="0" u="none" strike="noStrike" dirty="0">
+                        <a:solidFill>
+                          <a:srgbClr val="000000"/>
+                        </a:solidFill>
+                        <a:effectLst/>
+                        <a:latin typeface="Calibri" panose="020F0502020204030204" pitchFamily="34" charset="0"/>
+                      </a:endParaRPr>
+                    </a:p>
+                  </a:txBody>
+                  <a:tcPr marL="7620" marR="7620" marT="7620" marB="0" anchor="b"/>
+                </a:tc>
+                <a:tc>
+                  <a:txBody>
+                    <a:bodyPr/>
+                    <a:lstStyle/>
+                    <a:p>
+                      <a:pPr algn="ctr" fontAlgn="b"/>
+                      <a:r>
+                        <a:rPr lang="en-US" sz="1100" u="none" strike="noStrike" dirty="0">
+                          <a:effectLst/>
+                        </a:rPr>
+                        <a:t>1</a:t>
+                      </a:r>
+                      <a:endParaRPr lang="en-US" sz="1100" b="0" i="0" u="none" strike="noStrike" dirty="0">
+                        <a:solidFill>
+                          <a:srgbClr val="000000"/>
+                        </a:solidFill>
+                        <a:effectLst/>
+                        <a:latin typeface="Calibri" panose="020F0502020204030204" pitchFamily="34" charset="0"/>
+                      </a:endParaRPr>
+                    </a:p>
+                  </a:txBody>
+                  <a:tcPr marL="7620" marR="7620" marT="7620" marB="0" anchor="b"/>
+                </a:tc>
+                <a:tc>
+                  <a:txBody>
+                    <a:bodyPr/>
+                    <a:lstStyle/>
+                    <a:p>
+                      <a:pPr algn="ctr" fontAlgn="b"/>
+                      <a:r>
+                        <a:rPr lang="en-US" sz="1100" u="none" strike="noStrike">
+                          <a:effectLst/>
+                        </a:rPr>
+                        <a:t>0</a:t>
+                      </a:r>
+                      <a:endParaRPr lang="en-US" sz="1100" b="0" i="0" u="none" strike="noStrike">
+                        <a:solidFill>
+                          <a:srgbClr val="000000"/>
+                        </a:solidFill>
+                        <a:effectLst/>
+                        <a:latin typeface="Calibri" panose="020F0502020204030204" pitchFamily="34" charset="0"/>
+                      </a:endParaRPr>
+                    </a:p>
+                  </a:txBody>
+                  <a:tcPr marL="7620" marR="7620" marT="7620" marB="0" anchor="b"/>
+                </a:tc>
+                <a:tc>
+                  <a:txBody>
+                    <a:bodyPr/>
+                    <a:lstStyle/>
+                    <a:p>
+                      <a:pPr algn="ctr" fontAlgn="b"/>
+                      <a:r>
+                        <a:rPr lang="en-US" sz="1100" u="none" strike="noStrike">
+                          <a:effectLst/>
+                        </a:rPr>
+                        <a:t>1</a:t>
+                      </a:r>
+                      <a:endParaRPr lang="en-US" sz="1100" b="0" i="0" u="none" strike="noStrike">
+                        <a:solidFill>
+                          <a:srgbClr val="000000"/>
+                        </a:solidFill>
+                        <a:effectLst/>
+                        <a:latin typeface="Calibri" panose="020F0502020204030204" pitchFamily="34" charset="0"/>
+                      </a:endParaRPr>
+                    </a:p>
+                  </a:txBody>
+                  <a:tcPr marL="7620" marR="7620" marT="7620" marB="0" anchor="b"/>
+                </a:tc>
+                <a:tc>
+                  <a:txBody>
+                    <a:bodyPr/>
+                    <a:lstStyle/>
+                    <a:p>
+                      <a:pPr algn="ctr" fontAlgn="b"/>
+                      <a:r>
+                        <a:rPr lang="en-US" sz="1100" u="none" strike="noStrike">
+                          <a:effectLst/>
+                        </a:rPr>
+                        <a:t>1</a:t>
+                      </a:r>
+                      <a:endParaRPr lang="en-US" sz="1100" b="0" i="0" u="none" strike="noStrike">
+                        <a:solidFill>
+                          <a:srgbClr val="000000"/>
+                        </a:solidFill>
+                        <a:effectLst/>
+                        <a:latin typeface="Calibri" panose="020F0502020204030204" pitchFamily="34" charset="0"/>
+                      </a:endParaRPr>
+                    </a:p>
+                  </a:txBody>
+                  <a:tcPr marL="7620" marR="7620" marT="7620" marB="0" anchor="b"/>
+                </a:tc>
+                <a:tc>
+                  <a:txBody>
+                    <a:bodyPr/>
+                    <a:lstStyle/>
+                    <a:p>
+                      <a:pPr algn="ctr" fontAlgn="b"/>
+                      <a:r>
+                        <a:rPr lang="en-US" sz="1100" u="none" strike="noStrike">
+                          <a:effectLst/>
+                        </a:rPr>
+                        <a:t>0</a:t>
+                      </a:r>
+                      <a:endParaRPr lang="en-US" sz="1100" b="0" i="0" u="none" strike="noStrike">
+                        <a:solidFill>
+                          <a:srgbClr val="000000"/>
+                        </a:solidFill>
+                        <a:effectLst/>
+                        <a:latin typeface="Calibri" panose="020F0502020204030204" pitchFamily="34" charset="0"/>
+                      </a:endParaRPr>
+                    </a:p>
+                  </a:txBody>
+                  <a:tcPr marL="7620" marR="7620" marT="7620" marB="0" anchor="b"/>
+                </a:tc>
+                <a:tc>
+                  <a:txBody>
+                    <a:bodyPr/>
+                    <a:lstStyle/>
+                    <a:p>
+                      <a:pPr algn="ctr" fontAlgn="ctr"/>
+                      <a:r>
+                        <a:rPr lang="en-US" sz="1100" u="none" strike="noStrike" dirty="0">
+                          <a:effectLst/>
+                        </a:rPr>
+                        <a:t>(1 - (1- 0.25)*(1-0.44)*(1-0.7) ) </a:t>
+                      </a:r>
+                      <a:endParaRPr lang="en-US" sz="1100" b="0" i="0" u="none" strike="noStrike" dirty="0">
+                        <a:solidFill>
+                          <a:srgbClr val="000000"/>
+                        </a:solidFill>
+                        <a:effectLst/>
+                        <a:latin typeface="Calibri" panose="020F0502020204030204" pitchFamily="34" charset="0"/>
+                      </a:endParaRPr>
+                    </a:p>
+                  </a:txBody>
+                  <a:tcPr marL="7620" marR="7620" marT="7620" marB="0" anchor="ctr"/>
+                </a:tc>
+                <a:tc>
+                  <a:txBody>
+                    <a:bodyPr/>
+                    <a:lstStyle/>
+                    <a:p>
+                      <a:pPr algn="ctr" fontAlgn="ctr"/>
+                      <a:r>
+                        <a:rPr lang="en-US" sz="1100" u="none" strike="noStrike">
+                          <a:effectLst/>
+                        </a:rPr>
+                        <a:t> (1- 0.25)*(1-0.44)*(1-0.7)</a:t>
+                      </a:r>
+                      <a:endParaRPr lang="en-US" sz="1100" b="0" i="0" u="none" strike="noStrike">
+                        <a:solidFill>
+                          <a:srgbClr val="000000"/>
+                        </a:solidFill>
+                        <a:effectLst/>
+                        <a:latin typeface="Calibri" panose="020F0502020204030204" pitchFamily="34" charset="0"/>
+                      </a:endParaRPr>
+                    </a:p>
+                  </a:txBody>
+                  <a:tcPr marL="7620" marR="7620" marT="7620" marB="0" anchor="ctr"/>
+                </a:tc>
+                <a:extLst>
+                  <a:ext uri="{0D108BD9-81ED-4DB2-BD59-A6C34878D82A}">
+                    <a16:rowId xmlns:a16="http://schemas.microsoft.com/office/drawing/2014/main" val="1439680067"/>
+                  </a:ext>
+                </a:extLst>
+              </a:tr>
+              <a:tr h="410063">
+                <a:tc>
+                  <a:txBody>
+                    <a:bodyPr/>
+                    <a:lstStyle/>
+                    <a:p>
+                      <a:pPr algn="ctr" fontAlgn="b"/>
+                      <a:r>
+                        <a:rPr lang="en-US" sz="1100" b="1" u="none" strike="noStrike" dirty="0">
+                          <a:effectLst/>
+                        </a:rPr>
+                        <a:t>Test2</a:t>
+                      </a:r>
+                      <a:endParaRPr lang="en-US" sz="1100" b="1" i="0" u="none" strike="noStrike" dirty="0">
+                        <a:solidFill>
+                          <a:srgbClr val="000000"/>
+                        </a:solidFill>
+                        <a:effectLst/>
+                        <a:latin typeface="Calibri" panose="020F0502020204030204" pitchFamily="34" charset="0"/>
+                      </a:endParaRPr>
+                    </a:p>
+                  </a:txBody>
+                  <a:tcPr marL="7620" marR="7620" marT="7620" marB="0" anchor="b"/>
+                </a:tc>
+                <a:tc>
+                  <a:txBody>
+                    <a:bodyPr/>
+                    <a:lstStyle/>
+                    <a:p>
+                      <a:pPr algn="ctr" fontAlgn="b"/>
+                      <a:r>
+                        <a:rPr lang="en-US" sz="1100" u="none" strike="noStrike">
+                          <a:effectLst/>
+                        </a:rPr>
+                        <a:t>0</a:t>
+                      </a:r>
+                      <a:endParaRPr lang="en-US" sz="1100" b="0" i="0" u="none" strike="noStrike">
+                        <a:solidFill>
+                          <a:srgbClr val="000000"/>
+                        </a:solidFill>
+                        <a:effectLst/>
+                        <a:latin typeface="Calibri" panose="020F0502020204030204" pitchFamily="34" charset="0"/>
+                      </a:endParaRPr>
+                    </a:p>
+                  </a:txBody>
+                  <a:tcPr marL="7620" marR="7620" marT="7620" marB="0" anchor="b"/>
+                </a:tc>
+                <a:tc>
+                  <a:txBody>
+                    <a:bodyPr/>
+                    <a:lstStyle/>
+                    <a:p>
+                      <a:pPr algn="ctr" fontAlgn="b"/>
+                      <a:r>
+                        <a:rPr lang="en-US" sz="1100" u="none" strike="noStrike" dirty="0">
+                          <a:effectLst/>
+                        </a:rPr>
+                        <a:t>1</a:t>
+                      </a:r>
+                      <a:endParaRPr lang="en-US" sz="1100" b="0" i="0" u="none" strike="noStrike" dirty="0">
+                        <a:solidFill>
+                          <a:srgbClr val="000000"/>
+                        </a:solidFill>
+                        <a:effectLst/>
+                        <a:latin typeface="Calibri" panose="020F0502020204030204" pitchFamily="34" charset="0"/>
+                      </a:endParaRPr>
+                    </a:p>
+                  </a:txBody>
+                  <a:tcPr marL="7620" marR="7620" marT="7620" marB="0" anchor="b"/>
+                </a:tc>
+                <a:tc>
+                  <a:txBody>
+                    <a:bodyPr/>
+                    <a:lstStyle/>
+                    <a:p>
+                      <a:pPr algn="ctr" fontAlgn="b"/>
+                      <a:r>
+                        <a:rPr lang="en-US" sz="1100" u="none" strike="noStrike">
+                          <a:effectLst/>
+                        </a:rPr>
+                        <a:t>1</a:t>
+                      </a:r>
+                      <a:endParaRPr lang="en-US" sz="1100" b="0" i="0" u="none" strike="noStrike">
+                        <a:solidFill>
+                          <a:srgbClr val="000000"/>
+                        </a:solidFill>
+                        <a:effectLst/>
+                        <a:latin typeface="Calibri" panose="020F0502020204030204" pitchFamily="34" charset="0"/>
+                      </a:endParaRPr>
+                    </a:p>
+                  </a:txBody>
+                  <a:tcPr marL="7620" marR="7620" marT="7620" marB="0" anchor="b"/>
+                </a:tc>
+                <a:tc>
+                  <a:txBody>
+                    <a:bodyPr/>
+                    <a:lstStyle/>
+                    <a:p>
+                      <a:pPr algn="ctr" fontAlgn="b"/>
+                      <a:r>
+                        <a:rPr lang="en-US" sz="1100" u="none" strike="noStrike">
+                          <a:effectLst/>
+                        </a:rPr>
+                        <a:t>0</a:t>
+                      </a:r>
+                      <a:endParaRPr lang="en-US" sz="1100" b="0" i="0" u="none" strike="noStrike">
+                        <a:solidFill>
+                          <a:srgbClr val="000000"/>
+                        </a:solidFill>
+                        <a:effectLst/>
+                        <a:latin typeface="Calibri" panose="020F0502020204030204" pitchFamily="34" charset="0"/>
+                      </a:endParaRPr>
+                    </a:p>
+                  </a:txBody>
+                  <a:tcPr marL="7620" marR="7620" marT="7620" marB="0" anchor="b"/>
+                </a:tc>
+                <a:tc>
+                  <a:txBody>
+                    <a:bodyPr/>
+                    <a:lstStyle/>
+                    <a:p>
+                      <a:pPr algn="ctr" fontAlgn="b"/>
+                      <a:r>
+                        <a:rPr lang="en-US" sz="1100" u="none" strike="noStrike">
+                          <a:effectLst/>
+                        </a:rPr>
+                        <a:t>1</a:t>
+                      </a:r>
+                      <a:endParaRPr lang="en-US" sz="1100" b="0" i="0" u="none" strike="noStrike">
+                        <a:solidFill>
+                          <a:srgbClr val="000000"/>
+                        </a:solidFill>
+                        <a:effectLst/>
+                        <a:latin typeface="Calibri" panose="020F0502020204030204" pitchFamily="34" charset="0"/>
+                      </a:endParaRPr>
+                    </a:p>
+                  </a:txBody>
+                  <a:tcPr marL="7620" marR="7620" marT="7620" marB="0" anchor="b"/>
+                </a:tc>
+                <a:tc>
+                  <a:txBody>
+                    <a:bodyPr/>
+                    <a:lstStyle/>
+                    <a:p>
+                      <a:pPr algn="ctr" fontAlgn="ctr"/>
+                      <a:r>
+                        <a:rPr lang="en-US" sz="1100" u="none" strike="noStrike">
+                          <a:effectLst/>
+                        </a:rPr>
+                        <a:t>(1 - (1-0.12)*(1-0.44) *(1-0.03)) </a:t>
+                      </a:r>
+                      <a:endParaRPr lang="en-US" sz="1100" b="0" i="0" u="none" strike="noStrike">
+                        <a:solidFill>
+                          <a:srgbClr val="000000"/>
+                        </a:solidFill>
+                        <a:effectLst/>
+                        <a:latin typeface="Calibri" panose="020F0502020204030204" pitchFamily="34" charset="0"/>
+                      </a:endParaRPr>
+                    </a:p>
+                  </a:txBody>
+                  <a:tcPr marL="7620" marR="7620" marT="7620" marB="0" anchor="ctr"/>
+                </a:tc>
+                <a:tc>
+                  <a:txBody>
+                    <a:bodyPr/>
+                    <a:lstStyle/>
+                    <a:p>
+                      <a:pPr algn="ctr" fontAlgn="ctr"/>
+                      <a:r>
+                        <a:rPr lang="en-US" sz="1100" u="none" strike="noStrike">
+                          <a:effectLst/>
+                        </a:rPr>
+                        <a:t>(1-0.12)*(1-0.44) *(1-0.03)</a:t>
+                      </a:r>
+                      <a:endParaRPr lang="en-US" sz="1100" b="0" i="0" u="none" strike="noStrike">
+                        <a:solidFill>
+                          <a:srgbClr val="000000"/>
+                        </a:solidFill>
+                        <a:effectLst/>
+                        <a:latin typeface="Calibri" panose="020F0502020204030204" pitchFamily="34" charset="0"/>
+                      </a:endParaRPr>
+                    </a:p>
+                  </a:txBody>
+                  <a:tcPr marL="7620" marR="7620" marT="7620" marB="0" anchor="ctr"/>
+                </a:tc>
+                <a:extLst>
+                  <a:ext uri="{0D108BD9-81ED-4DB2-BD59-A6C34878D82A}">
+                    <a16:rowId xmlns:a16="http://schemas.microsoft.com/office/drawing/2014/main" val="1075319824"/>
+                  </a:ext>
+                </a:extLst>
+              </a:tr>
+              <a:tr h="410063">
+                <a:tc>
+                  <a:txBody>
+                    <a:bodyPr/>
+                    <a:lstStyle/>
+                    <a:p>
+                      <a:pPr algn="ctr" fontAlgn="b"/>
+                      <a:r>
+                        <a:rPr lang="en-US" sz="1100" b="1" u="none" strike="noStrike" dirty="0">
+                          <a:effectLst/>
+                        </a:rPr>
+                        <a:t>Test3</a:t>
+                      </a:r>
+                      <a:endParaRPr lang="en-US" sz="1100" b="1" i="0" u="none" strike="noStrike" dirty="0">
+                        <a:solidFill>
+                          <a:srgbClr val="000000"/>
+                        </a:solidFill>
+                        <a:effectLst/>
+                        <a:latin typeface="Calibri" panose="020F0502020204030204" pitchFamily="34" charset="0"/>
+                      </a:endParaRPr>
+                    </a:p>
+                  </a:txBody>
+                  <a:tcPr marL="7620" marR="7620" marT="7620" marB="0" anchor="b"/>
+                </a:tc>
+                <a:tc>
+                  <a:txBody>
+                    <a:bodyPr/>
+                    <a:lstStyle/>
+                    <a:p>
+                      <a:pPr algn="ctr" fontAlgn="b"/>
+                      <a:r>
+                        <a:rPr lang="en-US" sz="1100" u="none" strike="noStrike">
+                          <a:effectLst/>
+                        </a:rPr>
+                        <a:t>0</a:t>
+                      </a:r>
+                      <a:endParaRPr lang="en-US" sz="1100" b="0" i="0" u="none" strike="noStrike">
+                        <a:solidFill>
+                          <a:srgbClr val="000000"/>
+                        </a:solidFill>
+                        <a:effectLst/>
+                        <a:latin typeface="Calibri" panose="020F0502020204030204" pitchFamily="34" charset="0"/>
+                      </a:endParaRPr>
+                    </a:p>
+                  </a:txBody>
+                  <a:tcPr marL="7620" marR="7620" marT="7620" marB="0" anchor="b"/>
+                </a:tc>
+                <a:tc>
+                  <a:txBody>
+                    <a:bodyPr/>
+                    <a:lstStyle/>
+                    <a:p>
+                      <a:pPr algn="ctr" fontAlgn="b"/>
+                      <a:r>
+                        <a:rPr lang="en-US" sz="1100" u="none" strike="noStrike" dirty="0">
+                          <a:effectLst/>
+                        </a:rPr>
+                        <a:t>1</a:t>
+                      </a:r>
+                      <a:endParaRPr lang="en-US" sz="1100" b="0" i="0" u="none" strike="noStrike" dirty="0">
+                        <a:solidFill>
+                          <a:srgbClr val="000000"/>
+                        </a:solidFill>
+                        <a:effectLst/>
+                        <a:latin typeface="Calibri" panose="020F0502020204030204" pitchFamily="34" charset="0"/>
+                      </a:endParaRPr>
+                    </a:p>
+                  </a:txBody>
+                  <a:tcPr marL="7620" marR="7620" marT="7620" marB="0" anchor="b"/>
+                </a:tc>
+                <a:tc>
+                  <a:txBody>
+                    <a:bodyPr/>
+                    <a:lstStyle/>
+                    <a:p>
+                      <a:pPr algn="ctr" fontAlgn="b"/>
+                      <a:r>
+                        <a:rPr lang="en-US" sz="1100" u="none" strike="noStrike" dirty="0">
+                          <a:effectLst/>
+                        </a:rPr>
+                        <a:t>1</a:t>
+                      </a:r>
+                      <a:endParaRPr lang="en-US" sz="1100" b="0" i="0" u="none" strike="noStrike" dirty="0">
+                        <a:solidFill>
+                          <a:srgbClr val="000000"/>
+                        </a:solidFill>
+                        <a:effectLst/>
+                        <a:latin typeface="Calibri" panose="020F0502020204030204" pitchFamily="34" charset="0"/>
+                      </a:endParaRPr>
+                    </a:p>
+                  </a:txBody>
+                  <a:tcPr marL="7620" marR="7620" marT="7620" marB="0" anchor="b"/>
+                </a:tc>
+                <a:tc>
+                  <a:txBody>
+                    <a:bodyPr/>
+                    <a:lstStyle/>
+                    <a:p>
+                      <a:pPr algn="ctr" fontAlgn="b"/>
+                      <a:r>
+                        <a:rPr lang="en-US" sz="1100" u="none" strike="noStrike" dirty="0">
+                          <a:effectLst/>
+                        </a:rPr>
+                        <a:t>0</a:t>
+                      </a:r>
+                      <a:endParaRPr lang="en-US" sz="1100" b="0" i="0" u="none" strike="noStrike" dirty="0">
+                        <a:solidFill>
+                          <a:srgbClr val="000000"/>
+                        </a:solidFill>
+                        <a:effectLst/>
+                        <a:latin typeface="Calibri" panose="020F0502020204030204" pitchFamily="34" charset="0"/>
+                      </a:endParaRPr>
+                    </a:p>
+                  </a:txBody>
+                  <a:tcPr marL="7620" marR="7620" marT="7620" marB="0" anchor="b"/>
+                </a:tc>
+                <a:tc>
+                  <a:txBody>
+                    <a:bodyPr/>
+                    <a:lstStyle/>
+                    <a:p>
+                      <a:pPr algn="ctr" fontAlgn="b"/>
+                      <a:r>
+                        <a:rPr lang="en-US" sz="1100" u="none" strike="noStrike">
+                          <a:effectLst/>
+                        </a:rPr>
+                        <a:t>0</a:t>
+                      </a:r>
+                      <a:endParaRPr lang="en-US" sz="1100" b="0" i="0" u="none" strike="noStrike">
+                        <a:solidFill>
+                          <a:srgbClr val="000000"/>
+                        </a:solidFill>
+                        <a:effectLst/>
+                        <a:latin typeface="Calibri" panose="020F0502020204030204" pitchFamily="34" charset="0"/>
+                      </a:endParaRPr>
+                    </a:p>
+                  </a:txBody>
+                  <a:tcPr marL="7620" marR="7620" marT="7620" marB="0" anchor="b"/>
+                </a:tc>
+                <a:tc>
+                  <a:txBody>
+                    <a:bodyPr/>
+                    <a:lstStyle/>
+                    <a:p>
+                      <a:pPr algn="ctr" fontAlgn="ctr"/>
+                      <a:r>
+                        <a:rPr lang="en-US" sz="1100" u="none" strike="noStrike">
+                          <a:effectLst/>
+                        </a:rPr>
+                        <a:t>(1 - (1-0.12)*(1-0.44) )</a:t>
+                      </a:r>
+                      <a:endParaRPr lang="en-US" sz="1100" b="0" i="0" u="none" strike="noStrike">
+                        <a:solidFill>
+                          <a:srgbClr val="000000"/>
+                        </a:solidFill>
+                        <a:effectLst/>
+                        <a:latin typeface="Calibri" panose="020F0502020204030204" pitchFamily="34" charset="0"/>
+                      </a:endParaRPr>
+                    </a:p>
+                  </a:txBody>
+                  <a:tcPr marL="7620" marR="7620" marT="7620" marB="0" anchor="ctr"/>
+                </a:tc>
+                <a:tc>
+                  <a:txBody>
+                    <a:bodyPr/>
+                    <a:lstStyle/>
+                    <a:p>
+                      <a:pPr algn="ctr" fontAlgn="ctr"/>
+                      <a:r>
+                        <a:rPr lang="en-US" sz="1100" u="none" strike="noStrike">
+                          <a:effectLst/>
+                        </a:rPr>
+                        <a:t> (1-0.12)*(1-0.44)</a:t>
+                      </a:r>
+                      <a:endParaRPr lang="en-US" sz="1100" b="0" i="0" u="none" strike="noStrike">
+                        <a:solidFill>
+                          <a:srgbClr val="000000"/>
+                        </a:solidFill>
+                        <a:effectLst/>
+                        <a:latin typeface="Calibri" panose="020F0502020204030204" pitchFamily="34" charset="0"/>
+                      </a:endParaRPr>
+                    </a:p>
+                  </a:txBody>
+                  <a:tcPr marL="7620" marR="7620" marT="7620" marB="0" anchor="ctr"/>
+                </a:tc>
+                <a:extLst>
+                  <a:ext uri="{0D108BD9-81ED-4DB2-BD59-A6C34878D82A}">
+                    <a16:rowId xmlns:a16="http://schemas.microsoft.com/office/drawing/2014/main" val="1156137200"/>
+                  </a:ext>
+                </a:extLst>
+              </a:tr>
+              <a:tr h="410063">
+                <a:tc>
+                  <a:txBody>
+                    <a:bodyPr/>
+                    <a:lstStyle/>
+                    <a:p>
+                      <a:pPr algn="ctr" fontAlgn="b"/>
+                      <a:r>
+                        <a:rPr lang="en-US" sz="1100" b="1" u="none" strike="noStrike" dirty="0">
+                          <a:effectLst/>
+                        </a:rPr>
+                        <a:t>Test4</a:t>
+                      </a:r>
+                      <a:endParaRPr lang="en-US" sz="1100" b="1" i="0" u="none" strike="noStrike" dirty="0">
+                        <a:solidFill>
+                          <a:srgbClr val="000000"/>
+                        </a:solidFill>
+                        <a:effectLst/>
+                        <a:latin typeface="Calibri" panose="020F0502020204030204" pitchFamily="34" charset="0"/>
+                      </a:endParaRPr>
+                    </a:p>
+                  </a:txBody>
+                  <a:tcPr marL="7620" marR="7620" marT="7620" marB="0" anchor="b"/>
+                </a:tc>
+                <a:tc>
+                  <a:txBody>
+                    <a:bodyPr/>
+                    <a:lstStyle/>
+                    <a:p>
+                      <a:pPr algn="ctr" fontAlgn="b"/>
+                      <a:r>
+                        <a:rPr lang="en-US" sz="1100" u="none" strike="noStrike">
+                          <a:effectLst/>
+                        </a:rPr>
+                        <a:t>1</a:t>
+                      </a:r>
+                      <a:endParaRPr lang="en-US" sz="1100" b="0" i="0" u="none" strike="noStrike">
+                        <a:solidFill>
+                          <a:srgbClr val="000000"/>
+                        </a:solidFill>
+                        <a:effectLst/>
+                        <a:latin typeface="Calibri" panose="020F0502020204030204" pitchFamily="34" charset="0"/>
+                      </a:endParaRPr>
+                    </a:p>
+                  </a:txBody>
+                  <a:tcPr marL="7620" marR="7620" marT="7620" marB="0" anchor="b"/>
+                </a:tc>
+                <a:tc>
+                  <a:txBody>
+                    <a:bodyPr/>
+                    <a:lstStyle/>
+                    <a:p>
+                      <a:pPr algn="ctr" fontAlgn="b"/>
+                      <a:r>
+                        <a:rPr lang="en-US" sz="1100" u="none" strike="noStrike">
+                          <a:effectLst/>
+                        </a:rPr>
+                        <a:t>0</a:t>
+                      </a:r>
+                      <a:endParaRPr lang="en-US" sz="1100" b="0" i="0" u="none" strike="noStrike">
+                        <a:solidFill>
+                          <a:srgbClr val="000000"/>
+                        </a:solidFill>
+                        <a:effectLst/>
+                        <a:latin typeface="Calibri" panose="020F0502020204030204" pitchFamily="34" charset="0"/>
+                      </a:endParaRPr>
+                    </a:p>
+                  </a:txBody>
+                  <a:tcPr marL="7620" marR="7620" marT="7620" marB="0" anchor="b"/>
+                </a:tc>
+                <a:tc>
+                  <a:txBody>
+                    <a:bodyPr/>
+                    <a:lstStyle/>
+                    <a:p>
+                      <a:pPr algn="ctr" fontAlgn="b"/>
+                      <a:r>
+                        <a:rPr lang="en-US" sz="1100" u="none" strike="noStrike">
+                          <a:effectLst/>
+                        </a:rPr>
+                        <a:t>0</a:t>
+                      </a:r>
+                      <a:endParaRPr lang="en-US" sz="1100" b="0" i="0" u="none" strike="noStrike">
+                        <a:solidFill>
+                          <a:srgbClr val="000000"/>
+                        </a:solidFill>
+                        <a:effectLst/>
+                        <a:latin typeface="Calibri" panose="020F0502020204030204" pitchFamily="34" charset="0"/>
+                      </a:endParaRPr>
+                    </a:p>
+                  </a:txBody>
+                  <a:tcPr marL="7620" marR="7620" marT="7620" marB="0" anchor="b"/>
+                </a:tc>
+                <a:tc>
+                  <a:txBody>
+                    <a:bodyPr/>
+                    <a:lstStyle/>
+                    <a:p>
+                      <a:pPr algn="ctr" fontAlgn="b"/>
+                      <a:r>
+                        <a:rPr lang="en-US" sz="1100" u="none" strike="noStrike" dirty="0">
+                          <a:effectLst/>
+                        </a:rPr>
+                        <a:t>0</a:t>
+                      </a:r>
+                      <a:endParaRPr lang="en-US" sz="1100" b="0" i="0" u="none" strike="noStrike" dirty="0">
+                        <a:solidFill>
+                          <a:srgbClr val="000000"/>
+                        </a:solidFill>
+                        <a:effectLst/>
+                        <a:latin typeface="Calibri" panose="020F0502020204030204" pitchFamily="34" charset="0"/>
+                      </a:endParaRPr>
+                    </a:p>
+                  </a:txBody>
+                  <a:tcPr marL="7620" marR="7620" marT="7620" marB="0" anchor="b"/>
+                </a:tc>
+                <a:tc>
+                  <a:txBody>
+                    <a:bodyPr/>
+                    <a:lstStyle/>
+                    <a:p>
+                      <a:pPr algn="ctr" fontAlgn="b"/>
+                      <a:r>
+                        <a:rPr lang="en-US" sz="1100" u="none" strike="noStrike">
+                          <a:effectLst/>
+                        </a:rPr>
+                        <a:t>1</a:t>
+                      </a:r>
+                      <a:endParaRPr lang="en-US" sz="1100" b="0" i="0" u="none" strike="noStrike">
+                        <a:solidFill>
+                          <a:srgbClr val="000000"/>
+                        </a:solidFill>
+                        <a:effectLst/>
+                        <a:latin typeface="Calibri" panose="020F0502020204030204" pitchFamily="34" charset="0"/>
+                      </a:endParaRPr>
+                    </a:p>
+                  </a:txBody>
+                  <a:tcPr marL="7620" marR="7620" marT="7620" marB="0" anchor="b"/>
+                </a:tc>
+                <a:tc>
+                  <a:txBody>
+                    <a:bodyPr/>
+                    <a:lstStyle/>
+                    <a:p>
+                      <a:pPr algn="ctr" fontAlgn="ctr"/>
+                      <a:r>
+                        <a:rPr lang="en-US" sz="1100" u="none" strike="noStrike">
+                          <a:effectLst/>
+                        </a:rPr>
+                        <a:t>(1 - (1-0.25)*(1-0.03) )</a:t>
+                      </a:r>
+                      <a:endParaRPr lang="en-US" sz="1100" b="0" i="0" u="none" strike="noStrike">
+                        <a:solidFill>
+                          <a:srgbClr val="000000"/>
+                        </a:solidFill>
+                        <a:effectLst/>
+                        <a:latin typeface="Calibri" panose="020F0502020204030204" pitchFamily="34" charset="0"/>
+                      </a:endParaRPr>
+                    </a:p>
+                  </a:txBody>
+                  <a:tcPr marL="7620" marR="7620" marT="7620" marB="0" anchor="ctr"/>
+                </a:tc>
+                <a:tc>
+                  <a:txBody>
+                    <a:bodyPr/>
+                    <a:lstStyle/>
+                    <a:p>
+                      <a:pPr algn="ctr" fontAlgn="ctr"/>
+                      <a:r>
+                        <a:rPr lang="en-US" sz="1100" u="none" strike="noStrike" dirty="0">
+                          <a:effectLst/>
+                        </a:rPr>
+                        <a:t> (1-0.25)*(1-0.03)</a:t>
+                      </a:r>
+                      <a:endParaRPr lang="en-US" sz="1100" b="0" i="0" u="none" strike="noStrike" dirty="0">
+                        <a:solidFill>
+                          <a:srgbClr val="000000"/>
+                        </a:solidFill>
+                        <a:effectLst/>
+                        <a:latin typeface="Calibri" panose="020F0502020204030204" pitchFamily="34" charset="0"/>
+                      </a:endParaRPr>
+                    </a:p>
+                  </a:txBody>
+                  <a:tcPr marL="7620" marR="7620" marT="7620" marB="0" anchor="ctr"/>
+                </a:tc>
+                <a:extLst>
+                  <a:ext uri="{0D108BD9-81ED-4DB2-BD59-A6C34878D82A}">
+                    <a16:rowId xmlns:a16="http://schemas.microsoft.com/office/drawing/2014/main" val="2713582692"/>
+                  </a:ext>
+                </a:extLst>
+              </a:tr>
+              <a:tr h="410063">
+                <a:tc>
+                  <a:txBody>
+                    <a:bodyPr/>
+                    <a:lstStyle/>
+                    <a:p>
+                      <a:pPr algn="ctr" fontAlgn="b"/>
+                      <a:r>
+                        <a:rPr lang="en-US" sz="1100" b="1" u="none" strike="noStrike" dirty="0">
+                          <a:effectLst/>
+                        </a:rPr>
+                        <a:t>Test5</a:t>
+                      </a:r>
+                      <a:endParaRPr lang="en-US" sz="1100" b="1" i="0" u="none" strike="noStrike" dirty="0">
+                        <a:solidFill>
+                          <a:srgbClr val="000000"/>
+                        </a:solidFill>
+                        <a:effectLst/>
+                        <a:latin typeface="Calibri" panose="020F0502020204030204" pitchFamily="34" charset="0"/>
+                      </a:endParaRPr>
+                    </a:p>
+                  </a:txBody>
+                  <a:tcPr marL="7620" marR="7620" marT="7620" marB="0" anchor="b"/>
+                </a:tc>
+                <a:tc>
+                  <a:txBody>
+                    <a:bodyPr/>
+                    <a:lstStyle/>
+                    <a:p>
+                      <a:pPr algn="ctr" fontAlgn="b"/>
+                      <a:r>
+                        <a:rPr lang="en-US" sz="1100" u="none" strike="noStrike">
+                          <a:effectLst/>
+                        </a:rPr>
+                        <a:t>1</a:t>
+                      </a:r>
+                      <a:endParaRPr lang="en-US" sz="1100" b="0" i="0" u="none" strike="noStrike">
+                        <a:solidFill>
+                          <a:srgbClr val="000000"/>
+                        </a:solidFill>
+                        <a:effectLst/>
+                        <a:latin typeface="Calibri" panose="020F0502020204030204" pitchFamily="34" charset="0"/>
+                      </a:endParaRPr>
+                    </a:p>
+                  </a:txBody>
+                  <a:tcPr marL="7620" marR="7620" marT="7620" marB="0" anchor="b"/>
+                </a:tc>
+                <a:tc>
+                  <a:txBody>
+                    <a:bodyPr/>
+                    <a:lstStyle/>
+                    <a:p>
+                      <a:pPr algn="ctr" fontAlgn="b"/>
+                      <a:r>
+                        <a:rPr lang="en-US" sz="1100" u="none" strike="noStrike" dirty="0">
+                          <a:effectLst/>
+                        </a:rPr>
+                        <a:t>1</a:t>
+                      </a:r>
+                      <a:endParaRPr lang="en-US" sz="1100" b="0" i="0" u="none" strike="noStrike" dirty="0">
+                        <a:solidFill>
+                          <a:srgbClr val="000000"/>
+                        </a:solidFill>
+                        <a:effectLst/>
+                        <a:latin typeface="Calibri" panose="020F0502020204030204" pitchFamily="34" charset="0"/>
+                      </a:endParaRPr>
+                    </a:p>
+                  </a:txBody>
+                  <a:tcPr marL="7620" marR="7620" marT="7620" marB="0" anchor="b"/>
+                </a:tc>
+                <a:tc>
+                  <a:txBody>
+                    <a:bodyPr/>
+                    <a:lstStyle/>
+                    <a:p>
+                      <a:pPr algn="ctr" fontAlgn="b"/>
+                      <a:r>
+                        <a:rPr lang="en-US" sz="1100" u="none" strike="noStrike" dirty="0">
+                          <a:effectLst/>
+                        </a:rPr>
+                        <a:t>1</a:t>
+                      </a:r>
+                      <a:endParaRPr lang="en-US" sz="1100" b="0" i="0" u="none" strike="noStrike" dirty="0">
+                        <a:solidFill>
+                          <a:srgbClr val="000000"/>
+                        </a:solidFill>
+                        <a:effectLst/>
+                        <a:latin typeface="Calibri" panose="020F0502020204030204" pitchFamily="34" charset="0"/>
+                      </a:endParaRPr>
+                    </a:p>
+                  </a:txBody>
+                  <a:tcPr marL="7620" marR="7620" marT="7620" marB="0" anchor="b"/>
+                </a:tc>
+                <a:tc>
+                  <a:txBody>
+                    <a:bodyPr/>
+                    <a:lstStyle/>
+                    <a:p>
+                      <a:pPr algn="ctr" fontAlgn="b"/>
+                      <a:r>
+                        <a:rPr lang="en-US" sz="1100" u="none" strike="noStrike">
+                          <a:effectLst/>
+                        </a:rPr>
+                        <a:t>0</a:t>
+                      </a:r>
+                      <a:endParaRPr lang="en-US" sz="1100" b="0" i="0" u="none" strike="noStrike">
+                        <a:solidFill>
+                          <a:srgbClr val="000000"/>
+                        </a:solidFill>
+                        <a:effectLst/>
+                        <a:latin typeface="Calibri" panose="020F0502020204030204" pitchFamily="34" charset="0"/>
+                      </a:endParaRPr>
+                    </a:p>
+                  </a:txBody>
+                  <a:tcPr marL="7620" marR="7620" marT="7620" marB="0" anchor="b"/>
+                </a:tc>
+                <a:tc>
+                  <a:txBody>
+                    <a:bodyPr/>
+                    <a:lstStyle/>
+                    <a:p>
+                      <a:pPr algn="ctr" fontAlgn="b"/>
+                      <a:r>
+                        <a:rPr lang="en-US" sz="1100" u="none" strike="noStrike">
+                          <a:effectLst/>
+                        </a:rPr>
+                        <a:t>0</a:t>
+                      </a:r>
+                      <a:endParaRPr lang="en-US" sz="1100" b="0" i="0" u="none" strike="noStrike">
+                        <a:solidFill>
+                          <a:srgbClr val="000000"/>
+                        </a:solidFill>
+                        <a:effectLst/>
+                        <a:latin typeface="Calibri" panose="020F0502020204030204" pitchFamily="34" charset="0"/>
+                      </a:endParaRPr>
+                    </a:p>
+                  </a:txBody>
+                  <a:tcPr marL="7620" marR="7620" marT="7620" marB="0" anchor="b"/>
+                </a:tc>
+                <a:tc>
+                  <a:txBody>
+                    <a:bodyPr/>
+                    <a:lstStyle/>
+                    <a:p>
+                      <a:pPr algn="ctr" fontAlgn="ctr"/>
+                      <a:r>
+                        <a:rPr lang="en-US" sz="1100" u="none" strike="noStrike">
+                          <a:effectLst/>
+                        </a:rPr>
+                        <a:t>(1 - (1- 0.25)*(1-0.12)*(1-0.44) ) </a:t>
+                      </a:r>
+                      <a:endParaRPr lang="en-US" sz="1100" b="0" i="0" u="none" strike="noStrike">
+                        <a:solidFill>
+                          <a:srgbClr val="000000"/>
+                        </a:solidFill>
+                        <a:effectLst/>
+                        <a:latin typeface="Calibri" panose="020F0502020204030204" pitchFamily="34" charset="0"/>
+                      </a:endParaRPr>
+                    </a:p>
+                  </a:txBody>
+                  <a:tcPr marL="7620" marR="7620" marT="7620" marB="0" anchor="ctr"/>
+                </a:tc>
+                <a:tc>
+                  <a:txBody>
+                    <a:bodyPr/>
+                    <a:lstStyle/>
+                    <a:p>
+                      <a:pPr algn="ctr" fontAlgn="ctr"/>
+                      <a:r>
+                        <a:rPr lang="en-US" sz="1100" u="none" strike="noStrike" dirty="0">
+                          <a:effectLst/>
+                        </a:rPr>
+                        <a:t>(1- 0.25)*(1-0.12)*(1-0.44)</a:t>
+                      </a:r>
+                      <a:endParaRPr lang="en-US" sz="1100" b="0" i="0" u="none" strike="noStrike" dirty="0">
+                        <a:solidFill>
+                          <a:srgbClr val="000000"/>
+                        </a:solidFill>
+                        <a:effectLst/>
+                        <a:latin typeface="Calibri" panose="020F0502020204030204" pitchFamily="34" charset="0"/>
+                      </a:endParaRPr>
+                    </a:p>
+                  </a:txBody>
+                  <a:tcPr marL="7620" marR="7620" marT="7620" marB="0" anchor="ctr"/>
+                </a:tc>
+                <a:extLst>
+                  <a:ext uri="{0D108BD9-81ED-4DB2-BD59-A6C34878D82A}">
+                    <a16:rowId xmlns:a16="http://schemas.microsoft.com/office/drawing/2014/main" val="2136613090"/>
+                  </a:ext>
+                </a:extLst>
+              </a:tr>
+            </a:tbl>
+          </a:graphicData>
+        </a:graphic>
+      </p:graphicFrame>
     </p:spTree>
     <p:extLst>
       <p:ext uri="{BB962C8B-B14F-4D97-AF65-F5344CB8AC3E}">
-        <p14:creationId xmlns:p14="http://schemas.microsoft.com/office/powerpoint/2010/main" val="1008955713"/>
+        <p14:creationId xmlns:p14="http://schemas.microsoft.com/office/powerpoint/2010/main" val="1113252892"/>
       </p:ext>
     </p:extLst>
   </p:cSld>
   <p:clrMapOvr>
     <a:masterClrMapping/>
   </p:clrMapOvr>
-  <p:timing>
-    <p:tnLst>
-      <p:par>
-        <p:cTn id="1" dur="indefinite" restart="never" nodeType="tmRoot"/>
-      </p:par>
-    </p:tnLst>
-  </p:timing>
 </p:sld>
 </file>
 

--- a/Test Set Optimization.pptx
+++ b/Test Set Optimization.pptx
@@ -531,7 +531,7 @@
           <a:p>
             <a:fld id="{83284890-85D2-4D7B-8EF5-15A9C1DB8F42}" type="datetimeFigureOut">
               <a:rPr lang="en-US" dirty="0"/>
-              <a:t>7/14/2018</a:t>
+              <a:t>7/16/2018</a:t>
             </a:fld>
             <a:endParaRPr lang="en-US" dirty="0"/>
           </a:p>
@@ -706,7 +706,7 @@
           <a:p>
             <a:fld id="{87157CC2-0FC8-4686-B024-99790E0F5162}" type="datetimeFigureOut">
               <a:rPr lang="en-US" dirty="0"/>
-              <a:t>7/14/2018</a:t>
+              <a:t>7/16/2018</a:t>
             </a:fld>
             <a:endParaRPr lang="en-US" dirty="0"/>
           </a:p>
@@ -881,7 +881,7 @@
           <a:p>
             <a:fld id="{F6764DA5-CD3D-4590-A511-FCD3BC7A793E}" type="datetimeFigureOut">
               <a:rPr lang="en-US" dirty="0"/>
-              <a:t>7/14/2018</a:t>
+              <a:t>7/16/2018</a:t>
             </a:fld>
             <a:endParaRPr lang="en-US" dirty="0"/>
           </a:p>
@@ -1046,7 +1046,7 @@
           <a:p>
             <a:fld id="{82F5661D-6934-4B32-B92C-470368BF1EC6}" type="datetimeFigureOut">
               <a:rPr lang="en-US" dirty="0"/>
-              <a:t>7/14/2018</a:t>
+              <a:t>7/16/2018</a:t>
             </a:fld>
             <a:endParaRPr lang="en-US" dirty="0"/>
           </a:p>
@@ -1354,7 +1354,7 @@
           <a:p>
             <a:fld id="{C6F822A4-8DA6-4447-9B1F-C5DB58435268}" type="datetimeFigureOut">
               <a:rPr lang="en-US" dirty="0"/>
-              <a:t>7/14/2018</a:t>
+              <a:t>7/16/2018</a:t>
             </a:fld>
             <a:endParaRPr lang="en-US" dirty="0"/>
           </a:p>
@@ -1736,7 +1736,7 @@
           <a:p>
             <a:fld id="{E548D31E-DCDA-41A7-9C67-C4B11B94D21D}" type="datetimeFigureOut">
               <a:rPr lang="en-US" dirty="0"/>
-              <a:t>7/14/2018</a:t>
+              <a:t>7/16/2018</a:t>
             </a:fld>
             <a:endParaRPr lang="en-US" dirty="0"/>
           </a:p>
@@ -2165,7 +2165,7 @@
           <a:p>
             <a:fld id="{9B3762C0-B258-48F1-ADE6-176B4174CCDD}" type="datetimeFigureOut">
               <a:rPr lang="en-US" dirty="0"/>
-              <a:t>7/14/2018</a:t>
+              <a:t>7/16/2018</a:t>
             </a:fld>
             <a:endParaRPr lang="en-US" dirty="0"/>
           </a:p>
@@ -2278,7 +2278,7 @@
           <a:p>
             <a:fld id="{677919A6-33EB-49BD-A62F-1FA56B9F9712}" type="datetimeFigureOut">
               <a:rPr lang="en-US" dirty="0"/>
-              <a:t>7/14/2018</a:t>
+              <a:t>7/16/2018</a:t>
             </a:fld>
             <a:endParaRPr lang="en-US" dirty="0"/>
           </a:p>
@@ -2368,7 +2368,7 @@
           <a:p>
             <a:fld id="{CA4E7D1B-D673-4CF6-8672-009D42ABD2A0}" type="datetimeFigureOut">
               <a:rPr lang="en-US" dirty="0"/>
-              <a:t>7/14/2018</a:t>
+              <a:t>7/16/2018</a:t>
             </a:fld>
             <a:endParaRPr lang="en-US" dirty="0"/>
           </a:p>
@@ -2713,7 +2713,7 @@
           <a:p>
             <a:fld id="{DA16AA21-1863-4931-97CB-99D0A168701B}" type="datetimeFigureOut">
               <a:rPr lang="en-US" dirty="0"/>
-              <a:t>7/14/2018</a:t>
+              <a:t>7/16/2018</a:t>
             </a:fld>
             <a:endParaRPr lang="en-US" dirty="0"/>
           </a:p>
@@ -3133,7 +3133,7 @@
           <a:p>
             <a:fld id="{3772C379-9A7C-4C87-A116-CBE9F58B04C5}" type="datetimeFigureOut">
               <a:rPr lang="en-US" dirty="0"/>
-              <a:t>7/14/2018</a:t>
+              <a:t>7/16/2018</a:t>
             </a:fld>
             <a:endParaRPr lang="en-US" dirty="0"/>
           </a:p>
@@ -3409,7 +3409,7 @@
           <a:p>
             <a:fld id="{8664C608-40B1-4030-A28D-5B74BC98ADCE}" type="datetimeFigureOut">
               <a:rPr lang="en-US" dirty="0"/>
-              <a:t>7/14/2018</a:t>
+              <a:t>7/16/2018</a:t>
             </a:fld>
             <a:endParaRPr lang="en-US" dirty="0"/>
           </a:p>
@@ -4655,7 +4655,7 @@
         </p:nvSpPr>
         <p:spPr>
           <a:xfrm>
-            <a:off x="1069848" y="3665717"/>
+            <a:off x="998827" y="3772249"/>
             <a:ext cx="10058400" cy="2882691"/>
           </a:xfrm>
           <a:prstGeom prst="rect">
@@ -4664,7 +4664,7 @@
         </p:spPr>
         <p:txBody>
           <a:bodyPr vert="horz" lIns="91440" tIns="45720" rIns="91440" bIns="45720" rtlCol="0">
-            <a:normAutofit fontScale="92500" lnSpcReduction="10000"/>
+            <a:normAutofit fontScale="92500" lnSpcReduction="20000"/>
           </a:bodyPr>
           <a:lstStyle>
             <a:lvl1pPr marL="182880" indent="-182880" algn="l" defTabSz="914400" rtl="0" eaLnBrk="1" latinLnBrk="0" hangingPunct="1">
@@ -5007,7 +5007,7 @@
             </a:r>
             <a:r>
               <a:rPr lang="en-US" dirty="0"/>
-              <a:t>. </a:t>
+              <a:t> and combine it with the rest of the components. </a:t>
             </a:r>
           </a:p>
           <a:p>
@@ -5058,10 +5058,10 @@
       </p:sp>
       <p:graphicFrame>
         <p:nvGraphicFramePr>
-          <p:cNvPr id="5" name="Table 4">
+          <p:cNvPr id="6" name="Table 5">
             <a:extLst>
               <a:ext uri="{FF2B5EF4-FFF2-40B4-BE49-F238E27FC236}">
-                <a16:creationId xmlns:a16="http://schemas.microsoft.com/office/drawing/2014/main" id="{0D7795D5-FBBE-4D68-907B-4157CC0079B4}"/>
+                <a16:creationId xmlns:a16="http://schemas.microsoft.com/office/drawing/2014/main" id="{25354683-3426-4960-9101-F5C26BAA8010}"/>
               </a:ext>
             </a:extLst>
           </p:cNvPr>
@@ -5071,14 +5071,14 @@
           <p:nvPr>
             <p:extLst>
               <p:ext uri="{D42A27DB-BD31-4B8C-83A1-F6EECF244321}">
-                <p14:modId xmlns:p14="http://schemas.microsoft.com/office/powerpoint/2010/main" val="3234183025"/>
+                <p14:modId xmlns:p14="http://schemas.microsoft.com/office/powerpoint/2010/main" val="3655067390"/>
               </p:ext>
             </p:extLst>
           </p:nvPr>
         </p:nvGraphicFramePr>
         <p:xfrm>
-          <a:off x="5228085" y="2876593"/>
-          <a:ext cx="4581740" cy="548640"/>
+          <a:off x="5104660" y="2854797"/>
+          <a:ext cx="4829326" cy="548640"/>
         </p:xfrm>
         <a:graphic>
           <a:graphicData uri="http://schemas.openxmlformats.org/drawingml/2006/table">
@@ -5087,17 +5087,17 @@
                 <a:tableStyleId>{5C22544A-7EE6-4342-B048-85BDC9FD1C3A}</a:tableStyleId>
               </a:tblPr>
               <a:tblGrid>
-                <a:gridCol w="2433364">
+                <a:gridCol w="2564857">
                   <a:extLst>
                     <a:ext uri="{9D8B030D-6E8A-4147-A177-3AD203B41FA5}">
-                      <a16:colId xmlns:a16="http://schemas.microsoft.com/office/drawing/2014/main" val="721525919"/>
+                      <a16:colId xmlns:a16="http://schemas.microsoft.com/office/drawing/2014/main" val="4135053980"/>
                     </a:ext>
                   </a:extLst>
                 </a:gridCol>
-                <a:gridCol w="2148376">
+                <a:gridCol w="2264469">
                   <a:extLst>
                     <a:ext uri="{9D8B030D-6E8A-4147-A177-3AD203B41FA5}">
-                      <a16:colId xmlns:a16="http://schemas.microsoft.com/office/drawing/2014/main" val="466377387"/>
+                      <a16:colId xmlns:a16="http://schemas.microsoft.com/office/drawing/2014/main" val="3755596868"/>
                     </a:ext>
                   </a:extLst>
                 </a:gridCol>
@@ -5110,12 +5110,12 @@
                     <a:p>
                       <a:pPr algn="ctr" fontAlgn="ctr"/>
                       <a:r>
-                        <a:rPr lang="en-US" sz="1100" b="1" u="none" strike="noStrike">
+                        <a:rPr lang="en-US" sz="1100" b="1" u="none" strike="noStrike" dirty="0">
                           <a:effectLst/>
                         </a:rPr>
                         <a:t>Simulation Test1 (Comp1,Comp3,Comp4)</a:t>
                       </a:r>
-                      <a:endParaRPr lang="en-US" sz="1100" b="1" i="0" u="none" strike="noStrike">
+                      <a:endParaRPr lang="en-US" sz="1100" b="1" i="0" u="none" strike="noStrike" dirty="0">
                         <a:solidFill>
                           <a:srgbClr val="000000"/>
                         </a:solidFill>
@@ -5138,7 +5138,7 @@
                 </a:tc>
                 <a:extLst>
                   <a:ext uri="{0D108BD9-81ED-4DB2-BD59-A6C34878D82A}">
-                    <a16:rowId xmlns:a16="http://schemas.microsoft.com/office/drawing/2014/main" val="905183784"/>
+                    <a16:rowId xmlns:a16="http://schemas.microsoft.com/office/drawing/2014/main" val="1375678735"/>
                   </a:ext>
                 </a:extLst>
               </a:tr>
@@ -5150,12 +5150,12 @@
                     <a:p>
                       <a:pPr algn="ctr" fontAlgn="ctr"/>
                       <a:r>
-                        <a:rPr lang="en-US" sz="1100" b="1" u="none" strike="noStrike">
+                        <a:rPr lang="en-US" sz="1100" b="1" u="none" strike="noStrike" dirty="0">
                           <a:effectLst/>
                         </a:rPr>
                         <a:t>Test pass - 1</a:t>
                       </a:r>
-                      <a:endParaRPr lang="en-US" sz="1100" b="1" i="0" u="none" strike="noStrike">
+                      <a:endParaRPr lang="en-US" sz="1100" b="1" i="0" u="none" strike="noStrike" dirty="0">
                         <a:solidFill>
                           <a:srgbClr val="000000"/>
                         </a:solidFill>
@@ -5191,7 +5191,7 @@
                 </a:tc>
                 <a:extLst>
                   <a:ext uri="{0D108BD9-81ED-4DB2-BD59-A6C34878D82A}">
-                    <a16:rowId xmlns:a16="http://schemas.microsoft.com/office/drawing/2014/main" val="2612316429"/>
+                    <a16:rowId xmlns:a16="http://schemas.microsoft.com/office/drawing/2014/main" val="2977290682"/>
                   </a:ext>
                 </a:extLst>
               </a:tr>
@@ -5203,12 +5203,12 @@
                     <a:p>
                       <a:pPr algn="ctr" fontAlgn="ctr"/>
                       <a:r>
-                        <a:rPr lang="en-US" sz="1100" b="1" u="none" strike="noStrike">
-                          <a:effectLst/>
-                        </a:rPr>
-                        <a:t>Entropy(0.74,0.79,0.52)</a:t>
-                      </a:r>
-                      <a:endParaRPr lang="en-US" sz="1100" b="1" i="0" u="none" strike="noStrike">
+                        <a:rPr lang="en-US" sz="1100" b="1" u="none" strike="noStrike" dirty="0">
+                          <a:effectLst/>
+                        </a:rPr>
+                        <a:t>Entropy(0.74,0.12,0.79,0.52,0.03)</a:t>
+                      </a:r>
+                      <a:endParaRPr lang="en-US" sz="1100" b="1" i="0" u="none" strike="noStrike" dirty="0">
                         <a:solidFill>
                           <a:srgbClr val="000000"/>
                         </a:solidFill>
@@ -5229,7 +5229,7 @@
                         <a:rPr lang="en-US" sz="1100" b="1" u="none" strike="noStrike" dirty="0">
                           <a:effectLst/>
                         </a:rPr>
-                        <a:t>Entropy(0.18,0.23,0.08)</a:t>
+                        <a:t>Entropy(0.18,0.12,0.23,0.08,0.03)</a:t>
                       </a:r>
                       <a:endParaRPr lang="en-US" sz="1100" b="1" i="0" u="none" strike="noStrike" dirty="0">
                         <a:solidFill>
@@ -5244,7 +5244,7 @@
                 </a:tc>
                 <a:extLst>
                   <a:ext uri="{0D108BD9-81ED-4DB2-BD59-A6C34878D82A}">
-                    <a16:rowId xmlns:a16="http://schemas.microsoft.com/office/drawing/2014/main" val="81224658"/>
+                    <a16:rowId xmlns:a16="http://schemas.microsoft.com/office/drawing/2014/main" val="200768871"/>
                   </a:ext>
                 </a:extLst>
               </a:tr>
@@ -6659,7 +6659,7 @@
           <a:p>
             <a:r>
               <a:rPr lang="en-US" dirty="0"/>
-              <a:t>Experiment </a:t>
+              <a:t>Experiment Results</a:t>
             </a:r>
           </a:p>
         </p:txBody>
@@ -7223,6 +7223,99 @@
             </a:r>
           </a:p>
           <a:p>
+            <a:pPr marL="0" indent="0">
+              <a:buNone/>
+            </a:pPr>
+            <a:r>
+              <a:rPr lang="en-US" dirty="0"/>
+              <a:t>   n – number of tests</a:t>
+            </a:r>
+          </a:p>
+          <a:p>
+            <a:pPr marL="0" indent="0">
+              <a:buNone/>
+            </a:pPr>
+            <a:r>
+              <a:rPr lang="en-US" dirty="0"/>
+              <a:t>   IG - Information gain selection </a:t>
+            </a:r>
+          </a:p>
+          <a:p>
+            <a:pPr marL="0" indent="0">
+              <a:buNone/>
+            </a:pPr>
+            <a:r>
+              <a:rPr lang="en-US" dirty="0"/>
+              <a:t>   TFB - Top high failure probability tests</a:t>
+            </a:r>
+          </a:p>
+          <a:p>
+            <a:pPr marL="0" indent="0">
+              <a:buNone/>
+            </a:pPr>
+            <a:r>
+              <a:rPr lang="en-US" dirty="0"/>
+              <a:t>   </a:t>
+            </a:r>
+          </a:p>
+          <a:p>
+            <a:pPr marL="0" indent="0">
+              <a:buNone/>
+            </a:pPr>
+            <a:endParaRPr lang="en-US" dirty="0"/>
+          </a:p>
+          <a:p>
+            <a:pPr marL="0" indent="0">
+              <a:buNone/>
+            </a:pPr>
+            <a:endParaRPr lang="en-US" dirty="0"/>
+          </a:p>
+          <a:p>
+            <a:pPr marL="0" indent="0">
+              <a:buNone/>
+            </a:pPr>
+            <a:r>
+              <a:rPr lang="en-US" sz="1400" dirty="0"/>
+              <a:t>  	F – Failed		P - Passed</a:t>
+            </a:r>
+          </a:p>
+          <a:p>
+            <a:pPr marL="0" indent="0">
+              <a:buNone/>
+            </a:pPr>
+            <a:endParaRPr lang="en-US" dirty="0"/>
+          </a:p>
+          <a:p>
+            <a:pPr marL="0" indent="0">
+              <a:buNone/>
+            </a:pPr>
+            <a:endParaRPr lang="en-US" dirty="0"/>
+          </a:p>
+          <a:p>
+            <a:pPr marL="0" indent="0">
+              <a:buNone/>
+            </a:pPr>
+            <a:endParaRPr lang="en-US" dirty="0"/>
+          </a:p>
+          <a:p>
+            <a:pPr marL="0" indent="0">
+              <a:buNone/>
+            </a:pPr>
+            <a:endParaRPr lang="en-US" dirty="0"/>
+          </a:p>
+          <a:p>
+            <a:pPr marL="0" indent="0">
+              <a:buNone/>
+            </a:pPr>
+            <a:endParaRPr lang="en-US" dirty="0"/>
+          </a:p>
+          <a:p>
+            <a:pPr marL="0" indent="0">
+              <a:buNone/>
+            </a:pPr>
+            <a:endParaRPr lang="en-US" dirty="0"/>
+          </a:p>
+          <a:p>
             <a:pPr marL="274320" lvl="1" indent="0">
               <a:buNone/>
             </a:pPr>
@@ -7236,6 +7329,1997 @@
           </a:p>
         </p:txBody>
       </p:sp>
+      <p:graphicFrame>
+        <p:nvGraphicFramePr>
+          <p:cNvPr id="3" name="Table 2">
+            <a:extLst>
+              <a:ext uri="{FF2B5EF4-FFF2-40B4-BE49-F238E27FC236}">
+                <a16:creationId xmlns:a16="http://schemas.microsoft.com/office/drawing/2014/main" id="{93E1C502-65E4-42D3-B7C7-5A7060622D95}"/>
+              </a:ext>
+            </a:extLst>
+          </p:cNvPr>
+          <p:cNvGraphicFramePr>
+            <a:graphicFrameLocks noGrp="1"/>
+          </p:cNvGraphicFramePr>
+          <p:nvPr>
+            <p:extLst>
+              <p:ext uri="{D42A27DB-BD31-4B8C-83A1-F6EECF244321}">
+                <p14:modId xmlns:p14="http://schemas.microsoft.com/office/powerpoint/2010/main" val="4040775649"/>
+              </p:ext>
+            </p:extLst>
+          </p:nvPr>
+        </p:nvGraphicFramePr>
+        <p:xfrm>
+          <a:off x="1571346" y="3848750"/>
+          <a:ext cx="5637322" cy="1158254"/>
+        </p:xfrm>
+        <a:graphic>
+          <a:graphicData uri="http://schemas.openxmlformats.org/drawingml/2006/table">
+            <a:tbl>
+              <a:tblPr>
+                <a:tableStyleId>{5C22544A-7EE6-4342-B048-85BDC9FD1C3A}</a:tableStyleId>
+              </a:tblPr>
+              <a:tblGrid>
+                <a:gridCol w="739739">
+                  <a:extLst>
+                    <a:ext uri="{9D8B030D-6E8A-4147-A177-3AD203B41FA5}">
+                      <a16:colId xmlns:a16="http://schemas.microsoft.com/office/drawing/2014/main" val="2753448739"/>
+                    </a:ext>
+                  </a:extLst>
+                </a:gridCol>
+                <a:gridCol w="948908">
+                  <a:extLst>
+                    <a:ext uri="{9D8B030D-6E8A-4147-A177-3AD203B41FA5}">
+                      <a16:colId xmlns:a16="http://schemas.microsoft.com/office/drawing/2014/main" val="521429234"/>
+                    </a:ext>
+                  </a:extLst>
+                </a:gridCol>
+                <a:gridCol w="1270310">
+                  <a:extLst>
+                    <a:ext uri="{9D8B030D-6E8A-4147-A177-3AD203B41FA5}">
+                      <a16:colId xmlns:a16="http://schemas.microsoft.com/office/drawing/2014/main" val="870603807"/>
+                    </a:ext>
+                  </a:extLst>
+                </a:gridCol>
+                <a:gridCol w="1698848">
+                  <a:extLst>
+                    <a:ext uri="{9D8B030D-6E8A-4147-A177-3AD203B41FA5}">
+                      <a16:colId xmlns:a16="http://schemas.microsoft.com/office/drawing/2014/main" val="1007441220"/>
+                    </a:ext>
+                  </a:extLst>
+                </a:gridCol>
+                <a:gridCol w="979517">
+                  <a:extLst>
+                    <a:ext uri="{9D8B030D-6E8A-4147-A177-3AD203B41FA5}">
+                      <a16:colId xmlns:a16="http://schemas.microsoft.com/office/drawing/2014/main" val="3187038757"/>
+                    </a:ext>
+                  </a:extLst>
+                </a:gridCol>
+              </a:tblGrid>
+              <a:tr h="242860">
+                <a:tc>
+                  <a:txBody>
+                    <a:bodyPr/>
+                    <a:lstStyle/>
+                    <a:p>
+                      <a:pPr algn="l" fontAlgn="b"/>
+                      <a:r>
+                        <a:rPr lang="en-US" sz="1100" b="1" u="none" strike="noStrike">
+                          <a:effectLst/>
+                        </a:rPr>
+                        <a:t> </a:t>
+                      </a:r>
+                      <a:endParaRPr lang="en-US" sz="1100" b="1" i="0" u="none" strike="noStrike">
+                        <a:solidFill>
+                          <a:srgbClr val="000000"/>
+                        </a:solidFill>
+                        <a:effectLst/>
+                        <a:latin typeface="Calibri" panose="020F0502020204030204" pitchFamily="34" charset="0"/>
+                      </a:endParaRPr>
+                    </a:p>
+                  </a:txBody>
+                  <a:tcPr marL="7620" marR="7620" marT="7620" marB="0" anchor="b"/>
+                </a:tc>
+                <a:tc gridSpan="2">
+                  <a:txBody>
+                    <a:bodyPr/>
+                    <a:lstStyle/>
+                    <a:p>
+                      <a:pPr algn="ctr" fontAlgn="b"/>
+                      <a:r>
+                        <a:rPr lang="en-US" sz="1200" b="1" u="none" strike="noStrike">
+                          <a:effectLst/>
+                        </a:rPr>
+                        <a:t>IG </a:t>
+                      </a:r>
+                      <a:endParaRPr lang="en-US" sz="1200" b="1" i="0" u="none" strike="noStrike">
+                        <a:solidFill>
+                          <a:srgbClr val="000000"/>
+                        </a:solidFill>
+                        <a:effectLst/>
+                        <a:latin typeface="Rockwell" panose="02060603020205020403" pitchFamily="18" charset="0"/>
+                      </a:endParaRPr>
+                    </a:p>
+                  </a:txBody>
+                  <a:tcPr marL="7620" marR="7620" marT="7620" marB="0" anchor="b"/>
+                </a:tc>
+                <a:tc hMerge="1">
+                  <a:txBody>
+                    <a:bodyPr/>
+                    <a:lstStyle/>
+                    <a:p>
+                      <a:endParaRPr lang="en-US"/>
+                    </a:p>
+                  </a:txBody>
+                  <a:tcPr/>
+                </a:tc>
+                <a:tc gridSpan="2">
+                  <a:txBody>
+                    <a:bodyPr/>
+                    <a:lstStyle/>
+                    <a:p>
+                      <a:pPr algn="ctr" fontAlgn="b"/>
+                      <a:r>
+                        <a:rPr lang="en-US" sz="1200" b="1" u="none" strike="noStrike">
+                          <a:effectLst/>
+                        </a:rPr>
+                        <a:t>TFB</a:t>
+                      </a:r>
+                      <a:endParaRPr lang="en-US" sz="1200" b="1" i="0" u="none" strike="noStrike">
+                        <a:solidFill>
+                          <a:srgbClr val="000000"/>
+                        </a:solidFill>
+                        <a:effectLst/>
+                        <a:latin typeface="Rockwell" panose="02060603020205020403" pitchFamily="18" charset="0"/>
+                      </a:endParaRPr>
+                    </a:p>
+                  </a:txBody>
+                  <a:tcPr marL="7620" marR="7620" marT="7620" marB="0" anchor="b"/>
+                </a:tc>
+                <a:tc hMerge="1">
+                  <a:txBody>
+                    <a:bodyPr/>
+                    <a:lstStyle/>
+                    <a:p>
+                      <a:endParaRPr lang="en-US"/>
+                    </a:p>
+                  </a:txBody>
+                  <a:tcPr/>
+                </a:tc>
+                <a:extLst>
+                  <a:ext uri="{0D108BD9-81ED-4DB2-BD59-A6C34878D82A}">
+                    <a16:rowId xmlns:a16="http://schemas.microsoft.com/office/drawing/2014/main" val="108900720"/>
+                  </a:ext>
+                </a:extLst>
+              </a:tr>
+              <a:tr h="242860">
+                <a:tc>
+                  <a:txBody>
+                    <a:bodyPr/>
+                    <a:lstStyle/>
+                    <a:p>
+                      <a:pPr algn="ctr" fontAlgn="b"/>
+                      <a:r>
+                        <a:rPr lang="en-US" sz="1200" b="1" u="none" strike="noStrike">
+                          <a:effectLst/>
+                        </a:rPr>
+                        <a:t>n</a:t>
+                      </a:r>
+                      <a:endParaRPr lang="en-US" sz="1200" b="1" i="0" u="none" strike="noStrike">
+                        <a:solidFill>
+                          <a:srgbClr val="000000"/>
+                        </a:solidFill>
+                        <a:effectLst/>
+                        <a:latin typeface="Rockwell" panose="02060603020205020403" pitchFamily="18" charset="0"/>
+                      </a:endParaRPr>
+                    </a:p>
+                  </a:txBody>
+                  <a:tcPr marL="7620" marR="7620" marT="7620" marB="0" anchor="b"/>
+                </a:tc>
+                <a:tc>
+                  <a:txBody>
+                    <a:bodyPr/>
+                    <a:lstStyle/>
+                    <a:p>
+                      <a:pPr algn="ctr" fontAlgn="b"/>
+                      <a:r>
+                        <a:rPr lang="en-US" sz="1200" b="1" u="none" strike="noStrike">
+                          <a:effectLst/>
+                        </a:rPr>
+                        <a:t>failed</a:t>
+                      </a:r>
+                      <a:endParaRPr lang="en-US" sz="1200" b="1" i="0" u="none" strike="noStrike">
+                        <a:solidFill>
+                          <a:srgbClr val="000000"/>
+                        </a:solidFill>
+                        <a:effectLst/>
+                        <a:latin typeface="Rockwell" panose="02060603020205020403" pitchFamily="18" charset="0"/>
+                      </a:endParaRPr>
+                    </a:p>
+                  </a:txBody>
+                  <a:tcPr marL="7620" marR="7620" marT="7620" marB="0" anchor="b"/>
+                </a:tc>
+                <a:tc>
+                  <a:txBody>
+                    <a:bodyPr/>
+                    <a:lstStyle/>
+                    <a:p>
+                      <a:pPr algn="ctr" fontAlgn="b"/>
+                      <a:r>
+                        <a:rPr lang="en-US" sz="1200" b="1" u="none" strike="noStrike">
+                          <a:effectLst/>
+                        </a:rPr>
+                        <a:t>passed</a:t>
+                      </a:r>
+                      <a:endParaRPr lang="en-US" sz="1200" b="1" i="0" u="none" strike="noStrike">
+                        <a:solidFill>
+                          <a:srgbClr val="000000"/>
+                        </a:solidFill>
+                        <a:effectLst/>
+                        <a:latin typeface="Rockwell" panose="02060603020205020403" pitchFamily="18" charset="0"/>
+                      </a:endParaRPr>
+                    </a:p>
+                  </a:txBody>
+                  <a:tcPr marL="7620" marR="7620" marT="7620" marB="0" anchor="b"/>
+                </a:tc>
+                <a:tc>
+                  <a:txBody>
+                    <a:bodyPr/>
+                    <a:lstStyle/>
+                    <a:p>
+                      <a:pPr algn="ctr" fontAlgn="b"/>
+                      <a:r>
+                        <a:rPr lang="en-US" sz="1200" b="1" u="none" strike="noStrike">
+                          <a:effectLst/>
+                        </a:rPr>
+                        <a:t>failed</a:t>
+                      </a:r>
+                      <a:endParaRPr lang="en-US" sz="1200" b="1" i="0" u="none" strike="noStrike">
+                        <a:solidFill>
+                          <a:srgbClr val="000000"/>
+                        </a:solidFill>
+                        <a:effectLst/>
+                        <a:latin typeface="Rockwell" panose="02060603020205020403" pitchFamily="18" charset="0"/>
+                      </a:endParaRPr>
+                    </a:p>
+                  </a:txBody>
+                  <a:tcPr marL="7620" marR="7620" marT="7620" marB="0" anchor="b"/>
+                </a:tc>
+                <a:tc>
+                  <a:txBody>
+                    <a:bodyPr/>
+                    <a:lstStyle/>
+                    <a:p>
+                      <a:pPr algn="ctr" fontAlgn="b"/>
+                      <a:r>
+                        <a:rPr lang="en-US" sz="1200" b="1" u="none" strike="noStrike">
+                          <a:effectLst/>
+                        </a:rPr>
+                        <a:t>passed</a:t>
+                      </a:r>
+                      <a:endParaRPr lang="en-US" sz="1200" b="1" i="0" u="none" strike="noStrike">
+                        <a:solidFill>
+                          <a:srgbClr val="000000"/>
+                        </a:solidFill>
+                        <a:effectLst/>
+                        <a:latin typeface="Rockwell" panose="02060603020205020403" pitchFamily="18" charset="0"/>
+                      </a:endParaRPr>
+                    </a:p>
+                  </a:txBody>
+                  <a:tcPr marL="7620" marR="7620" marT="7620" marB="0" anchor="b"/>
+                </a:tc>
+                <a:extLst>
+                  <a:ext uri="{0D108BD9-81ED-4DB2-BD59-A6C34878D82A}">
+                    <a16:rowId xmlns:a16="http://schemas.microsoft.com/office/drawing/2014/main" val="175391373"/>
+                  </a:ext>
+                </a:extLst>
+              </a:tr>
+              <a:tr h="224178">
+                <a:tc>
+                  <a:txBody>
+                    <a:bodyPr/>
+                    <a:lstStyle/>
+                    <a:p>
+                      <a:pPr algn="ctr" fontAlgn="b"/>
+                      <a:r>
+                        <a:rPr lang="en-US" sz="1100" b="1" u="none" strike="noStrike">
+                          <a:effectLst/>
+                        </a:rPr>
+                        <a:t>5</a:t>
+                      </a:r>
+                      <a:endParaRPr lang="en-US" sz="1100" b="1" i="0" u="none" strike="noStrike">
+                        <a:solidFill>
+                          <a:srgbClr val="000000"/>
+                        </a:solidFill>
+                        <a:effectLst/>
+                        <a:latin typeface="Calibri" panose="020F0502020204030204" pitchFamily="34" charset="0"/>
+                      </a:endParaRPr>
+                    </a:p>
+                  </a:txBody>
+                  <a:tcPr marL="7620" marR="7620" marT="7620" marB="0" anchor="b"/>
+                </a:tc>
+                <a:tc>
+                  <a:txBody>
+                    <a:bodyPr/>
+                    <a:lstStyle/>
+                    <a:p>
+                      <a:pPr algn="ctr" fontAlgn="b"/>
+                      <a:r>
+                        <a:rPr lang="en-US" sz="1100" b="1" u="none" strike="noStrike">
+                          <a:effectLst/>
+                        </a:rPr>
+                        <a:t>4</a:t>
+                      </a:r>
+                      <a:endParaRPr lang="en-US" sz="1100" b="1" i="0" u="none" strike="noStrike">
+                        <a:solidFill>
+                          <a:srgbClr val="000000"/>
+                        </a:solidFill>
+                        <a:effectLst/>
+                        <a:latin typeface="Calibri" panose="020F0502020204030204" pitchFamily="34" charset="0"/>
+                      </a:endParaRPr>
+                    </a:p>
+                  </a:txBody>
+                  <a:tcPr marL="7620" marR="7620" marT="7620" marB="0" anchor="b"/>
+                </a:tc>
+                <a:tc>
+                  <a:txBody>
+                    <a:bodyPr/>
+                    <a:lstStyle/>
+                    <a:p>
+                      <a:pPr algn="ctr" fontAlgn="b"/>
+                      <a:r>
+                        <a:rPr lang="en-US" sz="1100" b="1" u="none" strike="noStrike">
+                          <a:effectLst/>
+                        </a:rPr>
+                        <a:t>1</a:t>
+                      </a:r>
+                      <a:endParaRPr lang="en-US" sz="1100" b="1" i="0" u="none" strike="noStrike">
+                        <a:solidFill>
+                          <a:srgbClr val="000000"/>
+                        </a:solidFill>
+                        <a:effectLst/>
+                        <a:latin typeface="Calibri" panose="020F0502020204030204" pitchFamily="34" charset="0"/>
+                      </a:endParaRPr>
+                    </a:p>
+                  </a:txBody>
+                  <a:tcPr marL="7620" marR="7620" marT="7620" marB="0" anchor="b"/>
+                </a:tc>
+                <a:tc>
+                  <a:txBody>
+                    <a:bodyPr/>
+                    <a:lstStyle/>
+                    <a:p>
+                      <a:pPr algn="ctr" fontAlgn="ctr"/>
+                      <a:r>
+                        <a:rPr lang="en-US" sz="1100" b="1" u="none" strike="noStrike">
+                          <a:effectLst/>
+                        </a:rPr>
+                        <a:t>2</a:t>
+                      </a:r>
+                      <a:endParaRPr lang="en-US" sz="1100" b="1" i="0" u="none" strike="noStrike">
+                        <a:solidFill>
+                          <a:srgbClr val="000000"/>
+                        </a:solidFill>
+                        <a:effectLst/>
+                        <a:latin typeface="Calibri" panose="020F0502020204030204" pitchFamily="34" charset="0"/>
+                      </a:endParaRPr>
+                    </a:p>
+                  </a:txBody>
+                  <a:tcPr marL="7620" marR="7620" marT="7620" marB="0" anchor="ctr"/>
+                </a:tc>
+                <a:tc>
+                  <a:txBody>
+                    <a:bodyPr/>
+                    <a:lstStyle/>
+                    <a:p>
+                      <a:pPr algn="ctr" fontAlgn="b"/>
+                      <a:r>
+                        <a:rPr lang="en-US" sz="1100" b="1" u="none" strike="noStrike">
+                          <a:effectLst/>
+                        </a:rPr>
+                        <a:t>3</a:t>
+                      </a:r>
+                      <a:endParaRPr lang="en-US" sz="1100" b="1" i="0" u="none" strike="noStrike">
+                        <a:solidFill>
+                          <a:srgbClr val="000000"/>
+                        </a:solidFill>
+                        <a:effectLst/>
+                        <a:latin typeface="Calibri" panose="020F0502020204030204" pitchFamily="34" charset="0"/>
+                      </a:endParaRPr>
+                    </a:p>
+                  </a:txBody>
+                  <a:tcPr marL="7620" marR="7620" marT="7620" marB="0" anchor="b"/>
+                </a:tc>
+                <a:extLst>
+                  <a:ext uri="{0D108BD9-81ED-4DB2-BD59-A6C34878D82A}">
+                    <a16:rowId xmlns:a16="http://schemas.microsoft.com/office/drawing/2014/main" val="3209618930"/>
+                  </a:ext>
+                </a:extLst>
+              </a:tr>
+              <a:tr h="224178">
+                <a:tc>
+                  <a:txBody>
+                    <a:bodyPr/>
+                    <a:lstStyle/>
+                    <a:p>
+                      <a:pPr algn="ctr" fontAlgn="b"/>
+                      <a:r>
+                        <a:rPr lang="en-US" sz="1100" b="1" u="none" strike="noStrike">
+                          <a:effectLst/>
+                        </a:rPr>
+                        <a:t>10</a:t>
+                      </a:r>
+                      <a:endParaRPr lang="en-US" sz="1100" b="1" i="0" u="none" strike="noStrike">
+                        <a:solidFill>
+                          <a:srgbClr val="000000"/>
+                        </a:solidFill>
+                        <a:effectLst/>
+                        <a:latin typeface="Calibri" panose="020F0502020204030204" pitchFamily="34" charset="0"/>
+                      </a:endParaRPr>
+                    </a:p>
+                  </a:txBody>
+                  <a:tcPr marL="7620" marR="7620" marT="7620" marB="0" anchor="b"/>
+                </a:tc>
+                <a:tc>
+                  <a:txBody>
+                    <a:bodyPr/>
+                    <a:lstStyle/>
+                    <a:p>
+                      <a:pPr algn="ctr" fontAlgn="b"/>
+                      <a:r>
+                        <a:rPr lang="en-US" sz="1100" b="1" u="none" strike="noStrike">
+                          <a:effectLst/>
+                        </a:rPr>
+                        <a:t>4</a:t>
+                      </a:r>
+                      <a:endParaRPr lang="en-US" sz="1100" b="1" i="0" u="none" strike="noStrike">
+                        <a:solidFill>
+                          <a:srgbClr val="000000"/>
+                        </a:solidFill>
+                        <a:effectLst/>
+                        <a:latin typeface="Calibri" panose="020F0502020204030204" pitchFamily="34" charset="0"/>
+                      </a:endParaRPr>
+                    </a:p>
+                  </a:txBody>
+                  <a:tcPr marL="7620" marR="7620" marT="7620" marB="0" anchor="b"/>
+                </a:tc>
+                <a:tc>
+                  <a:txBody>
+                    <a:bodyPr/>
+                    <a:lstStyle/>
+                    <a:p>
+                      <a:pPr algn="ctr" fontAlgn="b"/>
+                      <a:r>
+                        <a:rPr lang="en-US" sz="1100" b="1" u="none" strike="noStrike">
+                          <a:effectLst/>
+                        </a:rPr>
+                        <a:t>6</a:t>
+                      </a:r>
+                      <a:endParaRPr lang="en-US" sz="1100" b="1" i="0" u="none" strike="noStrike">
+                        <a:solidFill>
+                          <a:srgbClr val="000000"/>
+                        </a:solidFill>
+                        <a:effectLst/>
+                        <a:latin typeface="Calibri" panose="020F0502020204030204" pitchFamily="34" charset="0"/>
+                      </a:endParaRPr>
+                    </a:p>
+                  </a:txBody>
+                  <a:tcPr marL="7620" marR="7620" marT="7620" marB="0" anchor="b"/>
+                </a:tc>
+                <a:tc>
+                  <a:txBody>
+                    <a:bodyPr/>
+                    <a:lstStyle/>
+                    <a:p>
+                      <a:pPr algn="ctr" fontAlgn="ctr"/>
+                      <a:r>
+                        <a:rPr lang="en-US" sz="1100" b="1" u="none" strike="noStrike">
+                          <a:effectLst/>
+                        </a:rPr>
+                        <a:t>3</a:t>
+                      </a:r>
+                      <a:endParaRPr lang="en-US" sz="1100" b="1" i="0" u="none" strike="noStrike">
+                        <a:solidFill>
+                          <a:srgbClr val="000000"/>
+                        </a:solidFill>
+                        <a:effectLst/>
+                        <a:latin typeface="Calibri" panose="020F0502020204030204" pitchFamily="34" charset="0"/>
+                      </a:endParaRPr>
+                    </a:p>
+                  </a:txBody>
+                  <a:tcPr marL="7620" marR="7620" marT="7620" marB="0" anchor="ctr"/>
+                </a:tc>
+                <a:tc>
+                  <a:txBody>
+                    <a:bodyPr/>
+                    <a:lstStyle/>
+                    <a:p>
+                      <a:pPr algn="ctr" fontAlgn="b"/>
+                      <a:r>
+                        <a:rPr lang="en-US" sz="1100" b="1" u="none" strike="noStrike" dirty="0">
+                          <a:effectLst/>
+                        </a:rPr>
+                        <a:t>7</a:t>
+                      </a:r>
+                      <a:endParaRPr lang="en-US" sz="1100" b="1" i="0" u="none" strike="noStrike" dirty="0">
+                        <a:solidFill>
+                          <a:srgbClr val="000000"/>
+                        </a:solidFill>
+                        <a:effectLst/>
+                        <a:latin typeface="Calibri" panose="020F0502020204030204" pitchFamily="34" charset="0"/>
+                      </a:endParaRPr>
+                    </a:p>
+                  </a:txBody>
+                  <a:tcPr marL="7620" marR="7620" marT="7620" marB="0" anchor="b"/>
+                </a:tc>
+                <a:extLst>
+                  <a:ext uri="{0D108BD9-81ED-4DB2-BD59-A6C34878D82A}">
+                    <a16:rowId xmlns:a16="http://schemas.microsoft.com/office/drawing/2014/main" val="454893697"/>
+                  </a:ext>
+                </a:extLst>
+              </a:tr>
+              <a:tr h="224178">
+                <a:tc>
+                  <a:txBody>
+                    <a:bodyPr/>
+                    <a:lstStyle/>
+                    <a:p>
+                      <a:pPr algn="ctr" fontAlgn="b"/>
+                      <a:r>
+                        <a:rPr lang="en-US" sz="1100" b="1" u="none" strike="noStrike">
+                          <a:effectLst/>
+                        </a:rPr>
+                        <a:t>15</a:t>
+                      </a:r>
+                      <a:endParaRPr lang="en-US" sz="1100" b="1" i="0" u="none" strike="noStrike">
+                        <a:solidFill>
+                          <a:srgbClr val="000000"/>
+                        </a:solidFill>
+                        <a:effectLst/>
+                        <a:latin typeface="Calibri" panose="020F0502020204030204" pitchFamily="34" charset="0"/>
+                      </a:endParaRPr>
+                    </a:p>
+                  </a:txBody>
+                  <a:tcPr marL="7620" marR="7620" marT="7620" marB="0" anchor="b"/>
+                </a:tc>
+                <a:tc>
+                  <a:txBody>
+                    <a:bodyPr/>
+                    <a:lstStyle/>
+                    <a:p>
+                      <a:pPr algn="ctr" fontAlgn="b"/>
+                      <a:r>
+                        <a:rPr lang="en-US" sz="1100" b="1" u="none" strike="noStrike" dirty="0">
+                          <a:effectLst/>
+                        </a:rPr>
+                        <a:t>4</a:t>
+                      </a:r>
+                      <a:endParaRPr lang="en-US" sz="1100" b="1" i="0" u="none" strike="noStrike" dirty="0">
+                        <a:solidFill>
+                          <a:srgbClr val="000000"/>
+                        </a:solidFill>
+                        <a:effectLst/>
+                        <a:latin typeface="Calibri" panose="020F0502020204030204" pitchFamily="34" charset="0"/>
+                      </a:endParaRPr>
+                    </a:p>
+                  </a:txBody>
+                  <a:tcPr marL="7620" marR="7620" marT="7620" marB="0" anchor="b"/>
+                </a:tc>
+                <a:tc>
+                  <a:txBody>
+                    <a:bodyPr/>
+                    <a:lstStyle/>
+                    <a:p>
+                      <a:pPr algn="ctr" fontAlgn="b"/>
+                      <a:r>
+                        <a:rPr lang="en-US" sz="1100" b="1" u="none" strike="noStrike">
+                          <a:effectLst/>
+                        </a:rPr>
+                        <a:t>11</a:t>
+                      </a:r>
+                      <a:endParaRPr lang="en-US" sz="1100" b="1" i="0" u="none" strike="noStrike">
+                        <a:solidFill>
+                          <a:srgbClr val="000000"/>
+                        </a:solidFill>
+                        <a:effectLst/>
+                        <a:latin typeface="Calibri" panose="020F0502020204030204" pitchFamily="34" charset="0"/>
+                      </a:endParaRPr>
+                    </a:p>
+                  </a:txBody>
+                  <a:tcPr marL="7620" marR="7620" marT="7620" marB="0" anchor="b"/>
+                </a:tc>
+                <a:tc>
+                  <a:txBody>
+                    <a:bodyPr/>
+                    <a:lstStyle/>
+                    <a:p>
+                      <a:pPr algn="ctr" fontAlgn="ctr"/>
+                      <a:r>
+                        <a:rPr lang="en-US" sz="1100" b="1" u="none" strike="noStrike">
+                          <a:effectLst/>
+                        </a:rPr>
+                        <a:t>4</a:t>
+                      </a:r>
+                      <a:endParaRPr lang="en-US" sz="1100" b="1" i="0" u="none" strike="noStrike">
+                        <a:solidFill>
+                          <a:srgbClr val="000000"/>
+                        </a:solidFill>
+                        <a:effectLst/>
+                        <a:latin typeface="Calibri" panose="020F0502020204030204" pitchFamily="34" charset="0"/>
+                      </a:endParaRPr>
+                    </a:p>
+                  </a:txBody>
+                  <a:tcPr marL="7620" marR="7620" marT="7620" marB="0" anchor="ctr"/>
+                </a:tc>
+                <a:tc>
+                  <a:txBody>
+                    <a:bodyPr/>
+                    <a:lstStyle/>
+                    <a:p>
+                      <a:pPr algn="ctr" fontAlgn="b"/>
+                      <a:r>
+                        <a:rPr lang="en-US" sz="1100" b="1" u="none" strike="noStrike" dirty="0">
+                          <a:effectLst/>
+                        </a:rPr>
+                        <a:t>11</a:t>
+                      </a:r>
+                      <a:endParaRPr lang="en-US" sz="1100" b="1" i="0" u="none" strike="noStrike" dirty="0">
+                        <a:solidFill>
+                          <a:srgbClr val="000000"/>
+                        </a:solidFill>
+                        <a:effectLst/>
+                        <a:latin typeface="Calibri" panose="020F0502020204030204" pitchFamily="34" charset="0"/>
+                      </a:endParaRPr>
+                    </a:p>
+                  </a:txBody>
+                  <a:tcPr marL="7620" marR="7620" marT="7620" marB="0" anchor="b"/>
+                </a:tc>
+                <a:extLst>
+                  <a:ext uri="{0D108BD9-81ED-4DB2-BD59-A6C34878D82A}">
+                    <a16:rowId xmlns:a16="http://schemas.microsoft.com/office/drawing/2014/main" val="3347475787"/>
+                  </a:ext>
+                </a:extLst>
+              </a:tr>
+            </a:tbl>
+          </a:graphicData>
+        </a:graphic>
+      </p:graphicFrame>
+      <p:graphicFrame>
+        <p:nvGraphicFramePr>
+          <p:cNvPr id="4" name="Table 3">
+            <a:extLst>
+              <a:ext uri="{FF2B5EF4-FFF2-40B4-BE49-F238E27FC236}">
+                <a16:creationId xmlns:a16="http://schemas.microsoft.com/office/drawing/2014/main" id="{65544039-450B-4396-9F76-C969FBC8F267}"/>
+              </a:ext>
+            </a:extLst>
+          </p:cNvPr>
+          <p:cNvGraphicFramePr>
+            <a:graphicFrameLocks noGrp="1"/>
+          </p:cNvGraphicFramePr>
+          <p:nvPr>
+            <p:extLst>
+              <p:ext uri="{D42A27DB-BD31-4B8C-83A1-F6EECF244321}">
+                <p14:modId xmlns:p14="http://schemas.microsoft.com/office/powerpoint/2010/main" val="974233334"/>
+              </p:ext>
+            </p:extLst>
+          </p:nvPr>
+        </p:nvGraphicFramePr>
+        <p:xfrm>
+          <a:off x="1269504" y="5459767"/>
+          <a:ext cx="8025412" cy="984681"/>
+        </p:xfrm>
+        <a:graphic>
+          <a:graphicData uri="http://schemas.openxmlformats.org/drawingml/2006/table">
+            <a:tbl>
+              <a:tblPr>
+                <a:tableStyleId>{5C22544A-7EE6-4342-B048-85BDC9FD1C3A}</a:tableStyleId>
+              </a:tblPr>
+              <a:tblGrid>
+                <a:gridCol w="1585264">
+                  <a:extLst>
+                    <a:ext uri="{9D8B030D-6E8A-4147-A177-3AD203B41FA5}">
+                      <a16:colId xmlns:a16="http://schemas.microsoft.com/office/drawing/2014/main" val="3782272989"/>
+                    </a:ext>
+                  </a:extLst>
+                </a:gridCol>
+                <a:gridCol w="363290">
+                  <a:extLst>
+                    <a:ext uri="{9D8B030D-6E8A-4147-A177-3AD203B41FA5}">
+                      <a16:colId xmlns:a16="http://schemas.microsoft.com/office/drawing/2014/main" val="1690900973"/>
+                    </a:ext>
+                  </a:extLst>
+                </a:gridCol>
+                <a:gridCol w="363290">
+                  <a:extLst>
+                    <a:ext uri="{9D8B030D-6E8A-4147-A177-3AD203B41FA5}">
+                      <a16:colId xmlns:a16="http://schemas.microsoft.com/office/drawing/2014/main" val="753862312"/>
+                    </a:ext>
+                  </a:extLst>
+                </a:gridCol>
+                <a:gridCol w="363290">
+                  <a:extLst>
+                    <a:ext uri="{9D8B030D-6E8A-4147-A177-3AD203B41FA5}">
+                      <a16:colId xmlns:a16="http://schemas.microsoft.com/office/drawing/2014/main" val="2680481878"/>
+                    </a:ext>
+                  </a:extLst>
+                </a:gridCol>
+                <a:gridCol w="363290">
+                  <a:extLst>
+                    <a:ext uri="{9D8B030D-6E8A-4147-A177-3AD203B41FA5}">
+                      <a16:colId xmlns:a16="http://schemas.microsoft.com/office/drawing/2014/main" val="1673871201"/>
+                    </a:ext>
+                  </a:extLst>
+                </a:gridCol>
+                <a:gridCol w="363290">
+                  <a:extLst>
+                    <a:ext uri="{9D8B030D-6E8A-4147-A177-3AD203B41FA5}">
+                      <a16:colId xmlns:a16="http://schemas.microsoft.com/office/drawing/2014/main" val="2577789882"/>
+                    </a:ext>
+                  </a:extLst>
+                </a:gridCol>
+                <a:gridCol w="363290">
+                  <a:extLst>
+                    <a:ext uri="{9D8B030D-6E8A-4147-A177-3AD203B41FA5}">
+                      <a16:colId xmlns:a16="http://schemas.microsoft.com/office/drawing/2014/main" val="4076877026"/>
+                    </a:ext>
+                  </a:extLst>
+                </a:gridCol>
+                <a:gridCol w="363290">
+                  <a:extLst>
+                    <a:ext uri="{9D8B030D-6E8A-4147-A177-3AD203B41FA5}">
+                      <a16:colId xmlns:a16="http://schemas.microsoft.com/office/drawing/2014/main" val="2598410897"/>
+                    </a:ext>
+                  </a:extLst>
+                </a:gridCol>
+                <a:gridCol w="363290">
+                  <a:extLst>
+                    <a:ext uri="{9D8B030D-6E8A-4147-A177-3AD203B41FA5}">
+                      <a16:colId xmlns:a16="http://schemas.microsoft.com/office/drawing/2014/main" val="2774049590"/>
+                    </a:ext>
+                  </a:extLst>
+                </a:gridCol>
+                <a:gridCol w="363290">
+                  <a:extLst>
+                    <a:ext uri="{9D8B030D-6E8A-4147-A177-3AD203B41FA5}">
+                      <a16:colId xmlns:a16="http://schemas.microsoft.com/office/drawing/2014/main" val="3981941535"/>
+                    </a:ext>
+                  </a:extLst>
+                </a:gridCol>
+                <a:gridCol w="528423">
+                  <a:extLst>
+                    <a:ext uri="{9D8B030D-6E8A-4147-A177-3AD203B41FA5}">
+                      <a16:colId xmlns:a16="http://schemas.microsoft.com/office/drawing/2014/main" val="3026428641"/>
+                    </a:ext>
+                  </a:extLst>
+                </a:gridCol>
+                <a:gridCol w="528423">
+                  <a:extLst>
+                    <a:ext uri="{9D8B030D-6E8A-4147-A177-3AD203B41FA5}">
+                      <a16:colId xmlns:a16="http://schemas.microsoft.com/office/drawing/2014/main" val="4056216738"/>
+                    </a:ext>
+                  </a:extLst>
+                </a:gridCol>
+                <a:gridCol w="528423">
+                  <a:extLst>
+                    <a:ext uri="{9D8B030D-6E8A-4147-A177-3AD203B41FA5}">
+                      <a16:colId xmlns:a16="http://schemas.microsoft.com/office/drawing/2014/main" val="4152103717"/>
+                    </a:ext>
+                  </a:extLst>
+                </a:gridCol>
+                <a:gridCol w="528423">
+                  <a:extLst>
+                    <a:ext uri="{9D8B030D-6E8A-4147-A177-3AD203B41FA5}">
+                      <a16:colId xmlns:a16="http://schemas.microsoft.com/office/drawing/2014/main" val="2254858381"/>
+                    </a:ext>
+                  </a:extLst>
+                </a:gridCol>
+                <a:gridCol w="528423">
+                  <a:extLst>
+                    <a:ext uri="{9D8B030D-6E8A-4147-A177-3AD203B41FA5}">
+                      <a16:colId xmlns:a16="http://schemas.microsoft.com/office/drawing/2014/main" val="3348986621"/>
+                    </a:ext>
+                  </a:extLst>
+                </a:gridCol>
+                <a:gridCol w="528423">
+                  <a:extLst>
+                    <a:ext uri="{9D8B030D-6E8A-4147-A177-3AD203B41FA5}">
+                      <a16:colId xmlns:a16="http://schemas.microsoft.com/office/drawing/2014/main" val="588748758"/>
+                    </a:ext>
+                  </a:extLst>
+                </a:gridCol>
+              </a:tblGrid>
+              <a:tr h="298881">
+                <a:tc>
+                  <a:txBody>
+                    <a:bodyPr/>
+                    <a:lstStyle/>
+                    <a:p>
+                      <a:pPr algn="ctr" fontAlgn="b"/>
+                      <a:r>
+                        <a:rPr lang="en-US" sz="1100" b="1" u="none" strike="noStrike">
+                          <a:effectLst/>
+                        </a:rPr>
+                        <a:t>Test#</a:t>
+                      </a:r>
+                      <a:endParaRPr lang="en-US" sz="1100" b="1" i="0" u="none" strike="noStrike">
+                        <a:solidFill>
+                          <a:srgbClr val="000000"/>
+                        </a:solidFill>
+                        <a:effectLst/>
+                        <a:latin typeface="Calibri" panose="020F0502020204030204" pitchFamily="34" charset="0"/>
+                      </a:endParaRPr>
+                    </a:p>
+                  </a:txBody>
+                  <a:tcPr marL="7620" marR="7620" marT="7620" marB="0" anchor="b"/>
+                </a:tc>
+                <a:tc>
+                  <a:txBody>
+                    <a:bodyPr/>
+                    <a:lstStyle/>
+                    <a:p>
+                      <a:pPr algn="ctr" fontAlgn="b"/>
+                      <a:r>
+                        <a:rPr lang="en-US" sz="1100" b="1" u="none" strike="noStrike">
+                          <a:effectLst/>
+                        </a:rPr>
+                        <a:t>1</a:t>
+                      </a:r>
+                      <a:endParaRPr lang="en-US" sz="1100" b="1" i="0" u="none" strike="noStrike">
+                        <a:solidFill>
+                          <a:srgbClr val="000000"/>
+                        </a:solidFill>
+                        <a:effectLst/>
+                        <a:latin typeface="Calibri" panose="020F0502020204030204" pitchFamily="34" charset="0"/>
+                      </a:endParaRPr>
+                    </a:p>
+                  </a:txBody>
+                  <a:tcPr marL="7620" marR="7620" marT="7620" marB="0" anchor="b"/>
+                </a:tc>
+                <a:tc>
+                  <a:txBody>
+                    <a:bodyPr/>
+                    <a:lstStyle/>
+                    <a:p>
+                      <a:pPr algn="ctr" fontAlgn="b"/>
+                      <a:r>
+                        <a:rPr lang="en-US" sz="1100" b="1" u="none" strike="noStrike">
+                          <a:effectLst/>
+                        </a:rPr>
+                        <a:t>2</a:t>
+                      </a:r>
+                      <a:endParaRPr lang="en-US" sz="1100" b="1" i="0" u="none" strike="noStrike">
+                        <a:solidFill>
+                          <a:srgbClr val="000000"/>
+                        </a:solidFill>
+                        <a:effectLst/>
+                        <a:latin typeface="Calibri" panose="020F0502020204030204" pitchFamily="34" charset="0"/>
+                      </a:endParaRPr>
+                    </a:p>
+                  </a:txBody>
+                  <a:tcPr marL="7620" marR="7620" marT="7620" marB="0" anchor="b"/>
+                </a:tc>
+                <a:tc>
+                  <a:txBody>
+                    <a:bodyPr/>
+                    <a:lstStyle/>
+                    <a:p>
+                      <a:pPr algn="ctr" fontAlgn="b"/>
+                      <a:r>
+                        <a:rPr lang="en-US" sz="1100" b="1" u="none" strike="noStrike">
+                          <a:effectLst/>
+                        </a:rPr>
+                        <a:t>3</a:t>
+                      </a:r>
+                      <a:endParaRPr lang="en-US" sz="1100" b="1" i="0" u="none" strike="noStrike">
+                        <a:solidFill>
+                          <a:srgbClr val="000000"/>
+                        </a:solidFill>
+                        <a:effectLst/>
+                        <a:latin typeface="Calibri" panose="020F0502020204030204" pitchFamily="34" charset="0"/>
+                      </a:endParaRPr>
+                    </a:p>
+                  </a:txBody>
+                  <a:tcPr marL="7620" marR="7620" marT="7620" marB="0" anchor="b"/>
+                </a:tc>
+                <a:tc>
+                  <a:txBody>
+                    <a:bodyPr/>
+                    <a:lstStyle/>
+                    <a:p>
+                      <a:pPr algn="ctr" fontAlgn="b"/>
+                      <a:r>
+                        <a:rPr lang="en-US" sz="1100" b="1" u="none" strike="noStrike">
+                          <a:effectLst/>
+                        </a:rPr>
+                        <a:t>4</a:t>
+                      </a:r>
+                      <a:endParaRPr lang="en-US" sz="1100" b="1" i="0" u="none" strike="noStrike">
+                        <a:solidFill>
+                          <a:srgbClr val="000000"/>
+                        </a:solidFill>
+                        <a:effectLst/>
+                        <a:latin typeface="Calibri" panose="020F0502020204030204" pitchFamily="34" charset="0"/>
+                      </a:endParaRPr>
+                    </a:p>
+                  </a:txBody>
+                  <a:tcPr marL="7620" marR="7620" marT="7620" marB="0" anchor="b"/>
+                </a:tc>
+                <a:tc>
+                  <a:txBody>
+                    <a:bodyPr/>
+                    <a:lstStyle/>
+                    <a:p>
+                      <a:pPr algn="ctr" fontAlgn="b"/>
+                      <a:r>
+                        <a:rPr lang="en-US" sz="1100" b="1" u="none" strike="noStrike">
+                          <a:effectLst/>
+                        </a:rPr>
+                        <a:t>5</a:t>
+                      </a:r>
+                      <a:endParaRPr lang="en-US" sz="1100" b="1" i="0" u="none" strike="noStrike">
+                        <a:solidFill>
+                          <a:srgbClr val="000000"/>
+                        </a:solidFill>
+                        <a:effectLst/>
+                        <a:latin typeface="Calibri" panose="020F0502020204030204" pitchFamily="34" charset="0"/>
+                      </a:endParaRPr>
+                    </a:p>
+                  </a:txBody>
+                  <a:tcPr marL="7620" marR="7620" marT="7620" marB="0" anchor="b"/>
+                </a:tc>
+                <a:tc>
+                  <a:txBody>
+                    <a:bodyPr/>
+                    <a:lstStyle/>
+                    <a:p>
+                      <a:pPr algn="ctr" fontAlgn="b"/>
+                      <a:r>
+                        <a:rPr lang="en-US" sz="1100" b="1" u="none" strike="noStrike">
+                          <a:effectLst/>
+                        </a:rPr>
+                        <a:t>6</a:t>
+                      </a:r>
+                      <a:endParaRPr lang="en-US" sz="1100" b="1" i="0" u="none" strike="noStrike">
+                        <a:solidFill>
+                          <a:srgbClr val="000000"/>
+                        </a:solidFill>
+                        <a:effectLst/>
+                        <a:latin typeface="Calibri" panose="020F0502020204030204" pitchFamily="34" charset="0"/>
+                      </a:endParaRPr>
+                    </a:p>
+                  </a:txBody>
+                  <a:tcPr marL="7620" marR="7620" marT="7620" marB="0" anchor="b"/>
+                </a:tc>
+                <a:tc>
+                  <a:txBody>
+                    <a:bodyPr/>
+                    <a:lstStyle/>
+                    <a:p>
+                      <a:pPr algn="ctr" fontAlgn="b"/>
+                      <a:r>
+                        <a:rPr lang="en-US" sz="1100" b="1" u="none" strike="noStrike">
+                          <a:effectLst/>
+                        </a:rPr>
+                        <a:t>7</a:t>
+                      </a:r>
+                      <a:endParaRPr lang="en-US" sz="1100" b="1" i="0" u="none" strike="noStrike">
+                        <a:solidFill>
+                          <a:srgbClr val="000000"/>
+                        </a:solidFill>
+                        <a:effectLst/>
+                        <a:latin typeface="Calibri" panose="020F0502020204030204" pitchFamily="34" charset="0"/>
+                      </a:endParaRPr>
+                    </a:p>
+                  </a:txBody>
+                  <a:tcPr marL="7620" marR="7620" marT="7620" marB="0" anchor="b"/>
+                </a:tc>
+                <a:tc>
+                  <a:txBody>
+                    <a:bodyPr/>
+                    <a:lstStyle/>
+                    <a:p>
+                      <a:pPr algn="ctr" fontAlgn="b"/>
+                      <a:r>
+                        <a:rPr lang="en-US" sz="1100" b="1" u="none" strike="noStrike">
+                          <a:effectLst/>
+                        </a:rPr>
+                        <a:t>8</a:t>
+                      </a:r>
+                      <a:endParaRPr lang="en-US" sz="1100" b="1" i="0" u="none" strike="noStrike">
+                        <a:solidFill>
+                          <a:srgbClr val="000000"/>
+                        </a:solidFill>
+                        <a:effectLst/>
+                        <a:latin typeface="Calibri" panose="020F0502020204030204" pitchFamily="34" charset="0"/>
+                      </a:endParaRPr>
+                    </a:p>
+                  </a:txBody>
+                  <a:tcPr marL="7620" marR="7620" marT="7620" marB="0" anchor="b"/>
+                </a:tc>
+                <a:tc>
+                  <a:txBody>
+                    <a:bodyPr/>
+                    <a:lstStyle/>
+                    <a:p>
+                      <a:pPr algn="ctr" fontAlgn="b"/>
+                      <a:r>
+                        <a:rPr lang="en-US" sz="1100" b="1" u="none" strike="noStrike">
+                          <a:effectLst/>
+                        </a:rPr>
+                        <a:t>9</a:t>
+                      </a:r>
+                      <a:endParaRPr lang="en-US" sz="1100" b="1" i="0" u="none" strike="noStrike">
+                        <a:solidFill>
+                          <a:srgbClr val="000000"/>
+                        </a:solidFill>
+                        <a:effectLst/>
+                        <a:latin typeface="Calibri" panose="020F0502020204030204" pitchFamily="34" charset="0"/>
+                      </a:endParaRPr>
+                    </a:p>
+                  </a:txBody>
+                  <a:tcPr marL="7620" marR="7620" marT="7620" marB="0" anchor="b"/>
+                </a:tc>
+                <a:tc>
+                  <a:txBody>
+                    <a:bodyPr/>
+                    <a:lstStyle/>
+                    <a:p>
+                      <a:pPr algn="ctr" fontAlgn="b"/>
+                      <a:r>
+                        <a:rPr lang="en-US" sz="1100" b="1" u="none" strike="noStrike">
+                          <a:effectLst/>
+                        </a:rPr>
+                        <a:t>10</a:t>
+                      </a:r>
+                      <a:endParaRPr lang="en-US" sz="1100" b="1" i="0" u="none" strike="noStrike">
+                        <a:solidFill>
+                          <a:srgbClr val="000000"/>
+                        </a:solidFill>
+                        <a:effectLst/>
+                        <a:latin typeface="Calibri" panose="020F0502020204030204" pitchFamily="34" charset="0"/>
+                      </a:endParaRPr>
+                    </a:p>
+                  </a:txBody>
+                  <a:tcPr marL="7620" marR="7620" marT="7620" marB="0" anchor="b"/>
+                </a:tc>
+                <a:tc>
+                  <a:txBody>
+                    <a:bodyPr/>
+                    <a:lstStyle/>
+                    <a:p>
+                      <a:pPr algn="ctr" fontAlgn="b"/>
+                      <a:r>
+                        <a:rPr lang="en-US" sz="1100" b="1" u="none" strike="noStrike">
+                          <a:effectLst/>
+                        </a:rPr>
+                        <a:t>11</a:t>
+                      </a:r>
+                      <a:endParaRPr lang="en-US" sz="1100" b="1" i="0" u="none" strike="noStrike">
+                        <a:solidFill>
+                          <a:srgbClr val="000000"/>
+                        </a:solidFill>
+                        <a:effectLst/>
+                        <a:latin typeface="Calibri" panose="020F0502020204030204" pitchFamily="34" charset="0"/>
+                      </a:endParaRPr>
+                    </a:p>
+                  </a:txBody>
+                  <a:tcPr marL="7620" marR="7620" marT="7620" marB="0" anchor="b"/>
+                </a:tc>
+                <a:tc>
+                  <a:txBody>
+                    <a:bodyPr/>
+                    <a:lstStyle/>
+                    <a:p>
+                      <a:pPr algn="ctr" fontAlgn="b"/>
+                      <a:r>
+                        <a:rPr lang="en-US" sz="1100" b="1" u="none" strike="noStrike">
+                          <a:effectLst/>
+                        </a:rPr>
+                        <a:t>12</a:t>
+                      </a:r>
+                      <a:endParaRPr lang="en-US" sz="1100" b="1" i="0" u="none" strike="noStrike">
+                        <a:solidFill>
+                          <a:srgbClr val="000000"/>
+                        </a:solidFill>
+                        <a:effectLst/>
+                        <a:latin typeface="Calibri" panose="020F0502020204030204" pitchFamily="34" charset="0"/>
+                      </a:endParaRPr>
+                    </a:p>
+                  </a:txBody>
+                  <a:tcPr marL="7620" marR="7620" marT="7620" marB="0" anchor="b"/>
+                </a:tc>
+                <a:tc>
+                  <a:txBody>
+                    <a:bodyPr/>
+                    <a:lstStyle/>
+                    <a:p>
+                      <a:pPr algn="ctr" fontAlgn="b"/>
+                      <a:r>
+                        <a:rPr lang="en-US" sz="1100" b="1" u="none" strike="noStrike">
+                          <a:effectLst/>
+                        </a:rPr>
+                        <a:t>13</a:t>
+                      </a:r>
+                      <a:endParaRPr lang="en-US" sz="1100" b="1" i="0" u="none" strike="noStrike">
+                        <a:solidFill>
+                          <a:srgbClr val="000000"/>
+                        </a:solidFill>
+                        <a:effectLst/>
+                        <a:latin typeface="Calibri" panose="020F0502020204030204" pitchFamily="34" charset="0"/>
+                      </a:endParaRPr>
+                    </a:p>
+                  </a:txBody>
+                  <a:tcPr marL="7620" marR="7620" marT="7620" marB="0" anchor="b"/>
+                </a:tc>
+                <a:tc>
+                  <a:txBody>
+                    <a:bodyPr/>
+                    <a:lstStyle/>
+                    <a:p>
+                      <a:pPr algn="ctr" fontAlgn="b"/>
+                      <a:r>
+                        <a:rPr lang="en-US" sz="1100" b="1" u="none" strike="noStrike">
+                          <a:effectLst/>
+                        </a:rPr>
+                        <a:t>14</a:t>
+                      </a:r>
+                      <a:endParaRPr lang="en-US" sz="1100" b="1" i="0" u="none" strike="noStrike">
+                        <a:solidFill>
+                          <a:srgbClr val="000000"/>
+                        </a:solidFill>
+                        <a:effectLst/>
+                        <a:latin typeface="Calibri" panose="020F0502020204030204" pitchFamily="34" charset="0"/>
+                      </a:endParaRPr>
+                    </a:p>
+                  </a:txBody>
+                  <a:tcPr marL="7620" marR="7620" marT="7620" marB="0" anchor="b"/>
+                </a:tc>
+                <a:tc>
+                  <a:txBody>
+                    <a:bodyPr/>
+                    <a:lstStyle/>
+                    <a:p>
+                      <a:pPr algn="ctr" fontAlgn="b"/>
+                      <a:r>
+                        <a:rPr lang="en-US" sz="1100" b="1" u="none" strike="noStrike">
+                          <a:effectLst/>
+                        </a:rPr>
+                        <a:t>15</a:t>
+                      </a:r>
+                      <a:endParaRPr lang="en-US" sz="1100" b="1" i="0" u="none" strike="noStrike">
+                        <a:solidFill>
+                          <a:srgbClr val="000000"/>
+                        </a:solidFill>
+                        <a:effectLst/>
+                        <a:latin typeface="Calibri" panose="020F0502020204030204" pitchFamily="34" charset="0"/>
+                      </a:endParaRPr>
+                    </a:p>
+                  </a:txBody>
+                  <a:tcPr marL="7620" marR="7620" marT="7620" marB="0" anchor="b"/>
+                </a:tc>
+                <a:extLst>
+                  <a:ext uri="{0D108BD9-81ED-4DB2-BD59-A6C34878D82A}">
+                    <a16:rowId xmlns:a16="http://schemas.microsoft.com/office/drawing/2014/main" val="3222809687"/>
+                  </a:ext>
+                </a:extLst>
+              </a:tr>
+              <a:tr h="298881">
+                <a:tc>
+                  <a:txBody>
+                    <a:bodyPr/>
+                    <a:lstStyle/>
+                    <a:p>
+                      <a:pPr algn="ctr" fontAlgn="b"/>
+                      <a:r>
+                        <a:rPr lang="en-US" sz="1100" b="1" u="none" strike="noStrike">
+                          <a:effectLst/>
+                        </a:rPr>
+                        <a:t>IG</a:t>
+                      </a:r>
+                      <a:endParaRPr lang="en-US" sz="1100" b="1" i="0" u="none" strike="noStrike">
+                        <a:solidFill>
+                          <a:srgbClr val="000000"/>
+                        </a:solidFill>
+                        <a:effectLst/>
+                        <a:latin typeface="Calibri" panose="020F0502020204030204" pitchFamily="34" charset="0"/>
+                      </a:endParaRPr>
+                    </a:p>
+                  </a:txBody>
+                  <a:tcPr marL="7620" marR="7620" marT="7620" marB="0" anchor="b"/>
+                </a:tc>
+                <a:tc>
+                  <a:txBody>
+                    <a:bodyPr/>
+                    <a:lstStyle/>
+                    <a:p>
+                      <a:pPr algn="ctr" fontAlgn="b"/>
+                      <a:r>
+                        <a:rPr lang="en-US" sz="1100" b="1" u="none" strike="noStrike" dirty="0">
+                          <a:effectLst/>
+                          <a:highlight>
+                            <a:srgbClr val="FFFF00"/>
+                          </a:highlight>
+                        </a:rPr>
+                        <a:t>F</a:t>
+                      </a:r>
+                      <a:endParaRPr lang="en-US" sz="1100" b="1" i="0" u="none" strike="noStrike" dirty="0">
+                        <a:solidFill>
+                          <a:srgbClr val="000000"/>
+                        </a:solidFill>
+                        <a:effectLst/>
+                        <a:highlight>
+                          <a:srgbClr val="FFFF00"/>
+                        </a:highlight>
+                        <a:latin typeface="Calibri" panose="020F0502020204030204" pitchFamily="34" charset="0"/>
+                      </a:endParaRPr>
+                    </a:p>
+                  </a:txBody>
+                  <a:tcPr marL="7620" marR="7620" marT="7620" marB="0" anchor="b"/>
+                </a:tc>
+                <a:tc>
+                  <a:txBody>
+                    <a:bodyPr/>
+                    <a:lstStyle/>
+                    <a:p>
+                      <a:pPr algn="ctr" fontAlgn="ctr"/>
+                      <a:endParaRPr lang="en-US" sz="1100" b="1" u="none" strike="noStrike" dirty="0">
+                        <a:effectLst/>
+                        <a:highlight>
+                          <a:srgbClr val="FFFF00"/>
+                        </a:highlight>
+                      </a:endParaRPr>
+                    </a:p>
+                    <a:p>
+                      <a:pPr algn="ctr" fontAlgn="ctr"/>
+                      <a:r>
+                        <a:rPr lang="en-US" sz="1100" b="1" u="none" strike="noStrike" dirty="0">
+                          <a:effectLst/>
+                          <a:highlight>
+                            <a:srgbClr val="FFFF00"/>
+                          </a:highlight>
+                        </a:rPr>
+                        <a:t>F</a:t>
+                      </a:r>
+                      <a:endParaRPr lang="en-US" sz="1100" b="1" i="0" u="none" strike="noStrike" dirty="0">
+                        <a:solidFill>
+                          <a:srgbClr val="000000"/>
+                        </a:solidFill>
+                        <a:effectLst/>
+                        <a:highlight>
+                          <a:srgbClr val="FFFF00"/>
+                        </a:highlight>
+                        <a:latin typeface="Calibri" panose="020F0502020204030204" pitchFamily="34" charset="0"/>
+                      </a:endParaRPr>
+                    </a:p>
+                  </a:txBody>
+                  <a:tcPr marL="7620" marR="7620" marT="7620" marB="0" anchor="ctr"/>
+                </a:tc>
+                <a:tc>
+                  <a:txBody>
+                    <a:bodyPr/>
+                    <a:lstStyle/>
+                    <a:p>
+                      <a:pPr algn="ctr" fontAlgn="b"/>
+                      <a:r>
+                        <a:rPr lang="en-US" sz="1100" b="1" u="none" strike="noStrike" dirty="0">
+                          <a:effectLst/>
+                          <a:highlight>
+                            <a:srgbClr val="FFFF00"/>
+                          </a:highlight>
+                        </a:rPr>
+                        <a:t>F</a:t>
+                      </a:r>
+                      <a:endParaRPr lang="en-US" sz="1100" b="1" i="0" u="none" strike="noStrike" dirty="0">
+                        <a:solidFill>
+                          <a:srgbClr val="000000"/>
+                        </a:solidFill>
+                        <a:effectLst/>
+                        <a:highlight>
+                          <a:srgbClr val="FFFF00"/>
+                        </a:highlight>
+                        <a:latin typeface="Calibri" panose="020F0502020204030204" pitchFamily="34" charset="0"/>
+                      </a:endParaRPr>
+                    </a:p>
+                  </a:txBody>
+                  <a:tcPr marL="7620" marR="7620" marT="7620" marB="0" anchor="b"/>
+                </a:tc>
+                <a:tc>
+                  <a:txBody>
+                    <a:bodyPr/>
+                    <a:lstStyle/>
+                    <a:p>
+                      <a:pPr algn="ctr" fontAlgn="b"/>
+                      <a:r>
+                        <a:rPr lang="en-US" sz="1100" b="1" u="none" strike="noStrike" dirty="0">
+                          <a:effectLst/>
+                          <a:highlight>
+                            <a:srgbClr val="FFFF00"/>
+                          </a:highlight>
+                        </a:rPr>
+                        <a:t>F</a:t>
+                      </a:r>
+                      <a:endParaRPr lang="en-US" sz="1100" b="1" i="0" u="none" strike="noStrike" dirty="0">
+                        <a:solidFill>
+                          <a:srgbClr val="000000"/>
+                        </a:solidFill>
+                        <a:effectLst/>
+                        <a:highlight>
+                          <a:srgbClr val="FFFF00"/>
+                        </a:highlight>
+                        <a:latin typeface="Calibri" panose="020F0502020204030204" pitchFamily="34" charset="0"/>
+                      </a:endParaRPr>
+                    </a:p>
+                  </a:txBody>
+                  <a:tcPr marL="7620" marR="7620" marT="7620" marB="0" anchor="b"/>
+                </a:tc>
+                <a:tc>
+                  <a:txBody>
+                    <a:bodyPr/>
+                    <a:lstStyle/>
+                    <a:p>
+                      <a:pPr algn="ctr" fontAlgn="b"/>
+                      <a:r>
+                        <a:rPr lang="en-US" sz="1100" b="1" u="none" strike="noStrike" dirty="0">
+                          <a:effectLst/>
+                        </a:rPr>
+                        <a:t>P</a:t>
+                      </a:r>
+                      <a:endParaRPr lang="en-US" sz="1100" b="1" i="0" u="none" strike="noStrike" dirty="0">
+                        <a:solidFill>
+                          <a:srgbClr val="000000"/>
+                        </a:solidFill>
+                        <a:effectLst/>
+                        <a:latin typeface="Calibri" panose="020F0502020204030204" pitchFamily="34" charset="0"/>
+                      </a:endParaRPr>
+                    </a:p>
+                  </a:txBody>
+                  <a:tcPr marL="7620" marR="7620" marT="7620" marB="0" anchor="b"/>
+                </a:tc>
+                <a:tc>
+                  <a:txBody>
+                    <a:bodyPr/>
+                    <a:lstStyle/>
+                    <a:p>
+                      <a:pPr algn="ctr" fontAlgn="b"/>
+                      <a:r>
+                        <a:rPr lang="en-US" sz="1100" b="1" u="none" strike="noStrike">
+                          <a:effectLst/>
+                        </a:rPr>
+                        <a:t>P</a:t>
+                      </a:r>
+                      <a:endParaRPr lang="en-US" sz="1100" b="1" i="0" u="none" strike="noStrike">
+                        <a:solidFill>
+                          <a:srgbClr val="000000"/>
+                        </a:solidFill>
+                        <a:effectLst/>
+                        <a:latin typeface="Calibri" panose="020F0502020204030204" pitchFamily="34" charset="0"/>
+                      </a:endParaRPr>
+                    </a:p>
+                  </a:txBody>
+                  <a:tcPr marL="7620" marR="7620" marT="7620" marB="0" anchor="b"/>
+                </a:tc>
+                <a:tc>
+                  <a:txBody>
+                    <a:bodyPr/>
+                    <a:lstStyle/>
+                    <a:p>
+                      <a:pPr algn="ctr" fontAlgn="b"/>
+                      <a:r>
+                        <a:rPr lang="en-US" sz="1100" b="1" u="none" strike="noStrike">
+                          <a:effectLst/>
+                        </a:rPr>
+                        <a:t>P</a:t>
+                      </a:r>
+                      <a:endParaRPr lang="en-US" sz="1100" b="1" i="0" u="none" strike="noStrike">
+                        <a:solidFill>
+                          <a:srgbClr val="000000"/>
+                        </a:solidFill>
+                        <a:effectLst/>
+                        <a:latin typeface="Calibri" panose="020F0502020204030204" pitchFamily="34" charset="0"/>
+                      </a:endParaRPr>
+                    </a:p>
+                  </a:txBody>
+                  <a:tcPr marL="7620" marR="7620" marT="7620" marB="0" anchor="b"/>
+                </a:tc>
+                <a:tc>
+                  <a:txBody>
+                    <a:bodyPr/>
+                    <a:lstStyle/>
+                    <a:p>
+                      <a:pPr algn="ctr" fontAlgn="b"/>
+                      <a:r>
+                        <a:rPr lang="en-US" sz="1100" b="1" u="none" strike="noStrike">
+                          <a:effectLst/>
+                        </a:rPr>
+                        <a:t>P</a:t>
+                      </a:r>
+                      <a:endParaRPr lang="en-US" sz="1100" b="1" i="0" u="none" strike="noStrike">
+                        <a:solidFill>
+                          <a:srgbClr val="000000"/>
+                        </a:solidFill>
+                        <a:effectLst/>
+                        <a:latin typeface="Calibri" panose="020F0502020204030204" pitchFamily="34" charset="0"/>
+                      </a:endParaRPr>
+                    </a:p>
+                  </a:txBody>
+                  <a:tcPr marL="7620" marR="7620" marT="7620" marB="0" anchor="b"/>
+                </a:tc>
+                <a:tc>
+                  <a:txBody>
+                    <a:bodyPr/>
+                    <a:lstStyle/>
+                    <a:p>
+                      <a:pPr algn="ctr" fontAlgn="b"/>
+                      <a:r>
+                        <a:rPr lang="en-US" sz="1100" b="1" u="none" strike="noStrike">
+                          <a:effectLst/>
+                        </a:rPr>
+                        <a:t>P</a:t>
+                      </a:r>
+                      <a:endParaRPr lang="en-US" sz="1100" b="1" i="0" u="none" strike="noStrike">
+                        <a:solidFill>
+                          <a:srgbClr val="000000"/>
+                        </a:solidFill>
+                        <a:effectLst/>
+                        <a:latin typeface="Calibri" panose="020F0502020204030204" pitchFamily="34" charset="0"/>
+                      </a:endParaRPr>
+                    </a:p>
+                  </a:txBody>
+                  <a:tcPr marL="7620" marR="7620" marT="7620" marB="0" anchor="b"/>
+                </a:tc>
+                <a:tc>
+                  <a:txBody>
+                    <a:bodyPr/>
+                    <a:lstStyle/>
+                    <a:p>
+                      <a:pPr algn="ctr" fontAlgn="b"/>
+                      <a:r>
+                        <a:rPr lang="en-US" sz="1100" b="1" u="none" strike="noStrike">
+                          <a:effectLst/>
+                        </a:rPr>
+                        <a:t>P</a:t>
+                      </a:r>
+                      <a:endParaRPr lang="en-US" sz="1100" b="1" i="0" u="none" strike="noStrike">
+                        <a:solidFill>
+                          <a:srgbClr val="000000"/>
+                        </a:solidFill>
+                        <a:effectLst/>
+                        <a:latin typeface="Calibri" panose="020F0502020204030204" pitchFamily="34" charset="0"/>
+                      </a:endParaRPr>
+                    </a:p>
+                  </a:txBody>
+                  <a:tcPr marL="7620" marR="7620" marT="7620" marB="0" anchor="b"/>
+                </a:tc>
+                <a:tc>
+                  <a:txBody>
+                    <a:bodyPr/>
+                    <a:lstStyle/>
+                    <a:p>
+                      <a:pPr algn="ctr" fontAlgn="b"/>
+                      <a:r>
+                        <a:rPr lang="en-US" sz="1100" b="1" u="none" strike="noStrike">
+                          <a:effectLst/>
+                        </a:rPr>
+                        <a:t>P</a:t>
+                      </a:r>
+                      <a:endParaRPr lang="en-US" sz="1100" b="1" i="0" u="none" strike="noStrike">
+                        <a:solidFill>
+                          <a:srgbClr val="000000"/>
+                        </a:solidFill>
+                        <a:effectLst/>
+                        <a:latin typeface="Calibri" panose="020F0502020204030204" pitchFamily="34" charset="0"/>
+                      </a:endParaRPr>
+                    </a:p>
+                  </a:txBody>
+                  <a:tcPr marL="7620" marR="7620" marT="7620" marB="0" anchor="b"/>
+                </a:tc>
+                <a:tc>
+                  <a:txBody>
+                    <a:bodyPr/>
+                    <a:lstStyle/>
+                    <a:p>
+                      <a:pPr algn="ctr" fontAlgn="b"/>
+                      <a:r>
+                        <a:rPr lang="en-US" sz="1100" b="1" u="none" strike="noStrike">
+                          <a:effectLst/>
+                        </a:rPr>
+                        <a:t>P</a:t>
+                      </a:r>
+                      <a:endParaRPr lang="en-US" sz="1100" b="1" i="0" u="none" strike="noStrike">
+                        <a:solidFill>
+                          <a:srgbClr val="000000"/>
+                        </a:solidFill>
+                        <a:effectLst/>
+                        <a:latin typeface="Calibri" panose="020F0502020204030204" pitchFamily="34" charset="0"/>
+                      </a:endParaRPr>
+                    </a:p>
+                  </a:txBody>
+                  <a:tcPr marL="7620" marR="7620" marT="7620" marB="0" anchor="b"/>
+                </a:tc>
+                <a:tc>
+                  <a:txBody>
+                    <a:bodyPr/>
+                    <a:lstStyle/>
+                    <a:p>
+                      <a:pPr algn="ctr" fontAlgn="b"/>
+                      <a:r>
+                        <a:rPr lang="en-US" sz="1100" b="1" u="none" strike="noStrike">
+                          <a:effectLst/>
+                        </a:rPr>
+                        <a:t>P</a:t>
+                      </a:r>
+                      <a:endParaRPr lang="en-US" sz="1100" b="1" i="0" u="none" strike="noStrike">
+                        <a:solidFill>
+                          <a:srgbClr val="000000"/>
+                        </a:solidFill>
+                        <a:effectLst/>
+                        <a:latin typeface="Calibri" panose="020F0502020204030204" pitchFamily="34" charset="0"/>
+                      </a:endParaRPr>
+                    </a:p>
+                  </a:txBody>
+                  <a:tcPr marL="7620" marR="7620" marT="7620" marB="0" anchor="b"/>
+                </a:tc>
+                <a:tc>
+                  <a:txBody>
+                    <a:bodyPr/>
+                    <a:lstStyle/>
+                    <a:p>
+                      <a:pPr algn="ctr" fontAlgn="b"/>
+                      <a:r>
+                        <a:rPr lang="en-US" sz="1100" b="1" u="none" strike="noStrike">
+                          <a:effectLst/>
+                        </a:rPr>
+                        <a:t>P</a:t>
+                      </a:r>
+                      <a:endParaRPr lang="en-US" sz="1100" b="1" i="0" u="none" strike="noStrike">
+                        <a:solidFill>
+                          <a:srgbClr val="000000"/>
+                        </a:solidFill>
+                        <a:effectLst/>
+                        <a:latin typeface="Calibri" panose="020F0502020204030204" pitchFamily="34" charset="0"/>
+                      </a:endParaRPr>
+                    </a:p>
+                  </a:txBody>
+                  <a:tcPr marL="7620" marR="7620" marT="7620" marB="0" anchor="b"/>
+                </a:tc>
+                <a:tc>
+                  <a:txBody>
+                    <a:bodyPr/>
+                    <a:lstStyle/>
+                    <a:p>
+                      <a:pPr algn="ctr" fontAlgn="b"/>
+                      <a:r>
+                        <a:rPr lang="en-US" sz="1100" b="1" u="none" strike="noStrike">
+                          <a:effectLst/>
+                        </a:rPr>
+                        <a:t>P</a:t>
+                      </a:r>
+                      <a:endParaRPr lang="en-US" sz="1100" b="1" i="0" u="none" strike="noStrike">
+                        <a:solidFill>
+                          <a:srgbClr val="000000"/>
+                        </a:solidFill>
+                        <a:effectLst/>
+                        <a:latin typeface="Calibri" panose="020F0502020204030204" pitchFamily="34" charset="0"/>
+                      </a:endParaRPr>
+                    </a:p>
+                  </a:txBody>
+                  <a:tcPr marL="7620" marR="7620" marT="7620" marB="0" anchor="b"/>
+                </a:tc>
+                <a:extLst>
+                  <a:ext uri="{0D108BD9-81ED-4DB2-BD59-A6C34878D82A}">
+                    <a16:rowId xmlns:a16="http://schemas.microsoft.com/office/drawing/2014/main" val="1619102543"/>
+                  </a:ext>
+                </a:extLst>
+              </a:tr>
+              <a:tr h="298881">
+                <a:tc>
+                  <a:txBody>
+                    <a:bodyPr/>
+                    <a:lstStyle/>
+                    <a:p>
+                      <a:pPr algn="ctr" fontAlgn="b"/>
+                      <a:r>
+                        <a:rPr lang="en-US" sz="1100" b="1" u="none" strike="noStrike">
+                          <a:effectLst/>
+                        </a:rPr>
+                        <a:t>TFB</a:t>
+                      </a:r>
+                      <a:endParaRPr lang="en-US" sz="1100" b="1" i="0" u="none" strike="noStrike">
+                        <a:solidFill>
+                          <a:srgbClr val="000000"/>
+                        </a:solidFill>
+                        <a:effectLst/>
+                        <a:latin typeface="Calibri" panose="020F0502020204030204" pitchFamily="34" charset="0"/>
+                      </a:endParaRPr>
+                    </a:p>
+                  </a:txBody>
+                  <a:tcPr marL="7620" marR="7620" marT="7620" marB="0" anchor="b"/>
+                </a:tc>
+                <a:tc>
+                  <a:txBody>
+                    <a:bodyPr/>
+                    <a:lstStyle/>
+                    <a:p>
+                      <a:pPr algn="ctr" fontAlgn="b"/>
+                      <a:r>
+                        <a:rPr lang="en-US" sz="1100" b="1" u="none" strike="noStrike">
+                          <a:effectLst/>
+                        </a:rPr>
+                        <a:t>P</a:t>
+                      </a:r>
+                      <a:endParaRPr lang="en-US" sz="1100" b="1" i="0" u="none" strike="noStrike">
+                        <a:solidFill>
+                          <a:srgbClr val="000000"/>
+                        </a:solidFill>
+                        <a:effectLst/>
+                        <a:latin typeface="Calibri" panose="020F0502020204030204" pitchFamily="34" charset="0"/>
+                      </a:endParaRPr>
+                    </a:p>
+                  </a:txBody>
+                  <a:tcPr marL="7620" marR="7620" marT="7620" marB="0" anchor="b"/>
+                </a:tc>
+                <a:tc>
+                  <a:txBody>
+                    <a:bodyPr/>
+                    <a:lstStyle/>
+                    <a:p>
+                      <a:pPr algn="ctr" fontAlgn="ctr"/>
+                      <a:endParaRPr lang="en-US" sz="1100" b="1" u="none" strike="noStrike" dirty="0">
+                        <a:effectLst/>
+                      </a:endParaRPr>
+                    </a:p>
+                    <a:p>
+                      <a:pPr algn="ctr" fontAlgn="ctr"/>
+                      <a:r>
+                        <a:rPr lang="en-US" sz="1100" b="1" u="none" strike="noStrike" dirty="0">
+                          <a:effectLst/>
+                        </a:rPr>
+                        <a:t>P</a:t>
+                      </a:r>
+                      <a:endParaRPr lang="en-US" sz="1100" b="1" i="0" u="none" strike="noStrike" dirty="0">
+                        <a:solidFill>
+                          <a:srgbClr val="000000"/>
+                        </a:solidFill>
+                        <a:effectLst/>
+                        <a:latin typeface="Calibri" panose="020F0502020204030204" pitchFamily="34" charset="0"/>
+                      </a:endParaRPr>
+                    </a:p>
+                  </a:txBody>
+                  <a:tcPr marL="7620" marR="7620" marT="7620" marB="0" anchor="ctr"/>
+                </a:tc>
+                <a:tc>
+                  <a:txBody>
+                    <a:bodyPr/>
+                    <a:lstStyle/>
+                    <a:p>
+                      <a:pPr algn="ctr" fontAlgn="b"/>
+                      <a:r>
+                        <a:rPr lang="en-US" sz="1100" b="1" u="none" strike="noStrike">
+                          <a:effectLst/>
+                        </a:rPr>
+                        <a:t>P</a:t>
+                      </a:r>
+                      <a:endParaRPr lang="en-US" sz="1100" b="1" i="0" u="none" strike="noStrike">
+                        <a:solidFill>
+                          <a:srgbClr val="000000"/>
+                        </a:solidFill>
+                        <a:effectLst/>
+                        <a:latin typeface="Calibri" panose="020F0502020204030204" pitchFamily="34" charset="0"/>
+                      </a:endParaRPr>
+                    </a:p>
+                  </a:txBody>
+                  <a:tcPr marL="7620" marR="7620" marT="7620" marB="0" anchor="b"/>
+                </a:tc>
+                <a:tc>
+                  <a:txBody>
+                    <a:bodyPr/>
+                    <a:lstStyle/>
+                    <a:p>
+                      <a:pPr algn="ctr" fontAlgn="b"/>
+                      <a:r>
+                        <a:rPr lang="en-US" sz="1100" b="1" u="none" strike="noStrike" dirty="0">
+                          <a:effectLst/>
+                          <a:highlight>
+                            <a:srgbClr val="FFFF00"/>
+                          </a:highlight>
+                        </a:rPr>
+                        <a:t>F</a:t>
+                      </a:r>
+                      <a:endParaRPr lang="en-US" sz="1100" b="1" i="0" u="none" strike="noStrike" dirty="0">
+                        <a:solidFill>
+                          <a:srgbClr val="000000"/>
+                        </a:solidFill>
+                        <a:effectLst/>
+                        <a:highlight>
+                          <a:srgbClr val="FFFF00"/>
+                        </a:highlight>
+                        <a:latin typeface="Calibri" panose="020F0502020204030204" pitchFamily="34" charset="0"/>
+                      </a:endParaRPr>
+                    </a:p>
+                  </a:txBody>
+                  <a:tcPr marL="7620" marR="7620" marT="7620" marB="0" anchor="b"/>
+                </a:tc>
+                <a:tc>
+                  <a:txBody>
+                    <a:bodyPr/>
+                    <a:lstStyle/>
+                    <a:p>
+                      <a:pPr algn="ctr" fontAlgn="b"/>
+                      <a:r>
+                        <a:rPr lang="en-US" sz="1100" b="1" u="none" strike="noStrike" dirty="0">
+                          <a:effectLst/>
+                          <a:highlight>
+                            <a:srgbClr val="FFFF00"/>
+                          </a:highlight>
+                        </a:rPr>
+                        <a:t>F</a:t>
+                      </a:r>
+                      <a:endParaRPr lang="en-US" sz="1100" b="1" i="0" u="none" strike="noStrike" dirty="0">
+                        <a:solidFill>
+                          <a:srgbClr val="000000"/>
+                        </a:solidFill>
+                        <a:effectLst/>
+                        <a:highlight>
+                          <a:srgbClr val="FFFF00"/>
+                        </a:highlight>
+                        <a:latin typeface="Calibri" panose="020F0502020204030204" pitchFamily="34" charset="0"/>
+                      </a:endParaRPr>
+                    </a:p>
+                  </a:txBody>
+                  <a:tcPr marL="7620" marR="7620" marT="7620" marB="0" anchor="b"/>
+                </a:tc>
+                <a:tc>
+                  <a:txBody>
+                    <a:bodyPr/>
+                    <a:lstStyle/>
+                    <a:p>
+                      <a:pPr algn="ctr" fontAlgn="b"/>
+                      <a:r>
+                        <a:rPr lang="en-US" sz="1100" b="1" u="none" strike="noStrike" dirty="0">
+                          <a:effectLst/>
+                          <a:highlight>
+                            <a:srgbClr val="FFFF00"/>
+                          </a:highlight>
+                        </a:rPr>
+                        <a:t>F</a:t>
+                      </a:r>
+                      <a:endParaRPr lang="en-US" sz="1100" b="1" i="0" u="none" strike="noStrike" dirty="0">
+                        <a:solidFill>
+                          <a:srgbClr val="000000"/>
+                        </a:solidFill>
+                        <a:effectLst/>
+                        <a:highlight>
+                          <a:srgbClr val="FFFF00"/>
+                        </a:highlight>
+                        <a:latin typeface="Calibri" panose="020F0502020204030204" pitchFamily="34" charset="0"/>
+                      </a:endParaRPr>
+                    </a:p>
+                  </a:txBody>
+                  <a:tcPr marL="7620" marR="7620" marT="7620" marB="0" anchor="b"/>
+                </a:tc>
+                <a:tc>
+                  <a:txBody>
+                    <a:bodyPr/>
+                    <a:lstStyle/>
+                    <a:p>
+                      <a:pPr algn="ctr" fontAlgn="b"/>
+                      <a:r>
+                        <a:rPr lang="en-US" sz="1100" b="1" u="none" strike="noStrike">
+                          <a:effectLst/>
+                        </a:rPr>
+                        <a:t>P</a:t>
+                      </a:r>
+                      <a:endParaRPr lang="en-US" sz="1100" b="1" i="0" u="none" strike="noStrike">
+                        <a:solidFill>
+                          <a:srgbClr val="000000"/>
+                        </a:solidFill>
+                        <a:effectLst/>
+                        <a:latin typeface="Calibri" panose="020F0502020204030204" pitchFamily="34" charset="0"/>
+                      </a:endParaRPr>
+                    </a:p>
+                  </a:txBody>
+                  <a:tcPr marL="7620" marR="7620" marT="7620" marB="0" anchor="b"/>
+                </a:tc>
+                <a:tc>
+                  <a:txBody>
+                    <a:bodyPr/>
+                    <a:lstStyle/>
+                    <a:p>
+                      <a:pPr algn="ctr" fontAlgn="b"/>
+                      <a:r>
+                        <a:rPr lang="en-US" sz="1100" b="1" u="none" strike="noStrike">
+                          <a:effectLst/>
+                        </a:rPr>
+                        <a:t>P</a:t>
+                      </a:r>
+                      <a:endParaRPr lang="en-US" sz="1100" b="1" i="0" u="none" strike="noStrike">
+                        <a:solidFill>
+                          <a:srgbClr val="000000"/>
+                        </a:solidFill>
+                        <a:effectLst/>
+                        <a:latin typeface="Calibri" panose="020F0502020204030204" pitchFamily="34" charset="0"/>
+                      </a:endParaRPr>
+                    </a:p>
+                  </a:txBody>
+                  <a:tcPr marL="7620" marR="7620" marT="7620" marB="0" anchor="b"/>
+                </a:tc>
+                <a:tc>
+                  <a:txBody>
+                    <a:bodyPr/>
+                    <a:lstStyle/>
+                    <a:p>
+                      <a:pPr algn="ctr" fontAlgn="b"/>
+                      <a:r>
+                        <a:rPr lang="en-US" sz="1100" b="1" u="none" strike="noStrike">
+                          <a:effectLst/>
+                        </a:rPr>
+                        <a:t>P</a:t>
+                      </a:r>
+                      <a:endParaRPr lang="en-US" sz="1100" b="1" i="0" u="none" strike="noStrike">
+                        <a:solidFill>
+                          <a:srgbClr val="000000"/>
+                        </a:solidFill>
+                        <a:effectLst/>
+                        <a:latin typeface="Calibri" panose="020F0502020204030204" pitchFamily="34" charset="0"/>
+                      </a:endParaRPr>
+                    </a:p>
+                  </a:txBody>
+                  <a:tcPr marL="7620" marR="7620" marT="7620" marB="0" anchor="b"/>
+                </a:tc>
+                <a:tc>
+                  <a:txBody>
+                    <a:bodyPr/>
+                    <a:lstStyle/>
+                    <a:p>
+                      <a:pPr algn="ctr" fontAlgn="b"/>
+                      <a:r>
+                        <a:rPr lang="en-US" sz="1100" b="1" u="none" strike="noStrike">
+                          <a:effectLst/>
+                        </a:rPr>
+                        <a:t>P</a:t>
+                      </a:r>
+                      <a:endParaRPr lang="en-US" sz="1100" b="1" i="0" u="none" strike="noStrike">
+                        <a:solidFill>
+                          <a:srgbClr val="000000"/>
+                        </a:solidFill>
+                        <a:effectLst/>
+                        <a:latin typeface="Calibri" panose="020F0502020204030204" pitchFamily="34" charset="0"/>
+                      </a:endParaRPr>
+                    </a:p>
+                  </a:txBody>
+                  <a:tcPr marL="7620" marR="7620" marT="7620" marB="0" anchor="b"/>
+                </a:tc>
+                <a:tc>
+                  <a:txBody>
+                    <a:bodyPr/>
+                    <a:lstStyle/>
+                    <a:p>
+                      <a:pPr algn="ctr" fontAlgn="b"/>
+                      <a:r>
+                        <a:rPr lang="en-US" sz="1100" b="1" u="none" strike="noStrike">
+                          <a:effectLst/>
+                        </a:rPr>
+                        <a:t>P</a:t>
+                      </a:r>
+                      <a:endParaRPr lang="en-US" sz="1100" b="1" i="0" u="none" strike="noStrike">
+                        <a:solidFill>
+                          <a:srgbClr val="000000"/>
+                        </a:solidFill>
+                        <a:effectLst/>
+                        <a:latin typeface="Calibri" panose="020F0502020204030204" pitchFamily="34" charset="0"/>
+                      </a:endParaRPr>
+                    </a:p>
+                  </a:txBody>
+                  <a:tcPr marL="7620" marR="7620" marT="7620" marB="0" anchor="b"/>
+                </a:tc>
+                <a:tc>
+                  <a:txBody>
+                    <a:bodyPr/>
+                    <a:lstStyle/>
+                    <a:p>
+                      <a:pPr algn="ctr" fontAlgn="b"/>
+                      <a:r>
+                        <a:rPr lang="en-US" sz="1100" b="1" u="none" strike="noStrike">
+                          <a:effectLst/>
+                        </a:rPr>
+                        <a:t>P</a:t>
+                      </a:r>
+                      <a:endParaRPr lang="en-US" sz="1100" b="1" i="0" u="none" strike="noStrike">
+                        <a:solidFill>
+                          <a:srgbClr val="000000"/>
+                        </a:solidFill>
+                        <a:effectLst/>
+                        <a:latin typeface="Calibri" panose="020F0502020204030204" pitchFamily="34" charset="0"/>
+                      </a:endParaRPr>
+                    </a:p>
+                  </a:txBody>
+                  <a:tcPr marL="7620" marR="7620" marT="7620" marB="0" anchor="b"/>
+                </a:tc>
+                <a:tc>
+                  <a:txBody>
+                    <a:bodyPr/>
+                    <a:lstStyle/>
+                    <a:p>
+                      <a:pPr algn="ctr" fontAlgn="b"/>
+                      <a:r>
+                        <a:rPr lang="en-US" sz="1100" b="1" u="none" strike="noStrike">
+                          <a:effectLst/>
+                        </a:rPr>
+                        <a:t>P</a:t>
+                      </a:r>
+                      <a:endParaRPr lang="en-US" sz="1100" b="1" i="0" u="none" strike="noStrike">
+                        <a:solidFill>
+                          <a:srgbClr val="000000"/>
+                        </a:solidFill>
+                        <a:effectLst/>
+                        <a:latin typeface="Calibri" panose="020F0502020204030204" pitchFamily="34" charset="0"/>
+                      </a:endParaRPr>
+                    </a:p>
+                  </a:txBody>
+                  <a:tcPr marL="7620" marR="7620" marT="7620" marB="0" anchor="b"/>
+                </a:tc>
+                <a:tc>
+                  <a:txBody>
+                    <a:bodyPr/>
+                    <a:lstStyle/>
+                    <a:p>
+                      <a:pPr algn="ctr" fontAlgn="b"/>
+                      <a:r>
+                        <a:rPr lang="en-US" sz="1100" b="1" u="none" strike="noStrike">
+                          <a:effectLst/>
+                        </a:rPr>
+                        <a:t>P</a:t>
+                      </a:r>
+                      <a:endParaRPr lang="en-US" sz="1100" b="1" i="0" u="none" strike="noStrike">
+                        <a:solidFill>
+                          <a:srgbClr val="000000"/>
+                        </a:solidFill>
+                        <a:effectLst/>
+                        <a:latin typeface="Calibri" panose="020F0502020204030204" pitchFamily="34" charset="0"/>
+                      </a:endParaRPr>
+                    </a:p>
+                  </a:txBody>
+                  <a:tcPr marL="7620" marR="7620" marT="7620" marB="0" anchor="b"/>
+                </a:tc>
+                <a:tc>
+                  <a:txBody>
+                    <a:bodyPr/>
+                    <a:lstStyle/>
+                    <a:p>
+                      <a:pPr algn="ctr" fontAlgn="b"/>
+                      <a:r>
+                        <a:rPr lang="en-US" sz="1100" b="1" u="none" strike="noStrike" dirty="0">
+                          <a:effectLst/>
+                          <a:highlight>
+                            <a:srgbClr val="FFFF00"/>
+                          </a:highlight>
+                        </a:rPr>
+                        <a:t>F</a:t>
+                      </a:r>
+                      <a:endParaRPr lang="en-US" sz="1100" b="1" i="0" u="none" strike="noStrike" dirty="0">
+                        <a:solidFill>
+                          <a:srgbClr val="000000"/>
+                        </a:solidFill>
+                        <a:effectLst/>
+                        <a:highlight>
+                          <a:srgbClr val="FFFF00"/>
+                        </a:highlight>
+                        <a:latin typeface="Calibri" panose="020F0502020204030204" pitchFamily="34" charset="0"/>
+                      </a:endParaRPr>
+                    </a:p>
+                  </a:txBody>
+                  <a:tcPr marL="7620" marR="7620" marT="7620" marB="0" anchor="b"/>
+                </a:tc>
+                <a:extLst>
+                  <a:ext uri="{0D108BD9-81ED-4DB2-BD59-A6C34878D82A}">
+                    <a16:rowId xmlns:a16="http://schemas.microsoft.com/office/drawing/2014/main" val="2707276461"/>
+                  </a:ext>
+                </a:extLst>
+              </a:tr>
+            </a:tbl>
+          </a:graphicData>
+        </a:graphic>
+      </p:graphicFrame>
     </p:spTree>
     <p:extLst>
       <p:ext uri="{BB962C8B-B14F-4D97-AF65-F5344CB8AC3E}">
@@ -7942,13 +10026,7 @@
           <a:p>
             <a:r>
               <a:rPr lang="en-US" dirty="0"/>
-              <a:t>Calculate components failure entropy for all components.</a:t>
-            </a:r>
-          </a:p>
-          <a:p>
-            <a:r>
-              <a:rPr lang="en-US" dirty="0"/>
-              <a:t>Calculate components failure entropy for each test.</a:t>
+              <a:t>Calculate components entropy for all components.</a:t>
             </a:r>
           </a:p>
           <a:p>
@@ -7969,6 +10047,12 @@
             <a:r>
               <a:rPr lang="en-US" dirty="0"/>
               <a:t>. </a:t>
+            </a:r>
+          </a:p>
+          <a:p>
+            <a:r>
+              <a:rPr lang="en-US" dirty="0"/>
+              <a:t>Calculate components entropy after test simulation(for fail and pass outcome).</a:t>
             </a:r>
           </a:p>
           <a:p>
@@ -8119,6 +10203,29 @@
             <a:r>
               <a:rPr lang="en-US" altLang="en-US" dirty="0"/>
               <a:t>(test)</a:t>
+            </a:r>
+          </a:p>
+          <a:p>
+            <a:pPr marL="0" indent="0">
+              <a:buNone/>
+            </a:pPr>
+            <a:endParaRPr lang="en-US" altLang="en-US" dirty="0"/>
+          </a:p>
+          <a:p>
+            <a:pPr marL="0" indent="0">
+              <a:buNone/>
+            </a:pPr>
+            <a:r>
+              <a:rPr lang="en-US" altLang="en-US" dirty="0"/>
+              <a:t>Entropy calculated on all </a:t>
+            </a:r>
+            <a:r>
+              <a:rPr lang="en-US" altLang="en-US" dirty="0" err="1"/>
+              <a:t>componenets</a:t>
+            </a:r>
+            <a:r>
+              <a:rPr lang="en-US" altLang="en-US" dirty="0"/>
+              <a:t>.</a:t>
             </a:r>
           </a:p>
           <a:p>

--- a/Test Set Optimization.pptx
+++ b/Test Set Optimization.pptx
@@ -17,7 +17,9 @@
     <p:sldId id="274" r:id="rId11"/>
     <p:sldId id="275" r:id="rId12"/>
     <p:sldId id="277" r:id="rId13"/>
-    <p:sldId id="267" r:id="rId14"/>
+    <p:sldId id="278" r:id="rId14"/>
+    <p:sldId id="279" r:id="rId15"/>
+    <p:sldId id="267" r:id="rId16"/>
   </p:sldIdLst>
   <p:sldSz cx="12192000" cy="6858000"/>
   <p:notesSz cx="6858000" cy="9144000"/>
@@ -126,6 +128,1823 @@
 
 <file path=ppt/revisionInfo.xml><?xml version="1.0" encoding="utf-8"?>
 <p1510:revInfo xmlns:a="http://schemas.openxmlformats.org/drawingml/2006/main" xmlns:r="http://schemas.openxmlformats.org/officeDocument/2006/relationships" xmlns:p1510="http://schemas.microsoft.com/office/powerpoint/2015/10/main"/>
+</file>
+
+<file path=ppt/charts/chart1.xml><?xml version="1.0" encoding="utf-8"?>
+<c:chartSpace xmlns:c="http://schemas.openxmlformats.org/drawingml/2006/chart" xmlns:a="http://schemas.openxmlformats.org/drawingml/2006/main" xmlns:r="http://schemas.openxmlformats.org/officeDocument/2006/relationships" xmlns:c16r2="http://schemas.microsoft.com/office/drawing/2015/06/chart">
+  <c:date1904 val="0"/>
+  <c:lang val="en-US"/>
+  <c:roundedCorners val="0"/>
+  <mc:AlternateContent xmlns:mc="http://schemas.openxmlformats.org/markup-compatibility/2006">
+    <mc:Choice xmlns:c14="http://schemas.microsoft.com/office/drawing/2007/8/2/chart" Requires="c14">
+      <c14:style val="102"/>
+    </mc:Choice>
+    <mc:Fallback>
+      <c:style val="2"/>
+    </mc:Fallback>
+  </mc:AlternateContent>
+  <c:pivotSource>
+    <c:name>[Presentation.xlsx]Sheet4!PivotTable1</c:name>
+    <c:fmtId val="3"/>
+  </c:pivotSource>
+  <c:chart>
+    <c:autoTitleDeleted val="0"/>
+    <c:pivotFmts>
+      <c:pivotFmt>
+        <c:idx val="0"/>
+      </c:pivotFmt>
+      <c:pivotFmt>
+        <c:idx val="1"/>
+      </c:pivotFmt>
+      <c:pivotFmt>
+        <c:idx val="2"/>
+      </c:pivotFmt>
+      <c:pivotFmt>
+        <c:idx val="3"/>
+      </c:pivotFmt>
+      <c:pivotFmt>
+        <c:idx val="4"/>
+        <c:spPr>
+          <a:gradFill rotWithShape="1">
+            <a:gsLst>
+              <a:gs pos="0">
+                <a:schemeClr val="accent1">
+                  <a:satMod val="103000"/>
+                  <a:lumMod val="102000"/>
+                  <a:tint val="94000"/>
+                </a:schemeClr>
+              </a:gs>
+              <a:gs pos="50000">
+                <a:schemeClr val="accent1">
+                  <a:satMod val="110000"/>
+                  <a:lumMod val="100000"/>
+                  <a:shade val="100000"/>
+                </a:schemeClr>
+              </a:gs>
+              <a:gs pos="100000">
+                <a:schemeClr val="accent1">
+                  <a:lumMod val="99000"/>
+                  <a:satMod val="120000"/>
+                  <a:shade val="78000"/>
+                </a:schemeClr>
+              </a:gs>
+            </a:gsLst>
+            <a:lin ang="5400000" scaled="0"/>
+          </a:gradFill>
+          <a:ln w="34925" cap="rnd">
+            <a:solidFill>
+              <a:schemeClr val="accent1"/>
+            </a:solidFill>
+            <a:round/>
+          </a:ln>
+          <a:effectLst>
+            <a:outerShdw blurRad="57150" dist="19050" dir="5400000" algn="ctr" rotWithShape="0">
+              <a:srgbClr val="000000">
+                <a:alpha val="63000"/>
+              </a:srgbClr>
+            </a:outerShdw>
+          </a:effectLst>
+        </c:spPr>
+        <c:marker>
+          <c:symbol val="circle"/>
+          <c:size val="6"/>
+          <c:spPr>
+            <a:gradFill rotWithShape="1">
+              <a:gsLst>
+                <a:gs pos="0">
+                  <a:schemeClr val="accent1">
+                    <a:satMod val="103000"/>
+                    <a:lumMod val="102000"/>
+                    <a:tint val="94000"/>
+                  </a:schemeClr>
+                </a:gs>
+                <a:gs pos="50000">
+                  <a:schemeClr val="accent1">
+                    <a:satMod val="110000"/>
+                    <a:lumMod val="100000"/>
+                    <a:shade val="100000"/>
+                  </a:schemeClr>
+                </a:gs>
+                <a:gs pos="100000">
+                  <a:schemeClr val="accent1">
+                    <a:lumMod val="99000"/>
+                    <a:satMod val="120000"/>
+                    <a:shade val="78000"/>
+                  </a:schemeClr>
+                </a:gs>
+              </a:gsLst>
+              <a:lin ang="5400000" scaled="0"/>
+            </a:gradFill>
+            <a:ln w="9525">
+              <a:solidFill>
+                <a:schemeClr val="accent1"/>
+              </a:solidFill>
+              <a:round/>
+            </a:ln>
+            <a:effectLst>
+              <a:outerShdw blurRad="57150" dist="19050" dir="5400000" algn="ctr" rotWithShape="0">
+                <a:srgbClr val="000000">
+                  <a:alpha val="63000"/>
+                </a:srgbClr>
+              </a:outerShdw>
+            </a:effectLst>
+          </c:spPr>
+        </c:marker>
+      </c:pivotFmt>
+      <c:pivotFmt>
+        <c:idx val="5"/>
+        <c:spPr>
+          <a:gradFill rotWithShape="1">
+            <a:gsLst>
+              <a:gs pos="0">
+                <a:schemeClr val="accent1">
+                  <a:satMod val="103000"/>
+                  <a:lumMod val="102000"/>
+                  <a:tint val="94000"/>
+                </a:schemeClr>
+              </a:gs>
+              <a:gs pos="50000">
+                <a:schemeClr val="accent1">
+                  <a:satMod val="110000"/>
+                  <a:lumMod val="100000"/>
+                  <a:shade val="100000"/>
+                </a:schemeClr>
+              </a:gs>
+              <a:gs pos="100000">
+                <a:schemeClr val="accent1">
+                  <a:lumMod val="99000"/>
+                  <a:satMod val="120000"/>
+                  <a:shade val="78000"/>
+                </a:schemeClr>
+              </a:gs>
+            </a:gsLst>
+            <a:lin ang="5400000" scaled="0"/>
+          </a:gradFill>
+          <a:ln w="34925" cap="rnd">
+            <a:solidFill>
+              <a:schemeClr val="accent1"/>
+            </a:solidFill>
+            <a:round/>
+          </a:ln>
+          <a:effectLst>
+            <a:outerShdw blurRad="57150" dist="19050" dir="5400000" algn="ctr" rotWithShape="0">
+              <a:srgbClr val="000000">
+                <a:alpha val="63000"/>
+              </a:srgbClr>
+            </a:outerShdw>
+          </a:effectLst>
+        </c:spPr>
+        <c:marker>
+          <c:symbol val="circle"/>
+          <c:size val="6"/>
+          <c:spPr>
+            <a:gradFill rotWithShape="1">
+              <a:gsLst>
+                <a:gs pos="0">
+                  <a:schemeClr val="accent2">
+                    <a:satMod val="103000"/>
+                    <a:lumMod val="102000"/>
+                    <a:tint val="94000"/>
+                  </a:schemeClr>
+                </a:gs>
+                <a:gs pos="50000">
+                  <a:schemeClr val="accent2">
+                    <a:satMod val="110000"/>
+                    <a:lumMod val="100000"/>
+                    <a:shade val="100000"/>
+                  </a:schemeClr>
+                </a:gs>
+                <a:gs pos="100000">
+                  <a:schemeClr val="accent2">
+                    <a:lumMod val="99000"/>
+                    <a:satMod val="120000"/>
+                    <a:shade val="78000"/>
+                  </a:schemeClr>
+                </a:gs>
+              </a:gsLst>
+              <a:lin ang="5400000" scaled="0"/>
+            </a:gradFill>
+            <a:ln w="9525">
+              <a:solidFill>
+                <a:schemeClr val="accent2"/>
+              </a:solidFill>
+              <a:round/>
+            </a:ln>
+            <a:effectLst>
+              <a:outerShdw blurRad="57150" dist="19050" dir="5400000" algn="ctr" rotWithShape="0">
+                <a:srgbClr val="000000">
+                  <a:alpha val="63000"/>
+                </a:srgbClr>
+              </a:outerShdw>
+            </a:effectLst>
+          </c:spPr>
+        </c:marker>
+      </c:pivotFmt>
+      <c:pivotFmt>
+        <c:idx val="6"/>
+        <c:spPr>
+          <a:blipFill rotWithShape="1">
+            <a:blip xmlns:r="http://schemas.openxmlformats.org/officeDocument/2006/relationships" r:embed="rId3">
+              <a:duotone>
+                <a:schemeClr val="accent1">
+                  <a:shade val="36000"/>
+                  <a:satMod val="120000"/>
+                </a:schemeClr>
+                <a:schemeClr val="accent1">
+                  <a:tint val="40000"/>
+                </a:schemeClr>
+              </a:duotone>
+            </a:blip>
+            <a:tile tx="0" ty="0" sx="60000" sy="59000" flip="none" algn="tl"/>
+          </a:blipFill>
+          <a:ln w="34925" cap="rnd">
+            <a:solidFill>
+              <a:schemeClr val="accent1"/>
+            </a:solidFill>
+            <a:round/>
+          </a:ln>
+          <a:effectLst>
+            <a:outerShdw blurRad="57150" dist="19050" dir="5400000" algn="ctr" rotWithShape="0">
+              <a:srgbClr val="000000">
+                <a:alpha val="63000"/>
+              </a:srgbClr>
+            </a:outerShdw>
+          </a:effectLst>
+        </c:spPr>
+        <c:marker>
+          <c:symbol val="circle"/>
+          <c:size val="6"/>
+          <c:spPr>
+            <a:gradFill rotWithShape="1">
+              <a:gsLst>
+                <a:gs pos="0">
+                  <a:schemeClr val="accent1">
+                    <a:satMod val="103000"/>
+                    <a:lumMod val="102000"/>
+                    <a:tint val="94000"/>
+                  </a:schemeClr>
+                </a:gs>
+                <a:gs pos="50000">
+                  <a:schemeClr val="accent1">
+                    <a:satMod val="110000"/>
+                    <a:lumMod val="100000"/>
+                    <a:shade val="100000"/>
+                  </a:schemeClr>
+                </a:gs>
+                <a:gs pos="100000">
+                  <a:schemeClr val="accent1">
+                    <a:lumMod val="99000"/>
+                    <a:satMod val="120000"/>
+                    <a:shade val="78000"/>
+                  </a:schemeClr>
+                </a:gs>
+              </a:gsLst>
+              <a:lin ang="5400000" scaled="0"/>
+            </a:gradFill>
+            <a:ln w="9525">
+              <a:solidFill>
+                <a:schemeClr val="accent1"/>
+              </a:solidFill>
+              <a:round/>
+            </a:ln>
+            <a:effectLst>
+              <a:outerShdw blurRad="57150" dist="19050" dir="5400000" algn="ctr" rotWithShape="0">
+                <a:srgbClr val="000000">
+                  <a:alpha val="63000"/>
+                </a:srgbClr>
+              </a:outerShdw>
+            </a:effectLst>
+          </c:spPr>
+        </c:marker>
+      </c:pivotFmt>
+      <c:pivotFmt>
+        <c:idx val="7"/>
+        <c:spPr>
+          <a:blipFill rotWithShape="1">
+            <a:blip xmlns:r="http://schemas.openxmlformats.org/officeDocument/2006/relationships" r:embed="rId3">
+              <a:duotone>
+                <a:schemeClr val="accent1">
+                  <a:shade val="36000"/>
+                  <a:satMod val="120000"/>
+                </a:schemeClr>
+                <a:schemeClr val="accent1">
+                  <a:tint val="40000"/>
+                </a:schemeClr>
+              </a:duotone>
+            </a:blip>
+            <a:tile tx="0" ty="0" sx="60000" sy="59000" flip="none" algn="tl"/>
+          </a:blipFill>
+          <a:ln w="34925" cap="rnd">
+            <a:solidFill>
+              <a:schemeClr val="accent1"/>
+            </a:solidFill>
+            <a:round/>
+          </a:ln>
+          <a:effectLst>
+            <a:outerShdw blurRad="57150" dist="19050" dir="5400000" algn="ctr" rotWithShape="0">
+              <a:srgbClr val="000000">
+                <a:alpha val="63000"/>
+              </a:srgbClr>
+            </a:outerShdw>
+          </a:effectLst>
+        </c:spPr>
+        <c:marker>
+          <c:symbol val="circle"/>
+          <c:size val="6"/>
+          <c:spPr>
+            <a:gradFill rotWithShape="1">
+              <a:gsLst>
+                <a:gs pos="0">
+                  <a:schemeClr val="accent2">
+                    <a:satMod val="103000"/>
+                    <a:lumMod val="102000"/>
+                    <a:tint val="94000"/>
+                  </a:schemeClr>
+                </a:gs>
+                <a:gs pos="50000">
+                  <a:schemeClr val="accent2">
+                    <a:satMod val="110000"/>
+                    <a:lumMod val="100000"/>
+                    <a:shade val="100000"/>
+                  </a:schemeClr>
+                </a:gs>
+                <a:gs pos="100000">
+                  <a:schemeClr val="accent2">
+                    <a:lumMod val="99000"/>
+                    <a:satMod val="120000"/>
+                    <a:shade val="78000"/>
+                  </a:schemeClr>
+                </a:gs>
+              </a:gsLst>
+              <a:lin ang="5400000" scaled="0"/>
+            </a:gradFill>
+            <a:ln w="9525">
+              <a:solidFill>
+                <a:schemeClr val="accent2"/>
+              </a:solidFill>
+              <a:round/>
+            </a:ln>
+            <a:effectLst>
+              <a:outerShdw blurRad="57150" dist="19050" dir="5400000" algn="ctr" rotWithShape="0">
+                <a:srgbClr val="000000">
+                  <a:alpha val="63000"/>
+                </a:srgbClr>
+              </a:outerShdw>
+            </a:effectLst>
+          </c:spPr>
+        </c:marker>
+      </c:pivotFmt>
+    </c:pivotFmts>
+    <c:plotArea>
+      <c:layout>
+        <c:manualLayout>
+          <c:layoutTarget val="inner"/>
+          <c:xMode val="edge"/>
+          <c:yMode val="edge"/>
+          <c:x val="4.2441119472039386E-2"/>
+          <c:y val="0.13786818314377369"/>
+          <c:w val="0.81635996997049431"/>
+          <c:h val="0.65853091280256637"/>
+        </c:manualLayout>
+      </c:layout>
+      <c:lineChart>
+        <c:grouping val="standard"/>
+        <c:varyColors val="0"/>
+        <c:ser>
+          <c:idx val="0"/>
+          <c:order val="0"/>
+          <c:tx>
+            <c:strRef>
+              <c:f>Sheet4!$B$1</c:f>
+              <c:strCache>
+                <c:ptCount val="1"/>
+                <c:pt idx="0">
+                  <c:v>TFB Bugs</c:v>
+                </c:pt>
+              </c:strCache>
+            </c:strRef>
+          </c:tx>
+          <c:spPr>
+            <a:ln w="34925" cap="rnd">
+              <a:solidFill>
+                <a:schemeClr val="accent1"/>
+              </a:solidFill>
+              <a:round/>
+            </a:ln>
+            <a:effectLst>
+              <a:outerShdw blurRad="57150" dist="19050" dir="5400000" algn="ctr" rotWithShape="0">
+                <a:srgbClr val="000000">
+                  <a:alpha val="63000"/>
+                </a:srgbClr>
+              </a:outerShdw>
+            </a:effectLst>
+          </c:spPr>
+          <c:marker>
+            <c:symbol val="circle"/>
+            <c:size val="6"/>
+            <c:spPr>
+              <a:gradFill rotWithShape="1">
+                <a:gsLst>
+                  <a:gs pos="0">
+                    <a:schemeClr val="accent1">
+                      <a:satMod val="103000"/>
+                      <a:lumMod val="102000"/>
+                      <a:tint val="94000"/>
+                    </a:schemeClr>
+                  </a:gs>
+                  <a:gs pos="50000">
+                    <a:schemeClr val="accent1">
+                      <a:satMod val="110000"/>
+                      <a:lumMod val="100000"/>
+                      <a:shade val="100000"/>
+                    </a:schemeClr>
+                  </a:gs>
+                  <a:gs pos="100000">
+                    <a:schemeClr val="accent1">
+                      <a:lumMod val="99000"/>
+                      <a:satMod val="120000"/>
+                      <a:shade val="78000"/>
+                    </a:schemeClr>
+                  </a:gs>
+                </a:gsLst>
+                <a:lin ang="5400000" scaled="0"/>
+              </a:gradFill>
+              <a:ln w="9525">
+                <a:solidFill>
+                  <a:schemeClr val="accent1"/>
+                </a:solidFill>
+                <a:round/>
+              </a:ln>
+              <a:effectLst>
+                <a:outerShdw blurRad="57150" dist="19050" dir="5400000" algn="ctr" rotWithShape="0">
+                  <a:srgbClr val="000000">
+                    <a:alpha val="63000"/>
+                  </a:srgbClr>
+                </a:outerShdw>
+              </a:effectLst>
+            </c:spPr>
+          </c:marker>
+          <c:cat>
+            <c:strRef>
+              <c:f>Sheet4!$A$2:$A$17</c:f>
+              <c:strCache>
+                <c:ptCount val="15"/>
+                <c:pt idx="0">
+                  <c:v>1</c:v>
+                </c:pt>
+                <c:pt idx="1">
+                  <c:v>2</c:v>
+                </c:pt>
+                <c:pt idx="2">
+                  <c:v>3</c:v>
+                </c:pt>
+                <c:pt idx="3">
+                  <c:v>4</c:v>
+                </c:pt>
+                <c:pt idx="4">
+                  <c:v>5</c:v>
+                </c:pt>
+                <c:pt idx="5">
+                  <c:v>6</c:v>
+                </c:pt>
+                <c:pt idx="6">
+                  <c:v>7</c:v>
+                </c:pt>
+                <c:pt idx="7">
+                  <c:v>8</c:v>
+                </c:pt>
+                <c:pt idx="8">
+                  <c:v>9</c:v>
+                </c:pt>
+                <c:pt idx="9">
+                  <c:v>10</c:v>
+                </c:pt>
+                <c:pt idx="10">
+                  <c:v>11</c:v>
+                </c:pt>
+                <c:pt idx="11">
+                  <c:v>12</c:v>
+                </c:pt>
+                <c:pt idx="12">
+                  <c:v>13</c:v>
+                </c:pt>
+                <c:pt idx="13">
+                  <c:v>14</c:v>
+                </c:pt>
+                <c:pt idx="14">
+                  <c:v>15</c:v>
+                </c:pt>
+              </c:strCache>
+            </c:strRef>
+          </c:cat>
+          <c:val>
+            <c:numRef>
+              <c:f>Sheet4!$B$2:$B$17</c:f>
+              <c:numCache>
+                <c:formatCode>General</c:formatCode>
+                <c:ptCount val="15"/>
+                <c:pt idx="0">
+                  <c:v>0</c:v>
+                </c:pt>
+                <c:pt idx="1">
+                  <c:v>0</c:v>
+                </c:pt>
+                <c:pt idx="2">
+                  <c:v>0</c:v>
+                </c:pt>
+                <c:pt idx="3">
+                  <c:v>1</c:v>
+                </c:pt>
+                <c:pt idx="4">
+                  <c:v>2</c:v>
+                </c:pt>
+                <c:pt idx="5">
+                  <c:v>3</c:v>
+                </c:pt>
+                <c:pt idx="6">
+                  <c:v>3</c:v>
+                </c:pt>
+                <c:pt idx="7">
+                  <c:v>3</c:v>
+                </c:pt>
+                <c:pt idx="8">
+                  <c:v>3</c:v>
+                </c:pt>
+                <c:pt idx="9">
+                  <c:v>3</c:v>
+                </c:pt>
+                <c:pt idx="10">
+                  <c:v>3</c:v>
+                </c:pt>
+                <c:pt idx="11">
+                  <c:v>3</c:v>
+                </c:pt>
+                <c:pt idx="12">
+                  <c:v>3</c:v>
+                </c:pt>
+                <c:pt idx="13">
+                  <c:v>3</c:v>
+                </c:pt>
+                <c:pt idx="14">
+                  <c:v>4</c:v>
+                </c:pt>
+              </c:numCache>
+            </c:numRef>
+          </c:val>
+          <c:smooth val="0"/>
+          <c:extLst>
+            <c:ext xmlns:c16="http://schemas.microsoft.com/office/drawing/2014/chart" uri="{C3380CC4-5D6E-409C-BE32-E72D297353CC}">
+              <c16:uniqueId val="{00000000-EA13-4A7B-A01D-61AAFB6F3E56}"/>
+            </c:ext>
+          </c:extLst>
+        </c:ser>
+        <c:ser>
+          <c:idx val="1"/>
+          <c:order val="1"/>
+          <c:tx>
+            <c:strRef>
+              <c:f>Sheet4!$C$1</c:f>
+              <c:strCache>
+                <c:ptCount val="1"/>
+                <c:pt idx="0">
+                  <c:v>IG Bugs</c:v>
+                </c:pt>
+              </c:strCache>
+            </c:strRef>
+          </c:tx>
+          <c:spPr>
+            <a:ln w="34925" cap="rnd">
+              <a:solidFill>
+                <a:schemeClr val="accent2"/>
+              </a:solidFill>
+              <a:round/>
+            </a:ln>
+            <a:effectLst>
+              <a:outerShdw blurRad="57150" dist="19050" dir="5400000" algn="ctr" rotWithShape="0">
+                <a:srgbClr val="000000">
+                  <a:alpha val="63000"/>
+                </a:srgbClr>
+              </a:outerShdw>
+            </a:effectLst>
+          </c:spPr>
+          <c:marker>
+            <c:symbol val="circle"/>
+            <c:size val="6"/>
+            <c:spPr>
+              <a:gradFill rotWithShape="1">
+                <a:gsLst>
+                  <a:gs pos="0">
+                    <a:schemeClr val="accent2">
+                      <a:satMod val="103000"/>
+                      <a:lumMod val="102000"/>
+                      <a:tint val="94000"/>
+                    </a:schemeClr>
+                  </a:gs>
+                  <a:gs pos="50000">
+                    <a:schemeClr val="accent2">
+                      <a:satMod val="110000"/>
+                      <a:lumMod val="100000"/>
+                      <a:shade val="100000"/>
+                    </a:schemeClr>
+                  </a:gs>
+                  <a:gs pos="100000">
+                    <a:schemeClr val="accent2">
+                      <a:lumMod val="99000"/>
+                      <a:satMod val="120000"/>
+                      <a:shade val="78000"/>
+                    </a:schemeClr>
+                  </a:gs>
+                </a:gsLst>
+                <a:lin ang="5400000" scaled="0"/>
+              </a:gradFill>
+              <a:ln w="9525">
+                <a:solidFill>
+                  <a:schemeClr val="accent2"/>
+                </a:solidFill>
+                <a:round/>
+              </a:ln>
+              <a:effectLst>
+                <a:outerShdw blurRad="57150" dist="19050" dir="5400000" algn="ctr" rotWithShape="0">
+                  <a:srgbClr val="000000">
+                    <a:alpha val="63000"/>
+                  </a:srgbClr>
+                </a:outerShdw>
+              </a:effectLst>
+            </c:spPr>
+          </c:marker>
+          <c:cat>
+            <c:strRef>
+              <c:f>Sheet4!$A$2:$A$17</c:f>
+              <c:strCache>
+                <c:ptCount val="15"/>
+                <c:pt idx="0">
+                  <c:v>1</c:v>
+                </c:pt>
+                <c:pt idx="1">
+                  <c:v>2</c:v>
+                </c:pt>
+                <c:pt idx="2">
+                  <c:v>3</c:v>
+                </c:pt>
+                <c:pt idx="3">
+                  <c:v>4</c:v>
+                </c:pt>
+                <c:pt idx="4">
+                  <c:v>5</c:v>
+                </c:pt>
+                <c:pt idx="5">
+                  <c:v>6</c:v>
+                </c:pt>
+                <c:pt idx="6">
+                  <c:v>7</c:v>
+                </c:pt>
+                <c:pt idx="7">
+                  <c:v>8</c:v>
+                </c:pt>
+                <c:pt idx="8">
+                  <c:v>9</c:v>
+                </c:pt>
+                <c:pt idx="9">
+                  <c:v>10</c:v>
+                </c:pt>
+                <c:pt idx="10">
+                  <c:v>11</c:v>
+                </c:pt>
+                <c:pt idx="11">
+                  <c:v>12</c:v>
+                </c:pt>
+                <c:pt idx="12">
+                  <c:v>13</c:v>
+                </c:pt>
+                <c:pt idx="13">
+                  <c:v>14</c:v>
+                </c:pt>
+                <c:pt idx="14">
+                  <c:v>15</c:v>
+                </c:pt>
+              </c:strCache>
+            </c:strRef>
+          </c:cat>
+          <c:val>
+            <c:numRef>
+              <c:f>Sheet4!$C$2:$C$17</c:f>
+              <c:numCache>
+                <c:formatCode>General</c:formatCode>
+                <c:ptCount val="15"/>
+                <c:pt idx="0">
+                  <c:v>1</c:v>
+                </c:pt>
+                <c:pt idx="1">
+                  <c:v>2</c:v>
+                </c:pt>
+                <c:pt idx="2">
+                  <c:v>3</c:v>
+                </c:pt>
+                <c:pt idx="3">
+                  <c:v>4</c:v>
+                </c:pt>
+                <c:pt idx="4">
+                  <c:v>4</c:v>
+                </c:pt>
+                <c:pt idx="5">
+                  <c:v>4</c:v>
+                </c:pt>
+                <c:pt idx="6">
+                  <c:v>4</c:v>
+                </c:pt>
+                <c:pt idx="7">
+                  <c:v>4</c:v>
+                </c:pt>
+                <c:pt idx="8">
+                  <c:v>4</c:v>
+                </c:pt>
+                <c:pt idx="9">
+                  <c:v>4</c:v>
+                </c:pt>
+                <c:pt idx="10">
+                  <c:v>4</c:v>
+                </c:pt>
+                <c:pt idx="11">
+                  <c:v>4</c:v>
+                </c:pt>
+                <c:pt idx="12">
+                  <c:v>4</c:v>
+                </c:pt>
+                <c:pt idx="13">
+                  <c:v>4</c:v>
+                </c:pt>
+                <c:pt idx="14">
+                  <c:v>4</c:v>
+                </c:pt>
+              </c:numCache>
+            </c:numRef>
+          </c:val>
+          <c:smooth val="0"/>
+          <c:extLst>
+            <c:ext xmlns:c16="http://schemas.microsoft.com/office/drawing/2014/chart" uri="{C3380CC4-5D6E-409C-BE32-E72D297353CC}">
+              <c16:uniqueId val="{00000001-EA13-4A7B-A01D-61AAFB6F3E56}"/>
+            </c:ext>
+          </c:extLst>
+        </c:ser>
+        <c:dLbls>
+          <c:showLegendKey val="0"/>
+          <c:showVal val="0"/>
+          <c:showCatName val="0"/>
+          <c:showSerName val="0"/>
+          <c:showPercent val="0"/>
+          <c:showBubbleSize val="0"/>
+        </c:dLbls>
+        <c:marker val="1"/>
+        <c:smooth val="0"/>
+        <c:axId val="496137008"/>
+        <c:axId val="496136352"/>
+      </c:lineChart>
+      <c:catAx>
+        <c:axId val="496137008"/>
+        <c:scaling>
+          <c:orientation val="minMax"/>
+        </c:scaling>
+        <c:delete val="0"/>
+        <c:axPos val="b"/>
+        <c:numFmt formatCode="General" sourceLinked="1"/>
+        <c:majorTickMark val="none"/>
+        <c:minorTickMark val="none"/>
+        <c:tickLblPos val="nextTo"/>
+        <c:spPr>
+          <a:noFill/>
+          <a:ln w="9525" cap="flat" cmpd="sng" algn="ctr">
+            <a:solidFill>
+              <a:schemeClr val="lt1">
+                <a:lumMod val="95000"/>
+                <a:alpha val="10000"/>
+              </a:schemeClr>
+            </a:solidFill>
+            <a:round/>
+          </a:ln>
+          <a:effectLst/>
+        </c:spPr>
+        <c:txPr>
+          <a:bodyPr rot="-60000000" spcFirstLastPara="1" vertOverflow="ellipsis" vert="horz" wrap="square" anchor="ctr" anchorCtr="1"/>
+          <a:lstStyle/>
+          <a:p>
+            <a:pPr>
+              <a:defRPr sz="900" b="0" i="0" u="none" strike="noStrike" kern="1200" baseline="0">
+                <a:solidFill>
+                  <a:schemeClr val="lt1">
+                    <a:lumMod val="85000"/>
+                  </a:schemeClr>
+                </a:solidFill>
+                <a:latin typeface="+mn-lt"/>
+                <a:ea typeface="+mn-ea"/>
+                <a:cs typeface="+mn-cs"/>
+              </a:defRPr>
+            </a:pPr>
+            <a:endParaRPr lang="en-US"/>
+          </a:p>
+        </c:txPr>
+        <c:crossAx val="496136352"/>
+        <c:crosses val="autoZero"/>
+        <c:auto val="1"/>
+        <c:lblAlgn val="ctr"/>
+        <c:lblOffset val="100"/>
+        <c:noMultiLvlLbl val="0"/>
+      </c:catAx>
+      <c:valAx>
+        <c:axId val="496136352"/>
+        <c:scaling>
+          <c:orientation val="minMax"/>
+          <c:max val="5"/>
+          <c:min val="0"/>
+        </c:scaling>
+        <c:delete val="0"/>
+        <c:axPos val="l"/>
+        <c:majorGridlines>
+          <c:spPr>
+            <a:ln w="9525" cap="flat" cmpd="sng" algn="ctr">
+              <a:solidFill>
+                <a:schemeClr val="lt1">
+                  <a:lumMod val="95000"/>
+                  <a:alpha val="10000"/>
+                </a:schemeClr>
+              </a:solidFill>
+              <a:round/>
+            </a:ln>
+            <a:effectLst/>
+          </c:spPr>
+        </c:majorGridlines>
+        <c:numFmt formatCode="General" sourceLinked="1"/>
+        <c:majorTickMark val="none"/>
+        <c:minorTickMark val="none"/>
+        <c:tickLblPos val="nextTo"/>
+        <c:spPr>
+          <a:noFill/>
+          <a:ln>
+            <a:noFill/>
+          </a:ln>
+          <a:effectLst/>
+        </c:spPr>
+        <c:txPr>
+          <a:bodyPr rot="-60000000" spcFirstLastPara="1" vertOverflow="ellipsis" vert="horz" wrap="square" anchor="ctr" anchorCtr="1"/>
+          <a:lstStyle/>
+          <a:p>
+            <a:pPr>
+              <a:defRPr sz="900" b="0" i="0" u="none" strike="noStrike" kern="1200" baseline="0">
+                <a:solidFill>
+                  <a:schemeClr val="lt1">
+                    <a:lumMod val="85000"/>
+                  </a:schemeClr>
+                </a:solidFill>
+                <a:latin typeface="+mn-lt"/>
+                <a:ea typeface="+mn-ea"/>
+                <a:cs typeface="+mn-cs"/>
+              </a:defRPr>
+            </a:pPr>
+            <a:endParaRPr lang="en-US"/>
+          </a:p>
+        </c:txPr>
+        <c:crossAx val="496137008"/>
+        <c:crosses val="autoZero"/>
+        <c:crossBetween val="between"/>
+        <c:majorUnit val="1"/>
+      </c:valAx>
+      <c:spPr>
+        <a:noFill/>
+        <a:ln>
+          <a:noFill/>
+        </a:ln>
+        <a:effectLst/>
+      </c:spPr>
+    </c:plotArea>
+    <c:legend>
+      <c:legendPos val="r"/>
+      <c:layout>
+        <c:manualLayout>
+          <c:xMode val="edge"/>
+          <c:yMode val="edge"/>
+          <c:x val="0.89208178704849095"/>
+          <c:y val="0.44003156321877673"/>
+          <c:w val="9.8510875228084729E-2"/>
+          <c:h val="0.20877838031440099"/>
+        </c:manualLayout>
+      </c:layout>
+      <c:overlay val="0"/>
+      <c:spPr>
+        <a:noFill/>
+        <a:ln>
+          <a:noFill/>
+        </a:ln>
+        <a:effectLst/>
+      </c:spPr>
+      <c:txPr>
+        <a:bodyPr rot="0" spcFirstLastPara="1" vertOverflow="ellipsis" vert="horz" wrap="square" anchor="ctr" anchorCtr="1"/>
+        <a:lstStyle/>
+        <a:p>
+          <a:pPr>
+            <a:defRPr sz="900" b="0" i="0" u="none" strike="noStrike" kern="1200" baseline="0">
+              <a:solidFill>
+                <a:schemeClr val="lt1">
+                  <a:lumMod val="85000"/>
+                </a:schemeClr>
+              </a:solidFill>
+              <a:latin typeface="+mn-lt"/>
+              <a:ea typeface="+mn-ea"/>
+              <a:cs typeface="+mn-cs"/>
+            </a:defRPr>
+          </a:pPr>
+          <a:endParaRPr lang="en-US"/>
+        </a:p>
+      </c:txPr>
+    </c:legend>
+    <c:plotVisOnly val="1"/>
+    <c:dispBlanksAs val="gap"/>
+    <c:showDLblsOverMax val="0"/>
+  </c:chart>
+  <c:spPr>
+    <a:gradFill flip="none" rotWithShape="1">
+      <a:gsLst>
+        <a:gs pos="0">
+          <a:schemeClr val="dk1">
+            <a:lumMod val="65000"/>
+            <a:lumOff val="35000"/>
+          </a:schemeClr>
+        </a:gs>
+        <a:gs pos="100000">
+          <a:schemeClr val="dk1">
+            <a:lumMod val="85000"/>
+            <a:lumOff val="15000"/>
+          </a:schemeClr>
+        </a:gs>
+      </a:gsLst>
+      <a:path path="circle">
+        <a:fillToRect l="50000" t="50000" r="50000" b="50000"/>
+      </a:path>
+      <a:tileRect/>
+    </a:gradFill>
+    <a:ln>
+      <a:noFill/>
+    </a:ln>
+    <a:effectLst/>
+  </c:spPr>
+  <c:txPr>
+    <a:bodyPr/>
+    <a:lstStyle/>
+    <a:p>
+      <a:pPr>
+        <a:defRPr/>
+      </a:pPr>
+      <a:endParaRPr lang="en-US"/>
+    </a:p>
+  </c:txPr>
+  <c:externalData r:id="rId4">
+    <c:autoUpdate val="0"/>
+  </c:externalData>
+  <c:userShapes r:id="rId5"/>
+  <c:extLst>
+    <c:ext xmlns:c14="http://schemas.microsoft.com/office/drawing/2007/8/2/chart" uri="{781A3756-C4B2-4CAC-9D66-4F8BD8637D16}">
+      <c14:pivotOptions>
+        <c14:dropZoneFilter val="1"/>
+        <c14:dropZoneCategories val="1"/>
+        <c14:dropZoneData val="1"/>
+        <c14:dropZoneSeries val="1"/>
+      </c14:pivotOptions>
+    </c:ext>
+    <c:ext xmlns:c16="http://schemas.microsoft.com/office/drawing/2014/chart" uri="{E28EC0CA-F0BB-4C9C-879D-F8772B89E7AC}">
+      <c16:pivotOptions16>
+        <c16:showExpandCollapseFieldButtons val="1"/>
+      </c16:pivotOptions16>
+    </c:ext>
+  </c:extLst>
+</c:chartSpace>
+</file>
+
+<file path=ppt/charts/colors1.xml><?xml version="1.0" encoding="utf-8"?>
+<cs:colorStyle xmlns:cs="http://schemas.microsoft.com/office/drawing/2012/chartStyle" xmlns:a="http://schemas.openxmlformats.org/drawingml/2006/main" meth="cycle" id="10">
+  <a:schemeClr val="accent1"/>
+  <a:schemeClr val="accent2"/>
+  <a:schemeClr val="accent3"/>
+  <a:schemeClr val="accent4"/>
+  <a:schemeClr val="accent5"/>
+  <a:schemeClr val="accent6"/>
+  <cs:variation/>
+  <cs:variation>
+    <a:lumMod val="60000"/>
+  </cs:variation>
+  <cs:variation>
+    <a:lumMod val="80000"/>
+    <a:lumOff val="20000"/>
+  </cs:variation>
+  <cs:variation>
+    <a:lumMod val="80000"/>
+  </cs:variation>
+  <cs:variation>
+    <a:lumMod val="60000"/>
+    <a:lumOff val="40000"/>
+  </cs:variation>
+  <cs:variation>
+    <a:lumMod val="50000"/>
+  </cs:variation>
+  <cs:variation>
+    <a:lumMod val="70000"/>
+    <a:lumOff val="30000"/>
+  </cs:variation>
+  <cs:variation>
+    <a:lumMod val="70000"/>
+  </cs:variation>
+  <cs:variation>
+    <a:lumMod val="50000"/>
+    <a:lumOff val="50000"/>
+  </cs:variation>
+</cs:colorStyle>
+</file>
+
+<file path=ppt/charts/style1.xml><?xml version="1.0" encoding="utf-8"?>
+<cs:chartStyle xmlns:cs="http://schemas.microsoft.com/office/drawing/2012/chartStyle" xmlns:a="http://schemas.openxmlformats.org/drawingml/2006/main" id="233">
+  <cs:axisTitle>
+    <cs:lnRef idx="0"/>
+    <cs:fillRef idx="0"/>
+    <cs:effectRef idx="0"/>
+    <cs:fontRef idx="minor">
+      <a:schemeClr val="lt1">
+        <a:lumMod val="85000"/>
+      </a:schemeClr>
+    </cs:fontRef>
+    <cs:defRPr sz="900" b="1" kern="1200" cap="all"/>
+  </cs:axisTitle>
+  <cs:categoryAxis>
+    <cs:lnRef idx="0"/>
+    <cs:fillRef idx="0"/>
+    <cs:effectRef idx="0"/>
+    <cs:fontRef idx="minor">
+      <a:schemeClr val="lt1">
+        <a:lumMod val="85000"/>
+      </a:schemeClr>
+    </cs:fontRef>
+    <cs:spPr>
+      <a:ln w="9525" cap="flat" cmpd="sng" algn="ctr">
+        <a:solidFill>
+          <a:schemeClr val="lt1">
+            <a:lumMod val="95000"/>
+            <a:alpha val="10000"/>
+          </a:schemeClr>
+        </a:solidFill>
+        <a:round/>
+      </a:ln>
+    </cs:spPr>
+    <cs:defRPr sz="900" kern="1200"/>
+  </cs:categoryAxis>
+  <cs:chartArea>
+    <cs:lnRef idx="0"/>
+    <cs:fillRef idx="0"/>
+    <cs:effectRef idx="0"/>
+    <cs:fontRef idx="minor">
+      <a:schemeClr val="dk1"/>
+    </cs:fontRef>
+    <cs:spPr>
+      <a:gradFill flip="none" rotWithShape="1">
+        <a:gsLst>
+          <a:gs pos="0">
+            <a:schemeClr val="dk1">
+              <a:lumMod val="65000"/>
+              <a:lumOff val="35000"/>
+            </a:schemeClr>
+          </a:gs>
+          <a:gs pos="100000">
+            <a:schemeClr val="dk1">
+              <a:lumMod val="85000"/>
+              <a:lumOff val="15000"/>
+            </a:schemeClr>
+          </a:gs>
+        </a:gsLst>
+        <a:path path="circle">
+          <a:fillToRect l="50000" t="50000" r="50000" b="50000"/>
+        </a:path>
+        <a:tileRect/>
+      </a:gradFill>
+    </cs:spPr>
+    <cs:defRPr sz="1000" kern="1200"/>
+  </cs:chartArea>
+  <cs:dataLabel>
+    <cs:lnRef idx="0"/>
+    <cs:fillRef idx="0"/>
+    <cs:effectRef idx="0"/>
+    <cs:fontRef idx="minor">
+      <a:schemeClr val="lt1">
+        <a:lumMod val="85000"/>
+      </a:schemeClr>
+    </cs:fontRef>
+    <cs:defRPr sz="900" kern="1200"/>
+  </cs:dataLabel>
+  <cs:dataLabelCallout>
+    <cs:lnRef idx="0"/>
+    <cs:fillRef idx="0"/>
+    <cs:effectRef idx="0"/>
+    <cs:fontRef idx="minor">
+      <a:schemeClr val="dk1">
+        <a:lumMod val="65000"/>
+        <a:lumOff val="35000"/>
+      </a:schemeClr>
+    </cs:fontRef>
+    <cs:spPr>
+      <a:solidFill>
+        <a:schemeClr val="lt1"/>
+      </a:solidFill>
+    </cs:spPr>
+    <cs:defRPr sz="900" kern="1200"/>
+    <cs:bodyPr rot="0" spcFirstLastPara="1" vertOverflow="clip" horzOverflow="clip" vert="horz" wrap="square" lIns="36576" tIns="18288" rIns="36576" bIns="18288" anchor="ctr" anchorCtr="1">
+      <a:spAutoFit/>
+    </cs:bodyPr>
+  </cs:dataLabelCallout>
+  <cs:dataPoint>
+    <cs:lnRef idx="0"/>
+    <cs:fillRef idx="3">
+      <cs:styleClr val="auto"/>
+    </cs:fillRef>
+    <cs:effectRef idx="3"/>
+    <cs:fontRef idx="minor">
+      <a:schemeClr val="tx1"/>
+    </cs:fontRef>
+  </cs:dataPoint>
+  <cs:dataPoint3D>
+    <cs:lnRef idx="0"/>
+    <cs:fillRef idx="3">
+      <cs:styleClr val="auto"/>
+    </cs:fillRef>
+    <cs:effectRef idx="3"/>
+    <cs:fontRef idx="minor">
+      <a:schemeClr val="tx1"/>
+    </cs:fontRef>
+  </cs:dataPoint3D>
+  <cs:dataPointLine>
+    <cs:lnRef idx="0">
+      <cs:styleClr val="auto"/>
+    </cs:lnRef>
+    <cs:fillRef idx="3"/>
+    <cs:effectRef idx="3"/>
+    <cs:fontRef idx="minor">
+      <a:schemeClr val="tx1"/>
+    </cs:fontRef>
+    <cs:spPr>
+      <a:ln w="34925" cap="rnd">
+        <a:solidFill>
+          <a:schemeClr val="phClr"/>
+        </a:solidFill>
+        <a:round/>
+      </a:ln>
+    </cs:spPr>
+  </cs:dataPointLine>
+  <cs:dataPointMarker>
+    <cs:lnRef idx="0">
+      <cs:styleClr val="auto"/>
+    </cs:lnRef>
+    <cs:fillRef idx="3">
+      <cs:styleClr val="auto"/>
+    </cs:fillRef>
+    <cs:effectRef idx="3"/>
+    <cs:fontRef idx="minor">
+      <a:schemeClr val="tx1"/>
+    </cs:fontRef>
+    <cs:spPr>
+      <a:ln w="9525">
+        <a:solidFill>
+          <a:schemeClr val="phClr"/>
+        </a:solidFill>
+        <a:round/>
+      </a:ln>
+    </cs:spPr>
+  </cs:dataPointMarker>
+  <cs:dataPointMarkerLayout symbol="circle" size="6"/>
+  <cs:dataPointWireframe>
+    <cs:lnRef idx="0">
+      <cs:styleClr val="auto"/>
+    </cs:lnRef>
+    <cs:fillRef idx="3"/>
+    <cs:effectRef idx="3"/>
+    <cs:fontRef idx="minor">
+      <a:schemeClr val="tx1"/>
+    </cs:fontRef>
+    <cs:spPr>
+      <a:ln w="9525" cap="rnd">
+        <a:solidFill>
+          <a:schemeClr val="phClr"/>
+        </a:solidFill>
+        <a:round/>
+      </a:ln>
+    </cs:spPr>
+  </cs:dataPointWireframe>
+  <cs:dataTable>
+    <cs:lnRef idx="0"/>
+    <cs:fillRef idx="0"/>
+    <cs:effectRef idx="0"/>
+    <cs:fontRef idx="minor">
+      <a:schemeClr val="lt1">
+        <a:lumMod val="85000"/>
+      </a:schemeClr>
+    </cs:fontRef>
+    <cs:spPr>
+      <a:ln w="9525">
+        <a:solidFill>
+          <a:schemeClr val="lt1">
+            <a:lumMod val="95000"/>
+            <a:alpha val="54000"/>
+          </a:schemeClr>
+        </a:solidFill>
+      </a:ln>
+    </cs:spPr>
+    <cs:defRPr sz="900" kern="1200"/>
+  </cs:dataTable>
+  <cs:downBar>
+    <cs:lnRef idx="0"/>
+    <cs:fillRef idx="0"/>
+    <cs:effectRef idx="0"/>
+    <cs:fontRef idx="minor">
+      <a:schemeClr val="tx1"/>
+    </cs:fontRef>
+    <cs:spPr>
+      <a:solidFill>
+        <a:schemeClr val="dk1">
+          <a:lumMod val="75000"/>
+          <a:lumOff val="25000"/>
+        </a:schemeClr>
+      </a:solidFill>
+      <a:ln w="9525">
+        <a:solidFill>
+          <a:schemeClr val="lt1">
+            <a:lumMod val="95000"/>
+            <a:alpha val="54000"/>
+          </a:schemeClr>
+        </a:solidFill>
+      </a:ln>
+    </cs:spPr>
+  </cs:downBar>
+  <cs:dropLine>
+    <cs:lnRef idx="0"/>
+    <cs:fillRef idx="0"/>
+    <cs:effectRef idx="0"/>
+    <cs:fontRef idx="minor">
+      <a:schemeClr val="tx1"/>
+    </cs:fontRef>
+    <cs:spPr>
+      <a:ln w="9525">
+        <a:solidFill>
+          <a:schemeClr val="lt1">
+            <a:lumMod val="95000"/>
+            <a:alpha val="54000"/>
+          </a:schemeClr>
+        </a:solidFill>
+        <a:prstDash val="dash"/>
+      </a:ln>
+    </cs:spPr>
+  </cs:dropLine>
+  <cs:errorBar>
+    <cs:lnRef idx="0"/>
+    <cs:fillRef idx="0"/>
+    <cs:effectRef idx="0"/>
+    <cs:fontRef idx="minor">
+      <a:schemeClr val="tx1"/>
+    </cs:fontRef>
+    <cs:spPr>
+      <a:ln w="9525" cap="flat" cmpd="sng" algn="ctr">
+        <a:solidFill>
+          <a:schemeClr val="lt1">
+            <a:lumMod val="95000"/>
+          </a:schemeClr>
+        </a:solidFill>
+        <a:round/>
+      </a:ln>
+    </cs:spPr>
+  </cs:errorBar>
+  <cs:floor>
+    <cs:lnRef idx="0"/>
+    <cs:fillRef idx="0"/>
+    <cs:effectRef idx="0"/>
+    <cs:fontRef idx="minor">
+      <a:schemeClr val="tx1"/>
+    </cs:fontRef>
+  </cs:floor>
+  <cs:gridlineMajor>
+    <cs:lnRef idx="0"/>
+    <cs:fillRef idx="0"/>
+    <cs:effectRef idx="0"/>
+    <cs:fontRef idx="minor">
+      <a:schemeClr val="tx1"/>
+    </cs:fontRef>
+    <cs:spPr>
+      <a:ln w="9525" cap="flat" cmpd="sng" algn="ctr">
+        <a:solidFill>
+          <a:schemeClr val="lt1">
+            <a:lumMod val="95000"/>
+            <a:alpha val="10000"/>
+          </a:schemeClr>
+        </a:solidFill>
+        <a:round/>
+      </a:ln>
+    </cs:spPr>
+  </cs:gridlineMajor>
+  <cs:gridlineMinor>
+    <cs:lnRef idx="0"/>
+    <cs:fillRef idx="0"/>
+    <cs:effectRef idx="0"/>
+    <cs:fontRef idx="minor">
+      <a:schemeClr val="tx1"/>
+    </cs:fontRef>
+    <cs:spPr>
+      <a:ln>
+        <a:solidFill>
+          <a:schemeClr val="lt1">
+            <a:lumMod val="95000"/>
+            <a:alpha val="5000"/>
+          </a:schemeClr>
+        </a:solidFill>
+      </a:ln>
+    </cs:spPr>
+  </cs:gridlineMinor>
+  <cs:hiLoLine>
+    <cs:lnRef idx="0"/>
+    <cs:fillRef idx="0"/>
+    <cs:effectRef idx="0"/>
+    <cs:fontRef idx="minor">
+      <a:schemeClr val="tx1"/>
+    </cs:fontRef>
+    <cs:spPr>
+      <a:ln w="9525">
+        <a:solidFill>
+          <a:schemeClr val="lt1">
+            <a:lumMod val="95000"/>
+            <a:alpha val="54000"/>
+          </a:schemeClr>
+        </a:solidFill>
+        <a:prstDash val="dash"/>
+      </a:ln>
+    </cs:spPr>
+  </cs:hiLoLine>
+  <cs:leaderLine>
+    <cs:lnRef idx="0"/>
+    <cs:fillRef idx="0"/>
+    <cs:effectRef idx="0"/>
+    <cs:fontRef idx="minor">
+      <a:schemeClr val="tx1"/>
+    </cs:fontRef>
+    <cs:spPr>
+      <a:ln w="9525">
+        <a:solidFill>
+          <a:schemeClr val="lt1">
+            <a:lumMod val="95000"/>
+            <a:alpha val="54000"/>
+          </a:schemeClr>
+        </a:solidFill>
+      </a:ln>
+    </cs:spPr>
+  </cs:leaderLine>
+  <cs:legend>
+    <cs:lnRef idx="0"/>
+    <cs:fillRef idx="0"/>
+    <cs:effectRef idx="0"/>
+    <cs:fontRef idx="minor">
+      <a:schemeClr val="lt1">
+        <a:lumMod val="85000"/>
+      </a:schemeClr>
+    </cs:fontRef>
+    <cs:defRPr sz="900" kern="1200"/>
+  </cs:legend>
+  <cs:plotArea>
+    <cs:lnRef idx="0"/>
+    <cs:fillRef idx="0"/>
+    <cs:effectRef idx="0"/>
+    <cs:fontRef idx="minor">
+      <a:schemeClr val="tx1"/>
+    </cs:fontRef>
+  </cs:plotArea>
+  <cs:plotArea3D>
+    <cs:lnRef idx="0"/>
+    <cs:fillRef idx="0"/>
+    <cs:effectRef idx="0"/>
+    <cs:fontRef idx="minor">
+      <a:schemeClr val="tx1"/>
+    </cs:fontRef>
+  </cs:plotArea3D>
+  <cs:seriesAxis>
+    <cs:lnRef idx="0"/>
+    <cs:fillRef idx="0"/>
+    <cs:effectRef idx="0"/>
+    <cs:fontRef idx="minor">
+      <a:schemeClr val="lt1">
+        <a:lumMod val="85000"/>
+      </a:schemeClr>
+    </cs:fontRef>
+    <cs:spPr>
+      <a:ln w="12700" cap="flat" cmpd="sng" algn="ctr">
+        <a:solidFill>
+          <a:schemeClr val="lt1">
+            <a:lumMod val="95000"/>
+            <a:alpha val="54000"/>
+          </a:schemeClr>
+        </a:solidFill>
+        <a:round/>
+      </a:ln>
+    </cs:spPr>
+    <cs:defRPr sz="900" kern="1200"/>
+  </cs:seriesAxis>
+  <cs:seriesLine>
+    <cs:lnRef idx="0"/>
+    <cs:fillRef idx="0"/>
+    <cs:effectRef idx="0"/>
+    <cs:fontRef idx="minor">
+      <a:schemeClr val="lt1"/>
+    </cs:fontRef>
+    <cs:spPr>
+      <a:ln w="9525" cap="flat" cmpd="sng" algn="ctr">
+        <a:solidFill>
+          <a:schemeClr val="lt1">
+            <a:lumMod val="95000"/>
+            <a:alpha val="54000"/>
+          </a:schemeClr>
+        </a:solidFill>
+        <a:round/>
+      </a:ln>
+    </cs:spPr>
+  </cs:seriesLine>
+  <cs:title>
+    <cs:lnRef idx="0"/>
+    <cs:fillRef idx="0"/>
+    <cs:effectRef idx="0"/>
+    <cs:fontRef idx="minor">
+      <a:schemeClr val="lt1">
+        <a:lumMod val="95000"/>
+      </a:schemeClr>
+    </cs:fontRef>
+    <cs:defRPr sz="1600" b="1" kern="1200" spc="100" baseline="0">
+      <a:effectLst>
+        <a:outerShdw blurRad="50800" dist="38100" dir="5400000" algn="t" rotWithShape="0">
+          <a:prstClr val="black">
+            <a:alpha val="40000"/>
+          </a:prstClr>
+        </a:outerShdw>
+      </a:effectLst>
+    </cs:defRPr>
+  </cs:title>
+  <cs:trendline>
+    <cs:lnRef idx="0">
+      <cs:styleClr val="auto"/>
+    </cs:lnRef>
+    <cs:fillRef idx="0"/>
+    <cs:effectRef idx="0"/>
+    <cs:fontRef idx="minor">
+      <a:schemeClr val="tx1"/>
+    </cs:fontRef>
+    <cs:spPr>
+      <a:ln w="19050" cap="rnd">
+        <a:solidFill>
+          <a:schemeClr val="phClr"/>
+        </a:solidFill>
+      </a:ln>
+    </cs:spPr>
+  </cs:trendline>
+  <cs:trendlineLabel>
+    <cs:lnRef idx="0"/>
+    <cs:fillRef idx="0"/>
+    <cs:effectRef idx="0"/>
+    <cs:fontRef idx="minor">
+      <a:schemeClr val="lt1">
+        <a:lumMod val="85000"/>
+      </a:schemeClr>
+    </cs:fontRef>
+    <cs:defRPr sz="900" kern="1200"/>
+  </cs:trendlineLabel>
+  <cs:upBar>
+    <cs:lnRef idx="0"/>
+    <cs:fillRef idx="0"/>
+    <cs:effectRef idx="0"/>
+    <cs:fontRef idx="minor">
+      <a:schemeClr val="tx1"/>
+    </cs:fontRef>
+    <cs:spPr>
+      <a:solidFill>
+        <a:schemeClr val="lt1"/>
+      </a:solidFill>
+      <a:ln w="9525">
+        <a:solidFill>
+          <a:schemeClr val="lt1">
+            <a:lumMod val="95000"/>
+            <a:alpha val="54000"/>
+          </a:schemeClr>
+        </a:solidFill>
+      </a:ln>
+    </cs:spPr>
+  </cs:upBar>
+  <cs:valueAxis>
+    <cs:lnRef idx="0"/>
+    <cs:fillRef idx="0"/>
+    <cs:effectRef idx="0"/>
+    <cs:fontRef idx="minor">
+      <a:schemeClr val="lt1">
+        <a:lumMod val="85000"/>
+      </a:schemeClr>
+    </cs:fontRef>
+    <cs:defRPr sz="900" kern="1200"/>
+  </cs:valueAxis>
+  <cs:wall>
+    <cs:lnRef idx="0"/>
+    <cs:fillRef idx="0"/>
+    <cs:effectRef idx="0"/>
+    <cs:fontRef idx="minor">
+      <a:schemeClr val="tx1"/>
+    </cs:fontRef>
+  </cs:wall>
+</cs:chartStyle>
+</file>
+
+<file path=ppt/drawings/drawing1.xml><?xml version="1.0" encoding="utf-8"?>
+<c:userShapes xmlns:c="http://schemas.openxmlformats.org/drawingml/2006/chart">
+  <cdr:relSizeAnchor xmlns:cdr="http://schemas.openxmlformats.org/drawingml/2006/chartDrawing">
+    <cdr:from>
+      <cdr:x>0.01317</cdr:x>
+      <cdr:y>0.02345</cdr:y>
+    </cdr:from>
+    <cdr:to>
+      <cdr:x>0.07244</cdr:x>
+      <cdr:y>0.08955</cdr:y>
+    </cdr:to>
+    <cdr:sp macro="" textlink="">
+      <cdr:nvSpPr>
+        <cdr:cNvPr id="2" name="TextBox 1">
+          <a:extLst xmlns:a="http://schemas.openxmlformats.org/drawingml/2006/main">
+            <a:ext uri="{FF2B5EF4-FFF2-40B4-BE49-F238E27FC236}">
+              <a16:creationId xmlns:a16="http://schemas.microsoft.com/office/drawing/2014/main" id="{64B3F357-F064-42C7-96FC-CFC8F7A5F5D2}"/>
+            </a:ext>
+          </a:extLst>
+        </cdr:cNvPr>
+        <cdr:cNvSpPr txBox="1"/>
+      </cdr:nvSpPr>
+      <cdr:spPr>
+        <a:xfrm xmlns:a="http://schemas.openxmlformats.org/drawingml/2006/main">
+          <a:off x="106680" y="83820"/>
+          <a:ext cx="480060" cy="236220"/>
+        </a:xfrm>
+        <a:prstGeom xmlns:a="http://schemas.openxmlformats.org/drawingml/2006/main" prst="rect">
+          <a:avLst/>
+        </a:prstGeom>
+      </cdr:spPr>
+      <cdr:txBody>
+        <a:bodyPr xmlns:a="http://schemas.openxmlformats.org/drawingml/2006/main" vertOverflow="clip" wrap="square" rtlCol="0"/>
+        <a:lstStyle xmlns:a="http://schemas.openxmlformats.org/drawingml/2006/main"/>
+        <a:p xmlns:a="http://schemas.openxmlformats.org/drawingml/2006/main">
+          <a:endParaRPr lang="en-US" sz="1100"/>
+        </a:p>
+      </cdr:txBody>
+    </cdr:sp>
+  </cdr:relSizeAnchor>
+  <cdr:relSizeAnchor xmlns:cdr="http://schemas.openxmlformats.org/drawingml/2006/chartDrawing">
+    <cdr:from>
+      <cdr:x>0</cdr:x>
+      <cdr:y>0.02132</cdr:y>
+    </cdr:from>
+    <cdr:to>
+      <cdr:x>0.108</cdr:x>
+      <cdr:y>0.08453</cdr:y>
+    </cdr:to>
+    <cdr:sp macro="" textlink="">
+      <cdr:nvSpPr>
+        <cdr:cNvPr id="3" name="TextBox 2">
+          <a:extLst xmlns:a="http://schemas.openxmlformats.org/drawingml/2006/main">
+            <a:ext uri="{FF2B5EF4-FFF2-40B4-BE49-F238E27FC236}">
+              <a16:creationId xmlns:a16="http://schemas.microsoft.com/office/drawing/2014/main" id="{D6EC7A4C-F64C-4341-BC5D-D7D8B4E94619}"/>
+            </a:ext>
+          </a:extLst>
+        </cdr:cNvPr>
+        <cdr:cNvSpPr txBox="1"/>
+      </cdr:nvSpPr>
+      <cdr:spPr>
+        <a:xfrm xmlns:a="http://schemas.openxmlformats.org/drawingml/2006/main">
+          <a:off x="0" y="76193"/>
+          <a:ext cx="874783" cy="225907"/>
+        </a:xfrm>
+        <a:prstGeom xmlns:a="http://schemas.openxmlformats.org/drawingml/2006/main" prst="rect">
+          <a:avLst/>
+        </a:prstGeom>
+      </cdr:spPr>
+      <cdr:txBody>
+        <a:bodyPr xmlns:a="http://schemas.openxmlformats.org/drawingml/2006/main" vertOverflow="clip" wrap="square" rtlCol="0"/>
+        <a:lstStyle xmlns:a="http://schemas.openxmlformats.org/drawingml/2006/main"/>
+        <a:p xmlns:a="http://schemas.openxmlformats.org/drawingml/2006/main">
+          <a:r>
+            <a:rPr lang="en-US" sz="1050" dirty="0">
+              <a:solidFill>
+                <a:schemeClr val="bg1"/>
+              </a:solidFill>
+            </a:rPr>
+            <a:t># of Bugs</a:t>
+          </a:r>
+        </a:p>
+      </cdr:txBody>
+    </cdr:sp>
+  </cdr:relSizeAnchor>
+  <cdr:relSizeAnchor xmlns:cdr="http://schemas.openxmlformats.org/drawingml/2006/chartDrawing">
+    <cdr:from>
+      <cdr:x>0.87927</cdr:x>
+      <cdr:y>0.7946</cdr:y>
+    </cdr:from>
+    <cdr:to>
+      <cdr:x>0.98918</cdr:x>
+      <cdr:y>0.86951</cdr:y>
+    </cdr:to>
+    <cdr:sp macro="" textlink="">
+      <cdr:nvSpPr>
+        <cdr:cNvPr id="4" name="TextBox 1">
+          <a:extLst xmlns:a="http://schemas.openxmlformats.org/drawingml/2006/main">
+            <a:ext uri="{FF2B5EF4-FFF2-40B4-BE49-F238E27FC236}">
+              <a16:creationId xmlns:a16="http://schemas.microsoft.com/office/drawing/2014/main" id="{BF4F0A2B-7FE9-4E19-85A2-74C269DD08B1}"/>
+            </a:ext>
+          </a:extLst>
+        </cdr:cNvPr>
+        <cdr:cNvSpPr txBox="1"/>
+      </cdr:nvSpPr>
+      <cdr:spPr>
+        <a:xfrm xmlns:a="http://schemas.openxmlformats.org/drawingml/2006/main">
+          <a:off x="7122140" y="2839726"/>
+          <a:ext cx="890290" cy="267717"/>
+        </a:xfrm>
+        <a:prstGeom xmlns:a="http://schemas.openxmlformats.org/drawingml/2006/main" prst="rect">
+          <a:avLst/>
+        </a:prstGeom>
+      </cdr:spPr>
+      <cdr:txBody>
+        <a:bodyPr xmlns:a="http://schemas.openxmlformats.org/drawingml/2006/main" wrap="square" rtlCol="0"/>
+        <a:lstStyle xmlns:a="http://schemas.openxmlformats.org/drawingml/2006/main">
+          <a:lvl1pPr marL="0" indent="0">
+            <a:defRPr sz="1100">
+              <a:latin typeface="+mn-lt"/>
+              <a:ea typeface="+mn-ea"/>
+              <a:cs typeface="+mn-cs"/>
+            </a:defRPr>
+          </a:lvl1pPr>
+          <a:lvl2pPr marL="457200" indent="0">
+            <a:defRPr sz="1100">
+              <a:latin typeface="+mn-lt"/>
+              <a:ea typeface="+mn-ea"/>
+              <a:cs typeface="+mn-cs"/>
+            </a:defRPr>
+          </a:lvl2pPr>
+          <a:lvl3pPr marL="914400" indent="0">
+            <a:defRPr sz="1100">
+              <a:latin typeface="+mn-lt"/>
+              <a:ea typeface="+mn-ea"/>
+              <a:cs typeface="+mn-cs"/>
+            </a:defRPr>
+          </a:lvl3pPr>
+          <a:lvl4pPr marL="1371600" indent="0">
+            <a:defRPr sz="1100">
+              <a:latin typeface="+mn-lt"/>
+              <a:ea typeface="+mn-ea"/>
+              <a:cs typeface="+mn-cs"/>
+            </a:defRPr>
+          </a:lvl4pPr>
+          <a:lvl5pPr marL="1828800" indent="0">
+            <a:defRPr sz="1100">
+              <a:latin typeface="+mn-lt"/>
+              <a:ea typeface="+mn-ea"/>
+              <a:cs typeface="+mn-cs"/>
+            </a:defRPr>
+          </a:lvl5pPr>
+          <a:lvl6pPr marL="2286000" indent="0">
+            <a:defRPr sz="1100">
+              <a:latin typeface="+mn-lt"/>
+              <a:ea typeface="+mn-ea"/>
+              <a:cs typeface="+mn-cs"/>
+            </a:defRPr>
+          </a:lvl6pPr>
+          <a:lvl7pPr marL="2743200" indent="0">
+            <a:defRPr sz="1100">
+              <a:latin typeface="+mn-lt"/>
+              <a:ea typeface="+mn-ea"/>
+              <a:cs typeface="+mn-cs"/>
+            </a:defRPr>
+          </a:lvl7pPr>
+          <a:lvl8pPr marL="3200400" indent="0">
+            <a:defRPr sz="1100">
+              <a:latin typeface="+mn-lt"/>
+              <a:ea typeface="+mn-ea"/>
+              <a:cs typeface="+mn-cs"/>
+            </a:defRPr>
+          </a:lvl8pPr>
+          <a:lvl9pPr marL="3657600" indent="0">
+            <a:defRPr sz="1100">
+              <a:latin typeface="+mn-lt"/>
+              <a:ea typeface="+mn-ea"/>
+              <a:cs typeface="+mn-cs"/>
+            </a:defRPr>
+          </a:lvl9pPr>
+        </a:lstStyle>
+        <a:p xmlns:a="http://schemas.openxmlformats.org/drawingml/2006/main">
+          <a:r>
+            <a:rPr lang="en-US" sz="1050" dirty="0">
+              <a:solidFill>
+                <a:schemeClr val="bg1"/>
+              </a:solidFill>
+            </a:rPr>
+            <a:t># of Tests</a:t>
+          </a:r>
+        </a:p>
+      </cdr:txBody>
+    </cdr:sp>
+  </cdr:relSizeAnchor>
+  <cdr:relSizeAnchor xmlns:cdr="http://schemas.openxmlformats.org/drawingml/2006/chartDrawing">
+    <cdr:from>
+      <cdr:x>0.30762</cdr:x>
+      <cdr:y>0.04264</cdr:y>
+    </cdr:from>
+    <cdr:to>
+      <cdr:x>0.65663</cdr:x>
+      <cdr:y>0.1194</cdr:y>
+    </cdr:to>
+    <cdr:sp macro="" textlink="">
+      <cdr:nvSpPr>
+        <cdr:cNvPr id="5" name="TextBox 4">
+          <a:extLst xmlns:a="http://schemas.openxmlformats.org/drawingml/2006/main">
+            <a:ext uri="{FF2B5EF4-FFF2-40B4-BE49-F238E27FC236}">
+              <a16:creationId xmlns:a16="http://schemas.microsoft.com/office/drawing/2014/main" id="{FAC1D15F-69DA-493A-A6F9-6757F7346F6B}"/>
+            </a:ext>
+          </a:extLst>
+        </cdr:cNvPr>
+        <cdr:cNvSpPr txBox="1"/>
+      </cdr:nvSpPr>
+      <cdr:spPr>
+        <a:xfrm xmlns:a="http://schemas.openxmlformats.org/drawingml/2006/main">
+          <a:off x="2491740" y="152400"/>
+          <a:ext cx="2827020" cy="274320"/>
+        </a:xfrm>
+        <a:prstGeom xmlns:a="http://schemas.openxmlformats.org/drawingml/2006/main" prst="rect">
+          <a:avLst/>
+        </a:prstGeom>
+      </cdr:spPr>
+      <cdr:txBody>
+        <a:bodyPr xmlns:a="http://schemas.openxmlformats.org/drawingml/2006/main" vertOverflow="clip" wrap="square" rtlCol="0"/>
+        <a:lstStyle xmlns:a="http://schemas.openxmlformats.org/drawingml/2006/main"/>
+        <a:p xmlns:a="http://schemas.openxmlformats.org/drawingml/2006/main">
+          <a:endParaRPr lang="en-US" sz="1100"/>
+        </a:p>
+      </cdr:txBody>
+    </cdr:sp>
+  </cdr:relSizeAnchor>
+  <cdr:relSizeAnchor xmlns:cdr="http://schemas.openxmlformats.org/drawingml/2006/chartDrawing">
+    <cdr:from>
+      <cdr:x>0.29069</cdr:x>
+      <cdr:y>0.03625</cdr:y>
+    </cdr:from>
+    <cdr:to>
+      <cdr:x>0.73189</cdr:x>
+      <cdr:y>0.10661</cdr:y>
+    </cdr:to>
+    <cdr:sp macro="" textlink="">
+      <cdr:nvSpPr>
+        <cdr:cNvPr id="6" name="TextBox 5">
+          <a:extLst xmlns:a="http://schemas.openxmlformats.org/drawingml/2006/main">
+            <a:ext uri="{FF2B5EF4-FFF2-40B4-BE49-F238E27FC236}">
+              <a16:creationId xmlns:a16="http://schemas.microsoft.com/office/drawing/2014/main" id="{06CEEFD0-A49A-4926-A4EF-4ADCB09E247A}"/>
+            </a:ext>
+          </a:extLst>
+        </cdr:cNvPr>
+        <cdr:cNvSpPr txBox="1"/>
+      </cdr:nvSpPr>
+      <cdr:spPr>
+        <a:xfrm xmlns:a="http://schemas.openxmlformats.org/drawingml/2006/main">
+          <a:off x="2354580" y="129540"/>
+          <a:ext cx="3573780" cy="251460"/>
+        </a:xfrm>
+        <a:prstGeom xmlns:a="http://schemas.openxmlformats.org/drawingml/2006/main" prst="rect">
+          <a:avLst/>
+        </a:prstGeom>
+      </cdr:spPr>
+      <cdr:txBody>
+        <a:bodyPr xmlns:a="http://schemas.openxmlformats.org/drawingml/2006/main" vertOverflow="clip" wrap="square" rtlCol="0"/>
+        <a:lstStyle xmlns:a="http://schemas.openxmlformats.org/drawingml/2006/main"/>
+        <a:p xmlns:a="http://schemas.openxmlformats.org/drawingml/2006/main">
+          <a:pPr algn="ctr"/>
+          <a:r>
+            <a:rPr lang="en-US" sz="1400">
+              <a:solidFill>
+                <a:schemeClr val="bg1"/>
+              </a:solidFill>
+            </a:rPr>
+            <a:t>Compare</a:t>
+          </a:r>
+          <a:r>
+            <a:rPr lang="en-US" sz="1400" baseline="0">
+              <a:solidFill>
+                <a:schemeClr val="bg1"/>
+              </a:solidFill>
+            </a:rPr>
+            <a:t> IG Vs. TFB Algorithm</a:t>
+          </a:r>
+          <a:endParaRPr lang="en-US" sz="1400">
+            <a:solidFill>
+              <a:schemeClr val="bg1"/>
+            </a:solidFill>
+          </a:endParaRPr>
+        </a:p>
+      </cdr:txBody>
+    </cdr:sp>
+  </cdr:relSizeAnchor>
+</c:userShapes>
 </file>
 
 <file path=ppt/slideLayouts/slideLayout1.xml><?xml version="1.0" encoding="utf-8"?>
@@ -531,7 +2350,7 @@
           <a:p>
             <a:fld id="{83284890-85D2-4D7B-8EF5-15A9C1DB8F42}" type="datetimeFigureOut">
               <a:rPr lang="en-US" dirty="0"/>
-              <a:t>7/16/2018</a:t>
+              <a:t>7/17/2018</a:t>
             </a:fld>
             <a:endParaRPr lang="en-US" dirty="0"/>
           </a:p>
@@ -706,7 +2525,7 @@
           <a:p>
             <a:fld id="{87157CC2-0FC8-4686-B024-99790E0F5162}" type="datetimeFigureOut">
               <a:rPr lang="en-US" dirty="0"/>
-              <a:t>7/16/2018</a:t>
+              <a:t>7/17/2018</a:t>
             </a:fld>
             <a:endParaRPr lang="en-US" dirty="0"/>
           </a:p>
@@ -881,7 +2700,7 @@
           <a:p>
             <a:fld id="{F6764DA5-CD3D-4590-A511-FCD3BC7A793E}" type="datetimeFigureOut">
               <a:rPr lang="en-US" dirty="0"/>
-              <a:t>7/16/2018</a:t>
+              <a:t>7/17/2018</a:t>
             </a:fld>
             <a:endParaRPr lang="en-US" dirty="0"/>
           </a:p>
@@ -1046,7 +2865,7 @@
           <a:p>
             <a:fld id="{82F5661D-6934-4B32-B92C-470368BF1EC6}" type="datetimeFigureOut">
               <a:rPr lang="en-US" dirty="0"/>
-              <a:t>7/16/2018</a:t>
+              <a:t>7/17/2018</a:t>
             </a:fld>
             <a:endParaRPr lang="en-US" dirty="0"/>
           </a:p>
@@ -1354,7 +3173,7 @@
           <a:p>
             <a:fld id="{C6F822A4-8DA6-4447-9B1F-C5DB58435268}" type="datetimeFigureOut">
               <a:rPr lang="en-US" dirty="0"/>
-              <a:t>7/16/2018</a:t>
+              <a:t>7/17/2018</a:t>
             </a:fld>
             <a:endParaRPr lang="en-US" dirty="0"/>
           </a:p>
@@ -1736,7 +3555,7 @@
           <a:p>
             <a:fld id="{E548D31E-DCDA-41A7-9C67-C4B11B94D21D}" type="datetimeFigureOut">
               <a:rPr lang="en-US" dirty="0"/>
-              <a:t>7/16/2018</a:t>
+              <a:t>7/17/2018</a:t>
             </a:fld>
             <a:endParaRPr lang="en-US" dirty="0"/>
           </a:p>
@@ -2165,7 +3984,7 @@
           <a:p>
             <a:fld id="{9B3762C0-B258-48F1-ADE6-176B4174CCDD}" type="datetimeFigureOut">
               <a:rPr lang="en-US" dirty="0"/>
-              <a:t>7/16/2018</a:t>
+              <a:t>7/17/2018</a:t>
             </a:fld>
             <a:endParaRPr lang="en-US" dirty="0"/>
           </a:p>
@@ -2278,7 +4097,7 @@
           <a:p>
             <a:fld id="{677919A6-33EB-49BD-A62F-1FA56B9F9712}" type="datetimeFigureOut">
               <a:rPr lang="en-US" dirty="0"/>
-              <a:t>7/16/2018</a:t>
+              <a:t>7/17/2018</a:t>
             </a:fld>
             <a:endParaRPr lang="en-US" dirty="0"/>
           </a:p>
@@ -2368,7 +4187,7 @@
           <a:p>
             <a:fld id="{CA4E7D1B-D673-4CF6-8672-009D42ABD2A0}" type="datetimeFigureOut">
               <a:rPr lang="en-US" dirty="0"/>
-              <a:t>7/16/2018</a:t>
+              <a:t>7/17/2018</a:t>
             </a:fld>
             <a:endParaRPr lang="en-US" dirty="0"/>
           </a:p>
@@ -2713,7 +4532,7 @@
           <a:p>
             <a:fld id="{DA16AA21-1863-4931-97CB-99D0A168701B}" type="datetimeFigureOut">
               <a:rPr lang="en-US" dirty="0"/>
-              <a:t>7/16/2018</a:t>
+              <a:t>7/17/2018</a:t>
             </a:fld>
             <a:endParaRPr lang="en-US" dirty="0"/>
           </a:p>
@@ -3133,7 +4952,7 @@
           <a:p>
             <a:fld id="{3772C379-9A7C-4C87-A116-CBE9F58B04C5}" type="datetimeFigureOut">
               <a:rPr lang="en-US" dirty="0"/>
-              <a:t>7/16/2018</a:t>
+              <a:t>7/17/2018</a:t>
             </a:fld>
             <a:endParaRPr lang="en-US" dirty="0"/>
           </a:p>
@@ -3409,7 +5228,7 @@
           <a:p>
             <a:fld id="{8664C608-40B1-4030-A28D-5B74BC98ADCE}" type="datetimeFigureOut">
               <a:rPr lang="en-US" dirty="0"/>
-              <a:t>7/16/2018</a:t>
+              <a:t>7/17/2018</a:t>
             </a:fld>
             <a:endParaRPr lang="en-US" dirty="0"/>
           </a:p>
@@ -9352,6 +11171,849 @@
       </p:grpSpPr>
       <p:sp>
         <p:nvSpPr>
+          <p:cNvPr id="2" name="Title 1"/>
+          <p:cNvSpPr>
+            <a:spLocks noGrp="1"/>
+          </p:cNvSpPr>
+          <p:nvPr>
+            <p:ph type="title"/>
+          </p:nvPr>
+        </p:nvSpPr>
+        <p:spPr/>
+        <p:txBody>
+          <a:bodyPr/>
+          <a:lstStyle/>
+          <a:p>
+            <a:r>
+              <a:rPr lang="en-US" dirty="0"/>
+              <a:t>Experiment Results</a:t>
+            </a:r>
+          </a:p>
+        </p:txBody>
+      </p:sp>
+      <p:sp>
+        <p:nvSpPr>
+          <p:cNvPr id="7" name="Content Placeholder 2">
+            <a:extLst>
+              <a:ext uri="{FF2B5EF4-FFF2-40B4-BE49-F238E27FC236}">
+                <a16:creationId xmlns:a16="http://schemas.microsoft.com/office/drawing/2014/main" id="{0BBCA04D-4A8B-47A6-B72E-18B9FFC206D7}"/>
+              </a:ext>
+            </a:extLst>
+          </p:cNvPr>
+          <p:cNvSpPr txBox="1">
+            <a:spLocks/>
+          </p:cNvSpPr>
+          <p:nvPr/>
+        </p:nvSpPr>
+        <p:spPr>
+          <a:xfrm>
+            <a:off x="1069848" y="1873189"/>
+            <a:ext cx="10058400" cy="4675220"/>
+          </a:xfrm>
+          <a:prstGeom prst="rect">
+            <a:avLst/>
+          </a:prstGeom>
+        </p:spPr>
+        <p:txBody>
+          <a:bodyPr vert="horz" lIns="91440" tIns="45720" rIns="91440" bIns="45720" rtlCol="0">
+            <a:normAutofit/>
+          </a:bodyPr>
+          <a:lstStyle>
+            <a:lvl1pPr marL="182880" indent="-182880" algn="l" defTabSz="914400" rtl="0" eaLnBrk="1" latinLnBrk="0" hangingPunct="1">
+              <a:lnSpc>
+                <a:spcPct val="90000"/>
+              </a:lnSpc>
+              <a:spcBef>
+                <a:spcPts val="1200"/>
+              </a:spcBef>
+              <a:buClr>
+                <a:schemeClr val="accent1">
+                  <a:lumMod val="75000"/>
+                </a:schemeClr>
+              </a:buClr>
+              <a:buSzPct val="85000"/>
+              <a:buFont typeface="Wingdings" pitchFamily="2" charset="2"/>
+              <a:buChar char="§"/>
+              <a:defRPr sz="2000" kern="1200">
+                <a:solidFill>
+                  <a:schemeClr val="tx1"/>
+                </a:solidFill>
+                <a:latin typeface="+mn-lt"/>
+                <a:ea typeface="+mn-ea"/>
+                <a:cs typeface="+mn-cs"/>
+              </a:defRPr>
+            </a:lvl1pPr>
+            <a:lvl2pPr marL="457200" indent="-182880" algn="l" defTabSz="914400" rtl="0" eaLnBrk="1" latinLnBrk="0" hangingPunct="1">
+              <a:lnSpc>
+                <a:spcPct val="90000"/>
+              </a:lnSpc>
+              <a:spcBef>
+                <a:spcPts val="400"/>
+              </a:spcBef>
+              <a:spcAft>
+                <a:spcPts val="200"/>
+              </a:spcAft>
+              <a:buClr>
+                <a:schemeClr val="accent1">
+                  <a:lumMod val="75000"/>
+                </a:schemeClr>
+              </a:buClr>
+              <a:buSzPct val="85000"/>
+              <a:buFont typeface="Wingdings" pitchFamily="2" charset="2"/>
+              <a:buChar char="§"/>
+              <a:defRPr sz="1800" kern="1200">
+                <a:solidFill>
+                  <a:schemeClr val="tx1"/>
+                </a:solidFill>
+                <a:latin typeface="+mn-lt"/>
+                <a:ea typeface="+mn-ea"/>
+                <a:cs typeface="+mn-cs"/>
+              </a:defRPr>
+            </a:lvl2pPr>
+            <a:lvl3pPr marL="731520" indent="-182880" algn="l" defTabSz="914400" rtl="0" eaLnBrk="1" latinLnBrk="0" hangingPunct="1">
+              <a:lnSpc>
+                <a:spcPct val="90000"/>
+              </a:lnSpc>
+              <a:spcBef>
+                <a:spcPts val="400"/>
+              </a:spcBef>
+              <a:spcAft>
+                <a:spcPts val="200"/>
+              </a:spcAft>
+              <a:buClr>
+                <a:schemeClr val="accent1">
+                  <a:lumMod val="75000"/>
+                </a:schemeClr>
+              </a:buClr>
+              <a:buSzPct val="85000"/>
+              <a:buFont typeface="Wingdings" pitchFamily="2" charset="2"/>
+              <a:buChar char="§"/>
+              <a:defRPr sz="1600" kern="1200">
+                <a:solidFill>
+                  <a:schemeClr val="tx1"/>
+                </a:solidFill>
+                <a:latin typeface="+mn-lt"/>
+                <a:ea typeface="+mn-ea"/>
+                <a:cs typeface="+mn-cs"/>
+              </a:defRPr>
+            </a:lvl3pPr>
+            <a:lvl4pPr marL="1005840" indent="-182880" algn="l" defTabSz="914400" rtl="0" eaLnBrk="1" latinLnBrk="0" hangingPunct="1">
+              <a:lnSpc>
+                <a:spcPct val="90000"/>
+              </a:lnSpc>
+              <a:spcBef>
+                <a:spcPts val="400"/>
+              </a:spcBef>
+              <a:spcAft>
+                <a:spcPts val="200"/>
+              </a:spcAft>
+              <a:buClr>
+                <a:schemeClr val="accent1">
+                  <a:lumMod val="75000"/>
+                </a:schemeClr>
+              </a:buClr>
+              <a:buSzPct val="85000"/>
+              <a:buFont typeface="Wingdings" pitchFamily="2" charset="2"/>
+              <a:buChar char="§"/>
+              <a:defRPr sz="1600" kern="1200">
+                <a:solidFill>
+                  <a:schemeClr val="tx1"/>
+                </a:solidFill>
+                <a:latin typeface="+mn-lt"/>
+                <a:ea typeface="+mn-ea"/>
+                <a:cs typeface="+mn-cs"/>
+              </a:defRPr>
+            </a:lvl4pPr>
+            <a:lvl5pPr marL="1280160" indent="-182880" algn="l" defTabSz="914400" rtl="0" eaLnBrk="1" latinLnBrk="0" hangingPunct="1">
+              <a:lnSpc>
+                <a:spcPct val="90000"/>
+              </a:lnSpc>
+              <a:spcBef>
+                <a:spcPts val="400"/>
+              </a:spcBef>
+              <a:spcAft>
+                <a:spcPts val="200"/>
+              </a:spcAft>
+              <a:buClr>
+                <a:schemeClr val="accent1">
+                  <a:lumMod val="75000"/>
+                </a:schemeClr>
+              </a:buClr>
+              <a:buSzPct val="85000"/>
+              <a:buFont typeface="Wingdings" pitchFamily="2" charset="2"/>
+              <a:buChar char="§"/>
+              <a:defRPr sz="1600" kern="1200">
+                <a:solidFill>
+                  <a:schemeClr val="tx1"/>
+                </a:solidFill>
+                <a:latin typeface="+mn-lt"/>
+                <a:ea typeface="+mn-ea"/>
+                <a:cs typeface="+mn-cs"/>
+              </a:defRPr>
+            </a:lvl5pPr>
+            <a:lvl6pPr marL="1600000" indent="-228600" algn="l" defTabSz="914400" rtl="0" eaLnBrk="1" latinLnBrk="0" hangingPunct="1">
+              <a:lnSpc>
+                <a:spcPct val="90000"/>
+              </a:lnSpc>
+              <a:spcBef>
+                <a:spcPts val="400"/>
+              </a:spcBef>
+              <a:spcAft>
+                <a:spcPts val="200"/>
+              </a:spcAft>
+              <a:buClr>
+                <a:schemeClr val="accent1">
+                  <a:lumMod val="75000"/>
+                </a:schemeClr>
+              </a:buClr>
+              <a:buSzPct val="85000"/>
+              <a:buFont typeface="Wingdings" pitchFamily="2" charset="2"/>
+              <a:buChar char="§"/>
+              <a:defRPr sz="1600" kern="1200">
+                <a:solidFill>
+                  <a:schemeClr val="tx1"/>
+                </a:solidFill>
+                <a:latin typeface="+mn-lt"/>
+                <a:ea typeface="+mn-ea"/>
+                <a:cs typeface="+mn-cs"/>
+              </a:defRPr>
+            </a:lvl6pPr>
+            <a:lvl7pPr marL="1900000" indent="-228600" algn="l" defTabSz="914400" rtl="0" eaLnBrk="1" latinLnBrk="0" hangingPunct="1">
+              <a:lnSpc>
+                <a:spcPct val="90000"/>
+              </a:lnSpc>
+              <a:spcBef>
+                <a:spcPts val="400"/>
+              </a:spcBef>
+              <a:spcAft>
+                <a:spcPts val="200"/>
+              </a:spcAft>
+              <a:buClr>
+                <a:schemeClr val="accent1">
+                  <a:lumMod val="75000"/>
+                </a:schemeClr>
+              </a:buClr>
+              <a:buSzPct val="85000"/>
+              <a:buFont typeface="Wingdings" pitchFamily="2" charset="2"/>
+              <a:buChar char="§"/>
+              <a:defRPr sz="1600" kern="1200">
+                <a:solidFill>
+                  <a:schemeClr val="tx1"/>
+                </a:solidFill>
+                <a:latin typeface="+mn-lt"/>
+                <a:ea typeface="+mn-ea"/>
+                <a:cs typeface="+mn-cs"/>
+              </a:defRPr>
+            </a:lvl7pPr>
+            <a:lvl8pPr marL="2200000" indent="-228600" algn="l" defTabSz="914400" rtl="0" eaLnBrk="1" latinLnBrk="0" hangingPunct="1">
+              <a:lnSpc>
+                <a:spcPct val="90000"/>
+              </a:lnSpc>
+              <a:spcBef>
+                <a:spcPts val="400"/>
+              </a:spcBef>
+              <a:spcAft>
+                <a:spcPts val="200"/>
+              </a:spcAft>
+              <a:buClr>
+                <a:schemeClr val="accent1">
+                  <a:lumMod val="75000"/>
+                </a:schemeClr>
+              </a:buClr>
+              <a:buSzPct val="85000"/>
+              <a:buFont typeface="Wingdings" pitchFamily="2" charset="2"/>
+              <a:buChar char="§"/>
+              <a:defRPr sz="1600" kern="1200">
+                <a:solidFill>
+                  <a:schemeClr val="tx1"/>
+                </a:solidFill>
+                <a:latin typeface="+mn-lt"/>
+                <a:ea typeface="+mn-ea"/>
+                <a:cs typeface="+mn-cs"/>
+              </a:defRPr>
+            </a:lvl8pPr>
+            <a:lvl9pPr marL="2500000" indent="-228600" algn="l" defTabSz="914400" rtl="0" eaLnBrk="1" latinLnBrk="0" hangingPunct="1">
+              <a:lnSpc>
+                <a:spcPct val="90000"/>
+              </a:lnSpc>
+              <a:spcBef>
+                <a:spcPts val="400"/>
+              </a:spcBef>
+              <a:spcAft>
+                <a:spcPts val="200"/>
+              </a:spcAft>
+              <a:buClr>
+                <a:schemeClr val="accent1">
+                  <a:lumMod val="75000"/>
+                </a:schemeClr>
+              </a:buClr>
+              <a:buSzPct val="85000"/>
+              <a:buFont typeface="Wingdings" pitchFamily="2" charset="2"/>
+              <a:buChar char="§"/>
+              <a:defRPr sz="1600" kern="1200">
+                <a:solidFill>
+                  <a:schemeClr val="tx1"/>
+                </a:solidFill>
+                <a:latin typeface="+mn-lt"/>
+                <a:ea typeface="+mn-ea"/>
+                <a:cs typeface="+mn-cs"/>
+              </a:defRPr>
+            </a:lvl9pPr>
+          </a:lstStyle>
+          <a:p>
+            <a:pPr marL="274320" lvl="1" indent="0">
+              <a:buNone/>
+            </a:pPr>
+            <a:endParaRPr lang="en-US" dirty="0"/>
+          </a:p>
+          <a:p>
+            <a:pPr marL="274320" lvl="1" indent="0">
+              <a:buNone/>
+            </a:pPr>
+            <a:endParaRPr lang="en-US" dirty="0"/>
+          </a:p>
+        </p:txBody>
+      </p:sp>
+      <p:sp>
+        <p:nvSpPr>
+          <p:cNvPr id="12" name="Content Placeholder 2">
+            <a:extLst>
+              <a:ext uri="{FF2B5EF4-FFF2-40B4-BE49-F238E27FC236}">
+                <a16:creationId xmlns:a16="http://schemas.microsoft.com/office/drawing/2014/main" id="{4EE1D6B5-6C74-48AD-A4A6-FE46AB101D5F}"/>
+              </a:ext>
+            </a:extLst>
+          </p:cNvPr>
+          <p:cNvSpPr txBox="1">
+            <a:spLocks/>
+          </p:cNvSpPr>
+          <p:nvPr/>
+        </p:nvSpPr>
+        <p:spPr>
+          <a:xfrm>
+            <a:off x="1069848" y="1873189"/>
+            <a:ext cx="10058400" cy="4675219"/>
+          </a:xfrm>
+          <a:prstGeom prst="rect">
+            <a:avLst/>
+          </a:prstGeom>
+        </p:spPr>
+        <p:txBody>
+          <a:bodyPr vert="horz" lIns="91440" tIns="45720" rIns="91440" bIns="45720" rtlCol="0">
+            <a:normAutofit/>
+          </a:bodyPr>
+          <a:lstStyle>
+            <a:lvl1pPr marL="182880" indent="-182880" algn="l" defTabSz="914400" rtl="0" eaLnBrk="1" latinLnBrk="0" hangingPunct="1">
+              <a:lnSpc>
+                <a:spcPct val="90000"/>
+              </a:lnSpc>
+              <a:spcBef>
+                <a:spcPts val="1200"/>
+              </a:spcBef>
+              <a:buClr>
+                <a:schemeClr val="accent1">
+                  <a:lumMod val="75000"/>
+                </a:schemeClr>
+              </a:buClr>
+              <a:buSzPct val="85000"/>
+              <a:buFont typeface="Wingdings" pitchFamily="2" charset="2"/>
+              <a:buChar char="§"/>
+              <a:defRPr sz="2000" kern="1200">
+                <a:solidFill>
+                  <a:schemeClr val="tx1"/>
+                </a:solidFill>
+                <a:latin typeface="+mn-lt"/>
+                <a:ea typeface="+mn-ea"/>
+                <a:cs typeface="+mn-cs"/>
+              </a:defRPr>
+            </a:lvl1pPr>
+            <a:lvl2pPr marL="457200" indent="-182880" algn="l" defTabSz="914400" rtl="0" eaLnBrk="1" latinLnBrk="0" hangingPunct="1">
+              <a:lnSpc>
+                <a:spcPct val="90000"/>
+              </a:lnSpc>
+              <a:spcBef>
+                <a:spcPts val="400"/>
+              </a:spcBef>
+              <a:spcAft>
+                <a:spcPts val="200"/>
+              </a:spcAft>
+              <a:buClr>
+                <a:schemeClr val="accent1">
+                  <a:lumMod val="75000"/>
+                </a:schemeClr>
+              </a:buClr>
+              <a:buSzPct val="85000"/>
+              <a:buFont typeface="Wingdings" pitchFamily="2" charset="2"/>
+              <a:buChar char="§"/>
+              <a:defRPr sz="1800" kern="1200">
+                <a:solidFill>
+                  <a:schemeClr val="tx1"/>
+                </a:solidFill>
+                <a:latin typeface="+mn-lt"/>
+                <a:ea typeface="+mn-ea"/>
+                <a:cs typeface="+mn-cs"/>
+              </a:defRPr>
+            </a:lvl2pPr>
+            <a:lvl3pPr marL="731520" indent="-182880" algn="l" defTabSz="914400" rtl="0" eaLnBrk="1" latinLnBrk="0" hangingPunct="1">
+              <a:lnSpc>
+                <a:spcPct val="90000"/>
+              </a:lnSpc>
+              <a:spcBef>
+                <a:spcPts val="400"/>
+              </a:spcBef>
+              <a:spcAft>
+                <a:spcPts val="200"/>
+              </a:spcAft>
+              <a:buClr>
+                <a:schemeClr val="accent1">
+                  <a:lumMod val="75000"/>
+                </a:schemeClr>
+              </a:buClr>
+              <a:buSzPct val="85000"/>
+              <a:buFont typeface="Wingdings" pitchFamily="2" charset="2"/>
+              <a:buChar char="§"/>
+              <a:defRPr sz="1600" kern="1200">
+                <a:solidFill>
+                  <a:schemeClr val="tx1"/>
+                </a:solidFill>
+                <a:latin typeface="+mn-lt"/>
+                <a:ea typeface="+mn-ea"/>
+                <a:cs typeface="+mn-cs"/>
+              </a:defRPr>
+            </a:lvl3pPr>
+            <a:lvl4pPr marL="1005840" indent="-182880" algn="l" defTabSz="914400" rtl="0" eaLnBrk="1" latinLnBrk="0" hangingPunct="1">
+              <a:lnSpc>
+                <a:spcPct val="90000"/>
+              </a:lnSpc>
+              <a:spcBef>
+                <a:spcPts val="400"/>
+              </a:spcBef>
+              <a:spcAft>
+                <a:spcPts val="200"/>
+              </a:spcAft>
+              <a:buClr>
+                <a:schemeClr val="accent1">
+                  <a:lumMod val="75000"/>
+                </a:schemeClr>
+              </a:buClr>
+              <a:buSzPct val="85000"/>
+              <a:buFont typeface="Wingdings" pitchFamily="2" charset="2"/>
+              <a:buChar char="§"/>
+              <a:defRPr sz="1600" kern="1200">
+                <a:solidFill>
+                  <a:schemeClr val="tx1"/>
+                </a:solidFill>
+                <a:latin typeface="+mn-lt"/>
+                <a:ea typeface="+mn-ea"/>
+                <a:cs typeface="+mn-cs"/>
+              </a:defRPr>
+            </a:lvl4pPr>
+            <a:lvl5pPr marL="1280160" indent="-182880" algn="l" defTabSz="914400" rtl="0" eaLnBrk="1" latinLnBrk="0" hangingPunct="1">
+              <a:lnSpc>
+                <a:spcPct val="90000"/>
+              </a:lnSpc>
+              <a:spcBef>
+                <a:spcPts val="400"/>
+              </a:spcBef>
+              <a:spcAft>
+                <a:spcPts val="200"/>
+              </a:spcAft>
+              <a:buClr>
+                <a:schemeClr val="accent1">
+                  <a:lumMod val="75000"/>
+                </a:schemeClr>
+              </a:buClr>
+              <a:buSzPct val="85000"/>
+              <a:buFont typeface="Wingdings" pitchFamily="2" charset="2"/>
+              <a:buChar char="§"/>
+              <a:defRPr sz="1600" kern="1200">
+                <a:solidFill>
+                  <a:schemeClr val="tx1"/>
+                </a:solidFill>
+                <a:latin typeface="+mn-lt"/>
+                <a:ea typeface="+mn-ea"/>
+                <a:cs typeface="+mn-cs"/>
+              </a:defRPr>
+            </a:lvl5pPr>
+            <a:lvl6pPr marL="1600000" indent="-228600" algn="l" defTabSz="914400" rtl="0" eaLnBrk="1" latinLnBrk="0" hangingPunct="1">
+              <a:lnSpc>
+                <a:spcPct val="90000"/>
+              </a:lnSpc>
+              <a:spcBef>
+                <a:spcPts val="400"/>
+              </a:spcBef>
+              <a:spcAft>
+                <a:spcPts val="200"/>
+              </a:spcAft>
+              <a:buClr>
+                <a:schemeClr val="accent1">
+                  <a:lumMod val="75000"/>
+                </a:schemeClr>
+              </a:buClr>
+              <a:buSzPct val="85000"/>
+              <a:buFont typeface="Wingdings" pitchFamily="2" charset="2"/>
+              <a:buChar char="§"/>
+              <a:defRPr sz="1600" kern="1200">
+                <a:solidFill>
+                  <a:schemeClr val="tx1"/>
+                </a:solidFill>
+                <a:latin typeface="+mn-lt"/>
+                <a:ea typeface="+mn-ea"/>
+                <a:cs typeface="+mn-cs"/>
+              </a:defRPr>
+            </a:lvl6pPr>
+            <a:lvl7pPr marL="1900000" indent="-228600" algn="l" defTabSz="914400" rtl="0" eaLnBrk="1" latinLnBrk="0" hangingPunct="1">
+              <a:lnSpc>
+                <a:spcPct val="90000"/>
+              </a:lnSpc>
+              <a:spcBef>
+                <a:spcPts val="400"/>
+              </a:spcBef>
+              <a:spcAft>
+                <a:spcPts val="200"/>
+              </a:spcAft>
+              <a:buClr>
+                <a:schemeClr val="accent1">
+                  <a:lumMod val="75000"/>
+                </a:schemeClr>
+              </a:buClr>
+              <a:buSzPct val="85000"/>
+              <a:buFont typeface="Wingdings" pitchFamily="2" charset="2"/>
+              <a:buChar char="§"/>
+              <a:defRPr sz="1600" kern="1200">
+                <a:solidFill>
+                  <a:schemeClr val="tx1"/>
+                </a:solidFill>
+                <a:latin typeface="+mn-lt"/>
+                <a:ea typeface="+mn-ea"/>
+                <a:cs typeface="+mn-cs"/>
+              </a:defRPr>
+            </a:lvl7pPr>
+            <a:lvl8pPr marL="2200000" indent="-228600" algn="l" defTabSz="914400" rtl="0" eaLnBrk="1" latinLnBrk="0" hangingPunct="1">
+              <a:lnSpc>
+                <a:spcPct val="90000"/>
+              </a:lnSpc>
+              <a:spcBef>
+                <a:spcPts val="400"/>
+              </a:spcBef>
+              <a:spcAft>
+                <a:spcPts val="200"/>
+              </a:spcAft>
+              <a:buClr>
+                <a:schemeClr val="accent1">
+                  <a:lumMod val="75000"/>
+                </a:schemeClr>
+              </a:buClr>
+              <a:buSzPct val="85000"/>
+              <a:buFont typeface="Wingdings" pitchFamily="2" charset="2"/>
+              <a:buChar char="§"/>
+              <a:defRPr sz="1600" kern="1200">
+                <a:solidFill>
+                  <a:schemeClr val="tx1"/>
+                </a:solidFill>
+                <a:latin typeface="+mn-lt"/>
+                <a:ea typeface="+mn-ea"/>
+                <a:cs typeface="+mn-cs"/>
+              </a:defRPr>
+            </a:lvl8pPr>
+            <a:lvl9pPr marL="2500000" indent="-228600" algn="l" defTabSz="914400" rtl="0" eaLnBrk="1" latinLnBrk="0" hangingPunct="1">
+              <a:lnSpc>
+                <a:spcPct val="90000"/>
+              </a:lnSpc>
+              <a:spcBef>
+                <a:spcPts val="400"/>
+              </a:spcBef>
+              <a:spcAft>
+                <a:spcPts val="200"/>
+              </a:spcAft>
+              <a:buClr>
+                <a:schemeClr val="accent1">
+                  <a:lumMod val="75000"/>
+                </a:schemeClr>
+              </a:buClr>
+              <a:buSzPct val="85000"/>
+              <a:buFont typeface="Wingdings" pitchFamily="2" charset="2"/>
+              <a:buChar char="§"/>
+              <a:defRPr sz="1600" kern="1200">
+                <a:solidFill>
+                  <a:schemeClr val="tx1"/>
+                </a:solidFill>
+                <a:latin typeface="+mn-lt"/>
+                <a:ea typeface="+mn-ea"/>
+                <a:cs typeface="+mn-cs"/>
+              </a:defRPr>
+            </a:lvl9pPr>
+          </a:lstStyle>
+          <a:p>
+            <a:r>
+              <a:rPr lang="en-US" sz="1600" dirty="0"/>
+              <a:t>Compare test selection using information gain selection vs. top high failure probability tests.</a:t>
+            </a:r>
+          </a:p>
+          <a:p>
+            <a:pPr marL="0" indent="0">
+              <a:buNone/>
+            </a:pPr>
+            <a:r>
+              <a:rPr lang="en-US" sz="1600" dirty="0"/>
+              <a:t>   IG - Information gain selection </a:t>
+            </a:r>
+          </a:p>
+          <a:p>
+            <a:pPr marL="0" indent="0">
+              <a:buNone/>
+            </a:pPr>
+            <a:r>
+              <a:rPr lang="en-US" sz="1600" dirty="0"/>
+              <a:t>   TFB - Top high failure probability tests</a:t>
+            </a:r>
+          </a:p>
+          <a:p>
+            <a:pPr marL="0" indent="0">
+              <a:buNone/>
+            </a:pPr>
+            <a:r>
+              <a:rPr lang="en-US" dirty="0"/>
+              <a:t>   </a:t>
+            </a:r>
+          </a:p>
+          <a:p>
+            <a:pPr marL="0" indent="0">
+              <a:buNone/>
+            </a:pPr>
+            <a:endParaRPr lang="en-US" dirty="0"/>
+          </a:p>
+          <a:p>
+            <a:pPr marL="0" indent="0">
+              <a:buNone/>
+            </a:pPr>
+            <a:endParaRPr lang="en-US" dirty="0"/>
+          </a:p>
+          <a:p>
+            <a:pPr marL="0" indent="0">
+              <a:buNone/>
+            </a:pPr>
+            <a:endParaRPr lang="en-US" dirty="0"/>
+          </a:p>
+          <a:p>
+            <a:pPr marL="0" indent="0">
+              <a:buNone/>
+            </a:pPr>
+            <a:endParaRPr lang="en-US" dirty="0"/>
+          </a:p>
+          <a:p>
+            <a:pPr marL="0" indent="0">
+              <a:buNone/>
+            </a:pPr>
+            <a:endParaRPr lang="en-US" dirty="0"/>
+          </a:p>
+          <a:p>
+            <a:pPr marL="0" indent="0">
+              <a:buNone/>
+            </a:pPr>
+            <a:endParaRPr lang="en-US" dirty="0"/>
+          </a:p>
+          <a:p>
+            <a:pPr marL="0" indent="0">
+              <a:buNone/>
+            </a:pPr>
+            <a:endParaRPr lang="en-US" dirty="0"/>
+          </a:p>
+          <a:p>
+            <a:pPr marL="0" indent="0">
+              <a:buNone/>
+            </a:pPr>
+            <a:endParaRPr lang="en-US" dirty="0"/>
+          </a:p>
+          <a:p>
+            <a:pPr marL="274320" lvl="1" indent="0">
+              <a:buNone/>
+            </a:pPr>
+            <a:endParaRPr lang="en-US" dirty="0"/>
+          </a:p>
+          <a:p>
+            <a:pPr marL="274320" lvl="1" indent="0">
+              <a:buNone/>
+            </a:pPr>
+            <a:endParaRPr lang="en-US" dirty="0"/>
+          </a:p>
+        </p:txBody>
+      </p:sp>
+      <p:graphicFrame>
+        <p:nvGraphicFramePr>
+          <p:cNvPr id="8" name="Chart 7">
+            <a:extLst>
+              <a:ext uri="{FF2B5EF4-FFF2-40B4-BE49-F238E27FC236}">
+                <a16:creationId xmlns:a16="http://schemas.microsoft.com/office/drawing/2014/main" id="{DA22F8D6-0FAF-4E0A-A7DC-217A0C88992A}"/>
+              </a:ext>
+            </a:extLst>
+          </p:cNvPr>
+          <p:cNvGraphicFramePr>
+            <a:graphicFrameLocks/>
+          </p:cNvGraphicFramePr>
+          <p:nvPr>
+            <p:extLst>
+              <p:ext uri="{D42A27DB-BD31-4B8C-83A1-F6EECF244321}">
+                <p14:modId xmlns:p14="http://schemas.microsoft.com/office/powerpoint/2010/main" val="3964544800"/>
+              </p:ext>
+            </p:extLst>
+          </p:nvPr>
+        </p:nvGraphicFramePr>
+        <p:xfrm>
+          <a:off x="1322773" y="2944077"/>
+          <a:ext cx="8655728" cy="3749686"/>
+        </p:xfrm>
+        <a:graphic>
+          <a:graphicData uri="http://schemas.openxmlformats.org/drawingml/2006/chart">
+            <c:chart xmlns:c="http://schemas.openxmlformats.org/drawingml/2006/chart" xmlns:r="http://schemas.openxmlformats.org/officeDocument/2006/relationships" r:id="rId2"/>
+          </a:graphicData>
+        </a:graphic>
+      </p:graphicFrame>
+    </p:spTree>
+    <p:extLst>
+      <p:ext uri="{BB962C8B-B14F-4D97-AF65-F5344CB8AC3E}">
+        <p14:creationId xmlns:p14="http://schemas.microsoft.com/office/powerpoint/2010/main" val="3908426690"/>
+      </p:ext>
+    </p:extLst>
+  </p:cSld>
+  <p:clrMapOvr>
+    <a:masterClrMapping/>
+  </p:clrMapOvr>
+</p:sld>
+</file>
+
+<file path=ppt/slides/slide14.xml><?xml version="1.0" encoding="utf-8"?>
+<p:sld xmlns:a="http://schemas.openxmlformats.org/drawingml/2006/main" xmlns:r="http://schemas.openxmlformats.org/officeDocument/2006/relationships" xmlns:p="http://schemas.openxmlformats.org/presentationml/2006/main">
+  <p:cSld>
+    <p:spTree>
+      <p:nvGrpSpPr>
+        <p:cNvPr id="1" name=""/>
+        <p:cNvGrpSpPr/>
+        <p:nvPr/>
+      </p:nvGrpSpPr>
+      <p:grpSpPr>
+        <a:xfrm>
+          <a:off x="0" y="0"/>
+          <a:ext cx="0" cy="0"/>
+          <a:chOff x="0" y="0"/>
+          <a:chExt cx="0" cy="0"/>
+        </a:xfrm>
+      </p:grpSpPr>
+      <p:sp>
+        <p:nvSpPr>
+          <p:cNvPr id="2" name="Title 1">
+            <a:extLst>
+              <a:ext uri="{FF2B5EF4-FFF2-40B4-BE49-F238E27FC236}">
+                <a16:creationId xmlns:a16="http://schemas.microsoft.com/office/drawing/2014/main" id="{040FCF0E-7CE9-465E-AEE8-6F11580C285F}"/>
+              </a:ext>
+            </a:extLst>
+          </p:cNvPr>
+          <p:cNvSpPr>
+            <a:spLocks noGrp="1"/>
+          </p:cNvSpPr>
+          <p:nvPr>
+            <p:ph type="title"/>
+          </p:nvPr>
+        </p:nvSpPr>
+        <p:spPr/>
+        <p:txBody>
+          <a:bodyPr/>
+          <a:lstStyle/>
+          <a:p>
+            <a:r>
+              <a:rPr lang="en-US" dirty="0"/>
+              <a:t>Open Issues &amp; Future Work</a:t>
+            </a:r>
+          </a:p>
+        </p:txBody>
+      </p:sp>
+      <p:sp>
+        <p:nvSpPr>
+          <p:cNvPr id="3" name="Content Placeholder 2">
+            <a:extLst>
+              <a:ext uri="{FF2B5EF4-FFF2-40B4-BE49-F238E27FC236}">
+                <a16:creationId xmlns:a16="http://schemas.microsoft.com/office/drawing/2014/main" id="{51D59C22-CB34-46E4-9845-1FC09DD740F2}"/>
+              </a:ext>
+            </a:extLst>
+          </p:cNvPr>
+          <p:cNvSpPr>
+            <a:spLocks noGrp="1"/>
+          </p:cNvSpPr>
+          <p:nvPr>
+            <p:ph idx="1"/>
+          </p:nvPr>
+        </p:nvSpPr>
+        <p:spPr/>
+        <p:txBody>
+          <a:bodyPr/>
+          <a:lstStyle/>
+          <a:p>
+            <a:r>
+              <a:rPr lang="en-US" dirty="0"/>
+              <a:t>SFL </a:t>
+            </a:r>
+            <a:r>
+              <a:rPr lang="en-US" dirty="0" err="1"/>
+              <a:t>Diagnoser</a:t>
+            </a:r>
+            <a:r>
+              <a:rPr lang="en-US" dirty="0"/>
+              <a:t> does not allow state fail in some cases (run test simulation required).</a:t>
+            </a:r>
+          </a:p>
+          <a:p>
+            <a:r>
+              <a:rPr lang="en-US" dirty="0"/>
+              <a:t>Need to implement failure probability calculation independently from SFL </a:t>
+            </a:r>
+            <a:r>
+              <a:rPr lang="en-US" dirty="0" err="1"/>
+              <a:t>Diagnoser</a:t>
+            </a:r>
+            <a:r>
+              <a:rPr lang="en-US" dirty="0"/>
+              <a:t>.</a:t>
+            </a:r>
+          </a:p>
+          <a:p>
+            <a:r>
+              <a:rPr lang="en-US" dirty="0"/>
+              <a:t>Compare IG test selection algorithm according in terms of component test covering. </a:t>
+            </a:r>
+          </a:p>
+        </p:txBody>
+      </p:sp>
+    </p:spTree>
+    <p:extLst>
+      <p:ext uri="{BB962C8B-B14F-4D97-AF65-F5344CB8AC3E}">
+        <p14:creationId xmlns:p14="http://schemas.microsoft.com/office/powerpoint/2010/main" val="3331315475"/>
+      </p:ext>
+    </p:extLst>
+  </p:cSld>
+  <p:clrMapOvr>
+    <a:masterClrMapping/>
+  </p:clrMapOvr>
+</p:sld>
+</file>
+
+<file path=ppt/slides/slide15.xml><?xml version="1.0" encoding="utf-8"?>
+<p:sld xmlns:a="http://schemas.openxmlformats.org/drawingml/2006/main" xmlns:r="http://schemas.openxmlformats.org/officeDocument/2006/relationships" xmlns:p="http://schemas.openxmlformats.org/presentationml/2006/main">
+  <p:cSld>
+    <p:spTree>
+      <p:nvGrpSpPr>
+        <p:cNvPr id="1" name=""/>
+        <p:cNvGrpSpPr/>
+        <p:nvPr/>
+      </p:nvGrpSpPr>
+      <p:grpSpPr>
+        <a:xfrm>
+          <a:off x="0" y="0"/>
+          <a:ext cx="0" cy="0"/>
+          <a:chOff x="0" y="0"/>
+          <a:chExt cx="0" cy="0"/>
+        </a:xfrm>
+      </p:grpSpPr>
+      <p:sp>
+        <p:nvSpPr>
           <p:cNvPr id="3" name="Content Placeholder 2"/>
           <p:cNvSpPr>
             <a:spLocks noGrp="1"/>

--- a/Test Set Optimization.pptx
+++ b/Test Set Optimization.pptx
@@ -126,10 +126,6 @@
 </p:presentation>
 </file>
 
-<file path=ppt/revisionInfo.xml><?xml version="1.0" encoding="utf-8"?>
-<p1510:revInfo xmlns:a="http://schemas.openxmlformats.org/drawingml/2006/main" xmlns:r="http://schemas.openxmlformats.org/officeDocument/2006/relationships" xmlns:p1510="http://schemas.microsoft.com/office/powerpoint/2015/10/main"/>
-</file>
-
 <file path=ppt/charts/chart1.xml><?xml version="1.0" encoding="utf-8"?>
 <c:chartSpace xmlns:c="http://schemas.openxmlformats.org/drawingml/2006/chart" xmlns:a="http://schemas.openxmlformats.org/drawingml/2006/main" xmlns:r="http://schemas.openxmlformats.org/officeDocument/2006/relationships" xmlns:c16r2="http://schemas.microsoft.com/office/drawing/2015/06/chart">
   <c:date1904 val="0"/>
@@ -143,10 +139,6 @@
       <c:style val="2"/>
     </mc:Fallback>
   </mc:AlternateContent>
-  <c:pivotSource>
-    <c:name>[Presentation.xlsx]Sheet4!PivotTable1</c:name>
-    <c:fmtId val="3"/>
-  </c:pivotSource>
   <c:chart>
     <c:autoTitleDeleted val="0"/>
     <c:pivotFmts>
@@ -514,15 +506,7 @@
           <c:idx val="0"/>
           <c:order val="0"/>
           <c:tx>
-            <c:strRef>
-              <c:f>Sheet4!$B$1</c:f>
-              <c:strCache>
-                <c:ptCount val="1"/>
-                <c:pt idx="0">
-                  <c:v>TFB Bugs</c:v>
-                </c:pt>
-              </c:strCache>
-            </c:strRef>
+            <c:v>TFB Bugs</c:v>
           </c:tx>
           <c:spPr>
             <a:ln w="34925" cap="rnd">
@@ -585,116 +569,110 @@
             </c:spPr>
           </c:marker>
           <c:cat>
-            <c:strRef>
-              <c:f>Sheet4!$A$2:$A$17</c:f>
-              <c:strCache>
-                <c:ptCount val="15"/>
-                <c:pt idx="0">
-                  <c:v>1</c:v>
-                </c:pt>
-                <c:pt idx="1">
-                  <c:v>2</c:v>
-                </c:pt>
-                <c:pt idx="2">
-                  <c:v>3</c:v>
-                </c:pt>
-                <c:pt idx="3">
-                  <c:v>4</c:v>
-                </c:pt>
-                <c:pt idx="4">
-                  <c:v>5</c:v>
-                </c:pt>
-                <c:pt idx="5">
-                  <c:v>6</c:v>
-                </c:pt>
-                <c:pt idx="6">
-                  <c:v>7</c:v>
-                </c:pt>
-                <c:pt idx="7">
-                  <c:v>8</c:v>
-                </c:pt>
-                <c:pt idx="8">
-                  <c:v>9</c:v>
-                </c:pt>
-                <c:pt idx="9">
-                  <c:v>10</c:v>
-                </c:pt>
-                <c:pt idx="10">
-                  <c:v>11</c:v>
-                </c:pt>
-                <c:pt idx="11">
-                  <c:v>12</c:v>
-                </c:pt>
-                <c:pt idx="12">
-                  <c:v>13</c:v>
-                </c:pt>
-                <c:pt idx="13">
-                  <c:v>14</c:v>
-                </c:pt>
-                <c:pt idx="14">
-                  <c:v>15</c:v>
-                </c:pt>
-              </c:strCache>
-            </c:strRef>
+            <c:strLit>
+              <c:ptCount val="15"/>
+              <c:pt idx="0">
+                <c:v>1</c:v>
+              </c:pt>
+              <c:pt idx="1">
+                <c:v>2</c:v>
+              </c:pt>
+              <c:pt idx="2">
+                <c:v>3</c:v>
+              </c:pt>
+              <c:pt idx="3">
+                <c:v>4</c:v>
+              </c:pt>
+              <c:pt idx="4">
+                <c:v>5</c:v>
+              </c:pt>
+              <c:pt idx="5">
+                <c:v>6</c:v>
+              </c:pt>
+              <c:pt idx="6">
+                <c:v>7</c:v>
+              </c:pt>
+              <c:pt idx="7">
+                <c:v>8</c:v>
+              </c:pt>
+              <c:pt idx="8">
+                <c:v>9</c:v>
+              </c:pt>
+              <c:pt idx="9">
+                <c:v>10</c:v>
+              </c:pt>
+              <c:pt idx="10">
+                <c:v>11</c:v>
+              </c:pt>
+              <c:pt idx="11">
+                <c:v>12</c:v>
+              </c:pt>
+              <c:pt idx="12">
+                <c:v>13</c:v>
+              </c:pt>
+              <c:pt idx="13">
+                <c:v>14</c:v>
+              </c:pt>
+              <c:pt idx="14">
+                <c:v>15</c:v>
+              </c:pt>
+            </c:strLit>
           </c:cat>
           <c:val>
-            <c:numRef>
-              <c:f>Sheet4!$B$2:$B$17</c:f>
-              <c:numCache>
-                <c:formatCode>General</c:formatCode>
-                <c:ptCount val="15"/>
-                <c:pt idx="0">
-                  <c:v>0</c:v>
-                </c:pt>
-                <c:pt idx="1">
-                  <c:v>0</c:v>
-                </c:pt>
-                <c:pt idx="2">
-                  <c:v>0</c:v>
-                </c:pt>
-                <c:pt idx="3">
-                  <c:v>1</c:v>
-                </c:pt>
-                <c:pt idx="4">
-                  <c:v>2</c:v>
-                </c:pt>
-                <c:pt idx="5">
-                  <c:v>3</c:v>
-                </c:pt>
-                <c:pt idx="6">
-                  <c:v>3</c:v>
-                </c:pt>
-                <c:pt idx="7">
-                  <c:v>3</c:v>
-                </c:pt>
-                <c:pt idx="8">
-                  <c:v>3</c:v>
-                </c:pt>
-                <c:pt idx="9">
-                  <c:v>3</c:v>
-                </c:pt>
-                <c:pt idx="10">
-                  <c:v>3</c:v>
-                </c:pt>
-                <c:pt idx="11">
-                  <c:v>3</c:v>
-                </c:pt>
-                <c:pt idx="12">
-                  <c:v>3</c:v>
-                </c:pt>
-                <c:pt idx="13">
-                  <c:v>3</c:v>
-                </c:pt>
-                <c:pt idx="14">
-                  <c:v>4</c:v>
-                </c:pt>
-              </c:numCache>
-            </c:numRef>
+            <c:numLit>
+              <c:formatCode>General</c:formatCode>
+              <c:ptCount val="15"/>
+              <c:pt idx="0">
+                <c:v>0</c:v>
+              </c:pt>
+              <c:pt idx="1">
+                <c:v>0</c:v>
+              </c:pt>
+              <c:pt idx="2">
+                <c:v>0</c:v>
+              </c:pt>
+              <c:pt idx="3">
+                <c:v>1</c:v>
+              </c:pt>
+              <c:pt idx="4">
+                <c:v>2</c:v>
+              </c:pt>
+              <c:pt idx="5">
+                <c:v>3</c:v>
+              </c:pt>
+              <c:pt idx="6">
+                <c:v>3</c:v>
+              </c:pt>
+              <c:pt idx="7">
+                <c:v>3</c:v>
+              </c:pt>
+              <c:pt idx="8">
+                <c:v>3</c:v>
+              </c:pt>
+              <c:pt idx="9">
+                <c:v>3</c:v>
+              </c:pt>
+              <c:pt idx="10">
+                <c:v>3</c:v>
+              </c:pt>
+              <c:pt idx="11">
+                <c:v>3</c:v>
+              </c:pt>
+              <c:pt idx="12">
+                <c:v>3</c:v>
+              </c:pt>
+              <c:pt idx="13">
+                <c:v>3</c:v>
+              </c:pt>
+              <c:pt idx="14">
+                <c:v>4</c:v>
+              </c:pt>
+            </c:numLit>
           </c:val>
           <c:smooth val="0"/>
           <c:extLst>
             <c:ext xmlns:c16="http://schemas.microsoft.com/office/drawing/2014/chart" uri="{C3380CC4-5D6E-409C-BE32-E72D297353CC}">
-              <c16:uniqueId val="{00000000-EA13-4A7B-A01D-61AAFB6F3E56}"/>
+              <c16:uniqueId val="{00000000-B273-4781-8A25-486F80EC4547}"/>
             </c:ext>
           </c:extLst>
         </c:ser>
@@ -702,15 +680,7 @@
           <c:idx val="1"/>
           <c:order val="1"/>
           <c:tx>
-            <c:strRef>
-              <c:f>Sheet4!$C$1</c:f>
-              <c:strCache>
-                <c:ptCount val="1"/>
-                <c:pt idx="0">
-                  <c:v>IG Bugs</c:v>
-                </c:pt>
-              </c:strCache>
-            </c:strRef>
+            <c:v>IG Bugs</c:v>
           </c:tx>
           <c:spPr>
             <a:ln w="34925" cap="rnd">
@@ -773,116 +743,110 @@
             </c:spPr>
           </c:marker>
           <c:cat>
-            <c:strRef>
-              <c:f>Sheet4!$A$2:$A$17</c:f>
-              <c:strCache>
-                <c:ptCount val="15"/>
-                <c:pt idx="0">
-                  <c:v>1</c:v>
-                </c:pt>
-                <c:pt idx="1">
-                  <c:v>2</c:v>
-                </c:pt>
-                <c:pt idx="2">
-                  <c:v>3</c:v>
-                </c:pt>
-                <c:pt idx="3">
-                  <c:v>4</c:v>
-                </c:pt>
-                <c:pt idx="4">
-                  <c:v>5</c:v>
-                </c:pt>
-                <c:pt idx="5">
-                  <c:v>6</c:v>
-                </c:pt>
-                <c:pt idx="6">
-                  <c:v>7</c:v>
-                </c:pt>
-                <c:pt idx="7">
-                  <c:v>8</c:v>
-                </c:pt>
-                <c:pt idx="8">
-                  <c:v>9</c:v>
-                </c:pt>
-                <c:pt idx="9">
-                  <c:v>10</c:v>
-                </c:pt>
-                <c:pt idx="10">
-                  <c:v>11</c:v>
-                </c:pt>
-                <c:pt idx="11">
-                  <c:v>12</c:v>
-                </c:pt>
-                <c:pt idx="12">
-                  <c:v>13</c:v>
-                </c:pt>
-                <c:pt idx="13">
-                  <c:v>14</c:v>
-                </c:pt>
-                <c:pt idx="14">
-                  <c:v>15</c:v>
-                </c:pt>
-              </c:strCache>
-            </c:strRef>
+            <c:strLit>
+              <c:ptCount val="15"/>
+              <c:pt idx="0">
+                <c:v>1</c:v>
+              </c:pt>
+              <c:pt idx="1">
+                <c:v>2</c:v>
+              </c:pt>
+              <c:pt idx="2">
+                <c:v>3</c:v>
+              </c:pt>
+              <c:pt idx="3">
+                <c:v>4</c:v>
+              </c:pt>
+              <c:pt idx="4">
+                <c:v>5</c:v>
+              </c:pt>
+              <c:pt idx="5">
+                <c:v>6</c:v>
+              </c:pt>
+              <c:pt idx="6">
+                <c:v>7</c:v>
+              </c:pt>
+              <c:pt idx="7">
+                <c:v>8</c:v>
+              </c:pt>
+              <c:pt idx="8">
+                <c:v>9</c:v>
+              </c:pt>
+              <c:pt idx="9">
+                <c:v>10</c:v>
+              </c:pt>
+              <c:pt idx="10">
+                <c:v>11</c:v>
+              </c:pt>
+              <c:pt idx="11">
+                <c:v>12</c:v>
+              </c:pt>
+              <c:pt idx="12">
+                <c:v>13</c:v>
+              </c:pt>
+              <c:pt idx="13">
+                <c:v>14</c:v>
+              </c:pt>
+              <c:pt idx="14">
+                <c:v>15</c:v>
+              </c:pt>
+            </c:strLit>
           </c:cat>
           <c:val>
-            <c:numRef>
-              <c:f>Sheet4!$C$2:$C$17</c:f>
-              <c:numCache>
-                <c:formatCode>General</c:formatCode>
-                <c:ptCount val="15"/>
-                <c:pt idx="0">
-                  <c:v>1</c:v>
-                </c:pt>
-                <c:pt idx="1">
-                  <c:v>2</c:v>
-                </c:pt>
-                <c:pt idx="2">
-                  <c:v>3</c:v>
-                </c:pt>
-                <c:pt idx="3">
-                  <c:v>4</c:v>
-                </c:pt>
-                <c:pt idx="4">
-                  <c:v>4</c:v>
-                </c:pt>
-                <c:pt idx="5">
-                  <c:v>4</c:v>
-                </c:pt>
-                <c:pt idx="6">
-                  <c:v>4</c:v>
-                </c:pt>
-                <c:pt idx="7">
-                  <c:v>4</c:v>
-                </c:pt>
-                <c:pt idx="8">
-                  <c:v>4</c:v>
-                </c:pt>
-                <c:pt idx="9">
-                  <c:v>4</c:v>
-                </c:pt>
-                <c:pt idx="10">
-                  <c:v>4</c:v>
-                </c:pt>
-                <c:pt idx="11">
-                  <c:v>4</c:v>
-                </c:pt>
-                <c:pt idx="12">
-                  <c:v>4</c:v>
-                </c:pt>
-                <c:pt idx="13">
-                  <c:v>4</c:v>
-                </c:pt>
-                <c:pt idx="14">
-                  <c:v>4</c:v>
-                </c:pt>
-              </c:numCache>
-            </c:numRef>
+            <c:numLit>
+              <c:formatCode>General</c:formatCode>
+              <c:ptCount val="15"/>
+              <c:pt idx="0">
+                <c:v>1</c:v>
+              </c:pt>
+              <c:pt idx="1">
+                <c:v>2</c:v>
+              </c:pt>
+              <c:pt idx="2">
+                <c:v>2</c:v>
+              </c:pt>
+              <c:pt idx="3">
+                <c:v>2</c:v>
+              </c:pt>
+              <c:pt idx="4">
+                <c:v>2</c:v>
+              </c:pt>
+              <c:pt idx="5">
+                <c:v>2</c:v>
+              </c:pt>
+              <c:pt idx="6">
+                <c:v>2</c:v>
+              </c:pt>
+              <c:pt idx="7">
+                <c:v>2</c:v>
+              </c:pt>
+              <c:pt idx="8">
+                <c:v>2</c:v>
+              </c:pt>
+              <c:pt idx="9">
+                <c:v>2</c:v>
+              </c:pt>
+              <c:pt idx="10">
+                <c:v>2</c:v>
+              </c:pt>
+              <c:pt idx="11">
+                <c:v>2</c:v>
+              </c:pt>
+              <c:pt idx="12">
+                <c:v>2</c:v>
+              </c:pt>
+              <c:pt idx="13">
+                <c:v>2</c:v>
+              </c:pt>
+              <c:pt idx="14">
+                <c:v>2</c:v>
+              </c:pt>
+            </c:numLit>
           </c:val>
           <c:smooth val="0"/>
           <c:extLst>
             <c:ext xmlns:c16="http://schemas.microsoft.com/office/drawing/2014/chart" uri="{C3380CC4-5D6E-409C-BE32-E72D297353CC}">
-              <c16:uniqueId val="{00000001-EA13-4A7B-A01D-61AAFB6F3E56}"/>
+              <c16:uniqueId val="{00000001-B273-4781-8A25-486F80EC4547}"/>
             </c:ext>
           </c:extLst>
         </c:ser>
@@ -939,7 +903,7 @@
                 <a:cs typeface="+mn-cs"/>
               </a:defRPr>
             </a:pPr>
-            <a:endParaRPr lang="en-US"/>
+            <a:endParaRPr lang="he-IL"/>
           </a:p>
         </c:txPr>
         <c:crossAx val="496136352"/>
@@ -999,7 +963,7 @@
                 <a:cs typeface="+mn-cs"/>
               </a:defRPr>
             </a:pPr>
-            <a:endParaRPr lang="en-US"/>
+            <a:endParaRPr lang="he-IL"/>
           </a:p>
         </c:txPr>
         <c:crossAx val="496137008"/>
@@ -1051,7 +1015,7 @@
               <a:cs typeface="+mn-cs"/>
             </a:defRPr>
           </a:pPr>
-          <a:endParaRPr lang="en-US"/>
+          <a:endParaRPr lang="he-IL"/>
         </a:p>
       </c:txPr>
     </c:legend>
@@ -1092,28 +1056,14 @@
       <a:pPr>
         <a:defRPr/>
       </a:pPr>
-      <a:endParaRPr lang="en-US"/>
+      <a:endParaRPr lang="he-IL"/>
     </a:p>
   </c:txPr>
   <c:externalData r:id="rId4">
     <c:autoUpdate val="0"/>
   </c:externalData>
   <c:userShapes r:id="rId5"/>
-  <c:extLst>
-    <c:ext xmlns:c14="http://schemas.microsoft.com/office/drawing/2007/8/2/chart" uri="{781A3756-C4B2-4CAC-9D66-4F8BD8637D16}">
-      <c14:pivotOptions>
-        <c14:dropZoneFilter val="1"/>
-        <c14:dropZoneCategories val="1"/>
-        <c14:dropZoneData val="1"/>
-        <c14:dropZoneSeries val="1"/>
-      </c14:pivotOptions>
-    </c:ext>
-    <c:ext xmlns:c16="http://schemas.microsoft.com/office/drawing/2014/chart" uri="{E28EC0CA-F0BB-4C9C-879D-F8772B89E7AC}">
-      <c16:pivotOptions16>
-        <c16:showExpandCollapseFieldButtons val="1"/>
-      </c16:pivotOptions16>
-    </c:ext>
-  </c:extLst>
+  <c:extLst/>
 </c:chartSpace>
 </file>
 
@@ -2350,7 +2300,7 @@
           <a:p>
             <a:fld id="{83284890-85D2-4D7B-8EF5-15A9C1DB8F42}" type="datetimeFigureOut">
               <a:rPr lang="en-US" dirty="0"/>
-              <a:t>7/17/2018</a:t>
+              <a:t>7/24/2018</a:t>
             </a:fld>
             <a:endParaRPr lang="en-US" dirty="0"/>
           </a:p>
@@ -2525,7 +2475,7 @@
           <a:p>
             <a:fld id="{87157CC2-0FC8-4686-B024-99790E0F5162}" type="datetimeFigureOut">
               <a:rPr lang="en-US" dirty="0"/>
-              <a:t>7/17/2018</a:t>
+              <a:t>7/24/2018</a:t>
             </a:fld>
             <a:endParaRPr lang="en-US" dirty="0"/>
           </a:p>
@@ -2700,7 +2650,7 @@
           <a:p>
             <a:fld id="{F6764DA5-CD3D-4590-A511-FCD3BC7A793E}" type="datetimeFigureOut">
               <a:rPr lang="en-US" dirty="0"/>
-              <a:t>7/17/2018</a:t>
+              <a:t>7/24/2018</a:t>
             </a:fld>
             <a:endParaRPr lang="en-US" dirty="0"/>
           </a:p>
@@ -2865,7 +2815,7 @@
           <a:p>
             <a:fld id="{82F5661D-6934-4B32-B92C-470368BF1EC6}" type="datetimeFigureOut">
               <a:rPr lang="en-US" dirty="0"/>
-              <a:t>7/17/2018</a:t>
+              <a:t>7/24/2018</a:t>
             </a:fld>
             <a:endParaRPr lang="en-US" dirty="0"/>
           </a:p>
@@ -3173,7 +3123,7 @@
           <a:p>
             <a:fld id="{C6F822A4-8DA6-4447-9B1F-C5DB58435268}" type="datetimeFigureOut">
               <a:rPr lang="en-US" dirty="0"/>
-              <a:t>7/17/2018</a:t>
+              <a:t>7/24/2018</a:t>
             </a:fld>
             <a:endParaRPr lang="en-US" dirty="0"/>
           </a:p>
@@ -3555,7 +3505,7 @@
           <a:p>
             <a:fld id="{E548D31E-DCDA-41A7-9C67-C4B11B94D21D}" type="datetimeFigureOut">
               <a:rPr lang="en-US" dirty="0"/>
-              <a:t>7/17/2018</a:t>
+              <a:t>7/24/2018</a:t>
             </a:fld>
             <a:endParaRPr lang="en-US" dirty="0"/>
           </a:p>
@@ -3984,7 +3934,7 @@
           <a:p>
             <a:fld id="{9B3762C0-B258-48F1-ADE6-176B4174CCDD}" type="datetimeFigureOut">
               <a:rPr lang="en-US" dirty="0"/>
-              <a:t>7/17/2018</a:t>
+              <a:t>7/24/2018</a:t>
             </a:fld>
             <a:endParaRPr lang="en-US" dirty="0"/>
           </a:p>
@@ -4097,7 +4047,7 @@
           <a:p>
             <a:fld id="{677919A6-33EB-49BD-A62F-1FA56B9F9712}" type="datetimeFigureOut">
               <a:rPr lang="en-US" dirty="0"/>
-              <a:t>7/17/2018</a:t>
+              <a:t>7/24/2018</a:t>
             </a:fld>
             <a:endParaRPr lang="en-US" dirty="0"/>
           </a:p>
@@ -4187,7 +4137,7 @@
           <a:p>
             <a:fld id="{CA4E7D1B-D673-4CF6-8672-009D42ABD2A0}" type="datetimeFigureOut">
               <a:rPr lang="en-US" dirty="0"/>
-              <a:t>7/17/2018</a:t>
+              <a:t>7/24/2018</a:t>
             </a:fld>
             <a:endParaRPr lang="en-US" dirty="0"/>
           </a:p>
@@ -4532,7 +4482,7 @@
           <a:p>
             <a:fld id="{DA16AA21-1863-4931-97CB-99D0A168701B}" type="datetimeFigureOut">
               <a:rPr lang="en-US" dirty="0"/>
-              <a:t>7/17/2018</a:t>
+              <a:t>7/24/2018</a:t>
             </a:fld>
             <a:endParaRPr lang="en-US" dirty="0"/>
           </a:p>
@@ -4952,7 +4902,7 @@
           <a:p>
             <a:fld id="{3772C379-9A7C-4C87-A116-CBE9F58B04C5}" type="datetimeFigureOut">
               <a:rPr lang="en-US" dirty="0"/>
-              <a:t>7/17/2018</a:t>
+              <a:t>7/24/2018</a:t>
             </a:fld>
             <a:endParaRPr lang="en-US" dirty="0"/>
           </a:p>
@@ -5228,7 +5178,7 @@
           <a:p>
             <a:fld id="{8664C608-40B1-4030-A28D-5B74BC98ADCE}" type="datetimeFigureOut">
               <a:rPr lang="en-US" dirty="0"/>
-              <a:t>7/17/2018</a:t>
+              <a:t>7/24/2018</a:t>
             </a:fld>
             <a:endParaRPr lang="en-US" dirty="0"/>
           </a:p>
@@ -9163,7 +9113,7 @@
           <p:nvPr>
             <p:extLst>
               <p:ext uri="{D42A27DB-BD31-4B8C-83A1-F6EECF244321}">
-                <p14:modId xmlns:p14="http://schemas.microsoft.com/office/powerpoint/2010/main" val="4040775649"/>
+                <p14:modId xmlns:p14="http://schemas.microsoft.com/office/powerpoint/2010/main" val="1466305029"/>
               </p:ext>
             </p:extLst>
           </p:nvPr>
@@ -9279,12 +9229,12 @@
                     <a:p>
                       <a:pPr algn="ctr" fontAlgn="b"/>
                       <a:r>
-                        <a:rPr lang="en-US" sz="1200" b="1" u="none" strike="noStrike">
+                        <a:rPr lang="en-US" sz="1200" b="1" u="none" strike="noStrike" dirty="0">
                           <a:effectLst/>
                         </a:rPr>
                         <a:t>TFB</a:t>
                       </a:r>
-                      <a:endParaRPr lang="en-US" sz="1200" b="1" i="0" u="none" strike="noStrike">
+                      <a:endParaRPr lang="en-US" sz="1200" b="1" i="0" u="none" strike="noStrike" dirty="0">
                         <a:solidFill>
                           <a:srgbClr val="000000"/>
                         </a:solidFill>
@@ -9464,12 +9414,12 @@
                     <a:p>
                       <a:pPr algn="ctr" fontAlgn="b"/>
                       <a:r>
-                        <a:rPr lang="en-US" sz="1100" b="1" u="none" strike="noStrike">
-                          <a:effectLst/>
-                        </a:rPr>
-                        <a:t>4</a:t>
-                      </a:r>
-                      <a:endParaRPr lang="en-US" sz="1100" b="1" i="0" u="none" strike="noStrike">
+                        <a:rPr lang="en-US" sz="1100" b="1" u="none" strike="noStrike" dirty="0">
+                          <a:effectLst/>
+                        </a:rPr>
+                        <a:t>2</a:t>
+                      </a:r>
+                      <a:endParaRPr lang="en-US" sz="1100" b="1" i="0" u="none" strike="noStrike" dirty="0">
                         <a:solidFill>
                           <a:srgbClr val="000000"/>
                         </a:solidFill>
@@ -9487,12 +9437,12 @@
                     <a:p>
                       <a:pPr algn="ctr" fontAlgn="b"/>
                       <a:r>
-                        <a:rPr lang="en-US" sz="1100" b="1" u="none" strike="noStrike">
-                          <a:effectLst/>
-                        </a:rPr>
-                        <a:t>1</a:t>
-                      </a:r>
-                      <a:endParaRPr lang="en-US" sz="1100" b="1" i="0" u="none" strike="noStrike">
+                        <a:rPr lang="en-US" sz="1100" b="1" u="none" strike="noStrike" dirty="0">
+                          <a:effectLst/>
+                        </a:rPr>
+                        <a:t>3</a:t>
+                      </a:r>
+                      <a:endParaRPr lang="en-US" sz="1100" b="1" i="0" u="none" strike="noStrike" dirty="0">
                         <a:solidFill>
                           <a:srgbClr val="000000"/>
                         </a:solidFill>
@@ -9586,12 +9536,12 @@
                     <a:p>
                       <a:pPr algn="ctr" fontAlgn="b"/>
                       <a:r>
-                        <a:rPr lang="en-US" sz="1100" b="1" u="none" strike="noStrike">
-                          <a:effectLst/>
-                        </a:rPr>
-                        <a:t>4</a:t>
-                      </a:r>
-                      <a:endParaRPr lang="en-US" sz="1100" b="1" i="0" u="none" strike="noStrike">
+                        <a:rPr lang="en-US" sz="1100" b="1" u="none" strike="noStrike" dirty="0">
+                          <a:effectLst/>
+                        </a:rPr>
+                        <a:t>2</a:t>
+                      </a:r>
+                      <a:endParaRPr lang="en-US" sz="1100" b="1" i="0" u="none" strike="noStrike" dirty="0">
                         <a:solidFill>
                           <a:srgbClr val="000000"/>
                         </a:solidFill>
@@ -9609,12 +9559,12 @@
                     <a:p>
                       <a:pPr algn="ctr" fontAlgn="b"/>
                       <a:r>
-                        <a:rPr lang="en-US" sz="1100" b="1" u="none" strike="noStrike">
-                          <a:effectLst/>
-                        </a:rPr>
-                        <a:t>6</a:t>
-                      </a:r>
-                      <a:endParaRPr lang="en-US" sz="1100" b="1" i="0" u="none" strike="noStrike">
+                        <a:rPr lang="en-US" sz="1100" b="1" u="none" strike="noStrike" dirty="0">
+                          <a:effectLst/>
+                        </a:rPr>
+                        <a:t>8</a:t>
+                      </a:r>
+                      <a:endParaRPr lang="en-US" sz="1100" b="1" i="0" u="none" strike="noStrike" dirty="0">
                         <a:solidFill>
                           <a:srgbClr val="000000"/>
                         </a:solidFill>
@@ -9711,7 +9661,7 @@
                         <a:rPr lang="en-US" sz="1100" b="1" u="none" strike="noStrike" dirty="0">
                           <a:effectLst/>
                         </a:rPr>
-                        <a:t>4</a:t>
+                        <a:t>2</a:t>
                       </a:r>
                       <a:endParaRPr lang="en-US" sz="1100" b="1" i="0" u="none" strike="noStrike" dirty="0">
                         <a:solidFill>
@@ -9731,12 +9681,12 @@
                     <a:p>
                       <a:pPr algn="ctr" fontAlgn="b"/>
                       <a:r>
-                        <a:rPr lang="en-US" sz="1100" b="1" u="none" strike="noStrike">
-                          <a:effectLst/>
-                        </a:rPr>
-                        <a:t>11</a:t>
-                      </a:r>
-                      <a:endParaRPr lang="en-US" sz="1100" b="1" i="0" u="none" strike="noStrike">
+                        <a:rPr lang="en-US" sz="1100" b="1" u="none" strike="noStrike" dirty="0">
+                          <a:effectLst/>
+                        </a:rPr>
+                        <a:t>13</a:t>
+                      </a:r>
+                      <a:endParaRPr lang="en-US" sz="1100" b="1" i="0" u="none" strike="noStrike" dirty="0">
                         <a:solidFill>
                           <a:srgbClr val="000000"/>
                         </a:solidFill>
@@ -9818,7 +9768,7 @@
           <p:nvPr>
             <p:extLst>
               <p:ext uri="{D42A27DB-BD31-4B8C-83A1-F6EECF244321}">
-                <p14:modId xmlns:p14="http://schemas.microsoft.com/office/powerpoint/2010/main" val="974233334"/>
+                <p14:modId xmlns:p14="http://schemas.microsoft.com/office/powerpoint/2010/main" val="1720463037"/>
               </p:ext>
             </p:extLst>
           </p:nvPr>
@@ -10001,12 +9951,12 @@
                     <a:p>
                       <a:pPr algn="ctr" fontAlgn="b"/>
                       <a:r>
-                        <a:rPr lang="en-US" sz="1100" b="1" u="none" strike="noStrike">
+                        <a:rPr lang="en-US" sz="1100" b="1" u="none" strike="noStrike" dirty="0">
                           <a:effectLst/>
                         </a:rPr>
                         <a:t>2</a:t>
                       </a:r>
-                      <a:endParaRPr lang="en-US" sz="1100" b="1" i="0" u="none" strike="noStrike">
+                      <a:endParaRPr lang="en-US" sz="1100" b="1" i="0" u="none" strike="noStrike" dirty="0">
                         <a:solidFill>
                           <a:srgbClr val="000000"/>
                         </a:solidFill>
@@ -10024,12 +9974,12 @@
                     <a:p>
                       <a:pPr algn="ctr" fontAlgn="b"/>
                       <a:r>
-                        <a:rPr lang="en-US" sz="1100" b="1" u="none" strike="noStrike">
+                        <a:rPr lang="en-US" sz="1100" b="1" u="none" strike="noStrike" dirty="0">
                           <a:effectLst/>
                         </a:rPr>
                         <a:t>3</a:t>
                       </a:r>
-                      <a:endParaRPr lang="en-US" sz="1100" b="1" i="0" u="none" strike="noStrike">
+                      <a:endParaRPr lang="en-US" sz="1100" b="1" i="0" u="none" strike="noStrike" dirty="0">
                         <a:solidFill>
                           <a:srgbClr val="000000"/>
                         </a:solidFill>
@@ -10422,20 +10372,14 @@
                       <a:r>
                         <a:rPr lang="en-US" sz="1100" b="1" u="none" strike="noStrike" dirty="0">
                           <a:effectLst/>
-                          <a:highlight>
-                            <a:srgbClr val="FFFF00"/>
-                          </a:highlight>
-                        </a:rPr>
-                        <a:t>F</a:t>
+                        </a:rPr>
+                        <a:t>P</a:t>
                       </a:r>
                       <a:endParaRPr lang="en-US" sz="1100" b="1" i="0" u="none" strike="noStrike" dirty="0">
                         <a:solidFill>
                           <a:srgbClr val="000000"/>
                         </a:solidFill>
                         <a:effectLst/>
-                        <a:highlight>
-                          <a:srgbClr val="FFFF00"/>
-                        </a:highlight>
                         <a:latin typeface="Calibri" panose="020F0502020204030204" pitchFamily="34" charset="0"/>
                       </a:endParaRPr>
                     </a:p>
@@ -10451,20 +10395,14 @@
                       <a:r>
                         <a:rPr lang="en-US" sz="1100" b="1" u="none" strike="noStrike" dirty="0">
                           <a:effectLst/>
-                          <a:highlight>
-                            <a:srgbClr val="FFFF00"/>
-                          </a:highlight>
-                        </a:rPr>
-                        <a:t>F</a:t>
+                        </a:rPr>
+                        <a:t>P</a:t>
                       </a:r>
                       <a:endParaRPr lang="en-US" sz="1100" b="1" i="0" u="none" strike="noStrike" dirty="0">
                         <a:solidFill>
                           <a:srgbClr val="000000"/>
                         </a:solidFill>
                         <a:effectLst/>
-                        <a:highlight>
-                          <a:srgbClr val="FFFF00"/>
-                        </a:highlight>
                         <a:latin typeface="Calibri" panose="020F0502020204030204" pitchFamily="34" charset="0"/>
                       </a:endParaRPr>
                     </a:p>
@@ -11840,7 +11778,7 @@
       </p:sp>
       <p:graphicFrame>
         <p:nvGraphicFramePr>
-          <p:cNvPr id="8" name="Chart 7">
+          <p:cNvPr id="6" name="Chart 5">
             <a:extLst>
               <a:ext uri="{FF2B5EF4-FFF2-40B4-BE49-F238E27FC236}">
                 <a16:creationId xmlns:a16="http://schemas.microsoft.com/office/drawing/2014/main" id="{DA22F8D6-0FAF-4E0A-A7DC-217A0C88992A}"/>
@@ -11853,13 +11791,13 @@
           <p:nvPr>
             <p:extLst>
               <p:ext uri="{D42A27DB-BD31-4B8C-83A1-F6EECF244321}">
-                <p14:modId xmlns:p14="http://schemas.microsoft.com/office/powerpoint/2010/main" val="3964544800"/>
+                <p14:modId xmlns:p14="http://schemas.microsoft.com/office/powerpoint/2010/main" val="3148404693"/>
               </p:ext>
             </p:extLst>
           </p:nvPr>
         </p:nvGraphicFramePr>
         <p:xfrm>
-          <a:off x="1322773" y="2944077"/>
+          <a:off x="1596256" y="3004822"/>
           <a:ext cx="8655728" cy="3749686"/>
         </p:xfrm>
         <a:graphic>
@@ -11979,6 +11917,17 @@
               <a:rPr lang="en-US" dirty="0"/>
               <a:t>Compare IG test selection algorithm according in terms of component test covering. </a:t>
             </a:r>
+          </a:p>
+          <a:p>
+            <a:r>
+              <a:rPr lang="en-US" dirty="0"/>
+              <a:t>Optimize the algorithm to find more </a:t>
+            </a:r>
+            <a:r>
+              <a:rPr lang="en-US"/>
+              <a:t>failing tests.</a:t>
+            </a:r>
+            <a:endParaRPr lang="en-US" dirty="0"/>
           </a:p>
         </p:txBody>
       </p:sp>

--- a/Test Set Optimization.pptx
+++ b/Test Set Optimization.pptx
@@ -127,7 +127,7 @@
 </file>
 
 <file path=ppt/charts/chart1.xml><?xml version="1.0" encoding="utf-8"?>
-<c:chartSpace xmlns:c="http://schemas.openxmlformats.org/drawingml/2006/chart" xmlns:a="http://schemas.openxmlformats.org/drawingml/2006/main" xmlns:r="http://schemas.openxmlformats.org/officeDocument/2006/relationships" xmlns:c16r2="http://schemas.microsoft.com/office/drawing/2015/06/chart">
+<c:chartSpace xmlns:c="http://schemas.openxmlformats.org/drawingml/2006/chart" xmlns:a="http://schemas.openxmlformats.org/drawingml/2006/main" xmlns:r="http://schemas.openxmlformats.org/officeDocument/2006/relationships">
   <c:date1904 val="0"/>
   <c:lang val="en-US"/>
   <c:roundedCorners val="0"/>
@@ -670,9 +670,9 @@
             </c:numLit>
           </c:val>
           <c:smooth val="0"/>
-          <c:extLst>
+          <c:extLst xmlns:c16r2="http://schemas.microsoft.com/office/drawing/2015/06/chart">
             <c:ext xmlns:c16="http://schemas.microsoft.com/office/drawing/2014/chart" uri="{C3380CC4-5D6E-409C-BE32-E72D297353CC}">
-              <c16:uniqueId val="{00000000-B273-4781-8A25-486F80EC4547}"/>
+              <c16:uniqueId val="{00000000-EA13-4A7B-A01D-61AAFB6F3E56}"/>
             </c:ext>
           </c:extLst>
         </c:ser>
@@ -797,16 +797,16 @@
               <c:formatCode>General</c:formatCode>
               <c:ptCount val="15"/>
               <c:pt idx="0">
+                <c:v>0</c:v>
+              </c:pt>
+              <c:pt idx="1">
                 <c:v>1</c:v>
               </c:pt>
-              <c:pt idx="1">
-                <c:v>2</c:v>
-              </c:pt>
               <c:pt idx="2">
-                <c:v>2</c:v>
+                <c:v>1</c:v>
               </c:pt>
               <c:pt idx="3">
-                <c:v>2</c:v>
+                <c:v>1</c:v>
               </c:pt>
               <c:pt idx="4">
                 <c:v>2</c:v>
@@ -815,38 +815,38 @@
                 <c:v>2</c:v>
               </c:pt>
               <c:pt idx="6">
-                <c:v>2</c:v>
+                <c:v>3</c:v>
               </c:pt>
               <c:pt idx="7">
-                <c:v>2</c:v>
+                <c:v>4</c:v>
               </c:pt>
               <c:pt idx="8">
-                <c:v>2</c:v>
+                <c:v>4</c:v>
               </c:pt>
               <c:pt idx="9">
-                <c:v>2</c:v>
+                <c:v>5</c:v>
               </c:pt>
               <c:pt idx="10">
-                <c:v>2</c:v>
+                <c:v>6</c:v>
               </c:pt>
               <c:pt idx="11">
-                <c:v>2</c:v>
+                <c:v>7</c:v>
               </c:pt>
               <c:pt idx="12">
-                <c:v>2</c:v>
+                <c:v>8</c:v>
               </c:pt>
               <c:pt idx="13">
-                <c:v>2</c:v>
+                <c:v>8</c:v>
               </c:pt>
               <c:pt idx="14">
-                <c:v>2</c:v>
+                <c:v>8</c:v>
               </c:pt>
             </c:numLit>
           </c:val>
           <c:smooth val="0"/>
-          <c:extLst>
+          <c:extLst xmlns:c16r2="http://schemas.microsoft.com/office/drawing/2015/06/chart">
             <c:ext xmlns:c16="http://schemas.microsoft.com/office/drawing/2014/chart" uri="{C3380CC4-5D6E-409C-BE32-E72D297353CC}">
-              <c16:uniqueId val="{00000001-B273-4781-8A25-486F80EC4547}"/>
+              <c16:uniqueId val="{00000001-EA13-4A7B-A01D-61AAFB6F3E56}"/>
             </c:ext>
           </c:extLst>
         </c:ser>
@@ -860,11 +860,11 @@
         </c:dLbls>
         <c:marker val="1"/>
         <c:smooth val="0"/>
-        <c:axId val="496137008"/>
-        <c:axId val="496136352"/>
+        <c:axId val="499211216"/>
+        <c:axId val="499221800"/>
       </c:lineChart>
       <c:catAx>
-        <c:axId val="496137008"/>
+        <c:axId val="499211216"/>
         <c:scaling>
           <c:orientation val="minMax"/>
         </c:scaling>
@@ -903,10 +903,10 @@
                 <a:cs typeface="+mn-cs"/>
               </a:defRPr>
             </a:pPr>
-            <a:endParaRPr lang="he-IL"/>
+            <a:endParaRPr lang="en-US"/>
           </a:p>
         </c:txPr>
-        <c:crossAx val="496136352"/>
+        <c:crossAx val="499221800"/>
         <c:crosses val="autoZero"/>
         <c:auto val="1"/>
         <c:lblAlgn val="ctr"/>
@@ -914,10 +914,10 @@
         <c:noMultiLvlLbl val="0"/>
       </c:catAx>
       <c:valAx>
-        <c:axId val="496136352"/>
+        <c:axId val="499221800"/>
         <c:scaling>
           <c:orientation val="minMax"/>
-          <c:max val="5"/>
+          <c:max val="9"/>
           <c:min val="0"/>
         </c:scaling>
         <c:delete val="0"/>
@@ -963,10 +963,10 @@
                 <a:cs typeface="+mn-cs"/>
               </a:defRPr>
             </a:pPr>
-            <a:endParaRPr lang="he-IL"/>
+            <a:endParaRPr lang="en-US"/>
           </a:p>
         </c:txPr>
-        <c:crossAx val="496137008"/>
+        <c:crossAx val="499211216"/>
         <c:crosses val="autoZero"/>
         <c:crossBetween val="between"/>
         <c:majorUnit val="1"/>
@@ -1015,7 +1015,7 @@
               <a:cs typeface="+mn-cs"/>
             </a:defRPr>
           </a:pPr>
-          <a:endParaRPr lang="he-IL"/>
+          <a:endParaRPr lang="en-US"/>
         </a:p>
       </c:txPr>
     </c:legend>
@@ -1056,14 +1056,20 @@
       <a:pPr>
         <a:defRPr/>
       </a:pPr>
-      <a:endParaRPr lang="he-IL"/>
+      <a:endParaRPr lang="en-US"/>
     </a:p>
   </c:txPr>
   <c:externalData r:id="rId4">
     <c:autoUpdate val="0"/>
   </c:externalData>
   <c:userShapes r:id="rId5"/>
-  <c:extLst/>
+  <c:extLst xmlns:c16r2="http://schemas.microsoft.com/office/drawing/2015/06/chart">
+    <c:ext xmlns:c16="http://schemas.microsoft.com/office/drawing/2014/chart" uri="{E28EC0CA-F0BB-4C9C-879D-F8772B89E7AC}">
+      <c16:pivotOptions16>
+        <c16:showExpandCollapseFieldButtons val="1"/>
+      </c16:pivotOptions16>
+    </c:ext>
+  </c:extLst>
 </c:chartSpace>
 </file>
 
@@ -1619,7 +1625,7 @@
         <cdr:cNvPr id="2" name="TextBox 1">
           <a:extLst xmlns:a="http://schemas.openxmlformats.org/drawingml/2006/main">
             <a:ext uri="{FF2B5EF4-FFF2-40B4-BE49-F238E27FC236}">
-              <a16:creationId xmlns:a16="http://schemas.microsoft.com/office/drawing/2014/main" id="{64B3F357-F064-42C7-96FC-CFC8F7A5F5D2}"/>
+              <a16:creationId xmlns="" xmlns:a16="http://schemas.microsoft.com/office/drawing/2014/main" id="{64B3F357-F064-42C7-96FC-CFC8F7A5F5D2}"/>
             </a:ext>
           </a:extLst>
         </cdr:cNvPr>
@@ -1657,7 +1663,7 @@
         <cdr:cNvPr id="3" name="TextBox 2">
           <a:extLst xmlns:a="http://schemas.openxmlformats.org/drawingml/2006/main">
             <a:ext uri="{FF2B5EF4-FFF2-40B4-BE49-F238E27FC236}">
-              <a16:creationId xmlns:a16="http://schemas.microsoft.com/office/drawing/2014/main" id="{D6EC7A4C-F64C-4341-BC5D-D7D8B4E94619}"/>
+              <a16:creationId xmlns="" xmlns:a16="http://schemas.microsoft.com/office/drawing/2014/main" id="{D6EC7A4C-F64C-4341-BC5D-D7D8B4E94619}"/>
             </a:ext>
           </a:extLst>
         </cdr:cNvPr>
@@ -1702,7 +1708,7 @@
         <cdr:cNvPr id="4" name="TextBox 1">
           <a:extLst xmlns:a="http://schemas.openxmlformats.org/drawingml/2006/main">
             <a:ext uri="{FF2B5EF4-FFF2-40B4-BE49-F238E27FC236}">
-              <a16:creationId xmlns:a16="http://schemas.microsoft.com/office/drawing/2014/main" id="{BF4F0A2B-7FE9-4E19-85A2-74C269DD08B1}"/>
+              <a16:creationId xmlns="" xmlns:a16="http://schemas.microsoft.com/office/drawing/2014/main" id="{BF4F0A2B-7FE9-4E19-85A2-74C269DD08B1}"/>
             </a:ext>
           </a:extLst>
         </cdr:cNvPr>
@@ -1811,7 +1817,7 @@
         <cdr:cNvPr id="5" name="TextBox 4">
           <a:extLst xmlns:a="http://schemas.openxmlformats.org/drawingml/2006/main">
             <a:ext uri="{FF2B5EF4-FFF2-40B4-BE49-F238E27FC236}">
-              <a16:creationId xmlns:a16="http://schemas.microsoft.com/office/drawing/2014/main" id="{FAC1D15F-69DA-493A-A6F9-6757F7346F6B}"/>
+              <a16:creationId xmlns="" xmlns:a16="http://schemas.microsoft.com/office/drawing/2014/main" id="{FAC1D15F-69DA-493A-A6F9-6757F7346F6B}"/>
             </a:ext>
           </a:extLst>
         </cdr:cNvPr>
@@ -1849,7 +1855,7 @@
         <cdr:cNvPr id="6" name="TextBox 5">
           <a:extLst xmlns:a="http://schemas.openxmlformats.org/drawingml/2006/main">
             <a:ext uri="{FF2B5EF4-FFF2-40B4-BE49-F238E27FC236}">
-              <a16:creationId xmlns:a16="http://schemas.microsoft.com/office/drawing/2014/main" id="{06CEEFD0-A49A-4926-A4EF-4ADCB09E247A}"/>
+              <a16:creationId xmlns="" xmlns:a16="http://schemas.microsoft.com/office/drawing/2014/main" id="{06CEEFD0-A49A-4926-A4EF-4ADCB09E247A}"/>
             </a:ext>
           </a:extLst>
         </cdr:cNvPr>
@@ -2300,7 +2306,7 @@
           <a:p>
             <a:fld id="{83284890-85D2-4D7B-8EF5-15A9C1DB8F42}" type="datetimeFigureOut">
               <a:rPr lang="en-US" dirty="0"/>
-              <a:t>7/24/2018</a:t>
+              <a:t>8/2/2018</a:t>
             </a:fld>
             <a:endParaRPr lang="en-US" dirty="0"/>
           </a:p>
@@ -2475,7 +2481,7 @@
           <a:p>
             <a:fld id="{87157CC2-0FC8-4686-B024-99790E0F5162}" type="datetimeFigureOut">
               <a:rPr lang="en-US" dirty="0"/>
-              <a:t>7/24/2018</a:t>
+              <a:t>8/2/2018</a:t>
             </a:fld>
             <a:endParaRPr lang="en-US" dirty="0"/>
           </a:p>
@@ -2650,7 +2656,7 @@
           <a:p>
             <a:fld id="{F6764DA5-CD3D-4590-A511-FCD3BC7A793E}" type="datetimeFigureOut">
               <a:rPr lang="en-US" dirty="0"/>
-              <a:t>7/24/2018</a:t>
+              <a:t>8/2/2018</a:t>
             </a:fld>
             <a:endParaRPr lang="en-US" dirty="0"/>
           </a:p>
@@ -2815,7 +2821,7 @@
           <a:p>
             <a:fld id="{82F5661D-6934-4B32-B92C-470368BF1EC6}" type="datetimeFigureOut">
               <a:rPr lang="en-US" dirty="0"/>
-              <a:t>7/24/2018</a:t>
+              <a:t>8/2/2018</a:t>
             </a:fld>
             <a:endParaRPr lang="en-US" dirty="0"/>
           </a:p>
@@ -3123,7 +3129,7 @@
           <a:p>
             <a:fld id="{C6F822A4-8DA6-4447-9B1F-C5DB58435268}" type="datetimeFigureOut">
               <a:rPr lang="en-US" dirty="0"/>
-              <a:t>7/24/2018</a:t>
+              <a:t>8/2/2018</a:t>
             </a:fld>
             <a:endParaRPr lang="en-US" dirty="0"/>
           </a:p>
@@ -3505,7 +3511,7 @@
           <a:p>
             <a:fld id="{E548D31E-DCDA-41A7-9C67-C4B11B94D21D}" type="datetimeFigureOut">
               <a:rPr lang="en-US" dirty="0"/>
-              <a:t>7/24/2018</a:t>
+              <a:t>8/2/2018</a:t>
             </a:fld>
             <a:endParaRPr lang="en-US" dirty="0"/>
           </a:p>
@@ -3934,7 +3940,7 @@
           <a:p>
             <a:fld id="{9B3762C0-B258-48F1-ADE6-176B4174CCDD}" type="datetimeFigureOut">
               <a:rPr lang="en-US" dirty="0"/>
-              <a:t>7/24/2018</a:t>
+              <a:t>8/2/2018</a:t>
             </a:fld>
             <a:endParaRPr lang="en-US" dirty="0"/>
           </a:p>
@@ -4047,7 +4053,7 @@
           <a:p>
             <a:fld id="{677919A6-33EB-49BD-A62F-1FA56B9F9712}" type="datetimeFigureOut">
               <a:rPr lang="en-US" dirty="0"/>
-              <a:t>7/24/2018</a:t>
+              <a:t>8/2/2018</a:t>
             </a:fld>
             <a:endParaRPr lang="en-US" dirty="0"/>
           </a:p>
@@ -4137,7 +4143,7 @@
           <a:p>
             <a:fld id="{CA4E7D1B-D673-4CF6-8672-009D42ABD2A0}" type="datetimeFigureOut">
               <a:rPr lang="en-US" dirty="0"/>
-              <a:t>7/24/2018</a:t>
+              <a:t>8/2/2018</a:t>
             </a:fld>
             <a:endParaRPr lang="en-US" dirty="0"/>
           </a:p>
@@ -4482,7 +4488,7 @@
           <a:p>
             <a:fld id="{DA16AA21-1863-4931-97CB-99D0A168701B}" type="datetimeFigureOut">
               <a:rPr lang="en-US" dirty="0"/>
-              <a:t>7/24/2018</a:t>
+              <a:t>8/2/2018</a:t>
             </a:fld>
             <a:endParaRPr lang="en-US" dirty="0"/>
           </a:p>
@@ -4902,7 +4908,7 @@
           <a:p>
             <a:fld id="{3772C379-9A7C-4C87-A116-CBE9F58B04C5}" type="datetimeFigureOut">
               <a:rPr lang="en-US" dirty="0"/>
-              <a:t>7/24/2018</a:t>
+              <a:t>8/2/2018</a:t>
             </a:fld>
             <a:endParaRPr lang="en-US" dirty="0"/>
           </a:p>
@@ -5178,7 +5184,7 @@
           <a:p>
             <a:fld id="{8664C608-40B1-4030-A28D-5B74BC98ADCE}" type="datetimeFigureOut">
               <a:rPr lang="en-US" dirty="0"/>
-              <a:t>7/24/2018</a:t>
+              <a:t>8/2/2018</a:t>
             </a:fld>
             <a:endParaRPr lang="en-US" dirty="0"/>
           </a:p>
@@ -5784,7 +5790,7 @@
           <p:cNvPr id="5" name="Subtitle 2">
             <a:extLst>
               <a:ext uri="{FF2B5EF4-FFF2-40B4-BE49-F238E27FC236}">
-                <a16:creationId xmlns:a16="http://schemas.microsoft.com/office/drawing/2014/main" id="{A4E52CD5-4862-423C-9681-E64859ECA90C}"/>
+                <a16:creationId xmlns="" xmlns:a16="http://schemas.microsoft.com/office/drawing/2014/main" id="{A4E52CD5-4862-423C-9681-E64859ECA90C}"/>
               </a:ext>
             </a:extLst>
           </p:cNvPr>
@@ -5832,9 +5838,17 @@
               <a:rPr lang="en-US" dirty="0" err="1"/>
               <a:t>Avitan</a:t>
             </a:r>
+            <a:r>
+              <a:rPr lang="en-US" dirty="0"/>
+              <a:t/>
+            </a:r>
             <a:br>
               <a:rPr lang="en-US" dirty="0"/>
             </a:br>
+            <a:r>
+              <a:rPr lang="en-US" dirty="0"/>
+              <a:t/>
+            </a:r>
             <a:br>
               <a:rPr lang="en-US" dirty="0"/>
             </a:br>
@@ -5903,7 +5917,7 @@
           <p:cNvPr id="4" name="Content Placeholder 3">
             <a:extLst>
               <a:ext uri="{FF2B5EF4-FFF2-40B4-BE49-F238E27FC236}">
-                <a16:creationId xmlns:a16="http://schemas.microsoft.com/office/drawing/2014/main" id="{1B4BCBD3-D197-4A30-8542-13A1BD0042DA}"/>
+                <a16:creationId xmlns="" xmlns:a16="http://schemas.microsoft.com/office/drawing/2014/main" id="{1B4BCBD3-D197-4A30-8542-13A1BD0042DA}"/>
               </a:ext>
             </a:extLst>
           </p:cNvPr>
@@ -5933,35 +5947,35 @@
                 <a:gridCol w="1881923">
                   <a:extLst>
                     <a:ext uri="{9D8B030D-6E8A-4147-A177-3AD203B41FA5}">
-                      <a16:colId xmlns:a16="http://schemas.microsoft.com/office/drawing/2014/main" val="647474070"/>
+                      <a16:colId xmlns="" xmlns:a16="http://schemas.microsoft.com/office/drawing/2014/main" val="647474070"/>
                     </a:ext>
                   </a:extLst>
                 </a:gridCol>
                 <a:gridCol w="1745554">
                   <a:extLst>
                     <a:ext uri="{9D8B030D-6E8A-4147-A177-3AD203B41FA5}">
-                      <a16:colId xmlns:a16="http://schemas.microsoft.com/office/drawing/2014/main" val="4172325040"/>
+                      <a16:colId xmlns="" xmlns:a16="http://schemas.microsoft.com/office/drawing/2014/main" val="4172325040"/>
                     </a:ext>
                   </a:extLst>
                 </a:gridCol>
                 <a:gridCol w="1745554">
                   <a:extLst>
                     <a:ext uri="{9D8B030D-6E8A-4147-A177-3AD203B41FA5}">
-                      <a16:colId xmlns:a16="http://schemas.microsoft.com/office/drawing/2014/main" val="2112222264"/>
+                      <a16:colId xmlns="" xmlns:a16="http://schemas.microsoft.com/office/drawing/2014/main" val="2112222264"/>
                     </a:ext>
                   </a:extLst>
                 </a:gridCol>
                 <a:gridCol w="1745554">
                   <a:extLst>
                     <a:ext uri="{9D8B030D-6E8A-4147-A177-3AD203B41FA5}">
-                      <a16:colId xmlns:a16="http://schemas.microsoft.com/office/drawing/2014/main" val="3712134187"/>
+                      <a16:colId xmlns="" xmlns:a16="http://schemas.microsoft.com/office/drawing/2014/main" val="3712134187"/>
                     </a:ext>
                   </a:extLst>
                 </a:gridCol>
                 <a:gridCol w="1745554">
                   <a:extLst>
                     <a:ext uri="{9D8B030D-6E8A-4147-A177-3AD203B41FA5}">
-                      <a16:colId xmlns:a16="http://schemas.microsoft.com/office/drawing/2014/main" val="2451542488"/>
+                      <a16:colId xmlns="" xmlns:a16="http://schemas.microsoft.com/office/drawing/2014/main" val="2451542488"/>
                     </a:ext>
                   </a:extLst>
                 </a:gridCol>
@@ -6053,7 +6067,7 @@
                 </a:tc>
                 <a:extLst>
                   <a:ext uri="{0D108BD9-81ED-4DB2-BD59-A6C34878D82A}">
-                    <a16:rowId xmlns:a16="http://schemas.microsoft.com/office/drawing/2014/main" val="3580140237"/>
+                    <a16:rowId xmlns="" xmlns:a16="http://schemas.microsoft.com/office/drawing/2014/main" val="3580140237"/>
                   </a:ext>
                 </a:extLst>
               </a:tr>
@@ -6175,7 +6189,7 @@
                 </a:tc>
                 <a:extLst>
                   <a:ext uri="{0D108BD9-81ED-4DB2-BD59-A6C34878D82A}">
-                    <a16:rowId xmlns:a16="http://schemas.microsoft.com/office/drawing/2014/main" val="2413837790"/>
+                    <a16:rowId xmlns="" xmlns:a16="http://schemas.microsoft.com/office/drawing/2014/main" val="2413837790"/>
                   </a:ext>
                 </a:extLst>
               </a:tr>
@@ -6297,7 +6311,7 @@
                 </a:tc>
                 <a:extLst>
                   <a:ext uri="{0D108BD9-81ED-4DB2-BD59-A6C34878D82A}">
-                    <a16:rowId xmlns:a16="http://schemas.microsoft.com/office/drawing/2014/main" val="2462567165"/>
+                    <a16:rowId xmlns="" xmlns:a16="http://schemas.microsoft.com/office/drawing/2014/main" val="2462567165"/>
                   </a:ext>
                 </a:extLst>
               </a:tr>
@@ -6310,7 +6324,7 @@
           <p:cNvPr id="3" name="Table 2">
             <a:extLst>
               <a:ext uri="{FF2B5EF4-FFF2-40B4-BE49-F238E27FC236}">
-                <a16:creationId xmlns:a16="http://schemas.microsoft.com/office/drawing/2014/main" id="{8803D100-F6AA-46EE-B76A-F5881765C1D9}"/>
+                <a16:creationId xmlns="" xmlns:a16="http://schemas.microsoft.com/office/drawing/2014/main" id="{8803D100-F6AA-46EE-B76A-F5881765C1D9}"/>
               </a:ext>
             </a:extLst>
           </p:cNvPr>
@@ -6339,7 +6353,7 @@
                 <a:gridCol w="3848381">
                   <a:extLst>
                     <a:ext uri="{9D8B030D-6E8A-4147-A177-3AD203B41FA5}">
-                      <a16:colId xmlns:a16="http://schemas.microsoft.com/office/drawing/2014/main" val="4001021760"/>
+                      <a16:colId xmlns="" xmlns:a16="http://schemas.microsoft.com/office/drawing/2014/main" val="4001021760"/>
                     </a:ext>
                   </a:extLst>
                 </a:gridCol>
@@ -6370,7 +6384,7 @@
                 </a:tc>
                 <a:extLst>
                   <a:ext uri="{0D108BD9-81ED-4DB2-BD59-A6C34878D82A}">
-                    <a16:rowId xmlns:a16="http://schemas.microsoft.com/office/drawing/2014/main" val="2433356523"/>
+                    <a16:rowId xmlns="" xmlns:a16="http://schemas.microsoft.com/office/drawing/2014/main" val="2433356523"/>
                   </a:ext>
                 </a:extLst>
               </a:tr>
@@ -6400,7 +6414,7 @@
                 </a:tc>
                 <a:extLst>
                   <a:ext uri="{0D108BD9-81ED-4DB2-BD59-A6C34878D82A}">
-                    <a16:rowId xmlns:a16="http://schemas.microsoft.com/office/drawing/2014/main" val="1514519535"/>
+                    <a16:rowId xmlns="" xmlns:a16="http://schemas.microsoft.com/office/drawing/2014/main" val="1514519535"/>
                   </a:ext>
                 </a:extLst>
               </a:tr>
@@ -6413,7 +6427,7 @@
           <p:cNvPr id="7" name="Content Placeholder 2">
             <a:extLst>
               <a:ext uri="{FF2B5EF4-FFF2-40B4-BE49-F238E27FC236}">
-                <a16:creationId xmlns:a16="http://schemas.microsoft.com/office/drawing/2014/main" id="{0BBCA04D-4A8B-47A6-B72E-18B9FFC206D7}"/>
+                <a16:creationId xmlns="" xmlns:a16="http://schemas.microsoft.com/office/drawing/2014/main" id="{0BBCA04D-4A8B-47A6-B72E-18B9FFC206D7}"/>
               </a:ext>
             </a:extLst>
           </p:cNvPr>
@@ -6830,7 +6844,7 @@
           <p:cNvPr id="6" name="Table 5">
             <a:extLst>
               <a:ext uri="{FF2B5EF4-FFF2-40B4-BE49-F238E27FC236}">
-                <a16:creationId xmlns:a16="http://schemas.microsoft.com/office/drawing/2014/main" id="{25354683-3426-4960-9101-F5C26BAA8010}"/>
+                <a16:creationId xmlns="" xmlns:a16="http://schemas.microsoft.com/office/drawing/2014/main" id="{25354683-3426-4960-9101-F5C26BAA8010}"/>
               </a:ext>
             </a:extLst>
           </p:cNvPr>
@@ -6859,14 +6873,14 @@
                 <a:gridCol w="2564857">
                   <a:extLst>
                     <a:ext uri="{9D8B030D-6E8A-4147-A177-3AD203B41FA5}">
-                      <a16:colId xmlns:a16="http://schemas.microsoft.com/office/drawing/2014/main" val="4135053980"/>
+                      <a16:colId xmlns="" xmlns:a16="http://schemas.microsoft.com/office/drawing/2014/main" val="4135053980"/>
                     </a:ext>
                   </a:extLst>
                 </a:gridCol>
                 <a:gridCol w="2264469">
                   <a:extLst>
                     <a:ext uri="{9D8B030D-6E8A-4147-A177-3AD203B41FA5}">
-                      <a16:colId xmlns:a16="http://schemas.microsoft.com/office/drawing/2014/main" val="3755596868"/>
+                      <a16:colId xmlns="" xmlns:a16="http://schemas.microsoft.com/office/drawing/2014/main" val="3755596868"/>
                     </a:ext>
                   </a:extLst>
                 </a:gridCol>
@@ -6907,7 +6921,7 @@
                 </a:tc>
                 <a:extLst>
                   <a:ext uri="{0D108BD9-81ED-4DB2-BD59-A6C34878D82A}">
-                    <a16:rowId xmlns:a16="http://schemas.microsoft.com/office/drawing/2014/main" val="1375678735"/>
+                    <a16:rowId xmlns="" xmlns:a16="http://schemas.microsoft.com/office/drawing/2014/main" val="1375678735"/>
                   </a:ext>
                 </a:extLst>
               </a:tr>
@@ -6960,7 +6974,7 @@
                 </a:tc>
                 <a:extLst>
                   <a:ext uri="{0D108BD9-81ED-4DB2-BD59-A6C34878D82A}">
-                    <a16:rowId xmlns:a16="http://schemas.microsoft.com/office/drawing/2014/main" val="2977290682"/>
+                    <a16:rowId xmlns="" xmlns:a16="http://schemas.microsoft.com/office/drawing/2014/main" val="2977290682"/>
                   </a:ext>
                 </a:extLst>
               </a:tr>
@@ -7013,7 +7027,7 @@
                 </a:tc>
                 <a:extLst>
                   <a:ext uri="{0D108BD9-81ED-4DB2-BD59-A6C34878D82A}">
-                    <a16:rowId xmlns:a16="http://schemas.microsoft.com/office/drawing/2014/main" val="200768871"/>
+                    <a16:rowId xmlns="" xmlns:a16="http://schemas.microsoft.com/office/drawing/2014/main" val="200768871"/>
                   </a:ext>
                 </a:extLst>
               </a:tr>
@@ -7078,7 +7092,7 @@
           <p:cNvPr id="7" name="Content Placeholder 2">
             <a:extLst>
               <a:ext uri="{FF2B5EF4-FFF2-40B4-BE49-F238E27FC236}">
-                <a16:creationId xmlns:a16="http://schemas.microsoft.com/office/drawing/2014/main" id="{0BBCA04D-4A8B-47A6-B72E-18B9FFC206D7}"/>
+                <a16:creationId xmlns="" xmlns:a16="http://schemas.microsoft.com/office/drawing/2014/main" id="{0BBCA04D-4A8B-47A6-B72E-18B9FFC206D7}"/>
               </a:ext>
             </a:extLst>
           </p:cNvPr>
@@ -7361,7 +7375,7 @@
           <p:cNvPr id="9" name="Table 8">
             <a:extLst>
               <a:ext uri="{FF2B5EF4-FFF2-40B4-BE49-F238E27FC236}">
-                <a16:creationId xmlns:a16="http://schemas.microsoft.com/office/drawing/2014/main" id="{2E8FABFF-5365-458D-AD3F-EDA32436B740}"/>
+                <a16:creationId xmlns="" xmlns:a16="http://schemas.microsoft.com/office/drawing/2014/main" id="{2E8FABFF-5365-458D-AD3F-EDA32436B740}"/>
               </a:ext>
             </a:extLst>
           </p:cNvPr>
@@ -7390,28 +7404,28 @@
                 <a:gridCol w="1365909">
                   <a:extLst>
                     <a:ext uri="{9D8B030D-6E8A-4147-A177-3AD203B41FA5}">
-                      <a16:colId xmlns:a16="http://schemas.microsoft.com/office/drawing/2014/main" val="2684657707"/>
+                      <a16:colId xmlns="" xmlns:a16="http://schemas.microsoft.com/office/drawing/2014/main" val="2684657707"/>
                     </a:ext>
                   </a:extLst>
                 </a:gridCol>
                 <a:gridCol w="2705880">
                   <a:extLst>
                     <a:ext uri="{9D8B030D-6E8A-4147-A177-3AD203B41FA5}">
-                      <a16:colId xmlns:a16="http://schemas.microsoft.com/office/drawing/2014/main" val="1501670750"/>
+                      <a16:colId xmlns="" xmlns:a16="http://schemas.microsoft.com/office/drawing/2014/main" val="1501670750"/>
                     </a:ext>
                   </a:extLst>
                 </a:gridCol>
                 <a:gridCol w="1777823">
                   <a:extLst>
                     <a:ext uri="{9D8B030D-6E8A-4147-A177-3AD203B41FA5}">
-                      <a16:colId xmlns:a16="http://schemas.microsoft.com/office/drawing/2014/main" val="1915315137"/>
+                      <a16:colId xmlns="" xmlns:a16="http://schemas.microsoft.com/office/drawing/2014/main" val="1915315137"/>
                     </a:ext>
                   </a:extLst>
                 </a:gridCol>
                 <a:gridCol w="2379988">
                   <a:extLst>
                     <a:ext uri="{9D8B030D-6E8A-4147-A177-3AD203B41FA5}">
-                      <a16:colId xmlns:a16="http://schemas.microsoft.com/office/drawing/2014/main" val="953681896"/>
+                      <a16:colId xmlns="" xmlns:a16="http://schemas.microsoft.com/office/drawing/2014/main" val="953681896"/>
                     </a:ext>
                   </a:extLst>
                 </a:gridCol>
@@ -7511,7 +7525,7 @@
                 </a:tc>
                 <a:extLst>
                   <a:ext uri="{0D108BD9-81ED-4DB2-BD59-A6C34878D82A}">
-                    <a16:rowId xmlns:a16="http://schemas.microsoft.com/office/drawing/2014/main" val="164683983"/>
+                    <a16:rowId xmlns="" xmlns:a16="http://schemas.microsoft.com/office/drawing/2014/main" val="164683983"/>
                   </a:ext>
                 </a:extLst>
               </a:tr>
@@ -7610,7 +7624,7 @@
                 </a:tc>
                 <a:extLst>
                   <a:ext uri="{0D108BD9-81ED-4DB2-BD59-A6C34878D82A}">
-                    <a16:rowId xmlns:a16="http://schemas.microsoft.com/office/drawing/2014/main" val="140643451"/>
+                    <a16:rowId xmlns="" xmlns:a16="http://schemas.microsoft.com/office/drawing/2014/main" val="140643451"/>
                   </a:ext>
                 </a:extLst>
               </a:tr>
@@ -7709,7 +7723,7 @@
                 </a:tc>
                 <a:extLst>
                   <a:ext uri="{0D108BD9-81ED-4DB2-BD59-A6C34878D82A}">
-                    <a16:rowId xmlns:a16="http://schemas.microsoft.com/office/drawing/2014/main" val="545067329"/>
+                    <a16:rowId xmlns="" xmlns:a16="http://schemas.microsoft.com/office/drawing/2014/main" val="545067329"/>
                   </a:ext>
                 </a:extLst>
               </a:tr>
@@ -7808,7 +7822,7 @@
                 </a:tc>
                 <a:extLst>
                   <a:ext uri="{0D108BD9-81ED-4DB2-BD59-A6C34878D82A}">
-                    <a16:rowId xmlns:a16="http://schemas.microsoft.com/office/drawing/2014/main" val="1120792516"/>
+                    <a16:rowId xmlns="" xmlns:a16="http://schemas.microsoft.com/office/drawing/2014/main" val="1120792516"/>
                   </a:ext>
                 </a:extLst>
               </a:tr>
@@ -7907,7 +7921,7 @@
                 </a:tc>
                 <a:extLst>
                   <a:ext uri="{0D108BD9-81ED-4DB2-BD59-A6C34878D82A}">
-                    <a16:rowId xmlns:a16="http://schemas.microsoft.com/office/drawing/2014/main" val="589066662"/>
+                    <a16:rowId xmlns="" xmlns:a16="http://schemas.microsoft.com/office/drawing/2014/main" val="589066662"/>
                   </a:ext>
                 </a:extLst>
               </a:tr>
@@ -8006,7 +8020,7 @@
                 </a:tc>
                 <a:extLst>
                   <a:ext uri="{0D108BD9-81ED-4DB2-BD59-A6C34878D82A}">
-                    <a16:rowId xmlns:a16="http://schemas.microsoft.com/office/drawing/2014/main" val="687664215"/>
+                    <a16:rowId xmlns="" xmlns:a16="http://schemas.microsoft.com/office/drawing/2014/main" val="687664215"/>
                   </a:ext>
                 </a:extLst>
               </a:tr>
@@ -8019,7 +8033,7 @@
           <p:cNvPr id="10" name="Speech Bubble: Oval 9">
             <a:extLst>
               <a:ext uri="{FF2B5EF4-FFF2-40B4-BE49-F238E27FC236}">
-                <a16:creationId xmlns:a16="http://schemas.microsoft.com/office/drawing/2014/main" id="{D1CE854A-98B5-43A9-8177-D9857E749422}"/>
+                <a16:creationId xmlns="" xmlns:a16="http://schemas.microsoft.com/office/drawing/2014/main" id="{D1CE854A-98B5-43A9-8177-D9857E749422}"/>
               </a:ext>
             </a:extLst>
           </p:cNvPr>
@@ -8085,7 +8099,7 @@
           <p:cNvPr id="12" name="Content Placeholder 2">
             <a:extLst>
               <a:ext uri="{FF2B5EF4-FFF2-40B4-BE49-F238E27FC236}">
-                <a16:creationId xmlns:a16="http://schemas.microsoft.com/office/drawing/2014/main" id="{4EE1D6B5-6C74-48AD-A4A6-FE46AB101D5F}"/>
+                <a16:creationId xmlns="" xmlns:a16="http://schemas.microsoft.com/office/drawing/2014/main" id="{4EE1D6B5-6C74-48AD-A4A6-FE46AB101D5F}"/>
               </a:ext>
             </a:extLst>
           </p:cNvPr>
@@ -8438,7 +8452,7 @@
           <p:cNvPr id="7" name="Content Placeholder 2">
             <a:extLst>
               <a:ext uri="{FF2B5EF4-FFF2-40B4-BE49-F238E27FC236}">
-                <a16:creationId xmlns:a16="http://schemas.microsoft.com/office/drawing/2014/main" id="{0BBCA04D-4A8B-47A6-B72E-18B9FFC206D7}"/>
+                <a16:creationId xmlns="" xmlns:a16="http://schemas.microsoft.com/office/drawing/2014/main" id="{0BBCA04D-4A8B-47A6-B72E-18B9FFC206D7}"/>
               </a:ext>
             </a:extLst>
           </p:cNvPr>
@@ -8721,7 +8735,7 @@
           <p:cNvPr id="12" name="Content Placeholder 2">
             <a:extLst>
               <a:ext uri="{FF2B5EF4-FFF2-40B4-BE49-F238E27FC236}">
-                <a16:creationId xmlns:a16="http://schemas.microsoft.com/office/drawing/2014/main" id="{4EE1D6B5-6C74-48AD-A4A6-FE46AB101D5F}"/>
+                <a16:creationId xmlns="" xmlns:a16="http://schemas.microsoft.com/office/drawing/2014/main" id="{4EE1D6B5-6C74-48AD-A4A6-FE46AB101D5F}"/>
               </a:ext>
             </a:extLst>
           </p:cNvPr>
@@ -9103,7 +9117,7 @@
           <p:cNvPr id="3" name="Table 2">
             <a:extLst>
               <a:ext uri="{FF2B5EF4-FFF2-40B4-BE49-F238E27FC236}">
-                <a16:creationId xmlns:a16="http://schemas.microsoft.com/office/drawing/2014/main" id="{93E1C502-65E4-42D3-B7C7-5A7060622D95}"/>
+                <a16:creationId xmlns="" xmlns:a16="http://schemas.microsoft.com/office/drawing/2014/main" id="{93E1C502-65E4-42D3-B7C7-5A7060622D95}"/>
               </a:ext>
             </a:extLst>
           </p:cNvPr>
@@ -9113,7 +9127,7 @@
           <p:nvPr>
             <p:extLst>
               <p:ext uri="{D42A27DB-BD31-4B8C-83A1-F6EECF244321}">
-                <p14:modId xmlns:p14="http://schemas.microsoft.com/office/powerpoint/2010/main" val="1466305029"/>
+                <p14:modId xmlns:p14="http://schemas.microsoft.com/office/powerpoint/2010/main" val="786806919"/>
               </p:ext>
             </p:extLst>
           </p:nvPr>
@@ -9132,35 +9146,35 @@
                 <a:gridCol w="739739">
                   <a:extLst>
                     <a:ext uri="{9D8B030D-6E8A-4147-A177-3AD203B41FA5}">
-                      <a16:colId xmlns:a16="http://schemas.microsoft.com/office/drawing/2014/main" val="2753448739"/>
+                      <a16:colId xmlns="" xmlns:a16="http://schemas.microsoft.com/office/drawing/2014/main" val="2753448739"/>
                     </a:ext>
                   </a:extLst>
                 </a:gridCol>
                 <a:gridCol w="948908">
                   <a:extLst>
                     <a:ext uri="{9D8B030D-6E8A-4147-A177-3AD203B41FA5}">
-                      <a16:colId xmlns:a16="http://schemas.microsoft.com/office/drawing/2014/main" val="521429234"/>
+                      <a16:colId xmlns="" xmlns:a16="http://schemas.microsoft.com/office/drawing/2014/main" val="521429234"/>
                     </a:ext>
                   </a:extLst>
                 </a:gridCol>
                 <a:gridCol w="1270310">
                   <a:extLst>
                     <a:ext uri="{9D8B030D-6E8A-4147-A177-3AD203B41FA5}">
-                      <a16:colId xmlns:a16="http://schemas.microsoft.com/office/drawing/2014/main" val="870603807"/>
+                      <a16:colId xmlns="" xmlns:a16="http://schemas.microsoft.com/office/drawing/2014/main" val="870603807"/>
                     </a:ext>
                   </a:extLst>
                 </a:gridCol>
                 <a:gridCol w="1698848">
                   <a:extLst>
                     <a:ext uri="{9D8B030D-6E8A-4147-A177-3AD203B41FA5}">
-                      <a16:colId xmlns:a16="http://schemas.microsoft.com/office/drawing/2014/main" val="1007441220"/>
+                      <a16:colId xmlns="" xmlns:a16="http://schemas.microsoft.com/office/drawing/2014/main" val="1007441220"/>
                     </a:ext>
                   </a:extLst>
                 </a:gridCol>
                 <a:gridCol w="979517">
                   <a:extLst>
                     <a:ext uri="{9D8B030D-6E8A-4147-A177-3AD203B41FA5}">
-                      <a16:colId xmlns:a16="http://schemas.microsoft.com/office/drawing/2014/main" val="3187038757"/>
+                      <a16:colId xmlns="" xmlns:a16="http://schemas.microsoft.com/office/drawing/2014/main" val="3187038757"/>
                     </a:ext>
                   </a:extLst>
                 </a:gridCol>
@@ -9229,12 +9243,12 @@
                     <a:p>
                       <a:pPr algn="ctr" fontAlgn="b"/>
                       <a:r>
-                        <a:rPr lang="en-US" sz="1200" b="1" u="none" strike="noStrike" dirty="0">
+                        <a:rPr lang="en-US" sz="1200" b="1" u="none" strike="noStrike">
                           <a:effectLst/>
                         </a:rPr>
                         <a:t>TFB</a:t>
                       </a:r>
-                      <a:endParaRPr lang="en-US" sz="1200" b="1" i="0" u="none" strike="noStrike" dirty="0">
+                      <a:endParaRPr lang="en-US" sz="1200" b="1" i="0" u="none" strike="noStrike">
                         <a:solidFill>
                           <a:srgbClr val="000000"/>
                         </a:solidFill>
@@ -9257,7 +9271,7 @@
                 </a:tc>
                 <a:extLst>
                   <a:ext uri="{0D108BD9-81ED-4DB2-BD59-A6C34878D82A}">
-                    <a16:rowId xmlns:a16="http://schemas.microsoft.com/office/drawing/2014/main" val="108900720"/>
+                    <a16:rowId xmlns="" xmlns:a16="http://schemas.microsoft.com/office/drawing/2014/main" val="108900720"/>
                   </a:ext>
                 </a:extLst>
               </a:tr>
@@ -9379,7 +9393,7 @@
                 </a:tc>
                 <a:extLst>
                   <a:ext uri="{0D108BD9-81ED-4DB2-BD59-A6C34878D82A}">
-                    <a16:rowId xmlns:a16="http://schemas.microsoft.com/office/drawing/2014/main" val="175391373"/>
+                    <a16:rowId xmlns="" xmlns:a16="http://schemas.microsoft.com/office/drawing/2014/main" val="175391373"/>
                   </a:ext>
                 </a:extLst>
               </a:tr>
@@ -9414,18 +9428,15 @@
                     <a:p>
                       <a:pPr algn="ctr" fontAlgn="b"/>
                       <a:r>
-                        <a:rPr lang="en-US" sz="1100" b="1" u="none" strike="noStrike" dirty="0">
-                          <a:effectLst/>
+                        <a:rPr lang="en-US" sz="1100" b="1" i="0" u="none" strike="noStrike" dirty="0">
+                          <a:solidFill>
+                            <a:srgbClr val="000000"/>
+                          </a:solidFill>
+                          <a:effectLst/>
+                          <a:latin typeface="Calibri" panose="020F0502020204030204" pitchFamily="34" charset="0"/>
                         </a:rPr>
                         <a:t>2</a:t>
                       </a:r>
-                      <a:endParaRPr lang="en-US" sz="1100" b="1" i="0" u="none" strike="noStrike" dirty="0">
-                        <a:solidFill>
-                          <a:srgbClr val="000000"/>
-                        </a:solidFill>
-                        <a:effectLst/>
-                        <a:latin typeface="Calibri" panose="020F0502020204030204" pitchFamily="34" charset="0"/>
-                      </a:endParaRPr>
                     </a:p>
                   </a:txBody>
                   <a:tcPr marL="7620" marR="7620" marT="7620" marB="0" anchor="b"/>
@@ -9437,18 +9448,15 @@
                     <a:p>
                       <a:pPr algn="ctr" fontAlgn="b"/>
                       <a:r>
-                        <a:rPr lang="en-US" sz="1100" b="1" u="none" strike="noStrike" dirty="0">
-                          <a:effectLst/>
+                        <a:rPr lang="en-US" sz="1100" b="1" i="0" u="none" strike="noStrike" dirty="0">
+                          <a:solidFill>
+                            <a:srgbClr val="000000"/>
+                          </a:solidFill>
+                          <a:effectLst/>
+                          <a:latin typeface="Calibri" panose="020F0502020204030204" pitchFamily="34" charset="0"/>
                         </a:rPr>
                         <a:t>3</a:t>
                       </a:r>
-                      <a:endParaRPr lang="en-US" sz="1100" b="1" i="0" u="none" strike="noStrike" dirty="0">
-                        <a:solidFill>
-                          <a:srgbClr val="000000"/>
-                        </a:solidFill>
-                        <a:effectLst/>
-                        <a:latin typeface="Calibri" panose="020F0502020204030204" pitchFamily="34" charset="0"/>
-                      </a:endParaRPr>
                     </a:p>
                   </a:txBody>
                   <a:tcPr marL="7620" marR="7620" marT="7620" marB="0" anchor="b"/>
@@ -9501,7 +9509,7 @@
                 </a:tc>
                 <a:extLst>
                   <a:ext uri="{0D108BD9-81ED-4DB2-BD59-A6C34878D82A}">
-                    <a16:rowId xmlns:a16="http://schemas.microsoft.com/office/drawing/2014/main" val="3209618930"/>
+                    <a16:rowId xmlns="" xmlns:a16="http://schemas.microsoft.com/office/drawing/2014/main" val="3209618930"/>
                   </a:ext>
                 </a:extLst>
               </a:tr>
@@ -9536,18 +9544,15 @@
                     <a:p>
                       <a:pPr algn="ctr" fontAlgn="b"/>
                       <a:r>
-                        <a:rPr lang="en-US" sz="1100" b="1" u="none" strike="noStrike" dirty="0">
-                          <a:effectLst/>
-                        </a:rPr>
-                        <a:t>2</a:t>
-                      </a:r>
-                      <a:endParaRPr lang="en-US" sz="1100" b="1" i="0" u="none" strike="noStrike" dirty="0">
-                        <a:solidFill>
-                          <a:srgbClr val="000000"/>
-                        </a:solidFill>
-                        <a:effectLst/>
-                        <a:latin typeface="Calibri" panose="020F0502020204030204" pitchFamily="34" charset="0"/>
-                      </a:endParaRPr>
+                        <a:rPr lang="en-US" sz="1100" b="1" i="0" u="none" strike="noStrike" dirty="0">
+                          <a:solidFill>
+                            <a:srgbClr val="000000"/>
+                          </a:solidFill>
+                          <a:effectLst/>
+                          <a:latin typeface="Calibri" panose="020F0502020204030204" pitchFamily="34" charset="0"/>
+                        </a:rPr>
+                        <a:t>5</a:t>
+                      </a:r>
                     </a:p>
                   </a:txBody>
                   <a:tcPr marL="7620" marR="7620" marT="7620" marB="0" anchor="b"/>
@@ -9559,18 +9564,15 @@
                     <a:p>
                       <a:pPr algn="ctr" fontAlgn="b"/>
                       <a:r>
-                        <a:rPr lang="en-US" sz="1100" b="1" u="none" strike="noStrike" dirty="0">
-                          <a:effectLst/>
-                        </a:rPr>
-                        <a:t>8</a:t>
-                      </a:r>
-                      <a:endParaRPr lang="en-US" sz="1100" b="1" i="0" u="none" strike="noStrike" dirty="0">
-                        <a:solidFill>
-                          <a:srgbClr val="000000"/>
-                        </a:solidFill>
-                        <a:effectLst/>
-                        <a:latin typeface="Calibri" panose="020F0502020204030204" pitchFamily="34" charset="0"/>
-                      </a:endParaRPr>
+                        <a:rPr lang="en-US" sz="1100" b="1" i="0" u="none" strike="noStrike" dirty="0">
+                          <a:solidFill>
+                            <a:srgbClr val="000000"/>
+                          </a:solidFill>
+                          <a:effectLst/>
+                          <a:latin typeface="Calibri" panose="020F0502020204030204" pitchFamily="34" charset="0"/>
+                        </a:rPr>
+                        <a:t>5</a:t>
+                      </a:r>
                     </a:p>
                   </a:txBody>
                   <a:tcPr marL="7620" marR="7620" marT="7620" marB="0" anchor="b"/>
@@ -9623,7 +9625,7 @@
                 </a:tc>
                 <a:extLst>
                   <a:ext uri="{0D108BD9-81ED-4DB2-BD59-A6C34878D82A}">
-                    <a16:rowId xmlns:a16="http://schemas.microsoft.com/office/drawing/2014/main" val="454893697"/>
+                    <a16:rowId xmlns="" xmlns:a16="http://schemas.microsoft.com/office/drawing/2014/main" val="454893697"/>
                   </a:ext>
                 </a:extLst>
               </a:tr>
@@ -9658,18 +9660,15 @@
                     <a:p>
                       <a:pPr algn="ctr" fontAlgn="b"/>
                       <a:r>
-                        <a:rPr lang="en-US" sz="1100" b="1" u="none" strike="noStrike" dirty="0">
-                          <a:effectLst/>
-                        </a:rPr>
-                        <a:t>2</a:t>
-                      </a:r>
-                      <a:endParaRPr lang="en-US" sz="1100" b="1" i="0" u="none" strike="noStrike" dirty="0">
-                        <a:solidFill>
-                          <a:srgbClr val="000000"/>
-                        </a:solidFill>
-                        <a:effectLst/>
-                        <a:latin typeface="Calibri" panose="020F0502020204030204" pitchFamily="34" charset="0"/>
-                      </a:endParaRPr>
+                        <a:rPr lang="en-US" sz="1100" b="1" i="0" u="none" strike="noStrike" dirty="0">
+                          <a:solidFill>
+                            <a:srgbClr val="000000"/>
+                          </a:solidFill>
+                          <a:effectLst/>
+                          <a:latin typeface="Calibri" panose="020F0502020204030204" pitchFamily="34" charset="0"/>
+                        </a:rPr>
+                        <a:t>8</a:t>
+                      </a:r>
                     </a:p>
                   </a:txBody>
                   <a:tcPr marL="7620" marR="7620" marT="7620" marB="0" anchor="b"/>
@@ -9681,18 +9680,15 @@
                     <a:p>
                       <a:pPr algn="ctr" fontAlgn="b"/>
                       <a:r>
-                        <a:rPr lang="en-US" sz="1100" b="1" u="none" strike="noStrike" dirty="0">
-                          <a:effectLst/>
-                        </a:rPr>
-                        <a:t>13</a:t>
-                      </a:r>
-                      <a:endParaRPr lang="en-US" sz="1100" b="1" i="0" u="none" strike="noStrike" dirty="0">
-                        <a:solidFill>
-                          <a:srgbClr val="000000"/>
-                        </a:solidFill>
-                        <a:effectLst/>
-                        <a:latin typeface="Calibri" panose="020F0502020204030204" pitchFamily="34" charset="0"/>
-                      </a:endParaRPr>
+                        <a:rPr lang="en-US" sz="1100" b="1" i="0" u="none" strike="noStrike" dirty="0">
+                          <a:solidFill>
+                            <a:srgbClr val="000000"/>
+                          </a:solidFill>
+                          <a:effectLst/>
+                          <a:latin typeface="Calibri" panose="020F0502020204030204" pitchFamily="34" charset="0"/>
+                        </a:rPr>
+                        <a:t>7</a:t>
+                      </a:r>
                     </a:p>
                   </a:txBody>
                   <a:tcPr marL="7620" marR="7620" marT="7620" marB="0" anchor="b"/>
@@ -9745,7 +9741,7 @@
                 </a:tc>
                 <a:extLst>
                   <a:ext uri="{0D108BD9-81ED-4DB2-BD59-A6C34878D82A}">
-                    <a16:rowId xmlns:a16="http://schemas.microsoft.com/office/drawing/2014/main" val="3347475787"/>
+                    <a16:rowId xmlns="" xmlns:a16="http://schemas.microsoft.com/office/drawing/2014/main" val="3347475787"/>
                   </a:ext>
                 </a:extLst>
               </a:tr>
@@ -9758,7 +9754,7 @@
           <p:cNvPr id="4" name="Table 3">
             <a:extLst>
               <a:ext uri="{FF2B5EF4-FFF2-40B4-BE49-F238E27FC236}">
-                <a16:creationId xmlns:a16="http://schemas.microsoft.com/office/drawing/2014/main" id="{65544039-450B-4396-9F76-C969FBC8F267}"/>
+                <a16:creationId xmlns="" xmlns:a16="http://schemas.microsoft.com/office/drawing/2014/main" id="{65544039-450B-4396-9F76-C969FBC8F267}"/>
               </a:ext>
             </a:extLst>
           </p:cNvPr>
@@ -9768,7 +9764,7 @@
           <p:nvPr>
             <p:extLst>
               <p:ext uri="{D42A27DB-BD31-4B8C-83A1-F6EECF244321}">
-                <p14:modId xmlns:p14="http://schemas.microsoft.com/office/powerpoint/2010/main" val="1720463037"/>
+                <p14:modId xmlns:p14="http://schemas.microsoft.com/office/powerpoint/2010/main" val="214024520"/>
               </p:ext>
             </p:extLst>
           </p:nvPr>
@@ -9787,112 +9783,112 @@
                 <a:gridCol w="1585264">
                   <a:extLst>
                     <a:ext uri="{9D8B030D-6E8A-4147-A177-3AD203B41FA5}">
-                      <a16:colId xmlns:a16="http://schemas.microsoft.com/office/drawing/2014/main" val="3782272989"/>
+                      <a16:colId xmlns="" xmlns:a16="http://schemas.microsoft.com/office/drawing/2014/main" val="3782272989"/>
                     </a:ext>
                   </a:extLst>
                 </a:gridCol>
                 <a:gridCol w="363290">
                   <a:extLst>
                     <a:ext uri="{9D8B030D-6E8A-4147-A177-3AD203B41FA5}">
-                      <a16:colId xmlns:a16="http://schemas.microsoft.com/office/drawing/2014/main" val="1690900973"/>
+                      <a16:colId xmlns="" xmlns:a16="http://schemas.microsoft.com/office/drawing/2014/main" val="1690900973"/>
                     </a:ext>
                   </a:extLst>
                 </a:gridCol>
                 <a:gridCol w="363290">
                   <a:extLst>
                     <a:ext uri="{9D8B030D-6E8A-4147-A177-3AD203B41FA5}">
-                      <a16:colId xmlns:a16="http://schemas.microsoft.com/office/drawing/2014/main" val="753862312"/>
+                      <a16:colId xmlns="" xmlns:a16="http://schemas.microsoft.com/office/drawing/2014/main" val="753862312"/>
                     </a:ext>
                   </a:extLst>
                 </a:gridCol>
                 <a:gridCol w="363290">
                   <a:extLst>
                     <a:ext uri="{9D8B030D-6E8A-4147-A177-3AD203B41FA5}">
-                      <a16:colId xmlns:a16="http://schemas.microsoft.com/office/drawing/2014/main" val="2680481878"/>
+                      <a16:colId xmlns="" xmlns:a16="http://schemas.microsoft.com/office/drawing/2014/main" val="2680481878"/>
                     </a:ext>
                   </a:extLst>
                 </a:gridCol>
                 <a:gridCol w="363290">
                   <a:extLst>
                     <a:ext uri="{9D8B030D-6E8A-4147-A177-3AD203B41FA5}">
-                      <a16:colId xmlns:a16="http://schemas.microsoft.com/office/drawing/2014/main" val="1673871201"/>
+                      <a16:colId xmlns="" xmlns:a16="http://schemas.microsoft.com/office/drawing/2014/main" val="1673871201"/>
                     </a:ext>
                   </a:extLst>
                 </a:gridCol>
                 <a:gridCol w="363290">
                   <a:extLst>
                     <a:ext uri="{9D8B030D-6E8A-4147-A177-3AD203B41FA5}">
-                      <a16:colId xmlns:a16="http://schemas.microsoft.com/office/drawing/2014/main" val="2577789882"/>
+                      <a16:colId xmlns="" xmlns:a16="http://schemas.microsoft.com/office/drawing/2014/main" val="2577789882"/>
                     </a:ext>
                   </a:extLst>
                 </a:gridCol>
                 <a:gridCol w="363290">
                   <a:extLst>
                     <a:ext uri="{9D8B030D-6E8A-4147-A177-3AD203B41FA5}">
-                      <a16:colId xmlns:a16="http://schemas.microsoft.com/office/drawing/2014/main" val="4076877026"/>
+                      <a16:colId xmlns="" xmlns:a16="http://schemas.microsoft.com/office/drawing/2014/main" val="4076877026"/>
                     </a:ext>
                   </a:extLst>
                 </a:gridCol>
                 <a:gridCol w="363290">
                   <a:extLst>
                     <a:ext uri="{9D8B030D-6E8A-4147-A177-3AD203B41FA5}">
-                      <a16:colId xmlns:a16="http://schemas.microsoft.com/office/drawing/2014/main" val="2598410897"/>
+                      <a16:colId xmlns="" xmlns:a16="http://schemas.microsoft.com/office/drawing/2014/main" val="2598410897"/>
                     </a:ext>
                   </a:extLst>
                 </a:gridCol>
                 <a:gridCol w="363290">
                   <a:extLst>
                     <a:ext uri="{9D8B030D-6E8A-4147-A177-3AD203B41FA5}">
-                      <a16:colId xmlns:a16="http://schemas.microsoft.com/office/drawing/2014/main" val="2774049590"/>
+                      <a16:colId xmlns="" xmlns:a16="http://schemas.microsoft.com/office/drawing/2014/main" val="2774049590"/>
                     </a:ext>
                   </a:extLst>
                 </a:gridCol>
                 <a:gridCol w="363290">
                   <a:extLst>
                     <a:ext uri="{9D8B030D-6E8A-4147-A177-3AD203B41FA5}">
-                      <a16:colId xmlns:a16="http://schemas.microsoft.com/office/drawing/2014/main" val="3981941535"/>
+                      <a16:colId xmlns="" xmlns:a16="http://schemas.microsoft.com/office/drawing/2014/main" val="3981941535"/>
                     </a:ext>
                   </a:extLst>
                 </a:gridCol>
                 <a:gridCol w="528423">
                   <a:extLst>
                     <a:ext uri="{9D8B030D-6E8A-4147-A177-3AD203B41FA5}">
-                      <a16:colId xmlns:a16="http://schemas.microsoft.com/office/drawing/2014/main" val="3026428641"/>
+                      <a16:colId xmlns="" xmlns:a16="http://schemas.microsoft.com/office/drawing/2014/main" val="3026428641"/>
                     </a:ext>
                   </a:extLst>
                 </a:gridCol>
                 <a:gridCol w="528423">
                   <a:extLst>
                     <a:ext uri="{9D8B030D-6E8A-4147-A177-3AD203B41FA5}">
-                      <a16:colId xmlns:a16="http://schemas.microsoft.com/office/drawing/2014/main" val="4056216738"/>
+                      <a16:colId xmlns="" xmlns:a16="http://schemas.microsoft.com/office/drawing/2014/main" val="4056216738"/>
                     </a:ext>
                   </a:extLst>
                 </a:gridCol>
                 <a:gridCol w="528423">
                   <a:extLst>
                     <a:ext uri="{9D8B030D-6E8A-4147-A177-3AD203B41FA5}">
-                      <a16:colId xmlns:a16="http://schemas.microsoft.com/office/drawing/2014/main" val="4152103717"/>
+                      <a16:colId xmlns="" xmlns:a16="http://schemas.microsoft.com/office/drawing/2014/main" val="4152103717"/>
                     </a:ext>
                   </a:extLst>
                 </a:gridCol>
                 <a:gridCol w="528423">
                   <a:extLst>
                     <a:ext uri="{9D8B030D-6E8A-4147-A177-3AD203B41FA5}">
-                      <a16:colId xmlns:a16="http://schemas.microsoft.com/office/drawing/2014/main" val="2254858381"/>
+                      <a16:colId xmlns="" xmlns:a16="http://schemas.microsoft.com/office/drawing/2014/main" val="2254858381"/>
                     </a:ext>
                   </a:extLst>
                 </a:gridCol>
                 <a:gridCol w="528423">
                   <a:extLst>
                     <a:ext uri="{9D8B030D-6E8A-4147-A177-3AD203B41FA5}">
-                      <a16:colId xmlns:a16="http://schemas.microsoft.com/office/drawing/2014/main" val="3348986621"/>
+                      <a16:colId xmlns="" xmlns:a16="http://schemas.microsoft.com/office/drawing/2014/main" val="3348986621"/>
                     </a:ext>
                   </a:extLst>
                 </a:gridCol>
                 <a:gridCol w="528423">
                   <a:extLst>
                     <a:ext uri="{9D8B030D-6E8A-4147-A177-3AD203B41FA5}">
-                      <a16:colId xmlns:a16="http://schemas.microsoft.com/office/drawing/2014/main" val="588748758"/>
+                      <a16:colId xmlns="" xmlns:a16="http://schemas.microsoft.com/office/drawing/2014/main" val="588748758"/>
                     </a:ext>
                   </a:extLst>
                 </a:gridCol>
@@ -9905,10 +9901,33 @@
                     <a:p>
                       <a:pPr algn="ctr" fontAlgn="b"/>
                       <a:r>
+                        <a:rPr lang="en-US" sz="1100" b="1" u="none" strike="noStrike" dirty="0">
+                          <a:effectLst/>
+                        </a:rPr>
+                        <a:t>Test#</a:t>
+                      </a:r>
+                      <a:endParaRPr lang="en-US" sz="1100" b="1" i="0" u="none" strike="noStrike" dirty="0">
+                        <a:solidFill>
+                          <a:srgbClr val="000000"/>
+                        </a:solidFill>
+                        <a:effectLst/>
+                        <a:latin typeface="Calibri" panose="020F0502020204030204" pitchFamily="34" charset="0"/>
+                      </a:endParaRPr>
+                    </a:p>
+                  </a:txBody>
+                  <a:tcPr marL="7620" marR="7620" marT="7620" marB="0" anchor="b"/>
+                </a:tc>
+                <a:tc>
+                  <a:txBody>
+                    <a:bodyPr/>
+                    <a:lstStyle/>
+                    <a:p>
+                      <a:pPr algn="ctr" fontAlgn="b"/>
+                      <a:r>
                         <a:rPr lang="en-US" sz="1100" b="1" u="none" strike="noStrike">
                           <a:effectLst/>
                         </a:rPr>
-                        <a:t>Test#</a:t>
+                        <a:t>1</a:t>
                       </a:r>
                       <a:endParaRPr lang="en-US" sz="1100" b="1" i="0" u="none" strike="noStrike">
                         <a:solidFill>
@@ -9931,7 +9950,7 @@
                         <a:rPr lang="en-US" sz="1100" b="1" u="none" strike="noStrike">
                           <a:effectLst/>
                         </a:rPr>
-                        <a:t>1</a:t>
+                        <a:t>2</a:t>
                       </a:r>
                       <a:endParaRPr lang="en-US" sz="1100" b="1" i="0" u="none" strike="noStrike">
                         <a:solidFill>
@@ -9951,35 +9970,12 @@
                     <a:p>
                       <a:pPr algn="ctr" fontAlgn="b"/>
                       <a:r>
-                        <a:rPr lang="en-US" sz="1100" b="1" u="none" strike="noStrike" dirty="0">
-                          <a:effectLst/>
-                        </a:rPr>
-                        <a:t>2</a:t>
-                      </a:r>
-                      <a:endParaRPr lang="en-US" sz="1100" b="1" i="0" u="none" strike="noStrike" dirty="0">
-                        <a:solidFill>
-                          <a:srgbClr val="000000"/>
-                        </a:solidFill>
-                        <a:effectLst/>
-                        <a:latin typeface="Calibri" panose="020F0502020204030204" pitchFamily="34" charset="0"/>
-                      </a:endParaRPr>
-                    </a:p>
-                  </a:txBody>
-                  <a:tcPr marL="7620" marR="7620" marT="7620" marB="0" anchor="b"/>
-                </a:tc>
-                <a:tc>
-                  <a:txBody>
-                    <a:bodyPr/>
-                    <a:lstStyle/>
-                    <a:p>
-                      <a:pPr algn="ctr" fontAlgn="b"/>
-                      <a:r>
-                        <a:rPr lang="en-US" sz="1100" b="1" u="none" strike="noStrike" dirty="0">
+                        <a:rPr lang="en-US" sz="1100" b="1" u="none" strike="noStrike">
                           <a:effectLst/>
                         </a:rPr>
                         <a:t>3</a:t>
                       </a:r>
-                      <a:endParaRPr lang="en-US" sz="1100" b="1" i="0" u="none" strike="noStrike" dirty="0">
+                      <a:endParaRPr lang="en-US" sz="1100" b="1" i="0" u="none" strike="noStrike">
                         <a:solidFill>
                           <a:srgbClr val="000000"/>
                         </a:solidFill>
@@ -10268,7 +10264,7 @@
                 </a:tc>
                 <a:extLst>
                   <a:ext uri="{0D108BD9-81ED-4DB2-BD59-A6C34878D82A}">
-                    <a16:rowId xmlns:a16="http://schemas.microsoft.com/office/drawing/2014/main" val="3222809687"/>
+                    <a16:rowId xmlns="" xmlns:a16="http://schemas.microsoft.com/office/drawing/2014/main" val="3222809687"/>
                   </a:ext>
                 </a:extLst>
               </a:tr>
@@ -10303,11 +10299,52 @@
                     <a:p>
                       <a:pPr algn="ctr" fontAlgn="b"/>
                       <a:r>
-                        <a:rPr lang="en-US" sz="1100" b="1" u="none" strike="noStrike" dirty="0">
+                        <a:rPr lang="en-US" sz="1100" b="1" i="0" u="none" strike="noStrike" dirty="0" smtClean="0">
+                          <a:solidFill>
+                            <a:srgbClr val="000000"/>
+                          </a:solidFill>
+                          <a:effectLst/>
+                          <a:latin typeface="+mn-lt"/>
+                        </a:rPr>
+                        <a:t>P</a:t>
+                      </a:r>
+                      <a:endParaRPr lang="en-US" sz="1100" b="1" i="0" u="none" strike="noStrike" dirty="0">
+                        <a:solidFill>
+                          <a:srgbClr val="000000"/>
+                        </a:solidFill>
+                        <a:effectLst/>
+                        <a:latin typeface="+mn-lt"/>
+                      </a:endParaRPr>
+                    </a:p>
+                  </a:txBody>
+                  <a:tcPr marL="7620" marR="7620" marT="7620" marB="0" anchor="b"/>
+                </a:tc>
+                <a:tc>
+                  <a:txBody>
+                    <a:bodyPr/>
+                    <a:lstStyle/>
+                    <a:p>
+                      <a:pPr algn="ctr" fontAlgn="ctr"/>
+                      <a:endParaRPr lang="en-US" sz="1100" b="1" u="none" strike="noStrike" dirty="0">
+                        <a:effectLst/>
+                        <a:highlight>
+                          <a:srgbClr val="FFFF00"/>
+                        </a:highlight>
+                        <a:latin typeface="+mn-lt"/>
+                      </a:endParaRPr>
+                    </a:p>
+                    <a:p>
+                      <a:pPr algn="ctr" fontAlgn="ctr"/>
+                      <a:r>
+                        <a:rPr lang="en-US" sz="1100" b="1" i="0" u="none" strike="noStrike">
+                          <a:solidFill>
+                            <a:srgbClr val="000000"/>
+                          </a:solidFill>
                           <a:effectLst/>
                           <a:highlight>
                             <a:srgbClr val="FFFF00"/>
                           </a:highlight>
+                          <a:latin typeface="+mn-lt"/>
                         </a:rPr>
                         <a:t>F</a:t>
                       </a:r>
@@ -10319,7 +10356,34 @@
                         <a:highlight>
                           <a:srgbClr val="FFFF00"/>
                         </a:highlight>
-                        <a:latin typeface="Calibri" panose="020F0502020204030204" pitchFamily="34" charset="0"/>
+                        <a:latin typeface="+mn-lt"/>
+                      </a:endParaRPr>
+                    </a:p>
+                  </a:txBody>
+                  <a:tcPr marL="7620" marR="7620" marT="7620" marB="0" anchor="ctr"/>
+                </a:tc>
+                <a:tc>
+                  <a:txBody>
+                    <a:bodyPr/>
+                    <a:lstStyle/>
+                    <a:p>
+                      <a:pPr algn="ctr" fontAlgn="b"/>
+                      <a:r>
+                        <a:rPr lang="en-US" sz="1100" b="1" i="0" u="none" strike="noStrike" dirty="0" smtClean="0">
+                          <a:solidFill>
+                            <a:srgbClr val="000000"/>
+                          </a:solidFill>
+                          <a:effectLst/>
+                          <a:latin typeface="+mn-lt"/>
+                        </a:rPr>
+                        <a:t>P</a:t>
+                      </a:r>
+                      <a:endParaRPr lang="en-US" sz="1100" b="1" i="0" u="none" strike="noStrike" dirty="0">
+                        <a:solidFill>
+                          <a:srgbClr val="000000"/>
+                        </a:solidFill>
+                        <a:effectLst/>
+                        <a:latin typeface="+mn-lt"/>
                       </a:endParaRPr>
                     </a:p>
                   </a:txBody>
@@ -10330,22 +10394,91 @@
                     <a:bodyPr/>
                     <a:lstStyle/>
                     <a:p>
-                      <a:pPr algn="ctr" fontAlgn="ctr"/>
-                      <a:endParaRPr lang="en-US" sz="1100" b="1" u="none" strike="noStrike" dirty="0">
+                      <a:pPr algn="ctr" fontAlgn="b"/>
+                      <a:r>
+                        <a:rPr lang="en-US" sz="1100" b="1" i="0" u="none" strike="noStrike" dirty="0" smtClean="0">
+                          <a:solidFill>
+                            <a:srgbClr val="000000"/>
+                          </a:solidFill>
+                          <a:effectLst/>
+                          <a:latin typeface="+mn-lt"/>
+                        </a:rPr>
+                        <a:t>P</a:t>
+                      </a:r>
+                      <a:endParaRPr lang="en-US" sz="1100" b="1" i="0" u="none" strike="noStrike" dirty="0">
+                        <a:solidFill>
+                          <a:srgbClr val="000000"/>
+                        </a:solidFill>
+                        <a:effectLst/>
+                        <a:latin typeface="+mn-lt"/>
+                      </a:endParaRPr>
+                    </a:p>
+                  </a:txBody>
+                  <a:tcPr marL="7620" marR="7620" marT="7620" marB="0" anchor="b"/>
+                </a:tc>
+                <a:tc>
+                  <a:txBody>
+                    <a:bodyPr/>
+                    <a:lstStyle/>
+                    <a:p>
+                      <a:pPr algn="ctr" fontAlgn="b"/>
+                      <a:r>
+                        <a:rPr lang="en-US" sz="1100" b="1" u="none" strike="noStrike" dirty="0" smtClean="0">
+                          <a:effectLst/>
+                          <a:highlight>
+                            <a:srgbClr val="FFFF00"/>
+                          </a:highlight>
+                          <a:latin typeface="+mn-lt"/>
+                        </a:rPr>
+                        <a:t>F</a:t>
+                      </a:r>
+                      <a:endParaRPr lang="en-US" sz="1100" b="1" i="0" u="none" strike="noStrike" dirty="0">
+                        <a:solidFill>
+                          <a:srgbClr val="000000"/>
+                        </a:solidFill>
                         <a:effectLst/>
                         <a:highlight>
                           <a:srgbClr val="FFFF00"/>
                         </a:highlight>
-                      </a:endParaRPr>
-                    </a:p>
-                    <a:p>
-                      <a:pPr algn="ctr" fontAlgn="ctr"/>
-                      <a:r>
-                        <a:rPr lang="en-US" sz="1100" b="1" u="none" strike="noStrike" dirty="0">
+                        <a:latin typeface="+mn-lt"/>
+                      </a:endParaRPr>
+                    </a:p>
+                  </a:txBody>
+                  <a:tcPr marL="7620" marR="7620" marT="7620" marB="0" anchor="b"/>
+                </a:tc>
+                <a:tc>
+                  <a:txBody>
+                    <a:bodyPr/>
+                    <a:lstStyle/>
+                    <a:p>
+                      <a:pPr algn="ctr" fontAlgn="b"/>
+                      <a:r>
+                        <a:rPr lang="en-US" sz="1100" b="1" i="0" u="none" strike="noStrike" dirty="0">
+                          <a:solidFill>
+                            <a:srgbClr val="000000"/>
+                          </a:solidFill>
+                          <a:effectLst/>
+                          <a:latin typeface="+mn-lt"/>
+                        </a:rPr>
+                        <a:t>P</a:t>
+                      </a:r>
+                    </a:p>
+                  </a:txBody>
+                  <a:tcPr marL="7620" marR="7620" marT="7620" marB="0" anchor="b"/>
+                </a:tc>
+                <a:tc>
+                  <a:txBody>
+                    <a:bodyPr/>
+                    <a:lstStyle/>
+                    <a:p>
+                      <a:pPr algn="ctr" fontAlgn="b"/>
+                      <a:r>
+                        <a:rPr lang="en-US" sz="1100" b="1" u="none" strike="noStrike" dirty="0" smtClean="0">
                           <a:effectLst/>
                           <a:highlight>
                             <a:srgbClr val="FFFF00"/>
                           </a:highlight>
+                          <a:latin typeface="+mn-lt"/>
                         </a:rPr>
                         <a:t>F</a:t>
                       </a:r>
@@ -10357,11 +10490,11 @@
                         <a:highlight>
                           <a:srgbClr val="FFFF00"/>
                         </a:highlight>
-                        <a:latin typeface="Calibri" panose="020F0502020204030204" pitchFamily="34" charset="0"/>
-                      </a:endParaRPr>
-                    </a:p>
-                  </a:txBody>
-                  <a:tcPr marL="7620" marR="7620" marT="7620" marB="0" anchor="ctr"/>
+                        <a:latin typeface="+mn-lt"/>
+                      </a:endParaRPr>
+                    </a:p>
+                  </a:txBody>
+                  <a:tcPr marL="7620" marR="7620" marT="7620" marB="0" anchor="b"/>
                 </a:tc>
                 <a:tc>
                   <a:txBody>
@@ -10370,17 +10503,78 @@
                     <a:p>
                       <a:pPr algn="ctr" fontAlgn="b"/>
                       <a:r>
-                        <a:rPr lang="en-US" sz="1100" b="1" u="none" strike="noStrike" dirty="0">
-                          <a:effectLst/>
+                        <a:rPr lang="en-US" sz="1100" b="1" u="none" strike="noStrike" dirty="0" smtClean="0">
+                          <a:effectLst/>
+                          <a:highlight>
+                            <a:srgbClr val="FFFF00"/>
+                          </a:highlight>
+                          <a:latin typeface="+mn-lt"/>
+                        </a:rPr>
+                        <a:t>F</a:t>
+                      </a:r>
+                      <a:endParaRPr lang="en-US" sz="1100" b="1" i="0" u="none" strike="noStrike" dirty="0">
+                        <a:solidFill>
+                          <a:srgbClr val="000000"/>
+                        </a:solidFill>
+                        <a:effectLst/>
+                        <a:highlight>
+                          <a:srgbClr val="FFFF00"/>
+                        </a:highlight>
+                        <a:latin typeface="+mn-lt"/>
+                      </a:endParaRPr>
+                    </a:p>
+                  </a:txBody>
+                  <a:tcPr marL="7620" marR="7620" marT="7620" marB="0" anchor="b"/>
+                </a:tc>
+                <a:tc>
+                  <a:txBody>
+                    <a:bodyPr/>
+                    <a:lstStyle/>
+                    <a:p>
+                      <a:pPr algn="ctr" fontAlgn="b"/>
+                      <a:r>
+                        <a:rPr lang="en-US" sz="1100" b="1" u="none" strike="noStrike">
+                          <a:effectLst/>
+                          <a:latin typeface="+mn-lt"/>
                         </a:rPr>
                         <a:t>P</a:t>
                       </a:r>
+                      <a:endParaRPr lang="en-US" sz="1100" b="1" i="0" u="none" strike="noStrike">
+                        <a:solidFill>
+                          <a:srgbClr val="000000"/>
+                        </a:solidFill>
+                        <a:effectLst/>
+                        <a:latin typeface="+mn-lt"/>
+                      </a:endParaRPr>
+                    </a:p>
+                  </a:txBody>
+                  <a:tcPr marL="7620" marR="7620" marT="7620" marB="0" anchor="b"/>
+                </a:tc>
+                <a:tc>
+                  <a:txBody>
+                    <a:bodyPr/>
+                    <a:lstStyle/>
+                    <a:p>
+                      <a:pPr algn="ctr" fontAlgn="b"/>
+                      <a:r>
+                        <a:rPr lang="en-US" sz="1100" b="1" u="none" strike="noStrike" dirty="0" smtClean="0">
+                          <a:effectLst/>
+                          <a:highlight>
+                            <a:srgbClr val="FFFF00"/>
+                          </a:highlight>
+                          <a:latin typeface="+mn-lt"/>
+                        </a:rPr>
+                        <a:t>F</a:t>
+                      </a:r>
                       <a:endParaRPr lang="en-US" sz="1100" b="1" i="0" u="none" strike="noStrike" dirty="0">
                         <a:solidFill>
                           <a:srgbClr val="000000"/>
                         </a:solidFill>
                         <a:effectLst/>
-                        <a:latin typeface="Calibri" panose="020F0502020204030204" pitchFamily="34" charset="0"/>
+                        <a:highlight>
+                          <a:srgbClr val="FFFF00"/>
+                        </a:highlight>
+                        <a:latin typeface="+mn-lt"/>
                       </a:endParaRPr>
                     </a:p>
                   </a:txBody>
@@ -10393,17 +10587,108 @@
                     <a:p>
                       <a:pPr algn="ctr" fontAlgn="b"/>
                       <a:r>
-                        <a:rPr lang="en-US" sz="1100" b="1" u="none" strike="noStrike" dirty="0">
-                          <a:effectLst/>
+                        <a:rPr lang="en-US" sz="1100" b="1" u="none" strike="noStrike" dirty="0" smtClean="0">
+                          <a:effectLst/>
+                          <a:highlight>
+                            <a:srgbClr val="FFFF00"/>
+                          </a:highlight>
+                          <a:latin typeface="+mn-lt"/>
+                        </a:rPr>
+                        <a:t>F</a:t>
+                      </a:r>
+                      <a:endParaRPr lang="en-US" sz="1100" b="1" i="0" u="none" strike="noStrike" dirty="0">
+                        <a:solidFill>
+                          <a:srgbClr val="000000"/>
+                        </a:solidFill>
+                        <a:effectLst/>
+                        <a:highlight>
+                          <a:srgbClr val="FFFF00"/>
+                        </a:highlight>
+                        <a:latin typeface="+mn-lt"/>
+                      </a:endParaRPr>
+                    </a:p>
+                  </a:txBody>
+                  <a:tcPr marL="7620" marR="7620" marT="7620" marB="0" anchor="b"/>
+                </a:tc>
+                <a:tc>
+                  <a:txBody>
+                    <a:bodyPr/>
+                    <a:lstStyle/>
+                    <a:p>
+                      <a:pPr algn="ctr" fontAlgn="b"/>
+                      <a:r>
+                        <a:rPr lang="en-US" sz="1100" b="1" u="none" strike="noStrike" dirty="0" smtClean="0">
+                          <a:effectLst/>
+                          <a:highlight>
+                            <a:srgbClr val="FFFF00"/>
+                          </a:highlight>
+                          <a:latin typeface="+mn-lt"/>
+                        </a:rPr>
+                        <a:t>F</a:t>
+                      </a:r>
+                      <a:endParaRPr lang="en-US" sz="1100" b="1" i="0" u="none" strike="noStrike" dirty="0">
+                        <a:solidFill>
+                          <a:srgbClr val="000000"/>
+                        </a:solidFill>
+                        <a:effectLst/>
+                        <a:highlight>
+                          <a:srgbClr val="FFFF00"/>
+                        </a:highlight>
+                        <a:latin typeface="+mn-lt"/>
+                      </a:endParaRPr>
+                    </a:p>
+                  </a:txBody>
+                  <a:tcPr marL="7620" marR="7620" marT="7620" marB="0" anchor="b"/>
+                </a:tc>
+                <a:tc>
+                  <a:txBody>
+                    <a:bodyPr/>
+                    <a:lstStyle/>
+                    <a:p>
+                      <a:pPr algn="ctr" fontAlgn="b"/>
+                      <a:r>
+                        <a:rPr lang="en-US" sz="1100" b="1" u="none" strike="noStrike" dirty="0" smtClean="0">
+                          <a:effectLst/>
+                          <a:highlight>
+                            <a:srgbClr val="FFFF00"/>
+                          </a:highlight>
+                          <a:latin typeface="+mn-lt"/>
+                        </a:rPr>
+                        <a:t>F</a:t>
+                      </a:r>
+                      <a:endParaRPr lang="en-US" sz="1100" b="1" i="0" u="none" strike="noStrike" dirty="0">
+                        <a:solidFill>
+                          <a:srgbClr val="000000"/>
+                        </a:solidFill>
+                        <a:effectLst/>
+                        <a:highlight>
+                          <a:srgbClr val="FFFF00"/>
+                        </a:highlight>
+                        <a:latin typeface="+mn-lt"/>
+                      </a:endParaRPr>
+                    </a:p>
+                  </a:txBody>
+                  <a:tcPr marL="7620" marR="7620" marT="7620" marB="0" anchor="b"/>
+                </a:tc>
+                <a:tc>
+                  <a:txBody>
+                    <a:bodyPr/>
+                    <a:lstStyle/>
+                    <a:p>
+                      <a:pPr algn="ctr" fontAlgn="b"/>
+                      <a:r>
+                        <a:rPr lang="en-US" sz="1100" b="1" u="none" strike="noStrike">
+                          <a:effectLst/>
+                          <a:latin typeface="+mn-lt"/>
                         </a:rPr>
                         <a:t>P</a:t>
                       </a:r>
-                      <a:endParaRPr lang="en-US" sz="1100" b="1" i="0" u="none" strike="noStrike" dirty="0">
-                        <a:solidFill>
-                          <a:srgbClr val="000000"/>
-                        </a:solidFill>
-                        <a:effectLst/>
-                        <a:latin typeface="Calibri" panose="020F0502020204030204" pitchFamily="34" charset="0"/>
+                      <a:endParaRPr lang="en-US" sz="1100" b="1" i="0" u="none" strike="noStrike">
+                        <a:solidFill>
+                          <a:srgbClr val="000000"/>
+                        </a:solidFill>
+                        <a:effectLst/>
+                        <a:latin typeface="+mn-lt"/>
                       </a:endParaRPr>
                     </a:p>
                   </a:txBody>
@@ -10416,247 +10701,18 @@
                     <a:p>
                       <a:pPr algn="ctr" fontAlgn="b"/>
                       <a:r>
-                        <a:rPr lang="en-US" sz="1100" b="1" u="none" strike="noStrike" dirty="0">
-                          <a:effectLst/>
+                        <a:rPr lang="en-US" sz="1100" b="1" u="none" strike="noStrike">
+                          <a:effectLst/>
+                          <a:latin typeface="+mn-lt"/>
                         </a:rPr>
                         <a:t>P</a:t>
                       </a:r>
-                      <a:endParaRPr lang="en-US" sz="1100" b="1" i="0" u="none" strike="noStrike" dirty="0">
-                        <a:solidFill>
-                          <a:srgbClr val="000000"/>
-                        </a:solidFill>
-                        <a:effectLst/>
-                        <a:latin typeface="Calibri" panose="020F0502020204030204" pitchFamily="34" charset="0"/>
-                      </a:endParaRPr>
-                    </a:p>
-                  </a:txBody>
-                  <a:tcPr marL="7620" marR="7620" marT="7620" marB="0" anchor="b"/>
-                </a:tc>
-                <a:tc>
-                  <a:txBody>
-                    <a:bodyPr/>
-                    <a:lstStyle/>
-                    <a:p>
-                      <a:pPr algn="ctr" fontAlgn="b"/>
-                      <a:r>
-                        <a:rPr lang="en-US" sz="1100" b="1" u="none" strike="noStrike">
-                          <a:effectLst/>
-                        </a:rPr>
-                        <a:t>P</a:t>
-                      </a:r>
                       <a:endParaRPr lang="en-US" sz="1100" b="1" i="0" u="none" strike="noStrike">
                         <a:solidFill>
                           <a:srgbClr val="000000"/>
                         </a:solidFill>
                         <a:effectLst/>
-                        <a:latin typeface="Calibri" panose="020F0502020204030204" pitchFamily="34" charset="0"/>
-                      </a:endParaRPr>
-                    </a:p>
-                  </a:txBody>
-                  <a:tcPr marL="7620" marR="7620" marT="7620" marB="0" anchor="b"/>
-                </a:tc>
-                <a:tc>
-                  <a:txBody>
-                    <a:bodyPr/>
-                    <a:lstStyle/>
-                    <a:p>
-                      <a:pPr algn="ctr" fontAlgn="b"/>
-                      <a:r>
-                        <a:rPr lang="en-US" sz="1100" b="1" u="none" strike="noStrike">
-                          <a:effectLst/>
-                        </a:rPr>
-                        <a:t>P</a:t>
-                      </a:r>
-                      <a:endParaRPr lang="en-US" sz="1100" b="1" i="0" u="none" strike="noStrike">
-                        <a:solidFill>
-                          <a:srgbClr val="000000"/>
-                        </a:solidFill>
-                        <a:effectLst/>
-                        <a:latin typeface="Calibri" panose="020F0502020204030204" pitchFamily="34" charset="0"/>
-                      </a:endParaRPr>
-                    </a:p>
-                  </a:txBody>
-                  <a:tcPr marL="7620" marR="7620" marT="7620" marB="0" anchor="b"/>
-                </a:tc>
-                <a:tc>
-                  <a:txBody>
-                    <a:bodyPr/>
-                    <a:lstStyle/>
-                    <a:p>
-                      <a:pPr algn="ctr" fontAlgn="b"/>
-                      <a:r>
-                        <a:rPr lang="en-US" sz="1100" b="1" u="none" strike="noStrike">
-                          <a:effectLst/>
-                        </a:rPr>
-                        <a:t>P</a:t>
-                      </a:r>
-                      <a:endParaRPr lang="en-US" sz="1100" b="1" i="0" u="none" strike="noStrike">
-                        <a:solidFill>
-                          <a:srgbClr val="000000"/>
-                        </a:solidFill>
-                        <a:effectLst/>
-                        <a:latin typeface="Calibri" panose="020F0502020204030204" pitchFamily="34" charset="0"/>
-                      </a:endParaRPr>
-                    </a:p>
-                  </a:txBody>
-                  <a:tcPr marL="7620" marR="7620" marT="7620" marB="0" anchor="b"/>
-                </a:tc>
-                <a:tc>
-                  <a:txBody>
-                    <a:bodyPr/>
-                    <a:lstStyle/>
-                    <a:p>
-                      <a:pPr algn="ctr" fontAlgn="b"/>
-                      <a:r>
-                        <a:rPr lang="en-US" sz="1100" b="1" u="none" strike="noStrike">
-                          <a:effectLst/>
-                        </a:rPr>
-                        <a:t>P</a:t>
-                      </a:r>
-                      <a:endParaRPr lang="en-US" sz="1100" b="1" i="0" u="none" strike="noStrike">
-                        <a:solidFill>
-                          <a:srgbClr val="000000"/>
-                        </a:solidFill>
-                        <a:effectLst/>
-                        <a:latin typeface="Calibri" panose="020F0502020204030204" pitchFamily="34" charset="0"/>
-                      </a:endParaRPr>
-                    </a:p>
-                  </a:txBody>
-                  <a:tcPr marL="7620" marR="7620" marT="7620" marB="0" anchor="b"/>
-                </a:tc>
-                <a:tc>
-                  <a:txBody>
-                    <a:bodyPr/>
-                    <a:lstStyle/>
-                    <a:p>
-                      <a:pPr algn="ctr" fontAlgn="b"/>
-                      <a:r>
-                        <a:rPr lang="en-US" sz="1100" b="1" u="none" strike="noStrike">
-                          <a:effectLst/>
-                        </a:rPr>
-                        <a:t>P</a:t>
-                      </a:r>
-                      <a:endParaRPr lang="en-US" sz="1100" b="1" i="0" u="none" strike="noStrike">
-                        <a:solidFill>
-                          <a:srgbClr val="000000"/>
-                        </a:solidFill>
-                        <a:effectLst/>
-                        <a:latin typeface="Calibri" panose="020F0502020204030204" pitchFamily="34" charset="0"/>
-                      </a:endParaRPr>
-                    </a:p>
-                  </a:txBody>
-                  <a:tcPr marL="7620" marR="7620" marT="7620" marB="0" anchor="b"/>
-                </a:tc>
-                <a:tc>
-                  <a:txBody>
-                    <a:bodyPr/>
-                    <a:lstStyle/>
-                    <a:p>
-                      <a:pPr algn="ctr" fontAlgn="b"/>
-                      <a:r>
-                        <a:rPr lang="en-US" sz="1100" b="1" u="none" strike="noStrike">
-                          <a:effectLst/>
-                        </a:rPr>
-                        <a:t>P</a:t>
-                      </a:r>
-                      <a:endParaRPr lang="en-US" sz="1100" b="1" i="0" u="none" strike="noStrike">
-                        <a:solidFill>
-                          <a:srgbClr val="000000"/>
-                        </a:solidFill>
-                        <a:effectLst/>
-                        <a:latin typeface="Calibri" panose="020F0502020204030204" pitchFamily="34" charset="0"/>
-                      </a:endParaRPr>
-                    </a:p>
-                  </a:txBody>
-                  <a:tcPr marL="7620" marR="7620" marT="7620" marB="0" anchor="b"/>
-                </a:tc>
-                <a:tc>
-                  <a:txBody>
-                    <a:bodyPr/>
-                    <a:lstStyle/>
-                    <a:p>
-                      <a:pPr algn="ctr" fontAlgn="b"/>
-                      <a:r>
-                        <a:rPr lang="en-US" sz="1100" b="1" u="none" strike="noStrike">
-                          <a:effectLst/>
-                        </a:rPr>
-                        <a:t>P</a:t>
-                      </a:r>
-                      <a:endParaRPr lang="en-US" sz="1100" b="1" i="0" u="none" strike="noStrike">
-                        <a:solidFill>
-                          <a:srgbClr val="000000"/>
-                        </a:solidFill>
-                        <a:effectLst/>
-                        <a:latin typeface="Calibri" panose="020F0502020204030204" pitchFamily="34" charset="0"/>
-                      </a:endParaRPr>
-                    </a:p>
-                  </a:txBody>
-                  <a:tcPr marL="7620" marR="7620" marT="7620" marB="0" anchor="b"/>
-                </a:tc>
-                <a:tc>
-                  <a:txBody>
-                    <a:bodyPr/>
-                    <a:lstStyle/>
-                    <a:p>
-                      <a:pPr algn="ctr" fontAlgn="b"/>
-                      <a:r>
-                        <a:rPr lang="en-US" sz="1100" b="1" u="none" strike="noStrike">
-                          <a:effectLst/>
-                        </a:rPr>
-                        <a:t>P</a:t>
-                      </a:r>
-                      <a:endParaRPr lang="en-US" sz="1100" b="1" i="0" u="none" strike="noStrike">
-                        <a:solidFill>
-                          <a:srgbClr val="000000"/>
-                        </a:solidFill>
-                        <a:effectLst/>
-                        <a:latin typeface="Calibri" panose="020F0502020204030204" pitchFamily="34" charset="0"/>
-                      </a:endParaRPr>
-                    </a:p>
-                  </a:txBody>
-                  <a:tcPr marL="7620" marR="7620" marT="7620" marB="0" anchor="b"/>
-                </a:tc>
-                <a:tc>
-                  <a:txBody>
-                    <a:bodyPr/>
-                    <a:lstStyle/>
-                    <a:p>
-                      <a:pPr algn="ctr" fontAlgn="b"/>
-                      <a:r>
-                        <a:rPr lang="en-US" sz="1100" b="1" u="none" strike="noStrike">
-                          <a:effectLst/>
-                        </a:rPr>
-                        <a:t>P</a:t>
-                      </a:r>
-                      <a:endParaRPr lang="en-US" sz="1100" b="1" i="0" u="none" strike="noStrike">
-                        <a:solidFill>
-                          <a:srgbClr val="000000"/>
-                        </a:solidFill>
-                        <a:effectLst/>
-                        <a:latin typeface="Calibri" panose="020F0502020204030204" pitchFamily="34" charset="0"/>
-                      </a:endParaRPr>
-                    </a:p>
-                  </a:txBody>
-                  <a:tcPr marL="7620" marR="7620" marT="7620" marB="0" anchor="b"/>
-                </a:tc>
-                <a:tc>
-                  <a:txBody>
-                    <a:bodyPr/>
-                    <a:lstStyle/>
-                    <a:p>
-                      <a:pPr algn="ctr" fontAlgn="b"/>
-                      <a:r>
-                        <a:rPr lang="en-US" sz="1100" b="1" u="none" strike="noStrike">
-                          <a:effectLst/>
-                        </a:rPr>
-                        <a:t>P</a:t>
-                      </a:r>
-                      <a:endParaRPr lang="en-US" sz="1100" b="1" i="0" u="none" strike="noStrike">
-                        <a:solidFill>
-                          <a:srgbClr val="000000"/>
-                        </a:solidFill>
-                        <a:effectLst/>
-                        <a:latin typeface="Calibri" panose="020F0502020204030204" pitchFamily="34" charset="0"/>
+                        <a:latin typeface="+mn-lt"/>
                       </a:endParaRPr>
                     </a:p>
                   </a:txBody>
@@ -10664,7 +10720,7 @@
                 </a:tc>
                 <a:extLst>
                   <a:ext uri="{0D108BD9-81ED-4DB2-BD59-A6C34878D82A}">
-                    <a16:rowId xmlns:a16="http://schemas.microsoft.com/office/drawing/2014/main" val="1619102543"/>
+                    <a16:rowId xmlns="" xmlns:a16="http://schemas.microsoft.com/office/drawing/2014/main" val="1619102543"/>
                   </a:ext>
                 </a:extLst>
               </a:tr>
@@ -10701,6 +10757,7 @@
                       <a:r>
                         <a:rPr lang="en-US" sz="1100" b="1" u="none" strike="noStrike">
                           <a:effectLst/>
+                          <a:latin typeface="+mn-lt"/>
                         </a:rPr>
                         <a:t>P</a:t>
                       </a:r>
@@ -10709,7 +10766,7 @@
                           <a:srgbClr val="000000"/>
                         </a:solidFill>
                         <a:effectLst/>
-                        <a:latin typeface="Calibri" panose="020F0502020204030204" pitchFamily="34" charset="0"/>
+                        <a:latin typeface="+mn-lt"/>
                       </a:endParaRPr>
                     </a:p>
                   </a:txBody>
@@ -10723,6 +10780,7 @@
                       <a:pPr algn="ctr" fontAlgn="ctr"/>
                       <a:endParaRPr lang="en-US" sz="1100" b="1" u="none" strike="noStrike" dirty="0">
                         <a:effectLst/>
+                        <a:latin typeface="+mn-lt"/>
                       </a:endParaRPr>
                     </a:p>
                     <a:p>
@@ -10730,6 +10788,7 @@
                       <a:r>
                         <a:rPr lang="en-US" sz="1100" b="1" u="none" strike="noStrike" dirty="0">
                           <a:effectLst/>
+                          <a:latin typeface="+mn-lt"/>
                         </a:rPr>
                         <a:t>P</a:t>
                       </a:r>
@@ -10738,7 +10797,7 @@
                           <a:srgbClr val="000000"/>
                         </a:solidFill>
                         <a:effectLst/>
-                        <a:latin typeface="Calibri" panose="020F0502020204030204" pitchFamily="34" charset="0"/>
+                        <a:latin typeface="+mn-lt"/>
                       </a:endParaRPr>
                     </a:p>
                   </a:txBody>
@@ -10753,6 +10812,7 @@
                       <a:r>
                         <a:rPr lang="en-US" sz="1100" b="1" u="none" strike="noStrike">
                           <a:effectLst/>
+                          <a:latin typeface="+mn-lt"/>
                         </a:rPr>
                         <a:t>P</a:t>
                       </a:r>
@@ -10761,7 +10821,7 @@
                           <a:srgbClr val="000000"/>
                         </a:solidFill>
                         <a:effectLst/>
-                        <a:latin typeface="Calibri" panose="020F0502020204030204" pitchFamily="34" charset="0"/>
+                        <a:latin typeface="+mn-lt"/>
                       </a:endParaRPr>
                     </a:p>
                   </a:txBody>
@@ -10779,6 +10839,7 @@
                           <a:highlight>
                             <a:srgbClr val="FFFF00"/>
                           </a:highlight>
+                          <a:latin typeface="+mn-lt"/>
                         </a:rPr>
                         <a:t>F</a:t>
                       </a:r>
@@ -10790,7 +10851,7 @@
                         <a:highlight>
                           <a:srgbClr val="FFFF00"/>
                         </a:highlight>
-                        <a:latin typeface="Calibri" panose="020F0502020204030204" pitchFamily="34" charset="0"/>
+                        <a:latin typeface="+mn-lt"/>
                       </a:endParaRPr>
                     </a:p>
                   </a:txBody>
@@ -10808,6 +10869,7 @@
                           <a:highlight>
                             <a:srgbClr val="FFFF00"/>
                           </a:highlight>
+                          <a:latin typeface="+mn-lt"/>
                         </a:rPr>
                         <a:t>F</a:t>
                       </a:r>
@@ -10819,7 +10881,7 @@
                         <a:highlight>
                           <a:srgbClr val="FFFF00"/>
                         </a:highlight>
-                        <a:latin typeface="Calibri" panose="020F0502020204030204" pitchFamily="34" charset="0"/>
+                        <a:latin typeface="+mn-lt"/>
                       </a:endParaRPr>
                     </a:p>
                   </a:txBody>
@@ -10837,6 +10899,7 @@
                           <a:highlight>
                             <a:srgbClr val="FFFF00"/>
                           </a:highlight>
+                          <a:latin typeface="+mn-lt"/>
                         </a:rPr>
                         <a:t>F</a:t>
                       </a:r>
@@ -10848,7 +10911,7 @@
                         <a:highlight>
                           <a:srgbClr val="FFFF00"/>
                         </a:highlight>
-                        <a:latin typeface="Calibri" panose="020F0502020204030204" pitchFamily="34" charset="0"/>
+                        <a:latin typeface="+mn-lt"/>
                       </a:endParaRPr>
                     </a:p>
                   </a:txBody>
@@ -10861,8 +10924,33 @@
                     <a:p>
                       <a:pPr algn="ctr" fontAlgn="b"/>
                       <a:r>
+                        <a:rPr lang="en-US" sz="1100" b="1" u="none" strike="noStrike" dirty="0">
+                          <a:effectLst/>
+                          <a:latin typeface="+mn-lt"/>
+                        </a:rPr>
+                        <a:t>P</a:t>
+                      </a:r>
+                      <a:endParaRPr lang="en-US" sz="1100" b="1" i="0" u="none" strike="noStrike" dirty="0">
+                        <a:solidFill>
+                          <a:srgbClr val="000000"/>
+                        </a:solidFill>
+                        <a:effectLst/>
+                        <a:latin typeface="+mn-lt"/>
+                      </a:endParaRPr>
+                    </a:p>
+                  </a:txBody>
+                  <a:tcPr marL="7620" marR="7620" marT="7620" marB="0" anchor="b"/>
+                </a:tc>
+                <a:tc>
+                  <a:txBody>
+                    <a:bodyPr/>
+                    <a:lstStyle/>
+                    <a:p>
+                      <a:pPr algn="ctr" fontAlgn="b"/>
+                      <a:r>
                         <a:rPr lang="en-US" sz="1100" b="1" u="none" strike="noStrike">
                           <a:effectLst/>
+                          <a:latin typeface="+mn-lt"/>
                         </a:rPr>
                         <a:t>P</a:t>
                       </a:r>
@@ -10871,7 +10959,7 @@
                           <a:srgbClr val="000000"/>
                         </a:solidFill>
                         <a:effectLst/>
-                        <a:latin typeface="Calibri" panose="020F0502020204030204" pitchFamily="34" charset="0"/>
+                        <a:latin typeface="+mn-lt"/>
                       </a:endParaRPr>
                     </a:p>
                   </a:txBody>
@@ -10886,6 +10974,7 @@
                       <a:r>
                         <a:rPr lang="en-US" sz="1100" b="1" u="none" strike="noStrike">
                           <a:effectLst/>
+                          <a:latin typeface="+mn-lt"/>
                         </a:rPr>
                         <a:t>P</a:t>
                       </a:r>
@@ -10894,7 +10983,7 @@
                           <a:srgbClr val="000000"/>
                         </a:solidFill>
                         <a:effectLst/>
-                        <a:latin typeface="Calibri" panose="020F0502020204030204" pitchFamily="34" charset="0"/>
+                        <a:latin typeface="+mn-lt"/>
                       </a:endParaRPr>
                     </a:p>
                   </a:txBody>
@@ -10909,6 +10998,7 @@
                       <a:r>
                         <a:rPr lang="en-US" sz="1100" b="1" u="none" strike="noStrike">
                           <a:effectLst/>
+                          <a:latin typeface="+mn-lt"/>
                         </a:rPr>
                         <a:t>P</a:t>
                       </a:r>
@@ -10917,7 +11007,7 @@
                           <a:srgbClr val="000000"/>
                         </a:solidFill>
                         <a:effectLst/>
-                        <a:latin typeface="Calibri" panose="020F0502020204030204" pitchFamily="34" charset="0"/>
+                        <a:latin typeface="+mn-lt"/>
                       </a:endParaRPr>
                     </a:p>
                   </a:txBody>
@@ -10932,6 +11022,7 @@
                       <a:r>
                         <a:rPr lang="en-US" sz="1100" b="1" u="none" strike="noStrike">
                           <a:effectLst/>
+                          <a:latin typeface="+mn-lt"/>
                         </a:rPr>
                         <a:t>P</a:t>
                       </a:r>
@@ -10940,7 +11031,7 @@
                           <a:srgbClr val="000000"/>
                         </a:solidFill>
                         <a:effectLst/>
-                        <a:latin typeface="Calibri" panose="020F0502020204030204" pitchFamily="34" charset="0"/>
+                        <a:latin typeface="+mn-lt"/>
                       </a:endParaRPr>
                     </a:p>
                   </a:txBody>
@@ -10955,6 +11046,7 @@
                       <a:r>
                         <a:rPr lang="en-US" sz="1100" b="1" u="none" strike="noStrike">
                           <a:effectLst/>
+                          <a:latin typeface="+mn-lt"/>
                         </a:rPr>
                         <a:t>P</a:t>
                       </a:r>
@@ -10963,7 +11055,7 @@
                           <a:srgbClr val="000000"/>
                         </a:solidFill>
                         <a:effectLst/>
-                        <a:latin typeface="Calibri" panose="020F0502020204030204" pitchFamily="34" charset="0"/>
+                        <a:latin typeface="+mn-lt"/>
                       </a:endParaRPr>
                     </a:p>
                   </a:txBody>
@@ -10976,17 +11068,18 @@
                     <a:p>
                       <a:pPr algn="ctr" fontAlgn="b"/>
                       <a:r>
-                        <a:rPr lang="en-US" sz="1100" b="1" u="none" strike="noStrike">
-                          <a:effectLst/>
+                        <a:rPr lang="en-US" sz="1100" b="1" u="none" strike="noStrike" dirty="0">
+                          <a:effectLst/>
+                          <a:latin typeface="+mn-lt"/>
                         </a:rPr>
                         <a:t>P</a:t>
                       </a:r>
-                      <a:endParaRPr lang="en-US" sz="1100" b="1" i="0" u="none" strike="noStrike">
-                        <a:solidFill>
-                          <a:srgbClr val="000000"/>
-                        </a:solidFill>
-                        <a:effectLst/>
-                        <a:latin typeface="Calibri" panose="020F0502020204030204" pitchFamily="34" charset="0"/>
+                      <a:endParaRPr lang="en-US" sz="1100" b="1" i="0" u="none" strike="noStrike" dirty="0">
+                        <a:solidFill>
+                          <a:srgbClr val="000000"/>
+                        </a:solidFill>
+                        <a:effectLst/>
+                        <a:latin typeface="+mn-lt"/>
                       </a:endParaRPr>
                     </a:p>
                   </a:txBody>
@@ -10999,17 +11092,18 @@
                     <a:p>
                       <a:pPr algn="ctr" fontAlgn="b"/>
                       <a:r>
-                        <a:rPr lang="en-US" sz="1100" b="1" u="none" strike="noStrike">
-                          <a:effectLst/>
+                        <a:rPr lang="en-US" sz="1100" b="1" u="none" strike="noStrike" dirty="0" smtClean="0">
+                          <a:effectLst/>
+                          <a:latin typeface="+mn-lt"/>
                         </a:rPr>
                         <a:t>P</a:t>
                       </a:r>
-                      <a:endParaRPr lang="en-US" sz="1100" b="1" i="0" u="none" strike="noStrike">
-                        <a:solidFill>
-                          <a:srgbClr val="000000"/>
-                        </a:solidFill>
-                        <a:effectLst/>
-                        <a:latin typeface="Calibri" panose="020F0502020204030204" pitchFamily="34" charset="0"/>
+                      <a:endParaRPr lang="en-US" sz="1100" b="1" i="0" u="none" strike="noStrike" dirty="0">
+                        <a:solidFill>
+                          <a:srgbClr val="000000"/>
+                        </a:solidFill>
+                        <a:effectLst/>
+                        <a:latin typeface="+mn-lt"/>
                       </a:endParaRPr>
                     </a:p>
                   </a:txBody>
@@ -11022,34 +11116,12 @@
                     <a:p>
                       <a:pPr algn="ctr" fontAlgn="b"/>
                       <a:r>
-                        <a:rPr lang="en-US" sz="1100" b="1" u="none" strike="noStrike">
-                          <a:effectLst/>
-                        </a:rPr>
-                        <a:t>P</a:t>
-                      </a:r>
-                      <a:endParaRPr lang="en-US" sz="1100" b="1" i="0" u="none" strike="noStrike">
-                        <a:solidFill>
-                          <a:srgbClr val="000000"/>
-                        </a:solidFill>
-                        <a:effectLst/>
-                        <a:latin typeface="Calibri" panose="020F0502020204030204" pitchFamily="34" charset="0"/>
-                      </a:endParaRPr>
-                    </a:p>
-                  </a:txBody>
-                  <a:tcPr marL="7620" marR="7620" marT="7620" marB="0" anchor="b"/>
-                </a:tc>
-                <a:tc>
-                  <a:txBody>
-                    <a:bodyPr/>
-                    <a:lstStyle/>
-                    <a:p>
-                      <a:pPr algn="ctr" fontAlgn="b"/>
-                      <a:r>
-                        <a:rPr lang="en-US" sz="1100" b="1" u="none" strike="noStrike" dirty="0">
+                        <a:rPr lang="en-US" sz="1100" b="1" u="none" strike="noStrike" dirty="0" smtClean="0">
                           <a:effectLst/>
                           <a:highlight>
                             <a:srgbClr val="FFFF00"/>
                           </a:highlight>
+                          <a:latin typeface="+mn-lt"/>
                         </a:rPr>
                         <a:t>F</a:t>
                       </a:r>
@@ -11061,7 +11133,7 @@
                         <a:highlight>
                           <a:srgbClr val="FFFF00"/>
                         </a:highlight>
-                        <a:latin typeface="Calibri" panose="020F0502020204030204" pitchFamily="34" charset="0"/>
+                        <a:latin typeface="+mn-lt"/>
                       </a:endParaRPr>
                     </a:p>
                   </a:txBody>
@@ -11069,7 +11141,7 @@
                 </a:tc>
                 <a:extLst>
                   <a:ext uri="{0D108BD9-81ED-4DB2-BD59-A6C34878D82A}">
-                    <a16:rowId xmlns:a16="http://schemas.microsoft.com/office/drawing/2014/main" val="2707276461"/>
+                    <a16:rowId xmlns="" xmlns:a16="http://schemas.microsoft.com/office/drawing/2014/main" val="2707276461"/>
                   </a:ext>
                 </a:extLst>
               </a:tr>
@@ -11134,7 +11206,7 @@
           <p:cNvPr id="7" name="Content Placeholder 2">
             <a:extLst>
               <a:ext uri="{FF2B5EF4-FFF2-40B4-BE49-F238E27FC236}">
-                <a16:creationId xmlns:a16="http://schemas.microsoft.com/office/drawing/2014/main" id="{0BBCA04D-4A8B-47A6-B72E-18B9FFC206D7}"/>
+                <a16:creationId xmlns="" xmlns:a16="http://schemas.microsoft.com/office/drawing/2014/main" id="{0BBCA04D-4A8B-47A6-B72E-18B9FFC206D7}"/>
               </a:ext>
             </a:extLst>
           </p:cNvPr>
@@ -11417,7 +11489,7 @@
           <p:cNvPr id="12" name="Content Placeholder 2">
             <a:extLst>
               <a:ext uri="{FF2B5EF4-FFF2-40B4-BE49-F238E27FC236}">
-                <a16:creationId xmlns:a16="http://schemas.microsoft.com/office/drawing/2014/main" id="{4EE1D6B5-6C74-48AD-A4A6-FE46AB101D5F}"/>
+                <a16:creationId xmlns="" xmlns:a16="http://schemas.microsoft.com/office/drawing/2014/main" id="{4EE1D6B5-6C74-48AD-A4A6-FE46AB101D5F}"/>
               </a:ext>
             </a:extLst>
           </p:cNvPr>
@@ -11781,7 +11853,7 @@
           <p:cNvPr id="6" name="Chart 5">
             <a:extLst>
               <a:ext uri="{FF2B5EF4-FFF2-40B4-BE49-F238E27FC236}">
-                <a16:creationId xmlns:a16="http://schemas.microsoft.com/office/drawing/2014/main" id="{DA22F8D6-0FAF-4E0A-A7DC-217A0C88992A}"/>
+                <a16:creationId xmlns="" xmlns:a16="http://schemas.microsoft.com/office/drawing/2014/main" xmlns:lc="http://schemas.openxmlformats.org/drawingml/2006/lockedCanvas" id="{DA22F8D6-0FAF-4E0A-A7DC-217A0C88992A}"/>
               </a:ext>
             </a:extLst>
           </p:cNvPr>
@@ -11791,14 +11863,14 @@
           <p:nvPr>
             <p:extLst>
               <p:ext uri="{D42A27DB-BD31-4B8C-83A1-F6EECF244321}">
-                <p14:modId xmlns:p14="http://schemas.microsoft.com/office/powerpoint/2010/main" val="3148404693"/>
+                <p14:modId xmlns:p14="http://schemas.microsoft.com/office/powerpoint/2010/main" val="1543237497"/>
               </p:ext>
             </p:extLst>
           </p:nvPr>
         </p:nvGraphicFramePr>
         <p:xfrm>
-          <a:off x="1596256" y="3004822"/>
-          <a:ext cx="8655728" cy="3749686"/>
+          <a:off x="2254833" y="2971771"/>
+          <a:ext cx="7184135" cy="3576637"/>
         </p:xfrm>
         <a:graphic>
           <a:graphicData uri="http://schemas.openxmlformats.org/drawingml/2006/chart">
@@ -11841,7 +11913,7 @@
           <p:cNvPr id="2" name="Title 1">
             <a:extLst>
               <a:ext uri="{FF2B5EF4-FFF2-40B4-BE49-F238E27FC236}">
-                <a16:creationId xmlns:a16="http://schemas.microsoft.com/office/drawing/2014/main" id="{040FCF0E-7CE9-465E-AEE8-6F11580C285F}"/>
+                <a16:creationId xmlns="" xmlns:a16="http://schemas.microsoft.com/office/drawing/2014/main" id="{040FCF0E-7CE9-465E-AEE8-6F11580C285F}"/>
               </a:ext>
             </a:extLst>
           </p:cNvPr>
@@ -11869,7 +11941,7 @@
           <p:cNvPr id="3" name="Content Placeholder 2">
             <a:extLst>
               <a:ext uri="{FF2B5EF4-FFF2-40B4-BE49-F238E27FC236}">
-                <a16:creationId xmlns:a16="http://schemas.microsoft.com/office/drawing/2014/main" id="{51D59C22-CB34-46E4-9845-1FC09DD740F2}"/>
+                <a16:creationId xmlns="" xmlns:a16="http://schemas.microsoft.com/office/drawing/2014/main" id="{51D59C22-CB34-46E4-9845-1FC09DD740F2}"/>
               </a:ext>
             </a:extLst>
           </p:cNvPr>
@@ -11917,17 +11989,6 @@
               <a:rPr lang="en-US" dirty="0"/>
               <a:t>Compare IG test selection algorithm according in terms of component test covering. </a:t>
             </a:r>
-          </a:p>
-          <a:p>
-            <a:r>
-              <a:rPr lang="en-US" dirty="0"/>
-              <a:t>Optimize the algorithm to find more </a:t>
-            </a:r>
-            <a:r>
-              <a:rPr lang="en-US"/>
-              <a:t>failing tests.</a:t>
-            </a:r>
-            <a:endParaRPr lang="en-US" dirty="0"/>
           </a:p>
         </p:txBody>
       </p:sp>
@@ -12519,7 +12580,7 @@
           <p:cNvPr id="5" name="Content Placeholder 4">
             <a:extLst>
               <a:ext uri="{FF2B5EF4-FFF2-40B4-BE49-F238E27FC236}">
-                <a16:creationId xmlns:a16="http://schemas.microsoft.com/office/drawing/2014/main" id="{910E7538-8B62-9C4C-B6DA-0AB9F37A9919}"/>
+                <a16:creationId xmlns="" xmlns:a16="http://schemas.microsoft.com/office/drawing/2014/main" id="{910E7538-8B62-9C4C-B6DA-0AB9F37A9919}"/>
               </a:ext>
             </a:extLst>
           </p:cNvPr>
@@ -12636,8 +12697,18 @@
           </a:p>
           <a:p>
             <a:r>
+              <a:rPr lang="en-US" dirty="0" smtClean="0"/>
+              <a:t>Normalize all components probabilities.</a:t>
+            </a:r>
+          </a:p>
+          <a:p>
+            <a:r>
+              <a:rPr lang="en-US" dirty="0" smtClean="0"/>
+              <a:t>Calculate </a:t>
+            </a:r>
+            <a:r>
               <a:rPr lang="en-US" dirty="0"/>
-              <a:t>Calculate components entropy for all components.</a:t>
+              <a:t>components entropy for all components.</a:t>
             </a:r>
           </a:p>
           <a:p>
@@ -12831,13 +12902,18 @@
               <a:t>Entropy calculated on all </a:t>
             </a:r>
             <a:r>
-              <a:rPr lang="en-US" altLang="en-US" dirty="0" err="1"/>
+              <a:rPr lang="en-US" altLang="en-US" dirty="0" err="1" smtClean="0"/>
               <a:t>componenets</a:t>
             </a:r>
             <a:r>
               <a:rPr lang="en-US" altLang="en-US" dirty="0"/>
-              <a:t>.</a:t>
-            </a:r>
+              <a:t> </a:t>
+            </a:r>
+            <a:r>
+              <a:rPr lang="en-US" altLang="en-US" smtClean="0"/>
+              <a:t>after normalization.</a:t>
+            </a:r>
+            <a:endParaRPr lang="en-US" altLang="en-US" dirty="0"/>
           </a:p>
           <a:p>
             <a:endParaRPr lang="en-US" altLang="en-US" dirty="0"/>
@@ -12901,7 +12977,7 @@
           <p:cNvPr id="4" name="Content Placeholder 3">
             <a:extLst>
               <a:ext uri="{FF2B5EF4-FFF2-40B4-BE49-F238E27FC236}">
-                <a16:creationId xmlns:a16="http://schemas.microsoft.com/office/drawing/2014/main" id="{1B4BCBD3-D197-4A30-8542-13A1BD0042DA}"/>
+                <a16:creationId xmlns="" xmlns:a16="http://schemas.microsoft.com/office/drawing/2014/main" id="{1B4BCBD3-D197-4A30-8542-13A1BD0042DA}"/>
               </a:ext>
             </a:extLst>
           </p:cNvPr>
@@ -12931,35 +13007,35 @@
                 <a:gridCol w="2135630">
                   <a:extLst>
                     <a:ext uri="{9D8B030D-6E8A-4147-A177-3AD203B41FA5}">
-                      <a16:colId xmlns:a16="http://schemas.microsoft.com/office/drawing/2014/main" val="647474070"/>
+                      <a16:colId xmlns="" xmlns:a16="http://schemas.microsoft.com/office/drawing/2014/main" val="647474070"/>
                     </a:ext>
                   </a:extLst>
                 </a:gridCol>
                 <a:gridCol w="1980875">
                   <a:extLst>
                     <a:ext uri="{9D8B030D-6E8A-4147-A177-3AD203B41FA5}">
-                      <a16:colId xmlns:a16="http://schemas.microsoft.com/office/drawing/2014/main" val="4172325040"/>
+                      <a16:colId xmlns="" xmlns:a16="http://schemas.microsoft.com/office/drawing/2014/main" val="4172325040"/>
                     </a:ext>
                   </a:extLst>
                 </a:gridCol>
                 <a:gridCol w="1980875">
                   <a:extLst>
                     <a:ext uri="{9D8B030D-6E8A-4147-A177-3AD203B41FA5}">
-                      <a16:colId xmlns:a16="http://schemas.microsoft.com/office/drawing/2014/main" val="2112222264"/>
+                      <a16:colId xmlns="" xmlns:a16="http://schemas.microsoft.com/office/drawing/2014/main" val="2112222264"/>
                     </a:ext>
                   </a:extLst>
                 </a:gridCol>
                 <a:gridCol w="1980875">
                   <a:extLst>
                     <a:ext uri="{9D8B030D-6E8A-4147-A177-3AD203B41FA5}">
-                      <a16:colId xmlns:a16="http://schemas.microsoft.com/office/drawing/2014/main" val="3712134187"/>
+                      <a16:colId xmlns="" xmlns:a16="http://schemas.microsoft.com/office/drawing/2014/main" val="3712134187"/>
                     </a:ext>
                   </a:extLst>
                 </a:gridCol>
                 <a:gridCol w="1980875">
                   <a:extLst>
                     <a:ext uri="{9D8B030D-6E8A-4147-A177-3AD203B41FA5}">
-                      <a16:colId xmlns:a16="http://schemas.microsoft.com/office/drawing/2014/main" val="2451542488"/>
+                      <a16:colId xmlns="" xmlns:a16="http://schemas.microsoft.com/office/drawing/2014/main" val="2451542488"/>
                     </a:ext>
                   </a:extLst>
                 </a:gridCol>
@@ -13062,7 +13138,7 @@
                 </a:tc>
                 <a:extLst>
                   <a:ext uri="{0D108BD9-81ED-4DB2-BD59-A6C34878D82A}">
-                    <a16:rowId xmlns:a16="http://schemas.microsoft.com/office/drawing/2014/main" val="3580140237"/>
+                    <a16:rowId xmlns="" xmlns:a16="http://schemas.microsoft.com/office/drawing/2014/main" val="3580140237"/>
                   </a:ext>
                 </a:extLst>
               </a:tr>
@@ -13184,7 +13260,7 @@
                 </a:tc>
                 <a:extLst>
                   <a:ext uri="{0D108BD9-81ED-4DB2-BD59-A6C34878D82A}">
-                    <a16:rowId xmlns:a16="http://schemas.microsoft.com/office/drawing/2014/main" val="2413837790"/>
+                    <a16:rowId xmlns="" xmlns:a16="http://schemas.microsoft.com/office/drawing/2014/main" val="2413837790"/>
                   </a:ext>
                 </a:extLst>
               </a:tr>
@@ -13306,7 +13382,7 @@
                 </a:tc>
                 <a:extLst>
                   <a:ext uri="{0D108BD9-81ED-4DB2-BD59-A6C34878D82A}">
-                    <a16:rowId xmlns:a16="http://schemas.microsoft.com/office/drawing/2014/main" val="2462567165"/>
+                    <a16:rowId xmlns="" xmlns:a16="http://schemas.microsoft.com/office/drawing/2014/main" val="2462567165"/>
                   </a:ext>
                 </a:extLst>
               </a:tr>
@@ -13319,7 +13395,7 @@
           <p:cNvPr id="6" name="Table 5">
             <a:extLst>
               <a:ext uri="{FF2B5EF4-FFF2-40B4-BE49-F238E27FC236}">
-                <a16:creationId xmlns:a16="http://schemas.microsoft.com/office/drawing/2014/main" id="{48EDFADF-5E97-469F-A860-DB2844210B1D}"/>
+                <a16:creationId xmlns="" xmlns:a16="http://schemas.microsoft.com/office/drawing/2014/main" id="{48EDFADF-5E97-469F-A860-DB2844210B1D}"/>
               </a:ext>
             </a:extLst>
           </p:cNvPr>
@@ -13348,42 +13424,42 @@
                 <a:gridCol w="1688123">
                   <a:extLst>
                     <a:ext uri="{9D8B030D-6E8A-4147-A177-3AD203B41FA5}">
-                      <a16:colId xmlns:a16="http://schemas.microsoft.com/office/drawing/2014/main" val="1069312243"/>
+                      <a16:colId xmlns="" xmlns:a16="http://schemas.microsoft.com/office/drawing/2014/main" val="1069312243"/>
                     </a:ext>
                   </a:extLst>
                 </a:gridCol>
                 <a:gridCol w="1688123">
                   <a:extLst>
                     <a:ext uri="{9D8B030D-6E8A-4147-A177-3AD203B41FA5}">
-                      <a16:colId xmlns:a16="http://schemas.microsoft.com/office/drawing/2014/main" val="1602297419"/>
+                      <a16:colId xmlns="" xmlns:a16="http://schemas.microsoft.com/office/drawing/2014/main" val="1602297419"/>
                     </a:ext>
                   </a:extLst>
                 </a:gridCol>
                 <a:gridCol w="1688123">
                   <a:extLst>
                     <a:ext uri="{9D8B030D-6E8A-4147-A177-3AD203B41FA5}">
-                      <a16:colId xmlns:a16="http://schemas.microsoft.com/office/drawing/2014/main" val="3113265691"/>
+                      <a16:colId xmlns="" xmlns:a16="http://schemas.microsoft.com/office/drawing/2014/main" val="3113265691"/>
                     </a:ext>
                   </a:extLst>
                 </a:gridCol>
                 <a:gridCol w="1688123">
                   <a:extLst>
                     <a:ext uri="{9D8B030D-6E8A-4147-A177-3AD203B41FA5}">
-                      <a16:colId xmlns:a16="http://schemas.microsoft.com/office/drawing/2014/main" val="4104595099"/>
+                      <a16:colId xmlns="" xmlns:a16="http://schemas.microsoft.com/office/drawing/2014/main" val="4104595099"/>
                     </a:ext>
                   </a:extLst>
                 </a:gridCol>
                 <a:gridCol w="1688123">
                   <a:extLst>
                     <a:ext uri="{9D8B030D-6E8A-4147-A177-3AD203B41FA5}">
-                      <a16:colId xmlns:a16="http://schemas.microsoft.com/office/drawing/2014/main" val="1995296926"/>
+                      <a16:colId xmlns="" xmlns:a16="http://schemas.microsoft.com/office/drawing/2014/main" val="1995296926"/>
                     </a:ext>
                   </a:extLst>
                 </a:gridCol>
                 <a:gridCol w="1617785">
                   <a:extLst>
                     <a:ext uri="{9D8B030D-6E8A-4147-A177-3AD203B41FA5}">
-                      <a16:colId xmlns:a16="http://schemas.microsoft.com/office/drawing/2014/main" val="3877867921"/>
+                      <a16:colId xmlns="" xmlns:a16="http://schemas.microsoft.com/office/drawing/2014/main" val="3877867921"/>
                     </a:ext>
                   </a:extLst>
                 </a:gridCol>
@@ -13475,7 +13551,7 @@
                 </a:tc>
                 <a:extLst>
                   <a:ext uri="{0D108BD9-81ED-4DB2-BD59-A6C34878D82A}">
-                    <a16:rowId xmlns:a16="http://schemas.microsoft.com/office/drawing/2014/main" val="1673954512"/>
+                    <a16:rowId xmlns="" xmlns:a16="http://schemas.microsoft.com/office/drawing/2014/main" val="1673954512"/>
                   </a:ext>
                 </a:extLst>
               </a:tr>
@@ -13555,7 +13631,7 @@
                 </a:tc>
                 <a:extLst>
                   <a:ext uri="{0D108BD9-81ED-4DB2-BD59-A6C34878D82A}">
-                    <a16:rowId xmlns:a16="http://schemas.microsoft.com/office/drawing/2014/main" val="4225706138"/>
+                    <a16:rowId xmlns="" xmlns:a16="http://schemas.microsoft.com/office/drawing/2014/main" val="4225706138"/>
                   </a:ext>
                 </a:extLst>
               </a:tr>
@@ -13700,7 +13776,7 @@
                 </a:tc>
                 <a:extLst>
                   <a:ext uri="{0D108BD9-81ED-4DB2-BD59-A6C34878D82A}">
-                    <a16:rowId xmlns:a16="http://schemas.microsoft.com/office/drawing/2014/main" val="731355789"/>
+                    <a16:rowId xmlns="" xmlns:a16="http://schemas.microsoft.com/office/drawing/2014/main" val="731355789"/>
                   </a:ext>
                 </a:extLst>
               </a:tr>
@@ -13845,7 +13921,7 @@
                 </a:tc>
                 <a:extLst>
                   <a:ext uri="{0D108BD9-81ED-4DB2-BD59-A6C34878D82A}">
-                    <a16:rowId xmlns:a16="http://schemas.microsoft.com/office/drawing/2014/main" val="3337905118"/>
+                    <a16:rowId xmlns="" xmlns:a16="http://schemas.microsoft.com/office/drawing/2014/main" val="3337905118"/>
                   </a:ext>
                 </a:extLst>
               </a:tr>
@@ -13990,7 +14066,7 @@
                 </a:tc>
                 <a:extLst>
                   <a:ext uri="{0D108BD9-81ED-4DB2-BD59-A6C34878D82A}">
-                    <a16:rowId xmlns:a16="http://schemas.microsoft.com/office/drawing/2014/main" val="887770495"/>
+                    <a16:rowId xmlns="" xmlns:a16="http://schemas.microsoft.com/office/drawing/2014/main" val="887770495"/>
                   </a:ext>
                 </a:extLst>
               </a:tr>
@@ -14135,7 +14211,7 @@
                 </a:tc>
                 <a:extLst>
                   <a:ext uri="{0D108BD9-81ED-4DB2-BD59-A6C34878D82A}">
-                    <a16:rowId xmlns:a16="http://schemas.microsoft.com/office/drawing/2014/main" val="3775073205"/>
+                    <a16:rowId xmlns="" xmlns:a16="http://schemas.microsoft.com/office/drawing/2014/main" val="3775073205"/>
                   </a:ext>
                 </a:extLst>
               </a:tr>
@@ -14280,7 +14356,7 @@
                 </a:tc>
                 <a:extLst>
                   <a:ext uri="{0D108BD9-81ED-4DB2-BD59-A6C34878D82A}">
-                    <a16:rowId xmlns:a16="http://schemas.microsoft.com/office/drawing/2014/main" val="2804253901"/>
+                    <a16:rowId xmlns="" xmlns:a16="http://schemas.microsoft.com/office/drawing/2014/main" val="2804253901"/>
                   </a:ext>
                 </a:extLst>
               </a:tr>
@@ -14425,7 +14501,7 @@
                 </a:tc>
                 <a:extLst>
                   <a:ext uri="{0D108BD9-81ED-4DB2-BD59-A6C34878D82A}">
-                    <a16:rowId xmlns:a16="http://schemas.microsoft.com/office/drawing/2014/main" val="2065319259"/>
+                    <a16:rowId xmlns="" xmlns:a16="http://schemas.microsoft.com/office/drawing/2014/main" val="2065319259"/>
                   </a:ext>
                 </a:extLst>
               </a:tr>
@@ -14438,7 +14514,7 @@
           <p:cNvPr id="7" name="Content Placeholder 2">
             <a:extLst>
               <a:ext uri="{FF2B5EF4-FFF2-40B4-BE49-F238E27FC236}">
-                <a16:creationId xmlns:a16="http://schemas.microsoft.com/office/drawing/2014/main" id="{DB3FDC21-33EA-49FD-98E2-29D9AABCE9E0}"/>
+                <a16:creationId xmlns="" xmlns:a16="http://schemas.microsoft.com/office/drawing/2014/main" id="{DB3FDC21-33EA-49FD-98E2-29D9AABCE9E0}"/>
               </a:ext>
             </a:extLst>
           </p:cNvPr>
@@ -14798,7 +14874,7 @@
           <p:cNvPr id="7" name="Rectangle: Rounded Corners 6">
             <a:extLst>
               <a:ext uri="{FF2B5EF4-FFF2-40B4-BE49-F238E27FC236}">
-                <a16:creationId xmlns:a16="http://schemas.microsoft.com/office/drawing/2014/main" id="{BF96E85E-C3C5-4A1F-8EDE-EF894229D6C2}"/>
+                <a16:creationId xmlns="" xmlns:a16="http://schemas.microsoft.com/office/drawing/2014/main" id="{BF96E85E-C3C5-4A1F-8EDE-EF894229D6C2}"/>
               </a:ext>
             </a:extLst>
           </p:cNvPr>
@@ -14853,7 +14929,7 @@
           <p:cNvPr id="8" name="Rectangle: Rounded Corners 7">
             <a:extLst>
               <a:ext uri="{FF2B5EF4-FFF2-40B4-BE49-F238E27FC236}">
-                <a16:creationId xmlns:a16="http://schemas.microsoft.com/office/drawing/2014/main" id="{40A8D94A-F67E-423B-A732-34895DC0E6AD}"/>
+                <a16:creationId xmlns="" xmlns:a16="http://schemas.microsoft.com/office/drawing/2014/main" id="{40A8D94A-F67E-423B-A732-34895DC0E6AD}"/>
               </a:ext>
             </a:extLst>
           </p:cNvPr>
@@ -14902,7 +14978,7 @@
           <p:cNvPr id="9" name="Rectangle: Rounded Corners 8">
             <a:extLst>
               <a:ext uri="{FF2B5EF4-FFF2-40B4-BE49-F238E27FC236}">
-                <a16:creationId xmlns:a16="http://schemas.microsoft.com/office/drawing/2014/main" id="{780D1484-EB9F-460D-9013-9746E5C9D52D}"/>
+                <a16:creationId xmlns="" xmlns:a16="http://schemas.microsoft.com/office/drawing/2014/main" id="{780D1484-EB9F-460D-9013-9746E5C9D52D}"/>
               </a:ext>
             </a:extLst>
           </p:cNvPr>
@@ -14951,7 +15027,7 @@
           <p:cNvPr id="10" name="Rectangle: Rounded Corners 9">
             <a:extLst>
               <a:ext uri="{FF2B5EF4-FFF2-40B4-BE49-F238E27FC236}">
-                <a16:creationId xmlns:a16="http://schemas.microsoft.com/office/drawing/2014/main" id="{B0706A20-D74C-4096-8123-1074C3459771}"/>
+                <a16:creationId xmlns="" xmlns:a16="http://schemas.microsoft.com/office/drawing/2014/main" id="{B0706A20-D74C-4096-8123-1074C3459771}"/>
               </a:ext>
             </a:extLst>
           </p:cNvPr>
@@ -15000,7 +15076,7 @@
           <p:cNvPr id="11" name="Rectangle: Rounded Corners 10">
             <a:extLst>
               <a:ext uri="{FF2B5EF4-FFF2-40B4-BE49-F238E27FC236}">
-                <a16:creationId xmlns:a16="http://schemas.microsoft.com/office/drawing/2014/main" id="{F4AB5285-96E2-417F-93C6-0651F49A4FD1}"/>
+                <a16:creationId xmlns="" xmlns:a16="http://schemas.microsoft.com/office/drawing/2014/main" id="{F4AB5285-96E2-417F-93C6-0651F49A4FD1}"/>
               </a:ext>
             </a:extLst>
           </p:cNvPr>
@@ -15056,7 +15132,7 @@
           <p:cNvPr id="13" name="TextBox 12">
             <a:extLst>
               <a:ext uri="{FF2B5EF4-FFF2-40B4-BE49-F238E27FC236}">
-                <a16:creationId xmlns:a16="http://schemas.microsoft.com/office/drawing/2014/main" id="{9228FE70-810C-4BF7-A94E-56AC82D37C65}"/>
+                <a16:creationId xmlns="" xmlns:a16="http://schemas.microsoft.com/office/drawing/2014/main" id="{9228FE70-810C-4BF7-A94E-56AC82D37C65}"/>
               </a:ext>
             </a:extLst>
           </p:cNvPr>
@@ -15091,7 +15167,7 @@
           <p:cNvPr id="15" name="Straight Arrow Connector 14">
             <a:extLst>
               <a:ext uri="{FF2B5EF4-FFF2-40B4-BE49-F238E27FC236}">
-                <a16:creationId xmlns:a16="http://schemas.microsoft.com/office/drawing/2014/main" id="{DF10DF84-A7E3-498F-AF43-C1C937E8C649}"/>
+                <a16:creationId xmlns="" xmlns:a16="http://schemas.microsoft.com/office/drawing/2014/main" id="{DF10DF84-A7E3-498F-AF43-C1C937E8C649}"/>
               </a:ext>
             </a:extLst>
           </p:cNvPr>
@@ -15134,7 +15210,7 @@
           <p:cNvPr id="17" name="Straight Arrow Connector 16">
             <a:extLst>
               <a:ext uri="{FF2B5EF4-FFF2-40B4-BE49-F238E27FC236}">
-                <a16:creationId xmlns:a16="http://schemas.microsoft.com/office/drawing/2014/main" id="{CC531552-CE9E-4C90-BA15-FC7B83DC4875}"/>
+                <a16:creationId xmlns="" xmlns:a16="http://schemas.microsoft.com/office/drawing/2014/main" id="{CC531552-CE9E-4C90-BA15-FC7B83DC4875}"/>
               </a:ext>
             </a:extLst>
           </p:cNvPr>
@@ -15177,7 +15253,7 @@
           <p:cNvPr id="20" name="Straight Arrow Connector 19">
             <a:extLst>
               <a:ext uri="{FF2B5EF4-FFF2-40B4-BE49-F238E27FC236}">
-                <a16:creationId xmlns:a16="http://schemas.microsoft.com/office/drawing/2014/main" id="{5417DB97-16C2-44D1-92C7-B3505CDD9A16}"/>
+                <a16:creationId xmlns="" xmlns:a16="http://schemas.microsoft.com/office/drawing/2014/main" id="{5417DB97-16C2-44D1-92C7-B3505CDD9A16}"/>
               </a:ext>
             </a:extLst>
           </p:cNvPr>
@@ -15220,7 +15296,7 @@
           <p:cNvPr id="23" name="Straight Arrow Connector 22">
             <a:extLst>
               <a:ext uri="{FF2B5EF4-FFF2-40B4-BE49-F238E27FC236}">
-                <a16:creationId xmlns:a16="http://schemas.microsoft.com/office/drawing/2014/main" id="{77ADE5B4-B020-4EE3-8768-B91FC70531FA}"/>
+                <a16:creationId xmlns="" xmlns:a16="http://schemas.microsoft.com/office/drawing/2014/main" id="{77ADE5B4-B020-4EE3-8768-B91FC70531FA}"/>
               </a:ext>
             </a:extLst>
           </p:cNvPr>
@@ -15262,7 +15338,7 @@
           <p:cNvPr id="26" name="Rectangle: Rounded Corners 25">
             <a:extLst>
               <a:ext uri="{FF2B5EF4-FFF2-40B4-BE49-F238E27FC236}">
-                <a16:creationId xmlns:a16="http://schemas.microsoft.com/office/drawing/2014/main" id="{2ABF2706-1B2E-453B-B3AE-0DBC12F1E3D4}"/>
+                <a16:creationId xmlns="" xmlns:a16="http://schemas.microsoft.com/office/drawing/2014/main" id="{2ABF2706-1B2E-453B-B3AE-0DBC12F1E3D4}"/>
               </a:ext>
             </a:extLst>
           </p:cNvPr>
@@ -15317,7 +15393,7 @@
           <p:cNvPr id="32" name="Rectangle: Rounded Corners 31">
             <a:extLst>
               <a:ext uri="{FF2B5EF4-FFF2-40B4-BE49-F238E27FC236}">
-                <a16:creationId xmlns:a16="http://schemas.microsoft.com/office/drawing/2014/main" id="{4EB0BBD1-CB88-4FEE-8309-5C34E0B476F3}"/>
+                <a16:creationId xmlns="" xmlns:a16="http://schemas.microsoft.com/office/drawing/2014/main" id="{4EB0BBD1-CB88-4FEE-8309-5C34E0B476F3}"/>
               </a:ext>
             </a:extLst>
           </p:cNvPr>
@@ -15371,7 +15447,7 @@
           <p:cNvPr id="33" name="Straight Arrow Connector 32">
             <a:extLst>
               <a:ext uri="{FF2B5EF4-FFF2-40B4-BE49-F238E27FC236}">
-                <a16:creationId xmlns:a16="http://schemas.microsoft.com/office/drawing/2014/main" id="{D7A3685D-37F1-400E-9286-250878D232B6}"/>
+                <a16:creationId xmlns="" xmlns:a16="http://schemas.microsoft.com/office/drawing/2014/main" id="{D7A3685D-37F1-400E-9286-250878D232B6}"/>
               </a:ext>
             </a:extLst>
           </p:cNvPr>
@@ -15414,7 +15490,7 @@
           <p:cNvPr id="38" name="Rectangle: Rounded Corners 37">
             <a:extLst>
               <a:ext uri="{FF2B5EF4-FFF2-40B4-BE49-F238E27FC236}">
-                <a16:creationId xmlns:a16="http://schemas.microsoft.com/office/drawing/2014/main" id="{67A5476F-0FC8-46EC-B4E2-694029194104}"/>
+                <a16:creationId xmlns="" xmlns:a16="http://schemas.microsoft.com/office/drawing/2014/main" id="{67A5476F-0FC8-46EC-B4E2-694029194104}"/>
               </a:ext>
             </a:extLst>
           </p:cNvPr>
@@ -15468,7 +15544,7 @@
           <p:cNvPr id="39" name="Straight Arrow Connector 38">
             <a:extLst>
               <a:ext uri="{FF2B5EF4-FFF2-40B4-BE49-F238E27FC236}">
-                <a16:creationId xmlns:a16="http://schemas.microsoft.com/office/drawing/2014/main" id="{39D2129C-EB73-424F-AE40-D795428495C9}"/>
+                <a16:creationId xmlns="" xmlns:a16="http://schemas.microsoft.com/office/drawing/2014/main" id="{39D2129C-EB73-424F-AE40-D795428495C9}"/>
               </a:ext>
             </a:extLst>
           </p:cNvPr>
@@ -15510,7 +15586,7 @@
           <p:cNvPr id="41" name="Connector: Curved 40">
             <a:extLst>
               <a:ext uri="{FF2B5EF4-FFF2-40B4-BE49-F238E27FC236}">
-                <a16:creationId xmlns:a16="http://schemas.microsoft.com/office/drawing/2014/main" id="{DF1DF76C-52DD-461A-BA71-71E2632BE4D3}"/>
+                <a16:creationId xmlns="" xmlns:a16="http://schemas.microsoft.com/office/drawing/2014/main" id="{DF1DF76C-52DD-461A-BA71-71E2632BE4D3}"/>
               </a:ext>
             </a:extLst>
           </p:cNvPr>
@@ -15554,7 +15630,7 @@
           <p:cNvPr id="52" name="TextBox 51">
             <a:extLst>
               <a:ext uri="{FF2B5EF4-FFF2-40B4-BE49-F238E27FC236}">
-                <a16:creationId xmlns:a16="http://schemas.microsoft.com/office/drawing/2014/main" id="{32A8553A-1F12-46BE-8280-BB6E643CCC34}"/>
+                <a16:creationId xmlns="" xmlns:a16="http://schemas.microsoft.com/office/drawing/2014/main" id="{32A8553A-1F12-46BE-8280-BB6E643CCC34}"/>
               </a:ext>
             </a:extLst>
           </p:cNvPr>
@@ -15589,7 +15665,7 @@
           <p:cNvPr id="55" name="Straight Arrow Connector 54">
             <a:extLst>
               <a:ext uri="{FF2B5EF4-FFF2-40B4-BE49-F238E27FC236}">
-                <a16:creationId xmlns:a16="http://schemas.microsoft.com/office/drawing/2014/main" id="{7A5B661B-833A-4391-9B0F-E42082FB21D5}"/>
+                <a16:creationId xmlns="" xmlns:a16="http://schemas.microsoft.com/office/drawing/2014/main" id="{7A5B661B-833A-4391-9B0F-E42082FB21D5}"/>
               </a:ext>
             </a:extLst>
           </p:cNvPr>
@@ -15630,7 +15706,7 @@
           <p:cNvPr id="59" name="TextBox 58">
             <a:extLst>
               <a:ext uri="{FF2B5EF4-FFF2-40B4-BE49-F238E27FC236}">
-                <a16:creationId xmlns:a16="http://schemas.microsoft.com/office/drawing/2014/main" id="{FFC9F7DF-4ED3-4A91-8AAE-5CDD112DA0BE}"/>
+                <a16:creationId xmlns="" xmlns:a16="http://schemas.microsoft.com/office/drawing/2014/main" id="{FFC9F7DF-4ED3-4A91-8AAE-5CDD112DA0BE}"/>
               </a:ext>
             </a:extLst>
           </p:cNvPr>
@@ -15717,7 +15793,7 @@
           <p:cNvPr id="4" name="Content Placeholder 3">
             <a:extLst>
               <a:ext uri="{FF2B5EF4-FFF2-40B4-BE49-F238E27FC236}">
-                <a16:creationId xmlns:a16="http://schemas.microsoft.com/office/drawing/2014/main" id="{1B4BCBD3-D197-4A30-8542-13A1BD0042DA}"/>
+                <a16:creationId xmlns="" xmlns:a16="http://schemas.microsoft.com/office/drawing/2014/main" id="{1B4BCBD3-D197-4A30-8542-13A1BD0042DA}"/>
               </a:ext>
             </a:extLst>
           </p:cNvPr>
@@ -15742,35 +15818,35 @@
                 <a:gridCol w="2135630">
                   <a:extLst>
                     <a:ext uri="{9D8B030D-6E8A-4147-A177-3AD203B41FA5}">
-                      <a16:colId xmlns:a16="http://schemas.microsoft.com/office/drawing/2014/main" val="647474070"/>
+                      <a16:colId xmlns="" xmlns:a16="http://schemas.microsoft.com/office/drawing/2014/main" val="647474070"/>
                     </a:ext>
                   </a:extLst>
                 </a:gridCol>
                 <a:gridCol w="1980875">
                   <a:extLst>
                     <a:ext uri="{9D8B030D-6E8A-4147-A177-3AD203B41FA5}">
-                      <a16:colId xmlns:a16="http://schemas.microsoft.com/office/drawing/2014/main" val="4172325040"/>
+                      <a16:colId xmlns="" xmlns:a16="http://schemas.microsoft.com/office/drawing/2014/main" val="4172325040"/>
                     </a:ext>
                   </a:extLst>
                 </a:gridCol>
                 <a:gridCol w="1980875">
                   <a:extLst>
                     <a:ext uri="{9D8B030D-6E8A-4147-A177-3AD203B41FA5}">
-                      <a16:colId xmlns:a16="http://schemas.microsoft.com/office/drawing/2014/main" val="2112222264"/>
+                      <a16:colId xmlns="" xmlns:a16="http://schemas.microsoft.com/office/drawing/2014/main" val="2112222264"/>
                     </a:ext>
                   </a:extLst>
                 </a:gridCol>
                 <a:gridCol w="1980875">
                   <a:extLst>
                     <a:ext uri="{9D8B030D-6E8A-4147-A177-3AD203B41FA5}">
-                      <a16:colId xmlns:a16="http://schemas.microsoft.com/office/drawing/2014/main" val="3712134187"/>
+                      <a16:colId xmlns="" xmlns:a16="http://schemas.microsoft.com/office/drawing/2014/main" val="3712134187"/>
                     </a:ext>
                   </a:extLst>
                 </a:gridCol>
                 <a:gridCol w="1980875">
                   <a:extLst>
                     <a:ext uri="{9D8B030D-6E8A-4147-A177-3AD203B41FA5}">
-                      <a16:colId xmlns:a16="http://schemas.microsoft.com/office/drawing/2014/main" val="2451542488"/>
+                      <a16:colId xmlns="" xmlns:a16="http://schemas.microsoft.com/office/drawing/2014/main" val="2451542488"/>
                     </a:ext>
                   </a:extLst>
                 </a:gridCol>
@@ -15862,7 +15938,7 @@
                 </a:tc>
                 <a:extLst>
                   <a:ext uri="{0D108BD9-81ED-4DB2-BD59-A6C34878D82A}">
-                    <a16:rowId xmlns:a16="http://schemas.microsoft.com/office/drawing/2014/main" val="3580140237"/>
+                    <a16:rowId xmlns="" xmlns:a16="http://schemas.microsoft.com/office/drawing/2014/main" val="3580140237"/>
                   </a:ext>
                 </a:extLst>
               </a:tr>
@@ -15984,7 +16060,7 @@
                 </a:tc>
                 <a:extLst>
                   <a:ext uri="{0D108BD9-81ED-4DB2-BD59-A6C34878D82A}">
-                    <a16:rowId xmlns:a16="http://schemas.microsoft.com/office/drawing/2014/main" val="2413837790"/>
+                    <a16:rowId xmlns="" xmlns:a16="http://schemas.microsoft.com/office/drawing/2014/main" val="2413837790"/>
                   </a:ext>
                 </a:extLst>
               </a:tr>
@@ -16106,7 +16182,7 @@
                 </a:tc>
                 <a:extLst>
                   <a:ext uri="{0D108BD9-81ED-4DB2-BD59-A6C34878D82A}">
-                    <a16:rowId xmlns:a16="http://schemas.microsoft.com/office/drawing/2014/main" val="2462567165"/>
+                    <a16:rowId xmlns="" xmlns:a16="http://schemas.microsoft.com/office/drawing/2014/main" val="2462567165"/>
                   </a:ext>
                 </a:extLst>
               </a:tr>
@@ -16119,7 +16195,7 @@
           <p:cNvPr id="5" name="Table 4">
             <a:extLst>
               <a:ext uri="{FF2B5EF4-FFF2-40B4-BE49-F238E27FC236}">
-                <a16:creationId xmlns:a16="http://schemas.microsoft.com/office/drawing/2014/main" id="{69461E6D-3012-4A5B-BF65-8B2033A10153}"/>
+                <a16:creationId xmlns="" xmlns:a16="http://schemas.microsoft.com/office/drawing/2014/main" id="{69461E6D-3012-4A5B-BF65-8B2033A10153}"/>
               </a:ext>
             </a:extLst>
           </p:cNvPr>
@@ -16142,56 +16218,56 @@
                 <a:gridCol w="701382">
                   <a:extLst>
                     <a:ext uri="{9D8B030D-6E8A-4147-A177-3AD203B41FA5}">
-                      <a16:colId xmlns:a16="http://schemas.microsoft.com/office/drawing/2014/main" val="2496544097"/>
+                      <a16:colId xmlns="" xmlns:a16="http://schemas.microsoft.com/office/drawing/2014/main" val="2496544097"/>
                     </a:ext>
                   </a:extLst>
                 </a:gridCol>
                 <a:gridCol w="650558">
                   <a:extLst>
                     <a:ext uri="{9D8B030D-6E8A-4147-A177-3AD203B41FA5}">
-                      <a16:colId xmlns:a16="http://schemas.microsoft.com/office/drawing/2014/main" val="3731515335"/>
+                      <a16:colId xmlns="" xmlns:a16="http://schemas.microsoft.com/office/drawing/2014/main" val="3731515335"/>
                     </a:ext>
                   </a:extLst>
                 </a:gridCol>
                 <a:gridCol w="650558">
                   <a:extLst>
                     <a:ext uri="{9D8B030D-6E8A-4147-A177-3AD203B41FA5}">
-                      <a16:colId xmlns:a16="http://schemas.microsoft.com/office/drawing/2014/main" val="583802974"/>
+                      <a16:colId xmlns="" xmlns:a16="http://schemas.microsoft.com/office/drawing/2014/main" val="583802974"/>
                     </a:ext>
                   </a:extLst>
                 </a:gridCol>
                 <a:gridCol w="650558">
                   <a:extLst>
                     <a:ext uri="{9D8B030D-6E8A-4147-A177-3AD203B41FA5}">
-                      <a16:colId xmlns:a16="http://schemas.microsoft.com/office/drawing/2014/main" val="1985669728"/>
+                      <a16:colId xmlns="" xmlns:a16="http://schemas.microsoft.com/office/drawing/2014/main" val="1985669728"/>
                     </a:ext>
                   </a:extLst>
                 </a:gridCol>
                 <a:gridCol w="650558">
                   <a:extLst>
                     <a:ext uri="{9D8B030D-6E8A-4147-A177-3AD203B41FA5}">
-                      <a16:colId xmlns:a16="http://schemas.microsoft.com/office/drawing/2014/main" val="670716264"/>
+                      <a16:colId xmlns="" xmlns:a16="http://schemas.microsoft.com/office/drawing/2014/main" val="670716264"/>
                     </a:ext>
                   </a:extLst>
                 </a:gridCol>
                 <a:gridCol w="650558">
                   <a:extLst>
                     <a:ext uri="{9D8B030D-6E8A-4147-A177-3AD203B41FA5}">
-                      <a16:colId xmlns:a16="http://schemas.microsoft.com/office/drawing/2014/main" val="41380092"/>
+                      <a16:colId xmlns="" xmlns:a16="http://schemas.microsoft.com/office/drawing/2014/main" val="41380092"/>
                     </a:ext>
                   </a:extLst>
                 </a:gridCol>
                 <a:gridCol w="2575126">
                   <a:extLst>
                     <a:ext uri="{9D8B030D-6E8A-4147-A177-3AD203B41FA5}">
-                      <a16:colId xmlns:a16="http://schemas.microsoft.com/office/drawing/2014/main" val="1127255555"/>
+                      <a16:colId xmlns="" xmlns:a16="http://schemas.microsoft.com/office/drawing/2014/main" val="1127255555"/>
                     </a:ext>
                   </a:extLst>
                 </a:gridCol>
                 <a:gridCol w="2490416">
                   <a:extLst>
                     <a:ext uri="{9D8B030D-6E8A-4147-A177-3AD203B41FA5}">
-                      <a16:colId xmlns:a16="http://schemas.microsoft.com/office/drawing/2014/main" val="2056522444"/>
+                      <a16:colId xmlns="" xmlns:a16="http://schemas.microsoft.com/office/drawing/2014/main" val="2056522444"/>
                     </a:ext>
                   </a:extLst>
                 </a:gridCol>
@@ -16326,7 +16402,7 @@
                 </a:tc>
                 <a:extLst>
                   <a:ext uri="{0D108BD9-81ED-4DB2-BD59-A6C34878D82A}">
-                    <a16:rowId xmlns:a16="http://schemas.microsoft.com/office/drawing/2014/main" val="2896066975"/>
+                    <a16:rowId xmlns="" xmlns:a16="http://schemas.microsoft.com/office/drawing/2014/main" val="2896066975"/>
                   </a:ext>
                 </a:extLst>
               </a:tr>
@@ -16510,7 +16586,7 @@
                 </a:tc>
                 <a:extLst>
                   <a:ext uri="{0D108BD9-81ED-4DB2-BD59-A6C34878D82A}">
-                    <a16:rowId xmlns:a16="http://schemas.microsoft.com/office/drawing/2014/main" val="3586018524"/>
+                    <a16:rowId xmlns="" xmlns:a16="http://schemas.microsoft.com/office/drawing/2014/main" val="3586018524"/>
                   </a:ext>
                 </a:extLst>
               </a:tr>
@@ -16701,7 +16777,7 @@
                 </a:tc>
                 <a:extLst>
                   <a:ext uri="{0D108BD9-81ED-4DB2-BD59-A6C34878D82A}">
-                    <a16:rowId xmlns:a16="http://schemas.microsoft.com/office/drawing/2014/main" val="1439680067"/>
+                    <a16:rowId xmlns="" xmlns:a16="http://schemas.microsoft.com/office/drawing/2014/main" val="1439680067"/>
                   </a:ext>
                 </a:extLst>
               </a:tr>
@@ -16892,7 +16968,7 @@
                 </a:tc>
                 <a:extLst>
                   <a:ext uri="{0D108BD9-81ED-4DB2-BD59-A6C34878D82A}">
-                    <a16:rowId xmlns:a16="http://schemas.microsoft.com/office/drawing/2014/main" val="1075319824"/>
+                    <a16:rowId xmlns="" xmlns:a16="http://schemas.microsoft.com/office/drawing/2014/main" val="1075319824"/>
                   </a:ext>
                 </a:extLst>
               </a:tr>
@@ -17083,7 +17159,7 @@
                 </a:tc>
                 <a:extLst>
                   <a:ext uri="{0D108BD9-81ED-4DB2-BD59-A6C34878D82A}">
-                    <a16:rowId xmlns:a16="http://schemas.microsoft.com/office/drawing/2014/main" val="1156137200"/>
+                    <a16:rowId xmlns="" xmlns:a16="http://schemas.microsoft.com/office/drawing/2014/main" val="1156137200"/>
                   </a:ext>
                 </a:extLst>
               </a:tr>
@@ -17274,7 +17350,7 @@
                 </a:tc>
                 <a:extLst>
                   <a:ext uri="{0D108BD9-81ED-4DB2-BD59-A6C34878D82A}">
-                    <a16:rowId xmlns:a16="http://schemas.microsoft.com/office/drawing/2014/main" val="2713582692"/>
+                    <a16:rowId xmlns="" xmlns:a16="http://schemas.microsoft.com/office/drawing/2014/main" val="2713582692"/>
                   </a:ext>
                 </a:extLst>
               </a:tr>
@@ -17465,7 +17541,7 @@
                 </a:tc>
                 <a:extLst>
                   <a:ext uri="{0D108BD9-81ED-4DB2-BD59-A6C34878D82A}">
-                    <a16:rowId xmlns:a16="http://schemas.microsoft.com/office/drawing/2014/main" val="2136613090"/>
+                    <a16:rowId xmlns="" xmlns:a16="http://schemas.microsoft.com/office/drawing/2014/main" val="2136613090"/>
                   </a:ext>
                 </a:extLst>
               </a:tr>

--- a/Test Set Optimization.pptx
+++ b/Test Set Optimization.pptx
@@ -127,7 +127,7 @@
 </file>
 
 <file path=ppt/charts/chart1.xml><?xml version="1.0" encoding="utf-8"?>
-<c:chartSpace xmlns:c="http://schemas.openxmlformats.org/drawingml/2006/chart" xmlns:a="http://schemas.openxmlformats.org/drawingml/2006/main" xmlns:r="http://schemas.openxmlformats.org/officeDocument/2006/relationships">
+<c:chartSpace xmlns:c="http://schemas.openxmlformats.org/drawingml/2006/chart" xmlns:a="http://schemas.openxmlformats.org/drawingml/2006/main" xmlns:r="http://schemas.openxmlformats.org/officeDocument/2006/relationships" xmlns:c16r2="http://schemas.microsoft.com/office/drawing/2015/06/chart">
   <c:date1904 val="0"/>
   <c:lang val="en-US"/>
   <c:roundedCorners val="0"/>
@@ -670,7 +670,7 @@
             </c:numLit>
           </c:val>
           <c:smooth val="0"/>
-          <c:extLst xmlns:c16r2="http://schemas.microsoft.com/office/drawing/2015/06/chart">
+          <c:extLst>
             <c:ext xmlns:c16="http://schemas.microsoft.com/office/drawing/2014/chart" uri="{C3380CC4-5D6E-409C-BE32-E72D297353CC}">
               <c16:uniqueId val="{00000000-EA13-4A7B-A01D-61AAFB6F3E56}"/>
             </c:ext>
@@ -844,7 +844,7 @@
             </c:numLit>
           </c:val>
           <c:smooth val="0"/>
-          <c:extLst xmlns:c16r2="http://schemas.microsoft.com/office/drawing/2015/06/chart">
+          <c:extLst>
             <c:ext xmlns:c16="http://schemas.microsoft.com/office/drawing/2014/chart" uri="{C3380CC4-5D6E-409C-BE32-E72D297353CC}">
               <c16:uniqueId val="{00000001-EA13-4A7B-A01D-61AAFB6F3E56}"/>
             </c:ext>
@@ -1063,13 +1063,7 @@
     <c:autoUpdate val="0"/>
   </c:externalData>
   <c:userShapes r:id="rId5"/>
-  <c:extLst xmlns:c16r2="http://schemas.microsoft.com/office/drawing/2015/06/chart">
-    <c:ext xmlns:c16="http://schemas.microsoft.com/office/drawing/2014/chart" uri="{E28EC0CA-F0BB-4C9C-879D-F8772B89E7AC}">
-      <c16:pivotOptions16>
-        <c16:showExpandCollapseFieldButtons val="1"/>
-      </c16:pivotOptions16>
-    </c:ext>
-  </c:extLst>
+  <c:extLst/>
 </c:chartSpace>
 </file>
 
@@ -1625,7 +1619,7 @@
         <cdr:cNvPr id="2" name="TextBox 1">
           <a:extLst xmlns:a="http://schemas.openxmlformats.org/drawingml/2006/main">
             <a:ext uri="{FF2B5EF4-FFF2-40B4-BE49-F238E27FC236}">
-              <a16:creationId xmlns="" xmlns:a16="http://schemas.microsoft.com/office/drawing/2014/main" id="{64B3F357-F064-42C7-96FC-CFC8F7A5F5D2}"/>
+              <a16:creationId xmlns:a16="http://schemas.microsoft.com/office/drawing/2014/main" id="{64B3F357-F064-42C7-96FC-CFC8F7A5F5D2}"/>
             </a:ext>
           </a:extLst>
         </cdr:cNvPr>
@@ -1663,7 +1657,7 @@
         <cdr:cNvPr id="3" name="TextBox 2">
           <a:extLst xmlns:a="http://schemas.openxmlformats.org/drawingml/2006/main">
             <a:ext uri="{FF2B5EF4-FFF2-40B4-BE49-F238E27FC236}">
-              <a16:creationId xmlns="" xmlns:a16="http://schemas.microsoft.com/office/drawing/2014/main" id="{D6EC7A4C-F64C-4341-BC5D-D7D8B4E94619}"/>
+              <a16:creationId xmlns:a16="http://schemas.microsoft.com/office/drawing/2014/main" id="{D6EC7A4C-F64C-4341-BC5D-D7D8B4E94619}"/>
             </a:ext>
           </a:extLst>
         </cdr:cNvPr>
@@ -1708,7 +1702,7 @@
         <cdr:cNvPr id="4" name="TextBox 1">
           <a:extLst xmlns:a="http://schemas.openxmlformats.org/drawingml/2006/main">
             <a:ext uri="{FF2B5EF4-FFF2-40B4-BE49-F238E27FC236}">
-              <a16:creationId xmlns="" xmlns:a16="http://schemas.microsoft.com/office/drawing/2014/main" id="{BF4F0A2B-7FE9-4E19-85A2-74C269DD08B1}"/>
+              <a16:creationId xmlns:a16="http://schemas.microsoft.com/office/drawing/2014/main" id="{BF4F0A2B-7FE9-4E19-85A2-74C269DD08B1}"/>
             </a:ext>
           </a:extLst>
         </cdr:cNvPr>
@@ -1817,7 +1811,7 @@
         <cdr:cNvPr id="5" name="TextBox 4">
           <a:extLst xmlns:a="http://schemas.openxmlformats.org/drawingml/2006/main">
             <a:ext uri="{FF2B5EF4-FFF2-40B4-BE49-F238E27FC236}">
-              <a16:creationId xmlns="" xmlns:a16="http://schemas.microsoft.com/office/drawing/2014/main" id="{FAC1D15F-69DA-493A-A6F9-6757F7346F6B}"/>
+              <a16:creationId xmlns:a16="http://schemas.microsoft.com/office/drawing/2014/main" id="{FAC1D15F-69DA-493A-A6F9-6757F7346F6B}"/>
             </a:ext>
           </a:extLst>
         </cdr:cNvPr>
@@ -1855,7 +1849,7 @@
         <cdr:cNvPr id="6" name="TextBox 5">
           <a:extLst xmlns:a="http://schemas.openxmlformats.org/drawingml/2006/main">
             <a:ext uri="{FF2B5EF4-FFF2-40B4-BE49-F238E27FC236}">
-              <a16:creationId xmlns="" xmlns:a16="http://schemas.microsoft.com/office/drawing/2014/main" id="{06CEEFD0-A49A-4926-A4EF-4ADCB09E247A}"/>
+              <a16:creationId xmlns:a16="http://schemas.microsoft.com/office/drawing/2014/main" id="{06CEEFD0-A49A-4926-A4EF-4ADCB09E247A}"/>
             </a:ext>
           </a:extLst>
         </cdr:cNvPr>
@@ -2306,7 +2300,7 @@
           <a:p>
             <a:fld id="{83284890-85D2-4D7B-8EF5-15A9C1DB8F42}" type="datetimeFigureOut">
               <a:rPr lang="en-US" dirty="0"/>
-              <a:t>8/2/2018</a:t>
+              <a:t>10/2/2018</a:t>
             </a:fld>
             <a:endParaRPr lang="en-US" dirty="0"/>
           </a:p>
@@ -2481,7 +2475,7 @@
           <a:p>
             <a:fld id="{87157CC2-0FC8-4686-B024-99790E0F5162}" type="datetimeFigureOut">
               <a:rPr lang="en-US" dirty="0"/>
-              <a:t>8/2/2018</a:t>
+              <a:t>10/2/2018</a:t>
             </a:fld>
             <a:endParaRPr lang="en-US" dirty="0"/>
           </a:p>
@@ -2656,7 +2650,7 @@
           <a:p>
             <a:fld id="{F6764DA5-CD3D-4590-A511-FCD3BC7A793E}" type="datetimeFigureOut">
               <a:rPr lang="en-US" dirty="0"/>
-              <a:t>8/2/2018</a:t>
+              <a:t>10/2/2018</a:t>
             </a:fld>
             <a:endParaRPr lang="en-US" dirty="0"/>
           </a:p>
@@ -2821,7 +2815,7 @@
           <a:p>
             <a:fld id="{82F5661D-6934-4B32-B92C-470368BF1EC6}" type="datetimeFigureOut">
               <a:rPr lang="en-US" dirty="0"/>
-              <a:t>8/2/2018</a:t>
+              <a:t>10/2/2018</a:t>
             </a:fld>
             <a:endParaRPr lang="en-US" dirty="0"/>
           </a:p>
@@ -3129,7 +3123,7 @@
           <a:p>
             <a:fld id="{C6F822A4-8DA6-4447-9B1F-C5DB58435268}" type="datetimeFigureOut">
               <a:rPr lang="en-US" dirty="0"/>
-              <a:t>8/2/2018</a:t>
+              <a:t>10/2/2018</a:t>
             </a:fld>
             <a:endParaRPr lang="en-US" dirty="0"/>
           </a:p>
@@ -3511,7 +3505,7 @@
           <a:p>
             <a:fld id="{E548D31E-DCDA-41A7-9C67-C4B11B94D21D}" type="datetimeFigureOut">
               <a:rPr lang="en-US" dirty="0"/>
-              <a:t>8/2/2018</a:t>
+              <a:t>10/2/2018</a:t>
             </a:fld>
             <a:endParaRPr lang="en-US" dirty="0"/>
           </a:p>
@@ -3940,7 +3934,7 @@
           <a:p>
             <a:fld id="{9B3762C0-B258-48F1-ADE6-176B4174CCDD}" type="datetimeFigureOut">
               <a:rPr lang="en-US" dirty="0"/>
-              <a:t>8/2/2018</a:t>
+              <a:t>10/2/2018</a:t>
             </a:fld>
             <a:endParaRPr lang="en-US" dirty="0"/>
           </a:p>
@@ -4053,7 +4047,7 @@
           <a:p>
             <a:fld id="{677919A6-33EB-49BD-A62F-1FA56B9F9712}" type="datetimeFigureOut">
               <a:rPr lang="en-US" dirty="0"/>
-              <a:t>8/2/2018</a:t>
+              <a:t>10/2/2018</a:t>
             </a:fld>
             <a:endParaRPr lang="en-US" dirty="0"/>
           </a:p>
@@ -4143,7 +4137,7 @@
           <a:p>
             <a:fld id="{CA4E7D1B-D673-4CF6-8672-009D42ABD2A0}" type="datetimeFigureOut">
               <a:rPr lang="en-US" dirty="0"/>
-              <a:t>8/2/2018</a:t>
+              <a:t>10/2/2018</a:t>
             </a:fld>
             <a:endParaRPr lang="en-US" dirty="0"/>
           </a:p>
@@ -4488,7 +4482,7 @@
           <a:p>
             <a:fld id="{DA16AA21-1863-4931-97CB-99D0A168701B}" type="datetimeFigureOut">
               <a:rPr lang="en-US" dirty="0"/>
-              <a:t>8/2/2018</a:t>
+              <a:t>10/2/2018</a:t>
             </a:fld>
             <a:endParaRPr lang="en-US" dirty="0"/>
           </a:p>
@@ -4908,7 +4902,7 @@
           <a:p>
             <a:fld id="{3772C379-9A7C-4C87-A116-CBE9F58B04C5}" type="datetimeFigureOut">
               <a:rPr lang="en-US" dirty="0"/>
-              <a:t>8/2/2018</a:t>
+              <a:t>10/2/2018</a:t>
             </a:fld>
             <a:endParaRPr lang="en-US" dirty="0"/>
           </a:p>
@@ -5184,7 +5178,7 @@
           <a:p>
             <a:fld id="{8664C608-40B1-4030-A28D-5B74BC98ADCE}" type="datetimeFigureOut">
               <a:rPr lang="en-US" dirty="0"/>
-              <a:t>8/2/2018</a:t>
+              <a:t>10/2/2018</a:t>
             </a:fld>
             <a:endParaRPr lang="en-US" dirty="0"/>
           </a:p>
@@ -5790,7 +5784,7 @@
           <p:cNvPr id="5" name="Subtitle 2">
             <a:extLst>
               <a:ext uri="{FF2B5EF4-FFF2-40B4-BE49-F238E27FC236}">
-                <a16:creationId xmlns="" xmlns:a16="http://schemas.microsoft.com/office/drawing/2014/main" id="{A4E52CD5-4862-423C-9681-E64859ECA90C}"/>
+                <a16:creationId xmlns:a16="http://schemas.microsoft.com/office/drawing/2014/main" id="{A4E52CD5-4862-423C-9681-E64859ECA90C}"/>
               </a:ext>
             </a:extLst>
           </p:cNvPr>
@@ -5832,23 +5826,11 @@
             </a:pPr>
             <a:r>
               <a:rPr lang="en-US" dirty="0"/>
-              <a:t>Amir </a:t>
-            </a:r>
-            <a:r>
-              <a:rPr lang="en-US" dirty="0" err="1"/>
-              <a:t>Avitan</a:t>
-            </a:r>
-            <a:r>
-              <a:rPr lang="en-US" dirty="0"/>
-              <a:t/>
+              <a:t>Amir Avitan </a:t>
             </a:r>
             <a:br>
               <a:rPr lang="en-US" dirty="0"/>
             </a:br>
-            <a:r>
-              <a:rPr lang="en-US" dirty="0"/>
-              <a:t/>
-            </a:r>
             <a:br>
               <a:rPr lang="en-US" dirty="0"/>
             </a:br>
@@ -5917,7 +5899,7 @@
           <p:cNvPr id="4" name="Content Placeholder 3">
             <a:extLst>
               <a:ext uri="{FF2B5EF4-FFF2-40B4-BE49-F238E27FC236}">
-                <a16:creationId xmlns="" xmlns:a16="http://schemas.microsoft.com/office/drawing/2014/main" id="{1B4BCBD3-D197-4A30-8542-13A1BD0042DA}"/>
+                <a16:creationId xmlns:a16="http://schemas.microsoft.com/office/drawing/2014/main" id="{1B4BCBD3-D197-4A30-8542-13A1BD0042DA}"/>
               </a:ext>
             </a:extLst>
           </p:cNvPr>
@@ -5947,35 +5929,35 @@
                 <a:gridCol w="1881923">
                   <a:extLst>
                     <a:ext uri="{9D8B030D-6E8A-4147-A177-3AD203B41FA5}">
-                      <a16:colId xmlns="" xmlns:a16="http://schemas.microsoft.com/office/drawing/2014/main" val="647474070"/>
+                      <a16:colId xmlns:a16="http://schemas.microsoft.com/office/drawing/2014/main" val="647474070"/>
                     </a:ext>
                   </a:extLst>
                 </a:gridCol>
                 <a:gridCol w="1745554">
                   <a:extLst>
                     <a:ext uri="{9D8B030D-6E8A-4147-A177-3AD203B41FA5}">
-                      <a16:colId xmlns="" xmlns:a16="http://schemas.microsoft.com/office/drawing/2014/main" val="4172325040"/>
+                      <a16:colId xmlns:a16="http://schemas.microsoft.com/office/drawing/2014/main" val="4172325040"/>
                     </a:ext>
                   </a:extLst>
                 </a:gridCol>
                 <a:gridCol w="1745554">
                   <a:extLst>
                     <a:ext uri="{9D8B030D-6E8A-4147-A177-3AD203B41FA5}">
-                      <a16:colId xmlns="" xmlns:a16="http://schemas.microsoft.com/office/drawing/2014/main" val="2112222264"/>
+                      <a16:colId xmlns:a16="http://schemas.microsoft.com/office/drawing/2014/main" val="2112222264"/>
                     </a:ext>
                   </a:extLst>
                 </a:gridCol>
                 <a:gridCol w="1745554">
                   <a:extLst>
                     <a:ext uri="{9D8B030D-6E8A-4147-A177-3AD203B41FA5}">
-                      <a16:colId xmlns="" xmlns:a16="http://schemas.microsoft.com/office/drawing/2014/main" val="3712134187"/>
+                      <a16:colId xmlns:a16="http://schemas.microsoft.com/office/drawing/2014/main" val="3712134187"/>
                     </a:ext>
                   </a:extLst>
                 </a:gridCol>
                 <a:gridCol w="1745554">
                   <a:extLst>
                     <a:ext uri="{9D8B030D-6E8A-4147-A177-3AD203B41FA5}">
-                      <a16:colId xmlns="" xmlns:a16="http://schemas.microsoft.com/office/drawing/2014/main" val="2451542488"/>
+                      <a16:colId xmlns:a16="http://schemas.microsoft.com/office/drawing/2014/main" val="2451542488"/>
                     </a:ext>
                   </a:extLst>
                 </a:gridCol>
@@ -6067,7 +6049,7 @@
                 </a:tc>
                 <a:extLst>
                   <a:ext uri="{0D108BD9-81ED-4DB2-BD59-A6C34878D82A}">
-                    <a16:rowId xmlns="" xmlns:a16="http://schemas.microsoft.com/office/drawing/2014/main" val="3580140237"/>
+                    <a16:rowId xmlns:a16="http://schemas.microsoft.com/office/drawing/2014/main" val="3580140237"/>
                   </a:ext>
                 </a:extLst>
               </a:tr>
@@ -6189,7 +6171,7 @@
                 </a:tc>
                 <a:extLst>
                   <a:ext uri="{0D108BD9-81ED-4DB2-BD59-A6C34878D82A}">
-                    <a16:rowId xmlns="" xmlns:a16="http://schemas.microsoft.com/office/drawing/2014/main" val="2413837790"/>
+                    <a16:rowId xmlns:a16="http://schemas.microsoft.com/office/drawing/2014/main" val="2413837790"/>
                   </a:ext>
                 </a:extLst>
               </a:tr>
@@ -6311,7 +6293,7 @@
                 </a:tc>
                 <a:extLst>
                   <a:ext uri="{0D108BD9-81ED-4DB2-BD59-A6C34878D82A}">
-                    <a16:rowId xmlns="" xmlns:a16="http://schemas.microsoft.com/office/drawing/2014/main" val="2462567165"/>
+                    <a16:rowId xmlns:a16="http://schemas.microsoft.com/office/drawing/2014/main" val="2462567165"/>
                   </a:ext>
                 </a:extLst>
               </a:tr>
@@ -6324,7 +6306,7 @@
           <p:cNvPr id="3" name="Table 2">
             <a:extLst>
               <a:ext uri="{FF2B5EF4-FFF2-40B4-BE49-F238E27FC236}">
-                <a16:creationId xmlns="" xmlns:a16="http://schemas.microsoft.com/office/drawing/2014/main" id="{8803D100-F6AA-46EE-B76A-F5881765C1D9}"/>
+                <a16:creationId xmlns:a16="http://schemas.microsoft.com/office/drawing/2014/main" id="{8803D100-F6AA-46EE-B76A-F5881765C1D9}"/>
               </a:ext>
             </a:extLst>
           </p:cNvPr>
@@ -6353,7 +6335,7 @@
                 <a:gridCol w="3848381">
                   <a:extLst>
                     <a:ext uri="{9D8B030D-6E8A-4147-A177-3AD203B41FA5}">
-                      <a16:colId xmlns="" xmlns:a16="http://schemas.microsoft.com/office/drawing/2014/main" val="4001021760"/>
+                      <a16:colId xmlns:a16="http://schemas.microsoft.com/office/drawing/2014/main" val="4001021760"/>
                     </a:ext>
                   </a:extLst>
                 </a:gridCol>
@@ -6384,7 +6366,7 @@
                 </a:tc>
                 <a:extLst>
                   <a:ext uri="{0D108BD9-81ED-4DB2-BD59-A6C34878D82A}">
-                    <a16:rowId xmlns="" xmlns:a16="http://schemas.microsoft.com/office/drawing/2014/main" val="2433356523"/>
+                    <a16:rowId xmlns:a16="http://schemas.microsoft.com/office/drawing/2014/main" val="2433356523"/>
                   </a:ext>
                 </a:extLst>
               </a:tr>
@@ -6414,7 +6396,7 @@
                 </a:tc>
                 <a:extLst>
                   <a:ext uri="{0D108BD9-81ED-4DB2-BD59-A6C34878D82A}">
-                    <a16:rowId xmlns="" xmlns:a16="http://schemas.microsoft.com/office/drawing/2014/main" val="1514519535"/>
+                    <a16:rowId xmlns:a16="http://schemas.microsoft.com/office/drawing/2014/main" val="1514519535"/>
                   </a:ext>
                 </a:extLst>
               </a:tr>
@@ -6427,7 +6409,7 @@
           <p:cNvPr id="7" name="Content Placeholder 2">
             <a:extLst>
               <a:ext uri="{FF2B5EF4-FFF2-40B4-BE49-F238E27FC236}">
-                <a16:creationId xmlns="" xmlns:a16="http://schemas.microsoft.com/office/drawing/2014/main" id="{0BBCA04D-4A8B-47A6-B72E-18B9FFC206D7}"/>
+                <a16:creationId xmlns:a16="http://schemas.microsoft.com/office/drawing/2014/main" id="{0BBCA04D-4A8B-47A6-B72E-18B9FFC206D7}"/>
               </a:ext>
             </a:extLst>
           </p:cNvPr>
@@ -6844,7 +6826,7 @@
           <p:cNvPr id="6" name="Table 5">
             <a:extLst>
               <a:ext uri="{FF2B5EF4-FFF2-40B4-BE49-F238E27FC236}">
-                <a16:creationId xmlns="" xmlns:a16="http://schemas.microsoft.com/office/drawing/2014/main" id="{25354683-3426-4960-9101-F5C26BAA8010}"/>
+                <a16:creationId xmlns:a16="http://schemas.microsoft.com/office/drawing/2014/main" id="{25354683-3426-4960-9101-F5C26BAA8010}"/>
               </a:ext>
             </a:extLst>
           </p:cNvPr>
@@ -6873,14 +6855,14 @@
                 <a:gridCol w="2564857">
                   <a:extLst>
                     <a:ext uri="{9D8B030D-6E8A-4147-A177-3AD203B41FA5}">
-                      <a16:colId xmlns="" xmlns:a16="http://schemas.microsoft.com/office/drawing/2014/main" val="4135053980"/>
+                      <a16:colId xmlns:a16="http://schemas.microsoft.com/office/drawing/2014/main" val="4135053980"/>
                     </a:ext>
                   </a:extLst>
                 </a:gridCol>
                 <a:gridCol w="2264469">
                   <a:extLst>
                     <a:ext uri="{9D8B030D-6E8A-4147-A177-3AD203B41FA5}">
-                      <a16:colId xmlns="" xmlns:a16="http://schemas.microsoft.com/office/drawing/2014/main" val="3755596868"/>
+                      <a16:colId xmlns:a16="http://schemas.microsoft.com/office/drawing/2014/main" val="3755596868"/>
                     </a:ext>
                   </a:extLst>
                 </a:gridCol>
@@ -6921,7 +6903,7 @@
                 </a:tc>
                 <a:extLst>
                   <a:ext uri="{0D108BD9-81ED-4DB2-BD59-A6C34878D82A}">
-                    <a16:rowId xmlns="" xmlns:a16="http://schemas.microsoft.com/office/drawing/2014/main" val="1375678735"/>
+                    <a16:rowId xmlns:a16="http://schemas.microsoft.com/office/drawing/2014/main" val="1375678735"/>
                   </a:ext>
                 </a:extLst>
               </a:tr>
@@ -6974,7 +6956,7 @@
                 </a:tc>
                 <a:extLst>
                   <a:ext uri="{0D108BD9-81ED-4DB2-BD59-A6C34878D82A}">
-                    <a16:rowId xmlns="" xmlns:a16="http://schemas.microsoft.com/office/drawing/2014/main" val="2977290682"/>
+                    <a16:rowId xmlns:a16="http://schemas.microsoft.com/office/drawing/2014/main" val="2977290682"/>
                   </a:ext>
                 </a:extLst>
               </a:tr>
@@ -7027,7 +7009,7 @@
                 </a:tc>
                 <a:extLst>
                   <a:ext uri="{0D108BD9-81ED-4DB2-BD59-A6C34878D82A}">
-                    <a16:rowId xmlns="" xmlns:a16="http://schemas.microsoft.com/office/drawing/2014/main" val="200768871"/>
+                    <a16:rowId xmlns:a16="http://schemas.microsoft.com/office/drawing/2014/main" val="200768871"/>
                   </a:ext>
                 </a:extLst>
               </a:tr>
@@ -7092,7 +7074,7 @@
           <p:cNvPr id="7" name="Content Placeholder 2">
             <a:extLst>
               <a:ext uri="{FF2B5EF4-FFF2-40B4-BE49-F238E27FC236}">
-                <a16:creationId xmlns="" xmlns:a16="http://schemas.microsoft.com/office/drawing/2014/main" id="{0BBCA04D-4A8B-47A6-B72E-18B9FFC206D7}"/>
+                <a16:creationId xmlns:a16="http://schemas.microsoft.com/office/drawing/2014/main" id="{0BBCA04D-4A8B-47A6-B72E-18B9FFC206D7}"/>
               </a:ext>
             </a:extLst>
           </p:cNvPr>
@@ -7375,7 +7357,7 @@
           <p:cNvPr id="9" name="Table 8">
             <a:extLst>
               <a:ext uri="{FF2B5EF4-FFF2-40B4-BE49-F238E27FC236}">
-                <a16:creationId xmlns="" xmlns:a16="http://schemas.microsoft.com/office/drawing/2014/main" id="{2E8FABFF-5365-458D-AD3F-EDA32436B740}"/>
+                <a16:creationId xmlns:a16="http://schemas.microsoft.com/office/drawing/2014/main" id="{2E8FABFF-5365-458D-AD3F-EDA32436B740}"/>
               </a:ext>
             </a:extLst>
           </p:cNvPr>
@@ -7404,28 +7386,28 @@
                 <a:gridCol w="1365909">
                   <a:extLst>
                     <a:ext uri="{9D8B030D-6E8A-4147-A177-3AD203B41FA5}">
-                      <a16:colId xmlns="" xmlns:a16="http://schemas.microsoft.com/office/drawing/2014/main" val="2684657707"/>
+                      <a16:colId xmlns:a16="http://schemas.microsoft.com/office/drawing/2014/main" val="2684657707"/>
                     </a:ext>
                   </a:extLst>
                 </a:gridCol>
                 <a:gridCol w="2705880">
                   <a:extLst>
                     <a:ext uri="{9D8B030D-6E8A-4147-A177-3AD203B41FA5}">
-                      <a16:colId xmlns="" xmlns:a16="http://schemas.microsoft.com/office/drawing/2014/main" val="1501670750"/>
+                      <a16:colId xmlns:a16="http://schemas.microsoft.com/office/drawing/2014/main" val="1501670750"/>
                     </a:ext>
                   </a:extLst>
                 </a:gridCol>
                 <a:gridCol w="1777823">
                   <a:extLst>
                     <a:ext uri="{9D8B030D-6E8A-4147-A177-3AD203B41FA5}">
-                      <a16:colId xmlns="" xmlns:a16="http://schemas.microsoft.com/office/drawing/2014/main" val="1915315137"/>
+                      <a16:colId xmlns:a16="http://schemas.microsoft.com/office/drawing/2014/main" val="1915315137"/>
                     </a:ext>
                   </a:extLst>
                 </a:gridCol>
                 <a:gridCol w="2379988">
                   <a:extLst>
                     <a:ext uri="{9D8B030D-6E8A-4147-A177-3AD203B41FA5}">
-                      <a16:colId xmlns="" xmlns:a16="http://schemas.microsoft.com/office/drawing/2014/main" val="953681896"/>
+                      <a16:colId xmlns:a16="http://schemas.microsoft.com/office/drawing/2014/main" val="953681896"/>
                     </a:ext>
                   </a:extLst>
                 </a:gridCol>
@@ -7525,7 +7507,7 @@
                 </a:tc>
                 <a:extLst>
                   <a:ext uri="{0D108BD9-81ED-4DB2-BD59-A6C34878D82A}">
-                    <a16:rowId xmlns="" xmlns:a16="http://schemas.microsoft.com/office/drawing/2014/main" val="164683983"/>
+                    <a16:rowId xmlns:a16="http://schemas.microsoft.com/office/drawing/2014/main" val="164683983"/>
                   </a:ext>
                 </a:extLst>
               </a:tr>
@@ -7624,7 +7606,7 @@
                 </a:tc>
                 <a:extLst>
                   <a:ext uri="{0D108BD9-81ED-4DB2-BD59-A6C34878D82A}">
-                    <a16:rowId xmlns="" xmlns:a16="http://schemas.microsoft.com/office/drawing/2014/main" val="140643451"/>
+                    <a16:rowId xmlns:a16="http://schemas.microsoft.com/office/drawing/2014/main" val="140643451"/>
                   </a:ext>
                 </a:extLst>
               </a:tr>
@@ -7723,7 +7705,7 @@
                 </a:tc>
                 <a:extLst>
                   <a:ext uri="{0D108BD9-81ED-4DB2-BD59-A6C34878D82A}">
-                    <a16:rowId xmlns="" xmlns:a16="http://schemas.microsoft.com/office/drawing/2014/main" val="545067329"/>
+                    <a16:rowId xmlns:a16="http://schemas.microsoft.com/office/drawing/2014/main" val="545067329"/>
                   </a:ext>
                 </a:extLst>
               </a:tr>
@@ -7822,7 +7804,7 @@
                 </a:tc>
                 <a:extLst>
                   <a:ext uri="{0D108BD9-81ED-4DB2-BD59-A6C34878D82A}">
-                    <a16:rowId xmlns="" xmlns:a16="http://schemas.microsoft.com/office/drawing/2014/main" val="1120792516"/>
+                    <a16:rowId xmlns:a16="http://schemas.microsoft.com/office/drawing/2014/main" val="1120792516"/>
                   </a:ext>
                 </a:extLst>
               </a:tr>
@@ -7921,7 +7903,7 @@
                 </a:tc>
                 <a:extLst>
                   <a:ext uri="{0D108BD9-81ED-4DB2-BD59-A6C34878D82A}">
-                    <a16:rowId xmlns="" xmlns:a16="http://schemas.microsoft.com/office/drawing/2014/main" val="589066662"/>
+                    <a16:rowId xmlns:a16="http://schemas.microsoft.com/office/drawing/2014/main" val="589066662"/>
                   </a:ext>
                 </a:extLst>
               </a:tr>
@@ -8020,7 +8002,7 @@
                 </a:tc>
                 <a:extLst>
                   <a:ext uri="{0D108BD9-81ED-4DB2-BD59-A6C34878D82A}">
-                    <a16:rowId xmlns="" xmlns:a16="http://schemas.microsoft.com/office/drawing/2014/main" val="687664215"/>
+                    <a16:rowId xmlns:a16="http://schemas.microsoft.com/office/drawing/2014/main" val="687664215"/>
                   </a:ext>
                 </a:extLst>
               </a:tr>
@@ -8033,7 +8015,7 @@
           <p:cNvPr id="10" name="Speech Bubble: Oval 9">
             <a:extLst>
               <a:ext uri="{FF2B5EF4-FFF2-40B4-BE49-F238E27FC236}">
-                <a16:creationId xmlns="" xmlns:a16="http://schemas.microsoft.com/office/drawing/2014/main" id="{D1CE854A-98B5-43A9-8177-D9857E749422}"/>
+                <a16:creationId xmlns:a16="http://schemas.microsoft.com/office/drawing/2014/main" id="{D1CE854A-98B5-43A9-8177-D9857E749422}"/>
               </a:ext>
             </a:extLst>
           </p:cNvPr>
@@ -8099,7 +8081,7 @@
           <p:cNvPr id="12" name="Content Placeholder 2">
             <a:extLst>
               <a:ext uri="{FF2B5EF4-FFF2-40B4-BE49-F238E27FC236}">
-                <a16:creationId xmlns="" xmlns:a16="http://schemas.microsoft.com/office/drawing/2014/main" id="{4EE1D6B5-6C74-48AD-A4A6-FE46AB101D5F}"/>
+                <a16:creationId xmlns:a16="http://schemas.microsoft.com/office/drawing/2014/main" id="{4EE1D6B5-6C74-48AD-A4A6-FE46AB101D5F}"/>
               </a:ext>
             </a:extLst>
           </p:cNvPr>
@@ -8452,7 +8434,7 @@
           <p:cNvPr id="7" name="Content Placeholder 2">
             <a:extLst>
               <a:ext uri="{FF2B5EF4-FFF2-40B4-BE49-F238E27FC236}">
-                <a16:creationId xmlns="" xmlns:a16="http://schemas.microsoft.com/office/drawing/2014/main" id="{0BBCA04D-4A8B-47A6-B72E-18B9FFC206D7}"/>
+                <a16:creationId xmlns:a16="http://schemas.microsoft.com/office/drawing/2014/main" id="{0BBCA04D-4A8B-47A6-B72E-18B9FFC206D7}"/>
               </a:ext>
             </a:extLst>
           </p:cNvPr>
@@ -8735,7 +8717,7 @@
           <p:cNvPr id="12" name="Content Placeholder 2">
             <a:extLst>
               <a:ext uri="{FF2B5EF4-FFF2-40B4-BE49-F238E27FC236}">
-                <a16:creationId xmlns="" xmlns:a16="http://schemas.microsoft.com/office/drawing/2014/main" id="{4EE1D6B5-6C74-48AD-A4A6-FE46AB101D5F}"/>
+                <a16:creationId xmlns:a16="http://schemas.microsoft.com/office/drawing/2014/main" id="{4EE1D6B5-6C74-48AD-A4A6-FE46AB101D5F}"/>
               </a:ext>
             </a:extLst>
           </p:cNvPr>
@@ -9117,7 +9099,7 @@
           <p:cNvPr id="3" name="Table 2">
             <a:extLst>
               <a:ext uri="{FF2B5EF4-FFF2-40B4-BE49-F238E27FC236}">
-                <a16:creationId xmlns="" xmlns:a16="http://schemas.microsoft.com/office/drawing/2014/main" id="{93E1C502-65E4-42D3-B7C7-5A7060622D95}"/>
+                <a16:creationId xmlns:a16="http://schemas.microsoft.com/office/drawing/2014/main" id="{93E1C502-65E4-42D3-B7C7-5A7060622D95}"/>
               </a:ext>
             </a:extLst>
           </p:cNvPr>
@@ -9146,35 +9128,35 @@
                 <a:gridCol w="739739">
                   <a:extLst>
                     <a:ext uri="{9D8B030D-6E8A-4147-A177-3AD203B41FA5}">
-                      <a16:colId xmlns="" xmlns:a16="http://schemas.microsoft.com/office/drawing/2014/main" val="2753448739"/>
+                      <a16:colId xmlns:a16="http://schemas.microsoft.com/office/drawing/2014/main" val="2753448739"/>
                     </a:ext>
                   </a:extLst>
                 </a:gridCol>
                 <a:gridCol w="948908">
                   <a:extLst>
                     <a:ext uri="{9D8B030D-6E8A-4147-A177-3AD203B41FA5}">
-                      <a16:colId xmlns="" xmlns:a16="http://schemas.microsoft.com/office/drawing/2014/main" val="521429234"/>
+                      <a16:colId xmlns:a16="http://schemas.microsoft.com/office/drawing/2014/main" val="521429234"/>
                     </a:ext>
                   </a:extLst>
                 </a:gridCol>
                 <a:gridCol w="1270310">
                   <a:extLst>
                     <a:ext uri="{9D8B030D-6E8A-4147-A177-3AD203B41FA5}">
-                      <a16:colId xmlns="" xmlns:a16="http://schemas.microsoft.com/office/drawing/2014/main" val="870603807"/>
+                      <a16:colId xmlns:a16="http://schemas.microsoft.com/office/drawing/2014/main" val="870603807"/>
                     </a:ext>
                   </a:extLst>
                 </a:gridCol>
                 <a:gridCol w="1698848">
                   <a:extLst>
                     <a:ext uri="{9D8B030D-6E8A-4147-A177-3AD203B41FA5}">
-                      <a16:colId xmlns="" xmlns:a16="http://schemas.microsoft.com/office/drawing/2014/main" val="1007441220"/>
+                      <a16:colId xmlns:a16="http://schemas.microsoft.com/office/drawing/2014/main" val="1007441220"/>
                     </a:ext>
                   </a:extLst>
                 </a:gridCol>
                 <a:gridCol w="979517">
                   <a:extLst>
                     <a:ext uri="{9D8B030D-6E8A-4147-A177-3AD203B41FA5}">
-                      <a16:colId xmlns="" xmlns:a16="http://schemas.microsoft.com/office/drawing/2014/main" val="3187038757"/>
+                      <a16:colId xmlns:a16="http://schemas.microsoft.com/office/drawing/2014/main" val="3187038757"/>
                     </a:ext>
                   </a:extLst>
                 </a:gridCol>
@@ -9271,7 +9253,7 @@
                 </a:tc>
                 <a:extLst>
                   <a:ext uri="{0D108BD9-81ED-4DB2-BD59-A6C34878D82A}">
-                    <a16:rowId xmlns="" xmlns:a16="http://schemas.microsoft.com/office/drawing/2014/main" val="108900720"/>
+                    <a16:rowId xmlns:a16="http://schemas.microsoft.com/office/drawing/2014/main" val="108900720"/>
                   </a:ext>
                 </a:extLst>
               </a:tr>
@@ -9393,7 +9375,7 @@
                 </a:tc>
                 <a:extLst>
                   <a:ext uri="{0D108BD9-81ED-4DB2-BD59-A6C34878D82A}">
-                    <a16:rowId xmlns="" xmlns:a16="http://schemas.microsoft.com/office/drawing/2014/main" val="175391373"/>
+                    <a16:rowId xmlns:a16="http://schemas.microsoft.com/office/drawing/2014/main" val="175391373"/>
                   </a:ext>
                 </a:extLst>
               </a:tr>
@@ -9509,7 +9491,7 @@
                 </a:tc>
                 <a:extLst>
                   <a:ext uri="{0D108BD9-81ED-4DB2-BD59-A6C34878D82A}">
-                    <a16:rowId xmlns="" xmlns:a16="http://schemas.microsoft.com/office/drawing/2014/main" val="3209618930"/>
+                    <a16:rowId xmlns:a16="http://schemas.microsoft.com/office/drawing/2014/main" val="3209618930"/>
                   </a:ext>
                 </a:extLst>
               </a:tr>
@@ -9625,7 +9607,7 @@
                 </a:tc>
                 <a:extLst>
                   <a:ext uri="{0D108BD9-81ED-4DB2-BD59-A6C34878D82A}">
-                    <a16:rowId xmlns="" xmlns:a16="http://schemas.microsoft.com/office/drawing/2014/main" val="454893697"/>
+                    <a16:rowId xmlns:a16="http://schemas.microsoft.com/office/drawing/2014/main" val="454893697"/>
                   </a:ext>
                 </a:extLst>
               </a:tr>
@@ -9741,7 +9723,7 @@
                 </a:tc>
                 <a:extLst>
                   <a:ext uri="{0D108BD9-81ED-4DB2-BD59-A6C34878D82A}">
-                    <a16:rowId xmlns="" xmlns:a16="http://schemas.microsoft.com/office/drawing/2014/main" val="3347475787"/>
+                    <a16:rowId xmlns:a16="http://schemas.microsoft.com/office/drawing/2014/main" val="3347475787"/>
                   </a:ext>
                 </a:extLst>
               </a:tr>
@@ -9754,7 +9736,7 @@
           <p:cNvPr id="4" name="Table 3">
             <a:extLst>
               <a:ext uri="{FF2B5EF4-FFF2-40B4-BE49-F238E27FC236}">
-                <a16:creationId xmlns="" xmlns:a16="http://schemas.microsoft.com/office/drawing/2014/main" id="{65544039-450B-4396-9F76-C969FBC8F267}"/>
+                <a16:creationId xmlns:a16="http://schemas.microsoft.com/office/drawing/2014/main" id="{65544039-450B-4396-9F76-C969FBC8F267}"/>
               </a:ext>
             </a:extLst>
           </p:cNvPr>
@@ -9783,112 +9765,112 @@
                 <a:gridCol w="1585264">
                   <a:extLst>
                     <a:ext uri="{9D8B030D-6E8A-4147-A177-3AD203B41FA5}">
-                      <a16:colId xmlns="" xmlns:a16="http://schemas.microsoft.com/office/drawing/2014/main" val="3782272989"/>
+                      <a16:colId xmlns:a16="http://schemas.microsoft.com/office/drawing/2014/main" val="3782272989"/>
                     </a:ext>
                   </a:extLst>
                 </a:gridCol>
                 <a:gridCol w="363290">
                   <a:extLst>
                     <a:ext uri="{9D8B030D-6E8A-4147-A177-3AD203B41FA5}">
-                      <a16:colId xmlns="" xmlns:a16="http://schemas.microsoft.com/office/drawing/2014/main" val="1690900973"/>
+                      <a16:colId xmlns:a16="http://schemas.microsoft.com/office/drawing/2014/main" val="1690900973"/>
                     </a:ext>
                   </a:extLst>
                 </a:gridCol>
                 <a:gridCol w="363290">
                   <a:extLst>
                     <a:ext uri="{9D8B030D-6E8A-4147-A177-3AD203B41FA5}">
-                      <a16:colId xmlns="" xmlns:a16="http://schemas.microsoft.com/office/drawing/2014/main" val="753862312"/>
+                      <a16:colId xmlns:a16="http://schemas.microsoft.com/office/drawing/2014/main" val="753862312"/>
                     </a:ext>
                   </a:extLst>
                 </a:gridCol>
                 <a:gridCol w="363290">
                   <a:extLst>
                     <a:ext uri="{9D8B030D-6E8A-4147-A177-3AD203B41FA5}">
-                      <a16:colId xmlns="" xmlns:a16="http://schemas.microsoft.com/office/drawing/2014/main" val="2680481878"/>
+                      <a16:colId xmlns:a16="http://schemas.microsoft.com/office/drawing/2014/main" val="2680481878"/>
                     </a:ext>
                   </a:extLst>
                 </a:gridCol>
                 <a:gridCol w="363290">
                   <a:extLst>
                     <a:ext uri="{9D8B030D-6E8A-4147-A177-3AD203B41FA5}">
-                      <a16:colId xmlns="" xmlns:a16="http://schemas.microsoft.com/office/drawing/2014/main" val="1673871201"/>
+                      <a16:colId xmlns:a16="http://schemas.microsoft.com/office/drawing/2014/main" val="1673871201"/>
                     </a:ext>
                   </a:extLst>
                 </a:gridCol>
                 <a:gridCol w="363290">
                   <a:extLst>
                     <a:ext uri="{9D8B030D-6E8A-4147-A177-3AD203B41FA5}">
-                      <a16:colId xmlns="" xmlns:a16="http://schemas.microsoft.com/office/drawing/2014/main" val="2577789882"/>
+                      <a16:colId xmlns:a16="http://schemas.microsoft.com/office/drawing/2014/main" val="2577789882"/>
                     </a:ext>
                   </a:extLst>
                 </a:gridCol>
                 <a:gridCol w="363290">
                   <a:extLst>
                     <a:ext uri="{9D8B030D-6E8A-4147-A177-3AD203B41FA5}">
-                      <a16:colId xmlns="" xmlns:a16="http://schemas.microsoft.com/office/drawing/2014/main" val="4076877026"/>
+                      <a16:colId xmlns:a16="http://schemas.microsoft.com/office/drawing/2014/main" val="4076877026"/>
                     </a:ext>
                   </a:extLst>
                 </a:gridCol>
                 <a:gridCol w="363290">
                   <a:extLst>
                     <a:ext uri="{9D8B030D-6E8A-4147-A177-3AD203B41FA5}">
-                      <a16:colId xmlns="" xmlns:a16="http://schemas.microsoft.com/office/drawing/2014/main" val="2598410897"/>
+                      <a16:colId xmlns:a16="http://schemas.microsoft.com/office/drawing/2014/main" val="2598410897"/>
                     </a:ext>
                   </a:extLst>
                 </a:gridCol>
                 <a:gridCol w="363290">
                   <a:extLst>
                     <a:ext uri="{9D8B030D-6E8A-4147-A177-3AD203B41FA5}">
-                      <a16:colId xmlns="" xmlns:a16="http://schemas.microsoft.com/office/drawing/2014/main" val="2774049590"/>
+                      <a16:colId xmlns:a16="http://schemas.microsoft.com/office/drawing/2014/main" val="2774049590"/>
                     </a:ext>
                   </a:extLst>
                 </a:gridCol>
                 <a:gridCol w="363290">
                   <a:extLst>
                     <a:ext uri="{9D8B030D-6E8A-4147-A177-3AD203B41FA5}">
-                      <a16:colId xmlns="" xmlns:a16="http://schemas.microsoft.com/office/drawing/2014/main" val="3981941535"/>
+                      <a16:colId xmlns:a16="http://schemas.microsoft.com/office/drawing/2014/main" val="3981941535"/>
                     </a:ext>
                   </a:extLst>
                 </a:gridCol>
                 <a:gridCol w="528423">
                   <a:extLst>
                     <a:ext uri="{9D8B030D-6E8A-4147-A177-3AD203B41FA5}">
-                      <a16:colId xmlns="" xmlns:a16="http://schemas.microsoft.com/office/drawing/2014/main" val="3026428641"/>
+                      <a16:colId xmlns:a16="http://schemas.microsoft.com/office/drawing/2014/main" val="3026428641"/>
                     </a:ext>
                   </a:extLst>
                 </a:gridCol>
                 <a:gridCol w="528423">
                   <a:extLst>
                     <a:ext uri="{9D8B030D-6E8A-4147-A177-3AD203B41FA5}">
-                      <a16:colId xmlns="" xmlns:a16="http://schemas.microsoft.com/office/drawing/2014/main" val="4056216738"/>
+                      <a16:colId xmlns:a16="http://schemas.microsoft.com/office/drawing/2014/main" val="4056216738"/>
                     </a:ext>
                   </a:extLst>
                 </a:gridCol>
                 <a:gridCol w="528423">
                   <a:extLst>
                     <a:ext uri="{9D8B030D-6E8A-4147-A177-3AD203B41FA5}">
-                      <a16:colId xmlns="" xmlns:a16="http://schemas.microsoft.com/office/drawing/2014/main" val="4152103717"/>
+                      <a16:colId xmlns:a16="http://schemas.microsoft.com/office/drawing/2014/main" val="4152103717"/>
                     </a:ext>
                   </a:extLst>
                 </a:gridCol>
                 <a:gridCol w="528423">
                   <a:extLst>
                     <a:ext uri="{9D8B030D-6E8A-4147-A177-3AD203B41FA5}">
-                      <a16:colId xmlns="" xmlns:a16="http://schemas.microsoft.com/office/drawing/2014/main" val="2254858381"/>
+                      <a16:colId xmlns:a16="http://schemas.microsoft.com/office/drawing/2014/main" val="2254858381"/>
                     </a:ext>
                   </a:extLst>
                 </a:gridCol>
                 <a:gridCol w="528423">
                   <a:extLst>
                     <a:ext uri="{9D8B030D-6E8A-4147-A177-3AD203B41FA5}">
-                      <a16:colId xmlns="" xmlns:a16="http://schemas.microsoft.com/office/drawing/2014/main" val="3348986621"/>
+                      <a16:colId xmlns:a16="http://schemas.microsoft.com/office/drawing/2014/main" val="3348986621"/>
                     </a:ext>
                   </a:extLst>
                 </a:gridCol>
                 <a:gridCol w="528423">
                   <a:extLst>
                     <a:ext uri="{9D8B030D-6E8A-4147-A177-3AD203B41FA5}">
-                      <a16:colId xmlns="" xmlns:a16="http://schemas.microsoft.com/office/drawing/2014/main" val="588748758"/>
+                      <a16:colId xmlns:a16="http://schemas.microsoft.com/office/drawing/2014/main" val="588748758"/>
                     </a:ext>
                   </a:extLst>
                 </a:gridCol>
@@ -10264,7 +10246,7 @@
                 </a:tc>
                 <a:extLst>
                   <a:ext uri="{0D108BD9-81ED-4DB2-BD59-A6C34878D82A}">
-                    <a16:rowId xmlns="" xmlns:a16="http://schemas.microsoft.com/office/drawing/2014/main" val="3222809687"/>
+                    <a16:rowId xmlns:a16="http://schemas.microsoft.com/office/drawing/2014/main" val="3222809687"/>
                   </a:ext>
                 </a:extLst>
               </a:tr>
@@ -10299,7 +10281,7 @@
                     <a:p>
                       <a:pPr algn="ctr" fontAlgn="b"/>
                       <a:r>
-                        <a:rPr lang="en-US" sz="1100" b="1" i="0" u="none" strike="noStrike" dirty="0" smtClean="0">
+                        <a:rPr lang="en-US" sz="1100" b="1" i="0" u="none" strike="noStrike" dirty="0">
                           <a:solidFill>
                             <a:srgbClr val="000000"/>
                           </a:solidFill>
@@ -10308,13 +10290,6 @@
                         </a:rPr>
                         <a:t>P</a:t>
                       </a:r>
-                      <a:endParaRPr lang="en-US" sz="1100" b="1" i="0" u="none" strike="noStrike" dirty="0">
-                        <a:solidFill>
-                          <a:srgbClr val="000000"/>
-                        </a:solidFill>
-                        <a:effectLst/>
-                        <a:latin typeface="+mn-lt"/>
-                      </a:endParaRPr>
                     </a:p>
                   </a:txBody>
                   <a:tcPr marL="7620" marR="7620" marT="7620" marB="0" anchor="b"/>
@@ -10369,7 +10344,7 @@
                     <a:p>
                       <a:pPr algn="ctr" fontAlgn="b"/>
                       <a:r>
-                        <a:rPr lang="en-US" sz="1100" b="1" i="0" u="none" strike="noStrike" dirty="0" smtClean="0">
+                        <a:rPr lang="en-US" sz="1100" b="1" i="0" u="none" strike="noStrike" dirty="0">
                           <a:solidFill>
                             <a:srgbClr val="000000"/>
                           </a:solidFill>
@@ -10378,13 +10353,6 @@
                         </a:rPr>
                         <a:t>P</a:t>
                       </a:r>
-                      <a:endParaRPr lang="en-US" sz="1100" b="1" i="0" u="none" strike="noStrike" dirty="0">
-                        <a:solidFill>
-                          <a:srgbClr val="000000"/>
-                        </a:solidFill>
-                        <a:effectLst/>
-                        <a:latin typeface="+mn-lt"/>
-                      </a:endParaRPr>
                     </a:p>
                   </a:txBody>
                   <a:tcPr marL="7620" marR="7620" marT="7620" marB="0" anchor="b"/>
@@ -10396,7 +10364,7 @@
                     <a:p>
                       <a:pPr algn="ctr" fontAlgn="b"/>
                       <a:r>
-                        <a:rPr lang="en-US" sz="1100" b="1" i="0" u="none" strike="noStrike" dirty="0" smtClean="0">
+                        <a:rPr lang="en-US" sz="1100" b="1" i="0" u="none" strike="noStrike" dirty="0">
                           <a:solidFill>
                             <a:srgbClr val="000000"/>
                           </a:solidFill>
@@ -10405,13 +10373,6 @@
                         </a:rPr>
                         <a:t>P</a:t>
                       </a:r>
-                      <a:endParaRPr lang="en-US" sz="1100" b="1" i="0" u="none" strike="noStrike" dirty="0">
-                        <a:solidFill>
-                          <a:srgbClr val="000000"/>
-                        </a:solidFill>
-                        <a:effectLst/>
-                        <a:latin typeface="+mn-lt"/>
-                      </a:endParaRPr>
                     </a:p>
                   </a:txBody>
                   <a:tcPr marL="7620" marR="7620" marT="7620" marB="0" anchor="b"/>
@@ -10423,7 +10384,7 @@
                     <a:p>
                       <a:pPr algn="ctr" fontAlgn="b"/>
                       <a:r>
-                        <a:rPr lang="en-US" sz="1100" b="1" u="none" strike="noStrike" dirty="0" smtClean="0">
+                        <a:rPr lang="en-US" sz="1100" b="1" u="none" strike="noStrike" dirty="0">
                           <a:effectLst/>
                           <a:highlight>
                             <a:srgbClr val="FFFF00"/>
@@ -10473,7 +10434,7 @@
                     <a:p>
                       <a:pPr algn="ctr" fontAlgn="b"/>
                       <a:r>
-                        <a:rPr lang="en-US" sz="1100" b="1" u="none" strike="noStrike" dirty="0" smtClean="0">
+                        <a:rPr lang="en-US" sz="1100" b="1" u="none" strike="noStrike" dirty="0">
                           <a:effectLst/>
                           <a:highlight>
                             <a:srgbClr val="FFFF00"/>
@@ -10503,7 +10464,7 @@
                     <a:p>
                       <a:pPr algn="ctr" fontAlgn="b"/>
                       <a:r>
-                        <a:rPr lang="en-US" sz="1100" b="1" u="none" strike="noStrike" dirty="0" smtClean="0">
+                        <a:rPr lang="en-US" sz="1100" b="1" u="none" strike="noStrike" dirty="0">
                           <a:effectLst/>
                           <a:highlight>
                             <a:srgbClr val="FFFF00"/>
@@ -10557,7 +10518,7 @@
                     <a:p>
                       <a:pPr algn="ctr" fontAlgn="b"/>
                       <a:r>
-                        <a:rPr lang="en-US" sz="1100" b="1" u="none" strike="noStrike" dirty="0" smtClean="0">
+                        <a:rPr lang="en-US" sz="1100" b="1" u="none" strike="noStrike" dirty="0">
                           <a:effectLst/>
                           <a:highlight>
                             <a:srgbClr val="FFFF00"/>
@@ -10587,7 +10548,7 @@
                     <a:p>
                       <a:pPr algn="ctr" fontAlgn="b"/>
                       <a:r>
-                        <a:rPr lang="en-US" sz="1100" b="1" u="none" strike="noStrike" dirty="0" smtClean="0">
+                        <a:rPr lang="en-US" sz="1100" b="1" u="none" strike="noStrike" dirty="0">
                           <a:effectLst/>
                           <a:highlight>
                             <a:srgbClr val="FFFF00"/>
@@ -10617,7 +10578,7 @@
                     <a:p>
                       <a:pPr algn="ctr" fontAlgn="b"/>
                       <a:r>
-                        <a:rPr lang="en-US" sz="1100" b="1" u="none" strike="noStrike" dirty="0" smtClean="0">
+                        <a:rPr lang="en-US" sz="1100" b="1" u="none" strike="noStrike" dirty="0">
                           <a:effectLst/>
                           <a:highlight>
                             <a:srgbClr val="FFFF00"/>
@@ -10647,7 +10608,7 @@
                     <a:p>
                       <a:pPr algn="ctr" fontAlgn="b"/>
                       <a:r>
-                        <a:rPr lang="en-US" sz="1100" b="1" u="none" strike="noStrike" dirty="0" smtClean="0">
+                        <a:rPr lang="en-US" sz="1100" b="1" u="none" strike="noStrike" dirty="0">
                           <a:effectLst/>
                           <a:highlight>
                             <a:srgbClr val="FFFF00"/>
@@ -10720,7 +10681,7 @@
                 </a:tc>
                 <a:extLst>
                   <a:ext uri="{0D108BD9-81ED-4DB2-BD59-A6C34878D82A}">
-                    <a16:rowId xmlns="" xmlns:a16="http://schemas.microsoft.com/office/drawing/2014/main" val="1619102543"/>
+                    <a16:rowId xmlns:a16="http://schemas.microsoft.com/office/drawing/2014/main" val="1619102543"/>
                   </a:ext>
                 </a:extLst>
               </a:tr>
@@ -11092,7 +11053,7 @@
                     <a:p>
                       <a:pPr algn="ctr" fontAlgn="b"/>
                       <a:r>
-                        <a:rPr lang="en-US" sz="1100" b="1" u="none" strike="noStrike" dirty="0" smtClean="0">
+                        <a:rPr lang="en-US" sz="1100" b="1" u="none" strike="noStrike" dirty="0">
                           <a:effectLst/>
                           <a:latin typeface="+mn-lt"/>
                         </a:rPr>
@@ -11116,7 +11077,7 @@
                     <a:p>
                       <a:pPr algn="ctr" fontAlgn="b"/>
                       <a:r>
-                        <a:rPr lang="en-US" sz="1100" b="1" u="none" strike="noStrike" dirty="0" smtClean="0">
+                        <a:rPr lang="en-US" sz="1100" b="1" u="none" strike="noStrike" dirty="0">
                           <a:effectLst/>
                           <a:highlight>
                             <a:srgbClr val="FFFF00"/>
@@ -11141,7 +11102,7 @@
                 </a:tc>
                 <a:extLst>
                   <a:ext uri="{0D108BD9-81ED-4DB2-BD59-A6C34878D82A}">
-                    <a16:rowId xmlns="" xmlns:a16="http://schemas.microsoft.com/office/drawing/2014/main" val="2707276461"/>
+                    <a16:rowId xmlns:a16="http://schemas.microsoft.com/office/drawing/2014/main" val="2707276461"/>
                   </a:ext>
                 </a:extLst>
               </a:tr>
@@ -11206,7 +11167,7 @@
           <p:cNvPr id="7" name="Content Placeholder 2">
             <a:extLst>
               <a:ext uri="{FF2B5EF4-FFF2-40B4-BE49-F238E27FC236}">
-                <a16:creationId xmlns="" xmlns:a16="http://schemas.microsoft.com/office/drawing/2014/main" id="{0BBCA04D-4A8B-47A6-B72E-18B9FFC206D7}"/>
+                <a16:creationId xmlns:a16="http://schemas.microsoft.com/office/drawing/2014/main" id="{0BBCA04D-4A8B-47A6-B72E-18B9FFC206D7}"/>
               </a:ext>
             </a:extLst>
           </p:cNvPr>
@@ -11489,7 +11450,7 @@
           <p:cNvPr id="12" name="Content Placeholder 2">
             <a:extLst>
               <a:ext uri="{FF2B5EF4-FFF2-40B4-BE49-F238E27FC236}">
-                <a16:creationId xmlns="" xmlns:a16="http://schemas.microsoft.com/office/drawing/2014/main" id="{4EE1D6B5-6C74-48AD-A4A6-FE46AB101D5F}"/>
+                <a16:creationId xmlns:a16="http://schemas.microsoft.com/office/drawing/2014/main" id="{4EE1D6B5-6C74-48AD-A4A6-FE46AB101D5F}"/>
               </a:ext>
             </a:extLst>
           </p:cNvPr>
@@ -11853,7 +11814,7 @@
           <p:cNvPr id="6" name="Chart 5">
             <a:extLst>
               <a:ext uri="{FF2B5EF4-FFF2-40B4-BE49-F238E27FC236}">
-                <a16:creationId xmlns="" xmlns:a16="http://schemas.microsoft.com/office/drawing/2014/main" xmlns:lc="http://schemas.openxmlformats.org/drawingml/2006/lockedCanvas" id="{DA22F8D6-0FAF-4E0A-A7DC-217A0C88992A}"/>
+                <a16:creationId xmlns:a16="http://schemas.microsoft.com/office/drawing/2014/main" id="{DA22F8D6-0FAF-4E0A-A7DC-217A0C88992A}"/>
               </a:ext>
             </a:extLst>
           </p:cNvPr>
@@ -11913,7 +11874,7 @@
           <p:cNvPr id="2" name="Title 1">
             <a:extLst>
               <a:ext uri="{FF2B5EF4-FFF2-40B4-BE49-F238E27FC236}">
-                <a16:creationId xmlns="" xmlns:a16="http://schemas.microsoft.com/office/drawing/2014/main" id="{040FCF0E-7CE9-465E-AEE8-6F11580C285F}"/>
+                <a16:creationId xmlns:a16="http://schemas.microsoft.com/office/drawing/2014/main" id="{040FCF0E-7CE9-465E-AEE8-6F11580C285F}"/>
               </a:ext>
             </a:extLst>
           </p:cNvPr>
@@ -11941,7 +11902,7 @@
           <p:cNvPr id="3" name="Content Placeholder 2">
             <a:extLst>
               <a:ext uri="{FF2B5EF4-FFF2-40B4-BE49-F238E27FC236}">
-                <a16:creationId xmlns="" xmlns:a16="http://schemas.microsoft.com/office/drawing/2014/main" id="{51D59C22-CB34-46E4-9845-1FC09DD740F2}"/>
+                <a16:creationId xmlns:a16="http://schemas.microsoft.com/office/drawing/2014/main" id="{51D59C22-CB34-46E4-9845-1FC09DD740F2}"/>
               </a:ext>
             </a:extLst>
           </p:cNvPr>
@@ -12580,7 +12541,7 @@
           <p:cNvPr id="5" name="Content Placeholder 4">
             <a:extLst>
               <a:ext uri="{FF2B5EF4-FFF2-40B4-BE49-F238E27FC236}">
-                <a16:creationId xmlns="" xmlns:a16="http://schemas.microsoft.com/office/drawing/2014/main" id="{910E7538-8B62-9C4C-B6DA-0AB9F37A9919}"/>
+                <a16:creationId xmlns:a16="http://schemas.microsoft.com/office/drawing/2014/main" id="{910E7538-8B62-9C4C-B6DA-0AB9F37A9919}"/>
               </a:ext>
             </a:extLst>
           </p:cNvPr>
@@ -12697,18 +12658,14 @@
           </a:p>
           <a:p>
             <a:r>
-              <a:rPr lang="en-US" dirty="0" smtClean="0"/>
+              <a:rPr lang="en-US" dirty="0"/>
               <a:t>Normalize all components probabilities.</a:t>
             </a:r>
           </a:p>
           <a:p>
             <a:r>
-              <a:rPr lang="en-US" dirty="0" smtClean="0"/>
-              <a:t>Calculate </a:t>
-            </a:r>
-            <a:r>
               <a:rPr lang="en-US" dirty="0"/>
-              <a:t>components entropy for all components.</a:t>
+              <a:t>Calculate components entropy for all components.</a:t>
             </a:r>
           </a:p>
           <a:p>
@@ -12902,7 +12859,7 @@
               <a:t>Entropy calculated on all </a:t>
             </a:r>
             <a:r>
-              <a:rPr lang="en-US" altLang="en-US" dirty="0" err="1" smtClean="0"/>
+              <a:rPr lang="en-US" altLang="en-US" dirty="0" err="1"/>
               <a:t>componenets</a:t>
             </a:r>
             <a:r>
@@ -12910,7 +12867,7 @@
               <a:t> </a:t>
             </a:r>
             <a:r>
-              <a:rPr lang="en-US" altLang="en-US" smtClean="0"/>
+              <a:rPr lang="en-US" altLang="en-US"/>
               <a:t>after normalization.</a:t>
             </a:r>
             <a:endParaRPr lang="en-US" altLang="en-US" dirty="0"/>
@@ -12977,7 +12934,7 @@
           <p:cNvPr id="4" name="Content Placeholder 3">
             <a:extLst>
               <a:ext uri="{FF2B5EF4-FFF2-40B4-BE49-F238E27FC236}">
-                <a16:creationId xmlns="" xmlns:a16="http://schemas.microsoft.com/office/drawing/2014/main" id="{1B4BCBD3-D197-4A30-8542-13A1BD0042DA}"/>
+                <a16:creationId xmlns:a16="http://schemas.microsoft.com/office/drawing/2014/main" id="{1B4BCBD3-D197-4A30-8542-13A1BD0042DA}"/>
               </a:ext>
             </a:extLst>
           </p:cNvPr>
@@ -13007,35 +12964,35 @@
                 <a:gridCol w="2135630">
                   <a:extLst>
                     <a:ext uri="{9D8B030D-6E8A-4147-A177-3AD203B41FA5}">
-                      <a16:colId xmlns="" xmlns:a16="http://schemas.microsoft.com/office/drawing/2014/main" val="647474070"/>
+                      <a16:colId xmlns:a16="http://schemas.microsoft.com/office/drawing/2014/main" val="647474070"/>
                     </a:ext>
                   </a:extLst>
                 </a:gridCol>
                 <a:gridCol w="1980875">
                   <a:extLst>
                     <a:ext uri="{9D8B030D-6E8A-4147-A177-3AD203B41FA5}">
-                      <a16:colId xmlns="" xmlns:a16="http://schemas.microsoft.com/office/drawing/2014/main" val="4172325040"/>
+                      <a16:colId xmlns:a16="http://schemas.microsoft.com/office/drawing/2014/main" val="4172325040"/>
                     </a:ext>
                   </a:extLst>
                 </a:gridCol>
                 <a:gridCol w="1980875">
                   <a:extLst>
                     <a:ext uri="{9D8B030D-6E8A-4147-A177-3AD203B41FA5}">
-                      <a16:colId xmlns="" xmlns:a16="http://schemas.microsoft.com/office/drawing/2014/main" val="2112222264"/>
+                      <a16:colId xmlns:a16="http://schemas.microsoft.com/office/drawing/2014/main" val="2112222264"/>
                     </a:ext>
                   </a:extLst>
                 </a:gridCol>
                 <a:gridCol w="1980875">
                   <a:extLst>
                     <a:ext uri="{9D8B030D-6E8A-4147-A177-3AD203B41FA5}">
-                      <a16:colId xmlns="" xmlns:a16="http://schemas.microsoft.com/office/drawing/2014/main" val="3712134187"/>
+                      <a16:colId xmlns:a16="http://schemas.microsoft.com/office/drawing/2014/main" val="3712134187"/>
                     </a:ext>
                   </a:extLst>
                 </a:gridCol>
                 <a:gridCol w="1980875">
                   <a:extLst>
                     <a:ext uri="{9D8B030D-6E8A-4147-A177-3AD203B41FA5}">
-                      <a16:colId xmlns="" xmlns:a16="http://schemas.microsoft.com/office/drawing/2014/main" val="2451542488"/>
+                      <a16:colId xmlns:a16="http://schemas.microsoft.com/office/drawing/2014/main" val="2451542488"/>
                     </a:ext>
                   </a:extLst>
                 </a:gridCol>
@@ -13138,7 +13095,7 @@
                 </a:tc>
                 <a:extLst>
                   <a:ext uri="{0D108BD9-81ED-4DB2-BD59-A6C34878D82A}">
-                    <a16:rowId xmlns="" xmlns:a16="http://schemas.microsoft.com/office/drawing/2014/main" val="3580140237"/>
+                    <a16:rowId xmlns:a16="http://schemas.microsoft.com/office/drawing/2014/main" val="3580140237"/>
                   </a:ext>
                 </a:extLst>
               </a:tr>
@@ -13260,7 +13217,7 @@
                 </a:tc>
                 <a:extLst>
                   <a:ext uri="{0D108BD9-81ED-4DB2-BD59-A6C34878D82A}">
-                    <a16:rowId xmlns="" xmlns:a16="http://schemas.microsoft.com/office/drawing/2014/main" val="2413837790"/>
+                    <a16:rowId xmlns:a16="http://schemas.microsoft.com/office/drawing/2014/main" val="2413837790"/>
                   </a:ext>
                 </a:extLst>
               </a:tr>
@@ -13382,7 +13339,7 @@
                 </a:tc>
                 <a:extLst>
                   <a:ext uri="{0D108BD9-81ED-4DB2-BD59-A6C34878D82A}">
-                    <a16:rowId xmlns="" xmlns:a16="http://schemas.microsoft.com/office/drawing/2014/main" val="2462567165"/>
+                    <a16:rowId xmlns:a16="http://schemas.microsoft.com/office/drawing/2014/main" val="2462567165"/>
                   </a:ext>
                 </a:extLst>
               </a:tr>
@@ -13395,7 +13352,7 @@
           <p:cNvPr id="6" name="Table 5">
             <a:extLst>
               <a:ext uri="{FF2B5EF4-FFF2-40B4-BE49-F238E27FC236}">
-                <a16:creationId xmlns="" xmlns:a16="http://schemas.microsoft.com/office/drawing/2014/main" id="{48EDFADF-5E97-469F-A860-DB2844210B1D}"/>
+                <a16:creationId xmlns:a16="http://schemas.microsoft.com/office/drawing/2014/main" id="{48EDFADF-5E97-469F-A860-DB2844210B1D}"/>
               </a:ext>
             </a:extLst>
           </p:cNvPr>
@@ -13424,42 +13381,42 @@
                 <a:gridCol w="1688123">
                   <a:extLst>
                     <a:ext uri="{9D8B030D-6E8A-4147-A177-3AD203B41FA5}">
-                      <a16:colId xmlns="" xmlns:a16="http://schemas.microsoft.com/office/drawing/2014/main" val="1069312243"/>
+                      <a16:colId xmlns:a16="http://schemas.microsoft.com/office/drawing/2014/main" val="1069312243"/>
                     </a:ext>
                   </a:extLst>
                 </a:gridCol>
                 <a:gridCol w="1688123">
                   <a:extLst>
                     <a:ext uri="{9D8B030D-6E8A-4147-A177-3AD203B41FA5}">
-                      <a16:colId xmlns="" xmlns:a16="http://schemas.microsoft.com/office/drawing/2014/main" val="1602297419"/>
+                      <a16:colId xmlns:a16="http://schemas.microsoft.com/office/drawing/2014/main" val="1602297419"/>
                     </a:ext>
                   </a:extLst>
                 </a:gridCol>
                 <a:gridCol w="1688123">
                   <a:extLst>
                     <a:ext uri="{9D8B030D-6E8A-4147-A177-3AD203B41FA5}">
-                      <a16:colId xmlns="" xmlns:a16="http://schemas.microsoft.com/office/drawing/2014/main" val="3113265691"/>
+                      <a16:colId xmlns:a16="http://schemas.microsoft.com/office/drawing/2014/main" val="3113265691"/>
                     </a:ext>
                   </a:extLst>
                 </a:gridCol>
                 <a:gridCol w="1688123">
                   <a:extLst>
                     <a:ext uri="{9D8B030D-6E8A-4147-A177-3AD203B41FA5}">
-                      <a16:colId xmlns="" xmlns:a16="http://schemas.microsoft.com/office/drawing/2014/main" val="4104595099"/>
+                      <a16:colId xmlns:a16="http://schemas.microsoft.com/office/drawing/2014/main" val="4104595099"/>
                     </a:ext>
                   </a:extLst>
                 </a:gridCol>
                 <a:gridCol w="1688123">
                   <a:extLst>
                     <a:ext uri="{9D8B030D-6E8A-4147-A177-3AD203B41FA5}">
-                      <a16:colId xmlns="" xmlns:a16="http://schemas.microsoft.com/office/drawing/2014/main" val="1995296926"/>
+                      <a16:colId xmlns:a16="http://schemas.microsoft.com/office/drawing/2014/main" val="1995296926"/>
                     </a:ext>
                   </a:extLst>
                 </a:gridCol>
                 <a:gridCol w="1617785">
                   <a:extLst>
                     <a:ext uri="{9D8B030D-6E8A-4147-A177-3AD203B41FA5}">
-                      <a16:colId xmlns="" xmlns:a16="http://schemas.microsoft.com/office/drawing/2014/main" val="3877867921"/>
+                      <a16:colId xmlns:a16="http://schemas.microsoft.com/office/drawing/2014/main" val="3877867921"/>
                     </a:ext>
                   </a:extLst>
                 </a:gridCol>
@@ -13551,7 +13508,7 @@
                 </a:tc>
                 <a:extLst>
                   <a:ext uri="{0D108BD9-81ED-4DB2-BD59-A6C34878D82A}">
-                    <a16:rowId xmlns="" xmlns:a16="http://schemas.microsoft.com/office/drawing/2014/main" val="1673954512"/>
+                    <a16:rowId xmlns:a16="http://schemas.microsoft.com/office/drawing/2014/main" val="1673954512"/>
                   </a:ext>
                 </a:extLst>
               </a:tr>
@@ -13631,7 +13588,7 @@
                 </a:tc>
                 <a:extLst>
                   <a:ext uri="{0D108BD9-81ED-4DB2-BD59-A6C34878D82A}">
-                    <a16:rowId xmlns="" xmlns:a16="http://schemas.microsoft.com/office/drawing/2014/main" val="4225706138"/>
+                    <a16:rowId xmlns:a16="http://schemas.microsoft.com/office/drawing/2014/main" val="4225706138"/>
                   </a:ext>
                 </a:extLst>
               </a:tr>
@@ -13776,7 +13733,7 @@
                 </a:tc>
                 <a:extLst>
                   <a:ext uri="{0D108BD9-81ED-4DB2-BD59-A6C34878D82A}">
-                    <a16:rowId xmlns="" xmlns:a16="http://schemas.microsoft.com/office/drawing/2014/main" val="731355789"/>
+                    <a16:rowId xmlns:a16="http://schemas.microsoft.com/office/drawing/2014/main" val="731355789"/>
                   </a:ext>
                 </a:extLst>
               </a:tr>
@@ -13921,7 +13878,7 @@
                 </a:tc>
                 <a:extLst>
                   <a:ext uri="{0D108BD9-81ED-4DB2-BD59-A6C34878D82A}">
-                    <a16:rowId xmlns="" xmlns:a16="http://schemas.microsoft.com/office/drawing/2014/main" val="3337905118"/>
+                    <a16:rowId xmlns:a16="http://schemas.microsoft.com/office/drawing/2014/main" val="3337905118"/>
                   </a:ext>
                 </a:extLst>
               </a:tr>
@@ -14066,7 +14023,7 @@
                 </a:tc>
                 <a:extLst>
                   <a:ext uri="{0D108BD9-81ED-4DB2-BD59-A6C34878D82A}">
-                    <a16:rowId xmlns="" xmlns:a16="http://schemas.microsoft.com/office/drawing/2014/main" val="887770495"/>
+                    <a16:rowId xmlns:a16="http://schemas.microsoft.com/office/drawing/2014/main" val="887770495"/>
                   </a:ext>
                 </a:extLst>
               </a:tr>
@@ -14211,7 +14168,7 @@
                 </a:tc>
                 <a:extLst>
                   <a:ext uri="{0D108BD9-81ED-4DB2-BD59-A6C34878D82A}">
-                    <a16:rowId xmlns="" xmlns:a16="http://schemas.microsoft.com/office/drawing/2014/main" val="3775073205"/>
+                    <a16:rowId xmlns:a16="http://schemas.microsoft.com/office/drawing/2014/main" val="3775073205"/>
                   </a:ext>
                 </a:extLst>
               </a:tr>
@@ -14356,7 +14313,7 @@
                 </a:tc>
                 <a:extLst>
                   <a:ext uri="{0D108BD9-81ED-4DB2-BD59-A6C34878D82A}">
-                    <a16:rowId xmlns="" xmlns:a16="http://schemas.microsoft.com/office/drawing/2014/main" val="2804253901"/>
+                    <a16:rowId xmlns:a16="http://schemas.microsoft.com/office/drawing/2014/main" val="2804253901"/>
                   </a:ext>
                 </a:extLst>
               </a:tr>
@@ -14501,7 +14458,7 @@
                 </a:tc>
                 <a:extLst>
                   <a:ext uri="{0D108BD9-81ED-4DB2-BD59-A6C34878D82A}">
-                    <a16:rowId xmlns="" xmlns:a16="http://schemas.microsoft.com/office/drawing/2014/main" val="2065319259"/>
+                    <a16:rowId xmlns:a16="http://schemas.microsoft.com/office/drawing/2014/main" val="2065319259"/>
                   </a:ext>
                 </a:extLst>
               </a:tr>
@@ -14514,7 +14471,7 @@
           <p:cNvPr id="7" name="Content Placeholder 2">
             <a:extLst>
               <a:ext uri="{FF2B5EF4-FFF2-40B4-BE49-F238E27FC236}">
-                <a16:creationId xmlns="" xmlns:a16="http://schemas.microsoft.com/office/drawing/2014/main" id="{DB3FDC21-33EA-49FD-98E2-29D9AABCE9E0}"/>
+                <a16:creationId xmlns:a16="http://schemas.microsoft.com/office/drawing/2014/main" id="{DB3FDC21-33EA-49FD-98E2-29D9AABCE9E0}"/>
               </a:ext>
             </a:extLst>
           </p:cNvPr>
@@ -14874,7 +14831,7 @@
           <p:cNvPr id="7" name="Rectangle: Rounded Corners 6">
             <a:extLst>
               <a:ext uri="{FF2B5EF4-FFF2-40B4-BE49-F238E27FC236}">
-                <a16:creationId xmlns="" xmlns:a16="http://schemas.microsoft.com/office/drawing/2014/main" id="{BF96E85E-C3C5-4A1F-8EDE-EF894229D6C2}"/>
+                <a16:creationId xmlns:a16="http://schemas.microsoft.com/office/drawing/2014/main" id="{BF96E85E-C3C5-4A1F-8EDE-EF894229D6C2}"/>
               </a:ext>
             </a:extLst>
           </p:cNvPr>
@@ -14929,7 +14886,7 @@
           <p:cNvPr id="8" name="Rectangle: Rounded Corners 7">
             <a:extLst>
               <a:ext uri="{FF2B5EF4-FFF2-40B4-BE49-F238E27FC236}">
-                <a16:creationId xmlns="" xmlns:a16="http://schemas.microsoft.com/office/drawing/2014/main" id="{40A8D94A-F67E-423B-A732-34895DC0E6AD}"/>
+                <a16:creationId xmlns:a16="http://schemas.microsoft.com/office/drawing/2014/main" id="{40A8D94A-F67E-423B-A732-34895DC0E6AD}"/>
               </a:ext>
             </a:extLst>
           </p:cNvPr>
@@ -14978,7 +14935,7 @@
           <p:cNvPr id="9" name="Rectangle: Rounded Corners 8">
             <a:extLst>
               <a:ext uri="{FF2B5EF4-FFF2-40B4-BE49-F238E27FC236}">
-                <a16:creationId xmlns="" xmlns:a16="http://schemas.microsoft.com/office/drawing/2014/main" id="{780D1484-EB9F-460D-9013-9746E5C9D52D}"/>
+                <a16:creationId xmlns:a16="http://schemas.microsoft.com/office/drawing/2014/main" id="{780D1484-EB9F-460D-9013-9746E5C9D52D}"/>
               </a:ext>
             </a:extLst>
           </p:cNvPr>
@@ -15027,7 +14984,7 @@
           <p:cNvPr id="10" name="Rectangle: Rounded Corners 9">
             <a:extLst>
               <a:ext uri="{FF2B5EF4-FFF2-40B4-BE49-F238E27FC236}">
-                <a16:creationId xmlns="" xmlns:a16="http://schemas.microsoft.com/office/drawing/2014/main" id="{B0706A20-D74C-4096-8123-1074C3459771}"/>
+                <a16:creationId xmlns:a16="http://schemas.microsoft.com/office/drawing/2014/main" id="{B0706A20-D74C-4096-8123-1074C3459771}"/>
               </a:ext>
             </a:extLst>
           </p:cNvPr>
@@ -15076,7 +15033,7 @@
           <p:cNvPr id="11" name="Rectangle: Rounded Corners 10">
             <a:extLst>
               <a:ext uri="{FF2B5EF4-FFF2-40B4-BE49-F238E27FC236}">
-                <a16:creationId xmlns="" xmlns:a16="http://schemas.microsoft.com/office/drawing/2014/main" id="{F4AB5285-96E2-417F-93C6-0651F49A4FD1}"/>
+                <a16:creationId xmlns:a16="http://schemas.microsoft.com/office/drawing/2014/main" id="{F4AB5285-96E2-417F-93C6-0651F49A4FD1}"/>
               </a:ext>
             </a:extLst>
           </p:cNvPr>
@@ -15132,7 +15089,7 @@
           <p:cNvPr id="13" name="TextBox 12">
             <a:extLst>
               <a:ext uri="{FF2B5EF4-FFF2-40B4-BE49-F238E27FC236}">
-                <a16:creationId xmlns="" xmlns:a16="http://schemas.microsoft.com/office/drawing/2014/main" id="{9228FE70-810C-4BF7-A94E-56AC82D37C65}"/>
+                <a16:creationId xmlns:a16="http://schemas.microsoft.com/office/drawing/2014/main" id="{9228FE70-810C-4BF7-A94E-56AC82D37C65}"/>
               </a:ext>
             </a:extLst>
           </p:cNvPr>
@@ -15167,7 +15124,7 @@
           <p:cNvPr id="15" name="Straight Arrow Connector 14">
             <a:extLst>
               <a:ext uri="{FF2B5EF4-FFF2-40B4-BE49-F238E27FC236}">
-                <a16:creationId xmlns="" xmlns:a16="http://schemas.microsoft.com/office/drawing/2014/main" id="{DF10DF84-A7E3-498F-AF43-C1C937E8C649}"/>
+                <a16:creationId xmlns:a16="http://schemas.microsoft.com/office/drawing/2014/main" id="{DF10DF84-A7E3-498F-AF43-C1C937E8C649}"/>
               </a:ext>
             </a:extLst>
           </p:cNvPr>
@@ -15210,7 +15167,7 @@
           <p:cNvPr id="17" name="Straight Arrow Connector 16">
             <a:extLst>
               <a:ext uri="{FF2B5EF4-FFF2-40B4-BE49-F238E27FC236}">
-                <a16:creationId xmlns="" xmlns:a16="http://schemas.microsoft.com/office/drawing/2014/main" id="{CC531552-CE9E-4C90-BA15-FC7B83DC4875}"/>
+                <a16:creationId xmlns:a16="http://schemas.microsoft.com/office/drawing/2014/main" id="{CC531552-CE9E-4C90-BA15-FC7B83DC4875}"/>
               </a:ext>
             </a:extLst>
           </p:cNvPr>
@@ -15253,7 +15210,7 @@
           <p:cNvPr id="20" name="Straight Arrow Connector 19">
             <a:extLst>
               <a:ext uri="{FF2B5EF4-FFF2-40B4-BE49-F238E27FC236}">
-                <a16:creationId xmlns="" xmlns:a16="http://schemas.microsoft.com/office/drawing/2014/main" id="{5417DB97-16C2-44D1-92C7-B3505CDD9A16}"/>
+                <a16:creationId xmlns:a16="http://schemas.microsoft.com/office/drawing/2014/main" id="{5417DB97-16C2-44D1-92C7-B3505CDD9A16}"/>
               </a:ext>
             </a:extLst>
           </p:cNvPr>
@@ -15296,7 +15253,7 @@
           <p:cNvPr id="23" name="Straight Arrow Connector 22">
             <a:extLst>
               <a:ext uri="{FF2B5EF4-FFF2-40B4-BE49-F238E27FC236}">
-                <a16:creationId xmlns="" xmlns:a16="http://schemas.microsoft.com/office/drawing/2014/main" id="{77ADE5B4-B020-4EE3-8768-B91FC70531FA}"/>
+                <a16:creationId xmlns:a16="http://schemas.microsoft.com/office/drawing/2014/main" id="{77ADE5B4-B020-4EE3-8768-B91FC70531FA}"/>
               </a:ext>
             </a:extLst>
           </p:cNvPr>
@@ -15338,7 +15295,7 @@
           <p:cNvPr id="26" name="Rectangle: Rounded Corners 25">
             <a:extLst>
               <a:ext uri="{FF2B5EF4-FFF2-40B4-BE49-F238E27FC236}">
-                <a16:creationId xmlns="" xmlns:a16="http://schemas.microsoft.com/office/drawing/2014/main" id="{2ABF2706-1B2E-453B-B3AE-0DBC12F1E3D4}"/>
+                <a16:creationId xmlns:a16="http://schemas.microsoft.com/office/drawing/2014/main" id="{2ABF2706-1B2E-453B-B3AE-0DBC12F1E3D4}"/>
               </a:ext>
             </a:extLst>
           </p:cNvPr>
@@ -15393,7 +15350,7 @@
           <p:cNvPr id="32" name="Rectangle: Rounded Corners 31">
             <a:extLst>
               <a:ext uri="{FF2B5EF4-FFF2-40B4-BE49-F238E27FC236}">
-                <a16:creationId xmlns="" xmlns:a16="http://schemas.microsoft.com/office/drawing/2014/main" id="{4EB0BBD1-CB88-4FEE-8309-5C34E0B476F3}"/>
+                <a16:creationId xmlns:a16="http://schemas.microsoft.com/office/drawing/2014/main" id="{4EB0BBD1-CB88-4FEE-8309-5C34E0B476F3}"/>
               </a:ext>
             </a:extLst>
           </p:cNvPr>
@@ -15447,7 +15404,7 @@
           <p:cNvPr id="33" name="Straight Arrow Connector 32">
             <a:extLst>
               <a:ext uri="{FF2B5EF4-FFF2-40B4-BE49-F238E27FC236}">
-                <a16:creationId xmlns="" xmlns:a16="http://schemas.microsoft.com/office/drawing/2014/main" id="{D7A3685D-37F1-400E-9286-250878D232B6}"/>
+                <a16:creationId xmlns:a16="http://schemas.microsoft.com/office/drawing/2014/main" id="{D7A3685D-37F1-400E-9286-250878D232B6}"/>
               </a:ext>
             </a:extLst>
           </p:cNvPr>
@@ -15490,7 +15447,7 @@
           <p:cNvPr id="38" name="Rectangle: Rounded Corners 37">
             <a:extLst>
               <a:ext uri="{FF2B5EF4-FFF2-40B4-BE49-F238E27FC236}">
-                <a16:creationId xmlns="" xmlns:a16="http://schemas.microsoft.com/office/drawing/2014/main" id="{67A5476F-0FC8-46EC-B4E2-694029194104}"/>
+                <a16:creationId xmlns:a16="http://schemas.microsoft.com/office/drawing/2014/main" id="{67A5476F-0FC8-46EC-B4E2-694029194104}"/>
               </a:ext>
             </a:extLst>
           </p:cNvPr>
@@ -15544,7 +15501,7 @@
           <p:cNvPr id="39" name="Straight Arrow Connector 38">
             <a:extLst>
               <a:ext uri="{FF2B5EF4-FFF2-40B4-BE49-F238E27FC236}">
-                <a16:creationId xmlns="" xmlns:a16="http://schemas.microsoft.com/office/drawing/2014/main" id="{39D2129C-EB73-424F-AE40-D795428495C9}"/>
+                <a16:creationId xmlns:a16="http://schemas.microsoft.com/office/drawing/2014/main" id="{39D2129C-EB73-424F-AE40-D795428495C9}"/>
               </a:ext>
             </a:extLst>
           </p:cNvPr>
@@ -15586,7 +15543,7 @@
           <p:cNvPr id="41" name="Connector: Curved 40">
             <a:extLst>
               <a:ext uri="{FF2B5EF4-FFF2-40B4-BE49-F238E27FC236}">
-                <a16:creationId xmlns="" xmlns:a16="http://schemas.microsoft.com/office/drawing/2014/main" id="{DF1DF76C-52DD-461A-BA71-71E2632BE4D3}"/>
+                <a16:creationId xmlns:a16="http://schemas.microsoft.com/office/drawing/2014/main" id="{DF1DF76C-52DD-461A-BA71-71E2632BE4D3}"/>
               </a:ext>
             </a:extLst>
           </p:cNvPr>
@@ -15630,7 +15587,7 @@
           <p:cNvPr id="52" name="TextBox 51">
             <a:extLst>
               <a:ext uri="{FF2B5EF4-FFF2-40B4-BE49-F238E27FC236}">
-                <a16:creationId xmlns="" xmlns:a16="http://schemas.microsoft.com/office/drawing/2014/main" id="{32A8553A-1F12-46BE-8280-BB6E643CCC34}"/>
+                <a16:creationId xmlns:a16="http://schemas.microsoft.com/office/drawing/2014/main" id="{32A8553A-1F12-46BE-8280-BB6E643CCC34}"/>
               </a:ext>
             </a:extLst>
           </p:cNvPr>
@@ -15665,7 +15622,7 @@
           <p:cNvPr id="55" name="Straight Arrow Connector 54">
             <a:extLst>
               <a:ext uri="{FF2B5EF4-FFF2-40B4-BE49-F238E27FC236}">
-                <a16:creationId xmlns="" xmlns:a16="http://schemas.microsoft.com/office/drawing/2014/main" id="{7A5B661B-833A-4391-9B0F-E42082FB21D5}"/>
+                <a16:creationId xmlns:a16="http://schemas.microsoft.com/office/drawing/2014/main" id="{7A5B661B-833A-4391-9B0F-E42082FB21D5}"/>
               </a:ext>
             </a:extLst>
           </p:cNvPr>
@@ -15706,7 +15663,7 @@
           <p:cNvPr id="59" name="TextBox 58">
             <a:extLst>
               <a:ext uri="{FF2B5EF4-FFF2-40B4-BE49-F238E27FC236}">
-                <a16:creationId xmlns="" xmlns:a16="http://schemas.microsoft.com/office/drawing/2014/main" id="{FFC9F7DF-4ED3-4A91-8AAE-5CDD112DA0BE}"/>
+                <a16:creationId xmlns:a16="http://schemas.microsoft.com/office/drawing/2014/main" id="{FFC9F7DF-4ED3-4A91-8AAE-5CDD112DA0BE}"/>
               </a:ext>
             </a:extLst>
           </p:cNvPr>
@@ -15793,7 +15750,7 @@
           <p:cNvPr id="4" name="Content Placeholder 3">
             <a:extLst>
               <a:ext uri="{FF2B5EF4-FFF2-40B4-BE49-F238E27FC236}">
-                <a16:creationId xmlns="" xmlns:a16="http://schemas.microsoft.com/office/drawing/2014/main" id="{1B4BCBD3-D197-4A30-8542-13A1BD0042DA}"/>
+                <a16:creationId xmlns:a16="http://schemas.microsoft.com/office/drawing/2014/main" id="{1B4BCBD3-D197-4A30-8542-13A1BD0042DA}"/>
               </a:ext>
             </a:extLst>
           </p:cNvPr>
@@ -15818,35 +15775,35 @@
                 <a:gridCol w="2135630">
                   <a:extLst>
                     <a:ext uri="{9D8B030D-6E8A-4147-A177-3AD203B41FA5}">
-                      <a16:colId xmlns="" xmlns:a16="http://schemas.microsoft.com/office/drawing/2014/main" val="647474070"/>
+                      <a16:colId xmlns:a16="http://schemas.microsoft.com/office/drawing/2014/main" val="647474070"/>
                     </a:ext>
                   </a:extLst>
                 </a:gridCol>
                 <a:gridCol w="1980875">
                   <a:extLst>
                     <a:ext uri="{9D8B030D-6E8A-4147-A177-3AD203B41FA5}">
-                      <a16:colId xmlns="" xmlns:a16="http://schemas.microsoft.com/office/drawing/2014/main" val="4172325040"/>
+                      <a16:colId xmlns:a16="http://schemas.microsoft.com/office/drawing/2014/main" val="4172325040"/>
                     </a:ext>
                   </a:extLst>
                 </a:gridCol>
                 <a:gridCol w="1980875">
                   <a:extLst>
                     <a:ext uri="{9D8B030D-6E8A-4147-A177-3AD203B41FA5}">
-                      <a16:colId xmlns="" xmlns:a16="http://schemas.microsoft.com/office/drawing/2014/main" val="2112222264"/>
+                      <a16:colId xmlns:a16="http://schemas.microsoft.com/office/drawing/2014/main" val="2112222264"/>
                     </a:ext>
                   </a:extLst>
                 </a:gridCol>
                 <a:gridCol w="1980875">
                   <a:extLst>
                     <a:ext uri="{9D8B030D-6E8A-4147-A177-3AD203B41FA5}">
-                      <a16:colId xmlns="" xmlns:a16="http://schemas.microsoft.com/office/drawing/2014/main" val="3712134187"/>
+                      <a16:colId xmlns:a16="http://schemas.microsoft.com/office/drawing/2014/main" val="3712134187"/>
                     </a:ext>
                   </a:extLst>
                 </a:gridCol>
                 <a:gridCol w="1980875">
                   <a:extLst>
                     <a:ext uri="{9D8B030D-6E8A-4147-A177-3AD203B41FA5}">
-                      <a16:colId xmlns="" xmlns:a16="http://schemas.microsoft.com/office/drawing/2014/main" val="2451542488"/>
+                      <a16:colId xmlns:a16="http://schemas.microsoft.com/office/drawing/2014/main" val="2451542488"/>
                     </a:ext>
                   </a:extLst>
                 </a:gridCol>
@@ -15938,7 +15895,7 @@
                 </a:tc>
                 <a:extLst>
                   <a:ext uri="{0D108BD9-81ED-4DB2-BD59-A6C34878D82A}">
-                    <a16:rowId xmlns="" xmlns:a16="http://schemas.microsoft.com/office/drawing/2014/main" val="3580140237"/>
+                    <a16:rowId xmlns:a16="http://schemas.microsoft.com/office/drawing/2014/main" val="3580140237"/>
                   </a:ext>
                 </a:extLst>
               </a:tr>
@@ -16060,7 +16017,7 @@
                 </a:tc>
                 <a:extLst>
                   <a:ext uri="{0D108BD9-81ED-4DB2-BD59-A6C34878D82A}">
-                    <a16:rowId xmlns="" xmlns:a16="http://schemas.microsoft.com/office/drawing/2014/main" val="2413837790"/>
+                    <a16:rowId xmlns:a16="http://schemas.microsoft.com/office/drawing/2014/main" val="2413837790"/>
                   </a:ext>
                 </a:extLst>
               </a:tr>
@@ -16182,7 +16139,7 @@
                 </a:tc>
                 <a:extLst>
                   <a:ext uri="{0D108BD9-81ED-4DB2-BD59-A6C34878D82A}">
-                    <a16:rowId xmlns="" xmlns:a16="http://schemas.microsoft.com/office/drawing/2014/main" val="2462567165"/>
+                    <a16:rowId xmlns:a16="http://schemas.microsoft.com/office/drawing/2014/main" val="2462567165"/>
                   </a:ext>
                 </a:extLst>
               </a:tr>
@@ -16195,7 +16152,7 @@
           <p:cNvPr id="5" name="Table 4">
             <a:extLst>
               <a:ext uri="{FF2B5EF4-FFF2-40B4-BE49-F238E27FC236}">
-                <a16:creationId xmlns="" xmlns:a16="http://schemas.microsoft.com/office/drawing/2014/main" id="{69461E6D-3012-4A5B-BF65-8B2033A10153}"/>
+                <a16:creationId xmlns:a16="http://schemas.microsoft.com/office/drawing/2014/main" id="{69461E6D-3012-4A5B-BF65-8B2033A10153}"/>
               </a:ext>
             </a:extLst>
           </p:cNvPr>
@@ -16218,56 +16175,56 @@
                 <a:gridCol w="701382">
                   <a:extLst>
                     <a:ext uri="{9D8B030D-6E8A-4147-A177-3AD203B41FA5}">
-                      <a16:colId xmlns="" xmlns:a16="http://schemas.microsoft.com/office/drawing/2014/main" val="2496544097"/>
+                      <a16:colId xmlns:a16="http://schemas.microsoft.com/office/drawing/2014/main" val="2496544097"/>
                     </a:ext>
                   </a:extLst>
                 </a:gridCol>
                 <a:gridCol w="650558">
                   <a:extLst>
                     <a:ext uri="{9D8B030D-6E8A-4147-A177-3AD203B41FA5}">
-                      <a16:colId xmlns="" xmlns:a16="http://schemas.microsoft.com/office/drawing/2014/main" val="3731515335"/>
+                      <a16:colId xmlns:a16="http://schemas.microsoft.com/office/drawing/2014/main" val="3731515335"/>
                     </a:ext>
                   </a:extLst>
                 </a:gridCol>
                 <a:gridCol w="650558">
                   <a:extLst>
                     <a:ext uri="{9D8B030D-6E8A-4147-A177-3AD203B41FA5}">
-                      <a16:colId xmlns="" xmlns:a16="http://schemas.microsoft.com/office/drawing/2014/main" val="583802974"/>
+                      <a16:colId xmlns:a16="http://schemas.microsoft.com/office/drawing/2014/main" val="583802974"/>
                     </a:ext>
                   </a:extLst>
                 </a:gridCol>
                 <a:gridCol w="650558">
                   <a:extLst>
                     <a:ext uri="{9D8B030D-6E8A-4147-A177-3AD203B41FA5}">
-                      <a16:colId xmlns="" xmlns:a16="http://schemas.microsoft.com/office/drawing/2014/main" val="1985669728"/>
+                      <a16:colId xmlns:a16="http://schemas.microsoft.com/office/drawing/2014/main" val="1985669728"/>
                     </a:ext>
                   </a:extLst>
                 </a:gridCol>
                 <a:gridCol w="650558">
                   <a:extLst>
                     <a:ext uri="{9D8B030D-6E8A-4147-A177-3AD203B41FA5}">
-                      <a16:colId xmlns="" xmlns:a16="http://schemas.microsoft.com/office/drawing/2014/main" val="670716264"/>
+                      <a16:colId xmlns:a16="http://schemas.microsoft.com/office/drawing/2014/main" val="670716264"/>
                     </a:ext>
                   </a:extLst>
                 </a:gridCol>
                 <a:gridCol w="650558">
                   <a:extLst>
                     <a:ext uri="{9D8B030D-6E8A-4147-A177-3AD203B41FA5}">
-                      <a16:colId xmlns="" xmlns:a16="http://schemas.microsoft.com/office/drawing/2014/main" val="41380092"/>
+                      <a16:colId xmlns:a16="http://schemas.microsoft.com/office/drawing/2014/main" val="41380092"/>
                     </a:ext>
                   </a:extLst>
                 </a:gridCol>
                 <a:gridCol w="2575126">
                   <a:extLst>
                     <a:ext uri="{9D8B030D-6E8A-4147-A177-3AD203B41FA5}">
-                      <a16:colId xmlns="" xmlns:a16="http://schemas.microsoft.com/office/drawing/2014/main" val="1127255555"/>
+                      <a16:colId xmlns:a16="http://schemas.microsoft.com/office/drawing/2014/main" val="1127255555"/>
                     </a:ext>
                   </a:extLst>
                 </a:gridCol>
                 <a:gridCol w="2490416">
                   <a:extLst>
                     <a:ext uri="{9D8B030D-6E8A-4147-A177-3AD203B41FA5}">
-                      <a16:colId xmlns="" xmlns:a16="http://schemas.microsoft.com/office/drawing/2014/main" val="2056522444"/>
+                      <a16:colId xmlns:a16="http://schemas.microsoft.com/office/drawing/2014/main" val="2056522444"/>
                     </a:ext>
                   </a:extLst>
                 </a:gridCol>
@@ -16402,7 +16359,7 @@
                 </a:tc>
                 <a:extLst>
                   <a:ext uri="{0D108BD9-81ED-4DB2-BD59-A6C34878D82A}">
-                    <a16:rowId xmlns="" xmlns:a16="http://schemas.microsoft.com/office/drawing/2014/main" val="2896066975"/>
+                    <a16:rowId xmlns:a16="http://schemas.microsoft.com/office/drawing/2014/main" val="2896066975"/>
                   </a:ext>
                 </a:extLst>
               </a:tr>
@@ -16586,7 +16543,7 @@
                 </a:tc>
                 <a:extLst>
                   <a:ext uri="{0D108BD9-81ED-4DB2-BD59-A6C34878D82A}">
-                    <a16:rowId xmlns="" xmlns:a16="http://schemas.microsoft.com/office/drawing/2014/main" val="3586018524"/>
+                    <a16:rowId xmlns:a16="http://schemas.microsoft.com/office/drawing/2014/main" val="3586018524"/>
                   </a:ext>
                 </a:extLst>
               </a:tr>
@@ -16777,7 +16734,7 @@
                 </a:tc>
                 <a:extLst>
                   <a:ext uri="{0D108BD9-81ED-4DB2-BD59-A6C34878D82A}">
-                    <a16:rowId xmlns="" xmlns:a16="http://schemas.microsoft.com/office/drawing/2014/main" val="1439680067"/>
+                    <a16:rowId xmlns:a16="http://schemas.microsoft.com/office/drawing/2014/main" val="1439680067"/>
                   </a:ext>
                 </a:extLst>
               </a:tr>
@@ -16968,7 +16925,7 @@
                 </a:tc>
                 <a:extLst>
                   <a:ext uri="{0D108BD9-81ED-4DB2-BD59-A6C34878D82A}">
-                    <a16:rowId xmlns="" xmlns:a16="http://schemas.microsoft.com/office/drawing/2014/main" val="1075319824"/>
+                    <a16:rowId xmlns:a16="http://schemas.microsoft.com/office/drawing/2014/main" val="1075319824"/>
                   </a:ext>
                 </a:extLst>
               </a:tr>
@@ -17159,7 +17116,7 @@
                 </a:tc>
                 <a:extLst>
                   <a:ext uri="{0D108BD9-81ED-4DB2-BD59-A6C34878D82A}">
-                    <a16:rowId xmlns="" xmlns:a16="http://schemas.microsoft.com/office/drawing/2014/main" val="1156137200"/>
+                    <a16:rowId xmlns:a16="http://schemas.microsoft.com/office/drawing/2014/main" val="1156137200"/>
                   </a:ext>
                 </a:extLst>
               </a:tr>
@@ -17350,7 +17307,7 @@
                 </a:tc>
                 <a:extLst>
                   <a:ext uri="{0D108BD9-81ED-4DB2-BD59-A6C34878D82A}">
-                    <a16:rowId xmlns="" xmlns:a16="http://schemas.microsoft.com/office/drawing/2014/main" val="2713582692"/>
+                    <a16:rowId xmlns:a16="http://schemas.microsoft.com/office/drawing/2014/main" val="2713582692"/>
                   </a:ext>
                 </a:extLst>
               </a:tr>
@@ -17541,7 +17498,7 @@
                 </a:tc>
                 <a:extLst>
                   <a:ext uri="{0D108BD9-81ED-4DB2-BD59-A6C34878D82A}">
-                    <a16:rowId xmlns="" xmlns:a16="http://schemas.microsoft.com/office/drawing/2014/main" val="2136613090"/>
+                    <a16:rowId xmlns:a16="http://schemas.microsoft.com/office/drawing/2014/main" val="2136613090"/>
                   </a:ext>
                 </a:extLst>
               </a:tr>
